--- a/VEEPortingGuide/images/jpf-runtime-components.pptx
+++ b/VEEPortingGuide/images/jpf-runtime-components.pptx
@@ -239,7 +239,7 @@
               <a:rPr lang="fr-FR" smtClean="0">
                 <a:latin typeface="Calibri Regular" charset="0"/>
               </a:rPr>
-              <a:t>janvier 21</a:t>
+              <a:t>février 24</a:t>
             </a:fld>
             <a:endParaRPr lang="en-US" dirty="0">
               <a:latin typeface="Calibri Regular" charset="0"/>
@@ -418,7 +418,7 @@
             <a:fld id="{79958FA1-9FE8-F149-AB4B-7DC9950B39E9}" type="datetime6">
               <a:rPr lang="fr-FR" smtClean="0"/>
               <a:pPr/>
-              <a:t>janvier 21</a:t>
+              <a:t>février 24</a:t>
             </a:fld>
             <a:endParaRPr lang="en-US" dirty="0"/>
           </a:p>
@@ -1006,7 +1006,6 @@
         </p:style>
       </p:cxnSp>
     </p:spTree>
-    <p:extLst/>
   </p:cSld>
   <p:clrMapOvr>
     <a:masterClrMapping/>
@@ -1293,7 +1292,6 @@
         </p:style>
       </p:cxnSp>
     </p:spTree>
-    <p:extLst/>
   </p:cSld>
   <p:clrMapOvr>
     <a:masterClrMapping/>
@@ -1765,7 +1763,6 @@
         </p:style>
       </p:cxnSp>
     </p:spTree>
-    <p:extLst/>
   </p:cSld>
   <p:clrMapOvr>
     <a:masterClrMapping/>
@@ -2018,7 +2015,6 @@
         </p:style>
       </p:cxnSp>
     </p:spTree>
-    <p:extLst/>
   </p:cSld>
   <p:clrMapOvr>
     <a:masterClrMapping/>
@@ -2305,7 +2301,6 @@
         </p:style>
       </p:cxnSp>
     </p:spTree>
-    <p:extLst/>
   </p:cSld>
   <p:clrMapOvr>
     <a:masterClrMapping/>
@@ -2962,7 +2957,6 @@
         </p:txBody>
       </p:sp>
     </p:spTree>
-    <p:extLst/>
   </p:cSld>
   <p:clrMapOvr>
     <a:masterClrMapping/>
@@ -2989,7 +2983,6 @@
         </a:xfrm>
       </p:grpSpPr>
     </p:spTree>
-    <p:extLst/>
   </p:cSld>
   <p:clrMapOvr>
     <a:masterClrMapping/>
@@ -3200,7 +3193,6 @@
         </p:txBody>
       </p:sp>
     </p:spTree>
-    <p:extLst/>
   </p:cSld>
   <p:clrMapOvr>
     <a:masterClrMapping/>
@@ -3513,7 +3505,6 @@
         </p:style>
       </p:cxnSp>
     </p:spTree>
-    <p:extLst/>
   </p:cSld>
   <p:clrMapOvr>
     <a:masterClrMapping/>
@@ -4072,7 +4063,7 @@
           <p:nvPr/>
         </p:nvPicPr>
         <p:blipFill>
-          <a:blip r:embed="rId2">
+          <a:blip r:embed="rId2" cstate="print">
             <a:extLst>
               <a:ext uri="{28A0092B-C50C-407E-A947-70E740481C1C}">
                 <a14:useLocalDpi xmlns:a14="http://schemas.microsoft.com/office/drawing/2010/main" val="0"/>
@@ -4203,7 +4194,6 @@
         </p:txBody>
       </p:sp>
     </p:spTree>
-    <p:extLst/>
   </p:cSld>
   <p:clrMapOvr>
     <a:masterClrMapping/>
@@ -4504,7 +4494,6 @@
         </p:txBody>
       </p:sp>
     </p:spTree>
-    <p:extLst/>
   </p:cSld>
   <p:clrMapOvr>
     <a:masterClrMapping/>
@@ -4926,7 +4915,6 @@
         </p:style>
       </p:cxnSp>
     </p:spTree>
-    <p:extLst/>
   </p:cSld>
   <p:clrMapOvr>
     <a:masterClrMapping/>
@@ -5119,7 +5107,6 @@
         </p:txBody>
       </p:sp>
     </p:spTree>
-    <p:extLst/>
   </p:cSld>
   <p:clrMapOvr>
     <a:masterClrMapping/>
@@ -5221,13 +5208,12 @@
         </p:txBody>
       </p:sp>
     </p:spTree>
-    <p:extLst/>
   </p:cSld>
   <p:clrMapOvr>
     <a:masterClrMapping/>
   </p:clrMapOvr>
   <p:hf hdr="0" ftr="0"/>
-  <p:extLst mod="1">
+  <p:extLst>
     <p:ext uri="{DCECCB84-F9BA-43D5-87BE-67443E8EF086}">
       <p15:sldGuideLst xmlns:p15="http://schemas.microsoft.com/office/powerpoint/2012/main"/>
     </p:ext>
@@ -5433,7 +5419,6 @@
         </p:style>
       </p:cxnSp>
     </p:spTree>
-    <p:extLst/>
   </p:cSld>
   <p:clrMapOvr>
     <a:masterClrMapping/>
@@ -5720,7 +5705,6 @@
         </p:style>
       </p:cxnSp>
     </p:spTree>
-    <p:extLst/>
   </p:cSld>
   <p:clrMapOvr>
     <a:masterClrMapping/>
@@ -6032,7 +6016,6 @@
         </p:style>
       </p:cxnSp>
     </p:spTree>
-    <p:extLst/>
   </p:cSld>
   <p:clrMapOvr>
     <a:masterClrMapping/>
@@ -6239,7 +6222,6 @@
         </p:style>
       </p:cxnSp>
     </p:spTree>
-    <p:extLst/>
   </p:cSld>
   <p:clrMapOvr>
     <a:masterClrMapping/>
@@ -6417,7 +6399,7 @@
           <p:nvPr/>
         </p:nvPicPr>
         <p:blipFill>
-          <a:blip r:embed="rId23">
+          <a:blip r:embed="rId23" cstate="print">
             <a:extLst>
               <a:ext uri="{28A0092B-C50C-407E-A947-70E740481C1C}">
                 <a14:useLocalDpi xmlns:a14="http://schemas.microsoft.com/office/drawing/2010/main" val="0"/>
@@ -6828,7 +6810,7 @@
       </a:lvl9pPr>
     </p:otherStyle>
   </p:txStyles>
-  <p:extLst mod="1">
+  <p:extLst>
     <p:ext uri="{27BBF7A9-308A-43DC-89C8-2F10F3537804}">
       <p15:sldGuideLst xmlns:p15="http://schemas.microsoft.com/office/powerpoint/2012/main">
         <p15:guide id="1" orient="horz" pos="3807">
@@ -7124,12 +7106,190 @@
           </a:p>
         </p:txBody>
       </p:sp>
+      <p:sp>
+        <p:nvSpPr>
+          <p:cNvPr id="5" name="Arc 4">
+            <a:extLst>
+              <a:ext uri="{FF2B5EF4-FFF2-40B4-BE49-F238E27FC236}">
+                <a16:creationId xmlns:a16="http://schemas.microsoft.com/office/drawing/2014/main" id="{CDA75251-2717-3E43-BB3A-DBBEB462FB90}"/>
+              </a:ext>
+            </a:extLst>
+          </p:cNvPr>
+          <p:cNvSpPr/>
+          <p:nvPr/>
+        </p:nvSpPr>
+        <p:spPr>
+          <a:xfrm rot="16200000">
+            <a:off x="3598624" y="5967600"/>
+            <a:ext cx="229393" cy="209087"/>
+          </a:xfrm>
+          <a:prstGeom prst="arc">
+            <a:avLst>
+              <a:gd name="adj1" fmla="val 16200000"/>
+              <a:gd name="adj2" fmla="val 1286025"/>
+            </a:avLst>
+          </a:prstGeom>
+          <a:ln w="38100">
+            <a:solidFill>
+              <a:schemeClr val="bg2">
+                <a:lumMod val="25000"/>
+              </a:schemeClr>
+            </a:solidFill>
+          </a:ln>
+        </p:spPr>
+        <p:style>
+          <a:lnRef idx="1">
+            <a:schemeClr val="accent1"/>
+          </a:lnRef>
+          <a:fillRef idx="0">
+            <a:schemeClr val="accent1"/>
+          </a:fillRef>
+          <a:effectRef idx="0">
+            <a:schemeClr val="accent1"/>
+          </a:effectRef>
+          <a:fontRef idx="minor">
+            <a:schemeClr val="tx1"/>
+          </a:fontRef>
+        </p:style>
+        <p:txBody>
+          <a:bodyPr rtlCol="0" anchor="ctr"/>
+          <a:lstStyle/>
+          <a:p>
+            <a:pPr algn="ctr"/>
+            <a:endParaRPr lang="en-US" dirty="0"/>
+          </a:p>
+        </p:txBody>
+      </p:sp>
+      <p:sp>
+        <p:nvSpPr>
+          <p:cNvPr id="6" name="Arc 5">
+            <a:extLst>
+              <a:ext uri="{FF2B5EF4-FFF2-40B4-BE49-F238E27FC236}">
+                <a16:creationId xmlns:a16="http://schemas.microsoft.com/office/drawing/2014/main" id="{03DA70D7-2CF9-8747-BC92-DD0B286D3E0B}"/>
+              </a:ext>
+            </a:extLst>
+          </p:cNvPr>
+          <p:cNvSpPr/>
+          <p:nvPr/>
+        </p:nvSpPr>
+        <p:spPr>
+          <a:xfrm>
+            <a:off x="8030307" y="5973172"/>
+            <a:ext cx="224156" cy="213972"/>
+          </a:xfrm>
+          <a:prstGeom prst="arc">
+            <a:avLst>
+              <a:gd name="adj1" fmla="val 15188349"/>
+              <a:gd name="adj2" fmla="val 21512081"/>
+            </a:avLst>
+          </a:prstGeom>
+          <a:ln w="38100">
+            <a:solidFill>
+              <a:schemeClr val="bg2">
+                <a:lumMod val="25000"/>
+              </a:schemeClr>
+            </a:solidFill>
+          </a:ln>
+        </p:spPr>
+        <p:style>
+          <a:lnRef idx="1">
+            <a:schemeClr val="accent1"/>
+          </a:lnRef>
+          <a:fillRef idx="0">
+            <a:schemeClr val="accent1"/>
+          </a:fillRef>
+          <a:effectRef idx="0">
+            <a:schemeClr val="accent1"/>
+          </a:effectRef>
+          <a:fontRef idx="minor">
+            <a:schemeClr val="tx1"/>
+          </a:fontRef>
+        </p:style>
+        <p:txBody>
+          <a:bodyPr rtlCol="0" anchor="ctr"/>
+          <a:lstStyle/>
+          <a:p>
+            <a:pPr algn="ctr"/>
+            <a:endParaRPr lang="en-US" dirty="0"/>
+          </a:p>
+        </p:txBody>
+      </p:sp>
+      <p:sp>
+        <p:nvSpPr>
+          <p:cNvPr id="7" name="Snip Same Side Corner Rectangle 6">
+            <a:extLst>
+              <a:ext uri="{FF2B5EF4-FFF2-40B4-BE49-F238E27FC236}">
+                <a16:creationId xmlns:a16="http://schemas.microsoft.com/office/drawing/2014/main" id="{9CE42922-83A7-8B40-A4DE-A0EBB1D030D2}"/>
+              </a:ext>
+            </a:extLst>
+          </p:cNvPr>
+          <p:cNvSpPr/>
+          <p:nvPr/>
+        </p:nvSpPr>
+        <p:spPr>
+          <a:xfrm>
+            <a:off x="3699568" y="5537630"/>
+            <a:ext cx="4445565" cy="535522"/>
+          </a:xfrm>
+          <a:prstGeom prst="snip2SameRect">
+            <a:avLst>
+              <a:gd name="adj1" fmla="val 12416"/>
+              <a:gd name="adj2" fmla="val 0"/>
+            </a:avLst>
+          </a:prstGeom>
+          <a:solidFill>
+            <a:schemeClr val="tx1">
+              <a:lumMod val="50000"/>
+            </a:schemeClr>
+          </a:solidFill>
+          <a:ln>
+            <a:noFill/>
+          </a:ln>
+        </p:spPr>
+        <p:style>
+          <a:lnRef idx="2">
+            <a:schemeClr val="accent1">
+              <a:shade val="50000"/>
+            </a:schemeClr>
+          </a:lnRef>
+          <a:fillRef idx="1">
+            <a:schemeClr val="accent1"/>
+          </a:fillRef>
+          <a:effectRef idx="0">
+            <a:schemeClr val="accent1"/>
+          </a:effectRef>
+          <a:fontRef idx="minor">
+            <a:schemeClr val="lt1"/>
+          </a:fontRef>
+        </p:style>
+        <p:txBody>
+          <a:bodyPr wrap="square" tIns="72000" bIns="36000" rtlCol="0" anchor="t">
+            <a:noAutofit/>
+          </a:bodyPr>
+          <a:lstStyle/>
+          <a:p>
+            <a:pPr algn="ctr">
+              <a:lnSpc>
+                <a:spcPts val="1500"/>
+              </a:lnSpc>
+            </a:pPr>
+            <a:endParaRPr lang="en-US" sz="1400" i="1" dirty="0">
+              <a:solidFill>
+                <a:schemeClr val="bg1"/>
+              </a:solidFill>
+              <a:latin typeface="Source Sans Pro Light" charset="0"/>
+              <a:ea typeface="Source Sans Pro Light" charset="0"/>
+              <a:cs typeface="Source Sans Pro Light" charset="0"/>
+            </a:endParaRPr>
+          </a:p>
+        </p:txBody>
+      </p:sp>
       <p:grpSp>
         <p:nvGrpSpPr>
-          <p:cNvPr id="108" name="Group 107">
+          <p:cNvPr id="8" name="Group 7">
             <a:extLst>
               <a:ext uri="{FF2B5EF4-FFF2-40B4-BE49-F238E27FC236}">
-                <a16:creationId xmlns:a16="http://schemas.microsoft.com/office/drawing/2014/main" id="{1EA74A66-B367-0A4B-AE19-308F154AE9AF}"/>
+                <a16:creationId xmlns:a16="http://schemas.microsoft.com/office/drawing/2014/main" id="{5248D8D9-D967-1348-A032-008E17139DEE}"/>
               </a:ext>
             </a:extLst>
           </p:cNvPr>
@@ -7138,72 +7298,18 @@
         </p:nvGrpSpPr>
         <p:grpSpPr>
           <a:xfrm>
-            <a:off x="3608777" y="1324049"/>
-            <a:ext cx="4645686" cy="4915259"/>
-            <a:chOff x="3608777" y="1324049"/>
-            <a:chExt cx="4645686" cy="4915259"/>
+            <a:off x="3779441" y="5270650"/>
+            <a:ext cx="1718673" cy="728998"/>
+            <a:chOff x="4203485" y="5520221"/>
+            <a:chExt cx="1718673" cy="728998"/>
           </a:xfrm>
         </p:grpSpPr>
         <p:sp>
           <p:nvSpPr>
-            <p:cNvPr id="5" name="Arc 4">
+            <p:cNvPr id="9" name="Rounded Rectangle 370">
               <a:extLst>
                 <a:ext uri="{FF2B5EF4-FFF2-40B4-BE49-F238E27FC236}">
-                  <a16:creationId xmlns:a16="http://schemas.microsoft.com/office/drawing/2014/main" id="{CDA75251-2717-3E43-BB3A-DBBEB462FB90}"/>
-                </a:ext>
-              </a:extLst>
-            </p:cNvPr>
-            <p:cNvSpPr/>
-            <p:nvPr/>
-          </p:nvSpPr>
-          <p:spPr>
-            <a:xfrm rot="16200000">
-              <a:off x="3598624" y="5967600"/>
-              <a:ext cx="229393" cy="209087"/>
-            </a:xfrm>
-            <a:prstGeom prst="arc">
-              <a:avLst>
-                <a:gd name="adj1" fmla="val 16200000"/>
-                <a:gd name="adj2" fmla="val 1286025"/>
-              </a:avLst>
-            </a:prstGeom>
-            <a:ln w="38100">
-              <a:solidFill>
-                <a:schemeClr val="bg2">
-                  <a:lumMod val="25000"/>
-                </a:schemeClr>
-              </a:solidFill>
-            </a:ln>
-          </p:spPr>
-          <p:style>
-            <a:lnRef idx="1">
-              <a:schemeClr val="accent1"/>
-            </a:lnRef>
-            <a:fillRef idx="0">
-              <a:schemeClr val="accent1"/>
-            </a:fillRef>
-            <a:effectRef idx="0">
-              <a:schemeClr val="accent1"/>
-            </a:effectRef>
-            <a:fontRef idx="minor">
-              <a:schemeClr val="tx1"/>
-            </a:fontRef>
-          </p:style>
-          <p:txBody>
-            <a:bodyPr rtlCol="0" anchor="ctr"/>
-            <a:lstStyle/>
-            <a:p>
-              <a:pPr algn="ctr"/>
-              <a:endParaRPr lang="en-US" dirty="0"/>
-            </a:p>
-          </p:txBody>
-        </p:sp>
-        <p:sp>
-          <p:nvSpPr>
-            <p:cNvPr id="6" name="Arc 5">
-              <a:extLst>
-                <a:ext uri="{FF2B5EF4-FFF2-40B4-BE49-F238E27FC236}">
-                  <a16:creationId xmlns:a16="http://schemas.microsoft.com/office/drawing/2014/main" id="{03DA70D7-2CF9-8747-BC92-DD0B286D3E0B}"/>
+                  <a16:creationId xmlns:a16="http://schemas.microsoft.com/office/drawing/2014/main" id="{2667F158-48EA-5048-8BCC-3E029C7677F6}"/>
                 </a:ext>
               </a:extLst>
             </p:cNvPr>
@@ -7212,1325 +7318,928 @@
           </p:nvSpPr>
           <p:spPr>
             <a:xfrm>
-              <a:off x="8030307" y="5973172"/>
-              <a:ext cx="224156" cy="213972"/>
+              <a:off x="4203485" y="5520221"/>
+              <a:ext cx="1718673" cy="728998"/>
             </a:xfrm>
-            <a:prstGeom prst="arc">
-              <a:avLst>
-                <a:gd name="adj1" fmla="val 15188349"/>
-                <a:gd name="adj2" fmla="val 21512081"/>
-              </a:avLst>
-            </a:prstGeom>
-            <a:ln w="38100">
-              <a:solidFill>
-                <a:schemeClr val="bg2">
-                  <a:lumMod val="25000"/>
-                </a:schemeClr>
-              </a:solidFill>
-            </a:ln>
-          </p:spPr>
-          <p:style>
-            <a:lnRef idx="1">
-              <a:schemeClr val="accent1"/>
-            </a:lnRef>
-            <a:fillRef idx="0">
-              <a:schemeClr val="accent1"/>
-            </a:fillRef>
-            <a:effectRef idx="0">
-              <a:schemeClr val="accent1"/>
-            </a:effectRef>
-            <a:fontRef idx="minor">
-              <a:schemeClr val="tx1"/>
-            </a:fontRef>
-          </p:style>
-          <p:txBody>
-            <a:bodyPr rtlCol="0" anchor="ctr"/>
-            <a:lstStyle/>
-            <a:p>
-              <a:pPr algn="ctr"/>
-              <a:endParaRPr lang="en-US" dirty="0"/>
-            </a:p>
-          </p:txBody>
-        </p:sp>
-        <p:sp>
-          <p:nvSpPr>
-            <p:cNvPr id="7" name="Snip Same Side Corner Rectangle 6">
-              <a:extLst>
-                <a:ext uri="{FF2B5EF4-FFF2-40B4-BE49-F238E27FC236}">
-                  <a16:creationId xmlns:a16="http://schemas.microsoft.com/office/drawing/2014/main" id="{9CE42922-83A7-8B40-A4DE-A0EBB1D030D2}"/>
-                </a:ext>
-              </a:extLst>
-            </p:cNvPr>
-            <p:cNvSpPr/>
-            <p:nvPr/>
-          </p:nvSpPr>
-          <p:spPr>
-            <a:xfrm>
-              <a:off x="3699568" y="5537630"/>
-              <a:ext cx="4445565" cy="535522"/>
-            </a:xfrm>
-            <a:prstGeom prst="snip2SameRect">
-              <a:avLst>
-                <a:gd name="adj1" fmla="val 12416"/>
-                <a:gd name="adj2" fmla="val 0"/>
-              </a:avLst>
-            </a:prstGeom>
-            <a:solidFill>
-              <a:schemeClr val="tx1">
-                <a:lumMod val="50000"/>
-              </a:schemeClr>
-            </a:solidFill>
-            <a:ln>
-              <a:noFill/>
-            </a:ln>
-          </p:spPr>
-          <p:style>
-            <a:lnRef idx="2">
-              <a:schemeClr val="accent1">
-                <a:shade val="50000"/>
-              </a:schemeClr>
-            </a:lnRef>
-            <a:fillRef idx="1">
-              <a:schemeClr val="accent1"/>
-            </a:fillRef>
-            <a:effectRef idx="0">
-              <a:schemeClr val="accent1"/>
-            </a:effectRef>
-            <a:fontRef idx="minor">
-              <a:schemeClr val="lt1"/>
-            </a:fontRef>
-          </p:style>
-          <p:txBody>
-            <a:bodyPr wrap="square" tIns="72000" bIns="36000" rtlCol="0" anchor="t">
-              <a:noAutofit/>
-            </a:bodyPr>
-            <a:lstStyle/>
-            <a:p>
-              <a:pPr algn="ctr">
-                <a:lnSpc>
-                  <a:spcPts val="1500"/>
-                </a:lnSpc>
-              </a:pPr>
-              <a:endParaRPr lang="en-US" sz="1400" i="1" dirty="0">
-                <a:solidFill>
-                  <a:schemeClr val="bg1"/>
-                </a:solidFill>
-                <a:latin typeface="Source Sans Pro Light" charset="0"/>
-                <a:ea typeface="Source Sans Pro Light" charset="0"/>
-                <a:cs typeface="Source Sans Pro Light" charset="0"/>
-              </a:endParaRPr>
-            </a:p>
-          </p:txBody>
-        </p:sp>
-        <p:grpSp>
-          <p:nvGrpSpPr>
-            <p:cNvPr id="8" name="Group 7">
-              <a:extLst>
-                <a:ext uri="{FF2B5EF4-FFF2-40B4-BE49-F238E27FC236}">
-                  <a16:creationId xmlns:a16="http://schemas.microsoft.com/office/drawing/2014/main" id="{5248D8D9-D967-1348-A032-008E17139DEE}"/>
-                </a:ext>
-              </a:extLst>
-            </p:cNvPr>
-            <p:cNvGrpSpPr/>
-            <p:nvPr/>
-          </p:nvGrpSpPr>
-          <p:grpSpPr>
-            <a:xfrm>
-              <a:off x="3779441" y="5270650"/>
-              <a:ext cx="1718673" cy="728998"/>
-              <a:chOff x="4203485" y="5520221"/>
-              <a:chExt cx="1718673" cy="728998"/>
-            </a:xfrm>
-          </p:grpSpPr>
-          <p:sp>
-            <p:nvSpPr>
-              <p:cNvPr id="9" name="Rounded Rectangle 370">
-                <a:extLst>
-                  <a:ext uri="{FF2B5EF4-FFF2-40B4-BE49-F238E27FC236}">
-                    <a16:creationId xmlns:a16="http://schemas.microsoft.com/office/drawing/2014/main" id="{2667F158-48EA-5048-8BCC-3E029C7677F6}"/>
-                  </a:ext>
-                </a:extLst>
-              </p:cNvPr>
-              <p:cNvSpPr/>
-              <p:nvPr/>
-            </p:nvSpPr>
-            <p:spPr>
-              <a:xfrm>
-                <a:off x="4203485" y="5520221"/>
-                <a:ext cx="1718673" cy="728998"/>
-              </a:xfrm>
-              <a:custGeom>
-                <a:avLst/>
-                <a:gdLst>
-                  <a:gd name="connsiteX0" fmla="*/ 0 w 1377675"/>
-                  <a:gd name="connsiteY0" fmla="*/ 66568 h 1084694"/>
-                  <a:gd name="connsiteX1" fmla="*/ 66568 w 1377675"/>
-                  <a:gd name="connsiteY1" fmla="*/ 0 h 1084694"/>
-                  <a:gd name="connsiteX2" fmla="*/ 1311107 w 1377675"/>
-                  <a:gd name="connsiteY2" fmla="*/ 0 h 1084694"/>
-                  <a:gd name="connsiteX3" fmla="*/ 1377675 w 1377675"/>
-                  <a:gd name="connsiteY3" fmla="*/ 66568 h 1084694"/>
-                  <a:gd name="connsiteX4" fmla="*/ 1377675 w 1377675"/>
-                  <a:gd name="connsiteY4" fmla="*/ 1018126 h 1084694"/>
-                  <a:gd name="connsiteX5" fmla="*/ 1311107 w 1377675"/>
-                  <a:gd name="connsiteY5" fmla="*/ 1084694 h 1084694"/>
-                  <a:gd name="connsiteX6" fmla="*/ 66568 w 1377675"/>
-                  <a:gd name="connsiteY6" fmla="*/ 1084694 h 1084694"/>
-                  <a:gd name="connsiteX7" fmla="*/ 0 w 1377675"/>
-                  <a:gd name="connsiteY7" fmla="*/ 1018126 h 1084694"/>
-                  <a:gd name="connsiteX8" fmla="*/ 0 w 1377675"/>
-                  <a:gd name="connsiteY8" fmla="*/ 66568 h 1084694"/>
-                  <a:gd name="connsiteX0" fmla="*/ 0 w 1377675"/>
-                  <a:gd name="connsiteY0" fmla="*/ 66568 h 1084694"/>
-                  <a:gd name="connsiteX1" fmla="*/ 66568 w 1377675"/>
-                  <a:gd name="connsiteY1" fmla="*/ 0 h 1084694"/>
-                  <a:gd name="connsiteX2" fmla="*/ 1311107 w 1377675"/>
-                  <a:gd name="connsiteY2" fmla="*/ 0 h 1084694"/>
-                  <a:gd name="connsiteX3" fmla="*/ 1377675 w 1377675"/>
-                  <a:gd name="connsiteY3" fmla="*/ 409468 h 1084694"/>
-                  <a:gd name="connsiteX4" fmla="*/ 1377675 w 1377675"/>
-                  <a:gd name="connsiteY4" fmla="*/ 1018126 h 1084694"/>
-                  <a:gd name="connsiteX5" fmla="*/ 1311107 w 1377675"/>
-                  <a:gd name="connsiteY5" fmla="*/ 1084694 h 1084694"/>
-                  <a:gd name="connsiteX6" fmla="*/ 66568 w 1377675"/>
-                  <a:gd name="connsiteY6" fmla="*/ 1084694 h 1084694"/>
-                  <a:gd name="connsiteX7" fmla="*/ 0 w 1377675"/>
-                  <a:gd name="connsiteY7" fmla="*/ 1018126 h 1084694"/>
-                  <a:gd name="connsiteX8" fmla="*/ 0 w 1377675"/>
-                  <a:gd name="connsiteY8" fmla="*/ 66568 h 1084694"/>
-                  <a:gd name="connsiteX0" fmla="*/ 0 w 1381139"/>
-                  <a:gd name="connsiteY0" fmla="*/ 388686 h 1084694"/>
-                  <a:gd name="connsiteX1" fmla="*/ 70032 w 1381139"/>
-                  <a:gd name="connsiteY1" fmla="*/ 0 h 1084694"/>
-                  <a:gd name="connsiteX2" fmla="*/ 1314571 w 1381139"/>
-                  <a:gd name="connsiteY2" fmla="*/ 0 h 1084694"/>
-                  <a:gd name="connsiteX3" fmla="*/ 1381139 w 1381139"/>
-                  <a:gd name="connsiteY3" fmla="*/ 409468 h 1084694"/>
-                  <a:gd name="connsiteX4" fmla="*/ 1381139 w 1381139"/>
-                  <a:gd name="connsiteY4" fmla="*/ 1018126 h 1084694"/>
-                  <a:gd name="connsiteX5" fmla="*/ 1314571 w 1381139"/>
-                  <a:gd name="connsiteY5" fmla="*/ 1084694 h 1084694"/>
-                  <a:gd name="connsiteX6" fmla="*/ 70032 w 1381139"/>
-                  <a:gd name="connsiteY6" fmla="*/ 1084694 h 1084694"/>
-                  <a:gd name="connsiteX7" fmla="*/ 3464 w 1381139"/>
-                  <a:gd name="connsiteY7" fmla="*/ 1018126 h 1084694"/>
-                  <a:gd name="connsiteX8" fmla="*/ 0 w 1381139"/>
-                  <a:gd name="connsiteY8" fmla="*/ 388686 h 1084694"/>
-                  <a:gd name="connsiteX0" fmla="*/ 0 w 3085063"/>
-                  <a:gd name="connsiteY0" fmla="*/ 388686 h 1084694"/>
-                  <a:gd name="connsiteX1" fmla="*/ 70032 w 3085063"/>
-                  <a:gd name="connsiteY1" fmla="*/ 0 h 1084694"/>
-                  <a:gd name="connsiteX2" fmla="*/ 3084489 w 3085063"/>
-                  <a:gd name="connsiteY2" fmla="*/ 256309 h 1084694"/>
-                  <a:gd name="connsiteX3" fmla="*/ 1381139 w 3085063"/>
-                  <a:gd name="connsiteY3" fmla="*/ 409468 h 1084694"/>
-                  <a:gd name="connsiteX4" fmla="*/ 1381139 w 3085063"/>
-                  <a:gd name="connsiteY4" fmla="*/ 1018126 h 1084694"/>
-                  <a:gd name="connsiteX5" fmla="*/ 1314571 w 3085063"/>
-                  <a:gd name="connsiteY5" fmla="*/ 1084694 h 1084694"/>
-                  <a:gd name="connsiteX6" fmla="*/ 70032 w 3085063"/>
-                  <a:gd name="connsiteY6" fmla="*/ 1084694 h 1084694"/>
-                  <a:gd name="connsiteX7" fmla="*/ 3464 w 3085063"/>
-                  <a:gd name="connsiteY7" fmla="*/ 1018126 h 1084694"/>
-                  <a:gd name="connsiteX8" fmla="*/ 0 w 3085063"/>
-                  <a:gd name="connsiteY8" fmla="*/ 388686 h 1084694"/>
-                  <a:gd name="connsiteX0" fmla="*/ 1150005 w 4235068"/>
-                  <a:gd name="connsiteY0" fmla="*/ 132377 h 828385"/>
-                  <a:gd name="connsiteX1" fmla="*/ 837 w 4235068"/>
-                  <a:gd name="connsiteY1" fmla="*/ 3463 h 828385"/>
-                  <a:gd name="connsiteX2" fmla="*/ 4234494 w 4235068"/>
-                  <a:gd name="connsiteY2" fmla="*/ 0 h 828385"/>
-                  <a:gd name="connsiteX3" fmla="*/ 2531144 w 4235068"/>
-                  <a:gd name="connsiteY3" fmla="*/ 153159 h 828385"/>
-                  <a:gd name="connsiteX4" fmla="*/ 2531144 w 4235068"/>
-                  <a:gd name="connsiteY4" fmla="*/ 761817 h 828385"/>
-                  <a:gd name="connsiteX5" fmla="*/ 2464576 w 4235068"/>
-                  <a:gd name="connsiteY5" fmla="*/ 828385 h 828385"/>
-                  <a:gd name="connsiteX6" fmla="*/ 1220037 w 4235068"/>
-                  <a:gd name="connsiteY6" fmla="*/ 828385 h 828385"/>
-                  <a:gd name="connsiteX7" fmla="*/ 1153469 w 4235068"/>
-                  <a:gd name="connsiteY7" fmla="*/ 761817 h 828385"/>
-                  <a:gd name="connsiteX8" fmla="*/ 1150005 w 4235068"/>
-                  <a:gd name="connsiteY8" fmla="*/ 132377 h 828385"/>
-                  <a:gd name="connsiteX0" fmla="*/ 1150005 w 2930911"/>
-                  <a:gd name="connsiteY0" fmla="*/ 128914 h 824922"/>
-                  <a:gd name="connsiteX1" fmla="*/ 837 w 2930911"/>
-                  <a:gd name="connsiteY1" fmla="*/ 0 h 824922"/>
-                  <a:gd name="connsiteX2" fmla="*/ 2928703 w 2930911"/>
-                  <a:gd name="connsiteY2" fmla="*/ 1 h 824922"/>
-                  <a:gd name="connsiteX3" fmla="*/ 2531144 w 2930911"/>
-                  <a:gd name="connsiteY3" fmla="*/ 149696 h 824922"/>
-                  <a:gd name="connsiteX4" fmla="*/ 2531144 w 2930911"/>
-                  <a:gd name="connsiteY4" fmla="*/ 758354 h 824922"/>
-                  <a:gd name="connsiteX5" fmla="*/ 2464576 w 2930911"/>
-                  <a:gd name="connsiteY5" fmla="*/ 824922 h 824922"/>
-                  <a:gd name="connsiteX6" fmla="*/ 1220037 w 2930911"/>
-                  <a:gd name="connsiteY6" fmla="*/ 824922 h 824922"/>
-                  <a:gd name="connsiteX7" fmla="*/ 1153469 w 2930911"/>
-                  <a:gd name="connsiteY7" fmla="*/ 758354 h 824922"/>
-                  <a:gd name="connsiteX8" fmla="*/ 1150005 w 2930911"/>
-                  <a:gd name="connsiteY8" fmla="*/ 128914 h 824922"/>
-                  <a:gd name="connsiteX0" fmla="*/ 1150005 w 2930911"/>
-                  <a:gd name="connsiteY0" fmla="*/ 128914 h 824922"/>
-                  <a:gd name="connsiteX1" fmla="*/ 837 w 2930911"/>
-                  <a:gd name="connsiteY1" fmla="*/ 0 h 824922"/>
-                  <a:gd name="connsiteX2" fmla="*/ 2928703 w 2930911"/>
-                  <a:gd name="connsiteY2" fmla="*/ 1 h 824922"/>
-                  <a:gd name="connsiteX3" fmla="*/ 2531144 w 2930911"/>
-                  <a:gd name="connsiteY3" fmla="*/ 149696 h 824922"/>
-                  <a:gd name="connsiteX4" fmla="*/ 2531144 w 2930911"/>
-                  <a:gd name="connsiteY4" fmla="*/ 758354 h 824922"/>
-                  <a:gd name="connsiteX5" fmla="*/ 2464576 w 2930911"/>
-                  <a:gd name="connsiteY5" fmla="*/ 824922 h 824922"/>
-                  <a:gd name="connsiteX6" fmla="*/ 1220037 w 2930911"/>
-                  <a:gd name="connsiteY6" fmla="*/ 824922 h 824922"/>
-                  <a:gd name="connsiteX7" fmla="*/ 1153469 w 2930911"/>
-                  <a:gd name="connsiteY7" fmla="*/ 758354 h 824922"/>
-                  <a:gd name="connsiteX8" fmla="*/ 1150005 w 2930911"/>
-                  <a:gd name="connsiteY8" fmla="*/ 128914 h 824922"/>
-                  <a:gd name="connsiteX0" fmla="*/ 1150004 w 2930910"/>
-                  <a:gd name="connsiteY0" fmla="*/ 128914 h 824922"/>
-                  <a:gd name="connsiteX1" fmla="*/ 836 w 2930910"/>
-                  <a:gd name="connsiteY1" fmla="*/ 0 h 824922"/>
-                  <a:gd name="connsiteX2" fmla="*/ 2928702 w 2930910"/>
-                  <a:gd name="connsiteY2" fmla="*/ 1 h 824922"/>
-                  <a:gd name="connsiteX3" fmla="*/ 2531143 w 2930910"/>
-                  <a:gd name="connsiteY3" fmla="*/ 149696 h 824922"/>
-                  <a:gd name="connsiteX4" fmla="*/ 2531143 w 2930910"/>
-                  <a:gd name="connsiteY4" fmla="*/ 758354 h 824922"/>
-                  <a:gd name="connsiteX5" fmla="*/ 2464575 w 2930910"/>
-                  <a:gd name="connsiteY5" fmla="*/ 824922 h 824922"/>
-                  <a:gd name="connsiteX6" fmla="*/ 1220036 w 2930910"/>
-                  <a:gd name="connsiteY6" fmla="*/ 824922 h 824922"/>
-                  <a:gd name="connsiteX7" fmla="*/ 1153468 w 2930910"/>
-                  <a:gd name="connsiteY7" fmla="*/ 758354 h 824922"/>
-                  <a:gd name="connsiteX8" fmla="*/ 1150004 w 2930910"/>
-                  <a:gd name="connsiteY8" fmla="*/ 128914 h 824922"/>
-                  <a:gd name="connsiteX0" fmla="*/ 375627 w 2156533"/>
-                  <a:gd name="connsiteY0" fmla="*/ 128913 h 824921"/>
-                  <a:gd name="connsiteX1" fmla="*/ 2314 w 2156533"/>
-                  <a:gd name="connsiteY1" fmla="*/ 6926 h 824921"/>
-                  <a:gd name="connsiteX2" fmla="*/ 2154325 w 2156533"/>
-                  <a:gd name="connsiteY2" fmla="*/ 0 h 824921"/>
-                  <a:gd name="connsiteX3" fmla="*/ 1756766 w 2156533"/>
-                  <a:gd name="connsiteY3" fmla="*/ 149695 h 824921"/>
-                  <a:gd name="connsiteX4" fmla="*/ 1756766 w 2156533"/>
-                  <a:gd name="connsiteY4" fmla="*/ 758353 h 824921"/>
-                  <a:gd name="connsiteX5" fmla="*/ 1690198 w 2156533"/>
-                  <a:gd name="connsiteY5" fmla="*/ 824921 h 824921"/>
-                  <a:gd name="connsiteX6" fmla="*/ 445659 w 2156533"/>
-                  <a:gd name="connsiteY6" fmla="*/ 824921 h 824921"/>
-                  <a:gd name="connsiteX7" fmla="*/ 379091 w 2156533"/>
-                  <a:gd name="connsiteY7" fmla="*/ 758353 h 824921"/>
-                  <a:gd name="connsiteX8" fmla="*/ 375627 w 2156533"/>
-                  <a:gd name="connsiteY8" fmla="*/ 128913 h 824921"/>
-                  <a:gd name="connsiteX0" fmla="*/ 418185 w 2199091"/>
-                  <a:gd name="connsiteY0" fmla="*/ 128913 h 824921"/>
-                  <a:gd name="connsiteX1" fmla="*/ 44872 w 2199091"/>
-                  <a:gd name="connsiteY1" fmla="*/ 6926 h 824921"/>
-                  <a:gd name="connsiteX2" fmla="*/ 2196883 w 2199091"/>
-                  <a:gd name="connsiteY2" fmla="*/ 0 h 824921"/>
-                  <a:gd name="connsiteX3" fmla="*/ 1799324 w 2199091"/>
-                  <a:gd name="connsiteY3" fmla="*/ 149695 h 824921"/>
-                  <a:gd name="connsiteX4" fmla="*/ 1799324 w 2199091"/>
-                  <a:gd name="connsiteY4" fmla="*/ 758353 h 824921"/>
-                  <a:gd name="connsiteX5" fmla="*/ 1732756 w 2199091"/>
-                  <a:gd name="connsiteY5" fmla="*/ 824921 h 824921"/>
-                  <a:gd name="connsiteX6" fmla="*/ 488217 w 2199091"/>
-                  <a:gd name="connsiteY6" fmla="*/ 824921 h 824921"/>
-                  <a:gd name="connsiteX7" fmla="*/ 421649 w 2199091"/>
-                  <a:gd name="connsiteY7" fmla="*/ 758353 h 824921"/>
-                  <a:gd name="connsiteX8" fmla="*/ 418185 w 2199091"/>
-                  <a:gd name="connsiteY8" fmla="*/ 128913 h 824921"/>
-                  <a:gd name="connsiteX0" fmla="*/ 404178 w 2197426"/>
-                  <a:gd name="connsiteY0" fmla="*/ 129381 h 825389"/>
-                  <a:gd name="connsiteX1" fmla="*/ 30865 w 2197426"/>
-                  <a:gd name="connsiteY1" fmla="*/ 7394 h 825389"/>
-                  <a:gd name="connsiteX2" fmla="*/ 2182876 w 2197426"/>
-                  <a:gd name="connsiteY2" fmla="*/ 468 h 825389"/>
-                  <a:gd name="connsiteX3" fmla="*/ 1785317 w 2197426"/>
-                  <a:gd name="connsiteY3" fmla="*/ 150163 h 825389"/>
-                  <a:gd name="connsiteX4" fmla="*/ 1785317 w 2197426"/>
-                  <a:gd name="connsiteY4" fmla="*/ 758821 h 825389"/>
-                  <a:gd name="connsiteX5" fmla="*/ 1718749 w 2197426"/>
-                  <a:gd name="connsiteY5" fmla="*/ 825389 h 825389"/>
-                  <a:gd name="connsiteX6" fmla="*/ 474210 w 2197426"/>
-                  <a:gd name="connsiteY6" fmla="*/ 825389 h 825389"/>
-                  <a:gd name="connsiteX7" fmla="*/ 407642 w 2197426"/>
-                  <a:gd name="connsiteY7" fmla="*/ 758821 h 825389"/>
-                  <a:gd name="connsiteX8" fmla="*/ 404178 w 2197426"/>
-                  <a:gd name="connsiteY8" fmla="*/ 129381 h 825389"/>
-                  <a:gd name="connsiteX0" fmla="*/ 373313 w 2152011"/>
-                  <a:gd name="connsiteY0" fmla="*/ 129381 h 825389"/>
-                  <a:gd name="connsiteX1" fmla="*/ 0 w 2152011"/>
-                  <a:gd name="connsiteY1" fmla="*/ 7394 h 825389"/>
-                  <a:gd name="connsiteX2" fmla="*/ 2152011 w 2152011"/>
-                  <a:gd name="connsiteY2" fmla="*/ 468 h 825389"/>
-                  <a:gd name="connsiteX3" fmla="*/ 1754452 w 2152011"/>
-                  <a:gd name="connsiteY3" fmla="*/ 150163 h 825389"/>
-                  <a:gd name="connsiteX4" fmla="*/ 1754452 w 2152011"/>
-                  <a:gd name="connsiteY4" fmla="*/ 758821 h 825389"/>
-                  <a:gd name="connsiteX5" fmla="*/ 1687884 w 2152011"/>
-                  <a:gd name="connsiteY5" fmla="*/ 825389 h 825389"/>
-                  <a:gd name="connsiteX6" fmla="*/ 443345 w 2152011"/>
-                  <a:gd name="connsiteY6" fmla="*/ 825389 h 825389"/>
-                  <a:gd name="connsiteX7" fmla="*/ 376777 w 2152011"/>
-                  <a:gd name="connsiteY7" fmla="*/ 758821 h 825389"/>
-                  <a:gd name="connsiteX8" fmla="*/ 373313 w 2152011"/>
-                  <a:gd name="connsiteY8" fmla="*/ 129381 h 825389"/>
-                  <a:gd name="connsiteX0" fmla="*/ 436994 w 2018842"/>
-                  <a:gd name="connsiteY0" fmla="*/ 132057 h 828065"/>
-                  <a:gd name="connsiteX1" fmla="*/ 63681 w 2018842"/>
-                  <a:gd name="connsiteY1" fmla="*/ 10070 h 828065"/>
-                  <a:gd name="connsiteX2" fmla="*/ 2018842 w 2018842"/>
-                  <a:gd name="connsiteY2" fmla="*/ 6319 h 828065"/>
-                  <a:gd name="connsiteX3" fmla="*/ 1818133 w 2018842"/>
-                  <a:gd name="connsiteY3" fmla="*/ 152839 h 828065"/>
-                  <a:gd name="connsiteX4" fmla="*/ 1818133 w 2018842"/>
-                  <a:gd name="connsiteY4" fmla="*/ 761497 h 828065"/>
-                  <a:gd name="connsiteX5" fmla="*/ 1751565 w 2018842"/>
-                  <a:gd name="connsiteY5" fmla="*/ 828065 h 828065"/>
-                  <a:gd name="connsiteX6" fmla="*/ 507026 w 2018842"/>
-                  <a:gd name="connsiteY6" fmla="*/ 828065 h 828065"/>
-                  <a:gd name="connsiteX7" fmla="*/ 440458 w 2018842"/>
-                  <a:gd name="connsiteY7" fmla="*/ 761497 h 828065"/>
-                  <a:gd name="connsiteX8" fmla="*/ 436994 w 2018842"/>
-                  <a:gd name="connsiteY8" fmla="*/ 132057 h 828065"/>
-                  <a:gd name="connsiteX0" fmla="*/ 436994 w 2023402"/>
-                  <a:gd name="connsiteY0" fmla="*/ 131514 h 827522"/>
-                  <a:gd name="connsiteX1" fmla="*/ 63681 w 2023402"/>
-                  <a:gd name="connsiteY1" fmla="*/ 9527 h 827522"/>
-                  <a:gd name="connsiteX2" fmla="*/ 2018842 w 2023402"/>
-                  <a:gd name="connsiteY2" fmla="*/ 5776 h 827522"/>
-                  <a:gd name="connsiteX3" fmla="*/ 1818133 w 2023402"/>
-                  <a:gd name="connsiteY3" fmla="*/ 152296 h 827522"/>
-                  <a:gd name="connsiteX4" fmla="*/ 1818133 w 2023402"/>
-                  <a:gd name="connsiteY4" fmla="*/ 760954 h 827522"/>
-                  <a:gd name="connsiteX5" fmla="*/ 1751565 w 2023402"/>
-                  <a:gd name="connsiteY5" fmla="*/ 827522 h 827522"/>
-                  <a:gd name="connsiteX6" fmla="*/ 507026 w 2023402"/>
-                  <a:gd name="connsiteY6" fmla="*/ 827522 h 827522"/>
-                  <a:gd name="connsiteX7" fmla="*/ 440458 w 2023402"/>
-                  <a:gd name="connsiteY7" fmla="*/ 760954 h 827522"/>
-                  <a:gd name="connsiteX8" fmla="*/ 436994 w 2023402"/>
-                  <a:gd name="connsiteY8" fmla="*/ 131514 h 827522"/>
-                  <a:gd name="connsiteX0" fmla="*/ 260186 w 1921406"/>
-                  <a:gd name="connsiteY0" fmla="*/ 144219 h 840227"/>
-                  <a:gd name="connsiteX1" fmla="*/ 83723 w 1921406"/>
-                  <a:gd name="connsiteY1" fmla="*/ 15882 h 840227"/>
-                  <a:gd name="connsiteX2" fmla="*/ 1842034 w 1921406"/>
-                  <a:gd name="connsiteY2" fmla="*/ 18481 h 840227"/>
-                  <a:gd name="connsiteX3" fmla="*/ 1641325 w 1921406"/>
-                  <a:gd name="connsiteY3" fmla="*/ 165001 h 840227"/>
-                  <a:gd name="connsiteX4" fmla="*/ 1641325 w 1921406"/>
-                  <a:gd name="connsiteY4" fmla="*/ 773659 h 840227"/>
-                  <a:gd name="connsiteX5" fmla="*/ 1574757 w 1921406"/>
-                  <a:gd name="connsiteY5" fmla="*/ 840227 h 840227"/>
-                  <a:gd name="connsiteX6" fmla="*/ 330218 w 1921406"/>
-                  <a:gd name="connsiteY6" fmla="*/ 840227 h 840227"/>
-                  <a:gd name="connsiteX7" fmla="*/ 263650 w 1921406"/>
-                  <a:gd name="connsiteY7" fmla="*/ 773659 h 840227"/>
-                  <a:gd name="connsiteX8" fmla="*/ 260186 w 1921406"/>
-                  <a:gd name="connsiteY8" fmla="*/ 144219 h 840227"/>
-                  <a:gd name="connsiteX0" fmla="*/ 184184 w 1845404"/>
-                  <a:gd name="connsiteY0" fmla="*/ 137193 h 833201"/>
-                  <a:gd name="connsiteX1" fmla="*/ 7721 w 1845404"/>
-                  <a:gd name="connsiteY1" fmla="*/ 8856 h 833201"/>
-                  <a:gd name="connsiteX2" fmla="*/ 1766032 w 1845404"/>
-                  <a:gd name="connsiteY2" fmla="*/ 11455 h 833201"/>
-                  <a:gd name="connsiteX3" fmla="*/ 1565323 w 1845404"/>
-                  <a:gd name="connsiteY3" fmla="*/ 157975 h 833201"/>
-                  <a:gd name="connsiteX4" fmla="*/ 1565323 w 1845404"/>
-                  <a:gd name="connsiteY4" fmla="*/ 766633 h 833201"/>
-                  <a:gd name="connsiteX5" fmla="*/ 1498755 w 1845404"/>
-                  <a:gd name="connsiteY5" fmla="*/ 833201 h 833201"/>
-                  <a:gd name="connsiteX6" fmla="*/ 254216 w 1845404"/>
-                  <a:gd name="connsiteY6" fmla="*/ 833201 h 833201"/>
-                  <a:gd name="connsiteX7" fmla="*/ 187648 w 1845404"/>
-                  <a:gd name="connsiteY7" fmla="*/ 766633 h 833201"/>
-                  <a:gd name="connsiteX8" fmla="*/ 184184 w 1845404"/>
-                  <a:gd name="connsiteY8" fmla="*/ 137193 h 833201"/>
-                  <a:gd name="connsiteX0" fmla="*/ 254154 w 1839241"/>
-                  <a:gd name="connsiteY0" fmla="*/ 147999 h 844007"/>
-                  <a:gd name="connsiteX1" fmla="*/ 77691 w 1839241"/>
-                  <a:gd name="connsiteY1" fmla="*/ 19662 h 844007"/>
-                  <a:gd name="connsiteX2" fmla="*/ 1747102 w 1839241"/>
-                  <a:gd name="connsiteY2" fmla="*/ 15911 h 844007"/>
-                  <a:gd name="connsiteX3" fmla="*/ 1635293 w 1839241"/>
-                  <a:gd name="connsiteY3" fmla="*/ 168781 h 844007"/>
-                  <a:gd name="connsiteX4" fmla="*/ 1635293 w 1839241"/>
-                  <a:gd name="connsiteY4" fmla="*/ 777439 h 844007"/>
-                  <a:gd name="connsiteX5" fmla="*/ 1568725 w 1839241"/>
-                  <a:gd name="connsiteY5" fmla="*/ 844007 h 844007"/>
-                  <a:gd name="connsiteX6" fmla="*/ 324186 w 1839241"/>
-                  <a:gd name="connsiteY6" fmla="*/ 844007 h 844007"/>
-                  <a:gd name="connsiteX7" fmla="*/ 257618 w 1839241"/>
-                  <a:gd name="connsiteY7" fmla="*/ 777439 h 844007"/>
-                  <a:gd name="connsiteX8" fmla="*/ 254154 w 1839241"/>
-                  <a:gd name="connsiteY8" fmla="*/ 147999 h 844007"/>
-                  <a:gd name="connsiteX0" fmla="*/ 254154 w 1752323"/>
-                  <a:gd name="connsiteY0" fmla="*/ 139925 h 835933"/>
-                  <a:gd name="connsiteX1" fmla="*/ 77691 w 1752323"/>
-                  <a:gd name="connsiteY1" fmla="*/ 11588 h 835933"/>
-                  <a:gd name="connsiteX2" fmla="*/ 1747102 w 1752323"/>
-                  <a:gd name="connsiteY2" fmla="*/ 7837 h 835933"/>
-                  <a:gd name="connsiteX3" fmla="*/ 1635293 w 1752323"/>
-                  <a:gd name="connsiteY3" fmla="*/ 160707 h 835933"/>
-                  <a:gd name="connsiteX4" fmla="*/ 1635293 w 1752323"/>
-                  <a:gd name="connsiteY4" fmla="*/ 769365 h 835933"/>
-                  <a:gd name="connsiteX5" fmla="*/ 1568725 w 1752323"/>
-                  <a:gd name="connsiteY5" fmla="*/ 835933 h 835933"/>
-                  <a:gd name="connsiteX6" fmla="*/ 324186 w 1752323"/>
-                  <a:gd name="connsiteY6" fmla="*/ 835933 h 835933"/>
-                  <a:gd name="connsiteX7" fmla="*/ 257618 w 1752323"/>
-                  <a:gd name="connsiteY7" fmla="*/ 769365 h 835933"/>
-                  <a:gd name="connsiteX8" fmla="*/ 254154 w 1752323"/>
-                  <a:gd name="connsiteY8" fmla="*/ 139925 h 835933"/>
-                  <a:gd name="connsiteX0" fmla="*/ 256302 w 1786136"/>
-                  <a:gd name="connsiteY0" fmla="*/ 138666 h 834674"/>
-                  <a:gd name="connsiteX1" fmla="*/ 79839 w 1786136"/>
-                  <a:gd name="connsiteY1" fmla="*/ 10329 h 834674"/>
-                  <a:gd name="connsiteX2" fmla="*/ 1781000 w 1786136"/>
-                  <a:gd name="connsiteY2" fmla="*/ 9753 h 834674"/>
-                  <a:gd name="connsiteX3" fmla="*/ 1637441 w 1786136"/>
-                  <a:gd name="connsiteY3" fmla="*/ 159448 h 834674"/>
-                  <a:gd name="connsiteX4" fmla="*/ 1637441 w 1786136"/>
-                  <a:gd name="connsiteY4" fmla="*/ 768106 h 834674"/>
-                  <a:gd name="connsiteX5" fmla="*/ 1570873 w 1786136"/>
-                  <a:gd name="connsiteY5" fmla="*/ 834674 h 834674"/>
-                  <a:gd name="connsiteX6" fmla="*/ 326334 w 1786136"/>
-                  <a:gd name="connsiteY6" fmla="*/ 834674 h 834674"/>
-                  <a:gd name="connsiteX7" fmla="*/ 259766 w 1786136"/>
-                  <a:gd name="connsiteY7" fmla="*/ 768106 h 834674"/>
-                  <a:gd name="connsiteX8" fmla="*/ 256302 w 1786136"/>
-                  <a:gd name="connsiteY8" fmla="*/ 138666 h 834674"/>
-                  <a:gd name="connsiteX0" fmla="*/ 181625 w 1710512"/>
-                  <a:gd name="connsiteY0" fmla="*/ 130557 h 826565"/>
-                  <a:gd name="connsiteX1" fmla="*/ 5162 w 1710512"/>
-                  <a:gd name="connsiteY1" fmla="*/ 2220 h 826565"/>
-                  <a:gd name="connsiteX2" fmla="*/ 1706323 w 1710512"/>
-                  <a:gd name="connsiteY2" fmla="*/ 1644 h 826565"/>
-                  <a:gd name="connsiteX3" fmla="*/ 1562764 w 1710512"/>
-                  <a:gd name="connsiteY3" fmla="*/ 151339 h 826565"/>
-                  <a:gd name="connsiteX4" fmla="*/ 1562764 w 1710512"/>
-                  <a:gd name="connsiteY4" fmla="*/ 759997 h 826565"/>
-                  <a:gd name="connsiteX5" fmla="*/ 1496196 w 1710512"/>
-                  <a:gd name="connsiteY5" fmla="*/ 826565 h 826565"/>
-                  <a:gd name="connsiteX6" fmla="*/ 251657 w 1710512"/>
-                  <a:gd name="connsiteY6" fmla="*/ 826565 h 826565"/>
-                  <a:gd name="connsiteX7" fmla="*/ 185089 w 1710512"/>
-                  <a:gd name="connsiteY7" fmla="*/ 759997 h 826565"/>
-                  <a:gd name="connsiteX8" fmla="*/ 181625 w 1710512"/>
-                  <a:gd name="connsiteY8" fmla="*/ 130557 h 826565"/>
-                  <a:gd name="connsiteX0" fmla="*/ 157442 w 1767509"/>
-                  <a:gd name="connsiteY0" fmla="*/ 139313 h 835321"/>
-                  <a:gd name="connsiteX1" fmla="*/ 6379 w 1767509"/>
-                  <a:gd name="connsiteY1" fmla="*/ 14151 h 835321"/>
-                  <a:gd name="connsiteX2" fmla="*/ 1682140 w 1767509"/>
-                  <a:gd name="connsiteY2" fmla="*/ 10400 h 835321"/>
-                  <a:gd name="connsiteX3" fmla="*/ 1538581 w 1767509"/>
-                  <a:gd name="connsiteY3" fmla="*/ 160095 h 835321"/>
-                  <a:gd name="connsiteX4" fmla="*/ 1538581 w 1767509"/>
-                  <a:gd name="connsiteY4" fmla="*/ 768753 h 835321"/>
-                  <a:gd name="connsiteX5" fmla="*/ 1472013 w 1767509"/>
-                  <a:gd name="connsiteY5" fmla="*/ 835321 h 835321"/>
-                  <a:gd name="connsiteX6" fmla="*/ 227474 w 1767509"/>
-                  <a:gd name="connsiteY6" fmla="*/ 835321 h 835321"/>
-                  <a:gd name="connsiteX7" fmla="*/ 160906 w 1767509"/>
-                  <a:gd name="connsiteY7" fmla="*/ 768753 h 835321"/>
-                  <a:gd name="connsiteX8" fmla="*/ 157442 w 1767509"/>
-                  <a:gd name="connsiteY8" fmla="*/ 139313 h 835321"/>
-                  <a:gd name="connsiteX0" fmla="*/ 155631 w 1765698"/>
-                  <a:gd name="connsiteY0" fmla="*/ 139999 h 836007"/>
-                  <a:gd name="connsiteX1" fmla="*/ 4568 w 1765698"/>
-                  <a:gd name="connsiteY1" fmla="*/ 14837 h 836007"/>
-                  <a:gd name="connsiteX2" fmla="*/ 1680329 w 1765698"/>
-                  <a:gd name="connsiteY2" fmla="*/ 11086 h 836007"/>
-                  <a:gd name="connsiteX3" fmla="*/ 1536770 w 1765698"/>
-                  <a:gd name="connsiteY3" fmla="*/ 160781 h 836007"/>
-                  <a:gd name="connsiteX4" fmla="*/ 1536770 w 1765698"/>
-                  <a:gd name="connsiteY4" fmla="*/ 769439 h 836007"/>
-                  <a:gd name="connsiteX5" fmla="*/ 1470202 w 1765698"/>
-                  <a:gd name="connsiteY5" fmla="*/ 836007 h 836007"/>
-                  <a:gd name="connsiteX6" fmla="*/ 225663 w 1765698"/>
-                  <a:gd name="connsiteY6" fmla="*/ 836007 h 836007"/>
-                  <a:gd name="connsiteX7" fmla="*/ 159095 w 1765698"/>
-                  <a:gd name="connsiteY7" fmla="*/ 769439 h 836007"/>
-                  <a:gd name="connsiteX8" fmla="*/ 155631 w 1765698"/>
-                  <a:gd name="connsiteY8" fmla="*/ 139999 h 836007"/>
-                  <a:gd name="connsiteX0" fmla="*/ 155631 w 1765698"/>
-                  <a:gd name="connsiteY0" fmla="*/ 139999 h 836007"/>
-                  <a:gd name="connsiteX1" fmla="*/ 4568 w 1765698"/>
-                  <a:gd name="connsiteY1" fmla="*/ 14837 h 836007"/>
-                  <a:gd name="connsiteX2" fmla="*/ 1680329 w 1765698"/>
-                  <a:gd name="connsiteY2" fmla="*/ 11086 h 836007"/>
-                  <a:gd name="connsiteX3" fmla="*/ 1536770 w 1765698"/>
-                  <a:gd name="connsiteY3" fmla="*/ 160781 h 836007"/>
-                  <a:gd name="connsiteX4" fmla="*/ 1536770 w 1765698"/>
-                  <a:gd name="connsiteY4" fmla="*/ 769439 h 836007"/>
-                  <a:gd name="connsiteX5" fmla="*/ 1470202 w 1765698"/>
-                  <a:gd name="connsiteY5" fmla="*/ 836007 h 836007"/>
-                  <a:gd name="connsiteX6" fmla="*/ 225663 w 1765698"/>
-                  <a:gd name="connsiteY6" fmla="*/ 836007 h 836007"/>
-                  <a:gd name="connsiteX7" fmla="*/ 159095 w 1765698"/>
-                  <a:gd name="connsiteY7" fmla="*/ 769439 h 836007"/>
-                  <a:gd name="connsiteX8" fmla="*/ 155631 w 1765698"/>
-                  <a:gd name="connsiteY8" fmla="*/ 139999 h 836007"/>
-                  <a:gd name="connsiteX0" fmla="*/ 154777 w 1684351"/>
-                  <a:gd name="connsiteY0" fmla="*/ 131536 h 827544"/>
-                  <a:gd name="connsiteX1" fmla="*/ 3714 w 1684351"/>
-                  <a:gd name="connsiteY1" fmla="*/ 6374 h 827544"/>
-                  <a:gd name="connsiteX2" fmla="*/ 1679475 w 1684351"/>
-                  <a:gd name="connsiteY2" fmla="*/ 2623 h 827544"/>
-                  <a:gd name="connsiteX3" fmla="*/ 1535916 w 1684351"/>
-                  <a:gd name="connsiteY3" fmla="*/ 152318 h 827544"/>
-                  <a:gd name="connsiteX4" fmla="*/ 1535916 w 1684351"/>
-                  <a:gd name="connsiteY4" fmla="*/ 760976 h 827544"/>
-                  <a:gd name="connsiteX5" fmla="*/ 1469348 w 1684351"/>
-                  <a:gd name="connsiteY5" fmla="*/ 827544 h 827544"/>
-                  <a:gd name="connsiteX6" fmla="*/ 224809 w 1684351"/>
-                  <a:gd name="connsiteY6" fmla="*/ 827544 h 827544"/>
-                  <a:gd name="connsiteX7" fmla="*/ 158241 w 1684351"/>
-                  <a:gd name="connsiteY7" fmla="*/ 760976 h 827544"/>
-                  <a:gd name="connsiteX8" fmla="*/ 154777 w 1684351"/>
-                  <a:gd name="connsiteY8" fmla="*/ 131536 h 827544"/>
-                  <a:gd name="connsiteX0" fmla="*/ 236936 w 1786555"/>
-                  <a:gd name="connsiteY0" fmla="*/ 135949 h 831957"/>
-                  <a:gd name="connsiteX1" fmla="*/ 85873 w 1786555"/>
-                  <a:gd name="connsiteY1" fmla="*/ 10787 h 831957"/>
-                  <a:gd name="connsiteX2" fmla="*/ 1780684 w 1786555"/>
-                  <a:gd name="connsiteY2" fmla="*/ 10211 h 831957"/>
-                  <a:gd name="connsiteX3" fmla="*/ 1618075 w 1786555"/>
-                  <a:gd name="connsiteY3" fmla="*/ 156731 h 831957"/>
-                  <a:gd name="connsiteX4" fmla="*/ 1618075 w 1786555"/>
-                  <a:gd name="connsiteY4" fmla="*/ 765389 h 831957"/>
-                  <a:gd name="connsiteX5" fmla="*/ 1551507 w 1786555"/>
-                  <a:gd name="connsiteY5" fmla="*/ 831957 h 831957"/>
-                  <a:gd name="connsiteX6" fmla="*/ 306968 w 1786555"/>
-                  <a:gd name="connsiteY6" fmla="*/ 831957 h 831957"/>
-                  <a:gd name="connsiteX7" fmla="*/ 240400 w 1786555"/>
-                  <a:gd name="connsiteY7" fmla="*/ 765389 h 831957"/>
-                  <a:gd name="connsiteX8" fmla="*/ 236936 w 1786555"/>
-                  <a:gd name="connsiteY8" fmla="*/ 135949 h 831957"/>
-                  <a:gd name="connsiteX0" fmla="*/ 157046 w 1705555"/>
-                  <a:gd name="connsiteY0" fmla="*/ 128377 h 824385"/>
-                  <a:gd name="connsiteX1" fmla="*/ 5983 w 1705555"/>
-                  <a:gd name="connsiteY1" fmla="*/ 3215 h 824385"/>
-                  <a:gd name="connsiteX2" fmla="*/ 1700794 w 1705555"/>
-                  <a:gd name="connsiteY2" fmla="*/ 2639 h 824385"/>
-                  <a:gd name="connsiteX3" fmla="*/ 1538185 w 1705555"/>
-                  <a:gd name="connsiteY3" fmla="*/ 149159 h 824385"/>
-                  <a:gd name="connsiteX4" fmla="*/ 1538185 w 1705555"/>
-                  <a:gd name="connsiteY4" fmla="*/ 757817 h 824385"/>
-                  <a:gd name="connsiteX5" fmla="*/ 1471617 w 1705555"/>
-                  <a:gd name="connsiteY5" fmla="*/ 824385 h 824385"/>
-                  <a:gd name="connsiteX6" fmla="*/ 227078 w 1705555"/>
-                  <a:gd name="connsiteY6" fmla="*/ 824385 h 824385"/>
-                  <a:gd name="connsiteX7" fmla="*/ 160510 w 1705555"/>
-                  <a:gd name="connsiteY7" fmla="*/ 757817 h 824385"/>
-                  <a:gd name="connsiteX8" fmla="*/ 157046 w 1705555"/>
-                  <a:gd name="connsiteY8" fmla="*/ 128377 h 824385"/>
-                  <a:gd name="connsiteX0" fmla="*/ 158360 w 1784749"/>
-                  <a:gd name="connsiteY0" fmla="*/ 140824 h 836832"/>
-                  <a:gd name="connsiteX1" fmla="*/ 7297 w 1784749"/>
-                  <a:gd name="connsiteY1" fmla="*/ 15662 h 836832"/>
-                  <a:gd name="connsiteX2" fmla="*/ 1702108 w 1784749"/>
-                  <a:gd name="connsiteY2" fmla="*/ 15086 h 836832"/>
-                  <a:gd name="connsiteX3" fmla="*/ 1539499 w 1784749"/>
-                  <a:gd name="connsiteY3" fmla="*/ 215581 h 836832"/>
-                  <a:gd name="connsiteX4" fmla="*/ 1539499 w 1784749"/>
-                  <a:gd name="connsiteY4" fmla="*/ 770264 h 836832"/>
-                  <a:gd name="connsiteX5" fmla="*/ 1472931 w 1784749"/>
-                  <a:gd name="connsiteY5" fmla="*/ 836832 h 836832"/>
-                  <a:gd name="connsiteX6" fmla="*/ 228392 w 1784749"/>
-                  <a:gd name="connsiteY6" fmla="*/ 836832 h 836832"/>
-                  <a:gd name="connsiteX7" fmla="*/ 161824 w 1784749"/>
-                  <a:gd name="connsiteY7" fmla="*/ 770264 h 836832"/>
-                  <a:gd name="connsiteX8" fmla="*/ 158360 w 1784749"/>
-                  <a:gd name="connsiteY8" fmla="*/ 140824 h 836832"/>
-                  <a:gd name="connsiteX0" fmla="*/ 239426 w 1862640"/>
-                  <a:gd name="connsiteY0" fmla="*/ 233513 h 846971"/>
-                  <a:gd name="connsiteX1" fmla="*/ 85188 w 1862640"/>
-                  <a:gd name="connsiteY1" fmla="*/ 25801 h 846971"/>
-                  <a:gd name="connsiteX2" fmla="*/ 1779999 w 1862640"/>
-                  <a:gd name="connsiteY2" fmla="*/ 25225 h 846971"/>
-                  <a:gd name="connsiteX3" fmla="*/ 1617390 w 1862640"/>
-                  <a:gd name="connsiteY3" fmla="*/ 225720 h 846971"/>
-                  <a:gd name="connsiteX4" fmla="*/ 1617390 w 1862640"/>
-                  <a:gd name="connsiteY4" fmla="*/ 780403 h 846971"/>
-                  <a:gd name="connsiteX5" fmla="*/ 1550822 w 1862640"/>
-                  <a:gd name="connsiteY5" fmla="*/ 846971 h 846971"/>
-                  <a:gd name="connsiteX6" fmla="*/ 306283 w 1862640"/>
-                  <a:gd name="connsiteY6" fmla="*/ 846971 h 846971"/>
-                  <a:gd name="connsiteX7" fmla="*/ 239715 w 1862640"/>
-                  <a:gd name="connsiteY7" fmla="*/ 780403 h 846971"/>
-                  <a:gd name="connsiteX8" fmla="*/ 239426 w 1862640"/>
-                  <a:gd name="connsiteY8" fmla="*/ 233513 h 846971"/>
-                  <a:gd name="connsiteX0" fmla="*/ 238598 w 1861812"/>
-                  <a:gd name="connsiteY0" fmla="*/ 233513 h 846971"/>
-                  <a:gd name="connsiteX1" fmla="*/ 84360 w 1861812"/>
-                  <a:gd name="connsiteY1" fmla="*/ 25801 h 846971"/>
-                  <a:gd name="connsiteX2" fmla="*/ 1779171 w 1861812"/>
-                  <a:gd name="connsiteY2" fmla="*/ 25225 h 846971"/>
-                  <a:gd name="connsiteX3" fmla="*/ 1616562 w 1861812"/>
-                  <a:gd name="connsiteY3" fmla="*/ 225720 h 846971"/>
-                  <a:gd name="connsiteX4" fmla="*/ 1616562 w 1861812"/>
-                  <a:gd name="connsiteY4" fmla="*/ 780403 h 846971"/>
-                  <a:gd name="connsiteX5" fmla="*/ 1549994 w 1861812"/>
-                  <a:gd name="connsiteY5" fmla="*/ 846971 h 846971"/>
-                  <a:gd name="connsiteX6" fmla="*/ 305455 w 1861812"/>
-                  <a:gd name="connsiteY6" fmla="*/ 846971 h 846971"/>
-                  <a:gd name="connsiteX7" fmla="*/ 238887 w 1861812"/>
-                  <a:gd name="connsiteY7" fmla="*/ 780403 h 846971"/>
-                  <a:gd name="connsiteX8" fmla="*/ 238598 w 1861812"/>
-                  <a:gd name="connsiteY8" fmla="*/ 233513 h 846971"/>
-                  <a:gd name="connsiteX0" fmla="*/ 238598 w 1862214"/>
-                  <a:gd name="connsiteY0" fmla="*/ 233513 h 846971"/>
-                  <a:gd name="connsiteX1" fmla="*/ 84360 w 1862214"/>
-                  <a:gd name="connsiteY1" fmla="*/ 25801 h 846971"/>
-                  <a:gd name="connsiteX2" fmla="*/ 1779171 w 1862214"/>
-                  <a:gd name="connsiteY2" fmla="*/ 25225 h 846971"/>
-                  <a:gd name="connsiteX3" fmla="*/ 1616562 w 1862214"/>
-                  <a:gd name="connsiteY3" fmla="*/ 225720 h 846971"/>
-                  <a:gd name="connsiteX4" fmla="*/ 1616562 w 1862214"/>
-                  <a:gd name="connsiteY4" fmla="*/ 780403 h 846971"/>
-                  <a:gd name="connsiteX5" fmla="*/ 1549994 w 1862214"/>
-                  <a:gd name="connsiteY5" fmla="*/ 846971 h 846971"/>
-                  <a:gd name="connsiteX6" fmla="*/ 305455 w 1862214"/>
-                  <a:gd name="connsiteY6" fmla="*/ 846971 h 846971"/>
-                  <a:gd name="connsiteX7" fmla="*/ 238887 w 1862214"/>
-                  <a:gd name="connsiteY7" fmla="*/ 780403 h 846971"/>
-                  <a:gd name="connsiteX8" fmla="*/ 238598 w 1862214"/>
-                  <a:gd name="connsiteY8" fmla="*/ 233513 h 846971"/>
-                  <a:gd name="connsiteX0" fmla="*/ 238160 w 1856323"/>
-                  <a:gd name="connsiteY0" fmla="*/ 248080 h 861538"/>
-                  <a:gd name="connsiteX1" fmla="*/ 83922 w 1856323"/>
-                  <a:gd name="connsiteY1" fmla="*/ 40368 h 861538"/>
-                  <a:gd name="connsiteX2" fmla="*/ 1772383 w 1856323"/>
-                  <a:gd name="connsiteY2" fmla="*/ 17567 h 861538"/>
-                  <a:gd name="connsiteX3" fmla="*/ 1616124 w 1856323"/>
-                  <a:gd name="connsiteY3" fmla="*/ 240287 h 861538"/>
-                  <a:gd name="connsiteX4" fmla="*/ 1616124 w 1856323"/>
-                  <a:gd name="connsiteY4" fmla="*/ 794970 h 861538"/>
-                  <a:gd name="connsiteX5" fmla="*/ 1549556 w 1856323"/>
-                  <a:gd name="connsiteY5" fmla="*/ 861538 h 861538"/>
-                  <a:gd name="connsiteX6" fmla="*/ 305017 w 1856323"/>
-                  <a:gd name="connsiteY6" fmla="*/ 861538 h 861538"/>
-                  <a:gd name="connsiteX7" fmla="*/ 238449 w 1856323"/>
-                  <a:gd name="connsiteY7" fmla="*/ 794970 h 861538"/>
-                  <a:gd name="connsiteX8" fmla="*/ 238160 w 1856323"/>
-                  <a:gd name="connsiteY8" fmla="*/ 248080 h 861538"/>
-                  <a:gd name="connsiteX0" fmla="*/ 238160 w 1785863"/>
-                  <a:gd name="connsiteY0" fmla="*/ 242493 h 855951"/>
-                  <a:gd name="connsiteX1" fmla="*/ 83922 w 1785863"/>
-                  <a:gd name="connsiteY1" fmla="*/ 34781 h 855951"/>
-                  <a:gd name="connsiteX2" fmla="*/ 1772383 w 1785863"/>
-                  <a:gd name="connsiteY2" fmla="*/ 11980 h 855951"/>
-                  <a:gd name="connsiteX3" fmla="*/ 1616124 w 1785863"/>
-                  <a:gd name="connsiteY3" fmla="*/ 234700 h 855951"/>
-                  <a:gd name="connsiteX4" fmla="*/ 1616124 w 1785863"/>
-                  <a:gd name="connsiteY4" fmla="*/ 789383 h 855951"/>
-                  <a:gd name="connsiteX5" fmla="*/ 1549556 w 1785863"/>
-                  <a:gd name="connsiteY5" fmla="*/ 855951 h 855951"/>
-                  <a:gd name="connsiteX6" fmla="*/ 305017 w 1785863"/>
-                  <a:gd name="connsiteY6" fmla="*/ 855951 h 855951"/>
-                  <a:gd name="connsiteX7" fmla="*/ 238449 w 1785863"/>
-                  <a:gd name="connsiteY7" fmla="*/ 789383 h 855951"/>
-                  <a:gd name="connsiteX8" fmla="*/ 238160 w 1785863"/>
-                  <a:gd name="connsiteY8" fmla="*/ 242493 h 855951"/>
-                  <a:gd name="connsiteX0" fmla="*/ 239914 w 1812854"/>
-                  <a:gd name="connsiteY0" fmla="*/ 232326 h 845784"/>
-                  <a:gd name="connsiteX1" fmla="*/ 85676 w 1812854"/>
-                  <a:gd name="connsiteY1" fmla="*/ 24614 h 845784"/>
-                  <a:gd name="connsiteX2" fmla="*/ 1799537 w 1812854"/>
-                  <a:gd name="connsiteY2" fmla="*/ 17688 h 845784"/>
-                  <a:gd name="connsiteX3" fmla="*/ 1617878 w 1812854"/>
-                  <a:gd name="connsiteY3" fmla="*/ 224533 h 845784"/>
-                  <a:gd name="connsiteX4" fmla="*/ 1617878 w 1812854"/>
-                  <a:gd name="connsiteY4" fmla="*/ 779216 h 845784"/>
-                  <a:gd name="connsiteX5" fmla="*/ 1551310 w 1812854"/>
-                  <a:gd name="connsiteY5" fmla="*/ 845784 h 845784"/>
-                  <a:gd name="connsiteX6" fmla="*/ 306771 w 1812854"/>
-                  <a:gd name="connsiteY6" fmla="*/ 845784 h 845784"/>
-                  <a:gd name="connsiteX7" fmla="*/ 240203 w 1812854"/>
-                  <a:gd name="connsiteY7" fmla="*/ 779216 h 845784"/>
-                  <a:gd name="connsiteX8" fmla="*/ 239914 w 1812854"/>
-                  <a:gd name="connsiteY8" fmla="*/ 232326 h 845784"/>
-                  <a:gd name="connsiteX0" fmla="*/ 241013 w 1829728"/>
-                  <a:gd name="connsiteY0" fmla="*/ 230621 h 844079"/>
-                  <a:gd name="connsiteX1" fmla="*/ 86775 w 1829728"/>
-                  <a:gd name="connsiteY1" fmla="*/ 22909 h 844079"/>
-                  <a:gd name="connsiteX2" fmla="*/ 1816511 w 1829728"/>
-                  <a:gd name="connsiteY2" fmla="*/ 19158 h 844079"/>
-                  <a:gd name="connsiteX3" fmla="*/ 1618977 w 1829728"/>
-                  <a:gd name="connsiteY3" fmla="*/ 222828 h 844079"/>
-                  <a:gd name="connsiteX4" fmla="*/ 1618977 w 1829728"/>
-                  <a:gd name="connsiteY4" fmla="*/ 777511 h 844079"/>
-                  <a:gd name="connsiteX5" fmla="*/ 1552409 w 1829728"/>
-                  <a:gd name="connsiteY5" fmla="*/ 844079 h 844079"/>
-                  <a:gd name="connsiteX6" fmla="*/ 307870 w 1829728"/>
-                  <a:gd name="connsiteY6" fmla="*/ 844079 h 844079"/>
-                  <a:gd name="connsiteX7" fmla="*/ 241302 w 1829728"/>
-                  <a:gd name="connsiteY7" fmla="*/ 777511 h 844079"/>
-                  <a:gd name="connsiteX8" fmla="*/ 241013 w 1829728"/>
-                  <a:gd name="connsiteY8" fmla="*/ 230621 h 844079"/>
-                  <a:gd name="connsiteX0" fmla="*/ 241013 w 1829728"/>
-                  <a:gd name="connsiteY0" fmla="*/ 224021 h 837479"/>
-                  <a:gd name="connsiteX1" fmla="*/ 86775 w 1829728"/>
-                  <a:gd name="connsiteY1" fmla="*/ 16309 h 837479"/>
-                  <a:gd name="connsiteX2" fmla="*/ 1816511 w 1829728"/>
-                  <a:gd name="connsiteY2" fmla="*/ 12558 h 837479"/>
-                  <a:gd name="connsiteX3" fmla="*/ 1618977 w 1829728"/>
-                  <a:gd name="connsiteY3" fmla="*/ 216228 h 837479"/>
-                  <a:gd name="connsiteX4" fmla="*/ 1618977 w 1829728"/>
-                  <a:gd name="connsiteY4" fmla="*/ 770911 h 837479"/>
-                  <a:gd name="connsiteX5" fmla="*/ 1552409 w 1829728"/>
-                  <a:gd name="connsiteY5" fmla="*/ 837479 h 837479"/>
-                  <a:gd name="connsiteX6" fmla="*/ 307870 w 1829728"/>
-                  <a:gd name="connsiteY6" fmla="*/ 837479 h 837479"/>
-                  <a:gd name="connsiteX7" fmla="*/ 241302 w 1829728"/>
-                  <a:gd name="connsiteY7" fmla="*/ 770911 h 837479"/>
-                  <a:gd name="connsiteX8" fmla="*/ 241013 w 1829728"/>
-                  <a:gd name="connsiteY8" fmla="*/ 224021 h 837479"/>
-                  <a:gd name="connsiteX0" fmla="*/ 241013 w 1829728"/>
-                  <a:gd name="connsiteY0" fmla="*/ 224021 h 837479"/>
-                  <a:gd name="connsiteX1" fmla="*/ 86775 w 1829728"/>
-                  <a:gd name="connsiteY1" fmla="*/ 16309 h 837479"/>
-                  <a:gd name="connsiteX2" fmla="*/ 1816511 w 1829728"/>
-                  <a:gd name="connsiteY2" fmla="*/ 12558 h 837479"/>
-                  <a:gd name="connsiteX3" fmla="*/ 1618977 w 1829728"/>
-                  <a:gd name="connsiteY3" fmla="*/ 216228 h 837479"/>
-                  <a:gd name="connsiteX4" fmla="*/ 1618977 w 1829728"/>
-                  <a:gd name="connsiteY4" fmla="*/ 770911 h 837479"/>
-                  <a:gd name="connsiteX5" fmla="*/ 1552409 w 1829728"/>
-                  <a:gd name="connsiteY5" fmla="*/ 837479 h 837479"/>
-                  <a:gd name="connsiteX6" fmla="*/ 307870 w 1829728"/>
-                  <a:gd name="connsiteY6" fmla="*/ 837479 h 837479"/>
-                  <a:gd name="connsiteX7" fmla="*/ 241302 w 1829728"/>
-                  <a:gd name="connsiteY7" fmla="*/ 770911 h 837479"/>
-                  <a:gd name="connsiteX8" fmla="*/ 241013 w 1829728"/>
-                  <a:gd name="connsiteY8" fmla="*/ 224021 h 837479"/>
-                  <a:gd name="connsiteX0" fmla="*/ 216773 w 1868784"/>
-                  <a:gd name="connsiteY0" fmla="*/ 251658 h 865116"/>
-                  <a:gd name="connsiteX1" fmla="*/ 91110 w 1868784"/>
-                  <a:gd name="connsiteY1" fmla="*/ 18546 h 865116"/>
-                  <a:gd name="connsiteX2" fmla="*/ 1792271 w 1868784"/>
-                  <a:gd name="connsiteY2" fmla="*/ 40195 h 865116"/>
-                  <a:gd name="connsiteX3" fmla="*/ 1594737 w 1868784"/>
-                  <a:gd name="connsiteY3" fmla="*/ 243865 h 865116"/>
-                  <a:gd name="connsiteX4" fmla="*/ 1594737 w 1868784"/>
-                  <a:gd name="connsiteY4" fmla="*/ 798548 h 865116"/>
-                  <a:gd name="connsiteX5" fmla="*/ 1528169 w 1868784"/>
-                  <a:gd name="connsiteY5" fmla="*/ 865116 h 865116"/>
-                  <a:gd name="connsiteX6" fmla="*/ 283630 w 1868784"/>
-                  <a:gd name="connsiteY6" fmla="*/ 865116 h 865116"/>
-                  <a:gd name="connsiteX7" fmla="*/ 217062 w 1868784"/>
-                  <a:gd name="connsiteY7" fmla="*/ 798548 h 865116"/>
-                  <a:gd name="connsiteX8" fmla="*/ 216773 w 1868784"/>
-                  <a:gd name="connsiteY8" fmla="*/ 251658 h 865116"/>
-                  <a:gd name="connsiteX0" fmla="*/ 216773 w 1868784"/>
-                  <a:gd name="connsiteY0" fmla="*/ 274671 h 888129"/>
-                  <a:gd name="connsiteX1" fmla="*/ 91110 w 1868784"/>
-                  <a:gd name="connsiteY1" fmla="*/ 12984 h 888129"/>
-                  <a:gd name="connsiteX2" fmla="*/ 1792271 w 1868784"/>
-                  <a:gd name="connsiteY2" fmla="*/ 63208 h 888129"/>
-                  <a:gd name="connsiteX3" fmla="*/ 1594737 w 1868784"/>
-                  <a:gd name="connsiteY3" fmla="*/ 266878 h 888129"/>
-                  <a:gd name="connsiteX4" fmla="*/ 1594737 w 1868784"/>
-                  <a:gd name="connsiteY4" fmla="*/ 821561 h 888129"/>
-                  <a:gd name="connsiteX5" fmla="*/ 1528169 w 1868784"/>
-                  <a:gd name="connsiteY5" fmla="*/ 888129 h 888129"/>
-                  <a:gd name="connsiteX6" fmla="*/ 283630 w 1868784"/>
-                  <a:gd name="connsiteY6" fmla="*/ 888129 h 888129"/>
-                  <a:gd name="connsiteX7" fmla="*/ 217062 w 1868784"/>
-                  <a:gd name="connsiteY7" fmla="*/ 821561 h 888129"/>
-                  <a:gd name="connsiteX8" fmla="*/ 216773 w 1868784"/>
-                  <a:gd name="connsiteY8" fmla="*/ 274671 h 888129"/>
-                  <a:gd name="connsiteX0" fmla="*/ 216325 w 1862778"/>
-                  <a:gd name="connsiteY0" fmla="*/ 289222 h 902680"/>
-                  <a:gd name="connsiteX1" fmla="*/ 90662 w 1862778"/>
-                  <a:gd name="connsiteY1" fmla="*/ 27535 h 902680"/>
-                  <a:gd name="connsiteX2" fmla="*/ 1785473 w 1862778"/>
-                  <a:gd name="connsiteY2" fmla="*/ 36484 h 902680"/>
-                  <a:gd name="connsiteX3" fmla="*/ 1594289 w 1862778"/>
-                  <a:gd name="connsiteY3" fmla="*/ 281429 h 902680"/>
-                  <a:gd name="connsiteX4" fmla="*/ 1594289 w 1862778"/>
-                  <a:gd name="connsiteY4" fmla="*/ 836112 h 902680"/>
-                  <a:gd name="connsiteX5" fmla="*/ 1527721 w 1862778"/>
-                  <a:gd name="connsiteY5" fmla="*/ 902680 h 902680"/>
-                  <a:gd name="connsiteX6" fmla="*/ 283182 w 1862778"/>
-                  <a:gd name="connsiteY6" fmla="*/ 902680 h 902680"/>
-                  <a:gd name="connsiteX7" fmla="*/ 216614 w 1862778"/>
-                  <a:gd name="connsiteY7" fmla="*/ 836112 h 902680"/>
-                  <a:gd name="connsiteX8" fmla="*/ 216325 w 1862778"/>
-                  <a:gd name="connsiteY8" fmla="*/ 289222 h 902680"/>
-                  <a:gd name="connsiteX0" fmla="*/ 216325 w 1862778"/>
-                  <a:gd name="connsiteY0" fmla="*/ 289222 h 902680"/>
-                  <a:gd name="connsiteX1" fmla="*/ 90662 w 1862778"/>
-                  <a:gd name="connsiteY1" fmla="*/ 27535 h 902680"/>
-                  <a:gd name="connsiteX2" fmla="*/ 1785473 w 1862778"/>
-                  <a:gd name="connsiteY2" fmla="*/ 36484 h 902680"/>
-                  <a:gd name="connsiteX3" fmla="*/ 1594289 w 1862778"/>
-                  <a:gd name="connsiteY3" fmla="*/ 281429 h 902680"/>
-                  <a:gd name="connsiteX4" fmla="*/ 1594289 w 1862778"/>
-                  <a:gd name="connsiteY4" fmla="*/ 836112 h 902680"/>
-                  <a:gd name="connsiteX5" fmla="*/ 1527721 w 1862778"/>
-                  <a:gd name="connsiteY5" fmla="*/ 902680 h 902680"/>
-                  <a:gd name="connsiteX6" fmla="*/ 283182 w 1862778"/>
-                  <a:gd name="connsiteY6" fmla="*/ 902680 h 902680"/>
-                  <a:gd name="connsiteX7" fmla="*/ 216614 w 1862778"/>
-                  <a:gd name="connsiteY7" fmla="*/ 836112 h 902680"/>
-                  <a:gd name="connsiteX8" fmla="*/ 216325 w 1862778"/>
-                  <a:gd name="connsiteY8" fmla="*/ 289222 h 902680"/>
-                  <a:gd name="connsiteX0" fmla="*/ 215874 w 1862327"/>
-                  <a:gd name="connsiteY0" fmla="*/ 289222 h 902680"/>
-                  <a:gd name="connsiteX1" fmla="*/ 90211 w 1862327"/>
-                  <a:gd name="connsiteY1" fmla="*/ 27535 h 902680"/>
-                  <a:gd name="connsiteX2" fmla="*/ 1785022 w 1862327"/>
-                  <a:gd name="connsiteY2" fmla="*/ 36484 h 902680"/>
-                  <a:gd name="connsiteX3" fmla="*/ 1593838 w 1862327"/>
-                  <a:gd name="connsiteY3" fmla="*/ 281429 h 902680"/>
-                  <a:gd name="connsiteX4" fmla="*/ 1593838 w 1862327"/>
-                  <a:gd name="connsiteY4" fmla="*/ 836112 h 902680"/>
-                  <a:gd name="connsiteX5" fmla="*/ 1527270 w 1862327"/>
-                  <a:gd name="connsiteY5" fmla="*/ 902680 h 902680"/>
-                  <a:gd name="connsiteX6" fmla="*/ 282731 w 1862327"/>
-                  <a:gd name="connsiteY6" fmla="*/ 902680 h 902680"/>
-                  <a:gd name="connsiteX7" fmla="*/ 216163 w 1862327"/>
-                  <a:gd name="connsiteY7" fmla="*/ 836112 h 902680"/>
-                  <a:gd name="connsiteX8" fmla="*/ 215874 w 1862327"/>
-                  <a:gd name="connsiteY8" fmla="*/ 289222 h 902680"/>
-                  <a:gd name="connsiteX0" fmla="*/ 218551 w 1865217"/>
-                  <a:gd name="connsiteY0" fmla="*/ 271689 h 885147"/>
-                  <a:gd name="connsiteX1" fmla="*/ 89713 w 1865217"/>
-                  <a:gd name="connsiteY1" fmla="*/ 44927 h 885147"/>
-                  <a:gd name="connsiteX2" fmla="*/ 1787699 w 1865217"/>
-                  <a:gd name="connsiteY2" fmla="*/ 18951 h 885147"/>
-                  <a:gd name="connsiteX3" fmla="*/ 1596515 w 1865217"/>
-                  <a:gd name="connsiteY3" fmla="*/ 263896 h 885147"/>
-                  <a:gd name="connsiteX4" fmla="*/ 1596515 w 1865217"/>
-                  <a:gd name="connsiteY4" fmla="*/ 818579 h 885147"/>
-                  <a:gd name="connsiteX5" fmla="*/ 1529947 w 1865217"/>
-                  <a:gd name="connsiteY5" fmla="*/ 885147 h 885147"/>
-                  <a:gd name="connsiteX6" fmla="*/ 285408 w 1865217"/>
-                  <a:gd name="connsiteY6" fmla="*/ 885147 h 885147"/>
-                  <a:gd name="connsiteX7" fmla="*/ 218840 w 1865217"/>
-                  <a:gd name="connsiteY7" fmla="*/ 818579 h 885147"/>
-                  <a:gd name="connsiteX8" fmla="*/ 218551 w 1865217"/>
-                  <a:gd name="connsiteY8" fmla="*/ 271689 h 885147"/>
-                  <a:gd name="connsiteX0" fmla="*/ 217882 w 1856244"/>
-                  <a:gd name="connsiteY0" fmla="*/ 253205 h 866663"/>
-                  <a:gd name="connsiteX1" fmla="*/ 89044 w 1856244"/>
-                  <a:gd name="connsiteY1" fmla="*/ 26443 h 866663"/>
-                  <a:gd name="connsiteX2" fmla="*/ 1777505 w 1856244"/>
-                  <a:gd name="connsiteY2" fmla="*/ 29042 h 866663"/>
-                  <a:gd name="connsiteX3" fmla="*/ 1595846 w 1856244"/>
-                  <a:gd name="connsiteY3" fmla="*/ 245412 h 866663"/>
-                  <a:gd name="connsiteX4" fmla="*/ 1595846 w 1856244"/>
-                  <a:gd name="connsiteY4" fmla="*/ 800095 h 866663"/>
-                  <a:gd name="connsiteX5" fmla="*/ 1529278 w 1856244"/>
-                  <a:gd name="connsiteY5" fmla="*/ 866663 h 866663"/>
-                  <a:gd name="connsiteX6" fmla="*/ 284739 w 1856244"/>
-                  <a:gd name="connsiteY6" fmla="*/ 866663 h 866663"/>
-                  <a:gd name="connsiteX7" fmla="*/ 218171 w 1856244"/>
-                  <a:gd name="connsiteY7" fmla="*/ 800095 h 866663"/>
-                  <a:gd name="connsiteX8" fmla="*/ 217882 w 1856244"/>
-                  <a:gd name="connsiteY8" fmla="*/ 253205 h 866663"/>
-                  <a:gd name="connsiteX0" fmla="*/ 152682 w 1785681"/>
-                  <a:gd name="connsiteY0" fmla="*/ 248776 h 862234"/>
-                  <a:gd name="connsiteX1" fmla="*/ 103357 w 1785681"/>
-                  <a:gd name="connsiteY1" fmla="*/ 29972 h 862234"/>
-                  <a:gd name="connsiteX2" fmla="*/ 1712305 w 1785681"/>
-                  <a:gd name="connsiteY2" fmla="*/ 24613 h 862234"/>
-                  <a:gd name="connsiteX3" fmla="*/ 1530646 w 1785681"/>
-                  <a:gd name="connsiteY3" fmla="*/ 240983 h 862234"/>
-                  <a:gd name="connsiteX4" fmla="*/ 1530646 w 1785681"/>
-                  <a:gd name="connsiteY4" fmla="*/ 795666 h 862234"/>
-                  <a:gd name="connsiteX5" fmla="*/ 1464078 w 1785681"/>
-                  <a:gd name="connsiteY5" fmla="*/ 862234 h 862234"/>
-                  <a:gd name="connsiteX6" fmla="*/ 219539 w 1785681"/>
-                  <a:gd name="connsiteY6" fmla="*/ 862234 h 862234"/>
-                  <a:gd name="connsiteX7" fmla="*/ 152971 w 1785681"/>
-                  <a:gd name="connsiteY7" fmla="*/ 795666 h 862234"/>
-                  <a:gd name="connsiteX8" fmla="*/ 152682 w 1785681"/>
-                  <a:gd name="connsiteY8" fmla="*/ 248776 h 862234"/>
-                  <a:gd name="connsiteX0" fmla="*/ 142268 w 1774377"/>
-                  <a:gd name="connsiteY0" fmla="*/ 258162 h 871620"/>
-                  <a:gd name="connsiteX1" fmla="*/ 106195 w 1774377"/>
-                  <a:gd name="connsiteY1" fmla="*/ 23440 h 871620"/>
-                  <a:gd name="connsiteX2" fmla="*/ 1701891 w 1774377"/>
-                  <a:gd name="connsiteY2" fmla="*/ 33999 h 871620"/>
-                  <a:gd name="connsiteX3" fmla="*/ 1520232 w 1774377"/>
-                  <a:gd name="connsiteY3" fmla="*/ 250369 h 871620"/>
-                  <a:gd name="connsiteX4" fmla="*/ 1520232 w 1774377"/>
-                  <a:gd name="connsiteY4" fmla="*/ 805052 h 871620"/>
-                  <a:gd name="connsiteX5" fmla="*/ 1453664 w 1774377"/>
-                  <a:gd name="connsiteY5" fmla="*/ 871620 h 871620"/>
-                  <a:gd name="connsiteX6" fmla="*/ 209125 w 1774377"/>
-                  <a:gd name="connsiteY6" fmla="*/ 871620 h 871620"/>
-                  <a:gd name="connsiteX7" fmla="*/ 142557 w 1774377"/>
-                  <a:gd name="connsiteY7" fmla="*/ 805052 h 871620"/>
-                  <a:gd name="connsiteX8" fmla="*/ 142268 w 1774377"/>
-                  <a:gd name="connsiteY8" fmla="*/ 258162 h 871620"/>
-                  <a:gd name="connsiteX0" fmla="*/ 137880 w 1718673"/>
-                  <a:gd name="connsiteY0" fmla="*/ 262157 h 875615"/>
-                  <a:gd name="connsiteX1" fmla="*/ 101807 w 1718673"/>
-                  <a:gd name="connsiteY1" fmla="*/ 27435 h 875615"/>
-                  <a:gd name="connsiteX2" fmla="*/ 1637868 w 1718673"/>
-                  <a:gd name="connsiteY2" fmla="*/ 30034 h 875615"/>
-                  <a:gd name="connsiteX3" fmla="*/ 1515844 w 1718673"/>
-                  <a:gd name="connsiteY3" fmla="*/ 254364 h 875615"/>
-                  <a:gd name="connsiteX4" fmla="*/ 1515844 w 1718673"/>
-                  <a:gd name="connsiteY4" fmla="*/ 809047 h 875615"/>
-                  <a:gd name="connsiteX5" fmla="*/ 1449276 w 1718673"/>
-                  <a:gd name="connsiteY5" fmla="*/ 875615 h 875615"/>
-                  <a:gd name="connsiteX6" fmla="*/ 204737 w 1718673"/>
-                  <a:gd name="connsiteY6" fmla="*/ 875615 h 875615"/>
-                  <a:gd name="connsiteX7" fmla="*/ 138169 w 1718673"/>
-                  <a:gd name="connsiteY7" fmla="*/ 809047 h 875615"/>
-                  <a:gd name="connsiteX8" fmla="*/ 137880 w 1718673"/>
-                  <a:gd name="connsiteY8" fmla="*/ 262157 h 875615"/>
-                </a:gdLst>
-                <a:ahLst/>
-                <a:cxnLst>
-                  <a:cxn ang="0">
-                    <a:pos x="connsiteX0" y="connsiteY0"/>
-                  </a:cxn>
-                  <a:cxn ang="0">
-                    <a:pos x="connsiteX1" y="connsiteY1"/>
-                  </a:cxn>
-                  <a:cxn ang="0">
-                    <a:pos x="connsiteX2" y="connsiteY2"/>
-                  </a:cxn>
-                  <a:cxn ang="0">
-                    <a:pos x="connsiteX3" y="connsiteY3"/>
-                  </a:cxn>
-                  <a:cxn ang="0">
-                    <a:pos x="connsiteX4" y="connsiteY4"/>
-                  </a:cxn>
-                  <a:cxn ang="0">
-                    <a:pos x="connsiteX5" y="connsiteY5"/>
-                  </a:cxn>
-                  <a:cxn ang="0">
-                    <a:pos x="connsiteX6" y="connsiteY6"/>
-                  </a:cxn>
-                  <a:cxn ang="0">
-                    <a:pos x="connsiteX7" y="connsiteY7"/>
-                  </a:cxn>
-                  <a:cxn ang="0">
-                    <a:pos x="connsiteX8" y="connsiteY8"/>
-                  </a:cxn>
-                </a:cxnLst>
-                <a:rect l="l" t="t" r="r" b="b"/>
-                <a:pathLst>
-                  <a:path w="1718673" h="875615">
-                    <a:moveTo>
-                      <a:pt x="137880" y="262157"/>
-                    </a:moveTo>
-                    <a:cubicBezTo>
-                      <a:pt x="141343" y="-22834"/>
-                      <a:pt x="-148191" y="66122"/>
-                      <a:pt x="101807" y="27435"/>
-                    </a:cubicBezTo>
-                    <a:cubicBezTo>
-                      <a:pt x="351805" y="-11252"/>
-                      <a:pt x="1402195" y="-7787"/>
-                      <a:pt x="1637868" y="30034"/>
-                    </a:cubicBezTo>
-                    <a:cubicBezTo>
-                      <a:pt x="1873541" y="67855"/>
-                      <a:pt x="1519019" y="-26009"/>
-                      <a:pt x="1515844" y="254364"/>
-                    </a:cubicBezTo>
-                    <a:lnTo>
-                      <a:pt x="1515844" y="809047"/>
-                    </a:lnTo>
-                    <a:cubicBezTo>
-                      <a:pt x="1515844" y="845811"/>
-                      <a:pt x="1486040" y="875615"/>
-                      <a:pt x="1449276" y="875615"/>
-                    </a:cubicBezTo>
-                    <a:lnTo>
-                      <a:pt x="204737" y="875615"/>
-                    </a:lnTo>
-                    <a:cubicBezTo>
-                      <a:pt x="167973" y="875615"/>
-                      <a:pt x="138169" y="845811"/>
-                      <a:pt x="138169" y="809047"/>
-                    </a:cubicBezTo>
-                    <a:cubicBezTo>
-                      <a:pt x="137014" y="599234"/>
-                      <a:pt x="139035" y="471970"/>
-                      <a:pt x="137880" y="262157"/>
-                    </a:cubicBezTo>
-                    <a:close/>
-                  </a:path>
-                </a:pathLst>
-              </a:custGeom>
-              <a:gradFill>
-                <a:gsLst>
-                  <a:gs pos="8000">
-                    <a:schemeClr val="bg2"/>
-                  </a:gs>
-                  <a:gs pos="31000">
-                    <a:schemeClr val="tx2"/>
-                  </a:gs>
-                </a:gsLst>
-                <a:lin ang="5400000" scaled="0"/>
-              </a:gradFill>
-              <a:ln w="12700">
-                <a:noFill/>
-              </a:ln>
-              <a:effectLst/>
-            </p:spPr>
-            <p:style>
-              <a:lnRef idx="2">
-                <a:schemeClr val="dk1"/>
-              </a:lnRef>
-              <a:fillRef idx="1">
-                <a:schemeClr val="lt1"/>
-              </a:fillRef>
-              <a:effectRef idx="0">
-                <a:schemeClr val="dk1"/>
-              </a:effectRef>
-              <a:fontRef idx="minor">
-                <a:schemeClr val="dk1"/>
-              </a:fontRef>
-            </p:style>
-            <p:txBody>
-              <a:bodyPr rtlCol="0" anchor="ctr"/>
-              <a:lstStyle/>
-              <a:p>
-                <a:pPr algn="ctr"/>
-                <a:endParaRPr lang="en-US" sz="1600" dirty="0">
-                  <a:ln w="0">
-                    <a:solidFill>
-                      <a:sysClr val="windowText" lastClr="000000"/>
-                    </a:solidFill>
-                  </a:ln>
-                  <a:solidFill>
-                    <a:schemeClr val="tx1"/>
-                  </a:solidFill>
-                </a:endParaRPr>
-              </a:p>
-            </p:txBody>
-          </p:sp>
-          <p:grpSp>
-            <p:nvGrpSpPr>
-              <p:cNvPr id="10" name="Group 9">
-                <a:extLst>
-                  <a:ext uri="{FF2B5EF4-FFF2-40B4-BE49-F238E27FC236}">
-                    <a16:creationId xmlns:a16="http://schemas.microsoft.com/office/drawing/2014/main" id="{5EC39D9C-6472-C04A-B9C6-3E3429006240}"/>
-                  </a:ext>
-                </a:extLst>
-              </p:cNvPr>
-              <p:cNvGrpSpPr/>
-              <p:nvPr/>
-            </p:nvGrpSpPr>
-            <p:grpSpPr>
-              <a:xfrm>
-                <a:off x="4407250" y="5787721"/>
-                <a:ext cx="1283487" cy="383162"/>
-                <a:chOff x="6421785" y="5373193"/>
-                <a:chExt cx="1283487" cy="383162"/>
-              </a:xfrm>
-            </p:grpSpPr>
-            <p:sp>
-              <p:nvSpPr>
-                <p:cNvPr id="11" name="Rounded Rectangle 10">
-                  <a:extLst>
-                    <a:ext uri="{FF2B5EF4-FFF2-40B4-BE49-F238E27FC236}">
-                      <a16:creationId xmlns:a16="http://schemas.microsoft.com/office/drawing/2014/main" id="{37E1ADB6-BB23-6D4D-8040-4316BC097570}"/>
-                    </a:ext>
-                  </a:extLst>
-                </p:cNvPr>
-                <p:cNvSpPr/>
-                <p:nvPr/>
-              </p:nvSpPr>
-              <p:spPr>
-                <a:xfrm>
-                  <a:off x="6421785" y="5373193"/>
-                  <a:ext cx="1240161" cy="383162"/>
-                </a:xfrm>
-                <a:prstGeom prst="roundRect">
-                  <a:avLst>
-                    <a:gd name="adj" fmla="val 12736"/>
-                  </a:avLst>
-                </a:prstGeom>
-                <a:solidFill>
-                  <a:schemeClr val="tx1">
-                    <a:lumMod val="50000"/>
-                  </a:schemeClr>
-                </a:solidFill>
-                <a:ln w="12700">
-                  <a:noFill/>
-                </a:ln>
-                <a:effectLst/>
-              </p:spPr>
-              <p:style>
-                <a:lnRef idx="2">
-                  <a:schemeClr val="dk1"/>
-                </a:lnRef>
-                <a:fillRef idx="1">
-                  <a:schemeClr val="lt1"/>
-                </a:fillRef>
-                <a:effectRef idx="0">
-                  <a:schemeClr val="dk1"/>
-                </a:effectRef>
-                <a:fontRef idx="minor">
-                  <a:schemeClr val="dk1"/>
-                </a:fontRef>
-              </p:style>
-              <p:txBody>
-                <a:bodyPr wrap="square" tIns="36000" bIns="36000" rtlCol="0" anchor="ctr">
-                  <a:noAutofit/>
-                </a:bodyPr>
-                <a:lstStyle/>
-                <a:p>
-                  <a:endParaRPr lang="en-US" sz="1200" dirty="0">
-                    <a:solidFill>
-                      <a:schemeClr val="bg1"/>
-                    </a:solidFill>
-                    <a:latin typeface="Source Sans Pro Light" charset="0"/>
-                    <a:ea typeface="Source Sans Pro Light" charset="0"/>
-                    <a:cs typeface="Source Sans Pro Light" charset="0"/>
-                  </a:endParaRPr>
-                </a:p>
-              </p:txBody>
-            </p:sp>
-            <p:sp>
-              <p:nvSpPr>
-                <p:cNvPr id="12" name="Rectangle 11">
-                  <a:extLst>
-                    <a:ext uri="{FF2B5EF4-FFF2-40B4-BE49-F238E27FC236}">
-                      <a16:creationId xmlns:a16="http://schemas.microsoft.com/office/drawing/2014/main" id="{C2EBA6D6-1870-0A40-82C8-AE16E98BB260}"/>
-                    </a:ext>
-                  </a:extLst>
-                </p:cNvPr>
-                <p:cNvSpPr/>
-                <p:nvPr/>
-              </p:nvSpPr>
-              <p:spPr>
-                <a:xfrm>
-                  <a:off x="6756463" y="5425211"/>
-                  <a:ext cx="948809" cy="301407"/>
-                </a:xfrm>
-                <a:prstGeom prst="rect">
-                  <a:avLst/>
-                </a:prstGeom>
-                <a:effectLst/>
-              </p:spPr>
-              <p:txBody>
-                <a:bodyPr wrap="square" lIns="0" rIns="0">
-                  <a:noAutofit/>
-                </a:bodyPr>
-                <a:lstStyle/>
-                <a:p>
-                  <a:pPr algn="ctr" defTabSz="914400">
-                    <a:lnSpc>
-                      <a:spcPts val="1000"/>
-                    </a:lnSpc>
-                    <a:defRPr/>
-                  </a:pPr>
-                  <a:r>
-                    <a:rPr lang="fr-FR" sz="1200" kern="0" dirty="0">
-                      <a:solidFill>
-                        <a:schemeClr val="bg1"/>
-                      </a:solidFill>
-                      <a:latin typeface="Source Sans Pro Light" charset="0"/>
-                    </a:rPr>
-                    <a:t>PROCESSOR </a:t>
-                  </a:r>
-                  <a:br>
-                    <a:rPr lang="fr-FR" sz="1200" kern="0" dirty="0">
-                      <a:solidFill>
-                        <a:schemeClr val="bg1"/>
-                      </a:solidFill>
-                      <a:latin typeface="Source Sans Pro Light" charset="0"/>
-                    </a:rPr>
-                  </a:br>
-                  <a:r>
-                    <a:rPr lang="fr-FR" sz="1200" kern="0" dirty="0">
-                      <a:solidFill>
-                        <a:schemeClr val="bg1"/>
-                      </a:solidFill>
-                      <a:latin typeface="Source Sans Pro Light" charset="0"/>
-                    </a:rPr>
-                    <a:t>CORE</a:t>
-                  </a:r>
-                  <a:endParaRPr lang="en-US" sz="1200" kern="0" dirty="0">
-                    <a:solidFill>
-                      <a:schemeClr val="bg1"/>
-                    </a:solidFill>
-                    <a:latin typeface="Source Sans Pro Light" charset="0"/>
-                  </a:endParaRPr>
-                </a:p>
-              </p:txBody>
-            </p:sp>
-            <p:pic>
-              <p:nvPicPr>
-                <p:cNvPr id="13" name="Picture 12">
-                  <a:extLst>
-                    <a:ext uri="{FF2B5EF4-FFF2-40B4-BE49-F238E27FC236}">
-                      <a16:creationId xmlns:a16="http://schemas.microsoft.com/office/drawing/2014/main" id="{4E01D07F-57C8-964A-BCB8-53AEEACFAE78}"/>
-                    </a:ext>
-                  </a:extLst>
-                </p:cNvPr>
-                <p:cNvPicPr>
-                  <a:picLocks noChangeAspect="1"/>
-                </p:cNvPicPr>
-                <p:nvPr/>
-              </p:nvPicPr>
-              <p:blipFill>
-                <a:blip r:embed="rId2" cstate="print">
-                  <a:lum bright="10000"/>
-                  <a:extLst>
-                    <a:ext uri="{28A0092B-C50C-407E-A947-70E740481C1C}">
-                      <a14:useLocalDpi xmlns:a14="http://schemas.microsoft.com/office/drawing/2010/main" val="0"/>
-                    </a:ext>
-                  </a:extLst>
-                </a:blip>
-                <a:stretch>
-                  <a:fillRect/>
-                </a:stretch>
-              </p:blipFill>
-              <p:spPr>
-                <a:xfrm>
-                  <a:off x="6482924" y="5411413"/>
-                  <a:ext cx="307244" cy="309712"/>
-                </a:xfrm>
-                <a:prstGeom prst="rect">
-                  <a:avLst/>
-                </a:prstGeom>
-              </p:spPr>
-            </p:pic>
-          </p:grpSp>
-        </p:grpSp>
-        <p:sp>
-          <p:nvSpPr>
-            <p:cNvPr id="14" name="Rounded Rectangle 13">
-              <a:extLst>
-                <a:ext uri="{FF2B5EF4-FFF2-40B4-BE49-F238E27FC236}">
-                  <a16:creationId xmlns:a16="http://schemas.microsoft.com/office/drawing/2014/main" id="{B8F79B32-E337-A947-8A2C-8501B0E0D7EE}"/>
-                </a:ext>
-              </a:extLst>
-            </p:cNvPr>
-            <p:cNvSpPr/>
-            <p:nvPr/>
-          </p:nvSpPr>
-          <p:spPr>
-            <a:xfrm>
-              <a:off x="3699568" y="3014112"/>
-              <a:ext cx="4445565" cy="2295300"/>
-            </a:xfrm>
-            <a:prstGeom prst="roundRect">
-              <a:avLst>
-                <a:gd name="adj" fmla="val 3675"/>
-              </a:avLst>
-            </a:prstGeom>
-            <a:solidFill>
-              <a:schemeClr val="bg2"/>
-            </a:solidFill>
+            <a:custGeom>
+              <a:avLst/>
+              <a:gdLst>
+                <a:gd name="connsiteX0" fmla="*/ 0 w 1377675"/>
+                <a:gd name="connsiteY0" fmla="*/ 66568 h 1084694"/>
+                <a:gd name="connsiteX1" fmla="*/ 66568 w 1377675"/>
+                <a:gd name="connsiteY1" fmla="*/ 0 h 1084694"/>
+                <a:gd name="connsiteX2" fmla="*/ 1311107 w 1377675"/>
+                <a:gd name="connsiteY2" fmla="*/ 0 h 1084694"/>
+                <a:gd name="connsiteX3" fmla="*/ 1377675 w 1377675"/>
+                <a:gd name="connsiteY3" fmla="*/ 66568 h 1084694"/>
+                <a:gd name="connsiteX4" fmla="*/ 1377675 w 1377675"/>
+                <a:gd name="connsiteY4" fmla="*/ 1018126 h 1084694"/>
+                <a:gd name="connsiteX5" fmla="*/ 1311107 w 1377675"/>
+                <a:gd name="connsiteY5" fmla="*/ 1084694 h 1084694"/>
+                <a:gd name="connsiteX6" fmla="*/ 66568 w 1377675"/>
+                <a:gd name="connsiteY6" fmla="*/ 1084694 h 1084694"/>
+                <a:gd name="connsiteX7" fmla="*/ 0 w 1377675"/>
+                <a:gd name="connsiteY7" fmla="*/ 1018126 h 1084694"/>
+                <a:gd name="connsiteX8" fmla="*/ 0 w 1377675"/>
+                <a:gd name="connsiteY8" fmla="*/ 66568 h 1084694"/>
+                <a:gd name="connsiteX0" fmla="*/ 0 w 1377675"/>
+                <a:gd name="connsiteY0" fmla="*/ 66568 h 1084694"/>
+                <a:gd name="connsiteX1" fmla="*/ 66568 w 1377675"/>
+                <a:gd name="connsiteY1" fmla="*/ 0 h 1084694"/>
+                <a:gd name="connsiteX2" fmla="*/ 1311107 w 1377675"/>
+                <a:gd name="connsiteY2" fmla="*/ 0 h 1084694"/>
+                <a:gd name="connsiteX3" fmla="*/ 1377675 w 1377675"/>
+                <a:gd name="connsiteY3" fmla="*/ 409468 h 1084694"/>
+                <a:gd name="connsiteX4" fmla="*/ 1377675 w 1377675"/>
+                <a:gd name="connsiteY4" fmla="*/ 1018126 h 1084694"/>
+                <a:gd name="connsiteX5" fmla="*/ 1311107 w 1377675"/>
+                <a:gd name="connsiteY5" fmla="*/ 1084694 h 1084694"/>
+                <a:gd name="connsiteX6" fmla="*/ 66568 w 1377675"/>
+                <a:gd name="connsiteY6" fmla="*/ 1084694 h 1084694"/>
+                <a:gd name="connsiteX7" fmla="*/ 0 w 1377675"/>
+                <a:gd name="connsiteY7" fmla="*/ 1018126 h 1084694"/>
+                <a:gd name="connsiteX8" fmla="*/ 0 w 1377675"/>
+                <a:gd name="connsiteY8" fmla="*/ 66568 h 1084694"/>
+                <a:gd name="connsiteX0" fmla="*/ 0 w 1381139"/>
+                <a:gd name="connsiteY0" fmla="*/ 388686 h 1084694"/>
+                <a:gd name="connsiteX1" fmla="*/ 70032 w 1381139"/>
+                <a:gd name="connsiteY1" fmla="*/ 0 h 1084694"/>
+                <a:gd name="connsiteX2" fmla="*/ 1314571 w 1381139"/>
+                <a:gd name="connsiteY2" fmla="*/ 0 h 1084694"/>
+                <a:gd name="connsiteX3" fmla="*/ 1381139 w 1381139"/>
+                <a:gd name="connsiteY3" fmla="*/ 409468 h 1084694"/>
+                <a:gd name="connsiteX4" fmla="*/ 1381139 w 1381139"/>
+                <a:gd name="connsiteY4" fmla="*/ 1018126 h 1084694"/>
+                <a:gd name="connsiteX5" fmla="*/ 1314571 w 1381139"/>
+                <a:gd name="connsiteY5" fmla="*/ 1084694 h 1084694"/>
+                <a:gd name="connsiteX6" fmla="*/ 70032 w 1381139"/>
+                <a:gd name="connsiteY6" fmla="*/ 1084694 h 1084694"/>
+                <a:gd name="connsiteX7" fmla="*/ 3464 w 1381139"/>
+                <a:gd name="connsiteY7" fmla="*/ 1018126 h 1084694"/>
+                <a:gd name="connsiteX8" fmla="*/ 0 w 1381139"/>
+                <a:gd name="connsiteY8" fmla="*/ 388686 h 1084694"/>
+                <a:gd name="connsiteX0" fmla="*/ 0 w 3085063"/>
+                <a:gd name="connsiteY0" fmla="*/ 388686 h 1084694"/>
+                <a:gd name="connsiteX1" fmla="*/ 70032 w 3085063"/>
+                <a:gd name="connsiteY1" fmla="*/ 0 h 1084694"/>
+                <a:gd name="connsiteX2" fmla="*/ 3084489 w 3085063"/>
+                <a:gd name="connsiteY2" fmla="*/ 256309 h 1084694"/>
+                <a:gd name="connsiteX3" fmla="*/ 1381139 w 3085063"/>
+                <a:gd name="connsiteY3" fmla="*/ 409468 h 1084694"/>
+                <a:gd name="connsiteX4" fmla="*/ 1381139 w 3085063"/>
+                <a:gd name="connsiteY4" fmla="*/ 1018126 h 1084694"/>
+                <a:gd name="connsiteX5" fmla="*/ 1314571 w 3085063"/>
+                <a:gd name="connsiteY5" fmla="*/ 1084694 h 1084694"/>
+                <a:gd name="connsiteX6" fmla="*/ 70032 w 3085063"/>
+                <a:gd name="connsiteY6" fmla="*/ 1084694 h 1084694"/>
+                <a:gd name="connsiteX7" fmla="*/ 3464 w 3085063"/>
+                <a:gd name="connsiteY7" fmla="*/ 1018126 h 1084694"/>
+                <a:gd name="connsiteX8" fmla="*/ 0 w 3085063"/>
+                <a:gd name="connsiteY8" fmla="*/ 388686 h 1084694"/>
+                <a:gd name="connsiteX0" fmla="*/ 1150005 w 4235068"/>
+                <a:gd name="connsiteY0" fmla="*/ 132377 h 828385"/>
+                <a:gd name="connsiteX1" fmla="*/ 837 w 4235068"/>
+                <a:gd name="connsiteY1" fmla="*/ 3463 h 828385"/>
+                <a:gd name="connsiteX2" fmla="*/ 4234494 w 4235068"/>
+                <a:gd name="connsiteY2" fmla="*/ 0 h 828385"/>
+                <a:gd name="connsiteX3" fmla="*/ 2531144 w 4235068"/>
+                <a:gd name="connsiteY3" fmla="*/ 153159 h 828385"/>
+                <a:gd name="connsiteX4" fmla="*/ 2531144 w 4235068"/>
+                <a:gd name="connsiteY4" fmla="*/ 761817 h 828385"/>
+                <a:gd name="connsiteX5" fmla="*/ 2464576 w 4235068"/>
+                <a:gd name="connsiteY5" fmla="*/ 828385 h 828385"/>
+                <a:gd name="connsiteX6" fmla="*/ 1220037 w 4235068"/>
+                <a:gd name="connsiteY6" fmla="*/ 828385 h 828385"/>
+                <a:gd name="connsiteX7" fmla="*/ 1153469 w 4235068"/>
+                <a:gd name="connsiteY7" fmla="*/ 761817 h 828385"/>
+                <a:gd name="connsiteX8" fmla="*/ 1150005 w 4235068"/>
+                <a:gd name="connsiteY8" fmla="*/ 132377 h 828385"/>
+                <a:gd name="connsiteX0" fmla="*/ 1150005 w 2930911"/>
+                <a:gd name="connsiteY0" fmla="*/ 128914 h 824922"/>
+                <a:gd name="connsiteX1" fmla="*/ 837 w 2930911"/>
+                <a:gd name="connsiteY1" fmla="*/ 0 h 824922"/>
+                <a:gd name="connsiteX2" fmla="*/ 2928703 w 2930911"/>
+                <a:gd name="connsiteY2" fmla="*/ 1 h 824922"/>
+                <a:gd name="connsiteX3" fmla="*/ 2531144 w 2930911"/>
+                <a:gd name="connsiteY3" fmla="*/ 149696 h 824922"/>
+                <a:gd name="connsiteX4" fmla="*/ 2531144 w 2930911"/>
+                <a:gd name="connsiteY4" fmla="*/ 758354 h 824922"/>
+                <a:gd name="connsiteX5" fmla="*/ 2464576 w 2930911"/>
+                <a:gd name="connsiteY5" fmla="*/ 824922 h 824922"/>
+                <a:gd name="connsiteX6" fmla="*/ 1220037 w 2930911"/>
+                <a:gd name="connsiteY6" fmla="*/ 824922 h 824922"/>
+                <a:gd name="connsiteX7" fmla="*/ 1153469 w 2930911"/>
+                <a:gd name="connsiteY7" fmla="*/ 758354 h 824922"/>
+                <a:gd name="connsiteX8" fmla="*/ 1150005 w 2930911"/>
+                <a:gd name="connsiteY8" fmla="*/ 128914 h 824922"/>
+                <a:gd name="connsiteX0" fmla="*/ 1150005 w 2930911"/>
+                <a:gd name="connsiteY0" fmla="*/ 128914 h 824922"/>
+                <a:gd name="connsiteX1" fmla="*/ 837 w 2930911"/>
+                <a:gd name="connsiteY1" fmla="*/ 0 h 824922"/>
+                <a:gd name="connsiteX2" fmla="*/ 2928703 w 2930911"/>
+                <a:gd name="connsiteY2" fmla="*/ 1 h 824922"/>
+                <a:gd name="connsiteX3" fmla="*/ 2531144 w 2930911"/>
+                <a:gd name="connsiteY3" fmla="*/ 149696 h 824922"/>
+                <a:gd name="connsiteX4" fmla="*/ 2531144 w 2930911"/>
+                <a:gd name="connsiteY4" fmla="*/ 758354 h 824922"/>
+                <a:gd name="connsiteX5" fmla="*/ 2464576 w 2930911"/>
+                <a:gd name="connsiteY5" fmla="*/ 824922 h 824922"/>
+                <a:gd name="connsiteX6" fmla="*/ 1220037 w 2930911"/>
+                <a:gd name="connsiteY6" fmla="*/ 824922 h 824922"/>
+                <a:gd name="connsiteX7" fmla="*/ 1153469 w 2930911"/>
+                <a:gd name="connsiteY7" fmla="*/ 758354 h 824922"/>
+                <a:gd name="connsiteX8" fmla="*/ 1150005 w 2930911"/>
+                <a:gd name="connsiteY8" fmla="*/ 128914 h 824922"/>
+                <a:gd name="connsiteX0" fmla="*/ 1150004 w 2930910"/>
+                <a:gd name="connsiteY0" fmla="*/ 128914 h 824922"/>
+                <a:gd name="connsiteX1" fmla="*/ 836 w 2930910"/>
+                <a:gd name="connsiteY1" fmla="*/ 0 h 824922"/>
+                <a:gd name="connsiteX2" fmla="*/ 2928702 w 2930910"/>
+                <a:gd name="connsiteY2" fmla="*/ 1 h 824922"/>
+                <a:gd name="connsiteX3" fmla="*/ 2531143 w 2930910"/>
+                <a:gd name="connsiteY3" fmla="*/ 149696 h 824922"/>
+                <a:gd name="connsiteX4" fmla="*/ 2531143 w 2930910"/>
+                <a:gd name="connsiteY4" fmla="*/ 758354 h 824922"/>
+                <a:gd name="connsiteX5" fmla="*/ 2464575 w 2930910"/>
+                <a:gd name="connsiteY5" fmla="*/ 824922 h 824922"/>
+                <a:gd name="connsiteX6" fmla="*/ 1220036 w 2930910"/>
+                <a:gd name="connsiteY6" fmla="*/ 824922 h 824922"/>
+                <a:gd name="connsiteX7" fmla="*/ 1153468 w 2930910"/>
+                <a:gd name="connsiteY7" fmla="*/ 758354 h 824922"/>
+                <a:gd name="connsiteX8" fmla="*/ 1150004 w 2930910"/>
+                <a:gd name="connsiteY8" fmla="*/ 128914 h 824922"/>
+                <a:gd name="connsiteX0" fmla="*/ 375627 w 2156533"/>
+                <a:gd name="connsiteY0" fmla="*/ 128913 h 824921"/>
+                <a:gd name="connsiteX1" fmla="*/ 2314 w 2156533"/>
+                <a:gd name="connsiteY1" fmla="*/ 6926 h 824921"/>
+                <a:gd name="connsiteX2" fmla="*/ 2154325 w 2156533"/>
+                <a:gd name="connsiteY2" fmla="*/ 0 h 824921"/>
+                <a:gd name="connsiteX3" fmla="*/ 1756766 w 2156533"/>
+                <a:gd name="connsiteY3" fmla="*/ 149695 h 824921"/>
+                <a:gd name="connsiteX4" fmla="*/ 1756766 w 2156533"/>
+                <a:gd name="connsiteY4" fmla="*/ 758353 h 824921"/>
+                <a:gd name="connsiteX5" fmla="*/ 1690198 w 2156533"/>
+                <a:gd name="connsiteY5" fmla="*/ 824921 h 824921"/>
+                <a:gd name="connsiteX6" fmla="*/ 445659 w 2156533"/>
+                <a:gd name="connsiteY6" fmla="*/ 824921 h 824921"/>
+                <a:gd name="connsiteX7" fmla="*/ 379091 w 2156533"/>
+                <a:gd name="connsiteY7" fmla="*/ 758353 h 824921"/>
+                <a:gd name="connsiteX8" fmla="*/ 375627 w 2156533"/>
+                <a:gd name="connsiteY8" fmla="*/ 128913 h 824921"/>
+                <a:gd name="connsiteX0" fmla="*/ 418185 w 2199091"/>
+                <a:gd name="connsiteY0" fmla="*/ 128913 h 824921"/>
+                <a:gd name="connsiteX1" fmla="*/ 44872 w 2199091"/>
+                <a:gd name="connsiteY1" fmla="*/ 6926 h 824921"/>
+                <a:gd name="connsiteX2" fmla="*/ 2196883 w 2199091"/>
+                <a:gd name="connsiteY2" fmla="*/ 0 h 824921"/>
+                <a:gd name="connsiteX3" fmla="*/ 1799324 w 2199091"/>
+                <a:gd name="connsiteY3" fmla="*/ 149695 h 824921"/>
+                <a:gd name="connsiteX4" fmla="*/ 1799324 w 2199091"/>
+                <a:gd name="connsiteY4" fmla="*/ 758353 h 824921"/>
+                <a:gd name="connsiteX5" fmla="*/ 1732756 w 2199091"/>
+                <a:gd name="connsiteY5" fmla="*/ 824921 h 824921"/>
+                <a:gd name="connsiteX6" fmla="*/ 488217 w 2199091"/>
+                <a:gd name="connsiteY6" fmla="*/ 824921 h 824921"/>
+                <a:gd name="connsiteX7" fmla="*/ 421649 w 2199091"/>
+                <a:gd name="connsiteY7" fmla="*/ 758353 h 824921"/>
+                <a:gd name="connsiteX8" fmla="*/ 418185 w 2199091"/>
+                <a:gd name="connsiteY8" fmla="*/ 128913 h 824921"/>
+                <a:gd name="connsiteX0" fmla="*/ 404178 w 2197426"/>
+                <a:gd name="connsiteY0" fmla="*/ 129381 h 825389"/>
+                <a:gd name="connsiteX1" fmla="*/ 30865 w 2197426"/>
+                <a:gd name="connsiteY1" fmla="*/ 7394 h 825389"/>
+                <a:gd name="connsiteX2" fmla="*/ 2182876 w 2197426"/>
+                <a:gd name="connsiteY2" fmla="*/ 468 h 825389"/>
+                <a:gd name="connsiteX3" fmla="*/ 1785317 w 2197426"/>
+                <a:gd name="connsiteY3" fmla="*/ 150163 h 825389"/>
+                <a:gd name="connsiteX4" fmla="*/ 1785317 w 2197426"/>
+                <a:gd name="connsiteY4" fmla="*/ 758821 h 825389"/>
+                <a:gd name="connsiteX5" fmla="*/ 1718749 w 2197426"/>
+                <a:gd name="connsiteY5" fmla="*/ 825389 h 825389"/>
+                <a:gd name="connsiteX6" fmla="*/ 474210 w 2197426"/>
+                <a:gd name="connsiteY6" fmla="*/ 825389 h 825389"/>
+                <a:gd name="connsiteX7" fmla="*/ 407642 w 2197426"/>
+                <a:gd name="connsiteY7" fmla="*/ 758821 h 825389"/>
+                <a:gd name="connsiteX8" fmla="*/ 404178 w 2197426"/>
+                <a:gd name="connsiteY8" fmla="*/ 129381 h 825389"/>
+                <a:gd name="connsiteX0" fmla="*/ 373313 w 2152011"/>
+                <a:gd name="connsiteY0" fmla="*/ 129381 h 825389"/>
+                <a:gd name="connsiteX1" fmla="*/ 0 w 2152011"/>
+                <a:gd name="connsiteY1" fmla="*/ 7394 h 825389"/>
+                <a:gd name="connsiteX2" fmla="*/ 2152011 w 2152011"/>
+                <a:gd name="connsiteY2" fmla="*/ 468 h 825389"/>
+                <a:gd name="connsiteX3" fmla="*/ 1754452 w 2152011"/>
+                <a:gd name="connsiteY3" fmla="*/ 150163 h 825389"/>
+                <a:gd name="connsiteX4" fmla="*/ 1754452 w 2152011"/>
+                <a:gd name="connsiteY4" fmla="*/ 758821 h 825389"/>
+                <a:gd name="connsiteX5" fmla="*/ 1687884 w 2152011"/>
+                <a:gd name="connsiteY5" fmla="*/ 825389 h 825389"/>
+                <a:gd name="connsiteX6" fmla="*/ 443345 w 2152011"/>
+                <a:gd name="connsiteY6" fmla="*/ 825389 h 825389"/>
+                <a:gd name="connsiteX7" fmla="*/ 376777 w 2152011"/>
+                <a:gd name="connsiteY7" fmla="*/ 758821 h 825389"/>
+                <a:gd name="connsiteX8" fmla="*/ 373313 w 2152011"/>
+                <a:gd name="connsiteY8" fmla="*/ 129381 h 825389"/>
+                <a:gd name="connsiteX0" fmla="*/ 436994 w 2018842"/>
+                <a:gd name="connsiteY0" fmla="*/ 132057 h 828065"/>
+                <a:gd name="connsiteX1" fmla="*/ 63681 w 2018842"/>
+                <a:gd name="connsiteY1" fmla="*/ 10070 h 828065"/>
+                <a:gd name="connsiteX2" fmla="*/ 2018842 w 2018842"/>
+                <a:gd name="connsiteY2" fmla="*/ 6319 h 828065"/>
+                <a:gd name="connsiteX3" fmla="*/ 1818133 w 2018842"/>
+                <a:gd name="connsiteY3" fmla="*/ 152839 h 828065"/>
+                <a:gd name="connsiteX4" fmla="*/ 1818133 w 2018842"/>
+                <a:gd name="connsiteY4" fmla="*/ 761497 h 828065"/>
+                <a:gd name="connsiteX5" fmla="*/ 1751565 w 2018842"/>
+                <a:gd name="connsiteY5" fmla="*/ 828065 h 828065"/>
+                <a:gd name="connsiteX6" fmla="*/ 507026 w 2018842"/>
+                <a:gd name="connsiteY6" fmla="*/ 828065 h 828065"/>
+                <a:gd name="connsiteX7" fmla="*/ 440458 w 2018842"/>
+                <a:gd name="connsiteY7" fmla="*/ 761497 h 828065"/>
+                <a:gd name="connsiteX8" fmla="*/ 436994 w 2018842"/>
+                <a:gd name="connsiteY8" fmla="*/ 132057 h 828065"/>
+                <a:gd name="connsiteX0" fmla="*/ 436994 w 2023402"/>
+                <a:gd name="connsiteY0" fmla="*/ 131514 h 827522"/>
+                <a:gd name="connsiteX1" fmla="*/ 63681 w 2023402"/>
+                <a:gd name="connsiteY1" fmla="*/ 9527 h 827522"/>
+                <a:gd name="connsiteX2" fmla="*/ 2018842 w 2023402"/>
+                <a:gd name="connsiteY2" fmla="*/ 5776 h 827522"/>
+                <a:gd name="connsiteX3" fmla="*/ 1818133 w 2023402"/>
+                <a:gd name="connsiteY3" fmla="*/ 152296 h 827522"/>
+                <a:gd name="connsiteX4" fmla="*/ 1818133 w 2023402"/>
+                <a:gd name="connsiteY4" fmla="*/ 760954 h 827522"/>
+                <a:gd name="connsiteX5" fmla="*/ 1751565 w 2023402"/>
+                <a:gd name="connsiteY5" fmla="*/ 827522 h 827522"/>
+                <a:gd name="connsiteX6" fmla="*/ 507026 w 2023402"/>
+                <a:gd name="connsiteY6" fmla="*/ 827522 h 827522"/>
+                <a:gd name="connsiteX7" fmla="*/ 440458 w 2023402"/>
+                <a:gd name="connsiteY7" fmla="*/ 760954 h 827522"/>
+                <a:gd name="connsiteX8" fmla="*/ 436994 w 2023402"/>
+                <a:gd name="connsiteY8" fmla="*/ 131514 h 827522"/>
+                <a:gd name="connsiteX0" fmla="*/ 260186 w 1921406"/>
+                <a:gd name="connsiteY0" fmla="*/ 144219 h 840227"/>
+                <a:gd name="connsiteX1" fmla="*/ 83723 w 1921406"/>
+                <a:gd name="connsiteY1" fmla="*/ 15882 h 840227"/>
+                <a:gd name="connsiteX2" fmla="*/ 1842034 w 1921406"/>
+                <a:gd name="connsiteY2" fmla="*/ 18481 h 840227"/>
+                <a:gd name="connsiteX3" fmla="*/ 1641325 w 1921406"/>
+                <a:gd name="connsiteY3" fmla="*/ 165001 h 840227"/>
+                <a:gd name="connsiteX4" fmla="*/ 1641325 w 1921406"/>
+                <a:gd name="connsiteY4" fmla="*/ 773659 h 840227"/>
+                <a:gd name="connsiteX5" fmla="*/ 1574757 w 1921406"/>
+                <a:gd name="connsiteY5" fmla="*/ 840227 h 840227"/>
+                <a:gd name="connsiteX6" fmla="*/ 330218 w 1921406"/>
+                <a:gd name="connsiteY6" fmla="*/ 840227 h 840227"/>
+                <a:gd name="connsiteX7" fmla="*/ 263650 w 1921406"/>
+                <a:gd name="connsiteY7" fmla="*/ 773659 h 840227"/>
+                <a:gd name="connsiteX8" fmla="*/ 260186 w 1921406"/>
+                <a:gd name="connsiteY8" fmla="*/ 144219 h 840227"/>
+                <a:gd name="connsiteX0" fmla="*/ 184184 w 1845404"/>
+                <a:gd name="connsiteY0" fmla="*/ 137193 h 833201"/>
+                <a:gd name="connsiteX1" fmla="*/ 7721 w 1845404"/>
+                <a:gd name="connsiteY1" fmla="*/ 8856 h 833201"/>
+                <a:gd name="connsiteX2" fmla="*/ 1766032 w 1845404"/>
+                <a:gd name="connsiteY2" fmla="*/ 11455 h 833201"/>
+                <a:gd name="connsiteX3" fmla="*/ 1565323 w 1845404"/>
+                <a:gd name="connsiteY3" fmla="*/ 157975 h 833201"/>
+                <a:gd name="connsiteX4" fmla="*/ 1565323 w 1845404"/>
+                <a:gd name="connsiteY4" fmla="*/ 766633 h 833201"/>
+                <a:gd name="connsiteX5" fmla="*/ 1498755 w 1845404"/>
+                <a:gd name="connsiteY5" fmla="*/ 833201 h 833201"/>
+                <a:gd name="connsiteX6" fmla="*/ 254216 w 1845404"/>
+                <a:gd name="connsiteY6" fmla="*/ 833201 h 833201"/>
+                <a:gd name="connsiteX7" fmla="*/ 187648 w 1845404"/>
+                <a:gd name="connsiteY7" fmla="*/ 766633 h 833201"/>
+                <a:gd name="connsiteX8" fmla="*/ 184184 w 1845404"/>
+                <a:gd name="connsiteY8" fmla="*/ 137193 h 833201"/>
+                <a:gd name="connsiteX0" fmla="*/ 254154 w 1839241"/>
+                <a:gd name="connsiteY0" fmla="*/ 147999 h 844007"/>
+                <a:gd name="connsiteX1" fmla="*/ 77691 w 1839241"/>
+                <a:gd name="connsiteY1" fmla="*/ 19662 h 844007"/>
+                <a:gd name="connsiteX2" fmla="*/ 1747102 w 1839241"/>
+                <a:gd name="connsiteY2" fmla="*/ 15911 h 844007"/>
+                <a:gd name="connsiteX3" fmla="*/ 1635293 w 1839241"/>
+                <a:gd name="connsiteY3" fmla="*/ 168781 h 844007"/>
+                <a:gd name="connsiteX4" fmla="*/ 1635293 w 1839241"/>
+                <a:gd name="connsiteY4" fmla="*/ 777439 h 844007"/>
+                <a:gd name="connsiteX5" fmla="*/ 1568725 w 1839241"/>
+                <a:gd name="connsiteY5" fmla="*/ 844007 h 844007"/>
+                <a:gd name="connsiteX6" fmla="*/ 324186 w 1839241"/>
+                <a:gd name="connsiteY6" fmla="*/ 844007 h 844007"/>
+                <a:gd name="connsiteX7" fmla="*/ 257618 w 1839241"/>
+                <a:gd name="connsiteY7" fmla="*/ 777439 h 844007"/>
+                <a:gd name="connsiteX8" fmla="*/ 254154 w 1839241"/>
+                <a:gd name="connsiteY8" fmla="*/ 147999 h 844007"/>
+                <a:gd name="connsiteX0" fmla="*/ 254154 w 1752323"/>
+                <a:gd name="connsiteY0" fmla="*/ 139925 h 835933"/>
+                <a:gd name="connsiteX1" fmla="*/ 77691 w 1752323"/>
+                <a:gd name="connsiteY1" fmla="*/ 11588 h 835933"/>
+                <a:gd name="connsiteX2" fmla="*/ 1747102 w 1752323"/>
+                <a:gd name="connsiteY2" fmla="*/ 7837 h 835933"/>
+                <a:gd name="connsiteX3" fmla="*/ 1635293 w 1752323"/>
+                <a:gd name="connsiteY3" fmla="*/ 160707 h 835933"/>
+                <a:gd name="connsiteX4" fmla="*/ 1635293 w 1752323"/>
+                <a:gd name="connsiteY4" fmla="*/ 769365 h 835933"/>
+                <a:gd name="connsiteX5" fmla="*/ 1568725 w 1752323"/>
+                <a:gd name="connsiteY5" fmla="*/ 835933 h 835933"/>
+                <a:gd name="connsiteX6" fmla="*/ 324186 w 1752323"/>
+                <a:gd name="connsiteY6" fmla="*/ 835933 h 835933"/>
+                <a:gd name="connsiteX7" fmla="*/ 257618 w 1752323"/>
+                <a:gd name="connsiteY7" fmla="*/ 769365 h 835933"/>
+                <a:gd name="connsiteX8" fmla="*/ 254154 w 1752323"/>
+                <a:gd name="connsiteY8" fmla="*/ 139925 h 835933"/>
+                <a:gd name="connsiteX0" fmla="*/ 256302 w 1786136"/>
+                <a:gd name="connsiteY0" fmla="*/ 138666 h 834674"/>
+                <a:gd name="connsiteX1" fmla="*/ 79839 w 1786136"/>
+                <a:gd name="connsiteY1" fmla="*/ 10329 h 834674"/>
+                <a:gd name="connsiteX2" fmla="*/ 1781000 w 1786136"/>
+                <a:gd name="connsiteY2" fmla="*/ 9753 h 834674"/>
+                <a:gd name="connsiteX3" fmla="*/ 1637441 w 1786136"/>
+                <a:gd name="connsiteY3" fmla="*/ 159448 h 834674"/>
+                <a:gd name="connsiteX4" fmla="*/ 1637441 w 1786136"/>
+                <a:gd name="connsiteY4" fmla="*/ 768106 h 834674"/>
+                <a:gd name="connsiteX5" fmla="*/ 1570873 w 1786136"/>
+                <a:gd name="connsiteY5" fmla="*/ 834674 h 834674"/>
+                <a:gd name="connsiteX6" fmla="*/ 326334 w 1786136"/>
+                <a:gd name="connsiteY6" fmla="*/ 834674 h 834674"/>
+                <a:gd name="connsiteX7" fmla="*/ 259766 w 1786136"/>
+                <a:gd name="connsiteY7" fmla="*/ 768106 h 834674"/>
+                <a:gd name="connsiteX8" fmla="*/ 256302 w 1786136"/>
+                <a:gd name="connsiteY8" fmla="*/ 138666 h 834674"/>
+                <a:gd name="connsiteX0" fmla="*/ 181625 w 1710512"/>
+                <a:gd name="connsiteY0" fmla="*/ 130557 h 826565"/>
+                <a:gd name="connsiteX1" fmla="*/ 5162 w 1710512"/>
+                <a:gd name="connsiteY1" fmla="*/ 2220 h 826565"/>
+                <a:gd name="connsiteX2" fmla="*/ 1706323 w 1710512"/>
+                <a:gd name="connsiteY2" fmla="*/ 1644 h 826565"/>
+                <a:gd name="connsiteX3" fmla="*/ 1562764 w 1710512"/>
+                <a:gd name="connsiteY3" fmla="*/ 151339 h 826565"/>
+                <a:gd name="connsiteX4" fmla="*/ 1562764 w 1710512"/>
+                <a:gd name="connsiteY4" fmla="*/ 759997 h 826565"/>
+                <a:gd name="connsiteX5" fmla="*/ 1496196 w 1710512"/>
+                <a:gd name="connsiteY5" fmla="*/ 826565 h 826565"/>
+                <a:gd name="connsiteX6" fmla="*/ 251657 w 1710512"/>
+                <a:gd name="connsiteY6" fmla="*/ 826565 h 826565"/>
+                <a:gd name="connsiteX7" fmla="*/ 185089 w 1710512"/>
+                <a:gd name="connsiteY7" fmla="*/ 759997 h 826565"/>
+                <a:gd name="connsiteX8" fmla="*/ 181625 w 1710512"/>
+                <a:gd name="connsiteY8" fmla="*/ 130557 h 826565"/>
+                <a:gd name="connsiteX0" fmla="*/ 157442 w 1767509"/>
+                <a:gd name="connsiteY0" fmla="*/ 139313 h 835321"/>
+                <a:gd name="connsiteX1" fmla="*/ 6379 w 1767509"/>
+                <a:gd name="connsiteY1" fmla="*/ 14151 h 835321"/>
+                <a:gd name="connsiteX2" fmla="*/ 1682140 w 1767509"/>
+                <a:gd name="connsiteY2" fmla="*/ 10400 h 835321"/>
+                <a:gd name="connsiteX3" fmla="*/ 1538581 w 1767509"/>
+                <a:gd name="connsiteY3" fmla="*/ 160095 h 835321"/>
+                <a:gd name="connsiteX4" fmla="*/ 1538581 w 1767509"/>
+                <a:gd name="connsiteY4" fmla="*/ 768753 h 835321"/>
+                <a:gd name="connsiteX5" fmla="*/ 1472013 w 1767509"/>
+                <a:gd name="connsiteY5" fmla="*/ 835321 h 835321"/>
+                <a:gd name="connsiteX6" fmla="*/ 227474 w 1767509"/>
+                <a:gd name="connsiteY6" fmla="*/ 835321 h 835321"/>
+                <a:gd name="connsiteX7" fmla="*/ 160906 w 1767509"/>
+                <a:gd name="connsiteY7" fmla="*/ 768753 h 835321"/>
+                <a:gd name="connsiteX8" fmla="*/ 157442 w 1767509"/>
+                <a:gd name="connsiteY8" fmla="*/ 139313 h 835321"/>
+                <a:gd name="connsiteX0" fmla="*/ 155631 w 1765698"/>
+                <a:gd name="connsiteY0" fmla="*/ 139999 h 836007"/>
+                <a:gd name="connsiteX1" fmla="*/ 4568 w 1765698"/>
+                <a:gd name="connsiteY1" fmla="*/ 14837 h 836007"/>
+                <a:gd name="connsiteX2" fmla="*/ 1680329 w 1765698"/>
+                <a:gd name="connsiteY2" fmla="*/ 11086 h 836007"/>
+                <a:gd name="connsiteX3" fmla="*/ 1536770 w 1765698"/>
+                <a:gd name="connsiteY3" fmla="*/ 160781 h 836007"/>
+                <a:gd name="connsiteX4" fmla="*/ 1536770 w 1765698"/>
+                <a:gd name="connsiteY4" fmla="*/ 769439 h 836007"/>
+                <a:gd name="connsiteX5" fmla="*/ 1470202 w 1765698"/>
+                <a:gd name="connsiteY5" fmla="*/ 836007 h 836007"/>
+                <a:gd name="connsiteX6" fmla="*/ 225663 w 1765698"/>
+                <a:gd name="connsiteY6" fmla="*/ 836007 h 836007"/>
+                <a:gd name="connsiteX7" fmla="*/ 159095 w 1765698"/>
+                <a:gd name="connsiteY7" fmla="*/ 769439 h 836007"/>
+                <a:gd name="connsiteX8" fmla="*/ 155631 w 1765698"/>
+                <a:gd name="connsiteY8" fmla="*/ 139999 h 836007"/>
+                <a:gd name="connsiteX0" fmla="*/ 155631 w 1765698"/>
+                <a:gd name="connsiteY0" fmla="*/ 139999 h 836007"/>
+                <a:gd name="connsiteX1" fmla="*/ 4568 w 1765698"/>
+                <a:gd name="connsiteY1" fmla="*/ 14837 h 836007"/>
+                <a:gd name="connsiteX2" fmla="*/ 1680329 w 1765698"/>
+                <a:gd name="connsiteY2" fmla="*/ 11086 h 836007"/>
+                <a:gd name="connsiteX3" fmla="*/ 1536770 w 1765698"/>
+                <a:gd name="connsiteY3" fmla="*/ 160781 h 836007"/>
+                <a:gd name="connsiteX4" fmla="*/ 1536770 w 1765698"/>
+                <a:gd name="connsiteY4" fmla="*/ 769439 h 836007"/>
+                <a:gd name="connsiteX5" fmla="*/ 1470202 w 1765698"/>
+                <a:gd name="connsiteY5" fmla="*/ 836007 h 836007"/>
+                <a:gd name="connsiteX6" fmla="*/ 225663 w 1765698"/>
+                <a:gd name="connsiteY6" fmla="*/ 836007 h 836007"/>
+                <a:gd name="connsiteX7" fmla="*/ 159095 w 1765698"/>
+                <a:gd name="connsiteY7" fmla="*/ 769439 h 836007"/>
+                <a:gd name="connsiteX8" fmla="*/ 155631 w 1765698"/>
+                <a:gd name="connsiteY8" fmla="*/ 139999 h 836007"/>
+                <a:gd name="connsiteX0" fmla="*/ 154777 w 1684351"/>
+                <a:gd name="connsiteY0" fmla="*/ 131536 h 827544"/>
+                <a:gd name="connsiteX1" fmla="*/ 3714 w 1684351"/>
+                <a:gd name="connsiteY1" fmla="*/ 6374 h 827544"/>
+                <a:gd name="connsiteX2" fmla="*/ 1679475 w 1684351"/>
+                <a:gd name="connsiteY2" fmla="*/ 2623 h 827544"/>
+                <a:gd name="connsiteX3" fmla="*/ 1535916 w 1684351"/>
+                <a:gd name="connsiteY3" fmla="*/ 152318 h 827544"/>
+                <a:gd name="connsiteX4" fmla="*/ 1535916 w 1684351"/>
+                <a:gd name="connsiteY4" fmla="*/ 760976 h 827544"/>
+                <a:gd name="connsiteX5" fmla="*/ 1469348 w 1684351"/>
+                <a:gd name="connsiteY5" fmla="*/ 827544 h 827544"/>
+                <a:gd name="connsiteX6" fmla="*/ 224809 w 1684351"/>
+                <a:gd name="connsiteY6" fmla="*/ 827544 h 827544"/>
+                <a:gd name="connsiteX7" fmla="*/ 158241 w 1684351"/>
+                <a:gd name="connsiteY7" fmla="*/ 760976 h 827544"/>
+                <a:gd name="connsiteX8" fmla="*/ 154777 w 1684351"/>
+                <a:gd name="connsiteY8" fmla="*/ 131536 h 827544"/>
+                <a:gd name="connsiteX0" fmla="*/ 236936 w 1786555"/>
+                <a:gd name="connsiteY0" fmla="*/ 135949 h 831957"/>
+                <a:gd name="connsiteX1" fmla="*/ 85873 w 1786555"/>
+                <a:gd name="connsiteY1" fmla="*/ 10787 h 831957"/>
+                <a:gd name="connsiteX2" fmla="*/ 1780684 w 1786555"/>
+                <a:gd name="connsiteY2" fmla="*/ 10211 h 831957"/>
+                <a:gd name="connsiteX3" fmla="*/ 1618075 w 1786555"/>
+                <a:gd name="connsiteY3" fmla="*/ 156731 h 831957"/>
+                <a:gd name="connsiteX4" fmla="*/ 1618075 w 1786555"/>
+                <a:gd name="connsiteY4" fmla="*/ 765389 h 831957"/>
+                <a:gd name="connsiteX5" fmla="*/ 1551507 w 1786555"/>
+                <a:gd name="connsiteY5" fmla="*/ 831957 h 831957"/>
+                <a:gd name="connsiteX6" fmla="*/ 306968 w 1786555"/>
+                <a:gd name="connsiteY6" fmla="*/ 831957 h 831957"/>
+                <a:gd name="connsiteX7" fmla="*/ 240400 w 1786555"/>
+                <a:gd name="connsiteY7" fmla="*/ 765389 h 831957"/>
+                <a:gd name="connsiteX8" fmla="*/ 236936 w 1786555"/>
+                <a:gd name="connsiteY8" fmla="*/ 135949 h 831957"/>
+                <a:gd name="connsiteX0" fmla="*/ 157046 w 1705555"/>
+                <a:gd name="connsiteY0" fmla="*/ 128377 h 824385"/>
+                <a:gd name="connsiteX1" fmla="*/ 5983 w 1705555"/>
+                <a:gd name="connsiteY1" fmla="*/ 3215 h 824385"/>
+                <a:gd name="connsiteX2" fmla="*/ 1700794 w 1705555"/>
+                <a:gd name="connsiteY2" fmla="*/ 2639 h 824385"/>
+                <a:gd name="connsiteX3" fmla="*/ 1538185 w 1705555"/>
+                <a:gd name="connsiteY3" fmla="*/ 149159 h 824385"/>
+                <a:gd name="connsiteX4" fmla="*/ 1538185 w 1705555"/>
+                <a:gd name="connsiteY4" fmla="*/ 757817 h 824385"/>
+                <a:gd name="connsiteX5" fmla="*/ 1471617 w 1705555"/>
+                <a:gd name="connsiteY5" fmla="*/ 824385 h 824385"/>
+                <a:gd name="connsiteX6" fmla="*/ 227078 w 1705555"/>
+                <a:gd name="connsiteY6" fmla="*/ 824385 h 824385"/>
+                <a:gd name="connsiteX7" fmla="*/ 160510 w 1705555"/>
+                <a:gd name="connsiteY7" fmla="*/ 757817 h 824385"/>
+                <a:gd name="connsiteX8" fmla="*/ 157046 w 1705555"/>
+                <a:gd name="connsiteY8" fmla="*/ 128377 h 824385"/>
+                <a:gd name="connsiteX0" fmla="*/ 158360 w 1784749"/>
+                <a:gd name="connsiteY0" fmla="*/ 140824 h 836832"/>
+                <a:gd name="connsiteX1" fmla="*/ 7297 w 1784749"/>
+                <a:gd name="connsiteY1" fmla="*/ 15662 h 836832"/>
+                <a:gd name="connsiteX2" fmla="*/ 1702108 w 1784749"/>
+                <a:gd name="connsiteY2" fmla="*/ 15086 h 836832"/>
+                <a:gd name="connsiteX3" fmla="*/ 1539499 w 1784749"/>
+                <a:gd name="connsiteY3" fmla="*/ 215581 h 836832"/>
+                <a:gd name="connsiteX4" fmla="*/ 1539499 w 1784749"/>
+                <a:gd name="connsiteY4" fmla="*/ 770264 h 836832"/>
+                <a:gd name="connsiteX5" fmla="*/ 1472931 w 1784749"/>
+                <a:gd name="connsiteY5" fmla="*/ 836832 h 836832"/>
+                <a:gd name="connsiteX6" fmla="*/ 228392 w 1784749"/>
+                <a:gd name="connsiteY6" fmla="*/ 836832 h 836832"/>
+                <a:gd name="connsiteX7" fmla="*/ 161824 w 1784749"/>
+                <a:gd name="connsiteY7" fmla="*/ 770264 h 836832"/>
+                <a:gd name="connsiteX8" fmla="*/ 158360 w 1784749"/>
+                <a:gd name="connsiteY8" fmla="*/ 140824 h 836832"/>
+                <a:gd name="connsiteX0" fmla="*/ 239426 w 1862640"/>
+                <a:gd name="connsiteY0" fmla="*/ 233513 h 846971"/>
+                <a:gd name="connsiteX1" fmla="*/ 85188 w 1862640"/>
+                <a:gd name="connsiteY1" fmla="*/ 25801 h 846971"/>
+                <a:gd name="connsiteX2" fmla="*/ 1779999 w 1862640"/>
+                <a:gd name="connsiteY2" fmla="*/ 25225 h 846971"/>
+                <a:gd name="connsiteX3" fmla="*/ 1617390 w 1862640"/>
+                <a:gd name="connsiteY3" fmla="*/ 225720 h 846971"/>
+                <a:gd name="connsiteX4" fmla="*/ 1617390 w 1862640"/>
+                <a:gd name="connsiteY4" fmla="*/ 780403 h 846971"/>
+                <a:gd name="connsiteX5" fmla="*/ 1550822 w 1862640"/>
+                <a:gd name="connsiteY5" fmla="*/ 846971 h 846971"/>
+                <a:gd name="connsiteX6" fmla="*/ 306283 w 1862640"/>
+                <a:gd name="connsiteY6" fmla="*/ 846971 h 846971"/>
+                <a:gd name="connsiteX7" fmla="*/ 239715 w 1862640"/>
+                <a:gd name="connsiteY7" fmla="*/ 780403 h 846971"/>
+                <a:gd name="connsiteX8" fmla="*/ 239426 w 1862640"/>
+                <a:gd name="connsiteY8" fmla="*/ 233513 h 846971"/>
+                <a:gd name="connsiteX0" fmla="*/ 238598 w 1861812"/>
+                <a:gd name="connsiteY0" fmla="*/ 233513 h 846971"/>
+                <a:gd name="connsiteX1" fmla="*/ 84360 w 1861812"/>
+                <a:gd name="connsiteY1" fmla="*/ 25801 h 846971"/>
+                <a:gd name="connsiteX2" fmla="*/ 1779171 w 1861812"/>
+                <a:gd name="connsiteY2" fmla="*/ 25225 h 846971"/>
+                <a:gd name="connsiteX3" fmla="*/ 1616562 w 1861812"/>
+                <a:gd name="connsiteY3" fmla="*/ 225720 h 846971"/>
+                <a:gd name="connsiteX4" fmla="*/ 1616562 w 1861812"/>
+                <a:gd name="connsiteY4" fmla="*/ 780403 h 846971"/>
+                <a:gd name="connsiteX5" fmla="*/ 1549994 w 1861812"/>
+                <a:gd name="connsiteY5" fmla="*/ 846971 h 846971"/>
+                <a:gd name="connsiteX6" fmla="*/ 305455 w 1861812"/>
+                <a:gd name="connsiteY6" fmla="*/ 846971 h 846971"/>
+                <a:gd name="connsiteX7" fmla="*/ 238887 w 1861812"/>
+                <a:gd name="connsiteY7" fmla="*/ 780403 h 846971"/>
+                <a:gd name="connsiteX8" fmla="*/ 238598 w 1861812"/>
+                <a:gd name="connsiteY8" fmla="*/ 233513 h 846971"/>
+                <a:gd name="connsiteX0" fmla="*/ 238598 w 1862214"/>
+                <a:gd name="connsiteY0" fmla="*/ 233513 h 846971"/>
+                <a:gd name="connsiteX1" fmla="*/ 84360 w 1862214"/>
+                <a:gd name="connsiteY1" fmla="*/ 25801 h 846971"/>
+                <a:gd name="connsiteX2" fmla="*/ 1779171 w 1862214"/>
+                <a:gd name="connsiteY2" fmla="*/ 25225 h 846971"/>
+                <a:gd name="connsiteX3" fmla="*/ 1616562 w 1862214"/>
+                <a:gd name="connsiteY3" fmla="*/ 225720 h 846971"/>
+                <a:gd name="connsiteX4" fmla="*/ 1616562 w 1862214"/>
+                <a:gd name="connsiteY4" fmla="*/ 780403 h 846971"/>
+                <a:gd name="connsiteX5" fmla="*/ 1549994 w 1862214"/>
+                <a:gd name="connsiteY5" fmla="*/ 846971 h 846971"/>
+                <a:gd name="connsiteX6" fmla="*/ 305455 w 1862214"/>
+                <a:gd name="connsiteY6" fmla="*/ 846971 h 846971"/>
+                <a:gd name="connsiteX7" fmla="*/ 238887 w 1862214"/>
+                <a:gd name="connsiteY7" fmla="*/ 780403 h 846971"/>
+                <a:gd name="connsiteX8" fmla="*/ 238598 w 1862214"/>
+                <a:gd name="connsiteY8" fmla="*/ 233513 h 846971"/>
+                <a:gd name="connsiteX0" fmla="*/ 238160 w 1856323"/>
+                <a:gd name="connsiteY0" fmla="*/ 248080 h 861538"/>
+                <a:gd name="connsiteX1" fmla="*/ 83922 w 1856323"/>
+                <a:gd name="connsiteY1" fmla="*/ 40368 h 861538"/>
+                <a:gd name="connsiteX2" fmla="*/ 1772383 w 1856323"/>
+                <a:gd name="connsiteY2" fmla="*/ 17567 h 861538"/>
+                <a:gd name="connsiteX3" fmla="*/ 1616124 w 1856323"/>
+                <a:gd name="connsiteY3" fmla="*/ 240287 h 861538"/>
+                <a:gd name="connsiteX4" fmla="*/ 1616124 w 1856323"/>
+                <a:gd name="connsiteY4" fmla="*/ 794970 h 861538"/>
+                <a:gd name="connsiteX5" fmla="*/ 1549556 w 1856323"/>
+                <a:gd name="connsiteY5" fmla="*/ 861538 h 861538"/>
+                <a:gd name="connsiteX6" fmla="*/ 305017 w 1856323"/>
+                <a:gd name="connsiteY6" fmla="*/ 861538 h 861538"/>
+                <a:gd name="connsiteX7" fmla="*/ 238449 w 1856323"/>
+                <a:gd name="connsiteY7" fmla="*/ 794970 h 861538"/>
+                <a:gd name="connsiteX8" fmla="*/ 238160 w 1856323"/>
+                <a:gd name="connsiteY8" fmla="*/ 248080 h 861538"/>
+                <a:gd name="connsiteX0" fmla="*/ 238160 w 1785863"/>
+                <a:gd name="connsiteY0" fmla="*/ 242493 h 855951"/>
+                <a:gd name="connsiteX1" fmla="*/ 83922 w 1785863"/>
+                <a:gd name="connsiteY1" fmla="*/ 34781 h 855951"/>
+                <a:gd name="connsiteX2" fmla="*/ 1772383 w 1785863"/>
+                <a:gd name="connsiteY2" fmla="*/ 11980 h 855951"/>
+                <a:gd name="connsiteX3" fmla="*/ 1616124 w 1785863"/>
+                <a:gd name="connsiteY3" fmla="*/ 234700 h 855951"/>
+                <a:gd name="connsiteX4" fmla="*/ 1616124 w 1785863"/>
+                <a:gd name="connsiteY4" fmla="*/ 789383 h 855951"/>
+                <a:gd name="connsiteX5" fmla="*/ 1549556 w 1785863"/>
+                <a:gd name="connsiteY5" fmla="*/ 855951 h 855951"/>
+                <a:gd name="connsiteX6" fmla="*/ 305017 w 1785863"/>
+                <a:gd name="connsiteY6" fmla="*/ 855951 h 855951"/>
+                <a:gd name="connsiteX7" fmla="*/ 238449 w 1785863"/>
+                <a:gd name="connsiteY7" fmla="*/ 789383 h 855951"/>
+                <a:gd name="connsiteX8" fmla="*/ 238160 w 1785863"/>
+                <a:gd name="connsiteY8" fmla="*/ 242493 h 855951"/>
+                <a:gd name="connsiteX0" fmla="*/ 239914 w 1812854"/>
+                <a:gd name="connsiteY0" fmla="*/ 232326 h 845784"/>
+                <a:gd name="connsiteX1" fmla="*/ 85676 w 1812854"/>
+                <a:gd name="connsiteY1" fmla="*/ 24614 h 845784"/>
+                <a:gd name="connsiteX2" fmla="*/ 1799537 w 1812854"/>
+                <a:gd name="connsiteY2" fmla="*/ 17688 h 845784"/>
+                <a:gd name="connsiteX3" fmla="*/ 1617878 w 1812854"/>
+                <a:gd name="connsiteY3" fmla="*/ 224533 h 845784"/>
+                <a:gd name="connsiteX4" fmla="*/ 1617878 w 1812854"/>
+                <a:gd name="connsiteY4" fmla="*/ 779216 h 845784"/>
+                <a:gd name="connsiteX5" fmla="*/ 1551310 w 1812854"/>
+                <a:gd name="connsiteY5" fmla="*/ 845784 h 845784"/>
+                <a:gd name="connsiteX6" fmla="*/ 306771 w 1812854"/>
+                <a:gd name="connsiteY6" fmla="*/ 845784 h 845784"/>
+                <a:gd name="connsiteX7" fmla="*/ 240203 w 1812854"/>
+                <a:gd name="connsiteY7" fmla="*/ 779216 h 845784"/>
+                <a:gd name="connsiteX8" fmla="*/ 239914 w 1812854"/>
+                <a:gd name="connsiteY8" fmla="*/ 232326 h 845784"/>
+                <a:gd name="connsiteX0" fmla="*/ 241013 w 1829728"/>
+                <a:gd name="connsiteY0" fmla="*/ 230621 h 844079"/>
+                <a:gd name="connsiteX1" fmla="*/ 86775 w 1829728"/>
+                <a:gd name="connsiteY1" fmla="*/ 22909 h 844079"/>
+                <a:gd name="connsiteX2" fmla="*/ 1816511 w 1829728"/>
+                <a:gd name="connsiteY2" fmla="*/ 19158 h 844079"/>
+                <a:gd name="connsiteX3" fmla="*/ 1618977 w 1829728"/>
+                <a:gd name="connsiteY3" fmla="*/ 222828 h 844079"/>
+                <a:gd name="connsiteX4" fmla="*/ 1618977 w 1829728"/>
+                <a:gd name="connsiteY4" fmla="*/ 777511 h 844079"/>
+                <a:gd name="connsiteX5" fmla="*/ 1552409 w 1829728"/>
+                <a:gd name="connsiteY5" fmla="*/ 844079 h 844079"/>
+                <a:gd name="connsiteX6" fmla="*/ 307870 w 1829728"/>
+                <a:gd name="connsiteY6" fmla="*/ 844079 h 844079"/>
+                <a:gd name="connsiteX7" fmla="*/ 241302 w 1829728"/>
+                <a:gd name="connsiteY7" fmla="*/ 777511 h 844079"/>
+                <a:gd name="connsiteX8" fmla="*/ 241013 w 1829728"/>
+                <a:gd name="connsiteY8" fmla="*/ 230621 h 844079"/>
+                <a:gd name="connsiteX0" fmla="*/ 241013 w 1829728"/>
+                <a:gd name="connsiteY0" fmla="*/ 224021 h 837479"/>
+                <a:gd name="connsiteX1" fmla="*/ 86775 w 1829728"/>
+                <a:gd name="connsiteY1" fmla="*/ 16309 h 837479"/>
+                <a:gd name="connsiteX2" fmla="*/ 1816511 w 1829728"/>
+                <a:gd name="connsiteY2" fmla="*/ 12558 h 837479"/>
+                <a:gd name="connsiteX3" fmla="*/ 1618977 w 1829728"/>
+                <a:gd name="connsiteY3" fmla="*/ 216228 h 837479"/>
+                <a:gd name="connsiteX4" fmla="*/ 1618977 w 1829728"/>
+                <a:gd name="connsiteY4" fmla="*/ 770911 h 837479"/>
+                <a:gd name="connsiteX5" fmla="*/ 1552409 w 1829728"/>
+                <a:gd name="connsiteY5" fmla="*/ 837479 h 837479"/>
+                <a:gd name="connsiteX6" fmla="*/ 307870 w 1829728"/>
+                <a:gd name="connsiteY6" fmla="*/ 837479 h 837479"/>
+                <a:gd name="connsiteX7" fmla="*/ 241302 w 1829728"/>
+                <a:gd name="connsiteY7" fmla="*/ 770911 h 837479"/>
+                <a:gd name="connsiteX8" fmla="*/ 241013 w 1829728"/>
+                <a:gd name="connsiteY8" fmla="*/ 224021 h 837479"/>
+                <a:gd name="connsiteX0" fmla="*/ 241013 w 1829728"/>
+                <a:gd name="connsiteY0" fmla="*/ 224021 h 837479"/>
+                <a:gd name="connsiteX1" fmla="*/ 86775 w 1829728"/>
+                <a:gd name="connsiteY1" fmla="*/ 16309 h 837479"/>
+                <a:gd name="connsiteX2" fmla="*/ 1816511 w 1829728"/>
+                <a:gd name="connsiteY2" fmla="*/ 12558 h 837479"/>
+                <a:gd name="connsiteX3" fmla="*/ 1618977 w 1829728"/>
+                <a:gd name="connsiteY3" fmla="*/ 216228 h 837479"/>
+                <a:gd name="connsiteX4" fmla="*/ 1618977 w 1829728"/>
+                <a:gd name="connsiteY4" fmla="*/ 770911 h 837479"/>
+                <a:gd name="connsiteX5" fmla="*/ 1552409 w 1829728"/>
+                <a:gd name="connsiteY5" fmla="*/ 837479 h 837479"/>
+                <a:gd name="connsiteX6" fmla="*/ 307870 w 1829728"/>
+                <a:gd name="connsiteY6" fmla="*/ 837479 h 837479"/>
+                <a:gd name="connsiteX7" fmla="*/ 241302 w 1829728"/>
+                <a:gd name="connsiteY7" fmla="*/ 770911 h 837479"/>
+                <a:gd name="connsiteX8" fmla="*/ 241013 w 1829728"/>
+                <a:gd name="connsiteY8" fmla="*/ 224021 h 837479"/>
+                <a:gd name="connsiteX0" fmla="*/ 216773 w 1868784"/>
+                <a:gd name="connsiteY0" fmla="*/ 251658 h 865116"/>
+                <a:gd name="connsiteX1" fmla="*/ 91110 w 1868784"/>
+                <a:gd name="connsiteY1" fmla="*/ 18546 h 865116"/>
+                <a:gd name="connsiteX2" fmla="*/ 1792271 w 1868784"/>
+                <a:gd name="connsiteY2" fmla="*/ 40195 h 865116"/>
+                <a:gd name="connsiteX3" fmla="*/ 1594737 w 1868784"/>
+                <a:gd name="connsiteY3" fmla="*/ 243865 h 865116"/>
+                <a:gd name="connsiteX4" fmla="*/ 1594737 w 1868784"/>
+                <a:gd name="connsiteY4" fmla="*/ 798548 h 865116"/>
+                <a:gd name="connsiteX5" fmla="*/ 1528169 w 1868784"/>
+                <a:gd name="connsiteY5" fmla="*/ 865116 h 865116"/>
+                <a:gd name="connsiteX6" fmla="*/ 283630 w 1868784"/>
+                <a:gd name="connsiteY6" fmla="*/ 865116 h 865116"/>
+                <a:gd name="connsiteX7" fmla="*/ 217062 w 1868784"/>
+                <a:gd name="connsiteY7" fmla="*/ 798548 h 865116"/>
+                <a:gd name="connsiteX8" fmla="*/ 216773 w 1868784"/>
+                <a:gd name="connsiteY8" fmla="*/ 251658 h 865116"/>
+                <a:gd name="connsiteX0" fmla="*/ 216773 w 1868784"/>
+                <a:gd name="connsiteY0" fmla="*/ 274671 h 888129"/>
+                <a:gd name="connsiteX1" fmla="*/ 91110 w 1868784"/>
+                <a:gd name="connsiteY1" fmla="*/ 12984 h 888129"/>
+                <a:gd name="connsiteX2" fmla="*/ 1792271 w 1868784"/>
+                <a:gd name="connsiteY2" fmla="*/ 63208 h 888129"/>
+                <a:gd name="connsiteX3" fmla="*/ 1594737 w 1868784"/>
+                <a:gd name="connsiteY3" fmla="*/ 266878 h 888129"/>
+                <a:gd name="connsiteX4" fmla="*/ 1594737 w 1868784"/>
+                <a:gd name="connsiteY4" fmla="*/ 821561 h 888129"/>
+                <a:gd name="connsiteX5" fmla="*/ 1528169 w 1868784"/>
+                <a:gd name="connsiteY5" fmla="*/ 888129 h 888129"/>
+                <a:gd name="connsiteX6" fmla="*/ 283630 w 1868784"/>
+                <a:gd name="connsiteY6" fmla="*/ 888129 h 888129"/>
+                <a:gd name="connsiteX7" fmla="*/ 217062 w 1868784"/>
+                <a:gd name="connsiteY7" fmla="*/ 821561 h 888129"/>
+                <a:gd name="connsiteX8" fmla="*/ 216773 w 1868784"/>
+                <a:gd name="connsiteY8" fmla="*/ 274671 h 888129"/>
+                <a:gd name="connsiteX0" fmla="*/ 216325 w 1862778"/>
+                <a:gd name="connsiteY0" fmla="*/ 289222 h 902680"/>
+                <a:gd name="connsiteX1" fmla="*/ 90662 w 1862778"/>
+                <a:gd name="connsiteY1" fmla="*/ 27535 h 902680"/>
+                <a:gd name="connsiteX2" fmla="*/ 1785473 w 1862778"/>
+                <a:gd name="connsiteY2" fmla="*/ 36484 h 902680"/>
+                <a:gd name="connsiteX3" fmla="*/ 1594289 w 1862778"/>
+                <a:gd name="connsiteY3" fmla="*/ 281429 h 902680"/>
+                <a:gd name="connsiteX4" fmla="*/ 1594289 w 1862778"/>
+                <a:gd name="connsiteY4" fmla="*/ 836112 h 902680"/>
+                <a:gd name="connsiteX5" fmla="*/ 1527721 w 1862778"/>
+                <a:gd name="connsiteY5" fmla="*/ 902680 h 902680"/>
+                <a:gd name="connsiteX6" fmla="*/ 283182 w 1862778"/>
+                <a:gd name="connsiteY6" fmla="*/ 902680 h 902680"/>
+                <a:gd name="connsiteX7" fmla="*/ 216614 w 1862778"/>
+                <a:gd name="connsiteY7" fmla="*/ 836112 h 902680"/>
+                <a:gd name="connsiteX8" fmla="*/ 216325 w 1862778"/>
+                <a:gd name="connsiteY8" fmla="*/ 289222 h 902680"/>
+                <a:gd name="connsiteX0" fmla="*/ 216325 w 1862778"/>
+                <a:gd name="connsiteY0" fmla="*/ 289222 h 902680"/>
+                <a:gd name="connsiteX1" fmla="*/ 90662 w 1862778"/>
+                <a:gd name="connsiteY1" fmla="*/ 27535 h 902680"/>
+                <a:gd name="connsiteX2" fmla="*/ 1785473 w 1862778"/>
+                <a:gd name="connsiteY2" fmla="*/ 36484 h 902680"/>
+                <a:gd name="connsiteX3" fmla="*/ 1594289 w 1862778"/>
+                <a:gd name="connsiteY3" fmla="*/ 281429 h 902680"/>
+                <a:gd name="connsiteX4" fmla="*/ 1594289 w 1862778"/>
+                <a:gd name="connsiteY4" fmla="*/ 836112 h 902680"/>
+                <a:gd name="connsiteX5" fmla="*/ 1527721 w 1862778"/>
+                <a:gd name="connsiteY5" fmla="*/ 902680 h 902680"/>
+                <a:gd name="connsiteX6" fmla="*/ 283182 w 1862778"/>
+                <a:gd name="connsiteY6" fmla="*/ 902680 h 902680"/>
+                <a:gd name="connsiteX7" fmla="*/ 216614 w 1862778"/>
+                <a:gd name="connsiteY7" fmla="*/ 836112 h 902680"/>
+                <a:gd name="connsiteX8" fmla="*/ 216325 w 1862778"/>
+                <a:gd name="connsiteY8" fmla="*/ 289222 h 902680"/>
+                <a:gd name="connsiteX0" fmla="*/ 215874 w 1862327"/>
+                <a:gd name="connsiteY0" fmla="*/ 289222 h 902680"/>
+                <a:gd name="connsiteX1" fmla="*/ 90211 w 1862327"/>
+                <a:gd name="connsiteY1" fmla="*/ 27535 h 902680"/>
+                <a:gd name="connsiteX2" fmla="*/ 1785022 w 1862327"/>
+                <a:gd name="connsiteY2" fmla="*/ 36484 h 902680"/>
+                <a:gd name="connsiteX3" fmla="*/ 1593838 w 1862327"/>
+                <a:gd name="connsiteY3" fmla="*/ 281429 h 902680"/>
+                <a:gd name="connsiteX4" fmla="*/ 1593838 w 1862327"/>
+                <a:gd name="connsiteY4" fmla="*/ 836112 h 902680"/>
+                <a:gd name="connsiteX5" fmla="*/ 1527270 w 1862327"/>
+                <a:gd name="connsiteY5" fmla="*/ 902680 h 902680"/>
+                <a:gd name="connsiteX6" fmla="*/ 282731 w 1862327"/>
+                <a:gd name="connsiteY6" fmla="*/ 902680 h 902680"/>
+                <a:gd name="connsiteX7" fmla="*/ 216163 w 1862327"/>
+                <a:gd name="connsiteY7" fmla="*/ 836112 h 902680"/>
+                <a:gd name="connsiteX8" fmla="*/ 215874 w 1862327"/>
+                <a:gd name="connsiteY8" fmla="*/ 289222 h 902680"/>
+                <a:gd name="connsiteX0" fmla="*/ 218551 w 1865217"/>
+                <a:gd name="connsiteY0" fmla="*/ 271689 h 885147"/>
+                <a:gd name="connsiteX1" fmla="*/ 89713 w 1865217"/>
+                <a:gd name="connsiteY1" fmla="*/ 44927 h 885147"/>
+                <a:gd name="connsiteX2" fmla="*/ 1787699 w 1865217"/>
+                <a:gd name="connsiteY2" fmla="*/ 18951 h 885147"/>
+                <a:gd name="connsiteX3" fmla="*/ 1596515 w 1865217"/>
+                <a:gd name="connsiteY3" fmla="*/ 263896 h 885147"/>
+                <a:gd name="connsiteX4" fmla="*/ 1596515 w 1865217"/>
+                <a:gd name="connsiteY4" fmla="*/ 818579 h 885147"/>
+                <a:gd name="connsiteX5" fmla="*/ 1529947 w 1865217"/>
+                <a:gd name="connsiteY5" fmla="*/ 885147 h 885147"/>
+                <a:gd name="connsiteX6" fmla="*/ 285408 w 1865217"/>
+                <a:gd name="connsiteY6" fmla="*/ 885147 h 885147"/>
+                <a:gd name="connsiteX7" fmla="*/ 218840 w 1865217"/>
+                <a:gd name="connsiteY7" fmla="*/ 818579 h 885147"/>
+                <a:gd name="connsiteX8" fmla="*/ 218551 w 1865217"/>
+                <a:gd name="connsiteY8" fmla="*/ 271689 h 885147"/>
+                <a:gd name="connsiteX0" fmla="*/ 217882 w 1856244"/>
+                <a:gd name="connsiteY0" fmla="*/ 253205 h 866663"/>
+                <a:gd name="connsiteX1" fmla="*/ 89044 w 1856244"/>
+                <a:gd name="connsiteY1" fmla="*/ 26443 h 866663"/>
+                <a:gd name="connsiteX2" fmla="*/ 1777505 w 1856244"/>
+                <a:gd name="connsiteY2" fmla="*/ 29042 h 866663"/>
+                <a:gd name="connsiteX3" fmla="*/ 1595846 w 1856244"/>
+                <a:gd name="connsiteY3" fmla="*/ 245412 h 866663"/>
+                <a:gd name="connsiteX4" fmla="*/ 1595846 w 1856244"/>
+                <a:gd name="connsiteY4" fmla="*/ 800095 h 866663"/>
+                <a:gd name="connsiteX5" fmla="*/ 1529278 w 1856244"/>
+                <a:gd name="connsiteY5" fmla="*/ 866663 h 866663"/>
+                <a:gd name="connsiteX6" fmla="*/ 284739 w 1856244"/>
+                <a:gd name="connsiteY6" fmla="*/ 866663 h 866663"/>
+                <a:gd name="connsiteX7" fmla="*/ 218171 w 1856244"/>
+                <a:gd name="connsiteY7" fmla="*/ 800095 h 866663"/>
+                <a:gd name="connsiteX8" fmla="*/ 217882 w 1856244"/>
+                <a:gd name="connsiteY8" fmla="*/ 253205 h 866663"/>
+                <a:gd name="connsiteX0" fmla="*/ 152682 w 1785681"/>
+                <a:gd name="connsiteY0" fmla="*/ 248776 h 862234"/>
+                <a:gd name="connsiteX1" fmla="*/ 103357 w 1785681"/>
+                <a:gd name="connsiteY1" fmla="*/ 29972 h 862234"/>
+                <a:gd name="connsiteX2" fmla="*/ 1712305 w 1785681"/>
+                <a:gd name="connsiteY2" fmla="*/ 24613 h 862234"/>
+                <a:gd name="connsiteX3" fmla="*/ 1530646 w 1785681"/>
+                <a:gd name="connsiteY3" fmla="*/ 240983 h 862234"/>
+                <a:gd name="connsiteX4" fmla="*/ 1530646 w 1785681"/>
+                <a:gd name="connsiteY4" fmla="*/ 795666 h 862234"/>
+                <a:gd name="connsiteX5" fmla="*/ 1464078 w 1785681"/>
+                <a:gd name="connsiteY5" fmla="*/ 862234 h 862234"/>
+                <a:gd name="connsiteX6" fmla="*/ 219539 w 1785681"/>
+                <a:gd name="connsiteY6" fmla="*/ 862234 h 862234"/>
+                <a:gd name="connsiteX7" fmla="*/ 152971 w 1785681"/>
+                <a:gd name="connsiteY7" fmla="*/ 795666 h 862234"/>
+                <a:gd name="connsiteX8" fmla="*/ 152682 w 1785681"/>
+                <a:gd name="connsiteY8" fmla="*/ 248776 h 862234"/>
+                <a:gd name="connsiteX0" fmla="*/ 142268 w 1774377"/>
+                <a:gd name="connsiteY0" fmla="*/ 258162 h 871620"/>
+                <a:gd name="connsiteX1" fmla="*/ 106195 w 1774377"/>
+                <a:gd name="connsiteY1" fmla="*/ 23440 h 871620"/>
+                <a:gd name="connsiteX2" fmla="*/ 1701891 w 1774377"/>
+                <a:gd name="connsiteY2" fmla="*/ 33999 h 871620"/>
+                <a:gd name="connsiteX3" fmla="*/ 1520232 w 1774377"/>
+                <a:gd name="connsiteY3" fmla="*/ 250369 h 871620"/>
+                <a:gd name="connsiteX4" fmla="*/ 1520232 w 1774377"/>
+                <a:gd name="connsiteY4" fmla="*/ 805052 h 871620"/>
+                <a:gd name="connsiteX5" fmla="*/ 1453664 w 1774377"/>
+                <a:gd name="connsiteY5" fmla="*/ 871620 h 871620"/>
+                <a:gd name="connsiteX6" fmla="*/ 209125 w 1774377"/>
+                <a:gd name="connsiteY6" fmla="*/ 871620 h 871620"/>
+                <a:gd name="connsiteX7" fmla="*/ 142557 w 1774377"/>
+                <a:gd name="connsiteY7" fmla="*/ 805052 h 871620"/>
+                <a:gd name="connsiteX8" fmla="*/ 142268 w 1774377"/>
+                <a:gd name="connsiteY8" fmla="*/ 258162 h 871620"/>
+                <a:gd name="connsiteX0" fmla="*/ 137880 w 1718673"/>
+                <a:gd name="connsiteY0" fmla="*/ 262157 h 875615"/>
+                <a:gd name="connsiteX1" fmla="*/ 101807 w 1718673"/>
+                <a:gd name="connsiteY1" fmla="*/ 27435 h 875615"/>
+                <a:gd name="connsiteX2" fmla="*/ 1637868 w 1718673"/>
+                <a:gd name="connsiteY2" fmla="*/ 30034 h 875615"/>
+                <a:gd name="connsiteX3" fmla="*/ 1515844 w 1718673"/>
+                <a:gd name="connsiteY3" fmla="*/ 254364 h 875615"/>
+                <a:gd name="connsiteX4" fmla="*/ 1515844 w 1718673"/>
+                <a:gd name="connsiteY4" fmla="*/ 809047 h 875615"/>
+                <a:gd name="connsiteX5" fmla="*/ 1449276 w 1718673"/>
+                <a:gd name="connsiteY5" fmla="*/ 875615 h 875615"/>
+                <a:gd name="connsiteX6" fmla="*/ 204737 w 1718673"/>
+                <a:gd name="connsiteY6" fmla="*/ 875615 h 875615"/>
+                <a:gd name="connsiteX7" fmla="*/ 138169 w 1718673"/>
+                <a:gd name="connsiteY7" fmla="*/ 809047 h 875615"/>
+                <a:gd name="connsiteX8" fmla="*/ 137880 w 1718673"/>
+                <a:gd name="connsiteY8" fmla="*/ 262157 h 875615"/>
+              </a:gdLst>
+              <a:ahLst/>
+              <a:cxnLst>
+                <a:cxn ang="0">
+                  <a:pos x="connsiteX0" y="connsiteY0"/>
+                </a:cxn>
+                <a:cxn ang="0">
+                  <a:pos x="connsiteX1" y="connsiteY1"/>
+                </a:cxn>
+                <a:cxn ang="0">
+                  <a:pos x="connsiteX2" y="connsiteY2"/>
+                </a:cxn>
+                <a:cxn ang="0">
+                  <a:pos x="connsiteX3" y="connsiteY3"/>
+                </a:cxn>
+                <a:cxn ang="0">
+                  <a:pos x="connsiteX4" y="connsiteY4"/>
+                </a:cxn>
+                <a:cxn ang="0">
+                  <a:pos x="connsiteX5" y="connsiteY5"/>
+                </a:cxn>
+                <a:cxn ang="0">
+                  <a:pos x="connsiteX6" y="connsiteY6"/>
+                </a:cxn>
+                <a:cxn ang="0">
+                  <a:pos x="connsiteX7" y="connsiteY7"/>
+                </a:cxn>
+                <a:cxn ang="0">
+                  <a:pos x="connsiteX8" y="connsiteY8"/>
+                </a:cxn>
+              </a:cxnLst>
+              <a:rect l="l" t="t" r="r" b="b"/>
+              <a:pathLst>
+                <a:path w="1718673" h="875615">
+                  <a:moveTo>
+                    <a:pt x="137880" y="262157"/>
+                  </a:moveTo>
+                  <a:cubicBezTo>
+                    <a:pt x="141343" y="-22834"/>
+                    <a:pt x="-148191" y="66122"/>
+                    <a:pt x="101807" y="27435"/>
+                  </a:cubicBezTo>
+                  <a:cubicBezTo>
+                    <a:pt x="351805" y="-11252"/>
+                    <a:pt x="1402195" y="-7787"/>
+                    <a:pt x="1637868" y="30034"/>
+                  </a:cubicBezTo>
+                  <a:cubicBezTo>
+                    <a:pt x="1873541" y="67855"/>
+                    <a:pt x="1519019" y="-26009"/>
+                    <a:pt x="1515844" y="254364"/>
+                  </a:cubicBezTo>
+                  <a:lnTo>
+                    <a:pt x="1515844" y="809047"/>
+                  </a:lnTo>
+                  <a:cubicBezTo>
+                    <a:pt x="1515844" y="845811"/>
+                    <a:pt x="1486040" y="875615"/>
+                    <a:pt x="1449276" y="875615"/>
+                  </a:cubicBezTo>
+                  <a:lnTo>
+                    <a:pt x="204737" y="875615"/>
+                  </a:lnTo>
+                  <a:cubicBezTo>
+                    <a:pt x="167973" y="875615"/>
+                    <a:pt x="138169" y="845811"/>
+                    <a:pt x="138169" y="809047"/>
+                  </a:cubicBezTo>
+                  <a:cubicBezTo>
+                    <a:pt x="137014" y="599234"/>
+                    <a:pt x="139035" y="471970"/>
+                    <a:pt x="137880" y="262157"/>
+                  </a:cubicBezTo>
+                  <a:close/>
+                </a:path>
+              </a:pathLst>
+            </a:custGeom>
+            <a:gradFill>
+              <a:gsLst>
+                <a:gs pos="8000">
+                  <a:schemeClr val="bg2"/>
+                </a:gs>
+                <a:gs pos="31000">
+                  <a:schemeClr val="tx2"/>
+                </a:gs>
+              </a:gsLst>
+              <a:lin ang="5400000" scaled="0"/>
+            </a:gradFill>
             <a:ln w="12700">
               <a:noFill/>
             </a:ln>
@@ -8568,12 +8277,943 @@
             </a:p>
           </p:txBody>
         </p:sp>
+        <p:grpSp>
+          <p:nvGrpSpPr>
+            <p:cNvPr id="10" name="Group 9">
+              <a:extLst>
+                <a:ext uri="{FF2B5EF4-FFF2-40B4-BE49-F238E27FC236}">
+                  <a16:creationId xmlns:a16="http://schemas.microsoft.com/office/drawing/2014/main" id="{5EC39D9C-6472-C04A-B9C6-3E3429006240}"/>
+                </a:ext>
+              </a:extLst>
+            </p:cNvPr>
+            <p:cNvGrpSpPr/>
+            <p:nvPr/>
+          </p:nvGrpSpPr>
+          <p:grpSpPr>
+            <a:xfrm>
+              <a:off x="4407250" y="5787721"/>
+              <a:ext cx="1283487" cy="383162"/>
+              <a:chOff x="6421785" y="5373193"/>
+              <a:chExt cx="1283487" cy="383162"/>
+            </a:xfrm>
+          </p:grpSpPr>
+          <p:sp>
+            <p:nvSpPr>
+              <p:cNvPr id="11" name="Rounded Rectangle 10">
+                <a:extLst>
+                  <a:ext uri="{FF2B5EF4-FFF2-40B4-BE49-F238E27FC236}">
+                    <a16:creationId xmlns:a16="http://schemas.microsoft.com/office/drawing/2014/main" id="{37E1ADB6-BB23-6D4D-8040-4316BC097570}"/>
+                  </a:ext>
+                </a:extLst>
+              </p:cNvPr>
+              <p:cNvSpPr/>
+              <p:nvPr/>
+            </p:nvSpPr>
+            <p:spPr>
+              <a:xfrm>
+                <a:off x="6421785" y="5373193"/>
+                <a:ext cx="1240161" cy="383162"/>
+              </a:xfrm>
+              <a:prstGeom prst="roundRect">
+                <a:avLst>
+                  <a:gd name="adj" fmla="val 12736"/>
+                </a:avLst>
+              </a:prstGeom>
+              <a:solidFill>
+                <a:schemeClr val="tx1">
+                  <a:lumMod val="50000"/>
+                </a:schemeClr>
+              </a:solidFill>
+              <a:ln w="12700">
+                <a:noFill/>
+              </a:ln>
+              <a:effectLst/>
+            </p:spPr>
+            <p:style>
+              <a:lnRef idx="2">
+                <a:schemeClr val="dk1"/>
+              </a:lnRef>
+              <a:fillRef idx="1">
+                <a:schemeClr val="lt1"/>
+              </a:fillRef>
+              <a:effectRef idx="0">
+                <a:schemeClr val="dk1"/>
+              </a:effectRef>
+              <a:fontRef idx="minor">
+                <a:schemeClr val="dk1"/>
+              </a:fontRef>
+            </p:style>
+            <p:txBody>
+              <a:bodyPr wrap="square" tIns="36000" bIns="36000" rtlCol="0" anchor="ctr">
+                <a:noAutofit/>
+              </a:bodyPr>
+              <a:lstStyle/>
+              <a:p>
+                <a:endParaRPr lang="en-US" sz="1200" dirty="0">
+                  <a:solidFill>
+                    <a:schemeClr val="bg1"/>
+                  </a:solidFill>
+                  <a:latin typeface="Source Sans Pro Light" charset="0"/>
+                  <a:ea typeface="Source Sans Pro Light" charset="0"/>
+                  <a:cs typeface="Source Sans Pro Light" charset="0"/>
+                </a:endParaRPr>
+              </a:p>
+            </p:txBody>
+          </p:sp>
+          <p:sp>
+            <p:nvSpPr>
+              <p:cNvPr id="12" name="Rectangle 11">
+                <a:extLst>
+                  <a:ext uri="{FF2B5EF4-FFF2-40B4-BE49-F238E27FC236}">
+                    <a16:creationId xmlns:a16="http://schemas.microsoft.com/office/drawing/2014/main" id="{C2EBA6D6-1870-0A40-82C8-AE16E98BB260}"/>
+                  </a:ext>
+                </a:extLst>
+              </p:cNvPr>
+              <p:cNvSpPr/>
+              <p:nvPr/>
+            </p:nvSpPr>
+            <p:spPr>
+              <a:xfrm>
+                <a:off x="6756463" y="5425211"/>
+                <a:ext cx="948809" cy="301407"/>
+              </a:xfrm>
+              <a:prstGeom prst="rect">
+                <a:avLst/>
+              </a:prstGeom>
+              <a:effectLst/>
+            </p:spPr>
+            <p:txBody>
+              <a:bodyPr wrap="square" lIns="0" rIns="0">
+                <a:noAutofit/>
+              </a:bodyPr>
+              <a:lstStyle/>
+              <a:p>
+                <a:pPr algn="ctr" defTabSz="914400">
+                  <a:lnSpc>
+                    <a:spcPts val="1000"/>
+                  </a:lnSpc>
+                  <a:defRPr/>
+                </a:pPr>
+                <a:r>
+                  <a:rPr lang="fr-FR" sz="1200" kern="0" dirty="0">
+                    <a:solidFill>
+                      <a:schemeClr val="bg1"/>
+                    </a:solidFill>
+                    <a:latin typeface="Source Sans Pro Light" charset="0"/>
+                  </a:rPr>
+                  <a:t>PROCESSOR </a:t>
+                </a:r>
+                <a:br>
+                  <a:rPr lang="fr-FR" sz="1200" kern="0" dirty="0">
+                    <a:solidFill>
+                      <a:schemeClr val="bg1"/>
+                    </a:solidFill>
+                    <a:latin typeface="Source Sans Pro Light" charset="0"/>
+                  </a:rPr>
+                </a:br>
+                <a:r>
+                  <a:rPr lang="fr-FR" sz="1200" kern="0" dirty="0">
+                    <a:solidFill>
+                      <a:schemeClr val="bg1"/>
+                    </a:solidFill>
+                    <a:latin typeface="Source Sans Pro Light" charset="0"/>
+                  </a:rPr>
+                  <a:t>CORE</a:t>
+                </a:r>
+                <a:endParaRPr lang="en-US" sz="1200" kern="0" dirty="0">
+                  <a:solidFill>
+                    <a:schemeClr val="bg1"/>
+                  </a:solidFill>
+                  <a:latin typeface="Source Sans Pro Light" charset="0"/>
+                </a:endParaRPr>
+              </a:p>
+            </p:txBody>
+          </p:sp>
+          <p:pic>
+            <p:nvPicPr>
+              <p:cNvPr id="13" name="Picture 12">
+                <a:extLst>
+                  <a:ext uri="{FF2B5EF4-FFF2-40B4-BE49-F238E27FC236}">
+                    <a16:creationId xmlns:a16="http://schemas.microsoft.com/office/drawing/2014/main" id="{4E01D07F-57C8-964A-BCB8-53AEEACFAE78}"/>
+                  </a:ext>
+                </a:extLst>
+              </p:cNvPr>
+              <p:cNvPicPr>
+                <a:picLocks noChangeAspect="1"/>
+              </p:cNvPicPr>
+              <p:nvPr/>
+            </p:nvPicPr>
+            <p:blipFill>
+              <a:blip r:embed="rId2" cstate="print">
+                <a:lum bright="10000"/>
+                <a:extLst>
+                  <a:ext uri="{28A0092B-C50C-407E-A947-70E740481C1C}">
+                    <a14:useLocalDpi xmlns:a14="http://schemas.microsoft.com/office/drawing/2010/main" val="0"/>
+                  </a:ext>
+                </a:extLst>
+              </a:blip>
+              <a:stretch>
+                <a:fillRect/>
+              </a:stretch>
+            </p:blipFill>
+            <p:spPr>
+              <a:xfrm>
+                <a:off x="6482924" y="5411413"/>
+                <a:ext cx="307244" cy="309712"/>
+              </a:xfrm>
+              <a:prstGeom prst="rect">
+                <a:avLst/>
+              </a:prstGeom>
+            </p:spPr>
+          </p:pic>
+        </p:grpSp>
+      </p:grpSp>
+      <p:sp>
+        <p:nvSpPr>
+          <p:cNvPr id="14" name="Rounded Rectangle 13">
+            <a:extLst>
+              <a:ext uri="{FF2B5EF4-FFF2-40B4-BE49-F238E27FC236}">
+                <a16:creationId xmlns:a16="http://schemas.microsoft.com/office/drawing/2014/main" id="{B8F79B32-E337-A947-8A2C-8501B0E0D7EE}"/>
+              </a:ext>
+            </a:extLst>
+          </p:cNvPr>
+          <p:cNvSpPr/>
+          <p:nvPr/>
+        </p:nvSpPr>
+        <p:spPr>
+          <a:xfrm>
+            <a:off x="3699568" y="3544167"/>
+            <a:ext cx="4445565" cy="1765244"/>
+          </a:xfrm>
+          <a:prstGeom prst="roundRect">
+            <a:avLst>
+              <a:gd name="adj" fmla="val 3675"/>
+            </a:avLst>
+          </a:prstGeom>
+          <a:solidFill>
+            <a:schemeClr val="bg2"/>
+          </a:solidFill>
+          <a:ln w="12700">
+            <a:noFill/>
+          </a:ln>
+          <a:effectLst/>
+        </p:spPr>
+        <p:style>
+          <a:lnRef idx="2">
+            <a:schemeClr val="dk1"/>
+          </a:lnRef>
+          <a:fillRef idx="1">
+            <a:schemeClr val="lt1"/>
+          </a:fillRef>
+          <a:effectRef idx="0">
+            <a:schemeClr val="dk1"/>
+          </a:effectRef>
+          <a:fontRef idx="minor">
+            <a:schemeClr val="dk1"/>
+          </a:fontRef>
+        </p:style>
+        <p:txBody>
+          <a:bodyPr rtlCol="0" anchor="ctr"/>
+          <a:lstStyle/>
+          <a:p>
+            <a:pPr algn="ctr"/>
+            <a:endParaRPr lang="en-US" sz="1600" dirty="0">
+              <a:ln w="0">
+                <a:solidFill>
+                  <a:sysClr val="windowText" lastClr="000000"/>
+                </a:solidFill>
+              </a:ln>
+              <a:solidFill>
+                <a:schemeClr val="tx1"/>
+              </a:solidFill>
+            </a:endParaRPr>
+          </a:p>
+        </p:txBody>
+      </p:sp>
+      <p:sp>
+        <p:nvSpPr>
+          <p:cNvPr id="15" name="Rounded Rectangle 14">
+            <a:extLst>
+              <a:ext uri="{FF2B5EF4-FFF2-40B4-BE49-F238E27FC236}">
+                <a16:creationId xmlns:a16="http://schemas.microsoft.com/office/drawing/2014/main" id="{70F38BA2-FEE1-0B4D-AAE5-39A694AFBE0E}"/>
+              </a:ext>
+            </a:extLst>
+          </p:cNvPr>
+          <p:cNvSpPr/>
+          <p:nvPr/>
+        </p:nvSpPr>
+        <p:spPr>
+          <a:xfrm>
+            <a:off x="3817861" y="4523848"/>
+            <a:ext cx="4236479" cy="306000"/>
+          </a:xfrm>
+          <a:prstGeom prst="roundRect">
+            <a:avLst>
+              <a:gd name="adj" fmla="val 19644"/>
+            </a:avLst>
+          </a:prstGeom>
+          <a:solidFill>
+            <a:schemeClr val="tx2"/>
+          </a:solidFill>
+          <a:ln w="12700">
+            <a:noFill/>
+          </a:ln>
+          <a:effectLst/>
+        </p:spPr>
+        <p:style>
+          <a:lnRef idx="2">
+            <a:schemeClr val="dk1"/>
+          </a:lnRef>
+          <a:fillRef idx="1">
+            <a:schemeClr val="lt1"/>
+          </a:fillRef>
+          <a:effectRef idx="0">
+            <a:schemeClr val="dk1"/>
+          </a:effectRef>
+          <a:fontRef idx="minor">
+            <a:schemeClr val="dk1"/>
+          </a:fontRef>
+        </p:style>
+        <p:txBody>
+          <a:bodyPr wrap="square" lIns="90000" tIns="36000" bIns="36000" rtlCol="0" anchor="ctr">
+            <a:noAutofit/>
+          </a:bodyPr>
+          <a:lstStyle/>
+          <a:p>
+            <a:pPr algn="ctr"/>
+            <a:r>
+              <a:rPr lang="en-US" sz="1600" b="1" dirty="0">
+                <a:solidFill>
+                  <a:schemeClr val="bg1"/>
+                </a:solidFill>
+                <a:effectLst>
+                  <a:outerShdw blurRad="76200" dist="38100" dir="5400000" algn="t" rotWithShape="0">
+                    <a:prstClr val="black">
+                      <a:alpha val="70000"/>
+                    </a:prstClr>
+                  </a:outerShdw>
+                </a:effectLst>
+                <a:latin typeface="Source Sans Pro" charset="0"/>
+                <a:ea typeface="Source Sans Pro" charset="0"/>
+                <a:cs typeface="Source Sans Pro" charset="0"/>
+              </a:rPr>
+              <a:t>KEIL RTX RTOS</a:t>
+            </a:r>
+          </a:p>
+        </p:txBody>
+      </p:sp>
+      <p:sp>
+        <p:nvSpPr>
+          <p:cNvPr id="16" name="Rounded Rectangle 15">
+            <a:extLst>
+              <a:ext uri="{FF2B5EF4-FFF2-40B4-BE49-F238E27FC236}">
+                <a16:creationId xmlns:a16="http://schemas.microsoft.com/office/drawing/2014/main" id="{94B69AB0-5C90-B24D-87C4-83F250AA65BB}"/>
+              </a:ext>
+            </a:extLst>
+          </p:cNvPr>
+          <p:cNvSpPr/>
+          <p:nvPr/>
+        </p:nvSpPr>
+        <p:spPr>
+          <a:xfrm>
+            <a:off x="3817861" y="4131193"/>
+            <a:ext cx="4236477" cy="366386"/>
+          </a:xfrm>
+          <a:prstGeom prst="roundRect">
+            <a:avLst>
+              <a:gd name="adj" fmla="val 18223"/>
+            </a:avLst>
+          </a:prstGeom>
+          <a:solidFill>
+            <a:schemeClr val="tx2"/>
+          </a:solidFill>
+          <a:ln w="12700">
+            <a:noFill/>
+          </a:ln>
+          <a:effectLst/>
+        </p:spPr>
+        <p:style>
+          <a:lnRef idx="2">
+            <a:schemeClr val="dk1"/>
+          </a:lnRef>
+          <a:fillRef idx="1">
+            <a:schemeClr val="lt1"/>
+          </a:fillRef>
+          <a:effectRef idx="0">
+            <a:schemeClr val="dk1"/>
+          </a:effectRef>
+          <a:fontRef idx="minor">
+            <a:schemeClr val="dk1"/>
+          </a:fontRef>
+        </p:style>
+        <p:txBody>
+          <a:bodyPr wrap="square" tIns="36000" bIns="36000" rtlCol="0" anchor="ctr">
+            <a:noAutofit/>
+          </a:bodyPr>
+          <a:lstStyle/>
+          <a:p>
+            <a:pPr algn="ctr"/>
+            <a:r>
+              <a:rPr lang="en-US" sz="1600" b="1" dirty="0">
+                <a:solidFill>
+                  <a:schemeClr val="bg1"/>
+                </a:solidFill>
+                <a:effectLst>
+                  <a:outerShdw blurRad="76200" dist="38100" dir="5400000" algn="t" rotWithShape="0">
+                    <a:prstClr val="black">
+                      <a:alpha val="70000"/>
+                    </a:prstClr>
+                  </a:outerShdw>
+                </a:effectLst>
+                <a:latin typeface="Source Sans Pro" charset="0"/>
+                <a:ea typeface="Source Sans Pro" charset="0"/>
+              </a:rPr>
+              <a:t>BSP</a:t>
+            </a:r>
+          </a:p>
+        </p:txBody>
+      </p:sp>
+      <p:cxnSp>
+        <p:nvCxnSpPr>
+          <p:cNvPr id="29" name="Straight Connector 28">
+            <a:extLst>
+              <a:ext uri="{FF2B5EF4-FFF2-40B4-BE49-F238E27FC236}">
+                <a16:creationId xmlns:a16="http://schemas.microsoft.com/office/drawing/2014/main" id="{18FE8AAC-D28F-8C4B-92F4-8FFF81A0F0AF}"/>
+              </a:ext>
+            </a:extLst>
+          </p:cNvPr>
+          <p:cNvCxnSpPr>
+            <a:cxnSpLocks/>
+          </p:cNvCxnSpPr>
+          <p:nvPr/>
+        </p:nvCxnSpPr>
+        <p:spPr>
+          <a:xfrm>
+            <a:off x="5472107" y="3640984"/>
+            <a:ext cx="1718742" cy="0"/>
+          </a:xfrm>
+          <a:prstGeom prst="line">
+            <a:avLst/>
+          </a:prstGeom>
+          <a:ln w="38100" cap="rnd">
+            <a:solidFill>
+              <a:schemeClr val="accent1"/>
+            </a:solidFill>
+            <a:miter lim="800000"/>
+          </a:ln>
+        </p:spPr>
+        <p:style>
+          <a:lnRef idx="1">
+            <a:schemeClr val="accent1"/>
+          </a:lnRef>
+          <a:fillRef idx="0">
+            <a:schemeClr val="accent1"/>
+          </a:fillRef>
+          <a:effectRef idx="0">
+            <a:schemeClr val="accent1"/>
+          </a:effectRef>
+          <a:fontRef idx="minor">
+            <a:schemeClr val="tx1"/>
+          </a:fontRef>
+        </p:style>
+      </p:cxnSp>
+      <p:sp>
+        <p:nvSpPr>
+          <p:cNvPr id="30" name="Rectangle 29">
+            <a:extLst>
+              <a:ext uri="{FF2B5EF4-FFF2-40B4-BE49-F238E27FC236}">
+                <a16:creationId xmlns:a16="http://schemas.microsoft.com/office/drawing/2014/main" id="{12176BD1-BD30-A44F-9CAF-928FE6EBB79F}"/>
+              </a:ext>
+            </a:extLst>
+          </p:cNvPr>
+          <p:cNvSpPr/>
+          <p:nvPr/>
+        </p:nvSpPr>
+        <p:spPr>
+          <a:xfrm>
+            <a:off x="6780686" y="6025354"/>
+            <a:ext cx="1263935" cy="213954"/>
+          </a:xfrm>
+          <a:prstGeom prst="rect">
+            <a:avLst/>
+          </a:prstGeom>
+          <a:noFill/>
+          <a:effectLst/>
+        </p:spPr>
+        <p:txBody>
+          <a:bodyPr wrap="square" lIns="0" rIns="0">
+            <a:noAutofit/>
+          </a:bodyPr>
+          <a:lstStyle/>
+          <a:p>
+            <a:pPr algn="r">
+              <a:lnSpc>
+                <a:spcPts val="1300"/>
+              </a:lnSpc>
+            </a:pPr>
+            <a:r>
+              <a:rPr lang="en-US" sz="1100" b="1" dirty="0">
+                <a:ln w="0"/>
+                <a:solidFill>
+                  <a:schemeClr val="tx1">
+                    <a:lumMod val="75000"/>
+                  </a:schemeClr>
+                </a:solidFill>
+                <a:latin typeface="Source Sans Pro" charset="0"/>
+                <a:ea typeface="Source Sans Pro" charset="0"/>
+                <a:cs typeface="Source Sans Pro" charset="0"/>
+              </a:rPr>
+              <a:t>HARDWARE </a:t>
+            </a:r>
+          </a:p>
+        </p:txBody>
+      </p:sp>
+      <p:sp>
+        <p:nvSpPr>
+          <p:cNvPr id="31" name="Rectangle 30">
+            <a:extLst>
+              <a:ext uri="{FF2B5EF4-FFF2-40B4-BE49-F238E27FC236}">
+                <a16:creationId xmlns:a16="http://schemas.microsoft.com/office/drawing/2014/main" id="{47E4C9E7-8973-4245-B612-41A03C8F1B0F}"/>
+              </a:ext>
+            </a:extLst>
+          </p:cNvPr>
+          <p:cNvSpPr/>
+          <p:nvPr/>
+        </p:nvSpPr>
+        <p:spPr>
+          <a:xfrm>
+            <a:off x="7100711" y="5270422"/>
+            <a:ext cx="943910" cy="213954"/>
+          </a:xfrm>
+          <a:prstGeom prst="rect">
+            <a:avLst/>
+          </a:prstGeom>
+          <a:noFill/>
+          <a:effectLst/>
+        </p:spPr>
+        <p:txBody>
+          <a:bodyPr wrap="square" lIns="0" rIns="0">
+            <a:noAutofit/>
+          </a:bodyPr>
+          <a:lstStyle/>
+          <a:p>
+            <a:pPr algn="r">
+              <a:lnSpc>
+                <a:spcPts val="1300"/>
+              </a:lnSpc>
+            </a:pPr>
+            <a:r>
+              <a:rPr lang="en-US" sz="1100" b="1" dirty="0">
+                <a:ln w="0"/>
+                <a:solidFill>
+                  <a:schemeClr val="tx1">
+                    <a:lumMod val="60000"/>
+                    <a:lumOff val="40000"/>
+                  </a:schemeClr>
+                </a:solidFill>
+                <a:latin typeface="Source Sans Pro" charset="0"/>
+                <a:ea typeface="Source Sans Pro" charset="0"/>
+                <a:cs typeface="Source Sans Pro" charset="0"/>
+              </a:rPr>
+              <a:t>PLATFORM</a:t>
+            </a:r>
+          </a:p>
+        </p:txBody>
+      </p:sp>
+      <p:sp>
+        <p:nvSpPr>
+          <p:cNvPr id="38" name="Rounded Rectangle 37">
+            <a:extLst>
+              <a:ext uri="{FF2B5EF4-FFF2-40B4-BE49-F238E27FC236}">
+                <a16:creationId xmlns:a16="http://schemas.microsoft.com/office/drawing/2014/main" id="{43368A84-1651-7944-B8C8-4E2FA7EA5146}"/>
+              </a:ext>
+            </a:extLst>
+          </p:cNvPr>
+          <p:cNvSpPr/>
+          <p:nvPr/>
+        </p:nvSpPr>
+        <p:spPr>
+          <a:xfrm>
+            <a:off x="5403660" y="5650838"/>
+            <a:ext cx="795600" cy="309106"/>
+          </a:xfrm>
+          <a:prstGeom prst="roundRect">
+            <a:avLst>
+              <a:gd name="adj" fmla="val 20457"/>
+            </a:avLst>
+          </a:prstGeom>
+          <a:solidFill>
+            <a:schemeClr val="tx2"/>
+          </a:solidFill>
+          <a:ln w="12700">
+            <a:noFill/>
+          </a:ln>
+          <a:effectLst/>
+        </p:spPr>
+        <p:style>
+          <a:lnRef idx="2">
+            <a:schemeClr val="dk1"/>
+          </a:lnRef>
+          <a:fillRef idx="1">
+            <a:schemeClr val="lt1"/>
+          </a:fillRef>
+          <a:effectRef idx="0">
+            <a:schemeClr val="dk1"/>
+          </a:effectRef>
+          <a:fontRef idx="minor">
+            <a:schemeClr val="dk1"/>
+          </a:fontRef>
+        </p:style>
+        <p:txBody>
+          <a:bodyPr wrap="square" lIns="0" tIns="72000" rIns="0" bIns="46800" rtlCol="0" anchor="ctr">
+            <a:noAutofit/>
+          </a:bodyPr>
+          <a:lstStyle/>
+          <a:p>
+            <a:pPr lvl="0" algn="ctr" defTabSz="914400">
+              <a:lnSpc>
+                <a:spcPts val="1180"/>
+              </a:lnSpc>
+              <a:defRPr/>
+            </a:pPr>
+            <a:r>
+              <a:rPr lang="en-US" sz="1200" kern="0" dirty="0">
+                <a:solidFill>
+                  <a:srgbClr val="FFFFFF"/>
+                </a:solidFill>
+                <a:latin typeface="Source Sans Pro Light" charset="0"/>
+                <a:ea typeface="Source Sans Pro Light" charset="0"/>
+                <a:cs typeface="Source Sans Pro Light" charset="0"/>
+              </a:rPr>
+              <a:t>UART</a:t>
+            </a:r>
+          </a:p>
+        </p:txBody>
+      </p:sp>
+      <p:sp>
+        <p:nvSpPr>
+          <p:cNvPr id="39" name="Rounded Rectangle 38">
+            <a:extLst>
+              <a:ext uri="{FF2B5EF4-FFF2-40B4-BE49-F238E27FC236}">
+                <a16:creationId xmlns:a16="http://schemas.microsoft.com/office/drawing/2014/main" id="{E5171215-1FDA-2B4B-97DB-FC4AE8F1ED14}"/>
+              </a:ext>
+            </a:extLst>
+          </p:cNvPr>
+          <p:cNvSpPr/>
+          <p:nvPr/>
+        </p:nvSpPr>
+        <p:spPr>
+          <a:xfrm>
+            <a:off x="6278004" y="5650838"/>
+            <a:ext cx="795600" cy="309106"/>
+          </a:xfrm>
+          <a:prstGeom prst="roundRect">
+            <a:avLst>
+              <a:gd name="adj" fmla="val 20457"/>
+            </a:avLst>
+          </a:prstGeom>
+          <a:solidFill>
+            <a:schemeClr val="tx2"/>
+          </a:solidFill>
+          <a:ln w="12700">
+            <a:noFill/>
+          </a:ln>
+          <a:effectLst/>
+        </p:spPr>
+        <p:style>
+          <a:lnRef idx="2">
+            <a:schemeClr val="dk1"/>
+          </a:lnRef>
+          <a:fillRef idx="1">
+            <a:schemeClr val="lt1"/>
+          </a:fillRef>
+          <a:effectRef idx="0">
+            <a:schemeClr val="dk1"/>
+          </a:effectRef>
+          <a:fontRef idx="minor">
+            <a:schemeClr val="dk1"/>
+          </a:fontRef>
+        </p:style>
+        <p:txBody>
+          <a:bodyPr wrap="square" lIns="0" tIns="72000" rIns="0" bIns="46800" rtlCol="0" anchor="ctr">
+            <a:noAutofit/>
+          </a:bodyPr>
+          <a:lstStyle/>
+          <a:p>
+            <a:pPr lvl="0" algn="ctr" defTabSz="914400">
+              <a:lnSpc>
+                <a:spcPts val="1180"/>
+              </a:lnSpc>
+              <a:defRPr/>
+            </a:pPr>
+            <a:r>
+              <a:rPr lang="en-US" sz="1200" kern="0" dirty="0">
+                <a:solidFill>
+                  <a:srgbClr val="FFFFFF"/>
+                </a:solidFill>
+                <a:latin typeface="Source Sans Pro Light" charset="0"/>
+                <a:ea typeface="Source Sans Pro Light" charset="0"/>
+                <a:cs typeface="Source Sans Pro Light" charset="0"/>
+              </a:rPr>
+              <a:t>Memory</a:t>
+            </a:r>
+          </a:p>
+        </p:txBody>
+      </p:sp>
+      <p:sp>
+        <p:nvSpPr>
+          <p:cNvPr id="40" name="Rounded Rectangle 39">
+            <a:extLst>
+              <a:ext uri="{FF2B5EF4-FFF2-40B4-BE49-F238E27FC236}">
+                <a16:creationId xmlns:a16="http://schemas.microsoft.com/office/drawing/2014/main" id="{DB9583CE-8E47-B543-A3C6-0A7CECBE335C}"/>
+              </a:ext>
+            </a:extLst>
+          </p:cNvPr>
+          <p:cNvSpPr/>
+          <p:nvPr/>
+        </p:nvSpPr>
+        <p:spPr>
+          <a:xfrm>
+            <a:off x="7152348" y="5650838"/>
+            <a:ext cx="795600" cy="309106"/>
+          </a:xfrm>
+          <a:prstGeom prst="roundRect">
+            <a:avLst>
+              <a:gd name="adj" fmla="val 20457"/>
+            </a:avLst>
+          </a:prstGeom>
+          <a:solidFill>
+            <a:schemeClr val="tx2"/>
+          </a:solidFill>
+          <a:ln w="12700">
+            <a:noFill/>
+          </a:ln>
+          <a:effectLst/>
+        </p:spPr>
+        <p:style>
+          <a:lnRef idx="2">
+            <a:schemeClr val="dk1"/>
+          </a:lnRef>
+          <a:fillRef idx="1">
+            <a:schemeClr val="lt1"/>
+          </a:fillRef>
+          <a:effectRef idx="0">
+            <a:schemeClr val="dk1"/>
+          </a:effectRef>
+          <a:fontRef idx="minor">
+            <a:schemeClr val="dk1"/>
+          </a:fontRef>
+        </p:style>
+        <p:txBody>
+          <a:bodyPr wrap="square" lIns="0" tIns="72000" rIns="0" bIns="46800" rtlCol="0" anchor="ctr">
+            <a:noAutofit/>
+          </a:bodyPr>
+          <a:lstStyle/>
+          <a:p>
+            <a:pPr lvl="0" algn="ctr" defTabSz="914400">
+              <a:lnSpc>
+                <a:spcPts val="1180"/>
+              </a:lnSpc>
+              <a:defRPr/>
+            </a:pPr>
+            <a:r>
+              <a:rPr lang="en-US" sz="1200" kern="0" dirty="0">
+                <a:solidFill>
+                  <a:srgbClr val="FFFFFF"/>
+                </a:solidFill>
+                <a:latin typeface="Source Sans Pro Light" charset="0"/>
+                <a:ea typeface="Source Sans Pro Light" charset="0"/>
+                <a:cs typeface="Source Sans Pro Light" charset="0"/>
+              </a:rPr>
+              <a:t>Peripherals</a:t>
+            </a:r>
+            <a:endParaRPr lang="en-US" sz="1200" i="1" kern="0" dirty="0">
+              <a:solidFill>
+                <a:srgbClr val="FFFFFF"/>
+              </a:solidFill>
+              <a:latin typeface="Source Sans Pro Light" charset="0"/>
+              <a:ea typeface="Source Sans Pro Light" charset="0"/>
+              <a:cs typeface="Source Sans Pro Light" charset="0"/>
+            </a:endParaRPr>
+          </a:p>
+        </p:txBody>
+      </p:sp>
+      <p:sp>
+        <p:nvSpPr>
+          <p:cNvPr id="41" name="Rectangle 40">
+            <a:extLst>
+              <a:ext uri="{FF2B5EF4-FFF2-40B4-BE49-F238E27FC236}">
+                <a16:creationId xmlns:a16="http://schemas.microsoft.com/office/drawing/2014/main" id="{60369472-40F5-0C49-8A0A-34721DA59A39}"/>
+              </a:ext>
+            </a:extLst>
+          </p:cNvPr>
+          <p:cNvSpPr/>
+          <p:nvPr/>
+        </p:nvSpPr>
+        <p:spPr>
+          <a:xfrm>
+            <a:off x="5591834" y="3590498"/>
+            <a:ext cx="1479287" cy="129587"/>
+          </a:xfrm>
+          <a:prstGeom prst="rect">
+            <a:avLst/>
+          </a:prstGeom>
+          <a:gradFill flip="none" rotWithShape="1">
+            <a:gsLst>
+              <a:gs pos="100000">
+                <a:srgbClr val="CBD3D7">
+                  <a:alpha val="0"/>
+                </a:srgbClr>
+              </a:gs>
+              <a:gs pos="0">
+                <a:schemeClr val="bg2">
+                  <a:alpha val="0"/>
+                </a:schemeClr>
+              </a:gs>
+              <a:gs pos="80000">
+                <a:srgbClr val="CBD3D7">
+                  <a:alpha val="90000"/>
+                </a:srgbClr>
+              </a:gs>
+              <a:gs pos="20000">
+                <a:schemeClr val="bg2">
+                  <a:alpha val="90000"/>
+                </a:schemeClr>
+              </a:gs>
+            </a:gsLst>
+            <a:lin ang="0" scaled="1"/>
+            <a:tileRect/>
+          </a:gradFill>
+          <a:ln w="31750">
+            <a:noFill/>
+          </a:ln>
+          <a:effectLst/>
+        </p:spPr>
+        <p:txBody>
+          <a:bodyPr wrap="square" lIns="0" tIns="0" rIns="0" bIns="0">
+            <a:spAutoFit/>
+          </a:bodyPr>
+          <a:lstStyle/>
+          <a:p>
+            <a:pPr algn="ctr">
+              <a:lnSpc>
+                <a:spcPts val="1000"/>
+              </a:lnSpc>
+            </a:pPr>
+            <a:r>
+              <a:rPr lang="en-US" sz="1000" b="1" dirty="0">
+                <a:ln w="0"/>
+                <a:solidFill>
+                  <a:schemeClr val="accent1"/>
+                </a:solidFill>
+                <a:latin typeface="Source Sans Pro" panose="020B0503030403020204" pitchFamily="34" charset="0"/>
+                <a:ea typeface="Source Sans Pro" panose="020B0503030403020204" pitchFamily="34" charset="0"/>
+              </a:rPr>
+              <a:t>ABSTRACTION LAYERS</a:t>
+            </a:r>
+          </a:p>
+        </p:txBody>
+      </p:sp>
+      <p:sp>
+        <p:nvSpPr>
+          <p:cNvPr id="89" name="Rounded Rectangle 88">
+            <a:extLst>
+              <a:ext uri="{FF2B5EF4-FFF2-40B4-BE49-F238E27FC236}">
+                <a16:creationId xmlns:a16="http://schemas.microsoft.com/office/drawing/2014/main" id="{98447DE0-E58F-1845-A2B5-FF9F5B09D338}"/>
+              </a:ext>
+            </a:extLst>
+          </p:cNvPr>
+          <p:cNvSpPr/>
+          <p:nvPr/>
+        </p:nvSpPr>
+        <p:spPr>
+          <a:xfrm>
+            <a:off x="3817861" y="4894397"/>
+            <a:ext cx="4236479" cy="306000"/>
+          </a:xfrm>
+          <a:prstGeom prst="roundRect">
+            <a:avLst>
+              <a:gd name="adj" fmla="val 19644"/>
+            </a:avLst>
+          </a:prstGeom>
+          <a:solidFill>
+            <a:schemeClr val="tx2"/>
+          </a:solidFill>
+          <a:ln w="12700">
+            <a:noFill/>
+          </a:ln>
+          <a:effectLst/>
+        </p:spPr>
+        <p:style>
+          <a:lnRef idx="2">
+            <a:schemeClr val="dk1"/>
+          </a:lnRef>
+          <a:fillRef idx="1">
+            <a:schemeClr val="lt1"/>
+          </a:fillRef>
+          <a:effectRef idx="0">
+            <a:schemeClr val="dk1"/>
+          </a:effectRef>
+          <a:fontRef idx="minor">
+            <a:schemeClr val="dk1"/>
+          </a:fontRef>
+        </p:style>
+        <p:txBody>
+          <a:bodyPr wrap="square" lIns="90000" tIns="36000" bIns="36000" rtlCol="0" anchor="ctr">
+            <a:noAutofit/>
+          </a:bodyPr>
+          <a:lstStyle/>
+          <a:p>
+            <a:pPr lvl="0" algn="ctr">
+              <a:defRPr/>
+            </a:pPr>
+            <a:r>
+              <a:rPr lang="en-US" sz="1600" b="1" kern="0" dirty="0">
+                <a:solidFill>
+                  <a:srgbClr val="FFFFFF"/>
+                </a:solidFill>
+                <a:effectLst>
+                  <a:outerShdw blurRad="76200" dist="38100" dir="5400000" algn="t" rotWithShape="0">
+                    <a:prstClr val="black">
+                      <a:alpha val="70000"/>
+                    </a:prstClr>
+                  </a:outerShdw>
+                </a:effectLst>
+                <a:latin typeface="Source Sans Pro" charset="0"/>
+                <a:ea typeface="Source Sans Pro" charset="0"/>
+                <a:cs typeface="Source Sans Pro" charset="0"/>
+              </a:rPr>
+              <a:t>C Runtime</a:t>
+            </a:r>
+          </a:p>
+        </p:txBody>
+      </p:sp>
+      <p:grpSp>
+        <p:nvGrpSpPr>
+          <p:cNvPr id="17" name="Group 16">
+            <a:extLst>
+              <a:ext uri="{FF2B5EF4-FFF2-40B4-BE49-F238E27FC236}">
+                <a16:creationId xmlns:a16="http://schemas.microsoft.com/office/drawing/2014/main" id="{526299CB-A110-C54D-BDF8-96E344AF1C1F}"/>
+              </a:ext>
+            </a:extLst>
+          </p:cNvPr>
+          <p:cNvGrpSpPr/>
+          <p:nvPr/>
+        </p:nvGrpSpPr>
+        <p:grpSpPr>
+          <a:xfrm>
+            <a:off x="3785361" y="3340306"/>
+            <a:ext cx="1684403" cy="725924"/>
+            <a:chOff x="3235766" y="3459308"/>
+            <a:chExt cx="1684403" cy="725924"/>
+          </a:xfrm>
+        </p:grpSpPr>
         <p:sp>
           <p:nvSpPr>
-            <p:cNvPr id="15" name="Rounded Rectangle 14">
+            <p:cNvPr id="18" name="Rounded Rectangle 370">
               <a:extLst>
                 <a:ext uri="{FF2B5EF4-FFF2-40B4-BE49-F238E27FC236}">
-                  <a16:creationId xmlns:a16="http://schemas.microsoft.com/office/drawing/2014/main" id="{70F38BA2-FEE1-0B4D-AAE5-39A694AFBE0E}"/>
+                  <a16:creationId xmlns:a16="http://schemas.microsoft.com/office/drawing/2014/main" id="{2E1FB874-03EC-C448-BFBA-8CD82A1D096B}"/>
                 </a:ext>
               </a:extLst>
             </p:cNvPr>
@@ -8582,17 +9222,946 @@
           </p:nvSpPr>
           <p:spPr>
             <a:xfrm>
-              <a:off x="3817861" y="4523848"/>
-              <a:ext cx="4236479" cy="306000"/>
+              <a:off x="3235766" y="3459308"/>
+              <a:ext cx="1684403" cy="725924"/>
             </a:xfrm>
-            <a:prstGeom prst="roundRect">
-              <a:avLst>
-                <a:gd name="adj" fmla="val 19644"/>
-              </a:avLst>
-            </a:prstGeom>
-            <a:solidFill>
-              <a:schemeClr val="tx2"/>
-            </a:solidFill>
+            <a:custGeom>
+              <a:avLst/>
+              <a:gdLst>
+                <a:gd name="connsiteX0" fmla="*/ 0 w 1377675"/>
+                <a:gd name="connsiteY0" fmla="*/ 66568 h 1084694"/>
+                <a:gd name="connsiteX1" fmla="*/ 66568 w 1377675"/>
+                <a:gd name="connsiteY1" fmla="*/ 0 h 1084694"/>
+                <a:gd name="connsiteX2" fmla="*/ 1311107 w 1377675"/>
+                <a:gd name="connsiteY2" fmla="*/ 0 h 1084694"/>
+                <a:gd name="connsiteX3" fmla="*/ 1377675 w 1377675"/>
+                <a:gd name="connsiteY3" fmla="*/ 66568 h 1084694"/>
+                <a:gd name="connsiteX4" fmla="*/ 1377675 w 1377675"/>
+                <a:gd name="connsiteY4" fmla="*/ 1018126 h 1084694"/>
+                <a:gd name="connsiteX5" fmla="*/ 1311107 w 1377675"/>
+                <a:gd name="connsiteY5" fmla="*/ 1084694 h 1084694"/>
+                <a:gd name="connsiteX6" fmla="*/ 66568 w 1377675"/>
+                <a:gd name="connsiteY6" fmla="*/ 1084694 h 1084694"/>
+                <a:gd name="connsiteX7" fmla="*/ 0 w 1377675"/>
+                <a:gd name="connsiteY7" fmla="*/ 1018126 h 1084694"/>
+                <a:gd name="connsiteX8" fmla="*/ 0 w 1377675"/>
+                <a:gd name="connsiteY8" fmla="*/ 66568 h 1084694"/>
+                <a:gd name="connsiteX0" fmla="*/ 0 w 1377675"/>
+                <a:gd name="connsiteY0" fmla="*/ 66568 h 1084694"/>
+                <a:gd name="connsiteX1" fmla="*/ 66568 w 1377675"/>
+                <a:gd name="connsiteY1" fmla="*/ 0 h 1084694"/>
+                <a:gd name="connsiteX2" fmla="*/ 1311107 w 1377675"/>
+                <a:gd name="connsiteY2" fmla="*/ 0 h 1084694"/>
+                <a:gd name="connsiteX3" fmla="*/ 1377675 w 1377675"/>
+                <a:gd name="connsiteY3" fmla="*/ 409468 h 1084694"/>
+                <a:gd name="connsiteX4" fmla="*/ 1377675 w 1377675"/>
+                <a:gd name="connsiteY4" fmla="*/ 1018126 h 1084694"/>
+                <a:gd name="connsiteX5" fmla="*/ 1311107 w 1377675"/>
+                <a:gd name="connsiteY5" fmla="*/ 1084694 h 1084694"/>
+                <a:gd name="connsiteX6" fmla="*/ 66568 w 1377675"/>
+                <a:gd name="connsiteY6" fmla="*/ 1084694 h 1084694"/>
+                <a:gd name="connsiteX7" fmla="*/ 0 w 1377675"/>
+                <a:gd name="connsiteY7" fmla="*/ 1018126 h 1084694"/>
+                <a:gd name="connsiteX8" fmla="*/ 0 w 1377675"/>
+                <a:gd name="connsiteY8" fmla="*/ 66568 h 1084694"/>
+                <a:gd name="connsiteX0" fmla="*/ 0 w 1381139"/>
+                <a:gd name="connsiteY0" fmla="*/ 388686 h 1084694"/>
+                <a:gd name="connsiteX1" fmla="*/ 70032 w 1381139"/>
+                <a:gd name="connsiteY1" fmla="*/ 0 h 1084694"/>
+                <a:gd name="connsiteX2" fmla="*/ 1314571 w 1381139"/>
+                <a:gd name="connsiteY2" fmla="*/ 0 h 1084694"/>
+                <a:gd name="connsiteX3" fmla="*/ 1381139 w 1381139"/>
+                <a:gd name="connsiteY3" fmla="*/ 409468 h 1084694"/>
+                <a:gd name="connsiteX4" fmla="*/ 1381139 w 1381139"/>
+                <a:gd name="connsiteY4" fmla="*/ 1018126 h 1084694"/>
+                <a:gd name="connsiteX5" fmla="*/ 1314571 w 1381139"/>
+                <a:gd name="connsiteY5" fmla="*/ 1084694 h 1084694"/>
+                <a:gd name="connsiteX6" fmla="*/ 70032 w 1381139"/>
+                <a:gd name="connsiteY6" fmla="*/ 1084694 h 1084694"/>
+                <a:gd name="connsiteX7" fmla="*/ 3464 w 1381139"/>
+                <a:gd name="connsiteY7" fmla="*/ 1018126 h 1084694"/>
+                <a:gd name="connsiteX8" fmla="*/ 0 w 1381139"/>
+                <a:gd name="connsiteY8" fmla="*/ 388686 h 1084694"/>
+                <a:gd name="connsiteX0" fmla="*/ 0 w 3085063"/>
+                <a:gd name="connsiteY0" fmla="*/ 388686 h 1084694"/>
+                <a:gd name="connsiteX1" fmla="*/ 70032 w 3085063"/>
+                <a:gd name="connsiteY1" fmla="*/ 0 h 1084694"/>
+                <a:gd name="connsiteX2" fmla="*/ 3084489 w 3085063"/>
+                <a:gd name="connsiteY2" fmla="*/ 256309 h 1084694"/>
+                <a:gd name="connsiteX3" fmla="*/ 1381139 w 3085063"/>
+                <a:gd name="connsiteY3" fmla="*/ 409468 h 1084694"/>
+                <a:gd name="connsiteX4" fmla="*/ 1381139 w 3085063"/>
+                <a:gd name="connsiteY4" fmla="*/ 1018126 h 1084694"/>
+                <a:gd name="connsiteX5" fmla="*/ 1314571 w 3085063"/>
+                <a:gd name="connsiteY5" fmla="*/ 1084694 h 1084694"/>
+                <a:gd name="connsiteX6" fmla="*/ 70032 w 3085063"/>
+                <a:gd name="connsiteY6" fmla="*/ 1084694 h 1084694"/>
+                <a:gd name="connsiteX7" fmla="*/ 3464 w 3085063"/>
+                <a:gd name="connsiteY7" fmla="*/ 1018126 h 1084694"/>
+                <a:gd name="connsiteX8" fmla="*/ 0 w 3085063"/>
+                <a:gd name="connsiteY8" fmla="*/ 388686 h 1084694"/>
+                <a:gd name="connsiteX0" fmla="*/ 1150005 w 4235068"/>
+                <a:gd name="connsiteY0" fmla="*/ 132377 h 828385"/>
+                <a:gd name="connsiteX1" fmla="*/ 837 w 4235068"/>
+                <a:gd name="connsiteY1" fmla="*/ 3463 h 828385"/>
+                <a:gd name="connsiteX2" fmla="*/ 4234494 w 4235068"/>
+                <a:gd name="connsiteY2" fmla="*/ 0 h 828385"/>
+                <a:gd name="connsiteX3" fmla="*/ 2531144 w 4235068"/>
+                <a:gd name="connsiteY3" fmla="*/ 153159 h 828385"/>
+                <a:gd name="connsiteX4" fmla="*/ 2531144 w 4235068"/>
+                <a:gd name="connsiteY4" fmla="*/ 761817 h 828385"/>
+                <a:gd name="connsiteX5" fmla="*/ 2464576 w 4235068"/>
+                <a:gd name="connsiteY5" fmla="*/ 828385 h 828385"/>
+                <a:gd name="connsiteX6" fmla="*/ 1220037 w 4235068"/>
+                <a:gd name="connsiteY6" fmla="*/ 828385 h 828385"/>
+                <a:gd name="connsiteX7" fmla="*/ 1153469 w 4235068"/>
+                <a:gd name="connsiteY7" fmla="*/ 761817 h 828385"/>
+                <a:gd name="connsiteX8" fmla="*/ 1150005 w 4235068"/>
+                <a:gd name="connsiteY8" fmla="*/ 132377 h 828385"/>
+                <a:gd name="connsiteX0" fmla="*/ 1150005 w 2930911"/>
+                <a:gd name="connsiteY0" fmla="*/ 128914 h 824922"/>
+                <a:gd name="connsiteX1" fmla="*/ 837 w 2930911"/>
+                <a:gd name="connsiteY1" fmla="*/ 0 h 824922"/>
+                <a:gd name="connsiteX2" fmla="*/ 2928703 w 2930911"/>
+                <a:gd name="connsiteY2" fmla="*/ 1 h 824922"/>
+                <a:gd name="connsiteX3" fmla="*/ 2531144 w 2930911"/>
+                <a:gd name="connsiteY3" fmla="*/ 149696 h 824922"/>
+                <a:gd name="connsiteX4" fmla="*/ 2531144 w 2930911"/>
+                <a:gd name="connsiteY4" fmla="*/ 758354 h 824922"/>
+                <a:gd name="connsiteX5" fmla="*/ 2464576 w 2930911"/>
+                <a:gd name="connsiteY5" fmla="*/ 824922 h 824922"/>
+                <a:gd name="connsiteX6" fmla="*/ 1220037 w 2930911"/>
+                <a:gd name="connsiteY6" fmla="*/ 824922 h 824922"/>
+                <a:gd name="connsiteX7" fmla="*/ 1153469 w 2930911"/>
+                <a:gd name="connsiteY7" fmla="*/ 758354 h 824922"/>
+                <a:gd name="connsiteX8" fmla="*/ 1150005 w 2930911"/>
+                <a:gd name="connsiteY8" fmla="*/ 128914 h 824922"/>
+                <a:gd name="connsiteX0" fmla="*/ 1150005 w 2930911"/>
+                <a:gd name="connsiteY0" fmla="*/ 128914 h 824922"/>
+                <a:gd name="connsiteX1" fmla="*/ 837 w 2930911"/>
+                <a:gd name="connsiteY1" fmla="*/ 0 h 824922"/>
+                <a:gd name="connsiteX2" fmla="*/ 2928703 w 2930911"/>
+                <a:gd name="connsiteY2" fmla="*/ 1 h 824922"/>
+                <a:gd name="connsiteX3" fmla="*/ 2531144 w 2930911"/>
+                <a:gd name="connsiteY3" fmla="*/ 149696 h 824922"/>
+                <a:gd name="connsiteX4" fmla="*/ 2531144 w 2930911"/>
+                <a:gd name="connsiteY4" fmla="*/ 758354 h 824922"/>
+                <a:gd name="connsiteX5" fmla="*/ 2464576 w 2930911"/>
+                <a:gd name="connsiteY5" fmla="*/ 824922 h 824922"/>
+                <a:gd name="connsiteX6" fmla="*/ 1220037 w 2930911"/>
+                <a:gd name="connsiteY6" fmla="*/ 824922 h 824922"/>
+                <a:gd name="connsiteX7" fmla="*/ 1153469 w 2930911"/>
+                <a:gd name="connsiteY7" fmla="*/ 758354 h 824922"/>
+                <a:gd name="connsiteX8" fmla="*/ 1150005 w 2930911"/>
+                <a:gd name="connsiteY8" fmla="*/ 128914 h 824922"/>
+                <a:gd name="connsiteX0" fmla="*/ 1150004 w 2930910"/>
+                <a:gd name="connsiteY0" fmla="*/ 128914 h 824922"/>
+                <a:gd name="connsiteX1" fmla="*/ 836 w 2930910"/>
+                <a:gd name="connsiteY1" fmla="*/ 0 h 824922"/>
+                <a:gd name="connsiteX2" fmla="*/ 2928702 w 2930910"/>
+                <a:gd name="connsiteY2" fmla="*/ 1 h 824922"/>
+                <a:gd name="connsiteX3" fmla="*/ 2531143 w 2930910"/>
+                <a:gd name="connsiteY3" fmla="*/ 149696 h 824922"/>
+                <a:gd name="connsiteX4" fmla="*/ 2531143 w 2930910"/>
+                <a:gd name="connsiteY4" fmla="*/ 758354 h 824922"/>
+                <a:gd name="connsiteX5" fmla="*/ 2464575 w 2930910"/>
+                <a:gd name="connsiteY5" fmla="*/ 824922 h 824922"/>
+                <a:gd name="connsiteX6" fmla="*/ 1220036 w 2930910"/>
+                <a:gd name="connsiteY6" fmla="*/ 824922 h 824922"/>
+                <a:gd name="connsiteX7" fmla="*/ 1153468 w 2930910"/>
+                <a:gd name="connsiteY7" fmla="*/ 758354 h 824922"/>
+                <a:gd name="connsiteX8" fmla="*/ 1150004 w 2930910"/>
+                <a:gd name="connsiteY8" fmla="*/ 128914 h 824922"/>
+                <a:gd name="connsiteX0" fmla="*/ 375627 w 2156533"/>
+                <a:gd name="connsiteY0" fmla="*/ 128913 h 824921"/>
+                <a:gd name="connsiteX1" fmla="*/ 2314 w 2156533"/>
+                <a:gd name="connsiteY1" fmla="*/ 6926 h 824921"/>
+                <a:gd name="connsiteX2" fmla="*/ 2154325 w 2156533"/>
+                <a:gd name="connsiteY2" fmla="*/ 0 h 824921"/>
+                <a:gd name="connsiteX3" fmla="*/ 1756766 w 2156533"/>
+                <a:gd name="connsiteY3" fmla="*/ 149695 h 824921"/>
+                <a:gd name="connsiteX4" fmla="*/ 1756766 w 2156533"/>
+                <a:gd name="connsiteY4" fmla="*/ 758353 h 824921"/>
+                <a:gd name="connsiteX5" fmla="*/ 1690198 w 2156533"/>
+                <a:gd name="connsiteY5" fmla="*/ 824921 h 824921"/>
+                <a:gd name="connsiteX6" fmla="*/ 445659 w 2156533"/>
+                <a:gd name="connsiteY6" fmla="*/ 824921 h 824921"/>
+                <a:gd name="connsiteX7" fmla="*/ 379091 w 2156533"/>
+                <a:gd name="connsiteY7" fmla="*/ 758353 h 824921"/>
+                <a:gd name="connsiteX8" fmla="*/ 375627 w 2156533"/>
+                <a:gd name="connsiteY8" fmla="*/ 128913 h 824921"/>
+                <a:gd name="connsiteX0" fmla="*/ 418185 w 2199091"/>
+                <a:gd name="connsiteY0" fmla="*/ 128913 h 824921"/>
+                <a:gd name="connsiteX1" fmla="*/ 44872 w 2199091"/>
+                <a:gd name="connsiteY1" fmla="*/ 6926 h 824921"/>
+                <a:gd name="connsiteX2" fmla="*/ 2196883 w 2199091"/>
+                <a:gd name="connsiteY2" fmla="*/ 0 h 824921"/>
+                <a:gd name="connsiteX3" fmla="*/ 1799324 w 2199091"/>
+                <a:gd name="connsiteY3" fmla="*/ 149695 h 824921"/>
+                <a:gd name="connsiteX4" fmla="*/ 1799324 w 2199091"/>
+                <a:gd name="connsiteY4" fmla="*/ 758353 h 824921"/>
+                <a:gd name="connsiteX5" fmla="*/ 1732756 w 2199091"/>
+                <a:gd name="connsiteY5" fmla="*/ 824921 h 824921"/>
+                <a:gd name="connsiteX6" fmla="*/ 488217 w 2199091"/>
+                <a:gd name="connsiteY6" fmla="*/ 824921 h 824921"/>
+                <a:gd name="connsiteX7" fmla="*/ 421649 w 2199091"/>
+                <a:gd name="connsiteY7" fmla="*/ 758353 h 824921"/>
+                <a:gd name="connsiteX8" fmla="*/ 418185 w 2199091"/>
+                <a:gd name="connsiteY8" fmla="*/ 128913 h 824921"/>
+                <a:gd name="connsiteX0" fmla="*/ 404178 w 2197426"/>
+                <a:gd name="connsiteY0" fmla="*/ 129381 h 825389"/>
+                <a:gd name="connsiteX1" fmla="*/ 30865 w 2197426"/>
+                <a:gd name="connsiteY1" fmla="*/ 7394 h 825389"/>
+                <a:gd name="connsiteX2" fmla="*/ 2182876 w 2197426"/>
+                <a:gd name="connsiteY2" fmla="*/ 468 h 825389"/>
+                <a:gd name="connsiteX3" fmla="*/ 1785317 w 2197426"/>
+                <a:gd name="connsiteY3" fmla="*/ 150163 h 825389"/>
+                <a:gd name="connsiteX4" fmla="*/ 1785317 w 2197426"/>
+                <a:gd name="connsiteY4" fmla="*/ 758821 h 825389"/>
+                <a:gd name="connsiteX5" fmla="*/ 1718749 w 2197426"/>
+                <a:gd name="connsiteY5" fmla="*/ 825389 h 825389"/>
+                <a:gd name="connsiteX6" fmla="*/ 474210 w 2197426"/>
+                <a:gd name="connsiteY6" fmla="*/ 825389 h 825389"/>
+                <a:gd name="connsiteX7" fmla="*/ 407642 w 2197426"/>
+                <a:gd name="connsiteY7" fmla="*/ 758821 h 825389"/>
+                <a:gd name="connsiteX8" fmla="*/ 404178 w 2197426"/>
+                <a:gd name="connsiteY8" fmla="*/ 129381 h 825389"/>
+                <a:gd name="connsiteX0" fmla="*/ 373313 w 2152011"/>
+                <a:gd name="connsiteY0" fmla="*/ 129381 h 825389"/>
+                <a:gd name="connsiteX1" fmla="*/ 0 w 2152011"/>
+                <a:gd name="connsiteY1" fmla="*/ 7394 h 825389"/>
+                <a:gd name="connsiteX2" fmla="*/ 2152011 w 2152011"/>
+                <a:gd name="connsiteY2" fmla="*/ 468 h 825389"/>
+                <a:gd name="connsiteX3" fmla="*/ 1754452 w 2152011"/>
+                <a:gd name="connsiteY3" fmla="*/ 150163 h 825389"/>
+                <a:gd name="connsiteX4" fmla="*/ 1754452 w 2152011"/>
+                <a:gd name="connsiteY4" fmla="*/ 758821 h 825389"/>
+                <a:gd name="connsiteX5" fmla="*/ 1687884 w 2152011"/>
+                <a:gd name="connsiteY5" fmla="*/ 825389 h 825389"/>
+                <a:gd name="connsiteX6" fmla="*/ 443345 w 2152011"/>
+                <a:gd name="connsiteY6" fmla="*/ 825389 h 825389"/>
+                <a:gd name="connsiteX7" fmla="*/ 376777 w 2152011"/>
+                <a:gd name="connsiteY7" fmla="*/ 758821 h 825389"/>
+                <a:gd name="connsiteX8" fmla="*/ 373313 w 2152011"/>
+                <a:gd name="connsiteY8" fmla="*/ 129381 h 825389"/>
+                <a:gd name="connsiteX0" fmla="*/ 436994 w 2018842"/>
+                <a:gd name="connsiteY0" fmla="*/ 132057 h 828065"/>
+                <a:gd name="connsiteX1" fmla="*/ 63681 w 2018842"/>
+                <a:gd name="connsiteY1" fmla="*/ 10070 h 828065"/>
+                <a:gd name="connsiteX2" fmla="*/ 2018842 w 2018842"/>
+                <a:gd name="connsiteY2" fmla="*/ 6319 h 828065"/>
+                <a:gd name="connsiteX3" fmla="*/ 1818133 w 2018842"/>
+                <a:gd name="connsiteY3" fmla="*/ 152839 h 828065"/>
+                <a:gd name="connsiteX4" fmla="*/ 1818133 w 2018842"/>
+                <a:gd name="connsiteY4" fmla="*/ 761497 h 828065"/>
+                <a:gd name="connsiteX5" fmla="*/ 1751565 w 2018842"/>
+                <a:gd name="connsiteY5" fmla="*/ 828065 h 828065"/>
+                <a:gd name="connsiteX6" fmla="*/ 507026 w 2018842"/>
+                <a:gd name="connsiteY6" fmla="*/ 828065 h 828065"/>
+                <a:gd name="connsiteX7" fmla="*/ 440458 w 2018842"/>
+                <a:gd name="connsiteY7" fmla="*/ 761497 h 828065"/>
+                <a:gd name="connsiteX8" fmla="*/ 436994 w 2018842"/>
+                <a:gd name="connsiteY8" fmla="*/ 132057 h 828065"/>
+                <a:gd name="connsiteX0" fmla="*/ 436994 w 2023402"/>
+                <a:gd name="connsiteY0" fmla="*/ 131514 h 827522"/>
+                <a:gd name="connsiteX1" fmla="*/ 63681 w 2023402"/>
+                <a:gd name="connsiteY1" fmla="*/ 9527 h 827522"/>
+                <a:gd name="connsiteX2" fmla="*/ 2018842 w 2023402"/>
+                <a:gd name="connsiteY2" fmla="*/ 5776 h 827522"/>
+                <a:gd name="connsiteX3" fmla="*/ 1818133 w 2023402"/>
+                <a:gd name="connsiteY3" fmla="*/ 152296 h 827522"/>
+                <a:gd name="connsiteX4" fmla="*/ 1818133 w 2023402"/>
+                <a:gd name="connsiteY4" fmla="*/ 760954 h 827522"/>
+                <a:gd name="connsiteX5" fmla="*/ 1751565 w 2023402"/>
+                <a:gd name="connsiteY5" fmla="*/ 827522 h 827522"/>
+                <a:gd name="connsiteX6" fmla="*/ 507026 w 2023402"/>
+                <a:gd name="connsiteY6" fmla="*/ 827522 h 827522"/>
+                <a:gd name="connsiteX7" fmla="*/ 440458 w 2023402"/>
+                <a:gd name="connsiteY7" fmla="*/ 760954 h 827522"/>
+                <a:gd name="connsiteX8" fmla="*/ 436994 w 2023402"/>
+                <a:gd name="connsiteY8" fmla="*/ 131514 h 827522"/>
+                <a:gd name="connsiteX0" fmla="*/ 260186 w 1921406"/>
+                <a:gd name="connsiteY0" fmla="*/ 144219 h 840227"/>
+                <a:gd name="connsiteX1" fmla="*/ 83723 w 1921406"/>
+                <a:gd name="connsiteY1" fmla="*/ 15882 h 840227"/>
+                <a:gd name="connsiteX2" fmla="*/ 1842034 w 1921406"/>
+                <a:gd name="connsiteY2" fmla="*/ 18481 h 840227"/>
+                <a:gd name="connsiteX3" fmla="*/ 1641325 w 1921406"/>
+                <a:gd name="connsiteY3" fmla="*/ 165001 h 840227"/>
+                <a:gd name="connsiteX4" fmla="*/ 1641325 w 1921406"/>
+                <a:gd name="connsiteY4" fmla="*/ 773659 h 840227"/>
+                <a:gd name="connsiteX5" fmla="*/ 1574757 w 1921406"/>
+                <a:gd name="connsiteY5" fmla="*/ 840227 h 840227"/>
+                <a:gd name="connsiteX6" fmla="*/ 330218 w 1921406"/>
+                <a:gd name="connsiteY6" fmla="*/ 840227 h 840227"/>
+                <a:gd name="connsiteX7" fmla="*/ 263650 w 1921406"/>
+                <a:gd name="connsiteY7" fmla="*/ 773659 h 840227"/>
+                <a:gd name="connsiteX8" fmla="*/ 260186 w 1921406"/>
+                <a:gd name="connsiteY8" fmla="*/ 144219 h 840227"/>
+                <a:gd name="connsiteX0" fmla="*/ 184184 w 1845404"/>
+                <a:gd name="connsiteY0" fmla="*/ 137193 h 833201"/>
+                <a:gd name="connsiteX1" fmla="*/ 7721 w 1845404"/>
+                <a:gd name="connsiteY1" fmla="*/ 8856 h 833201"/>
+                <a:gd name="connsiteX2" fmla="*/ 1766032 w 1845404"/>
+                <a:gd name="connsiteY2" fmla="*/ 11455 h 833201"/>
+                <a:gd name="connsiteX3" fmla="*/ 1565323 w 1845404"/>
+                <a:gd name="connsiteY3" fmla="*/ 157975 h 833201"/>
+                <a:gd name="connsiteX4" fmla="*/ 1565323 w 1845404"/>
+                <a:gd name="connsiteY4" fmla="*/ 766633 h 833201"/>
+                <a:gd name="connsiteX5" fmla="*/ 1498755 w 1845404"/>
+                <a:gd name="connsiteY5" fmla="*/ 833201 h 833201"/>
+                <a:gd name="connsiteX6" fmla="*/ 254216 w 1845404"/>
+                <a:gd name="connsiteY6" fmla="*/ 833201 h 833201"/>
+                <a:gd name="connsiteX7" fmla="*/ 187648 w 1845404"/>
+                <a:gd name="connsiteY7" fmla="*/ 766633 h 833201"/>
+                <a:gd name="connsiteX8" fmla="*/ 184184 w 1845404"/>
+                <a:gd name="connsiteY8" fmla="*/ 137193 h 833201"/>
+                <a:gd name="connsiteX0" fmla="*/ 254154 w 1839241"/>
+                <a:gd name="connsiteY0" fmla="*/ 147999 h 844007"/>
+                <a:gd name="connsiteX1" fmla="*/ 77691 w 1839241"/>
+                <a:gd name="connsiteY1" fmla="*/ 19662 h 844007"/>
+                <a:gd name="connsiteX2" fmla="*/ 1747102 w 1839241"/>
+                <a:gd name="connsiteY2" fmla="*/ 15911 h 844007"/>
+                <a:gd name="connsiteX3" fmla="*/ 1635293 w 1839241"/>
+                <a:gd name="connsiteY3" fmla="*/ 168781 h 844007"/>
+                <a:gd name="connsiteX4" fmla="*/ 1635293 w 1839241"/>
+                <a:gd name="connsiteY4" fmla="*/ 777439 h 844007"/>
+                <a:gd name="connsiteX5" fmla="*/ 1568725 w 1839241"/>
+                <a:gd name="connsiteY5" fmla="*/ 844007 h 844007"/>
+                <a:gd name="connsiteX6" fmla="*/ 324186 w 1839241"/>
+                <a:gd name="connsiteY6" fmla="*/ 844007 h 844007"/>
+                <a:gd name="connsiteX7" fmla="*/ 257618 w 1839241"/>
+                <a:gd name="connsiteY7" fmla="*/ 777439 h 844007"/>
+                <a:gd name="connsiteX8" fmla="*/ 254154 w 1839241"/>
+                <a:gd name="connsiteY8" fmla="*/ 147999 h 844007"/>
+                <a:gd name="connsiteX0" fmla="*/ 254154 w 1752323"/>
+                <a:gd name="connsiteY0" fmla="*/ 139925 h 835933"/>
+                <a:gd name="connsiteX1" fmla="*/ 77691 w 1752323"/>
+                <a:gd name="connsiteY1" fmla="*/ 11588 h 835933"/>
+                <a:gd name="connsiteX2" fmla="*/ 1747102 w 1752323"/>
+                <a:gd name="connsiteY2" fmla="*/ 7837 h 835933"/>
+                <a:gd name="connsiteX3" fmla="*/ 1635293 w 1752323"/>
+                <a:gd name="connsiteY3" fmla="*/ 160707 h 835933"/>
+                <a:gd name="connsiteX4" fmla="*/ 1635293 w 1752323"/>
+                <a:gd name="connsiteY4" fmla="*/ 769365 h 835933"/>
+                <a:gd name="connsiteX5" fmla="*/ 1568725 w 1752323"/>
+                <a:gd name="connsiteY5" fmla="*/ 835933 h 835933"/>
+                <a:gd name="connsiteX6" fmla="*/ 324186 w 1752323"/>
+                <a:gd name="connsiteY6" fmla="*/ 835933 h 835933"/>
+                <a:gd name="connsiteX7" fmla="*/ 257618 w 1752323"/>
+                <a:gd name="connsiteY7" fmla="*/ 769365 h 835933"/>
+                <a:gd name="connsiteX8" fmla="*/ 254154 w 1752323"/>
+                <a:gd name="connsiteY8" fmla="*/ 139925 h 835933"/>
+                <a:gd name="connsiteX0" fmla="*/ 256302 w 1786136"/>
+                <a:gd name="connsiteY0" fmla="*/ 138666 h 834674"/>
+                <a:gd name="connsiteX1" fmla="*/ 79839 w 1786136"/>
+                <a:gd name="connsiteY1" fmla="*/ 10329 h 834674"/>
+                <a:gd name="connsiteX2" fmla="*/ 1781000 w 1786136"/>
+                <a:gd name="connsiteY2" fmla="*/ 9753 h 834674"/>
+                <a:gd name="connsiteX3" fmla="*/ 1637441 w 1786136"/>
+                <a:gd name="connsiteY3" fmla="*/ 159448 h 834674"/>
+                <a:gd name="connsiteX4" fmla="*/ 1637441 w 1786136"/>
+                <a:gd name="connsiteY4" fmla="*/ 768106 h 834674"/>
+                <a:gd name="connsiteX5" fmla="*/ 1570873 w 1786136"/>
+                <a:gd name="connsiteY5" fmla="*/ 834674 h 834674"/>
+                <a:gd name="connsiteX6" fmla="*/ 326334 w 1786136"/>
+                <a:gd name="connsiteY6" fmla="*/ 834674 h 834674"/>
+                <a:gd name="connsiteX7" fmla="*/ 259766 w 1786136"/>
+                <a:gd name="connsiteY7" fmla="*/ 768106 h 834674"/>
+                <a:gd name="connsiteX8" fmla="*/ 256302 w 1786136"/>
+                <a:gd name="connsiteY8" fmla="*/ 138666 h 834674"/>
+                <a:gd name="connsiteX0" fmla="*/ 181625 w 1710512"/>
+                <a:gd name="connsiteY0" fmla="*/ 130557 h 826565"/>
+                <a:gd name="connsiteX1" fmla="*/ 5162 w 1710512"/>
+                <a:gd name="connsiteY1" fmla="*/ 2220 h 826565"/>
+                <a:gd name="connsiteX2" fmla="*/ 1706323 w 1710512"/>
+                <a:gd name="connsiteY2" fmla="*/ 1644 h 826565"/>
+                <a:gd name="connsiteX3" fmla="*/ 1562764 w 1710512"/>
+                <a:gd name="connsiteY3" fmla="*/ 151339 h 826565"/>
+                <a:gd name="connsiteX4" fmla="*/ 1562764 w 1710512"/>
+                <a:gd name="connsiteY4" fmla="*/ 759997 h 826565"/>
+                <a:gd name="connsiteX5" fmla="*/ 1496196 w 1710512"/>
+                <a:gd name="connsiteY5" fmla="*/ 826565 h 826565"/>
+                <a:gd name="connsiteX6" fmla="*/ 251657 w 1710512"/>
+                <a:gd name="connsiteY6" fmla="*/ 826565 h 826565"/>
+                <a:gd name="connsiteX7" fmla="*/ 185089 w 1710512"/>
+                <a:gd name="connsiteY7" fmla="*/ 759997 h 826565"/>
+                <a:gd name="connsiteX8" fmla="*/ 181625 w 1710512"/>
+                <a:gd name="connsiteY8" fmla="*/ 130557 h 826565"/>
+                <a:gd name="connsiteX0" fmla="*/ 157442 w 1767509"/>
+                <a:gd name="connsiteY0" fmla="*/ 139313 h 835321"/>
+                <a:gd name="connsiteX1" fmla="*/ 6379 w 1767509"/>
+                <a:gd name="connsiteY1" fmla="*/ 14151 h 835321"/>
+                <a:gd name="connsiteX2" fmla="*/ 1682140 w 1767509"/>
+                <a:gd name="connsiteY2" fmla="*/ 10400 h 835321"/>
+                <a:gd name="connsiteX3" fmla="*/ 1538581 w 1767509"/>
+                <a:gd name="connsiteY3" fmla="*/ 160095 h 835321"/>
+                <a:gd name="connsiteX4" fmla="*/ 1538581 w 1767509"/>
+                <a:gd name="connsiteY4" fmla="*/ 768753 h 835321"/>
+                <a:gd name="connsiteX5" fmla="*/ 1472013 w 1767509"/>
+                <a:gd name="connsiteY5" fmla="*/ 835321 h 835321"/>
+                <a:gd name="connsiteX6" fmla="*/ 227474 w 1767509"/>
+                <a:gd name="connsiteY6" fmla="*/ 835321 h 835321"/>
+                <a:gd name="connsiteX7" fmla="*/ 160906 w 1767509"/>
+                <a:gd name="connsiteY7" fmla="*/ 768753 h 835321"/>
+                <a:gd name="connsiteX8" fmla="*/ 157442 w 1767509"/>
+                <a:gd name="connsiteY8" fmla="*/ 139313 h 835321"/>
+                <a:gd name="connsiteX0" fmla="*/ 155631 w 1765698"/>
+                <a:gd name="connsiteY0" fmla="*/ 139999 h 836007"/>
+                <a:gd name="connsiteX1" fmla="*/ 4568 w 1765698"/>
+                <a:gd name="connsiteY1" fmla="*/ 14837 h 836007"/>
+                <a:gd name="connsiteX2" fmla="*/ 1680329 w 1765698"/>
+                <a:gd name="connsiteY2" fmla="*/ 11086 h 836007"/>
+                <a:gd name="connsiteX3" fmla="*/ 1536770 w 1765698"/>
+                <a:gd name="connsiteY3" fmla="*/ 160781 h 836007"/>
+                <a:gd name="connsiteX4" fmla="*/ 1536770 w 1765698"/>
+                <a:gd name="connsiteY4" fmla="*/ 769439 h 836007"/>
+                <a:gd name="connsiteX5" fmla="*/ 1470202 w 1765698"/>
+                <a:gd name="connsiteY5" fmla="*/ 836007 h 836007"/>
+                <a:gd name="connsiteX6" fmla="*/ 225663 w 1765698"/>
+                <a:gd name="connsiteY6" fmla="*/ 836007 h 836007"/>
+                <a:gd name="connsiteX7" fmla="*/ 159095 w 1765698"/>
+                <a:gd name="connsiteY7" fmla="*/ 769439 h 836007"/>
+                <a:gd name="connsiteX8" fmla="*/ 155631 w 1765698"/>
+                <a:gd name="connsiteY8" fmla="*/ 139999 h 836007"/>
+                <a:gd name="connsiteX0" fmla="*/ 155631 w 1765698"/>
+                <a:gd name="connsiteY0" fmla="*/ 139999 h 836007"/>
+                <a:gd name="connsiteX1" fmla="*/ 4568 w 1765698"/>
+                <a:gd name="connsiteY1" fmla="*/ 14837 h 836007"/>
+                <a:gd name="connsiteX2" fmla="*/ 1680329 w 1765698"/>
+                <a:gd name="connsiteY2" fmla="*/ 11086 h 836007"/>
+                <a:gd name="connsiteX3" fmla="*/ 1536770 w 1765698"/>
+                <a:gd name="connsiteY3" fmla="*/ 160781 h 836007"/>
+                <a:gd name="connsiteX4" fmla="*/ 1536770 w 1765698"/>
+                <a:gd name="connsiteY4" fmla="*/ 769439 h 836007"/>
+                <a:gd name="connsiteX5" fmla="*/ 1470202 w 1765698"/>
+                <a:gd name="connsiteY5" fmla="*/ 836007 h 836007"/>
+                <a:gd name="connsiteX6" fmla="*/ 225663 w 1765698"/>
+                <a:gd name="connsiteY6" fmla="*/ 836007 h 836007"/>
+                <a:gd name="connsiteX7" fmla="*/ 159095 w 1765698"/>
+                <a:gd name="connsiteY7" fmla="*/ 769439 h 836007"/>
+                <a:gd name="connsiteX8" fmla="*/ 155631 w 1765698"/>
+                <a:gd name="connsiteY8" fmla="*/ 139999 h 836007"/>
+                <a:gd name="connsiteX0" fmla="*/ 154777 w 1684351"/>
+                <a:gd name="connsiteY0" fmla="*/ 131536 h 827544"/>
+                <a:gd name="connsiteX1" fmla="*/ 3714 w 1684351"/>
+                <a:gd name="connsiteY1" fmla="*/ 6374 h 827544"/>
+                <a:gd name="connsiteX2" fmla="*/ 1679475 w 1684351"/>
+                <a:gd name="connsiteY2" fmla="*/ 2623 h 827544"/>
+                <a:gd name="connsiteX3" fmla="*/ 1535916 w 1684351"/>
+                <a:gd name="connsiteY3" fmla="*/ 152318 h 827544"/>
+                <a:gd name="connsiteX4" fmla="*/ 1535916 w 1684351"/>
+                <a:gd name="connsiteY4" fmla="*/ 760976 h 827544"/>
+                <a:gd name="connsiteX5" fmla="*/ 1469348 w 1684351"/>
+                <a:gd name="connsiteY5" fmla="*/ 827544 h 827544"/>
+                <a:gd name="connsiteX6" fmla="*/ 224809 w 1684351"/>
+                <a:gd name="connsiteY6" fmla="*/ 827544 h 827544"/>
+                <a:gd name="connsiteX7" fmla="*/ 158241 w 1684351"/>
+                <a:gd name="connsiteY7" fmla="*/ 760976 h 827544"/>
+                <a:gd name="connsiteX8" fmla="*/ 154777 w 1684351"/>
+                <a:gd name="connsiteY8" fmla="*/ 131536 h 827544"/>
+                <a:gd name="connsiteX0" fmla="*/ 236936 w 1786555"/>
+                <a:gd name="connsiteY0" fmla="*/ 135949 h 831957"/>
+                <a:gd name="connsiteX1" fmla="*/ 85873 w 1786555"/>
+                <a:gd name="connsiteY1" fmla="*/ 10787 h 831957"/>
+                <a:gd name="connsiteX2" fmla="*/ 1780684 w 1786555"/>
+                <a:gd name="connsiteY2" fmla="*/ 10211 h 831957"/>
+                <a:gd name="connsiteX3" fmla="*/ 1618075 w 1786555"/>
+                <a:gd name="connsiteY3" fmla="*/ 156731 h 831957"/>
+                <a:gd name="connsiteX4" fmla="*/ 1618075 w 1786555"/>
+                <a:gd name="connsiteY4" fmla="*/ 765389 h 831957"/>
+                <a:gd name="connsiteX5" fmla="*/ 1551507 w 1786555"/>
+                <a:gd name="connsiteY5" fmla="*/ 831957 h 831957"/>
+                <a:gd name="connsiteX6" fmla="*/ 306968 w 1786555"/>
+                <a:gd name="connsiteY6" fmla="*/ 831957 h 831957"/>
+                <a:gd name="connsiteX7" fmla="*/ 240400 w 1786555"/>
+                <a:gd name="connsiteY7" fmla="*/ 765389 h 831957"/>
+                <a:gd name="connsiteX8" fmla="*/ 236936 w 1786555"/>
+                <a:gd name="connsiteY8" fmla="*/ 135949 h 831957"/>
+                <a:gd name="connsiteX0" fmla="*/ 157046 w 1705555"/>
+                <a:gd name="connsiteY0" fmla="*/ 128377 h 824385"/>
+                <a:gd name="connsiteX1" fmla="*/ 5983 w 1705555"/>
+                <a:gd name="connsiteY1" fmla="*/ 3215 h 824385"/>
+                <a:gd name="connsiteX2" fmla="*/ 1700794 w 1705555"/>
+                <a:gd name="connsiteY2" fmla="*/ 2639 h 824385"/>
+                <a:gd name="connsiteX3" fmla="*/ 1538185 w 1705555"/>
+                <a:gd name="connsiteY3" fmla="*/ 149159 h 824385"/>
+                <a:gd name="connsiteX4" fmla="*/ 1538185 w 1705555"/>
+                <a:gd name="connsiteY4" fmla="*/ 757817 h 824385"/>
+                <a:gd name="connsiteX5" fmla="*/ 1471617 w 1705555"/>
+                <a:gd name="connsiteY5" fmla="*/ 824385 h 824385"/>
+                <a:gd name="connsiteX6" fmla="*/ 227078 w 1705555"/>
+                <a:gd name="connsiteY6" fmla="*/ 824385 h 824385"/>
+                <a:gd name="connsiteX7" fmla="*/ 160510 w 1705555"/>
+                <a:gd name="connsiteY7" fmla="*/ 757817 h 824385"/>
+                <a:gd name="connsiteX8" fmla="*/ 157046 w 1705555"/>
+                <a:gd name="connsiteY8" fmla="*/ 128377 h 824385"/>
+                <a:gd name="connsiteX0" fmla="*/ 158360 w 1784749"/>
+                <a:gd name="connsiteY0" fmla="*/ 140824 h 836832"/>
+                <a:gd name="connsiteX1" fmla="*/ 7297 w 1784749"/>
+                <a:gd name="connsiteY1" fmla="*/ 15662 h 836832"/>
+                <a:gd name="connsiteX2" fmla="*/ 1702108 w 1784749"/>
+                <a:gd name="connsiteY2" fmla="*/ 15086 h 836832"/>
+                <a:gd name="connsiteX3" fmla="*/ 1539499 w 1784749"/>
+                <a:gd name="connsiteY3" fmla="*/ 215581 h 836832"/>
+                <a:gd name="connsiteX4" fmla="*/ 1539499 w 1784749"/>
+                <a:gd name="connsiteY4" fmla="*/ 770264 h 836832"/>
+                <a:gd name="connsiteX5" fmla="*/ 1472931 w 1784749"/>
+                <a:gd name="connsiteY5" fmla="*/ 836832 h 836832"/>
+                <a:gd name="connsiteX6" fmla="*/ 228392 w 1784749"/>
+                <a:gd name="connsiteY6" fmla="*/ 836832 h 836832"/>
+                <a:gd name="connsiteX7" fmla="*/ 161824 w 1784749"/>
+                <a:gd name="connsiteY7" fmla="*/ 770264 h 836832"/>
+                <a:gd name="connsiteX8" fmla="*/ 158360 w 1784749"/>
+                <a:gd name="connsiteY8" fmla="*/ 140824 h 836832"/>
+                <a:gd name="connsiteX0" fmla="*/ 239426 w 1862640"/>
+                <a:gd name="connsiteY0" fmla="*/ 233513 h 846971"/>
+                <a:gd name="connsiteX1" fmla="*/ 85188 w 1862640"/>
+                <a:gd name="connsiteY1" fmla="*/ 25801 h 846971"/>
+                <a:gd name="connsiteX2" fmla="*/ 1779999 w 1862640"/>
+                <a:gd name="connsiteY2" fmla="*/ 25225 h 846971"/>
+                <a:gd name="connsiteX3" fmla="*/ 1617390 w 1862640"/>
+                <a:gd name="connsiteY3" fmla="*/ 225720 h 846971"/>
+                <a:gd name="connsiteX4" fmla="*/ 1617390 w 1862640"/>
+                <a:gd name="connsiteY4" fmla="*/ 780403 h 846971"/>
+                <a:gd name="connsiteX5" fmla="*/ 1550822 w 1862640"/>
+                <a:gd name="connsiteY5" fmla="*/ 846971 h 846971"/>
+                <a:gd name="connsiteX6" fmla="*/ 306283 w 1862640"/>
+                <a:gd name="connsiteY6" fmla="*/ 846971 h 846971"/>
+                <a:gd name="connsiteX7" fmla="*/ 239715 w 1862640"/>
+                <a:gd name="connsiteY7" fmla="*/ 780403 h 846971"/>
+                <a:gd name="connsiteX8" fmla="*/ 239426 w 1862640"/>
+                <a:gd name="connsiteY8" fmla="*/ 233513 h 846971"/>
+                <a:gd name="connsiteX0" fmla="*/ 238598 w 1861812"/>
+                <a:gd name="connsiteY0" fmla="*/ 233513 h 846971"/>
+                <a:gd name="connsiteX1" fmla="*/ 84360 w 1861812"/>
+                <a:gd name="connsiteY1" fmla="*/ 25801 h 846971"/>
+                <a:gd name="connsiteX2" fmla="*/ 1779171 w 1861812"/>
+                <a:gd name="connsiteY2" fmla="*/ 25225 h 846971"/>
+                <a:gd name="connsiteX3" fmla="*/ 1616562 w 1861812"/>
+                <a:gd name="connsiteY3" fmla="*/ 225720 h 846971"/>
+                <a:gd name="connsiteX4" fmla="*/ 1616562 w 1861812"/>
+                <a:gd name="connsiteY4" fmla="*/ 780403 h 846971"/>
+                <a:gd name="connsiteX5" fmla="*/ 1549994 w 1861812"/>
+                <a:gd name="connsiteY5" fmla="*/ 846971 h 846971"/>
+                <a:gd name="connsiteX6" fmla="*/ 305455 w 1861812"/>
+                <a:gd name="connsiteY6" fmla="*/ 846971 h 846971"/>
+                <a:gd name="connsiteX7" fmla="*/ 238887 w 1861812"/>
+                <a:gd name="connsiteY7" fmla="*/ 780403 h 846971"/>
+                <a:gd name="connsiteX8" fmla="*/ 238598 w 1861812"/>
+                <a:gd name="connsiteY8" fmla="*/ 233513 h 846971"/>
+                <a:gd name="connsiteX0" fmla="*/ 238598 w 1862214"/>
+                <a:gd name="connsiteY0" fmla="*/ 233513 h 846971"/>
+                <a:gd name="connsiteX1" fmla="*/ 84360 w 1862214"/>
+                <a:gd name="connsiteY1" fmla="*/ 25801 h 846971"/>
+                <a:gd name="connsiteX2" fmla="*/ 1779171 w 1862214"/>
+                <a:gd name="connsiteY2" fmla="*/ 25225 h 846971"/>
+                <a:gd name="connsiteX3" fmla="*/ 1616562 w 1862214"/>
+                <a:gd name="connsiteY3" fmla="*/ 225720 h 846971"/>
+                <a:gd name="connsiteX4" fmla="*/ 1616562 w 1862214"/>
+                <a:gd name="connsiteY4" fmla="*/ 780403 h 846971"/>
+                <a:gd name="connsiteX5" fmla="*/ 1549994 w 1862214"/>
+                <a:gd name="connsiteY5" fmla="*/ 846971 h 846971"/>
+                <a:gd name="connsiteX6" fmla="*/ 305455 w 1862214"/>
+                <a:gd name="connsiteY6" fmla="*/ 846971 h 846971"/>
+                <a:gd name="connsiteX7" fmla="*/ 238887 w 1862214"/>
+                <a:gd name="connsiteY7" fmla="*/ 780403 h 846971"/>
+                <a:gd name="connsiteX8" fmla="*/ 238598 w 1862214"/>
+                <a:gd name="connsiteY8" fmla="*/ 233513 h 846971"/>
+                <a:gd name="connsiteX0" fmla="*/ 238160 w 1856323"/>
+                <a:gd name="connsiteY0" fmla="*/ 248080 h 861538"/>
+                <a:gd name="connsiteX1" fmla="*/ 83922 w 1856323"/>
+                <a:gd name="connsiteY1" fmla="*/ 40368 h 861538"/>
+                <a:gd name="connsiteX2" fmla="*/ 1772383 w 1856323"/>
+                <a:gd name="connsiteY2" fmla="*/ 17567 h 861538"/>
+                <a:gd name="connsiteX3" fmla="*/ 1616124 w 1856323"/>
+                <a:gd name="connsiteY3" fmla="*/ 240287 h 861538"/>
+                <a:gd name="connsiteX4" fmla="*/ 1616124 w 1856323"/>
+                <a:gd name="connsiteY4" fmla="*/ 794970 h 861538"/>
+                <a:gd name="connsiteX5" fmla="*/ 1549556 w 1856323"/>
+                <a:gd name="connsiteY5" fmla="*/ 861538 h 861538"/>
+                <a:gd name="connsiteX6" fmla="*/ 305017 w 1856323"/>
+                <a:gd name="connsiteY6" fmla="*/ 861538 h 861538"/>
+                <a:gd name="connsiteX7" fmla="*/ 238449 w 1856323"/>
+                <a:gd name="connsiteY7" fmla="*/ 794970 h 861538"/>
+                <a:gd name="connsiteX8" fmla="*/ 238160 w 1856323"/>
+                <a:gd name="connsiteY8" fmla="*/ 248080 h 861538"/>
+                <a:gd name="connsiteX0" fmla="*/ 238160 w 1785863"/>
+                <a:gd name="connsiteY0" fmla="*/ 242493 h 855951"/>
+                <a:gd name="connsiteX1" fmla="*/ 83922 w 1785863"/>
+                <a:gd name="connsiteY1" fmla="*/ 34781 h 855951"/>
+                <a:gd name="connsiteX2" fmla="*/ 1772383 w 1785863"/>
+                <a:gd name="connsiteY2" fmla="*/ 11980 h 855951"/>
+                <a:gd name="connsiteX3" fmla="*/ 1616124 w 1785863"/>
+                <a:gd name="connsiteY3" fmla="*/ 234700 h 855951"/>
+                <a:gd name="connsiteX4" fmla="*/ 1616124 w 1785863"/>
+                <a:gd name="connsiteY4" fmla="*/ 789383 h 855951"/>
+                <a:gd name="connsiteX5" fmla="*/ 1549556 w 1785863"/>
+                <a:gd name="connsiteY5" fmla="*/ 855951 h 855951"/>
+                <a:gd name="connsiteX6" fmla="*/ 305017 w 1785863"/>
+                <a:gd name="connsiteY6" fmla="*/ 855951 h 855951"/>
+                <a:gd name="connsiteX7" fmla="*/ 238449 w 1785863"/>
+                <a:gd name="connsiteY7" fmla="*/ 789383 h 855951"/>
+                <a:gd name="connsiteX8" fmla="*/ 238160 w 1785863"/>
+                <a:gd name="connsiteY8" fmla="*/ 242493 h 855951"/>
+                <a:gd name="connsiteX0" fmla="*/ 239914 w 1812854"/>
+                <a:gd name="connsiteY0" fmla="*/ 232326 h 845784"/>
+                <a:gd name="connsiteX1" fmla="*/ 85676 w 1812854"/>
+                <a:gd name="connsiteY1" fmla="*/ 24614 h 845784"/>
+                <a:gd name="connsiteX2" fmla="*/ 1799537 w 1812854"/>
+                <a:gd name="connsiteY2" fmla="*/ 17688 h 845784"/>
+                <a:gd name="connsiteX3" fmla="*/ 1617878 w 1812854"/>
+                <a:gd name="connsiteY3" fmla="*/ 224533 h 845784"/>
+                <a:gd name="connsiteX4" fmla="*/ 1617878 w 1812854"/>
+                <a:gd name="connsiteY4" fmla="*/ 779216 h 845784"/>
+                <a:gd name="connsiteX5" fmla="*/ 1551310 w 1812854"/>
+                <a:gd name="connsiteY5" fmla="*/ 845784 h 845784"/>
+                <a:gd name="connsiteX6" fmla="*/ 306771 w 1812854"/>
+                <a:gd name="connsiteY6" fmla="*/ 845784 h 845784"/>
+                <a:gd name="connsiteX7" fmla="*/ 240203 w 1812854"/>
+                <a:gd name="connsiteY7" fmla="*/ 779216 h 845784"/>
+                <a:gd name="connsiteX8" fmla="*/ 239914 w 1812854"/>
+                <a:gd name="connsiteY8" fmla="*/ 232326 h 845784"/>
+                <a:gd name="connsiteX0" fmla="*/ 241013 w 1829728"/>
+                <a:gd name="connsiteY0" fmla="*/ 230621 h 844079"/>
+                <a:gd name="connsiteX1" fmla="*/ 86775 w 1829728"/>
+                <a:gd name="connsiteY1" fmla="*/ 22909 h 844079"/>
+                <a:gd name="connsiteX2" fmla="*/ 1816511 w 1829728"/>
+                <a:gd name="connsiteY2" fmla="*/ 19158 h 844079"/>
+                <a:gd name="connsiteX3" fmla="*/ 1618977 w 1829728"/>
+                <a:gd name="connsiteY3" fmla="*/ 222828 h 844079"/>
+                <a:gd name="connsiteX4" fmla="*/ 1618977 w 1829728"/>
+                <a:gd name="connsiteY4" fmla="*/ 777511 h 844079"/>
+                <a:gd name="connsiteX5" fmla="*/ 1552409 w 1829728"/>
+                <a:gd name="connsiteY5" fmla="*/ 844079 h 844079"/>
+                <a:gd name="connsiteX6" fmla="*/ 307870 w 1829728"/>
+                <a:gd name="connsiteY6" fmla="*/ 844079 h 844079"/>
+                <a:gd name="connsiteX7" fmla="*/ 241302 w 1829728"/>
+                <a:gd name="connsiteY7" fmla="*/ 777511 h 844079"/>
+                <a:gd name="connsiteX8" fmla="*/ 241013 w 1829728"/>
+                <a:gd name="connsiteY8" fmla="*/ 230621 h 844079"/>
+                <a:gd name="connsiteX0" fmla="*/ 241013 w 1829728"/>
+                <a:gd name="connsiteY0" fmla="*/ 224021 h 837479"/>
+                <a:gd name="connsiteX1" fmla="*/ 86775 w 1829728"/>
+                <a:gd name="connsiteY1" fmla="*/ 16309 h 837479"/>
+                <a:gd name="connsiteX2" fmla="*/ 1816511 w 1829728"/>
+                <a:gd name="connsiteY2" fmla="*/ 12558 h 837479"/>
+                <a:gd name="connsiteX3" fmla="*/ 1618977 w 1829728"/>
+                <a:gd name="connsiteY3" fmla="*/ 216228 h 837479"/>
+                <a:gd name="connsiteX4" fmla="*/ 1618977 w 1829728"/>
+                <a:gd name="connsiteY4" fmla="*/ 770911 h 837479"/>
+                <a:gd name="connsiteX5" fmla="*/ 1552409 w 1829728"/>
+                <a:gd name="connsiteY5" fmla="*/ 837479 h 837479"/>
+                <a:gd name="connsiteX6" fmla="*/ 307870 w 1829728"/>
+                <a:gd name="connsiteY6" fmla="*/ 837479 h 837479"/>
+                <a:gd name="connsiteX7" fmla="*/ 241302 w 1829728"/>
+                <a:gd name="connsiteY7" fmla="*/ 770911 h 837479"/>
+                <a:gd name="connsiteX8" fmla="*/ 241013 w 1829728"/>
+                <a:gd name="connsiteY8" fmla="*/ 224021 h 837479"/>
+                <a:gd name="connsiteX0" fmla="*/ 241013 w 1829728"/>
+                <a:gd name="connsiteY0" fmla="*/ 224021 h 837479"/>
+                <a:gd name="connsiteX1" fmla="*/ 86775 w 1829728"/>
+                <a:gd name="connsiteY1" fmla="*/ 16309 h 837479"/>
+                <a:gd name="connsiteX2" fmla="*/ 1816511 w 1829728"/>
+                <a:gd name="connsiteY2" fmla="*/ 12558 h 837479"/>
+                <a:gd name="connsiteX3" fmla="*/ 1618977 w 1829728"/>
+                <a:gd name="connsiteY3" fmla="*/ 216228 h 837479"/>
+                <a:gd name="connsiteX4" fmla="*/ 1618977 w 1829728"/>
+                <a:gd name="connsiteY4" fmla="*/ 770911 h 837479"/>
+                <a:gd name="connsiteX5" fmla="*/ 1552409 w 1829728"/>
+                <a:gd name="connsiteY5" fmla="*/ 837479 h 837479"/>
+                <a:gd name="connsiteX6" fmla="*/ 307870 w 1829728"/>
+                <a:gd name="connsiteY6" fmla="*/ 837479 h 837479"/>
+                <a:gd name="connsiteX7" fmla="*/ 241302 w 1829728"/>
+                <a:gd name="connsiteY7" fmla="*/ 770911 h 837479"/>
+                <a:gd name="connsiteX8" fmla="*/ 241013 w 1829728"/>
+                <a:gd name="connsiteY8" fmla="*/ 224021 h 837479"/>
+                <a:gd name="connsiteX0" fmla="*/ 216773 w 1868784"/>
+                <a:gd name="connsiteY0" fmla="*/ 251658 h 865116"/>
+                <a:gd name="connsiteX1" fmla="*/ 91110 w 1868784"/>
+                <a:gd name="connsiteY1" fmla="*/ 18546 h 865116"/>
+                <a:gd name="connsiteX2" fmla="*/ 1792271 w 1868784"/>
+                <a:gd name="connsiteY2" fmla="*/ 40195 h 865116"/>
+                <a:gd name="connsiteX3" fmla="*/ 1594737 w 1868784"/>
+                <a:gd name="connsiteY3" fmla="*/ 243865 h 865116"/>
+                <a:gd name="connsiteX4" fmla="*/ 1594737 w 1868784"/>
+                <a:gd name="connsiteY4" fmla="*/ 798548 h 865116"/>
+                <a:gd name="connsiteX5" fmla="*/ 1528169 w 1868784"/>
+                <a:gd name="connsiteY5" fmla="*/ 865116 h 865116"/>
+                <a:gd name="connsiteX6" fmla="*/ 283630 w 1868784"/>
+                <a:gd name="connsiteY6" fmla="*/ 865116 h 865116"/>
+                <a:gd name="connsiteX7" fmla="*/ 217062 w 1868784"/>
+                <a:gd name="connsiteY7" fmla="*/ 798548 h 865116"/>
+                <a:gd name="connsiteX8" fmla="*/ 216773 w 1868784"/>
+                <a:gd name="connsiteY8" fmla="*/ 251658 h 865116"/>
+                <a:gd name="connsiteX0" fmla="*/ 216773 w 1868784"/>
+                <a:gd name="connsiteY0" fmla="*/ 274671 h 888129"/>
+                <a:gd name="connsiteX1" fmla="*/ 91110 w 1868784"/>
+                <a:gd name="connsiteY1" fmla="*/ 12984 h 888129"/>
+                <a:gd name="connsiteX2" fmla="*/ 1792271 w 1868784"/>
+                <a:gd name="connsiteY2" fmla="*/ 63208 h 888129"/>
+                <a:gd name="connsiteX3" fmla="*/ 1594737 w 1868784"/>
+                <a:gd name="connsiteY3" fmla="*/ 266878 h 888129"/>
+                <a:gd name="connsiteX4" fmla="*/ 1594737 w 1868784"/>
+                <a:gd name="connsiteY4" fmla="*/ 821561 h 888129"/>
+                <a:gd name="connsiteX5" fmla="*/ 1528169 w 1868784"/>
+                <a:gd name="connsiteY5" fmla="*/ 888129 h 888129"/>
+                <a:gd name="connsiteX6" fmla="*/ 283630 w 1868784"/>
+                <a:gd name="connsiteY6" fmla="*/ 888129 h 888129"/>
+                <a:gd name="connsiteX7" fmla="*/ 217062 w 1868784"/>
+                <a:gd name="connsiteY7" fmla="*/ 821561 h 888129"/>
+                <a:gd name="connsiteX8" fmla="*/ 216773 w 1868784"/>
+                <a:gd name="connsiteY8" fmla="*/ 274671 h 888129"/>
+                <a:gd name="connsiteX0" fmla="*/ 216325 w 1862778"/>
+                <a:gd name="connsiteY0" fmla="*/ 289222 h 902680"/>
+                <a:gd name="connsiteX1" fmla="*/ 90662 w 1862778"/>
+                <a:gd name="connsiteY1" fmla="*/ 27535 h 902680"/>
+                <a:gd name="connsiteX2" fmla="*/ 1785473 w 1862778"/>
+                <a:gd name="connsiteY2" fmla="*/ 36484 h 902680"/>
+                <a:gd name="connsiteX3" fmla="*/ 1594289 w 1862778"/>
+                <a:gd name="connsiteY3" fmla="*/ 281429 h 902680"/>
+                <a:gd name="connsiteX4" fmla="*/ 1594289 w 1862778"/>
+                <a:gd name="connsiteY4" fmla="*/ 836112 h 902680"/>
+                <a:gd name="connsiteX5" fmla="*/ 1527721 w 1862778"/>
+                <a:gd name="connsiteY5" fmla="*/ 902680 h 902680"/>
+                <a:gd name="connsiteX6" fmla="*/ 283182 w 1862778"/>
+                <a:gd name="connsiteY6" fmla="*/ 902680 h 902680"/>
+                <a:gd name="connsiteX7" fmla="*/ 216614 w 1862778"/>
+                <a:gd name="connsiteY7" fmla="*/ 836112 h 902680"/>
+                <a:gd name="connsiteX8" fmla="*/ 216325 w 1862778"/>
+                <a:gd name="connsiteY8" fmla="*/ 289222 h 902680"/>
+                <a:gd name="connsiteX0" fmla="*/ 216325 w 1862778"/>
+                <a:gd name="connsiteY0" fmla="*/ 289222 h 902680"/>
+                <a:gd name="connsiteX1" fmla="*/ 90662 w 1862778"/>
+                <a:gd name="connsiteY1" fmla="*/ 27535 h 902680"/>
+                <a:gd name="connsiteX2" fmla="*/ 1785473 w 1862778"/>
+                <a:gd name="connsiteY2" fmla="*/ 36484 h 902680"/>
+                <a:gd name="connsiteX3" fmla="*/ 1594289 w 1862778"/>
+                <a:gd name="connsiteY3" fmla="*/ 281429 h 902680"/>
+                <a:gd name="connsiteX4" fmla="*/ 1594289 w 1862778"/>
+                <a:gd name="connsiteY4" fmla="*/ 836112 h 902680"/>
+                <a:gd name="connsiteX5" fmla="*/ 1527721 w 1862778"/>
+                <a:gd name="connsiteY5" fmla="*/ 902680 h 902680"/>
+                <a:gd name="connsiteX6" fmla="*/ 283182 w 1862778"/>
+                <a:gd name="connsiteY6" fmla="*/ 902680 h 902680"/>
+                <a:gd name="connsiteX7" fmla="*/ 216614 w 1862778"/>
+                <a:gd name="connsiteY7" fmla="*/ 836112 h 902680"/>
+                <a:gd name="connsiteX8" fmla="*/ 216325 w 1862778"/>
+                <a:gd name="connsiteY8" fmla="*/ 289222 h 902680"/>
+                <a:gd name="connsiteX0" fmla="*/ 215874 w 1862327"/>
+                <a:gd name="connsiteY0" fmla="*/ 289222 h 902680"/>
+                <a:gd name="connsiteX1" fmla="*/ 90211 w 1862327"/>
+                <a:gd name="connsiteY1" fmla="*/ 27535 h 902680"/>
+                <a:gd name="connsiteX2" fmla="*/ 1785022 w 1862327"/>
+                <a:gd name="connsiteY2" fmla="*/ 36484 h 902680"/>
+                <a:gd name="connsiteX3" fmla="*/ 1593838 w 1862327"/>
+                <a:gd name="connsiteY3" fmla="*/ 281429 h 902680"/>
+                <a:gd name="connsiteX4" fmla="*/ 1593838 w 1862327"/>
+                <a:gd name="connsiteY4" fmla="*/ 836112 h 902680"/>
+                <a:gd name="connsiteX5" fmla="*/ 1527270 w 1862327"/>
+                <a:gd name="connsiteY5" fmla="*/ 902680 h 902680"/>
+                <a:gd name="connsiteX6" fmla="*/ 282731 w 1862327"/>
+                <a:gd name="connsiteY6" fmla="*/ 902680 h 902680"/>
+                <a:gd name="connsiteX7" fmla="*/ 216163 w 1862327"/>
+                <a:gd name="connsiteY7" fmla="*/ 836112 h 902680"/>
+                <a:gd name="connsiteX8" fmla="*/ 215874 w 1862327"/>
+                <a:gd name="connsiteY8" fmla="*/ 289222 h 902680"/>
+                <a:gd name="connsiteX0" fmla="*/ 218551 w 1865217"/>
+                <a:gd name="connsiteY0" fmla="*/ 271689 h 885147"/>
+                <a:gd name="connsiteX1" fmla="*/ 89713 w 1865217"/>
+                <a:gd name="connsiteY1" fmla="*/ 44927 h 885147"/>
+                <a:gd name="connsiteX2" fmla="*/ 1787699 w 1865217"/>
+                <a:gd name="connsiteY2" fmla="*/ 18951 h 885147"/>
+                <a:gd name="connsiteX3" fmla="*/ 1596515 w 1865217"/>
+                <a:gd name="connsiteY3" fmla="*/ 263896 h 885147"/>
+                <a:gd name="connsiteX4" fmla="*/ 1596515 w 1865217"/>
+                <a:gd name="connsiteY4" fmla="*/ 818579 h 885147"/>
+                <a:gd name="connsiteX5" fmla="*/ 1529947 w 1865217"/>
+                <a:gd name="connsiteY5" fmla="*/ 885147 h 885147"/>
+                <a:gd name="connsiteX6" fmla="*/ 285408 w 1865217"/>
+                <a:gd name="connsiteY6" fmla="*/ 885147 h 885147"/>
+                <a:gd name="connsiteX7" fmla="*/ 218840 w 1865217"/>
+                <a:gd name="connsiteY7" fmla="*/ 818579 h 885147"/>
+                <a:gd name="connsiteX8" fmla="*/ 218551 w 1865217"/>
+                <a:gd name="connsiteY8" fmla="*/ 271689 h 885147"/>
+                <a:gd name="connsiteX0" fmla="*/ 217882 w 1856244"/>
+                <a:gd name="connsiteY0" fmla="*/ 253205 h 866663"/>
+                <a:gd name="connsiteX1" fmla="*/ 89044 w 1856244"/>
+                <a:gd name="connsiteY1" fmla="*/ 26443 h 866663"/>
+                <a:gd name="connsiteX2" fmla="*/ 1777505 w 1856244"/>
+                <a:gd name="connsiteY2" fmla="*/ 29042 h 866663"/>
+                <a:gd name="connsiteX3" fmla="*/ 1595846 w 1856244"/>
+                <a:gd name="connsiteY3" fmla="*/ 245412 h 866663"/>
+                <a:gd name="connsiteX4" fmla="*/ 1595846 w 1856244"/>
+                <a:gd name="connsiteY4" fmla="*/ 800095 h 866663"/>
+                <a:gd name="connsiteX5" fmla="*/ 1529278 w 1856244"/>
+                <a:gd name="connsiteY5" fmla="*/ 866663 h 866663"/>
+                <a:gd name="connsiteX6" fmla="*/ 284739 w 1856244"/>
+                <a:gd name="connsiteY6" fmla="*/ 866663 h 866663"/>
+                <a:gd name="connsiteX7" fmla="*/ 218171 w 1856244"/>
+                <a:gd name="connsiteY7" fmla="*/ 800095 h 866663"/>
+                <a:gd name="connsiteX8" fmla="*/ 217882 w 1856244"/>
+                <a:gd name="connsiteY8" fmla="*/ 253205 h 866663"/>
+                <a:gd name="connsiteX0" fmla="*/ 147782 w 1780363"/>
+                <a:gd name="connsiteY0" fmla="*/ 253205 h 866663"/>
+                <a:gd name="connsiteX1" fmla="*/ 104669 w 1780363"/>
+                <a:gd name="connsiteY1" fmla="*/ 26443 h 866663"/>
+                <a:gd name="connsiteX2" fmla="*/ 1707405 w 1780363"/>
+                <a:gd name="connsiteY2" fmla="*/ 29042 h 866663"/>
+                <a:gd name="connsiteX3" fmla="*/ 1525746 w 1780363"/>
+                <a:gd name="connsiteY3" fmla="*/ 245412 h 866663"/>
+                <a:gd name="connsiteX4" fmla="*/ 1525746 w 1780363"/>
+                <a:gd name="connsiteY4" fmla="*/ 800095 h 866663"/>
+                <a:gd name="connsiteX5" fmla="*/ 1459178 w 1780363"/>
+                <a:gd name="connsiteY5" fmla="*/ 866663 h 866663"/>
+                <a:gd name="connsiteX6" fmla="*/ 214639 w 1780363"/>
+                <a:gd name="connsiteY6" fmla="*/ 866663 h 866663"/>
+                <a:gd name="connsiteX7" fmla="*/ 148071 w 1780363"/>
+                <a:gd name="connsiteY7" fmla="*/ 800095 h 866663"/>
+                <a:gd name="connsiteX8" fmla="*/ 147782 w 1780363"/>
+                <a:gd name="connsiteY8" fmla="*/ 253205 h 866663"/>
+                <a:gd name="connsiteX0" fmla="*/ 142912 w 1718560"/>
+                <a:gd name="connsiteY0" fmla="*/ 250562 h 864020"/>
+                <a:gd name="connsiteX1" fmla="*/ 99799 w 1718560"/>
+                <a:gd name="connsiteY1" fmla="*/ 23800 h 864020"/>
+                <a:gd name="connsiteX2" fmla="*/ 1636205 w 1718560"/>
+                <a:gd name="connsiteY2" fmla="*/ 31562 h 864020"/>
+                <a:gd name="connsiteX3" fmla="*/ 1520876 w 1718560"/>
+                <a:gd name="connsiteY3" fmla="*/ 242769 h 864020"/>
+                <a:gd name="connsiteX4" fmla="*/ 1520876 w 1718560"/>
+                <a:gd name="connsiteY4" fmla="*/ 797452 h 864020"/>
+                <a:gd name="connsiteX5" fmla="*/ 1454308 w 1718560"/>
+                <a:gd name="connsiteY5" fmla="*/ 864020 h 864020"/>
+                <a:gd name="connsiteX6" fmla="*/ 209769 w 1718560"/>
+                <a:gd name="connsiteY6" fmla="*/ 864020 h 864020"/>
+                <a:gd name="connsiteX7" fmla="*/ 143201 w 1718560"/>
+                <a:gd name="connsiteY7" fmla="*/ 797452 h 864020"/>
+                <a:gd name="connsiteX8" fmla="*/ 142912 w 1718560"/>
+                <a:gd name="connsiteY8" fmla="*/ 250562 h 864020"/>
+                <a:gd name="connsiteX0" fmla="*/ 140131 w 1684403"/>
+                <a:gd name="connsiteY0" fmla="*/ 248148 h 861606"/>
+                <a:gd name="connsiteX1" fmla="*/ 97018 w 1684403"/>
+                <a:gd name="connsiteY1" fmla="*/ 21386 h 861606"/>
+                <a:gd name="connsiteX2" fmla="*/ 1595521 w 1684403"/>
+                <a:gd name="connsiteY2" fmla="*/ 34311 h 861606"/>
+                <a:gd name="connsiteX3" fmla="*/ 1518095 w 1684403"/>
+                <a:gd name="connsiteY3" fmla="*/ 240355 h 861606"/>
+                <a:gd name="connsiteX4" fmla="*/ 1518095 w 1684403"/>
+                <a:gd name="connsiteY4" fmla="*/ 795038 h 861606"/>
+                <a:gd name="connsiteX5" fmla="*/ 1451527 w 1684403"/>
+                <a:gd name="connsiteY5" fmla="*/ 861606 h 861606"/>
+                <a:gd name="connsiteX6" fmla="*/ 206988 w 1684403"/>
+                <a:gd name="connsiteY6" fmla="*/ 861606 h 861606"/>
+                <a:gd name="connsiteX7" fmla="*/ 140420 w 1684403"/>
+                <a:gd name="connsiteY7" fmla="*/ 795038 h 861606"/>
+                <a:gd name="connsiteX8" fmla="*/ 140131 w 1684403"/>
+                <a:gd name="connsiteY8" fmla="*/ 248148 h 861606"/>
+                <a:gd name="connsiteX0" fmla="*/ 140131 w 1684403"/>
+                <a:gd name="connsiteY0" fmla="*/ 262476 h 875934"/>
+                <a:gd name="connsiteX1" fmla="*/ 97018 w 1684403"/>
+                <a:gd name="connsiteY1" fmla="*/ 35714 h 875934"/>
+                <a:gd name="connsiteX2" fmla="*/ 1595521 w 1684403"/>
+                <a:gd name="connsiteY2" fmla="*/ 22825 h 875934"/>
+                <a:gd name="connsiteX3" fmla="*/ 1518095 w 1684403"/>
+                <a:gd name="connsiteY3" fmla="*/ 254683 h 875934"/>
+                <a:gd name="connsiteX4" fmla="*/ 1518095 w 1684403"/>
+                <a:gd name="connsiteY4" fmla="*/ 809366 h 875934"/>
+                <a:gd name="connsiteX5" fmla="*/ 1451527 w 1684403"/>
+                <a:gd name="connsiteY5" fmla="*/ 875934 h 875934"/>
+                <a:gd name="connsiteX6" fmla="*/ 206988 w 1684403"/>
+                <a:gd name="connsiteY6" fmla="*/ 875934 h 875934"/>
+                <a:gd name="connsiteX7" fmla="*/ 140420 w 1684403"/>
+                <a:gd name="connsiteY7" fmla="*/ 809366 h 875934"/>
+                <a:gd name="connsiteX8" fmla="*/ 140131 w 1684403"/>
+                <a:gd name="connsiteY8" fmla="*/ 262476 h 875934"/>
+              </a:gdLst>
+              <a:ahLst/>
+              <a:cxnLst>
+                <a:cxn ang="0">
+                  <a:pos x="connsiteX0" y="connsiteY0"/>
+                </a:cxn>
+                <a:cxn ang="0">
+                  <a:pos x="connsiteX1" y="connsiteY1"/>
+                </a:cxn>
+                <a:cxn ang="0">
+                  <a:pos x="connsiteX2" y="connsiteY2"/>
+                </a:cxn>
+                <a:cxn ang="0">
+                  <a:pos x="connsiteX3" y="connsiteY3"/>
+                </a:cxn>
+                <a:cxn ang="0">
+                  <a:pos x="connsiteX4" y="connsiteY4"/>
+                </a:cxn>
+                <a:cxn ang="0">
+                  <a:pos x="connsiteX5" y="connsiteY5"/>
+                </a:cxn>
+                <a:cxn ang="0">
+                  <a:pos x="connsiteX6" y="connsiteY6"/>
+                </a:cxn>
+                <a:cxn ang="0">
+                  <a:pos x="connsiteX7" y="connsiteY7"/>
+                </a:cxn>
+                <a:cxn ang="0">
+                  <a:pos x="connsiteX8" y="connsiteY8"/>
+                </a:cxn>
+              </a:cxnLst>
+              <a:rect l="l" t="t" r="r" b="b"/>
+              <a:pathLst>
+                <a:path w="1684403" h="875934">
+                  <a:moveTo>
+                    <a:pt x="140131" y="262476"/>
+                  </a:moveTo>
+                  <a:cubicBezTo>
+                    <a:pt x="143594" y="-22515"/>
+                    <a:pt x="-145547" y="75656"/>
+                    <a:pt x="97018" y="35714"/>
+                  </a:cubicBezTo>
+                  <a:cubicBezTo>
+                    <a:pt x="339583" y="-4228"/>
+                    <a:pt x="1358675" y="-13670"/>
+                    <a:pt x="1595521" y="22825"/>
+                  </a:cubicBezTo>
+                  <a:cubicBezTo>
+                    <a:pt x="1832367" y="59320"/>
+                    <a:pt x="1521270" y="-25690"/>
+                    <a:pt x="1518095" y="254683"/>
+                  </a:cubicBezTo>
+                  <a:lnTo>
+                    <a:pt x="1518095" y="809366"/>
+                  </a:lnTo>
+                  <a:cubicBezTo>
+                    <a:pt x="1518095" y="846130"/>
+                    <a:pt x="1488291" y="875934"/>
+                    <a:pt x="1451527" y="875934"/>
+                  </a:cubicBezTo>
+                  <a:lnTo>
+                    <a:pt x="206988" y="875934"/>
+                  </a:lnTo>
+                  <a:cubicBezTo>
+                    <a:pt x="170224" y="875934"/>
+                    <a:pt x="140420" y="846130"/>
+                    <a:pt x="140420" y="809366"/>
+                  </a:cubicBezTo>
+                  <a:cubicBezTo>
+                    <a:pt x="139265" y="599553"/>
+                    <a:pt x="141286" y="472289"/>
+                    <a:pt x="140131" y="262476"/>
+                  </a:cubicBezTo>
+                  <a:close/>
+                </a:path>
+              </a:pathLst>
+            </a:custGeom>
+            <a:gradFill>
+              <a:gsLst>
+                <a:gs pos="0">
+                  <a:schemeClr val="accent1"/>
+                </a:gs>
+                <a:gs pos="96000">
+                  <a:schemeClr val="tx2"/>
+                </a:gs>
+              </a:gsLst>
+              <a:lin ang="5400000" scaled="0"/>
+            </a:gradFill>
             <a:ln w="12700">
               <a:noFill/>
             </a:ln>
@@ -8613,761 +10182,29 @@
             </a:fontRef>
           </p:style>
           <p:txBody>
-            <a:bodyPr wrap="square" lIns="90000" tIns="36000" bIns="36000" rtlCol="0" anchor="ctr">
-              <a:noAutofit/>
-            </a:bodyPr>
+            <a:bodyPr rtlCol="0" anchor="ctr"/>
             <a:lstStyle/>
             <a:p>
               <a:pPr algn="ctr"/>
-              <a:r>
-                <a:rPr lang="en-US" sz="1600" b="1" dirty="0">
+              <a:endParaRPr lang="en-US" sz="1600" dirty="0">
+                <a:ln w="0">
                   <a:solidFill>
-                    <a:schemeClr val="bg1"/>
+                    <a:sysClr val="windowText" lastClr="000000"/>
                   </a:solidFill>
-                  <a:effectLst>
-                    <a:outerShdw blurRad="76200" dist="38100" dir="5400000" algn="t" rotWithShape="0">
-                      <a:prstClr val="black">
-                        <a:alpha val="70000"/>
-                      </a:prstClr>
-                    </a:outerShdw>
-                  </a:effectLst>
-                  <a:latin typeface="Source Sans Pro" charset="0"/>
-                  <a:ea typeface="Source Sans Pro" charset="0"/>
-                  <a:cs typeface="Source Sans Pro" charset="0"/>
-                </a:rPr>
-                <a:t>RTOS/OS</a:t>
-              </a:r>
-            </a:p>
-          </p:txBody>
-        </p:sp>
-        <p:sp>
-          <p:nvSpPr>
-            <p:cNvPr id="16" name="Rounded Rectangle 15">
-              <a:extLst>
-                <a:ext uri="{FF2B5EF4-FFF2-40B4-BE49-F238E27FC236}">
-                  <a16:creationId xmlns:a16="http://schemas.microsoft.com/office/drawing/2014/main" id="{94B69AB0-5C90-B24D-87C4-83F250AA65BB}"/>
-                </a:ext>
-              </a:extLst>
-            </p:cNvPr>
-            <p:cNvSpPr/>
-            <p:nvPr/>
-          </p:nvSpPr>
-          <p:spPr>
-            <a:xfrm>
-              <a:off x="3817863" y="4148827"/>
-              <a:ext cx="4236477" cy="306000"/>
-            </a:xfrm>
-            <a:prstGeom prst="roundRect">
-              <a:avLst>
-                <a:gd name="adj" fmla="val 18223"/>
-              </a:avLst>
-            </a:prstGeom>
-            <a:solidFill>
-              <a:schemeClr val="tx2"/>
-            </a:solidFill>
-            <a:ln w="12700">
-              <a:noFill/>
-            </a:ln>
-            <a:effectLst/>
-          </p:spPr>
-          <p:style>
-            <a:lnRef idx="2">
-              <a:schemeClr val="dk1"/>
-            </a:lnRef>
-            <a:fillRef idx="1">
-              <a:schemeClr val="lt1"/>
-            </a:fillRef>
-            <a:effectRef idx="0">
-              <a:schemeClr val="dk1"/>
-            </a:effectRef>
-            <a:fontRef idx="minor">
-              <a:schemeClr val="dk1"/>
-            </a:fontRef>
-          </p:style>
-          <p:txBody>
-            <a:bodyPr wrap="square" tIns="36000" bIns="36000" rtlCol="0" anchor="ctr">
-              <a:noAutofit/>
-            </a:bodyPr>
-            <a:lstStyle/>
-            <a:p>
-              <a:pPr algn="ctr"/>
-              <a:r>
-                <a:rPr lang="en-US" sz="1600" b="1" dirty="0">
-                  <a:solidFill>
-                    <a:schemeClr val="bg1"/>
-                  </a:solidFill>
-                  <a:effectLst>
-                    <a:outerShdw blurRad="76200" dist="38100" dir="5400000" algn="t" rotWithShape="0">
-                      <a:prstClr val="black">
-                        <a:alpha val="70000"/>
-                      </a:prstClr>
-                    </a:outerShdw>
-                  </a:effectLst>
-                  <a:latin typeface="Source Sans Pro" charset="0"/>
-                  <a:ea typeface="Source Sans Pro" charset="0"/>
-                </a:rPr>
-                <a:t>BSP</a:t>
-              </a:r>
-            </a:p>
-          </p:txBody>
-        </p:sp>
-        <p:sp>
-          <p:nvSpPr>
-            <p:cNvPr id="28" name="Rounded Rectangle 27">
-              <a:extLst>
-                <a:ext uri="{FF2B5EF4-FFF2-40B4-BE49-F238E27FC236}">
-                  <a16:creationId xmlns:a16="http://schemas.microsoft.com/office/drawing/2014/main" id="{03CACB4B-51E8-0749-9340-40E24818686B}"/>
-                </a:ext>
-              </a:extLst>
-            </p:cNvPr>
-            <p:cNvSpPr/>
-            <p:nvPr/>
-          </p:nvSpPr>
-          <p:spPr>
-            <a:xfrm>
-              <a:off x="5442434" y="3453685"/>
-              <a:ext cx="2611907" cy="288974"/>
-            </a:xfrm>
-            <a:prstGeom prst="roundRect">
-              <a:avLst>
-                <a:gd name="adj" fmla="val 13128"/>
-              </a:avLst>
-            </a:prstGeom>
-            <a:solidFill>
-              <a:schemeClr val="accent1"/>
-            </a:solidFill>
-            <a:ln w="12700">
-              <a:noFill/>
-            </a:ln>
-            <a:effectLst/>
-          </p:spPr>
-          <p:style>
-            <a:lnRef idx="2">
-              <a:schemeClr val="dk1"/>
-            </a:lnRef>
-            <a:fillRef idx="1">
-              <a:schemeClr val="lt1"/>
-            </a:fillRef>
-            <a:effectRef idx="0">
-              <a:schemeClr val="dk1"/>
-            </a:effectRef>
-            <a:fontRef idx="minor">
-              <a:schemeClr val="dk1"/>
-            </a:fontRef>
-          </p:style>
-          <p:txBody>
-            <a:bodyPr wrap="square" lIns="0" tIns="72000" rIns="0" bIns="36000" rtlCol="0" anchor="ctr">
-              <a:noAutofit/>
-            </a:bodyPr>
-            <a:lstStyle/>
-            <a:p>
-              <a:pPr algn="ctr">
-                <a:lnSpc>
-                  <a:spcPts val="1000"/>
-                </a:lnSpc>
-              </a:pPr>
-              <a:r>
-                <a:rPr lang="en-US" sz="1200" dirty="0">
-                  <a:solidFill>
-                    <a:schemeClr val="bg1"/>
-                  </a:solidFill>
-                  <a:latin typeface="Source Sans Pro Light" charset="0"/>
-                  <a:ea typeface="Source Sans Pro Light" charset="0"/>
-                  <a:cs typeface="Source Sans Pro Light" charset="0"/>
-                </a:rPr>
-                <a:t>Scheduler</a:t>
-              </a:r>
-            </a:p>
-          </p:txBody>
-        </p:sp>
-        <p:cxnSp>
-          <p:nvCxnSpPr>
-            <p:cNvPr id="29" name="Straight Connector 28">
-              <a:extLst>
-                <a:ext uri="{FF2B5EF4-FFF2-40B4-BE49-F238E27FC236}">
-                  <a16:creationId xmlns:a16="http://schemas.microsoft.com/office/drawing/2014/main" id="{18FE8AAC-D28F-8C4B-92F4-8FFF81A0F0AF}"/>
-                </a:ext>
-              </a:extLst>
-            </p:cNvPr>
-            <p:cNvCxnSpPr>
-              <a:cxnSpLocks/>
-            </p:cNvCxnSpPr>
-            <p:nvPr/>
-          </p:nvCxnSpPr>
-          <p:spPr>
-            <a:xfrm>
-              <a:off x="3859173" y="4043242"/>
-              <a:ext cx="2128701" cy="0"/>
-            </a:xfrm>
-            <a:prstGeom prst="line">
-              <a:avLst/>
-            </a:prstGeom>
-            <a:ln w="38100" cap="rnd">
-              <a:solidFill>
-                <a:schemeClr val="accent1"/>
-              </a:solidFill>
-              <a:miter lim="800000"/>
-            </a:ln>
-          </p:spPr>
-          <p:style>
-            <a:lnRef idx="1">
-              <a:schemeClr val="accent1"/>
-            </a:lnRef>
-            <a:fillRef idx="0">
-              <a:schemeClr val="accent1"/>
-            </a:fillRef>
-            <a:effectRef idx="0">
-              <a:schemeClr val="accent1"/>
-            </a:effectRef>
-            <a:fontRef idx="minor">
-              <a:schemeClr val="tx1"/>
-            </a:fontRef>
-          </p:style>
-        </p:cxnSp>
-        <p:sp>
-          <p:nvSpPr>
-            <p:cNvPr id="30" name="Rectangle 29">
-              <a:extLst>
-                <a:ext uri="{FF2B5EF4-FFF2-40B4-BE49-F238E27FC236}">
-                  <a16:creationId xmlns:a16="http://schemas.microsoft.com/office/drawing/2014/main" id="{12176BD1-BD30-A44F-9CAF-928FE6EBB79F}"/>
-                </a:ext>
-              </a:extLst>
-            </p:cNvPr>
-            <p:cNvSpPr/>
-            <p:nvPr/>
-          </p:nvSpPr>
-          <p:spPr>
-            <a:xfrm>
-              <a:off x="6780686" y="6025354"/>
-              <a:ext cx="1263935" cy="213954"/>
-            </a:xfrm>
-            <a:prstGeom prst="rect">
-              <a:avLst/>
-            </a:prstGeom>
-            <a:noFill/>
-            <a:effectLst/>
-          </p:spPr>
-          <p:txBody>
-            <a:bodyPr wrap="square" lIns="0" rIns="0">
-              <a:noAutofit/>
-            </a:bodyPr>
-            <a:lstStyle/>
-            <a:p>
-              <a:pPr algn="r">
-                <a:lnSpc>
-                  <a:spcPts val="1300"/>
-                </a:lnSpc>
-              </a:pPr>
-              <a:r>
-                <a:rPr lang="en-US" sz="1100" b="1" dirty="0">
-                  <a:ln w="0"/>
-                  <a:solidFill>
-                    <a:schemeClr val="tx1">
-                      <a:lumMod val="75000"/>
-                    </a:schemeClr>
-                  </a:solidFill>
-                  <a:latin typeface="Source Sans Pro" charset="0"/>
-                  <a:ea typeface="Source Sans Pro" charset="0"/>
-                  <a:cs typeface="Source Sans Pro" charset="0"/>
-                </a:rPr>
-                <a:t>HARDWARE </a:t>
-              </a:r>
-            </a:p>
-          </p:txBody>
-        </p:sp>
-        <p:sp>
-          <p:nvSpPr>
-            <p:cNvPr id="31" name="Rectangle 30">
-              <a:extLst>
-                <a:ext uri="{FF2B5EF4-FFF2-40B4-BE49-F238E27FC236}">
-                  <a16:creationId xmlns:a16="http://schemas.microsoft.com/office/drawing/2014/main" id="{47E4C9E7-8973-4245-B612-41A03C8F1B0F}"/>
-                </a:ext>
-              </a:extLst>
-            </p:cNvPr>
-            <p:cNvSpPr/>
-            <p:nvPr/>
-          </p:nvSpPr>
-          <p:spPr>
-            <a:xfrm>
-              <a:off x="7100711" y="5270422"/>
-              <a:ext cx="943910" cy="213954"/>
-            </a:xfrm>
-            <a:prstGeom prst="rect">
-              <a:avLst/>
-            </a:prstGeom>
-            <a:noFill/>
-            <a:effectLst/>
-          </p:spPr>
-          <p:txBody>
-            <a:bodyPr wrap="square" lIns="0" rIns="0">
-              <a:noAutofit/>
-            </a:bodyPr>
-            <a:lstStyle/>
-            <a:p>
-              <a:pPr algn="r">
-                <a:lnSpc>
-                  <a:spcPts val="1300"/>
-                </a:lnSpc>
-              </a:pPr>
-              <a:r>
-                <a:rPr lang="en-US" sz="1100" b="1" dirty="0">
-                  <a:ln w="0"/>
-                  <a:solidFill>
-                    <a:schemeClr val="tx1">
-                      <a:lumMod val="60000"/>
-                      <a:lumOff val="40000"/>
-                    </a:schemeClr>
-                  </a:solidFill>
-                  <a:latin typeface="Source Sans Pro" charset="0"/>
-                  <a:ea typeface="Source Sans Pro" charset="0"/>
-                  <a:cs typeface="Source Sans Pro" charset="0"/>
-                </a:rPr>
-                <a:t>PLATFORM</a:t>
-              </a:r>
-            </a:p>
-          </p:txBody>
-        </p:sp>
-        <p:sp>
-          <p:nvSpPr>
-            <p:cNvPr id="38" name="Rounded Rectangle 37">
-              <a:extLst>
-                <a:ext uri="{FF2B5EF4-FFF2-40B4-BE49-F238E27FC236}">
-                  <a16:creationId xmlns:a16="http://schemas.microsoft.com/office/drawing/2014/main" id="{43368A84-1651-7944-B8C8-4E2FA7EA5146}"/>
-                </a:ext>
-              </a:extLst>
-            </p:cNvPr>
-            <p:cNvSpPr/>
-            <p:nvPr/>
-          </p:nvSpPr>
-          <p:spPr>
-            <a:xfrm>
-              <a:off x="5403660" y="5650838"/>
-              <a:ext cx="795600" cy="309106"/>
-            </a:xfrm>
-            <a:prstGeom prst="roundRect">
-              <a:avLst>
-                <a:gd name="adj" fmla="val 20457"/>
-              </a:avLst>
-            </a:prstGeom>
-            <a:solidFill>
-              <a:schemeClr val="tx2"/>
-            </a:solidFill>
-            <a:ln w="12700">
-              <a:noFill/>
-            </a:ln>
-            <a:effectLst/>
-          </p:spPr>
-          <p:style>
-            <a:lnRef idx="2">
-              <a:schemeClr val="dk1"/>
-            </a:lnRef>
-            <a:fillRef idx="1">
-              <a:schemeClr val="lt1"/>
-            </a:fillRef>
-            <a:effectRef idx="0">
-              <a:schemeClr val="dk1"/>
-            </a:effectRef>
-            <a:fontRef idx="minor">
-              <a:schemeClr val="dk1"/>
-            </a:fontRef>
-          </p:style>
-          <p:txBody>
-            <a:bodyPr wrap="square" lIns="0" tIns="72000" rIns="0" bIns="46800" rtlCol="0" anchor="ctr">
-              <a:noAutofit/>
-            </a:bodyPr>
-            <a:lstStyle/>
-            <a:p>
-              <a:pPr lvl="0" algn="ctr" defTabSz="914400">
-                <a:lnSpc>
-                  <a:spcPts val="1180"/>
-                </a:lnSpc>
-                <a:defRPr/>
-              </a:pPr>
-              <a:r>
-                <a:rPr lang="en-US" sz="1200" kern="0" dirty="0">
-                  <a:solidFill>
-                    <a:srgbClr val="FFFFFF"/>
-                  </a:solidFill>
-                  <a:latin typeface="Source Sans Pro Light" charset="0"/>
-                  <a:ea typeface="Source Sans Pro Light" charset="0"/>
-                  <a:cs typeface="Source Sans Pro Light" charset="0"/>
-                </a:rPr>
-                <a:t>CPU FPU</a:t>
-              </a:r>
-            </a:p>
-          </p:txBody>
-        </p:sp>
-        <p:sp>
-          <p:nvSpPr>
-            <p:cNvPr id="39" name="Rounded Rectangle 38">
-              <a:extLst>
-                <a:ext uri="{FF2B5EF4-FFF2-40B4-BE49-F238E27FC236}">
-                  <a16:creationId xmlns:a16="http://schemas.microsoft.com/office/drawing/2014/main" id="{E5171215-1FDA-2B4B-97DB-FC4AE8F1ED14}"/>
-                </a:ext>
-              </a:extLst>
-            </p:cNvPr>
-            <p:cNvSpPr/>
-            <p:nvPr/>
-          </p:nvSpPr>
-          <p:spPr>
-            <a:xfrm>
-              <a:off x="6278004" y="5650838"/>
-              <a:ext cx="795600" cy="309106"/>
-            </a:xfrm>
-            <a:prstGeom prst="roundRect">
-              <a:avLst>
-                <a:gd name="adj" fmla="val 20457"/>
-              </a:avLst>
-            </a:prstGeom>
-            <a:solidFill>
-              <a:schemeClr val="tx2"/>
-            </a:solidFill>
-            <a:ln w="12700">
-              <a:noFill/>
-            </a:ln>
-            <a:effectLst/>
-          </p:spPr>
-          <p:style>
-            <a:lnRef idx="2">
-              <a:schemeClr val="dk1"/>
-            </a:lnRef>
-            <a:fillRef idx="1">
-              <a:schemeClr val="lt1"/>
-            </a:fillRef>
-            <a:effectRef idx="0">
-              <a:schemeClr val="dk1"/>
-            </a:effectRef>
-            <a:fontRef idx="minor">
-              <a:schemeClr val="dk1"/>
-            </a:fontRef>
-          </p:style>
-          <p:txBody>
-            <a:bodyPr wrap="square" lIns="0" tIns="72000" rIns="0" bIns="46800" rtlCol="0" anchor="ctr">
-              <a:noAutofit/>
-            </a:bodyPr>
-            <a:lstStyle/>
-            <a:p>
-              <a:pPr lvl="0" algn="ctr" defTabSz="914400">
-                <a:lnSpc>
-                  <a:spcPts val="1180"/>
-                </a:lnSpc>
-                <a:defRPr/>
-              </a:pPr>
-              <a:r>
-                <a:rPr lang="en-US" sz="1200" kern="0" dirty="0">
-                  <a:solidFill>
-                    <a:srgbClr val="FFFFFF"/>
-                  </a:solidFill>
-                  <a:latin typeface="Source Sans Pro Light" charset="0"/>
-                  <a:ea typeface="Source Sans Pro Light" charset="0"/>
-                  <a:cs typeface="Source Sans Pro Light" charset="0"/>
-                </a:rPr>
-                <a:t>Memory</a:t>
-              </a:r>
-            </a:p>
-          </p:txBody>
-        </p:sp>
-        <p:sp>
-          <p:nvSpPr>
-            <p:cNvPr id="40" name="Rounded Rectangle 39">
-              <a:extLst>
-                <a:ext uri="{FF2B5EF4-FFF2-40B4-BE49-F238E27FC236}">
-                  <a16:creationId xmlns:a16="http://schemas.microsoft.com/office/drawing/2014/main" id="{DB9583CE-8E47-B543-A3C6-0A7CECBE335C}"/>
-                </a:ext>
-              </a:extLst>
-            </p:cNvPr>
-            <p:cNvSpPr/>
-            <p:nvPr/>
-          </p:nvSpPr>
-          <p:spPr>
-            <a:xfrm>
-              <a:off x="7152348" y="5650838"/>
-              <a:ext cx="795600" cy="309106"/>
-            </a:xfrm>
-            <a:prstGeom prst="roundRect">
-              <a:avLst>
-                <a:gd name="adj" fmla="val 20457"/>
-              </a:avLst>
-            </a:prstGeom>
-            <a:solidFill>
-              <a:schemeClr val="tx2"/>
-            </a:solidFill>
-            <a:ln w="12700">
-              <a:noFill/>
-            </a:ln>
-            <a:effectLst/>
-          </p:spPr>
-          <p:style>
-            <a:lnRef idx="2">
-              <a:schemeClr val="dk1"/>
-            </a:lnRef>
-            <a:fillRef idx="1">
-              <a:schemeClr val="lt1"/>
-            </a:fillRef>
-            <a:effectRef idx="0">
-              <a:schemeClr val="dk1"/>
-            </a:effectRef>
-            <a:fontRef idx="minor">
-              <a:schemeClr val="dk1"/>
-            </a:fontRef>
-          </p:style>
-          <p:txBody>
-            <a:bodyPr wrap="square" lIns="0" tIns="72000" rIns="0" bIns="46800" rtlCol="0" anchor="ctr">
-              <a:noAutofit/>
-            </a:bodyPr>
-            <a:lstStyle/>
-            <a:p>
-              <a:pPr lvl="0" algn="ctr" defTabSz="914400">
-                <a:lnSpc>
-                  <a:spcPts val="1180"/>
-                </a:lnSpc>
-                <a:defRPr/>
-              </a:pPr>
-              <a:r>
-                <a:rPr lang="en-US" sz="1200" kern="0" dirty="0">
-                  <a:solidFill>
-                    <a:srgbClr val="FFFFFF"/>
-                  </a:solidFill>
-                  <a:latin typeface="Source Sans Pro Light" charset="0"/>
-                  <a:ea typeface="Source Sans Pro Light" charset="0"/>
-                  <a:cs typeface="Source Sans Pro Light" charset="0"/>
-                </a:rPr>
-                <a:t>Peripherals</a:t>
-              </a:r>
-              <a:endParaRPr lang="en-US" sz="1200" i="1" kern="0" dirty="0">
+                </a:ln>
                 <a:solidFill>
-                  <a:srgbClr val="FFFFFF"/>
+                  <a:schemeClr val="tx1"/>
                 </a:solidFill>
-                <a:latin typeface="Source Sans Pro Light" charset="0"/>
-                <a:ea typeface="Source Sans Pro Light" charset="0"/>
-                <a:cs typeface="Source Sans Pro Light" charset="0"/>
               </a:endParaRPr>
-            </a:p>
-          </p:txBody>
-        </p:sp>
-        <p:sp>
-          <p:nvSpPr>
-            <p:cNvPr id="41" name="Rectangle 40">
-              <a:extLst>
-                <a:ext uri="{FF2B5EF4-FFF2-40B4-BE49-F238E27FC236}">
-                  <a16:creationId xmlns:a16="http://schemas.microsoft.com/office/drawing/2014/main" id="{60369472-40F5-0C49-8A0A-34721DA59A39}"/>
-                </a:ext>
-              </a:extLst>
-            </p:cNvPr>
-            <p:cNvSpPr/>
-            <p:nvPr/>
-          </p:nvSpPr>
-          <p:spPr>
-            <a:xfrm>
-              <a:off x="4105688" y="3992756"/>
-              <a:ext cx="1661808" cy="129587"/>
-            </a:xfrm>
-            <a:prstGeom prst="rect">
-              <a:avLst/>
-            </a:prstGeom>
-            <a:gradFill flip="none" rotWithShape="1">
-              <a:gsLst>
-                <a:gs pos="100000">
-                  <a:srgbClr val="CBD3D7">
-                    <a:alpha val="0"/>
-                  </a:srgbClr>
-                </a:gs>
-                <a:gs pos="0">
-                  <a:schemeClr val="bg2">
-                    <a:alpha val="0"/>
-                  </a:schemeClr>
-                </a:gs>
-                <a:gs pos="80000">
-                  <a:srgbClr val="CBD3D7">
-                    <a:alpha val="90000"/>
-                  </a:srgbClr>
-                </a:gs>
-                <a:gs pos="20000">
-                  <a:schemeClr val="bg2">
-                    <a:alpha val="90000"/>
-                  </a:schemeClr>
-                </a:gs>
-              </a:gsLst>
-              <a:lin ang="0" scaled="1"/>
-              <a:tileRect/>
-            </a:gradFill>
-            <a:ln w="31750">
-              <a:noFill/>
-            </a:ln>
-            <a:effectLst/>
-          </p:spPr>
-          <p:txBody>
-            <a:bodyPr wrap="square" lIns="0" tIns="0" rIns="0" bIns="0">
-              <a:spAutoFit/>
-            </a:bodyPr>
-            <a:lstStyle/>
-            <a:p>
-              <a:pPr algn="ctr">
-                <a:lnSpc>
-                  <a:spcPts val="1000"/>
-                </a:lnSpc>
-              </a:pPr>
-              <a:r>
-                <a:rPr lang="en-US" sz="1000" b="1" dirty="0">
-                  <a:ln w="0"/>
-                  <a:solidFill>
-                    <a:schemeClr val="accent1"/>
-                  </a:solidFill>
-                  <a:latin typeface="Source Sans Pro" panose="020B0503030403020204" pitchFamily="34" charset="0"/>
-                  <a:ea typeface="Source Sans Pro" panose="020B0503030403020204" pitchFamily="34" charset="0"/>
-                </a:rPr>
-                <a:t>ABSTRACTION LAYERS</a:t>
-              </a:r>
-            </a:p>
-          </p:txBody>
-        </p:sp>
-        <p:sp>
-          <p:nvSpPr>
-            <p:cNvPr id="88" name="Rounded Rectangle 87">
-              <a:extLst>
-                <a:ext uri="{FF2B5EF4-FFF2-40B4-BE49-F238E27FC236}">
-                  <a16:creationId xmlns:a16="http://schemas.microsoft.com/office/drawing/2014/main" id="{0BFEEC53-FEEE-1D45-B84C-162DA8FE7D6B}"/>
-                </a:ext>
-              </a:extLst>
-            </p:cNvPr>
-            <p:cNvSpPr/>
-            <p:nvPr/>
-          </p:nvSpPr>
-          <p:spPr>
-            <a:xfrm>
-              <a:off x="4438460" y="4218108"/>
-              <a:ext cx="795600" cy="190126"/>
-            </a:xfrm>
-            <a:prstGeom prst="roundRect">
-              <a:avLst>
-                <a:gd name="adj" fmla="val 22586"/>
-              </a:avLst>
-            </a:prstGeom>
-            <a:solidFill>
-              <a:schemeClr val="bg2">
-                <a:lumMod val="75000"/>
-              </a:schemeClr>
-            </a:solidFill>
-            <a:ln w="12700">
-              <a:noFill/>
-            </a:ln>
-            <a:effectLst/>
-          </p:spPr>
-          <p:style>
-            <a:lnRef idx="2">
-              <a:schemeClr val="dk1"/>
-            </a:lnRef>
-            <a:fillRef idx="1">
-              <a:schemeClr val="lt1"/>
-            </a:fillRef>
-            <a:effectRef idx="0">
-              <a:schemeClr val="dk1"/>
-            </a:effectRef>
-            <a:fontRef idx="minor">
-              <a:schemeClr val="dk1"/>
-            </a:fontRef>
-          </p:style>
-          <p:txBody>
-            <a:bodyPr wrap="square" tIns="36000" bIns="36000" rtlCol="0" anchor="ctr">
-              <a:noAutofit/>
-            </a:bodyPr>
-            <a:lstStyle/>
-            <a:p>
-              <a:pPr algn="ctr"/>
-              <a:r>
-                <a:rPr lang="en-US" sz="1200" dirty="0">
-                  <a:solidFill>
-                    <a:schemeClr val="bg1"/>
-                  </a:solidFill>
-                  <a:latin typeface="Source Sans Pro Light" charset="0"/>
-                  <a:ea typeface="Source Sans Pro Light" charset="0"/>
-                  <a:cs typeface="Source Sans Pro Light" charset="0"/>
-                </a:rPr>
-                <a:t>Timer</a:t>
-              </a:r>
-            </a:p>
-          </p:txBody>
-        </p:sp>
-        <p:sp>
-          <p:nvSpPr>
-            <p:cNvPr id="89" name="Rounded Rectangle 88">
-              <a:extLst>
-                <a:ext uri="{FF2B5EF4-FFF2-40B4-BE49-F238E27FC236}">
-                  <a16:creationId xmlns:a16="http://schemas.microsoft.com/office/drawing/2014/main" id="{98447DE0-E58F-1845-A2B5-FF9F5B09D338}"/>
-                </a:ext>
-              </a:extLst>
-            </p:cNvPr>
-            <p:cNvSpPr/>
-            <p:nvPr/>
-          </p:nvSpPr>
-          <p:spPr>
-            <a:xfrm>
-              <a:off x="3817861" y="4894397"/>
-              <a:ext cx="4236479" cy="306000"/>
-            </a:xfrm>
-            <a:prstGeom prst="roundRect">
-              <a:avLst>
-                <a:gd name="adj" fmla="val 19644"/>
-              </a:avLst>
-            </a:prstGeom>
-            <a:solidFill>
-              <a:schemeClr val="tx2"/>
-            </a:solidFill>
-            <a:ln w="12700">
-              <a:noFill/>
-            </a:ln>
-            <a:effectLst/>
-          </p:spPr>
-          <p:style>
-            <a:lnRef idx="2">
-              <a:schemeClr val="dk1"/>
-            </a:lnRef>
-            <a:fillRef idx="1">
-              <a:schemeClr val="lt1"/>
-            </a:fillRef>
-            <a:effectRef idx="0">
-              <a:schemeClr val="dk1"/>
-            </a:effectRef>
-            <a:fontRef idx="minor">
-              <a:schemeClr val="dk1"/>
-            </a:fontRef>
-          </p:style>
-          <p:txBody>
-            <a:bodyPr wrap="square" lIns="90000" tIns="36000" bIns="36000" rtlCol="0" anchor="ctr">
-              <a:noAutofit/>
-            </a:bodyPr>
-            <a:lstStyle/>
-            <a:p>
-              <a:pPr lvl="0" algn="ctr">
-                <a:defRPr/>
-              </a:pPr>
-              <a:r>
-                <a:rPr lang="en-US" sz="1600" b="1" kern="0" dirty="0">
-                  <a:solidFill>
-                    <a:srgbClr val="FFFFFF"/>
-                  </a:solidFill>
-                  <a:effectLst>
-                    <a:outerShdw blurRad="76200" dist="38100" dir="5400000" algn="t" rotWithShape="0">
-                      <a:prstClr val="black">
-                        <a:alpha val="70000"/>
-                      </a:prstClr>
-                    </a:outerShdw>
-                  </a:effectLst>
-                  <a:latin typeface="Source Sans Pro" charset="0"/>
-                  <a:ea typeface="Source Sans Pro" charset="0"/>
-                  <a:cs typeface="Source Sans Pro" charset="0"/>
-                </a:rPr>
-                <a:t>C Runtime</a:t>
-              </a:r>
             </a:p>
           </p:txBody>
         </p:sp>
         <p:grpSp>
           <p:nvGrpSpPr>
-            <p:cNvPr id="93" name="Group 92">
+            <p:cNvPr id="19" name="Group 18">
               <a:extLst>
                 <a:ext uri="{FF2B5EF4-FFF2-40B4-BE49-F238E27FC236}">
-                  <a16:creationId xmlns:a16="http://schemas.microsoft.com/office/drawing/2014/main" id="{F349BD59-6971-DF4F-9AB3-2C01CFE70656}"/>
+                  <a16:creationId xmlns:a16="http://schemas.microsoft.com/office/drawing/2014/main" id="{B274EFA6-9B42-5440-AF5B-359CF9E65901}"/>
                 </a:ext>
               </a:extLst>
             </p:cNvPr>
@@ -9376,1206 +10213,18 @@
           </p:nvGrpSpPr>
           <p:grpSpPr>
             <a:xfrm>
-              <a:off x="3710904" y="1376901"/>
-              <a:ext cx="4434230" cy="2084700"/>
-              <a:chOff x="440930" y="1980483"/>
-              <a:chExt cx="4434230" cy="2084700"/>
+              <a:off x="3457782" y="3761592"/>
+              <a:ext cx="1222852" cy="359571"/>
+              <a:chOff x="3671478" y="3950247"/>
+              <a:chExt cx="1376425" cy="404729"/>
             </a:xfrm>
           </p:grpSpPr>
-          <p:grpSp>
-            <p:nvGrpSpPr>
-              <p:cNvPr id="17" name="Group 16">
+          <p:sp>
+            <p:nvSpPr>
+              <p:cNvPr id="20" name="Rounded Rectangle 19">
                 <a:extLst>
                   <a:ext uri="{FF2B5EF4-FFF2-40B4-BE49-F238E27FC236}">
-                    <a16:creationId xmlns:a16="http://schemas.microsoft.com/office/drawing/2014/main" id="{526299CB-A110-C54D-BDF8-96E344AF1C1F}"/>
-                  </a:ext>
-                </a:extLst>
-              </p:cNvPr>
-              <p:cNvGrpSpPr/>
-              <p:nvPr/>
-            </p:nvGrpSpPr>
-            <p:grpSpPr>
-              <a:xfrm>
-                <a:off x="515387" y="3339259"/>
-                <a:ext cx="1684403" cy="725924"/>
-                <a:chOff x="3235766" y="3459308"/>
-                <a:chExt cx="1684403" cy="725924"/>
-              </a:xfrm>
-            </p:grpSpPr>
-            <p:sp>
-              <p:nvSpPr>
-                <p:cNvPr id="18" name="Rounded Rectangle 370">
-                  <a:extLst>
-                    <a:ext uri="{FF2B5EF4-FFF2-40B4-BE49-F238E27FC236}">
-                      <a16:creationId xmlns:a16="http://schemas.microsoft.com/office/drawing/2014/main" id="{2E1FB874-03EC-C448-BFBA-8CD82A1D096B}"/>
-                    </a:ext>
-                  </a:extLst>
-                </p:cNvPr>
-                <p:cNvSpPr/>
-                <p:nvPr/>
-              </p:nvSpPr>
-              <p:spPr>
-                <a:xfrm>
-                  <a:off x="3235766" y="3459308"/>
-                  <a:ext cx="1684403" cy="725924"/>
-                </a:xfrm>
-                <a:custGeom>
-                  <a:avLst/>
-                  <a:gdLst>
-                    <a:gd name="connsiteX0" fmla="*/ 0 w 1377675"/>
-                    <a:gd name="connsiteY0" fmla="*/ 66568 h 1084694"/>
-                    <a:gd name="connsiteX1" fmla="*/ 66568 w 1377675"/>
-                    <a:gd name="connsiteY1" fmla="*/ 0 h 1084694"/>
-                    <a:gd name="connsiteX2" fmla="*/ 1311107 w 1377675"/>
-                    <a:gd name="connsiteY2" fmla="*/ 0 h 1084694"/>
-                    <a:gd name="connsiteX3" fmla="*/ 1377675 w 1377675"/>
-                    <a:gd name="connsiteY3" fmla="*/ 66568 h 1084694"/>
-                    <a:gd name="connsiteX4" fmla="*/ 1377675 w 1377675"/>
-                    <a:gd name="connsiteY4" fmla="*/ 1018126 h 1084694"/>
-                    <a:gd name="connsiteX5" fmla="*/ 1311107 w 1377675"/>
-                    <a:gd name="connsiteY5" fmla="*/ 1084694 h 1084694"/>
-                    <a:gd name="connsiteX6" fmla="*/ 66568 w 1377675"/>
-                    <a:gd name="connsiteY6" fmla="*/ 1084694 h 1084694"/>
-                    <a:gd name="connsiteX7" fmla="*/ 0 w 1377675"/>
-                    <a:gd name="connsiteY7" fmla="*/ 1018126 h 1084694"/>
-                    <a:gd name="connsiteX8" fmla="*/ 0 w 1377675"/>
-                    <a:gd name="connsiteY8" fmla="*/ 66568 h 1084694"/>
-                    <a:gd name="connsiteX0" fmla="*/ 0 w 1377675"/>
-                    <a:gd name="connsiteY0" fmla="*/ 66568 h 1084694"/>
-                    <a:gd name="connsiteX1" fmla="*/ 66568 w 1377675"/>
-                    <a:gd name="connsiteY1" fmla="*/ 0 h 1084694"/>
-                    <a:gd name="connsiteX2" fmla="*/ 1311107 w 1377675"/>
-                    <a:gd name="connsiteY2" fmla="*/ 0 h 1084694"/>
-                    <a:gd name="connsiteX3" fmla="*/ 1377675 w 1377675"/>
-                    <a:gd name="connsiteY3" fmla="*/ 409468 h 1084694"/>
-                    <a:gd name="connsiteX4" fmla="*/ 1377675 w 1377675"/>
-                    <a:gd name="connsiteY4" fmla="*/ 1018126 h 1084694"/>
-                    <a:gd name="connsiteX5" fmla="*/ 1311107 w 1377675"/>
-                    <a:gd name="connsiteY5" fmla="*/ 1084694 h 1084694"/>
-                    <a:gd name="connsiteX6" fmla="*/ 66568 w 1377675"/>
-                    <a:gd name="connsiteY6" fmla="*/ 1084694 h 1084694"/>
-                    <a:gd name="connsiteX7" fmla="*/ 0 w 1377675"/>
-                    <a:gd name="connsiteY7" fmla="*/ 1018126 h 1084694"/>
-                    <a:gd name="connsiteX8" fmla="*/ 0 w 1377675"/>
-                    <a:gd name="connsiteY8" fmla="*/ 66568 h 1084694"/>
-                    <a:gd name="connsiteX0" fmla="*/ 0 w 1381139"/>
-                    <a:gd name="connsiteY0" fmla="*/ 388686 h 1084694"/>
-                    <a:gd name="connsiteX1" fmla="*/ 70032 w 1381139"/>
-                    <a:gd name="connsiteY1" fmla="*/ 0 h 1084694"/>
-                    <a:gd name="connsiteX2" fmla="*/ 1314571 w 1381139"/>
-                    <a:gd name="connsiteY2" fmla="*/ 0 h 1084694"/>
-                    <a:gd name="connsiteX3" fmla="*/ 1381139 w 1381139"/>
-                    <a:gd name="connsiteY3" fmla="*/ 409468 h 1084694"/>
-                    <a:gd name="connsiteX4" fmla="*/ 1381139 w 1381139"/>
-                    <a:gd name="connsiteY4" fmla="*/ 1018126 h 1084694"/>
-                    <a:gd name="connsiteX5" fmla="*/ 1314571 w 1381139"/>
-                    <a:gd name="connsiteY5" fmla="*/ 1084694 h 1084694"/>
-                    <a:gd name="connsiteX6" fmla="*/ 70032 w 1381139"/>
-                    <a:gd name="connsiteY6" fmla="*/ 1084694 h 1084694"/>
-                    <a:gd name="connsiteX7" fmla="*/ 3464 w 1381139"/>
-                    <a:gd name="connsiteY7" fmla="*/ 1018126 h 1084694"/>
-                    <a:gd name="connsiteX8" fmla="*/ 0 w 1381139"/>
-                    <a:gd name="connsiteY8" fmla="*/ 388686 h 1084694"/>
-                    <a:gd name="connsiteX0" fmla="*/ 0 w 3085063"/>
-                    <a:gd name="connsiteY0" fmla="*/ 388686 h 1084694"/>
-                    <a:gd name="connsiteX1" fmla="*/ 70032 w 3085063"/>
-                    <a:gd name="connsiteY1" fmla="*/ 0 h 1084694"/>
-                    <a:gd name="connsiteX2" fmla="*/ 3084489 w 3085063"/>
-                    <a:gd name="connsiteY2" fmla="*/ 256309 h 1084694"/>
-                    <a:gd name="connsiteX3" fmla="*/ 1381139 w 3085063"/>
-                    <a:gd name="connsiteY3" fmla="*/ 409468 h 1084694"/>
-                    <a:gd name="connsiteX4" fmla="*/ 1381139 w 3085063"/>
-                    <a:gd name="connsiteY4" fmla="*/ 1018126 h 1084694"/>
-                    <a:gd name="connsiteX5" fmla="*/ 1314571 w 3085063"/>
-                    <a:gd name="connsiteY5" fmla="*/ 1084694 h 1084694"/>
-                    <a:gd name="connsiteX6" fmla="*/ 70032 w 3085063"/>
-                    <a:gd name="connsiteY6" fmla="*/ 1084694 h 1084694"/>
-                    <a:gd name="connsiteX7" fmla="*/ 3464 w 3085063"/>
-                    <a:gd name="connsiteY7" fmla="*/ 1018126 h 1084694"/>
-                    <a:gd name="connsiteX8" fmla="*/ 0 w 3085063"/>
-                    <a:gd name="connsiteY8" fmla="*/ 388686 h 1084694"/>
-                    <a:gd name="connsiteX0" fmla="*/ 1150005 w 4235068"/>
-                    <a:gd name="connsiteY0" fmla="*/ 132377 h 828385"/>
-                    <a:gd name="connsiteX1" fmla="*/ 837 w 4235068"/>
-                    <a:gd name="connsiteY1" fmla="*/ 3463 h 828385"/>
-                    <a:gd name="connsiteX2" fmla="*/ 4234494 w 4235068"/>
-                    <a:gd name="connsiteY2" fmla="*/ 0 h 828385"/>
-                    <a:gd name="connsiteX3" fmla="*/ 2531144 w 4235068"/>
-                    <a:gd name="connsiteY3" fmla="*/ 153159 h 828385"/>
-                    <a:gd name="connsiteX4" fmla="*/ 2531144 w 4235068"/>
-                    <a:gd name="connsiteY4" fmla="*/ 761817 h 828385"/>
-                    <a:gd name="connsiteX5" fmla="*/ 2464576 w 4235068"/>
-                    <a:gd name="connsiteY5" fmla="*/ 828385 h 828385"/>
-                    <a:gd name="connsiteX6" fmla="*/ 1220037 w 4235068"/>
-                    <a:gd name="connsiteY6" fmla="*/ 828385 h 828385"/>
-                    <a:gd name="connsiteX7" fmla="*/ 1153469 w 4235068"/>
-                    <a:gd name="connsiteY7" fmla="*/ 761817 h 828385"/>
-                    <a:gd name="connsiteX8" fmla="*/ 1150005 w 4235068"/>
-                    <a:gd name="connsiteY8" fmla="*/ 132377 h 828385"/>
-                    <a:gd name="connsiteX0" fmla="*/ 1150005 w 2930911"/>
-                    <a:gd name="connsiteY0" fmla="*/ 128914 h 824922"/>
-                    <a:gd name="connsiteX1" fmla="*/ 837 w 2930911"/>
-                    <a:gd name="connsiteY1" fmla="*/ 0 h 824922"/>
-                    <a:gd name="connsiteX2" fmla="*/ 2928703 w 2930911"/>
-                    <a:gd name="connsiteY2" fmla="*/ 1 h 824922"/>
-                    <a:gd name="connsiteX3" fmla="*/ 2531144 w 2930911"/>
-                    <a:gd name="connsiteY3" fmla="*/ 149696 h 824922"/>
-                    <a:gd name="connsiteX4" fmla="*/ 2531144 w 2930911"/>
-                    <a:gd name="connsiteY4" fmla="*/ 758354 h 824922"/>
-                    <a:gd name="connsiteX5" fmla="*/ 2464576 w 2930911"/>
-                    <a:gd name="connsiteY5" fmla="*/ 824922 h 824922"/>
-                    <a:gd name="connsiteX6" fmla="*/ 1220037 w 2930911"/>
-                    <a:gd name="connsiteY6" fmla="*/ 824922 h 824922"/>
-                    <a:gd name="connsiteX7" fmla="*/ 1153469 w 2930911"/>
-                    <a:gd name="connsiteY7" fmla="*/ 758354 h 824922"/>
-                    <a:gd name="connsiteX8" fmla="*/ 1150005 w 2930911"/>
-                    <a:gd name="connsiteY8" fmla="*/ 128914 h 824922"/>
-                    <a:gd name="connsiteX0" fmla="*/ 1150005 w 2930911"/>
-                    <a:gd name="connsiteY0" fmla="*/ 128914 h 824922"/>
-                    <a:gd name="connsiteX1" fmla="*/ 837 w 2930911"/>
-                    <a:gd name="connsiteY1" fmla="*/ 0 h 824922"/>
-                    <a:gd name="connsiteX2" fmla="*/ 2928703 w 2930911"/>
-                    <a:gd name="connsiteY2" fmla="*/ 1 h 824922"/>
-                    <a:gd name="connsiteX3" fmla="*/ 2531144 w 2930911"/>
-                    <a:gd name="connsiteY3" fmla="*/ 149696 h 824922"/>
-                    <a:gd name="connsiteX4" fmla="*/ 2531144 w 2930911"/>
-                    <a:gd name="connsiteY4" fmla="*/ 758354 h 824922"/>
-                    <a:gd name="connsiteX5" fmla="*/ 2464576 w 2930911"/>
-                    <a:gd name="connsiteY5" fmla="*/ 824922 h 824922"/>
-                    <a:gd name="connsiteX6" fmla="*/ 1220037 w 2930911"/>
-                    <a:gd name="connsiteY6" fmla="*/ 824922 h 824922"/>
-                    <a:gd name="connsiteX7" fmla="*/ 1153469 w 2930911"/>
-                    <a:gd name="connsiteY7" fmla="*/ 758354 h 824922"/>
-                    <a:gd name="connsiteX8" fmla="*/ 1150005 w 2930911"/>
-                    <a:gd name="connsiteY8" fmla="*/ 128914 h 824922"/>
-                    <a:gd name="connsiteX0" fmla="*/ 1150004 w 2930910"/>
-                    <a:gd name="connsiteY0" fmla="*/ 128914 h 824922"/>
-                    <a:gd name="connsiteX1" fmla="*/ 836 w 2930910"/>
-                    <a:gd name="connsiteY1" fmla="*/ 0 h 824922"/>
-                    <a:gd name="connsiteX2" fmla="*/ 2928702 w 2930910"/>
-                    <a:gd name="connsiteY2" fmla="*/ 1 h 824922"/>
-                    <a:gd name="connsiteX3" fmla="*/ 2531143 w 2930910"/>
-                    <a:gd name="connsiteY3" fmla="*/ 149696 h 824922"/>
-                    <a:gd name="connsiteX4" fmla="*/ 2531143 w 2930910"/>
-                    <a:gd name="connsiteY4" fmla="*/ 758354 h 824922"/>
-                    <a:gd name="connsiteX5" fmla="*/ 2464575 w 2930910"/>
-                    <a:gd name="connsiteY5" fmla="*/ 824922 h 824922"/>
-                    <a:gd name="connsiteX6" fmla="*/ 1220036 w 2930910"/>
-                    <a:gd name="connsiteY6" fmla="*/ 824922 h 824922"/>
-                    <a:gd name="connsiteX7" fmla="*/ 1153468 w 2930910"/>
-                    <a:gd name="connsiteY7" fmla="*/ 758354 h 824922"/>
-                    <a:gd name="connsiteX8" fmla="*/ 1150004 w 2930910"/>
-                    <a:gd name="connsiteY8" fmla="*/ 128914 h 824922"/>
-                    <a:gd name="connsiteX0" fmla="*/ 375627 w 2156533"/>
-                    <a:gd name="connsiteY0" fmla="*/ 128913 h 824921"/>
-                    <a:gd name="connsiteX1" fmla="*/ 2314 w 2156533"/>
-                    <a:gd name="connsiteY1" fmla="*/ 6926 h 824921"/>
-                    <a:gd name="connsiteX2" fmla="*/ 2154325 w 2156533"/>
-                    <a:gd name="connsiteY2" fmla="*/ 0 h 824921"/>
-                    <a:gd name="connsiteX3" fmla="*/ 1756766 w 2156533"/>
-                    <a:gd name="connsiteY3" fmla="*/ 149695 h 824921"/>
-                    <a:gd name="connsiteX4" fmla="*/ 1756766 w 2156533"/>
-                    <a:gd name="connsiteY4" fmla="*/ 758353 h 824921"/>
-                    <a:gd name="connsiteX5" fmla="*/ 1690198 w 2156533"/>
-                    <a:gd name="connsiteY5" fmla="*/ 824921 h 824921"/>
-                    <a:gd name="connsiteX6" fmla="*/ 445659 w 2156533"/>
-                    <a:gd name="connsiteY6" fmla="*/ 824921 h 824921"/>
-                    <a:gd name="connsiteX7" fmla="*/ 379091 w 2156533"/>
-                    <a:gd name="connsiteY7" fmla="*/ 758353 h 824921"/>
-                    <a:gd name="connsiteX8" fmla="*/ 375627 w 2156533"/>
-                    <a:gd name="connsiteY8" fmla="*/ 128913 h 824921"/>
-                    <a:gd name="connsiteX0" fmla="*/ 418185 w 2199091"/>
-                    <a:gd name="connsiteY0" fmla="*/ 128913 h 824921"/>
-                    <a:gd name="connsiteX1" fmla="*/ 44872 w 2199091"/>
-                    <a:gd name="connsiteY1" fmla="*/ 6926 h 824921"/>
-                    <a:gd name="connsiteX2" fmla="*/ 2196883 w 2199091"/>
-                    <a:gd name="connsiteY2" fmla="*/ 0 h 824921"/>
-                    <a:gd name="connsiteX3" fmla="*/ 1799324 w 2199091"/>
-                    <a:gd name="connsiteY3" fmla="*/ 149695 h 824921"/>
-                    <a:gd name="connsiteX4" fmla="*/ 1799324 w 2199091"/>
-                    <a:gd name="connsiteY4" fmla="*/ 758353 h 824921"/>
-                    <a:gd name="connsiteX5" fmla="*/ 1732756 w 2199091"/>
-                    <a:gd name="connsiteY5" fmla="*/ 824921 h 824921"/>
-                    <a:gd name="connsiteX6" fmla="*/ 488217 w 2199091"/>
-                    <a:gd name="connsiteY6" fmla="*/ 824921 h 824921"/>
-                    <a:gd name="connsiteX7" fmla="*/ 421649 w 2199091"/>
-                    <a:gd name="connsiteY7" fmla="*/ 758353 h 824921"/>
-                    <a:gd name="connsiteX8" fmla="*/ 418185 w 2199091"/>
-                    <a:gd name="connsiteY8" fmla="*/ 128913 h 824921"/>
-                    <a:gd name="connsiteX0" fmla="*/ 404178 w 2197426"/>
-                    <a:gd name="connsiteY0" fmla="*/ 129381 h 825389"/>
-                    <a:gd name="connsiteX1" fmla="*/ 30865 w 2197426"/>
-                    <a:gd name="connsiteY1" fmla="*/ 7394 h 825389"/>
-                    <a:gd name="connsiteX2" fmla="*/ 2182876 w 2197426"/>
-                    <a:gd name="connsiteY2" fmla="*/ 468 h 825389"/>
-                    <a:gd name="connsiteX3" fmla="*/ 1785317 w 2197426"/>
-                    <a:gd name="connsiteY3" fmla="*/ 150163 h 825389"/>
-                    <a:gd name="connsiteX4" fmla="*/ 1785317 w 2197426"/>
-                    <a:gd name="connsiteY4" fmla="*/ 758821 h 825389"/>
-                    <a:gd name="connsiteX5" fmla="*/ 1718749 w 2197426"/>
-                    <a:gd name="connsiteY5" fmla="*/ 825389 h 825389"/>
-                    <a:gd name="connsiteX6" fmla="*/ 474210 w 2197426"/>
-                    <a:gd name="connsiteY6" fmla="*/ 825389 h 825389"/>
-                    <a:gd name="connsiteX7" fmla="*/ 407642 w 2197426"/>
-                    <a:gd name="connsiteY7" fmla="*/ 758821 h 825389"/>
-                    <a:gd name="connsiteX8" fmla="*/ 404178 w 2197426"/>
-                    <a:gd name="connsiteY8" fmla="*/ 129381 h 825389"/>
-                    <a:gd name="connsiteX0" fmla="*/ 373313 w 2152011"/>
-                    <a:gd name="connsiteY0" fmla="*/ 129381 h 825389"/>
-                    <a:gd name="connsiteX1" fmla="*/ 0 w 2152011"/>
-                    <a:gd name="connsiteY1" fmla="*/ 7394 h 825389"/>
-                    <a:gd name="connsiteX2" fmla="*/ 2152011 w 2152011"/>
-                    <a:gd name="connsiteY2" fmla="*/ 468 h 825389"/>
-                    <a:gd name="connsiteX3" fmla="*/ 1754452 w 2152011"/>
-                    <a:gd name="connsiteY3" fmla="*/ 150163 h 825389"/>
-                    <a:gd name="connsiteX4" fmla="*/ 1754452 w 2152011"/>
-                    <a:gd name="connsiteY4" fmla="*/ 758821 h 825389"/>
-                    <a:gd name="connsiteX5" fmla="*/ 1687884 w 2152011"/>
-                    <a:gd name="connsiteY5" fmla="*/ 825389 h 825389"/>
-                    <a:gd name="connsiteX6" fmla="*/ 443345 w 2152011"/>
-                    <a:gd name="connsiteY6" fmla="*/ 825389 h 825389"/>
-                    <a:gd name="connsiteX7" fmla="*/ 376777 w 2152011"/>
-                    <a:gd name="connsiteY7" fmla="*/ 758821 h 825389"/>
-                    <a:gd name="connsiteX8" fmla="*/ 373313 w 2152011"/>
-                    <a:gd name="connsiteY8" fmla="*/ 129381 h 825389"/>
-                    <a:gd name="connsiteX0" fmla="*/ 436994 w 2018842"/>
-                    <a:gd name="connsiteY0" fmla="*/ 132057 h 828065"/>
-                    <a:gd name="connsiteX1" fmla="*/ 63681 w 2018842"/>
-                    <a:gd name="connsiteY1" fmla="*/ 10070 h 828065"/>
-                    <a:gd name="connsiteX2" fmla="*/ 2018842 w 2018842"/>
-                    <a:gd name="connsiteY2" fmla="*/ 6319 h 828065"/>
-                    <a:gd name="connsiteX3" fmla="*/ 1818133 w 2018842"/>
-                    <a:gd name="connsiteY3" fmla="*/ 152839 h 828065"/>
-                    <a:gd name="connsiteX4" fmla="*/ 1818133 w 2018842"/>
-                    <a:gd name="connsiteY4" fmla="*/ 761497 h 828065"/>
-                    <a:gd name="connsiteX5" fmla="*/ 1751565 w 2018842"/>
-                    <a:gd name="connsiteY5" fmla="*/ 828065 h 828065"/>
-                    <a:gd name="connsiteX6" fmla="*/ 507026 w 2018842"/>
-                    <a:gd name="connsiteY6" fmla="*/ 828065 h 828065"/>
-                    <a:gd name="connsiteX7" fmla="*/ 440458 w 2018842"/>
-                    <a:gd name="connsiteY7" fmla="*/ 761497 h 828065"/>
-                    <a:gd name="connsiteX8" fmla="*/ 436994 w 2018842"/>
-                    <a:gd name="connsiteY8" fmla="*/ 132057 h 828065"/>
-                    <a:gd name="connsiteX0" fmla="*/ 436994 w 2023402"/>
-                    <a:gd name="connsiteY0" fmla="*/ 131514 h 827522"/>
-                    <a:gd name="connsiteX1" fmla="*/ 63681 w 2023402"/>
-                    <a:gd name="connsiteY1" fmla="*/ 9527 h 827522"/>
-                    <a:gd name="connsiteX2" fmla="*/ 2018842 w 2023402"/>
-                    <a:gd name="connsiteY2" fmla="*/ 5776 h 827522"/>
-                    <a:gd name="connsiteX3" fmla="*/ 1818133 w 2023402"/>
-                    <a:gd name="connsiteY3" fmla="*/ 152296 h 827522"/>
-                    <a:gd name="connsiteX4" fmla="*/ 1818133 w 2023402"/>
-                    <a:gd name="connsiteY4" fmla="*/ 760954 h 827522"/>
-                    <a:gd name="connsiteX5" fmla="*/ 1751565 w 2023402"/>
-                    <a:gd name="connsiteY5" fmla="*/ 827522 h 827522"/>
-                    <a:gd name="connsiteX6" fmla="*/ 507026 w 2023402"/>
-                    <a:gd name="connsiteY6" fmla="*/ 827522 h 827522"/>
-                    <a:gd name="connsiteX7" fmla="*/ 440458 w 2023402"/>
-                    <a:gd name="connsiteY7" fmla="*/ 760954 h 827522"/>
-                    <a:gd name="connsiteX8" fmla="*/ 436994 w 2023402"/>
-                    <a:gd name="connsiteY8" fmla="*/ 131514 h 827522"/>
-                    <a:gd name="connsiteX0" fmla="*/ 260186 w 1921406"/>
-                    <a:gd name="connsiteY0" fmla="*/ 144219 h 840227"/>
-                    <a:gd name="connsiteX1" fmla="*/ 83723 w 1921406"/>
-                    <a:gd name="connsiteY1" fmla="*/ 15882 h 840227"/>
-                    <a:gd name="connsiteX2" fmla="*/ 1842034 w 1921406"/>
-                    <a:gd name="connsiteY2" fmla="*/ 18481 h 840227"/>
-                    <a:gd name="connsiteX3" fmla="*/ 1641325 w 1921406"/>
-                    <a:gd name="connsiteY3" fmla="*/ 165001 h 840227"/>
-                    <a:gd name="connsiteX4" fmla="*/ 1641325 w 1921406"/>
-                    <a:gd name="connsiteY4" fmla="*/ 773659 h 840227"/>
-                    <a:gd name="connsiteX5" fmla="*/ 1574757 w 1921406"/>
-                    <a:gd name="connsiteY5" fmla="*/ 840227 h 840227"/>
-                    <a:gd name="connsiteX6" fmla="*/ 330218 w 1921406"/>
-                    <a:gd name="connsiteY6" fmla="*/ 840227 h 840227"/>
-                    <a:gd name="connsiteX7" fmla="*/ 263650 w 1921406"/>
-                    <a:gd name="connsiteY7" fmla="*/ 773659 h 840227"/>
-                    <a:gd name="connsiteX8" fmla="*/ 260186 w 1921406"/>
-                    <a:gd name="connsiteY8" fmla="*/ 144219 h 840227"/>
-                    <a:gd name="connsiteX0" fmla="*/ 184184 w 1845404"/>
-                    <a:gd name="connsiteY0" fmla="*/ 137193 h 833201"/>
-                    <a:gd name="connsiteX1" fmla="*/ 7721 w 1845404"/>
-                    <a:gd name="connsiteY1" fmla="*/ 8856 h 833201"/>
-                    <a:gd name="connsiteX2" fmla="*/ 1766032 w 1845404"/>
-                    <a:gd name="connsiteY2" fmla="*/ 11455 h 833201"/>
-                    <a:gd name="connsiteX3" fmla="*/ 1565323 w 1845404"/>
-                    <a:gd name="connsiteY3" fmla="*/ 157975 h 833201"/>
-                    <a:gd name="connsiteX4" fmla="*/ 1565323 w 1845404"/>
-                    <a:gd name="connsiteY4" fmla="*/ 766633 h 833201"/>
-                    <a:gd name="connsiteX5" fmla="*/ 1498755 w 1845404"/>
-                    <a:gd name="connsiteY5" fmla="*/ 833201 h 833201"/>
-                    <a:gd name="connsiteX6" fmla="*/ 254216 w 1845404"/>
-                    <a:gd name="connsiteY6" fmla="*/ 833201 h 833201"/>
-                    <a:gd name="connsiteX7" fmla="*/ 187648 w 1845404"/>
-                    <a:gd name="connsiteY7" fmla="*/ 766633 h 833201"/>
-                    <a:gd name="connsiteX8" fmla="*/ 184184 w 1845404"/>
-                    <a:gd name="connsiteY8" fmla="*/ 137193 h 833201"/>
-                    <a:gd name="connsiteX0" fmla="*/ 254154 w 1839241"/>
-                    <a:gd name="connsiteY0" fmla="*/ 147999 h 844007"/>
-                    <a:gd name="connsiteX1" fmla="*/ 77691 w 1839241"/>
-                    <a:gd name="connsiteY1" fmla="*/ 19662 h 844007"/>
-                    <a:gd name="connsiteX2" fmla="*/ 1747102 w 1839241"/>
-                    <a:gd name="connsiteY2" fmla="*/ 15911 h 844007"/>
-                    <a:gd name="connsiteX3" fmla="*/ 1635293 w 1839241"/>
-                    <a:gd name="connsiteY3" fmla="*/ 168781 h 844007"/>
-                    <a:gd name="connsiteX4" fmla="*/ 1635293 w 1839241"/>
-                    <a:gd name="connsiteY4" fmla="*/ 777439 h 844007"/>
-                    <a:gd name="connsiteX5" fmla="*/ 1568725 w 1839241"/>
-                    <a:gd name="connsiteY5" fmla="*/ 844007 h 844007"/>
-                    <a:gd name="connsiteX6" fmla="*/ 324186 w 1839241"/>
-                    <a:gd name="connsiteY6" fmla="*/ 844007 h 844007"/>
-                    <a:gd name="connsiteX7" fmla="*/ 257618 w 1839241"/>
-                    <a:gd name="connsiteY7" fmla="*/ 777439 h 844007"/>
-                    <a:gd name="connsiteX8" fmla="*/ 254154 w 1839241"/>
-                    <a:gd name="connsiteY8" fmla="*/ 147999 h 844007"/>
-                    <a:gd name="connsiteX0" fmla="*/ 254154 w 1752323"/>
-                    <a:gd name="connsiteY0" fmla="*/ 139925 h 835933"/>
-                    <a:gd name="connsiteX1" fmla="*/ 77691 w 1752323"/>
-                    <a:gd name="connsiteY1" fmla="*/ 11588 h 835933"/>
-                    <a:gd name="connsiteX2" fmla="*/ 1747102 w 1752323"/>
-                    <a:gd name="connsiteY2" fmla="*/ 7837 h 835933"/>
-                    <a:gd name="connsiteX3" fmla="*/ 1635293 w 1752323"/>
-                    <a:gd name="connsiteY3" fmla="*/ 160707 h 835933"/>
-                    <a:gd name="connsiteX4" fmla="*/ 1635293 w 1752323"/>
-                    <a:gd name="connsiteY4" fmla="*/ 769365 h 835933"/>
-                    <a:gd name="connsiteX5" fmla="*/ 1568725 w 1752323"/>
-                    <a:gd name="connsiteY5" fmla="*/ 835933 h 835933"/>
-                    <a:gd name="connsiteX6" fmla="*/ 324186 w 1752323"/>
-                    <a:gd name="connsiteY6" fmla="*/ 835933 h 835933"/>
-                    <a:gd name="connsiteX7" fmla="*/ 257618 w 1752323"/>
-                    <a:gd name="connsiteY7" fmla="*/ 769365 h 835933"/>
-                    <a:gd name="connsiteX8" fmla="*/ 254154 w 1752323"/>
-                    <a:gd name="connsiteY8" fmla="*/ 139925 h 835933"/>
-                    <a:gd name="connsiteX0" fmla="*/ 256302 w 1786136"/>
-                    <a:gd name="connsiteY0" fmla="*/ 138666 h 834674"/>
-                    <a:gd name="connsiteX1" fmla="*/ 79839 w 1786136"/>
-                    <a:gd name="connsiteY1" fmla="*/ 10329 h 834674"/>
-                    <a:gd name="connsiteX2" fmla="*/ 1781000 w 1786136"/>
-                    <a:gd name="connsiteY2" fmla="*/ 9753 h 834674"/>
-                    <a:gd name="connsiteX3" fmla="*/ 1637441 w 1786136"/>
-                    <a:gd name="connsiteY3" fmla="*/ 159448 h 834674"/>
-                    <a:gd name="connsiteX4" fmla="*/ 1637441 w 1786136"/>
-                    <a:gd name="connsiteY4" fmla="*/ 768106 h 834674"/>
-                    <a:gd name="connsiteX5" fmla="*/ 1570873 w 1786136"/>
-                    <a:gd name="connsiteY5" fmla="*/ 834674 h 834674"/>
-                    <a:gd name="connsiteX6" fmla="*/ 326334 w 1786136"/>
-                    <a:gd name="connsiteY6" fmla="*/ 834674 h 834674"/>
-                    <a:gd name="connsiteX7" fmla="*/ 259766 w 1786136"/>
-                    <a:gd name="connsiteY7" fmla="*/ 768106 h 834674"/>
-                    <a:gd name="connsiteX8" fmla="*/ 256302 w 1786136"/>
-                    <a:gd name="connsiteY8" fmla="*/ 138666 h 834674"/>
-                    <a:gd name="connsiteX0" fmla="*/ 181625 w 1710512"/>
-                    <a:gd name="connsiteY0" fmla="*/ 130557 h 826565"/>
-                    <a:gd name="connsiteX1" fmla="*/ 5162 w 1710512"/>
-                    <a:gd name="connsiteY1" fmla="*/ 2220 h 826565"/>
-                    <a:gd name="connsiteX2" fmla="*/ 1706323 w 1710512"/>
-                    <a:gd name="connsiteY2" fmla="*/ 1644 h 826565"/>
-                    <a:gd name="connsiteX3" fmla="*/ 1562764 w 1710512"/>
-                    <a:gd name="connsiteY3" fmla="*/ 151339 h 826565"/>
-                    <a:gd name="connsiteX4" fmla="*/ 1562764 w 1710512"/>
-                    <a:gd name="connsiteY4" fmla="*/ 759997 h 826565"/>
-                    <a:gd name="connsiteX5" fmla="*/ 1496196 w 1710512"/>
-                    <a:gd name="connsiteY5" fmla="*/ 826565 h 826565"/>
-                    <a:gd name="connsiteX6" fmla="*/ 251657 w 1710512"/>
-                    <a:gd name="connsiteY6" fmla="*/ 826565 h 826565"/>
-                    <a:gd name="connsiteX7" fmla="*/ 185089 w 1710512"/>
-                    <a:gd name="connsiteY7" fmla="*/ 759997 h 826565"/>
-                    <a:gd name="connsiteX8" fmla="*/ 181625 w 1710512"/>
-                    <a:gd name="connsiteY8" fmla="*/ 130557 h 826565"/>
-                    <a:gd name="connsiteX0" fmla="*/ 157442 w 1767509"/>
-                    <a:gd name="connsiteY0" fmla="*/ 139313 h 835321"/>
-                    <a:gd name="connsiteX1" fmla="*/ 6379 w 1767509"/>
-                    <a:gd name="connsiteY1" fmla="*/ 14151 h 835321"/>
-                    <a:gd name="connsiteX2" fmla="*/ 1682140 w 1767509"/>
-                    <a:gd name="connsiteY2" fmla="*/ 10400 h 835321"/>
-                    <a:gd name="connsiteX3" fmla="*/ 1538581 w 1767509"/>
-                    <a:gd name="connsiteY3" fmla="*/ 160095 h 835321"/>
-                    <a:gd name="connsiteX4" fmla="*/ 1538581 w 1767509"/>
-                    <a:gd name="connsiteY4" fmla="*/ 768753 h 835321"/>
-                    <a:gd name="connsiteX5" fmla="*/ 1472013 w 1767509"/>
-                    <a:gd name="connsiteY5" fmla="*/ 835321 h 835321"/>
-                    <a:gd name="connsiteX6" fmla="*/ 227474 w 1767509"/>
-                    <a:gd name="connsiteY6" fmla="*/ 835321 h 835321"/>
-                    <a:gd name="connsiteX7" fmla="*/ 160906 w 1767509"/>
-                    <a:gd name="connsiteY7" fmla="*/ 768753 h 835321"/>
-                    <a:gd name="connsiteX8" fmla="*/ 157442 w 1767509"/>
-                    <a:gd name="connsiteY8" fmla="*/ 139313 h 835321"/>
-                    <a:gd name="connsiteX0" fmla="*/ 155631 w 1765698"/>
-                    <a:gd name="connsiteY0" fmla="*/ 139999 h 836007"/>
-                    <a:gd name="connsiteX1" fmla="*/ 4568 w 1765698"/>
-                    <a:gd name="connsiteY1" fmla="*/ 14837 h 836007"/>
-                    <a:gd name="connsiteX2" fmla="*/ 1680329 w 1765698"/>
-                    <a:gd name="connsiteY2" fmla="*/ 11086 h 836007"/>
-                    <a:gd name="connsiteX3" fmla="*/ 1536770 w 1765698"/>
-                    <a:gd name="connsiteY3" fmla="*/ 160781 h 836007"/>
-                    <a:gd name="connsiteX4" fmla="*/ 1536770 w 1765698"/>
-                    <a:gd name="connsiteY4" fmla="*/ 769439 h 836007"/>
-                    <a:gd name="connsiteX5" fmla="*/ 1470202 w 1765698"/>
-                    <a:gd name="connsiteY5" fmla="*/ 836007 h 836007"/>
-                    <a:gd name="connsiteX6" fmla="*/ 225663 w 1765698"/>
-                    <a:gd name="connsiteY6" fmla="*/ 836007 h 836007"/>
-                    <a:gd name="connsiteX7" fmla="*/ 159095 w 1765698"/>
-                    <a:gd name="connsiteY7" fmla="*/ 769439 h 836007"/>
-                    <a:gd name="connsiteX8" fmla="*/ 155631 w 1765698"/>
-                    <a:gd name="connsiteY8" fmla="*/ 139999 h 836007"/>
-                    <a:gd name="connsiteX0" fmla="*/ 155631 w 1765698"/>
-                    <a:gd name="connsiteY0" fmla="*/ 139999 h 836007"/>
-                    <a:gd name="connsiteX1" fmla="*/ 4568 w 1765698"/>
-                    <a:gd name="connsiteY1" fmla="*/ 14837 h 836007"/>
-                    <a:gd name="connsiteX2" fmla="*/ 1680329 w 1765698"/>
-                    <a:gd name="connsiteY2" fmla="*/ 11086 h 836007"/>
-                    <a:gd name="connsiteX3" fmla="*/ 1536770 w 1765698"/>
-                    <a:gd name="connsiteY3" fmla="*/ 160781 h 836007"/>
-                    <a:gd name="connsiteX4" fmla="*/ 1536770 w 1765698"/>
-                    <a:gd name="connsiteY4" fmla="*/ 769439 h 836007"/>
-                    <a:gd name="connsiteX5" fmla="*/ 1470202 w 1765698"/>
-                    <a:gd name="connsiteY5" fmla="*/ 836007 h 836007"/>
-                    <a:gd name="connsiteX6" fmla="*/ 225663 w 1765698"/>
-                    <a:gd name="connsiteY6" fmla="*/ 836007 h 836007"/>
-                    <a:gd name="connsiteX7" fmla="*/ 159095 w 1765698"/>
-                    <a:gd name="connsiteY7" fmla="*/ 769439 h 836007"/>
-                    <a:gd name="connsiteX8" fmla="*/ 155631 w 1765698"/>
-                    <a:gd name="connsiteY8" fmla="*/ 139999 h 836007"/>
-                    <a:gd name="connsiteX0" fmla="*/ 154777 w 1684351"/>
-                    <a:gd name="connsiteY0" fmla="*/ 131536 h 827544"/>
-                    <a:gd name="connsiteX1" fmla="*/ 3714 w 1684351"/>
-                    <a:gd name="connsiteY1" fmla="*/ 6374 h 827544"/>
-                    <a:gd name="connsiteX2" fmla="*/ 1679475 w 1684351"/>
-                    <a:gd name="connsiteY2" fmla="*/ 2623 h 827544"/>
-                    <a:gd name="connsiteX3" fmla="*/ 1535916 w 1684351"/>
-                    <a:gd name="connsiteY3" fmla="*/ 152318 h 827544"/>
-                    <a:gd name="connsiteX4" fmla="*/ 1535916 w 1684351"/>
-                    <a:gd name="connsiteY4" fmla="*/ 760976 h 827544"/>
-                    <a:gd name="connsiteX5" fmla="*/ 1469348 w 1684351"/>
-                    <a:gd name="connsiteY5" fmla="*/ 827544 h 827544"/>
-                    <a:gd name="connsiteX6" fmla="*/ 224809 w 1684351"/>
-                    <a:gd name="connsiteY6" fmla="*/ 827544 h 827544"/>
-                    <a:gd name="connsiteX7" fmla="*/ 158241 w 1684351"/>
-                    <a:gd name="connsiteY7" fmla="*/ 760976 h 827544"/>
-                    <a:gd name="connsiteX8" fmla="*/ 154777 w 1684351"/>
-                    <a:gd name="connsiteY8" fmla="*/ 131536 h 827544"/>
-                    <a:gd name="connsiteX0" fmla="*/ 236936 w 1786555"/>
-                    <a:gd name="connsiteY0" fmla="*/ 135949 h 831957"/>
-                    <a:gd name="connsiteX1" fmla="*/ 85873 w 1786555"/>
-                    <a:gd name="connsiteY1" fmla="*/ 10787 h 831957"/>
-                    <a:gd name="connsiteX2" fmla="*/ 1780684 w 1786555"/>
-                    <a:gd name="connsiteY2" fmla="*/ 10211 h 831957"/>
-                    <a:gd name="connsiteX3" fmla="*/ 1618075 w 1786555"/>
-                    <a:gd name="connsiteY3" fmla="*/ 156731 h 831957"/>
-                    <a:gd name="connsiteX4" fmla="*/ 1618075 w 1786555"/>
-                    <a:gd name="connsiteY4" fmla="*/ 765389 h 831957"/>
-                    <a:gd name="connsiteX5" fmla="*/ 1551507 w 1786555"/>
-                    <a:gd name="connsiteY5" fmla="*/ 831957 h 831957"/>
-                    <a:gd name="connsiteX6" fmla="*/ 306968 w 1786555"/>
-                    <a:gd name="connsiteY6" fmla="*/ 831957 h 831957"/>
-                    <a:gd name="connsiteX7" fmla="*/ 240400 w 1786555"/>
-                    <a:gd name="connsiteY7" fmla="*/ 765389 h 831957"/>
-                    <a:gd name="connsiteX8" fmla="*/ 236936 w 1786555"/>
-                    <a:gd name="connsiteY8" fmla="*/ 135949 h 831957"/>
-                    <a:gd name="connsiteX0" fmla="*/ 157046 w 1705555"/>
-                    <a:gd name="connsiteY0" fmla="*/ 128377 h 824385"/>
-                    <a:gd name="connsiteX1" fmla="*/ 5983 w 1705555"/>
-                    <a:gd name="connsiteY1" fmla="*/ 3215 h 824385"/>
-                    <a:gd name="connsiteX2" fmla="*/ 1700794 w 1705555"/>
-                    <a:gd name="connsiteY2" fmla="*/ 2639 h 824385"/>
-                    <a:gd name="connsiteX3" fmla="*/ 1538185 w 1705555"/>
-                    <a:gd name="connsiteY3" fmla="*/ 149159 h 824385"/>
-                    <a:gd name="connsiteX4" fmla="*/ 1538185 w 1705555"/>
-                    <a:gd name="connsiteY4" fmla="*/ 757817 h 824385"/>
-                    <a:gd name="connsiteX5" fmla="*/ 1471617 w 1705555"/>
-                    <a:gd name="connsiteY5" fmla="*/ 824385 h 824385"/>
-                    <a:gd name="connsiteX6" fmla="*/ 227078 w 1705555"/>
-                    <a:gd name="connsiteY6" fmla="*/ 824385 h 824385"/>
-                    <a:gd name="connsiteX7" fmla="*/ 160510 w 1705555"/>
-                    <a:gd name="connsiteY7" fmla="*/ 757817 h 824385"/>
-                    <a:gd name="connsiteX8" fmla="*/ 157046 w 1705555"/>
-                    <a:gd name="connsiteY8" fmla="*/ 128377 h 824385"/>
-                    <a:gd name="connsiteX0" fmla="*/ 158360 w 1784749"/>
-                    <a:gd name="connsiteY0" fmla="*/ 140824 h 836832"/>
-                    <a:gd name="connsiteX1" fmla="*/ 7297 w 1784749"/>
-                    <a:gd name="connsiteY1" fmla="*/ 15662 h 836832"/>
-                    <a:gd name="connsiteX2" fmla="*/ 1702108 w 1784749"/>
-                    <a:gd name="connsiteY2" fmla="*/ 15086 h 836832"/>
-                    <a:gd name="connsiteX3" fmla="*/ 1539499 w 1784749"/>
-                    <a:gd name="connsiteY3" fmla="*/ 215581 h 836832"/>
-                    <a:gd name="connsiteX4" fmla="*/ 1539499 w 1784749"/>
-                    <a:gd name="connsiteY4" fmla="*/ 770264 h 836832"/>
-                    <a:gd name="connsiteX5" fmla="*/ 1472931 w 1784749"/>
-                    <a:gd name="connsiteY5" fmla="*/ 836832 h 836832"/>
-                    <a:gd name="connsiteX6" fmla="*/ 228392 w 1784749"/>
-                    <a:gd name="connsiteY6" fmla="*/ 836832 h 836832"/>
-                    <a:gd name="connsiteX7" fmla="*/ 161824 w 1784749"/>
-                    <a:gd name="connsiteY7" fmla="*/ 770264 h 836832"/>
-                    <a:gd name="connsiteX8" fmla="*/ 158360 w 1784749"/>
-                    <a:gd name="connsiteY8" fmla="*/ 140824 h 836832"/>
-                    <a:gd name="connsiteX0" fmla="*/ 239426 w 1862640"/>
-                    <a:gd name="connsiteY0" fmla="*/ 233513 h 846971"/>
-                    <a:gd name="connsiteX1" fmla="*/ 85188 w 1862640"/>
-                    <a:gd name="connsiteY1" fmla="*/ 25801 h 846971"/>
-                    <a:gd name="connsiteX2" fmla="*/ 1779999 w 1862640"/>
-                    <a:gd name="connsiteY2" fmla="*/ 25225 h 846971"/>
-                    <a:gd name="connsiteX3" fmla="*/ 1617390 w 1862640"/>
-                    <a:gd name="connsiteY3" fmla="*/ 225720 h 846971"/>
-                    <a:gd name="connsiteX4" fmla="*/ 1617390 w 1862640"/>
-                    <a:gd name="connsiteY4" fmla="*/ 780403 h 846971"/>
-                    <a:gd name="connsiteX5" fmla="*/ 1550822 w 1862640"/>
-                    <a:gd name="connsiteY5" fmla="*/ 846971 h 846971"/>
-                    <a:gd name="connsiteX6" fmla="*/ 306283 w 1862640"/>
-                    <a:gd name="connsiteY6" fmla="*/ 846971 h 846971"/>
-                    <a:gd name="connsiteX7" fmla="*/ 239715 w 1862640"/>
-                    <a:gd name="connsiteY7" fmla="*/ 780403 h 846971"/>
-                    <a:gd name="connsiteX8" fmla="*/ 239426 w 1862640"/>
-                    <a:gd name="connsiteY8" fmla="*/ 233513 h 846971"/>
-                    <a:gd name="connsiteX0" fmla="*/ 238598 w 1861812"/>
-                    <a:gd name="connsiteY0" fmla="*/ 233513 h 846971"/>
-                    <a:gd name="connsiteX1" fmla="*/ 84360 w 1861812"/>
-                    <a:gd name="connsiteY1" fmla="*/ 25801 h 846971"/>
-                    <a:gd name="connsiteX2" fmla="*/ 1779171 w 1861812"/>
-                    <a:gd name="connsiteY2" fmla="*/ 25225 h 846971"/>
-                    <a:gd name="connsiteX3" fmla="*/ 1616562 w 1861812"/>
-                    <a:gd name="connsiteY3" fmla="*/ 225720 h 846971"/>
-                    <a:gd name="connsiteX4" fmla="*/ 1616562 w 1861812"/>
-                    <a:gd name="connsiteY4" fmla="*/ 780403 h 846971"/>
-                    <a:gd name="connsiteX5" fmla="*/ 1549994 w 1861812"/>
-                    <a:gd name="connsiteY5" fmla="*/ 846971 h 846971"/>
-                    <a:gd name="connsiteX6" fmla="*/ 305455 w 1861812"/>
-                    <a:gd name="connsiteY6" fmla="*/ 846971 h 846971"/>
-                    <a:gd name="connsiteX7" fmla="*/ 238887 w 1861812"/>
-                    <a:gd name="connsiteY7" fmla="*/ 780403 h 846971"/>
-                    <a:gd name="connsiteX8" fmla="*/ 238598 w 1861812"/>
-                    <a:gd name="connsiteY8" fmla="*/ 233513 h 846971"/>
-                    <a:gd name="connsiteX0" fmla="*/ 238598 w 1862214"/>
-                    <a:gd name="connsiteY0" fmla="*/ 233513 h 846971"/>
-                    <a:gd name="connsiteX1" fmla="*/ 84360 w 1862214"/>
-                    <a:gd name="connsiteY1" fmla="*/ 25801 h 846971"/>
-                    <a:gd name="connsiteX2" fmla="*/ 1779171 w 1862214"/>
-                    <a:gd name="connsiteY2" fmla="*/ 25225 h 846971"/>
-                    <a:gd name="connsiteX3" fmla="*/ 1616562 w 1862214"/>
-                    <a:gd name="connsiteY3" fmla="*/ 225720 h 846971"/>
-                    <a:gd name="connsiteX4" fmla="*/ 1616562 w 1862214"/>
-                    <a:gd name="connsiteY4" fmla="*/ 780403 h 846971"/>
-                    <a:gd name="connsiteX5" fmla="*/ 1549994 w 1862214"/>
-                    <a:gd name="connsiteY5" fmla="*/ 846971 h 846971"/>
-                    <a:gd name="connsiteX6" fmla="*/ 305455 w 1862214"/>
-                    <a:gd name="connsiteY6" fmla="*/ 846971 h 846971"/>
-                    <a:gd name="connsiteX7" fmla="*/ 238887 w 1862214"/>
-                    <a:gd name="connsiteY7" fmla="*/ 780403 h 846971"/>
-                    <a:gd name="connsiteX8" fmla="*/ 238598 w 1862214"/>
-                    <a:gd name="connsiteY8" fmla="*/ 233513 h 846971"/>
-                    <a:gd name="connsiteX0" fmla="*/ 238160 w 1856323"/>
-                    <a:gd name="connsiteY0" fmla="*/ 248080 h 861538"/>
-                    <a:gd name="connsiteX1" fmla="*/ 83922 w 1856323"/>
-                    <a:gd name="connsiteY1" fmla="*/ 40368 h 861538"/>
-                    <a:gd name="connsiteX2" fmla="*/ 1772383 w 1856323"/>
-                    <a:gd name="connsiteY2" fmla="*/ 17567 h 861538"/>
-                    <a:gd name="connsiteX3" fmla="*/ 1616124 w 1856323"/>
-                    <a:gd name="connsiteY3" fmla="*/ 240287 h 861538"/>
-                    <a:gd name="connsiteX4" fmla="*/ 1616124 w 1856323"/>
-                    <a:gd name="connsiteY4" fmla="*/ 794970 h 861538"/>
-                    <a:gd name="connsiteX5" fmla="*/ 1549556 w 1856323"/>
-                    <a:gd name="connsiteY5" fmla="*/ 861538 h 861538"/>
-                    <a:gd name="connsiteX6" fmla="*/ 305017 w 1856323"/>
-                    <a:gd name="connsiteY6" fmla="*/ 861538 h 861538"/>
-                    <a:gd name="connsiteX7" fmla="*/ 238449 w 1856323"/>
-                    <a:gd name="connsiteY7" fmla="*/ 794970 h 861538"/>
-                    <a:gd name="connsiteX8" fmla="*/ 238160 w 1856323"/>
-                    <a:gd name="connsiteY8" fmla="*/ 248080 h 861538"/>
-                    <a:gd name="connsiteX0" fmla="*/ 238160 w 1785863"/>
-                    <a:gd name="connsiteY0" fmla="*/ 242493 h 855951"/>
-                    <a:gd name="connsiteX1" fmla="*/ 83922 w 1785863"/>
-                    <a:gd name="connsiteY1" fmla="*/ 34781 h 855951"/>
-                    <a:gd name="connsiteX2" fmla="*/ 1772383 w 1785863"/>
-                    <a:gd name="connsiteY2" fmla="*/ 11980 h 855951"/>
-                    <a:gd name="connsiteX3" fmla="*/ 1616124 w 1785863"/>
-                    <a:gd name="connsiteY3" fmla="*/ 234700 h 855951"/>
-                    <a:gd name="connsiteX4" fmla="*/ 1616124 w 1785863"/>
-                    <a:gd name="connsiteY4" fmla="*/ 789383 h 855951"/>
-                    <a:gd name="connsiteX5" fmla="*/ 1549556 w 1785863"/>
-                    <a:gd name="connsiteY5" fmla="*/ 855951 h 855951"/>
-                    <a:gd name="connsiteX6" fmla="*/ 305017 w 1785863"/>
-                    <a:gd name="connsiteY6" fmla="*/ 855951 h 855951"/>
-                    <a:gd name="connsiteX7" fmla="*/ 238449 w 1785863"/>
-                    <a:gd name="connsiteY7" fmla="*/ 789383 h 855951"/>
-                    <a:gd name="connsiteX8" fmla="*/ 238160 w 1785863"/>
-                    <a:gd name="connsiteY8" fmla="*/ 242493 h 855951"/>
-                    <a:gd name="connsiteX0" fmla="*/ 239914 w 1812854"/>
-                    <a:gd name="connsiteY0" fmla="*/ 232326 h 845784"/>
-                    <a:gd name="connsiteX1" fmla="*/ 85676 w 1812854"/>
-                    <a:gd name="connsiteY1" fmla="*/ 24614 h 845784"/>
-                    <a:gd name="connsiteX2" fmla="*/ 1799537 w 1812854"/>
-                    <a:gd name="connsiteY2" fmla="*/ 17688 h 845784"/>
-                    <a:gd name="connsiteX3" fmla="*/ 1617878 w 1812854"/>
-                    <a:gd name="connsiteY3" fmla="*/ 224533 h 845784"/>
-                    <a:gd name="connsiteX4" fmla="*/ 1617878 w 1812854"/>
-                    <a:gd name="connsiteY4" fmla="*/ 779216 h 845784"/>
-                    <a:gd name="connsiteX5" fmla="*/ 1551310 w 1812854"/>
-                    <a:gd name="connsiteY5" fmla="*/ 845784 h 845784"/>
-                    <a:gd name="connsiteX6" fmla="*/ 306771 w 1812854"/>
-                    <a:gd name="connsiteY6" fmla="*/ 845784 h 845784"/>
-                    <a:gd name="connsiteX7" fmla="*/ 240203 w 1812854"/>
-                    <a:gd name="connsiteY7" fmla="*/ 779216 h 845784"/>
-                    <a:gd name="connsiteX8" fmla="*/ 239914 w 1812854"/>
-                    <a:gd name="connsiteY8" fmla="*/ 232326 h 845784"/>
-                    <a:gd name="connsiteX0" fmla="*/ 241013 w 1829728"/>
-                    <a:gd name="connsiteY0" fmla="*/ 230621 h 844079"/>
-                    <a:gd name="connsiteX1" fmla="*/ 86775 w 1829728"/>
-                    <a:gd name="connsiteY1" fmla="*/ 22909 h 844079"/>
-                    <a:gd name="connsiteX2" fmla="*/ 1816511 w 1829728"/>
-                    <a:gd name="connsiteY2" fmla="*/ 19158 h 844079"/>
-                    <a:gd name="connsiteX3" fmla="*/ 1618977 w 1829728"/>
-                    <a:gd name="connsiteY3" fmla="*/ 222828 h 844079"/>
-                    <a:gd name="connsiteX4" fmla="*/ 1618977 w 1829728"/>
-                    <a:gd name="connsiteY4" fmla="*/ 777511 h 844079"/>
-                    <a:gd name="connsiteX5" fmla="*/ 1552409 w 1829728"/>
-                    <a:gd name="connsiteY5" fmla="*/ 844079 h 844079"/>
-                    <a:gd name="connsiteX6" fmla="*/ 307870 w 1829728"/>
-                    <a:gd name="connsiteY6" fmla="*/ 844079 h 844079"/>
-                    <a:gd name="connsiteX7" fmla="*/ 241302 w 1829728"/>
-                    <a:gd name="connsiteY7" fmla="*/ 777511 h 844079"/>
-                    <a:gd name="connsiteX8" fmla="*/ 241013 w 1829728"/>
-                    <a:gd name="connsiteY8" fmla="*/ 230621 h 844079"/>
-                    <a:gd name="connsiteX0" fmla="*/ 241013 w 1829728"/>
-                    <a:gd name="connsiteY0" fmla="*/ 224021 h 837479"/>
-                    <a:gd name="connsiteX1" fmla="*/ 86775 w 1829728"/>
-                    <a:gd name="connsiteY1" fmla="*/ 16309 h 837479"/>
-                    <a:gd name="connsiteX2" fmla="*/ 1816511 w 1829728"/>
-                    <a:gd name="connsiteY2" fmla="*/ 12558 h 837479"/>
-                    <a:gd name="connsiteX3" fmla="*/ 1618977 w 1829728"/>
-                    <a:gd name="connsiteY3" fmla="*/ 216228 h 837479"/>
-                    <a:gd name="connsiteX4" fmla="*/ 1618977 w 1829728"/>
-                    <a:gd name="connsiteY4" fmla="*/ 770911 h 837479"/>
-                    <a:gd name="connsiteX5" fmla="*/ 1552409 w 1829728"/>
-                    <a:gd name="connsiteY5" fmla="*/ 837479 h 837479"/>
-                    <a:gd name="connsiteX6" fmla="*/ 307870 w 1829728"/>
-                    <a:gd name="connsiteY6" fmla="*/ 837479 h 837479"/>
-                    <a:gd name="connsiteX7" fmla="*/ 241302 w 1829728"/>
-                    <a:gd name="connsiteY7" fmla="*/ 770911 h 837479"/>
-                    <a:gd name="connsiteX8" fmla="*/ 241013 w 1829728"/>
-                    <a:gd name="connsiteY8" fmla="*/ 224021 h 837479"/>
-                    <a:gd name="connsiteX0" fmla="*/ 241013 w 1829728"/>
-                    <a:gd name="connsiteY0" fmla="*/ 224021 h 837479"/>
-                    <a:gd name="connsiteX1" fmla="*/ 86775 w 1829728"/>
-                    <a:gd name="connsiteY1" fmla="*/ 16309 h 837479"/>
-                    <a:gd name="connsiteX2" fmla="*/ 1816511 w 1829728"/>
-                    <a:gd name="connsiteY2" fmla="*/ 12558 h 837479"/>
-                    <a:gd name="connsiteX3" fmla="*/ 1618977 w 1829728"/>
-                    <a:gd name="connsiteY3" fmla="*/ 216228 h 837479"/>
-                    <a:gd name="connsiteX4" fmla="*/ 1618977 w 1829728"/>
-                    <a:gd name="connsiteY4" fmla="*/ 770911 h 837479"/>
-                    <a:gd name="connsiteX5" fmla="*/ 1552409 w 1829728"/>
-                    <a:gd name="connsiteY5" fmla="*/ 837479 h 837479"/>
-                    <a:gd name="connsiteX6" fmla="*/ 307870 w 1829728"/>
-                    <a:gd name="connsiteY6" fmla="*/ 837479 h 837479"/>
-                    <a:gd name="connsiteX7" fmla="*/ 241302 w 1829728"/>
-                    <a:gd name="connsiteY7" fmla="*/ 770911 h 837479"/>
-                    <a:gd name="connsiteX8" fmla="*/ 241013 w 1829728"/>
-                    <a:gd name="connsiteY8" fmla="*/ 224021 h 837479"/>
-                    <a:gd name="connsiteX0" fmla="*/ 216773 w 1868784"/>
-                    <a:gd name="connsiteY0" fmla="*/ 251658 h 865116"/>
-                    <a:gd name="connsiteX1" fmla="*/ 91110 w 1868784"/>
-                    <a:gd name="connsiteY1" fmla="*/ 18546 h 865116"/>
-                    <a:gd name="connsiteX2" fmla="*/ 1792271 w 1868784"/>
-                    <a:gd name="connsiteY2" fmla="*/ 40195 h 865116"/>
-                    <a:gd name="connsiteX3" fmla="*/ 1594737 w 1868784"/>
-                    <a:gd name="connsiteY3" fmla="*/ 243865 h 865116"/>
-                    <a:gd name="connsiteX4" fmla="*/ 1594737 w 1868784"/>
-                    <a:gd name="connsiteY4" fmla="*/ 798548 h 865116"/>
-                    <a:gd name="connsiteX5" fmla="*/ 1528169 w 1868784"/>
-                    <a:gd name="connsiteY5" fmla="*/ 865116 h 865116"/>
-                    <a:gd name="connsiteX6" fmla="*/ 283630 w 1868784"/>
-                    <a:gd name="connsiteY6" fmla="*/ 865116 h 865116"/>
-                    <a:gd name="connsiteX7" fmla="*/ 217062 w 1868784"/>
-                    <a:gd name="connsiteY7" fmla="*/ 798548 h 865116"/>
-                    <a:gd name="connsiteX8" fmla="*/ 216773 w 1868784"/>
-                    <a:gd name="connsiteY8" fmla="*/ 251658 h 865116"/>
-                    <a:gd name="connsiteX0" fmla="*/ 216773 w 1868784"/>
-                    <a:gd name="connsiteY0" fmla="*/ 274671 h 888129"/>
-                    <a:gd name="connsiteX1" fmla="*/ 91110 w 1868784"/>
-                    <a:gd name="connsiteY1" fmla="*/ 12984 h 888129"/>
-                    <a:gd name="connsiteX2" fmla="*/ 1792271 w 1868784"/>
-                    <a:gd name="connsiteY2" fmla="*/ 63208 h 888129"/>
-                    <a:gd name="connsiteX3" fmla="*/ 1594737 w 1868784"/>
-                    <a:gd name="connsiteY3" fmla="*/ 266878 h 888129"/>
-                    <a:gd name="connsiteX4" fmla="*/ 1594737 w 1868784"/>
-                    <a:gd name="connsiteY4" fmla="*/ 821561 h 888129"/>
-                    <a:gd name="connsiteX5" fmla="*/ 1528169 w 1868784"/>
-                    <a:gd name="connsiteY5" fmla="*/ 888129 h 888129"/>
-                    <a:gd name="connsiteX6" fmla="*/ 283630 w 1868784"/>
-                    <a:gd name="connsiteY6" fmla="*/ 888129 h 888129"/>
-                    <a:gd name="connsiteX7" fmla="*/ 217062 w 1868784"/>
-                    <a:gd name="connsiteY7" fmla="*/ 821561 h 888129"/>
-                    <a:gd name="connsiteX8" fmla="*/ 216773 w 1868784"/>
-                    <a:gd name="connsiteY8" fmla="*/ 274671 h 888129"/>
-                    <a:gd name="connsiteX0" fmla="*/ 216325 w 1862778"/>
-                    <a:gd name="connsiteY0" fmla="*/ 289222 h 902680"/>
-                    <a:gd name="connsiteX1" fmla="*/ 90662 w 1862778"/>
-                    <a:gd name="connsiteY1" fmla="*/ 27535 h 902680"/>
-                    <a:gd name="connsiteX2" fmla="*/ 1785473 w 1862778"/>
-                    <a:gd name="connsiteY2" fmla="*/ 36484 h 902680"/>
-                    <a:gd name="connsiteX3" fmla="*/ 1594289 w 1862778"/>
-                    <a:gd name="connsiteY3" fmla="*/ 281429 h 902680"/>
-                    <a:gd name="connsiteX4" fmla="*/ 1594289 w 1862778"/>
-                    <a:gd name="connsiteY4" fmla="*/ 836112 h 902680"/>
-                    <a:gd name="connsiteX5" fmla="*/ 1527721 w 1862778"/>
-                    <a:gd name="connsiteY5" fmla="*/ 902680 h 902680"/>
-                    <a:gd name="connsiteX6" fmla="*/ 283182 w 1862778"/>
-                    <a:gd name="connsiteY6" fmla="*/ 902680 h 902680"/>
-                    <a:gd name="connsiteX7" fmla="*/ 216614 w 1862778"/>
-                    <a:gd name="connsiteY7" fmla="*/ 836112 h 902680"/>
-                    <a:gd name="connsiteX8" fmla="*/ 216325 w 1862778"/>
-                    <a:gd name="connsiteY8" fmla="*/ 289222 h 902680"/>
-                    <a:gd name="connsiteX0" fmla="*/ 216325 w 1862778"/>
-                    <a:gd name="connsiteY0" fmla="*/ 289222 h 902680"/>
-                    <a:gd name="connsiteX1" fmla="*/ 90662 w 1862778"/>
-                    <a:gd name="connsiteY1" fmla="*/ 27535 h 902680"/>
-                    <a:gd name="connsiteX2" fmla="*/ 1785473 w 1862778"/>
-                    <a:gd name="connsiteY2" fmla="*/ 36484 h 902680"/>
-                    <a:gd name="connsiteX3" fmla="*/ 1594289 w 1862778"/>
-                    <a:gd name="connsiteY3" fmla="*/ 281429 h 902680"/>
-                    <a:gd name="connsiteX4" fmla="*/ 1594289 w 1862778"/>
-                    <a:gd name="connsiteY4" fmla="*/ 836112 h 902680"/>
-                    <a:gd name="connsiteX5" fmla="*/ 1527721 w 1862778"/>
-                    <a:gd name="connsiteY5" fmla="*/ 902680 h 902680"/>
-                    <a:gd name="connsiteX6" fmla="*/ 283182 w 1862778"/>
-                    <a:gd name="connsiteY6" fmla="*/ 902680 h 902680"/>
-                    <a:gd name="connsiteX7" fmla="*/ 216614 w 1862778"/>
-                    <a:gd name="connsiteY7" fmla="*/ 836112 h 902680"/>
-                    <a:gd name="connsiteX8" fmla="*/ 216325 w 1862778"/>
-                    <a:gd name="connsiteY8" fmla="*/ 289222 h 902680"/>
-                    <a:gd name="connsiteX0" fmla="*/ 215874 w 1862327"/>
-                    <a:gd name="connsiteY0" fmla="*/ 289222 h 902680"/>
-                    <a:gd name="connsiteX1" fmla="*/ 90211 w 1862327"/>
-                    <a:gd name="connsiteY1" fmla="*/ 27535 h 902680"/>
-                    <a:gd name="connsiteX2" fmla="*/ 1785022 w 1862327"/>
-                    <a:gd name="connsiteY2" fmla="*/ 36484 h 902680"/>
-                    <a:gd name="connsiteX3" fmla="*/ 1593838 w 1862327"/>
-                    <a:gd name="connsiteY3" fmla="*/ 281429 h 902680"/>
-                    <a:gd name="connsiteX4" fmla="*/ 1593838 w 1862327"/>
-                    <a:gd name="connsiteY4" fmla="*/ 836112 h 902680"/>
-                    <a:gd name="connsiteX5" fmla="*/ 1527270 w 1862327"/>
-                    <a:gd name="connsiteY5" fmla="*/ 902680 h 902680"/>
-                    <a:gd name="connsiteX6" fmla="*/ 282731 w 1862327"/>
-                    <a:gd name="connsiteY6" fmla="*/ 902680 h 902680"/>
-                    <a:gd name="connsiteX7" fmla="*/ 216163 w 1862327"/>
-                    <a:gd name="connsiteY7" fmla="*/ 836112 h 902680"/>
-                    <a:gd name="connsiteX8" fmla="*/ 215874 w 1862327"/>
-                    <a:gd name="connsiteY8" fmla="*/ 289222 h 902680"/>
-                    <a:gd name="connsiteX0" fmla="*/ 218551 w 1865217"/>
-                    <a:gd name="connsiteY0" fmla="*/ 271689 h 885147"/>
-                    <a:gd name="connsiteX1" fmla="*/ 89713 w 1865217"/>
-                    <a:gd name="connsiteY1" fmla="*/ 44927 h 885147"/>
-                    <a:gd name="connsiteX2" fmla="*/ 1787699 w 1865217"/>
-                    <a:gd name="connsiteY2" fmla="*/ 18951 h 885147"/>
-                    <a:gd name="connsiteX3" fmla="*/ 1596515 w 1865217"/>
-                    <a:gd name="connsiteY3" fmla="*/ 263896 h 885147"/>
-                    <a:gd name="connsiteX4" fmla="*/ 1596515 w 1865217"/>
-                    <a:gd name="connsiteY4" fmla="*/ 818579 h 885147"/>
-                    <a:gd name="connsiteX5" fmla="*/ 1529947 w 1865217"/>
-                    <a:gd name="connsiteY5" fmla="*/ 885147 h 885147"/>
-                    <a:gd name="connsiteX6" fmla="*/ 285408 w 1865217"/>
-                    <a:gd name="connsiteY6" fmla="*/ 885147 h 885147"/>
-                    <a:gd name="connsiteX7" fmla="*/ 218840 w 1865217"/>
-                    <a:gd name="connsiteY7" fmla="*/ 818579 h 885147"/>
-                    <a:gd name="connsiteX8" fmla="*/ 218551 w 1865217"/>
-                    <a:gd name="connsiteY8" fmla="*/ 271689 h 885147"/>
-                    <a:gd name="connsiteX0" fmla="*/ 217882 w 1856244"/>
-                    <a:gd name="connsiteY0" fmla="*/ 253205 h 866663"/>
-                    <a:gd name="connsiteX1" fmla="*/ 89044 w 1856244"/>
-                    <a:gd name="connsiteY1" fmla="*/ 26443 h 866663"/>
-                    <a:gd name="connsiteX2" fmla="*/ 1777505 w 1856244"/>
-                    <a:gd name="connsiteY2" fmla="*/ 29042 h 866663"/>
-                    <a:gd name="connsiteX3" fmla="*/ 1595846 w 1856244"/>
-                    <a:gd name="connsiteY3" fmla="*/ 245412 h 866663"/>
-                    <a:gd name="connsiteX4" fmla="*/ 1595846 w 1856244"/>
-                    <a:gd name="connsiteY4" fmla="*/ 800095 h 866663"/>
-                    <a:gd name="connsiteX5" fmla="*/ 1529278 w 1856244"/>
-                    <a:gd name="connsiteY5" fmla="*/ 866663 h 866663"/>
-                    <a:gd name="connsiteX6" fmla="*/ 284739 w 1856244"/>
-                    <a:gd name="connsiteY6" fmla="*/ 866663 h 866663"/>
-                    <a:gd name="connsiteX7" fmla="*/ 218171 w 1856244"/>
-                    <a:gd name="connsiteY7" fmla="*/ 800095 h 866663"/>
-                    <a:gd name="connsiteX8" fmla="*/ 217882 w 1856244"/>
-                    <a:gd name="connsiteY8" fmla="*/ 253205 h 866663"/>
-                    <a:gd name="connsiteX0" fmla="*/ 147782 w 1780363"/>
-                    <a:gd name="connsiteY0" fmla="*/ 253205 h 866663"/>
-                    <a:gd name="connsiteX1" fmla="*/ 104669 w 1780363"/>
-                    <a:gd name="connsiteY1" fmla="*/ 26443 h 866663"/>
-                    <a:gd name="connsiteX2" fmla="*/ 1707405 w 1780363"/>
-                    <a:gd name="connsiteY2" fmla="*/ 29042 h 866663"/>
-                    <a:gd name="connsiteX3" fmla="*/ 1525746 w 1780363"/>
-                    <a:gd name="connsiteY3" fmla="*/ 245412 h 866663"/>
-                    <a:gd name="connsiteX4" fmla="*/ 1525746 w 1780363"/>
-                    <a:gd name="connsiteY4" fmla="*/ 800095 h 866663"/>
-                    <a:gd name="connsiteX5" fmla="*/ 1459178 w 1780363"/>
-                    <a:gd name="connsiteY5" fmla="*/ 866663 h 866663"/>
-                    <a:gd name="connsiteX6" fmla="*/ 214639 w 1780363"/>
-                    <a:gd name="connsiteY6" fmla="*/ 866663 h 866663"/>
-                    <a:gd name="connsiteX7" fmla="*/ 148071 w 1780363"/>
-                    <a:gd name="connsiteY7" fmla="*/ 800095 h 866663"/>
-                    <a:gd name="connsiteX8" fmla="*/ 147782 w 1780363"/>
-                    <a:gd name="connsiteY8" fmla="*/ 253205 h 866663"/>
-                    <a:gd name="connsiteX0" fmla="*/ 142912 w 1718560"/>
-                    <a:gd name="connsiteY0" fmla="*/ 250562 h 864020"/>
-                    <a:gd name="connsiteX1" fmla="*/ 99799 w 1718560"/>
-                    <a:gd name="connsiteY1" fmla="*/ 23800 h 864020"/>
-                    <a:gd name="connsiteX2" fmla="*/ 1636205 w 1718560"/>
-                    <a:gd name="connsiteY2" fmla="*/ 31562 h 864020"/>
-                    <a:gd name="connsiteX3" fmla="*/ 1520876 w 1718560"/>
-                    <a:gd name="connsiteY3" fmla="*/ 242769 h 864020"/>
-                    <a:gd name="connsiteX4" fmla="*/ 1520876 w 1718560"/>
-                    <a:gd name="connsiteY4" fmla="*/ 797452 h 864020"/>
-                    <a:gd name="connsiteX5" fmla="*/ 1454308 w 1718560"/>
-                    <a:gd name="connsiteY5" fmla="*/ 864020 h 864020"/>
-                    <a:gd name="connsiteX6" fmla="*/ 209769 w 1718560"/>
-                    <a:gd name="connsiteY6" fmla="*/ 864020 h 864020"/>
-                    <a:gd name="connsiteX7" fmla="*/ 143201 w 1718560"/>
-                    <a:gd name="connsiteY7" fmla="*/ 797452 h 864020"/>
-                    <a:gd name="connsiteX8" fmla="*/ 142912 w 1718560"/>
-                    <a:gd name="connsiteY8" fmla="*/ 250562 h 864020"/>
-                    <a:gd name="connsiteX0" fmla="*/ 140131 w 1684403"/>
-                    <a:gd name="connsiteY0" fmla="*/ 248148 h 861606"/>
-                    <a:gd name="connsiteX1" fmla="*/ 97018 w 1684403"/>
-                    <a:gd name="connsiteY1" fmla="*/ 21386 h 861606"/>
-                    <a:gd name="connsiteX2" fmla="*/ 1595521 w 1684403"/>
-                    <a:gd name="connsiteY2" fmla="*/ 34311 h 861606"/>
-                    <a:gd name="connsiteX3" fmla="*/ 1518095 w 1684403"/>
-                    <a:gd name="connsiteY3" fmla="*/ 240355 h 861606"/>
-                    <a:gd name="connsiteX4" fmla="*/ 1518095 w 1684403"/>
-                    <a:gd name="connsiteY4" fmla="*/ 795038 h 861606"/>
-                    <a:gd name="connsiteX5" fmla="*/ 1451527 w 1684403"/>
-                    <a:gd name="connsiteY5" fmla="*/ 861606 h 861606"/>
-                    <a:gd name="connsiteX6" fmla="*/ 206988 w 1684403"/>
-                    <a:gd name="connsiteY6" fmla="*/ 861606 h 861606"/>
-                    <a:gd name="connsiteX7" fmla="*/ 140420 w 1684403"/>
-                    <a:gd name="connsiteY7" fmla="*/ 795038 h 861606"/>
-                    <a:gd name="connsiteX8" fmla="*/ 140131 w 1684403"/>
-                    <a:gd name="connsiteY8" fmla="*/ 248148 h 861606"/>
-                    <a:gd name="connsiteX0" fmla="*/ 140131 w 1684403"/>
-                    <a:gd name="connsiteY0" fmla="*/ 262476 h 875934"/>
-                    <a:gd name="connsiteX1" fmla="*/ 97018 w 1684403"/>
-                    <a:gd name="connsiteY1" fmla="*/ 35714 h 875934"/>
-                    <a:gd name="connsiteX2" fmla="*/ 1595521 w 1684403"/>
-                    <a:gd name="connsiteY2" fmla="*/ 22825 h 875934"/>
-                    <a:gd name="connsiteX3" fmla="*/ 1518095 w 1684403"/>
-                    <a:gd name="connsiteY3" fmla="*/ 254683 h 875934"/>
-                    <a:gd name="connsiteX4" fmla="*/ 1518095 w 1684403"/>
-                    <a:gd name="connsiteY4" fmla="*/ 809366 h 875934"/>
-                    <a:gd name="connsiteX5" fmla="*/ 1451527 w 1684403"/>
-                    <a:gd name="connsiteY5" fmla="*/ 875934 h 875934"/>
-                    <a:gd name="connsiteX6" fmla="*/ 206988 w 1684403"/>
-                    <a:gd name="connsiteY6" fmla="*/ 875934 h 875934"/>
-                    <a:gd name="connsiteX7" fmla="*/ 140420 w 1684403"/>
-                    <a:gd name="connsiteY7" fmla="*/ 809366 h 875934"/>
-                    <a:gd name="connsiteX8" fmla="*/ 140131 w 1684403"/>
-                    <a:gd name="connsiteY8" fmla="*/ 262476 h 875934"/>
-                  </a:gdLst>
-                  <a:ahLst/>
-                  <a:cxnLst>
-                    <a:cxn ang="0">
-                      <a:pos x="connsiteX0" y="connsiteY0"/>
-                    </a:cxn>
-                    <a:cxn ang="0">
-                      <a:pos x="connsiteX1" y="connsiteY1"/>
-                    </a:cxn>
-                    <a:cxn ang="0">
-                      <a:pos x="connsiteX2" y="connsiteY2"/>
-                    </a:cxn>
-                    <a:cxn ang="0">
-                      <a:pos x="connsiteX3" y="connsiteY3"/>
-                    </a:cxn>
-                    <a:cxn ang="0">
-                      <a:pos x="connsiteX4" y="connsiteY4"/>
-                    </a:cxn>
-                    <a:cxn ang="0">
-                      <a:pos x="connsiteX5" y="connsiteY5"/>
-                    </a:cxn>
-                    <a:cxn ang="0">
-                      <a:pos x="connsiteX6" y="connsiteY6"/>
-                    </a:cxn>
-                    <a:cxn ang="0">
-                      <a:pos x="connsiteX7" y="connsiteY7"/>
-                    </a:cxn>
-                    <a:cxn ang="0">
-                      <a:pos x="connsiteX8" y="connsiteY8"/>
-                    </a:cxn>
-                  </a:cxnLst>
-                  <a:rect l="l" t="t" r="r" b="b"/>
-                  <a:pathLst>
-                    <a:path w="1684403" h="875934">
-                      <a:moveTo>
-                        <a:pt x="140131" y="262476"/>
-                      </a:moveTo>
-                      <a:cubicBezTo>
-                        <a:pt x="143594" y="-22515"/>
-                        <a:pt x="-145547" y="75656"/>
-                        <a:pt x="97018" y="35714"/>
-                      </a:cubicBezTo>
-                      <a:cubicBezTo>
-                        <a:pt x="339583" y="-4228"/>
-                        <a:pt x="1358675" y="-13670"/>
-                        <a:pt x="1595521" y="22825"/>
-                      </a:cubicBezTo>
-                      <a:cubicBezTo>
-                        <a:pt x="1832367" y="59320"/>
-                        <a:pt x="1521270" y="-25690"/>
-                        <a:pt x="1518095" y="254683"/>
-                      </a:cubicBezTo>
-                      <a:lnTo>
-                        <a:pt x="1518095" y="809366"/>
-                      </a:lnTo>
-                      <a:cubicBezTo>
-                        <a:pt x="1518095" y="846130"/>
-                        <a:pt x="1488291" y="875934"/>
-                        <a:pt x="1451527" y="875934"/>
-                      </a:cubicBezTo>
-                      <a:lnTo>
-                        <a:pt x="206988" y="875934"/>
-                      </a:lnTo>
-                      <a:cubicBezTo>
-                        <a:pt x="170224" y="875934"/>
-                        <a:pt x="140420" y="846130"/>
-                        <a:pt x="140420" y="809366"/>
-                      </a:cubicBezTo>
-                      <a:cubicBezTo>
-                        <a:pt x="139265" y="599553"/>
-                        <a:pt x="141286" y="472289"/>
-                        <a:pt x="140131" y="262476"/>
-                      </a:cubicBezTo>
-                      <a:close/>
-                    </a:path>
-                  </a:pathLst>
-                </a:custGeom>
-                <a:gradFill>
-                  <a:gsLst>
-                    <a:gs pos="0">
-                      <a:schemeClr val="accent1"/>
-                    </a:gs>
-                    <a:gs pos="96000">
-                      <a:schemeClr val="tx2"/>
-                    </a:gs>
-                  </a:gsLst>
-                  <a:lin ang="5400000" scaled="0"/>
-                </a:gradFill>
-                <a:ln w="12700">
-                  <a:noFill/>
-                </a:ln>
-                <a:effectLst/>
-              </p:spPr>
-              <p:style>
-                <a:lnRef idx="2">
-                  <a:schemeClr val="dk1"/>
-                </a:lnRef>
-                <a:fillRef idx="1">
-                  <a:schemeClr val="lt1"/>
-                </a:fillRef>
-                <a:effectRef idx="0">
-                  <a:schemeClr val="dk1"/>
-                </a:effectRef>
-                <a:fontRef idx="minor">
-                  <a:schemeClr val="dk1"/>
-                </a:fontRef>
-              </p:style>
-              <p:txBody>
-                <a:bodyPr rtlCol="0" anchor="ctr"/>
-                <a:lstStyle/>
-                <a:p>
-                  <a:pPr algn="ctr"/>
-                  <a:endParaRPr lang="en-US" sz="1600" dirty="0">
-                    <a:ln w="0">
-                      <a:solidFill>
-                        <a:sysClr val="windowText" lastClr="000000"/>
-                      </a:solidFill>
-                    </a:ln>
-                    <a:solidFill>
-                      <a:schemeClr val="tx1"/>
-                    </a:solidFill>
-                  </a:endParaRPr>
-                </a:p>
-              </p:txBody>
-            </p:sp>
-            <p:grpSp>
-              <p:nvGrpSpPr>
-                <p:cNvPr id="19" name="Group 18">
-                  <a:extLst>
-                    <a:ext uri="{FF2B5EF4-FFF2-40B4-BE49-F238E27FC236}">
-                      <a16:creationId xmlns:a16="http://schemas.microsoft.com/office/drawing/2014/main" id="{B274EFA6-9B42-5440-AF5B-359CF9E65901}"/>
-                    </a:ext>
-                  </a:extLst>
-                </p:cNvPr>
-                <p:cNvGrpSpPr/>
-                <p:nvPr/>
-              </p:nvGrpSpPr>
-              <p:grpSpPr>
-                <a:xfrm>
-                  <a:off x="3457782" y="3761592"/>
-                  <a:ext cx="1222852" cy="359571"/>
-                  <a:chOff x="3671478" y="3950247"/>
-                  <a:chExt cx="1376425" cy="404729"/>
-                </a:xfrm>
-              </p:grpSpPr>
-              <p:sp>
-                <p:nvSpPr>
-                  <p:cNvPr id="20" name="Rounded Rectangle 19">
-                    <a:extLst>
-                      <a:ext uri="{FF2B5EF4-FFF2-40B4-BE49-F238E27FC236}">
-                        <a16:creationId xmlns:a16="http://schemas.microsoft.com/office/drawing/2014/main" id="{D046CDF5-B514-CA4E-8504-E436F806B938}"/>
-                      </a:ext>
-                    </a:extLst>
-                  </p:cNvPr>
-                  <p:cNvSpPr/>
-                  <p:nvPr/>
-                </p:nvSpPr>
-                <p:spPr>
-                  <a:xfrm>
-                    <a:off x="3671478" y="3950247"/>
-                    <a:ext cx="1376425" cy="404729"/>
-                  </a:xfrm>
-                  <a:prstGeom prst="roundRect">
-                    <a:avLst>
-                      <a:gd name="adj" fmla="val 12736"/>
-                    </a:avLst>
-                  </a:prstGeom>
-                  <a:solidFill>
-                    <a:schemeClr val="bg1"/>
-                  </a:solidFill>
-                  <a:ln w="12700">
-                    <a:noFill/>
-                  </a:ln>
-                  <a:effectLst/>
-                </p:spPr>
-                <p:style>
-                  <a:lnRef idx="2">
-                    <a:schemeClr val="dk1"/>
-                  </a:lnRef>
-                  <a:fillRef idx="1">
-                    <a:schemeClr val="lt1"/>
-                  </a:fillRef>
-                  <a:effectRef idx="0">
-                    <a:schemeClr val="dk1"/>
-                  </a:effectRef>
-                  <a:fontRef idx="minor">
-                    <a:schemeClr val="dk1"/>
-                  </a:fontRef>
-                </p:style>
-                <p:txBody>
-                  <a:bodyPr wrap="square" tIns="36000" bIns="36000" rtlCol="0" anchor="ctr">
-                    <a:noAutofit/>
-                  </a:bodyPr>
-                  <a:lstStyle/>
-                  <a:p>
-                    <a:pPr algn="ctr"/>
-                    <a:endParaRPr lang="en-US" sz="1200" dirty="0">
-                      <a:solidFill>
-                        <a:schemeClr val="bg1"/>
-                      </a:solidFill>
-                      <a:latin typeface="Source Sans Pro Light" charset="0"/>
-                      <a:ea typeface="Source Sans Pro Light" charset="0"/>
-                      <a:cs typeface="Source Sans Pro Light" charset="0"/>
-                    </a:endParaRPr>
-                  </a:p>
-                </p:txBody>
-              </p:sp>
-              <p:grpSp>
-                <p:nvGrpSpPr>
-                  <p:cNvPr id="21" name="Group 20">
-                    <a:extLst>
-                      <a:ext uri="{FF2B5EF4-FFF2-40B4-BE49-F238E27FC236}">
-                        <a16:creationId xmlns:a16="http://schemas.microsoft.com/office/drawing/2014/main" id="{985BF61E-F2F3-0C4D-809B-EF1E436A8054}"/>
-                      </a:ext>
-                    </a:extLst>
-                  </p:cNvPr>
-                  <p:cNvGrpSpPr/>
-                  <p:nvPr/>
-                </p:nvGrpSpPr>
-                <p:grpSpPr>
-                  <a:xfrm>
-                    <a:off x="3783349" y="3990167"/>
-                    <a:ext cx="1230087" cy="352081"/>
-                    <a:chOff x="3783349" y="3990167"/>
-                    <a:chExt cx="1230087" cy="352081"/>
-                  </a:xfrm>
-                </p:grpSpPr>
-                <p:pic>
-                  <p:nvPicPr>
-                    <p:cNvPr id="22" name="Picture 21">
-                      <a:extLst>
-                        <a:ext uri="{FF2B5EF4-FFF2-40B4-BE49-F238E27FC236}">
-                          <a16:creationId xmlns:a16="http://schemas.microsoft.com/office/drawing/2014/main" id="{30A4E1B0-8052-744A-AA21-F5E88AF4F659}"/>
-                        </a:ext>
-                      </a:extLst>
-                    </p:cNvPr>
-                    <p:cNvPicPr>
-                      <a:picLocks noChangeAspect="1"/>
-                    </p:cNvPicPr>
-                    <p:nvPr/>
-                  </p:nvPicPr>
-                  <p:blipFill>
-                    <a:blip r:embed="rId3" cstate="print">
-                      <a:extLst>
-                        <a:ext uri="{28A0092B-C50C-407E-A947-70E740481C1C}">
-                          <a14:useLocalDpi xmlns:a14="http://schemas.microsoft.com/office/drawing/2010/main" val="0"/>
-                        </a:ext>
-                      </a:extLst>
-                    </a:blip>
-                    <a:stretch>
-                      <a:fillRect/>
-                    </a:stretch>
-                  </p:blipFill>
-                  <p:spPr>
-                    <a:xfrm>
-                      <a:off x="4112963" y="3992064"/>
-                      <a:ext cx="900473" cy="350184"/>
-                    </a:xfrm>
-                    <a:prstGeom prst="rect">
-                      <a:avLst/>
-                    </a:prstGeom>
-                  </p:spPr>
-                </p:pic>
-                <p:pic>
-                  <p:nvPicPr>
-                    <p:cNvPr id="23" name="Picture 22">
-                      <a:extLst>
-                        <a:ext uri="{FF2B5EF4-FFF2-40B4-BE49-F238E27FC236}">
-                          <a16:creationId xmlns:a16="http://schemas.microsoft.com/office/drawing/2014/main" id="{9D8603F9-7AB8-BF43-94F5-7709429BE34B}"/>
-                        </a:ext>
-                      </a:extLst>
-                    </p:cNvPr>
-                    <p:cNvPicPr>
-                      <a:picLocks noChangeAspect="1"/>
-                    </p:cNvPicPr>
-                    <p:nvPr/>
-                  </p:nvPicPr>
-                  <p:blipFill>
-                    <a:blip r:embed="rId4" cstate="print">
-                      <a:extLst>
-                        <a:ext uri="{28A0092B-C50C-407E-A947-70E740481C1C}">
-                          <a14:useLocalDpi xmlns:a14="http://schemas.microsoft.com/office/drawing/2010/main" val="0"/>
-                        </a:ext>
-                      </a:extLst>
-                    </a:blip>
-                    <a:stretch>
-                      <a:fillRect/>
-                    </a:stretch>
-                  </p:blipFill>
-                  <p:spPr>
-                    <a:xfrm>
-                      <a:off x="3783349" y="3990167"/>
-                      <a:ext cx="322073" cy="324658"/>
-                    </a:xfrm>
-                    <a:prstGeom prst="rect">
-                      <a:avLst/>
-                    </a:prstGeom>
-                  </p:spPr>
-                </p:pic>
-              </p:grpSp>
-            </p:grpSp>
-          </p:grpSp>
-          <p:sp>
-            <p:nvSpPr>
-              <p:cNvPr id="24" name="Rounded Rectangle 23">
-                <a:extLst>
-                  <a:ext uri="{FF2B5EF4-FFF2-40B4-BE49-F238E27FC236}">
-                    <a16:creationId xmlns:a16="http://schemas.microsoft.com/office/drawing/2014/main" id="{9BC58F33-9A79-7647-8348-AB37D1ED666F}"/>
+                    <a16:creationId xmlns:a16="http://schemas.microsoft.com/office/drawing/2014/main" id="{D046CDF5-B514-CA4E-8504-E436F806B938}"/>
                   </a:ext>
                 </a:extLst>
               </p:cNvPr>
@@ -10584,310 +10233,12 @@
             </p:nvSpPr>
             <p:spPr>
               <a:xfrm>
-                <a:off x="440930" y="1988222"/>
-                <a:ext cx="4434230" cy="1381880"/>
+                <a:off x="3671478" y="3950247"/>
+                <a:ext cx="1376425" cy="404729"/>
               </a:xfrm>
               <a:prstGeom prst="roundRect">
                 <a:avLst>
-                  <a:gd name="adj" fmla="val 5238"/>
-                </a:avLst>
-              </a:prstGeom>
-              <a:solidFill>
-                <a:schemeClr val="accent1"/>
-              </a:solidFill>
-              <a:ln w="12700">
-                <a:solidFill>
-                  <a:schemeClr val="accent1"/>
-                </a:solidFill>
-              </a:ln>
-              <a:effectLst/>
-            </p:spPr>
-            <p:style>
-              <a:lnRef idx="2">
-                <a:schemeClr val="dk1"/>
-              </a:lnRef>
-              <a:fillRef idx="1">
-                <a:schemeClr val="lt1"/>
-              </a:fillRef>
-              <a:effectRef idx="0">
-                <a:schemeClr val="dk1"/>
-              </a:effectRef>
-              <a:fontRef idx="minor">
-                <a:schemeClr val="dk1"/>
-              </a:fontRef>
-            </p:style>
-            <p:txBody>
-              <a:bodyPr rtlCol="0" anchor="ctr"/>
-              <a:lstStyle/>
-              <a:p>
-                <a:pPr algn="ctr">
-                  <a:lnSpc>
-                    <a:spcPts val="1600"/>
-                  </a:lnSpc>
-                  <a:spcBef>
-                    <a:spcPts val="100"/>
-                  </a:spcBef>
-                  <a:spcAft>
-                    <a:spcPts val="100"/>
-                  </a:spcAft>
-                </a:pPr>
-                <a:endParaRPr lang="en-US" sz="1600" dirty="0">
-                  <a:solidFill>
-                    <a:schemeClr val="bg1"/>
-                  </a:solidFill>
-                  <a:effectLst>
-                    <a:outerShdw blurRad="50800" dist="38100" dir="5400000" algn="t" rotWithShape="0">
-                      <a:prstClr val="black">
-                        <a:alpha val="40000"/>
-                      </a:prstClr>
-                    </a:outerShdw>
-                  </a:effectLst>
-                  <a:latin typeface="Source Sans Pro" charset="0"/>
-                  <a:ea typeface="Source Sans Pro" charset="0"/>
-                </a:endParaRPr>
-              </a:p>
-            </p:txBody>
-          </p:sp>
-          <p:sp>
-            <p:nvSpPr>
-              <p:cNvPr id="25" name="Rounded Rectangle 24">
-                <a:extLst>
-                  <a:ext uri="{FF2B5EF4-FFF2-40B4-BE49-F238E27FC236}">
-                    <a16:creationId xmlns:a16="http://schemas.microsoft.com/office/drawing/2014/main" id="{4F103699-8CF4-F04E-9FD8-A2E530AA7A44}"/>
-                  </a:ext>
-                </a:extLst>
-              </p:cNvPr>
-              <p:cNvSpPr/>
-              <p:nvPr/>
-            </p:nvSpPr>
-            <p:spPr>
-              <a:xfrm>
-                <a:off x="548107" y="2821518"/>
-                <a:ext cx="4236261" cy="445873"/>
-              </a:xfrm>
-              <a:prstGeom prst="roundRect">
-                <a:avLst>
-                  <a:gd name="adj" fmla="val 10443"/>
-                </a:avLst>
-              </a:prstGeom>
-              <a:solidFill>
-                <a:schemeClr val="accent1">
-                  <a:lumMod val="75000"/>
-                </a:schemeClr>
-              </a:solidFill>
-              <a:ln w="12700">
-                <a:noFill/>
-              </a:ln>
-              <a:effectLst>
-                <a:innerShdw blurRad="114300">
-                  <a:prstClr val="black">
-                    <a:alpha val="49000"/>
-                  </a:prstClr>
-                </a:innerShdw>
-              </a:effectLst>
-            </p:spPr>
-            <p:style>
-              <a:lnRef idx="2">
-                <a:schemeClr val="dk1"/>
-              </a:lnRef>
-              <a:fillRef idx="1">
-                <a:schemeClr val="lt1"/>
-              </a:fillRef>
-              <a:effectRef idx="0">
-                <a:schemeClr val="dk1"/>
-              </a:effectRef>
-              <a:fontRef idx="minor">
-                <a:schemeClr val="dk1"/>
-              </a:fontRef>
-            </p:style>
-            <p:txBody>
-              <a:bodyPr wrap="square" lIns="108000" tIns="36000" bIns="0" rtlCol="0" anchor="ctr">
-                <a:noAutofit/>
-              </a:bodyPr>
-              <a:lstStyle/>
-              <a:p>
-                <a:pPr lvl="0">
-                  <a:lnSpc>
-                    <a:spcPts val="1400"/>
-                  </a:lnSpc>
-                </a:pPr>
-                <a:r>
-                  <a:rPr lang="en-US" sz="1600" b="1" dirty="0">
-                    <a:solidFill>
-                      <a:schemeClr val="bg1"/>
-                    </a:solidFill>
-                    <a:latin typeface="Source Sans Pro" charset="0"/>
-                    <a:ea typeface="Source Sans Pro" charset="0"/>
-                    <a:cs typeface="Source Sans Pro" charset="0"/>
-                  </a:rPr>
-                  <a:t>FOUNDATION </a:t>
-                </a:r>
-                <a:br>
-                  <a:rPr lang="en-US" sz="1600" b="1" dirty="0">
-                    <a:solidFill>
-                      <a:schemeClr val="bg1"/>
-                    </a:solidFill>
-                    <a:latin typeface="Source Sans Pro" charset="0"/>
-                    <a:ea typeface="Source Sans Pro" charset="0"/>
-                    <a:cs typeface="Source Sans Pro" charset="0"/>
-                  </a:rPr>
-                </a:br>
-                <a:r>
-                  <a:rPr lang="en-US" sz="1600" b="1" dirty="0">
-                    <a:solidFill>
-                      <a:schemeClr val="bg1"/>
-                    </a:solidFill>
-                    <a:latin typeface="Source Sans Pro" charset="0"/>
-                    <a:ea typeface="Source Sans Pro" charset="0"/>
-                    <a:cs typeface="Source Sans Pro" charset="0"/>
-                  </a:rPr>
-                  <a:t>LIBRARIES </a:t>
-                </a:r>
-              </a:p>
-            </p:txBody>
-          </p:sp>
-          <p:sp>
-            <p:nvSpPr>
-              <p:cNvPr id="26" name="Rounded Rectangle 25">
-                <a:extLst>
-                  <a:ext uri="{FF2B5EF4-FFF2-40B4-BE49-F238E27FC236}">
-                    <a16:creationId xmlns:a16="http://schemas.microsoft.com/office/drawing/2014/main" id="{50E5510D-358F-9F42-A720-A6696D86B52E}"/>
-                  </a:ext>
-                </a:extLst>
-              </p:cNvPr>
-              <p:cNvSpPr/>
-              <p:nvPr/>
-            </p:nvSpPr>
-            <p:spPr>
-              <a:xfrm>
-                <a:off x="548108" y="2380441"/>
-                <a:ext cx="4236259" cy="387367"/>
-              </a:xfrm>
-              <a:prstGeom prst="roundRect">
-                <a:avLst>
-                  <a:gd name="adj" fmla="val 10601"/>
-                </a:avLst>
-              </a:prstGeom>
-              <a:solidFill>
-                <a:schemeClr val="accent1">
-                  <a:lumMod val="75000"/>
-                </a:schemeClr>
-              </a:solidFill>
-              <a:ln w="12700">
-                <a:noFill/>
-              </a:ln>
-              <a:effectLst>
-                <a:innerShdw blurRad="114300">
-                  <a:prstClr val="black">
-                    <a:alpha val="49000"/>
-                  </a:prstClr>
-                </a:innerShdw>
-              </a:effectLst>
-            </p:spPr>
-            <p:style>
-              <a:lnRef idx="2">
-                <a:schemeClr val="dk1"/>
-              </a:lnRef>
-              <a:fillRef idx="1">
-                <a:schemeClr val="lt1"/>
-              </a:fillRef>
-              <a:effectRef idx="0">
-                <a:schemeClr val="dk1"/>
-              </a:effectRef>
-              <a:fontRef idx="minor">
-                <a:schemeClr val="dk1"/>
-              </a:fontRef>
-            </p:style>
-            <p:txBody>
-              <a:bodyPr wrap="square" lIns="108000" tIns="0" bIns="0" rtlCol="0" anchor="ctr">
-                <a:noAutofit/>
-              </a:bodyPr>
-              <a:lstStyle/>
-              <a:p>
-                <a:pPr lvl="0" algn="ctr"/>
-                <a:r>
-                  <a:rPr lang="en-US" sz="1600" b="1" dirty="0">
-                    <a:solidFill>
-                      <a:schemeClr val="bg1"/>
-                    </a:solidFill>
-                    <a:latin typeface="Source Sans Pro" charset="0"/>
-                    <a:ea typeface="Source Sans Pro" charset="0"/>
-                    <a:cs typeface="Source Sans Pro" charset="0"/>
-                  </a:rPr>
-                  <a:t>ADD-ON LIBRARIES</a:t>
-                </a:r>
-              </a:p>
-            </p:txBody>
-          </p:sp>
-          <p:sp>
-            <p:nvSpPr>
-              <p:cNvPr id="32" name="Rectangle 31">
-                <a:extLst>
-                  <a:ext uri="{FF2B5EF4-FFF2-40B4-BE49-F238E27FC236}">
-                    <a16:creationId xmlns:a16="http://schemas.microsoft.com/office/drawing/2014/main" id="{6858A81E-4266-6F4F-8D93-B8419F4EE7F3}"/>
-                  </a:ext>
-                </a:extLst>
-              </p:cNvPr>
-              <p:cNvSpPr/>
-              <p:nvPr/>
-            </p:nvSpPr>
-            <p:spPr>
-              <a:xfrm>
-                <a:off x="3357220" y="3339259"/>
-                <a:ext cx="1424261" cy="213954"/>
-              </a:xfrm>
-              <a:prstGeom prst="rect">
-                <a:avLst/>
-              </a:prstGeom>
-              <a:noFill/>
-              <a:effectLst/>
-            </p:spPr>
-            <p:txBody>
-              <a:bodyPr wrap="square" lIns="0" rIns="0">
-                <a:noAutofit/>
-              </a:bodyPr>
-              <a:lstStyle/>
-              <a:p>
-                <a:pPr algn="r">
-                  <a:lnSpc>
-                    <a:spcPts val="1300"/>
-                  </a:lnSpc>
-                </a:pPr>
-                <a:r>
-                  <a:rPr lang="en-US" sz="1100" b="1" dirty="0">
-                    <a:ln w="0"/>
-                    <a:solidFill>
-                      <a:schemeClr val="accent1"/>
-                    </a:solidFill>
-                    <a:latin typeface="Source Sans Pro" charset="0"/>
-                    <a:ea typeface="Source Sans Pro" charset="0"/>
-                    <a:cs typeface="Source Sans Pro" charset="0"/>
-                  </a:rPr>
-                  <a:t>VIRTUALIZATION</a:t>
-                </a:r>
-              </a:p>
-            </p:txBody>
-          </p:sp>
-          <p:sp>
-            <p:nvSpPr>
-              <p:cNvPr id="35" name="Rounded Rectangle 34">
-                <a:extLst>
-                  <a:ext uri="{FF2B5EF4-FFF2-40B4-BE49-F238E27FC236}">
-                    <a16:creationId xmlns:a16="http://schemas.microsoft.com/office/drawing/2014/main" id="{8A925A23-0E65-C441-B5A9-B85B406C137A}"/>
-                  </a:ext>
-                </a:extLst>
-              </p:cNvPr>
-              <p:cNvSpPr/>
-              <p:nvPr/>
-            </p:nvSpPr>
-            <p:spPr>
-              <a:xfrm>
-                <a:off x="2144904" y="2899591"/>
-                <a:ext cx="432000" cy="289727"/>
-              </a:xfrm>
-              <a:prstGeom prst="roundRect">
-                <a:avLst>
-                  <a:gd name="adj" fmla="val 19644"/>
+                  <a:gd name="adj" fmla="val 12736"/>
                 </a:avLst>
               </a:prstGeom>
               <a:solidFill>
@@ -10913,762 +10264,1267 @@
               </a:fontRef>
             </p:style>
             <p:txBody>
-              <a:bodyPr wrap="square" lIns="36000" tIns="36000" rIns="36000" bIns="36000" rtlCol="0" anchor="ctr">
+              <a:bodyPr wrap="square" tIns="36000" bIns="36000" rtlCol="0" anchor="ctr">
                 <a:noAutofit/>
               </a:bodyPr>
               <a:lstStyle/>
               <a:p>
                 <a:pPr algn="ctr"/>
-                <a:r>
-                  <a:rPr lang="en-US" sz="1200" dirty="0">
-                    <a:solidFill>
-                      <a:schemeClr val="accent1"/>
-                    </a:solidFill>
-                    <a:latin typeface="Source Sans Pro Light" charset="0"/>
-                    <a:ea typeface="Source Sans Pro Light" charset="0"/>
-                    <a:cs typeface="Source Sans Pro Light" charset="0"/>
-                  </a:rPr>
-                  <a:t>EDC</a:t>
-                </a:r>
-              </a:p>
-            </p:txBody>
-          </p:sp>
-          <p:sp>
-            <p:nvSpPr>
-              <p:cNvPr id="36" name="Rounded Rectangle 35">
-                <a:extLst>
-                  <a:ext uri="{FF2B5EF4-FFF2-40B4-BE49-F238E27FC236}">
-                    <a16:creationId xmlns:a16="http://schemas.microsoft.com/office/drawing/2014/main" id="{62B60516-5856-AF49-912D-EA309EAF0890}"/>
-                  </a:ext>
-                </a:extLst>
-              </p:cNvPr>
-              <p:cNvSpPr/>
-              <p:nvPr/>
-            </p:nvSpPr>
-            <p:spPr>
-              <a:xfrm>
-                <a:off x="3742611" y="2899591"/>
-                <a:ext cx="432000" cy="289727"/>
-              </a:xfrm>
-              <a:prstGeom prst="roundRect">
-                <a:avLst>
-                  <a:gd name="adj" fmla="val 19644"/>
-                </a:avLst>
-              </a:prstGeom>
-              <a:solidFill>
-                <a:schemeClr val="bg1"/>
-              </a:solidFill>
-              <a:ln w="12700">
-                <a:noFill/>
-              </a:ln>
-              <a:effectLst/>
-            </p:spPr>
-            <p:style>
-              <a:lnRef idx="2">
-                <a:schemeClr val="dk1"/>
-              </a:lnRef>
-              <a:fillRef idx="1">
-                <a:schemeClr val="lt1"/>
-              </a:fillRef>
-              <a:effectRef idx="0">
-                <a:schemeClr val="dk1"/>
-              </a:effectRef>
-              <a:fontRef idx="minor">
-                <a:schemeClr val="dk1"/>
-              </a:fontRef>
-            </p:style>
-            <p:txBody>
-              <a:bodyPr wrap="square" lIns="36000" tIns="36000" rIns="36000" bIns="36000" rtlCol="0" anchor="ctr">
-                <a:noAutofit/>
-              </a:bodyPr>
-              <a:lstStyle/>
-              <a:p>
-                <a:pPr algn="ctr"/>
-                <a:r>
-                  <a:rPr lang="en-US" sz="1200" dirty="0">
-                    <a:solidFill>
-                      <a:schemeClr val="accent1"/>
-                    </a:solidFill>
-                    <a:latin typeface="Source Sans Pro Light" charset="0"/>
-                    <a:ea typeface="Source Sans Pro Light" charset="0"/>
-                    <a:cs typeface="Source Sans Pro Light" charset="0"/>
-                  </a:rPr>
-                  <a:t>KF</a:t>
-                </a:r>
-              </a:p>
-            </p:txBody>
-          </p:sp>
-          <p:sp>
-            <p:nvSpPr>
-              <p:cNvPr id="37" name="Rounded Rectangle 36">
-                <a:extLst>
-                  <a:ext uri="{FF2B5EF4-FFF2-40B4-BE49-F238E27FC236}">
-                    <a16:creationId xmlns:a16="http://schemas.microsoft.com/office/drawing/2014/main" id="{E13C5F96-34C9-7E4C-AFA2-F1218F271DCD}"/>
-                  </a:ext>
-                </a:extLst>
-              </p:cNvPr>
-              <p:cNvSpPr/>
-              <p:nvPr/>
-            </p:nvSpPr>
-            <p:spPr>
-              <a:xfrm>
-                <a:off x="4275178" y="2899591"/>
-                <a:ext cx="432000" cy="289727"/>
-              </a:xfrm>
-              <a:prstGeom prst="roundRect">
-                <a:avLst>
-                  <a:gd name="adj" fmla="val 19644"/>
-                </a:avLst>
-              </a:prstGeom>
-              <a:solidFill>
-                <a:schemeClr val="bg1"/>
-              </a:solidFill>
-              <a:ln w="12700">
-                <a:noFill/>
-              </a:ln>
-              <a:effectLst/>
-            </p:spPr>
-            <p:style>
-              <a:lnRef idx="2">
-                <a:schemeClr val="dk1"/>
-              </a:lnRef>
-              <a:fillRef idx="1">
-                <a:schemeClr val="lt1"/>
-              </a:fillRef>
-              <a:effectRef idx="0">
-                <a:schemeClr val="dk1"/>
-              </a:effectRef>
-              <a:fontRef idx="minor">
-                <a:schemeClr val="dk1"/>
-              </a:fontRef>
-            </p:style>
-            <p:txBody>
-              <a:bodyPr wrap="square" lIns="36000" tIns="36000" rIns="36000" bIns="36000" rtlCol="0" anchor="ctr">
-                <a:noAutofit/>
-              </a:bodyPr>
-              <a:lstStyle/>
-              <a:p>
-                <a:pPr algn="ctr"/>
-                <a:r>
-                  <a:rPr lang="en-US" sz="1200" dirty="0">
-                    <a:solidFill>
-                      <a:schemeClr val="accent1"/>
-                    </a:solidFill>
-                    <a:latin typeface="Source Sans Pro Light" charset="0"/>
-                    <a:ea typeface="Source Sans Pro Light" charset="0"/>
-                    <a:cs typeface="Source Sans Pro Light" charset="0"/>
-                  </a:rPr>
-                  <a:t>SP</a:t>
-                </a:r>
-              </a:p>
-            </p:txBody>
-          </p:sp>
-          <p:sp>
-            <p:nvSpPr>
-              <p:cNvPr id="45" name="Round Same Side Corner Rectangle 44">
-                <a:extLst>
-                  <a:ext uri="{FF2B5EF4-FFF2-40B4-BE49-F238E27FC236}">
-                    <a16:creationId xmlns:a16="http://schemas.microsoft.com/office/drawing/2014/main" id="{29077600-5340-3A45-9B91-0EB6485110C9}"/>
-                  </a:ext>
-                </a:extLst>
-              </p:cNvPr>
-              <p:cNvSpPr/>
-              <p:nvPr/>
-            </p:nvSpPr>
-            <p:spPr>
-              <a:xfrm rot="10800000">
-                <a:off x="589198" y="1980483"/>
-                <a:ext cx="4117979" cy="333565"/>
-              </a:xfrm>
-              <a:prstGeom prst="round2SameRect">
-                <a:avLst>
-                  <a:gd name="adj1" fmla="val 24382"/>
-                  <a:gd name="adj2" fmla="val 0"/>
-                </a:avLst>
-              </a:prstGeom>
-              <a:solidFill>
-                <a:schemeClr val="tx2">
-                  <a:lumMod val="20000"/>
-                  <a:lumOff val="80000"/>
-                </a:schemeClr>
-              </a:solidFill>
-              <a:ln w="12700">
-                <a:noFill/>
-                <a:round/>
-              </a:ln>
-            </p:spPr>
-            <p:style>
-              <a:lnRef idx="2">
-                <a:schemeClr val="accent1">
-                  <a:shade val="50000"/>
-                </a:schemeClr>
-              </a:lnRef>
-              <a:fillRef idx="1">
-                <a:schemeClr val="accent1"/>
-              </a:fillRef>
-              <a:effectRef idx="0">
-                <a:schemeClr val="accent1"/>
-              </a:effectRef>
-              <a:fontRef idx="minor">
-                <a:schemeClr val="lt1"/>
-              </a:fontRef>
-            </p:style>
-            <p:txBody>
-              <a:bodyPr rtlCol="0" anchor="ctr"/>
-              <a:lstStyle/>
-              <a:p>
-                <a:pPr algn="ctr"/>
-                <a:endParaRPr lang="en-US" dirty="0"/>
-              </a:p>
-            </p:txBody>
-          </p:sp>
-          <p:sp>
-            <p:nvSpPr>
-              <p:cNvPr id="90" name="Rounded Rectangle 89">
-                <a:extLst>
-                  <a:ext uri="{FF2B5EF4-FFF2-40B4-BE49-F238E27FC236}">
-                    <a16:creationId xmlns:a16="http://schemas.microsoft.com/office/drawing/2014/main" id="{C30291B1-E63A-A643-A6AB-2B8F55EC24D7}"/>
-                  </a:ext>
-                </a:extLst>
-              </p:cNvPr>
-              <p:cNvSpPr/>
-              <p:nvPr/>
-            </p:nvSpPr>
-            <p:spPr>
-              <a:xfrm>
-                <a:off x="2677473" y="2899591"/>
-                <a:ext cx="432000" cy="289727"/>
-              </a:xfrm>
-              <a:prstGeom prst="roundRect">
-                <a:avLst>
-                  <a:gd name="adj" fmla="val 19644"/>
-                </a:avLst>
-              </a:prstGeom>
-              <a:solidFill>
-                <a:schemeClr val="bg1"/>
-              </a:solidFill>
-              <a:ln w="12700">
-                <a:noFill/>
-              </a:ln>
-              <a:effectLst/>
-            </p:spPr>
-            <p:style>
-              <a:lnRef idx="2">
-                <a:schemeClr val="dk1"/>
-              </a:lnRef>
-              <a:fillRef idx="1">
-                <a:schemeClr val="lt1"/>
-              </a:fillRef>
-              <a:effectRef idx="0">
-                <a:schemeClr val="dk1"/>
-              </a:effectRef>
-              <a:fontRef idx="minor">
-                <a:schemeClr val="dk1"/>
-              </a:fontRef>
-            </p:style>
-            <p:txBody>
-              <a:bodyPr wrap="square" lIns="36000" tIns="36000" rIns="36000" bIns="36000" rtlCol="0" anchor="ctr">
-                <a:noAutofit/>
-              </a:bodyPr>
-              <a:lstStyle/>
-              <a:p>
-                <a:pPr algn="ctr"/>
-                <a:r>
-                  <a:rPr lang="en-US" sz="1200" dirty="0">
-                    <a:solidFill>
-                      <a:schemeClr val="accent1"/>
-                    </a:solidFill>
-                    <a:latin typeface="Source Sans Pro Light" charset="0"/>
-                    <a:ea typeface="Source Sans Pro Light" charset="0"/>
-                    <a:cs typeface="Source Sans Pro Light" charset="0"/>
-                  </a:rPr>
-                  <a:t>BON</a:t>
-                </a:r>
-              </a:p>
-            </p:txBody>
-          </p:sp>
-          <p:sp>
-            <p:nvSpPr>
-              <p:cNvPr id="91" name="Rounded Rectangle 90">
-                <a:extLst>
-                  <a:ext uri="{FF2B5EF4-FFF2-40B4-BE49-F238E27FC236}">
-                    <a16:creationId xmlns:a16="http://schemas.microsoft.com/office/drawing/2014/main" id="{C4062F7A-F7BB-2B45-8072-06677231ADB1}"/>
-                  </a:ext>
-                </a:extLst>
-              </p:cNvPr>
-              <p:cNvSpPr/>
-              <p:nvPr/>
-            </p:nvSpPr>
-            <p:spPr>
-              <a:xfrm>
-                <a:off x="3210042" y="2899591"/>
-                <a:ext cx="432000" cy="289727"/>
-              </a:xfrm>
-              <a:prstGeom prst="roundRect">
-                <a:avLst>
-                  <a:gd name="adj" fmla="val 19644"/>
-                </a:avLst>
-              </a:prstGeom>
-              <a:solidFill>
-                <a:schemeClr val="bg1"/>
-              </a:solidFill>
-              <a:ln w="12700">
-                <a:noFill/>
-              </a:ln>
-              <a:effectLst/>
-            </p:spPr>
-            <p:style>
-              <a:lnRef idx="2">
-                <a:schemeClr val="dk1"/>
-              </a:lnRef>
-              <a:fillRef idx="1">
-                <a:schemeClr val="lt1"/>
-              </a:fillRef>
-              <a:effectRef idx="0">
-                <a:schemeClr val="dk1"/>
-              </a:effectRef>
-              <a:fontRef idx="minor">
-                <a:schemeClr val="dk1"/>
-              </a:fontRef>
-            </p:style>
-            <p:txBody>
-              <a:bodyPr wrap="square" lIns="36000" tIns="36000" rIns="36000" bIns="36000" rtlCol="0" anchor="ctr">
-                <a:noAutofit/>
-              </a:bodyPr>
-              <a:lstStyle/>
-              <a:p>
-                <a:pPr algn="ctr"/>
-                <a:r>
-                  <a:rPr lang="en-US" sz="1200" dirty="0">
-                    <a:solidFill>
-                      <a:schemeClr val="accent1"/>
-                    </a:solidFill>
-                    <a:latin typeface="Source Sans Pro Light" charset="0"/>
-                    <a:ea typeface="Source Sans Pro Light" charset="0"/>
-                    <a:cs typeface="Source Sans Pro Light" charset="0"/>
-                  </a:rPr>
-                  <a:t>SNI</a:t>
-                </a:r>
-              </a:p>
-            </p:txBody>
-          </p:sp>
-        </p:grpSp>
-        <p:sp>
-          <p:nvSpPr>
-            <p:cNvPr id="94" name="Rounded Rectangle 93">
-              <a:extLst>
-                <a:ext uri="{FF2B5EF4-FFF2-40B4-BE49-F238E27FC236}">
-                  <a16:creationId xmlns:a16="http://schemas.microsoft.com/office/drawing/2014/main" id="{E572D26C-058E-DA42-88FD-88C70BE7D747}"/>
-                </a:ext>
-              </a:extLst>
-            </p:cNvPr>
-            <p:cNvSpPr/>
-            <p:nvPr/>
-          </p:nvSpPr>
-          <p:spPr>
-            <a:xfrm>
-              <a:off x="5442434" y="3110433"/>
-              <a:ext cx="2611907" cy="288974"/>
-            </a:xfrm>
-            <a:prstGeom prst="roundRect">
-              <a:avLst>
-                <a:gd name="adj" fmla="val 13128"/>
-              </a:avLst>
-            </a:prstGeom>
-            <a:solidFill>
-              <a:schemeClr val="accent1"/>
-            </a:solidFill>
-            <a:ln w="12700">
-              <a:noFill/>
-            </a:ln>
-            <a:effectLst/>
-          </p:spPr>
-          <p:style>
-            <a:lnRef idx="2">
-              <a:schemeClr val="dk1"/>
-            </a:lnRef>
-            <a:fillRef idx="1">
-              <a:schemeClr val="lt1"/>
-            </a:fillRef>
-            <a:effectRef idx="0">
-              <a:schemeClr val="dk1"/>
-            </a:effectRef>
-            <a:fontRef idx="minor">
-              <a:schemeClr val="dk1"/>
-            </a:fontRef>
-          </p:style>
-          <p:txBody>
-            <a:bodyPr wrap="square" lIns="0" tIns="72000" rIns="0" bIns="36000" rtlCol="0" anchor="ctr">
-              <a:noAutofit/>
-            </a:bodyPr>
-            <a:lstStyle/>
-            <a:p>
-              <a:pPr algn="ctr">
-                <a:lnSpc>
-                  <a:spcPts val="1000"/>
-                </a:lnSpc>
-              </a:pPr>
-              <a:r>
-                <a:rPr lang="en-US" sz="1200" dirty="0">
+                <a:endParaRPr lang="en-US" sz="1200" dirty="0">
                   <a:solidFill>
                     <a:schemeClr val="bg1"/>
                   </a:solidFill>
                   <a:latin typeface="Source Sans Pro Light" charset="0"/>
                   <a:ea typeface="Source Sans Pro Light" charset="0"/>
                   <a:cs typeface="Source Sans Pro Light" charset="0"/>
-                </a:rPr>
-                <a:t>Garbage Collector</a:t>
-              </a:r>
-            </a:p>
-          </p:txBody>
-        </p:sp>
-        <p:sp>
-          <p:nvSpPr>
-            <p:cNvPr id="96" name="Rounded Rectangle 72">
-              <a:extLst>
-                <a:ext uri="{FF2B5EF4-FFF2-40B4-BE49-F238E27FC236}">
-                  <a16:creationId xmlns:a16="http://schemas.microsoft.com/office/drawing/2014/main" id="{51E8BD57-7F3F-7647-8DC8-BB65B23F045F}"/>
-                </a:ext>
-              </a:extLst>
-            </p:cNvPr>
-            <p:cNvSpPr/>
-            <p:nvPr/>
-          </p:nvSpPr>
-          <p:spPr>
-            <a:xfrm>
-              <a:off x="3818782" y="3803199"/>
-              <a:ext cx="2206054" cy="126781"/>
-            </a:xfrm>
-            <a:prstGeom prst="roundRect">
-              <a:avLst>
-                <a:gd name="adj" fmla="val 50000"/>
-              </a:avLst>
-            </a:prstGeom>
+                </a:endParaRPr>
+              </a:p>
+            </p:txBody>
+          </p:sp>
+          <p:grpSp>
+            <p:nvGrpSpPr>
+              <p:cNvPr id="21" name="Group 20">
+                <a:extLst>
+                  <a:ext uri="{FF2B5EF4-FFF2-40B4-BE49-F238E27FC236}">
+                    <a16:creationId xmlns:a16="http://schemas.microsoft.com/office/drawing/2014/main" id="{985BF61E-F2F3-0C4D-809B-EF1E436A8054}"/>
+                  </a:ext>
+                </a:extLst>
+              </p:cNvPr>
+              <p:cNvGrpSpPr/>
+              <p:nvPr/>
+            </p:nvGrpSpPr>
+            <p:grpSpPr>
+              <a:xfrm>
+                <a:off x="3783349" y="3990167"/>
+                <a:ext cx="1230087" cy="352081"/>
+                <a:chOff x="3783349" y="3990167"/>
+                <a:chExt cx="1230087" cy="352081"/>
+              </a:xfrm>
+            </p:grpSpPr>
+            <p:pic>
+              <p:nvPicPr>
+                <p:cNvPr id="22" name="Picture 21">
+                  <a:extLst>
+                    <a:ext uri="{FF2B5EF4-FFF2-40B4-BE49-F238E27FC236}">
+                      <a16:creationId xmlns:a16="http://schemas.microsoft.com/office/drawing/2014/main" id="{30A4E1B0-8052-744A-AA21-F5E88AF4F659}"/>
+                    </a:ext>
+                  </a:extLst>
+                </p:cNvPr>
+                <p:cNvPicPr>
+                  <a:picLocks noChangeAspect="1"/>
+                </p:cNvPicPr>
+                <p:nvPr/>
+              </p:nvPicPr>
+              <p:blipFill>
+                <a:blip r:embed="rId3" cstate="print">
+                  <a:extLst>
+                    <a:ext uri="{28A0092B-C50C-407E-A947-70E740481C1C}">
+                      <a14:useLocalDpi xmlns:a14="http://schemas.microsoft.com/office/drawing/2010/main" val="0"/>
+                    </a:ext>
+                  </a:extLst>
+                </a:blip>
+                <a:stretch>
+                  <a:fillRect/>
+                </a:stretch>
+              </p:blipFill>
+              <p:spPr>
+                <a:xfrm>
+                  <a:off x="4112963" y="3992064"/>
+                  <a:ext cx="900473" cy="350184"/>
+                </a:xfrm>
+                <a:prstGeom prst="rect">
+                  <a:avLst/>
+                </a:prstGeom>
+              </p:spPr>
+            </p:pic>
+            <p:pic>
+              <p:nvPicPr>
+                <p:cNvPr id="23" name="Picture 22">
+                  <a:extLst>
+                    <a:ext uri="{FF2B5EF4-FFF2-40B4-BE49-F238E27FC236}">
+                      <a16:creationId xmlns:a16="http://schemas.microsoft.com/office/drawing/2014/main" id="{9D8603F9-7AB8-BF43-94F5-7709429BE34B}"/>
+                    </a:ext>
+                  </a:extLst>
+                </p:cNvPr>
+                <p:cNvPicPr>
+                  <a:picLocks noChangeAspect="1"/>
+                </p:cNvPicPr>
+                <p:nvPr/>
+              </p:nvPicPr>
+              <p:blipFill>
+                <a:blip r:embed="rId4" cstate="print">
+                  <a:extLst>
+                    <a:ext uri="{28A0092B-C50C-407E-A947-70E740481C1C}">
+                      <a14:useLocalDpi xmlns:a14="http://schemas.microsoft.com/office/drawing/2010/main" val="0"/>
+                    </a:ext>
+                  </a:extLst>
+                </a:blip>
+                <a:stretch>
+                  <a:fillRect/>
+                </a:stretch>
+              </p:blipFill>
+              <p:spPr>
+                <a:xfrm>
+                  <a:off x="3783349" y="3990167"/>
+                  <a:ext cx="322073" cy="324658"/>
+                </a:xfrm>
+                <a:prstGeom prst="rect">
+                  <a:avLst/>
+                </a:prstGeom>
+              </p:spPr>
+            </p:pic>
+          </p:grpSp>
+        </p:grpSp>
+      </p:grpSp>
+      <p:sp>
+        <p:nvSpPr>
+          <p:cNvPr id="24" name="Rounded Rectangle 23">
+            <a:extLst>
+              <a:ext uri="{FF2B5EF4-FFF2-40B4-BE49-F238E27FC236}">
+                <a16:creationId xmlns:a16="http://schemas.microsoft.com/office/drawing/2014/main" id="{9BC58F33-9A79-7647-8348-AB37D1ED666F}"/>
+              </a:ext>
+            </a:extLst>
+          </p:cNvPr>
+          <p:cNvSpPr/>
+          <p:nvPr/>
+        </p:nvSpPr>
+        <p:spPr>
+          <a:xfrm>
+            <a:off x="3710904" y="1989269"/>
+            <a:ext cx="4434230" cy="1381880"/>
+          </a:xfrm>
+          <a:prstGeom prst="roundRect">
+            <a:avLst>
+              <a:gd name="adj" fmla="val 5238"/>
+            </a:avLst>
+          </a:prstGeom>
+          <a:solidFill>
+            <a:schemeClr val="accent1"/>
+          </a:solidFill>
+          <a:ln w="12700">
             <a:solidFill>
-              <a:schemeClr val="bg1"/>
+              <a:schemeClr val="accent1"/>
             </a:solidFill>
-            <a:ln w="28575" cap="flat" cmpd="sng" algn="ctr">
-              <a:noFill/>
-              <a:prstDash val="solid"/>
-            </a:ln>
-            <a:effectLst/>
-          </p:spPr>
-          <p:txBody>
-            <a:bodyPr lIns="36000" rIns="36000" rtlCol="0" anchor="ctr"/>
-            <a:lstStyle/>
-            <a:p>
-              <a:pPr algn="ctr">
-                <a:defRPr/>
-              </a:pPr>
-              <a:r>
-                <a:rPr lang="en-US" sz="1200" dirty="0">
-                  <a:solidFill>
-                    <a:srgbClr val="4B5357">
-                      <a:lumMod val="75000"/>
-                    </a:srgbClr>
-                  </a:solidFill>
-                  <a:latin typeface="Source Sans Pro Light" charset="0"/>
-                  <a:ea typeface="Source Sans Pro Light" charset="0"/>
-                  <a:cs typeface="Source Sans Pro Light" charset="0"/>
-                </a:rPr>
-                <a:t>LLMJVM</a:t>
-              </a:r>
-            </a:p>
-          </p:txBody>
-        </p:sp>
-        <p:sp>
-          <p:nvSpPr>
-            <p:cNvPr id="97" name="Rounded Rectangle 73">
-              <a:extLst>
-                <a:ext uri="{FF2B5EF4-FFF2-40B4-BE49-F238E27FC236}">
-                  <a16:creationId xmlns:a16="http://schemas.microsoft.com/office/drawing/2014/main" id="{027A1E23-8775-0449-AD49-4D9D946AA996}"/>
-                </a:ext>
-              </a:extLst>
-            </p:cNvPr>
-            <p:cNvSpPr/>
-            <p:nvPr/>
-          </p:nvSpPr>
-          <p:spPr>
-            <a:xfrm>
-              <a:off x="6129172" y="3804559"/>
-              <a:ext cx="902621" cy="125421"/>
-            </a:xfrm>
-            <a:prstGeom prst="roundRect">
-              <a:avLst>
-                <a:gd name="adj" fmla="val 50000"/>
-              </a:avLst>
-            </a:prstGeom>
-            <a:solidFill>
-              <a:schemeClr val="bg1"/>
-            </a:solidFill>
-            <a:ln w="28575" cap="flat" cmpd="sng" algn="ctr">
-              <a:noFill/>
-              <a:prstDash val="solid"/>
-            </a:ln>
-            <a:effectLst/>
-          </p:spPr>
-          <p:txBody>
-            <a:bodyPr lIns="36000" rIns="36000" rtlCol="0" anchor="ctr"/>
-            <a:lstStyle/>
-            <a:p>
-              <a:pPr algn="ctr">
-                <a:defRPr/>
-              </a:pPr>
-              <a:r>
-                <a:rPr lang="en-US" sz="1200" dirty="0">
-                  <a:solidFill>
-                    <a:srgbClr val="4B5357">
-                      <a:lumMod val="75000"/>
-                    </a:srgbClr>
-                  </a:solidFill>
-                  <a:latin typeface="Source Sans Pro Light" charset="0"/>
-                  <a:ea typeface="Source Sans Pro Light" charset="0"/>
-                  <a:cs typeface="Source Sans Pro Light" charset="0"/>
-                </a:rPr>
-                <a:t>LLKERNEL</a:t>
-              </a:r>
-            </a:p>
-          </p:txBody>
-        </p:sp>
-        <p:sp>
-          <p:nvSpPr>
-            <p:cNvPr id="98" name="Rounded Rectangle 75">
-              <a:extLst>
-                <a:ext uri="{FF2B5EF4-FFF2-40B4-BE49-F238E27FC236}">
-                  <a16:creationId xmlns:a16="http://schemas.microsoft.com/office/drawing/2014/main" id="{62AD605A-9008-6644-8E1A-6625CA4E3630}"/>
-                </a:ext>
-              </a:extLst>
-            </p:cNvPr>
-            <p:cNvSpPr/>
-            <p:nvPr/>
-          </p:nvSpPr>
-          <p:spPr>
-            <a:xfrm>
-              <a:off x="7136129" y="3806789"/>
-              <a:ext cx="902621" cy="125420"/>
-            </a:xfrm>
-            <a:prstGeom prst="roundRect">
-              <a:avLst>
-                <a:gd name="adj" fmla="val 50000"/>
-              </a:avLst>
-            </a:prstGeom>
-            <a:solidFill>
-              <a:schemeClr val="bg1"/>
-            </a:solidFill>
-            <a:ln w="28575" cap="flat" cmpd="sng" algn="ctr">
-              <a:noFill/>
-              <a:prstDash val="solid"/>
-            </a:ln>
-            <a:effectLst/>
-          </p:spPr>
-          <p:txBody>
-            <a:bodyPr lIns="36000" rIns="36000" rtlCol="0" anchor="ctr"/>
-            <a:lstStyle/>
-            <a:p>
-              <a:pPr algn="ctr">
-                <a:defRPr/>
-              </a:pPr>
-              <a:r>
-                <a:rPr lang="en-US" sz="1200" dirty="0">
-                  <a:solidFill>
-                    <a:srgbClr val="4B5357">
-                      <a:lumMod val="75000"/>
-                    </a:srgbClr>
-                  </a:solidFill>
-                  <a:latin typeface="Source Sans Pro Light" charset="0"/>
-                  <a:ea typeface="Source Sans Pro Light" charset="0"/>
-                  <a:cs typeface="Source Sans Pro Light" charset="0"/>
-                </a:rPr>
-                <a:t>LLSP</a:t>
-              </a:r>
-              <a:endParaRPr kumimoji="0" lang="en-US" sz="1200" b="0" i="0" u="none" strike="noStrike" kern="0" cap="none" spc="0" normalizeH="0" baseline="0" noProof="0" dirty="0">
-                <a:ln>
-                  <a:noFill/>
-                </a:ln>
+          </a:ln>
+          <a:effectLst/>
+        </p:spPr>
+        <p:style>
+          <a:lnRef idx="2">
+            <a:schemeClr val="dk1"/>
+          </a:lnRef>
+          <a:fillRef idx="1">
+            <a:schemeClr val="lt1"/>
+          </a:fillRef>
+          <a:effectRef idx="0">
+            <a:schemeClr val="dk1"/>
+          </a:effectRef>
+          <a:fontRef idx="minor">
+            <a:schemeClr val="dk1"/>
+          </a:fontRef>
+        </p:style>
+        <p:txBody>
+          <a:bodyPr rtlCol="0" anchor="ctr"/>
+          <a:lstStyle/>
+          <a:p>
+            <a:pPr algn="ctr">
+              <a:lnSpc>
+                <a:spcPts val="1600"/>
+              </a:lnSpc>
+              <a:spcBef>
+                <a:spcPts val="100"/>
+              </a:spcBef>
+              <a:spcAft>
+                <a:spcPts val="100"/>
+              </a:spcAft>
+            </a:pPr>
+            <a:endParaRPr lang="en-US" sz="1600" dirty="0">
+              <a:solidFill>
+                <a:schemeClr val="bg1"/>
+              </a:solidFill>
+              <a:effectLst>
+                <a:outerShdw blurRad="50800" dist="38100" dir="5400000" algn="t" rotWithShape="0">
+                  <a:prstClr val="black">
+                    <a:alpha val="40000"/>
+                  </a:prstClr>
+                </a:outerShdw>
+              </a:effectLst>
+              <a:latin typeface="Source Sans Pro" charset="0"/>
+              <a:ea typeface="Source Sans Pro" charset="0"/>
+            </a:endParaRPr>
+          </a:p>
+        </p:txBody>
+      </p:sp>
+      <p:sp>
+        <p:nvSpPr>
+          <p:cNvPr id="25" name="Rounded Rectangle 24">
+            <a:extLst>
+              <a:ext uri="{FF2B5EF4-FFF2-40B4-BE49-F238E27FC236}">
+                <a16:creationId xmlns:a16="http://schemas.microsoft.com/office/drawing/2014/main" id="{4F103699-8CF4-F04E-9FD8-A2E530AA7A44}"/>
+              </a:ext>
+            </a:extLst>
+          </p:cNvPr>
+          <p:cNvSpPr/>
+          <p:nvPr/>
+        </p:nvSpPr>
+        <p:spPr>
+          <a:xfrm>
+            <a:off x="3818081" y="2822565"/>
+            <a:ext cx="4236261" cy="445873"/>
+          </a:xfrm>
+          <a:prstGeom prst="roundRect">
+            <a:avLst>
+              <a:gd name="adj" fmla="val 10443"/>
+            </a:avLst>
+          </a:prstGeom>
+          <a:solidFill>
+            <a:schemeClr val="accent1">
+              <a:lumMod val="75000"/>
+            </a:schemeClr>
+          </a:solidFill>
+          <a:ln w="12700">
+            <a:noFill/>
+          </a:ln>
+          <a:effectLst>
+            <a:innerShdw blurRad="114300">
+              <a:prstClr val="black">
+                <a:alpha val="49000"/>
+              </a:prstClr>
+            </a:innerShdw>
+          </a:effectLst>
+        </p:spPr>
+        <p:style>
+          <a:lnRef idx="2">
+            <a:schemeClr val="dk1"/>
+          </a:lnRef>
+          <a:fillRef idx="1">
+            <a:schemeClr val="lt1"/>
+          </a:fillRef>
+          <a:effectRef idx="0">
+            <a:schemeClr val="dk1"/>
+          </a:effectRef>
+          <a:fontRef idx="minor">
+            <a:schemeClr val="dk1"/>
+          </a:fontRef>
+        </p:style>
+        <p:txBody>
+          <a:bodyPr wrap="square" lIns="108000" tIns="36000" bIns="0" rtlCol="0" anchor="ctr">
+            <a:noAutofit/>
+          </a:bodyPr>
+          <a:lstStyle/>
+          <a:p>
+            <a:pPr lvl="0">
+              <a:lnSpc>
+                <a:spcPts val="1400"/>
+              </a:lnSpc>
+            </a:pPr>
+            <a:r>
+              <a:rPr lang="en-US" sz="1600" b="1" dirty="0">
                 <a:solidFill>
-                  <a:srgbClr val="FFFFFF"/>
+                  <a:schemeClr val="bg1"/>
                 </a:solidFill>
-                <a:effectLst/>
-                <a:uLnTx/>
-                <a:uFillTx/>
-                <a:latin typeface="Calibri Light"/>
-                <a:ea typeface="+mn-ea"/>
-                <a:cs typeface="+mn-cs"/>
-              </a:endParaRPr>
-            </a:p>
-          </p:txBody>
-        </p:sp>
-        <p:cxnSp>
-          <p:nvCxnSpPr>
-            <p:cNvPr id="101" name="Straight Connector 100">
-              <a:extLst>
-                <a:ext uri="{FF2B5EF4-FFF2-40B4-BE49-F238E27FC236}">
-                  <a16:creationId xmlns:a16="http://schemas.microsoft.com/office/drawing/2014/main" id="{CBE49251-BE77-9A40-B298-5BE681E4A4F2}"/>
-                </a:ext>
-              </a:extLst>
-            </p:cNvPr>
-            <p:cNvCxnSpPr>
-              <a:cxnSpLocks/>
-            </p:cNvCxnSpPr>
-            <p:nvPr/>
-          </p:nvCxnSpPr>
-          <p:spPr>
-            <a:xfrm>
-              <a:off x="6151430" y="4043241"/>
-              <a:ext cx="849513" cy="0"/>
-            </a:xfrm>
-            <a:prstGeom prst="line">
-              <a:avLst/>
-            </a:prstGeom>
-            <a:ln w="38100" cap="rnd">
+                <a:latin typeface="Source Sans Pro" charset="0"/>
+                <a:ea typeface="Source Sans Pro" charset="0"/>
+                <a:cs typeface="Source Sans Pro" charset="0"/>
+              </a:rPr>
+              <a:t>FOUNDATION </a:t>
+            </a:r>
+            <a:br>
+              <a:rPr lang="en-US" sz="1600" b="1" dirty="0">
+                <a:solidFill>
+                  <a:schemeClr val="bg1"/>
+                </a:solidFill>
+                <a:latin typeface="Source Sans Pro" charset="0"/>
+                <a:ea typeface="Source Sans Pro" charset="0"/>
+                <a:cs typeface="Source Sans Pro" charset="0"/>
+              </a:rPr>
+            </a:br>
+            <a:r>
+              <a:rPr lang="en-US" sz="1600" b="1" dirty="0">
+                <a:solidFill>
+                  <a:schemeClr val="bg1"/>
+                </a:solidFill>
+                <a:latin typeface="Source Sans Pro" charset="0"/>
+                <a:ea typeface="Source Sans Pro" charset="0"/>
+                <a:cs typeface="Source Sans Pro" charset="0"/>
+              </a:rPr>
+              <a:t>LIBRARIES </a:t>
+            </a:r>
+          </a:p>
+        </p:txBody>
+      </p:sp>
+      <p:sp>
+        <p:nvSpPr>
+          <p:cNvPr id="26" name="Rounded Rectangle 25">
+            <a:extLst>
+              <a:ext uri="{FF2B5EF4-FFF2-40B4-BE49-F238E27FC236}">
+                <a16:creationId xmlns:a16="http://schemas.microsoft.com/office/drawing/2014/main" id="{50E5510D-358F-9F42-A720-A6696D86B52E}"/>
+              </a:ext>
+            </a:extLst>
+          </p:cNvPr>
+          <p:cNvSpPr/>
+          <p:nvPr/>
+        </p:nvSpPr>
+        <p:spPr>
+          <a:xfrm>
+            <a:off x="3818082" y="2381488"/>
+            <a:ext cx="4236259" cy="387367"/>
+          </a:xfrm>
+          <a:prstGeom prst="roundRect">
+            <a:avLst>
+              <a:gd name="adj" fmla="val 10601"/>
+            </a:avLst>
+          </a:prstGeom>
+          <a:solidFill>
+            <a:schemeClr val="accent1">
+              <a:lumMod val="75000"/>
+            </a:schemeClr>
+          </a:solidFill>
+          <a:ln w="12700">
+            <a:noFill/>
+          </a:ln>
+          <a:effectLst>
+            <a:innerShdw blurRad="114300">
+              <a:prstClr val="black">
+                <a:alpha val="49000"/>
+              </a:prstClr>
+            </a:innerShdw>
+          </a:effectLst>
+        </p:spPr>
+        <p:style>
+          <a:lnRef idx="2">
+            <a:schemeClr val="dk1"/>
+          </a:lnRef>
+          <a:fillRef idx="1">
+            <a:schemeClr val="lt1"/>
+          </a:fillRef>
+          <a:effectRef idx="0">
+            <a:schemeClr val="dk1"/>
+          </a:effectRef>
+          <a:fontRef idx="minor">
+            <a:schemeClr val="dk1"/>
+          </a:fontRef>
+        </p:style>
+        <p:txBody>
+          <a:bodyPr wrap="square" lIns="108000" tIns="0" bIns="0" rtlCol="0" anchor="ctr">
+            <a:noAutofit/>
+          </a:bodyPr>
+          <a:lstStyle/>
+          <a:p>
+            <a:pPr lvl="0"/>
+            <a:r>
+              <a:rPr lang="en-US" sz="1600" b="1" dirty="0">
+                <a:solidFill>
+                  <a:schemeClr val="bg1"/>
+                </a:solidFill>
+                <a:latin typeface="Source Sans Pro" charset="0"/>
+                <a:ea typeface="Source Sans Pro" charset="0"/>
+                <a:cs typeface="Source Sans Pro" charset="0"/>
+              </a:rPr>
+              <a:t>ADD-ON LIBRARIES</a:t>
+            </a:r>
+          </a:p>
+        </p:txBody>
+      </p:sp>
+      <p:sp>
+        <p:nvSpPr>
+          <p:cNvPr id="32" name="Rectangle 31">
+            <a:extLst>
+              <a:ext uri="{FF2B5EF4-FFF2-40B4-BE49-F238E27FC236}">
+                <a16:creationId xmlns:a16="http://schemas.microsoft.com/office/drawing/2014/main" id="{6858A81E-4266-6F4F-8D93-B8419F4EE7F3}"/>
+              </a:ext>
+            </a:extLst>
+          </p:cNvPr>
+          <p:cNvSpPr/>
+          <p:nvPr/>
+        </p:nvSpPr>
+        <p:spPr>
+          <a:xfrm>
+            <a:off x="6627194" y="3340306"/>
+            <a:ext cx="1424261" cy="213954"/>
+          </a:xfrm>
+          <a:prstGeom prst="rect">
+            <a:avLst/>
+          </a:prstGeom>
+          <a:noFill/>
+          <a:effectLst/>
+        </p:spPr>
+        <p:txBody>
+          <a:bodyPr wrap="square" lIns="0" rIns="0">
+            <a:noAutofit/>
+          </a:bodyPr>
+          <a:lstStyle/>
+          <a:p>
+            <a:pPr algn="r">
+              <a:lnSpc>
+                <a:spcPts val="1300"/>
+              </a:lnSpc>
+            </a:pPr>
+            <a:r>
+              <a:rPr lang="en-US" sz="1100" b="1" dirty="0">
+                <a:ln w="0"/>
+                <a:solidFill>
+                  <a:schemeClr val="accent1"/>
+                </a:solidFill>
+                <a:latin typeface="Source Sans Pro" charset="0"/>
+                <a:ea typeface="Source Sans Pro" charset="0"/>
+                <a:cs typeface="Source Sans Pro" charset="0"/>
+              </a:rPr>
+              <a:t>VIRTUALIZATION</a:t>
+            </a:r>
+          </a:p>
+        </p:txBody>
+      </p:sp>
+      <p:sp>
+        <p:nvSpPr>
+          <p:cNvPr id="35" name="Rounded Rectangle 34">
+            <a:extLst>
+              <a:ext uri="{FF2B5EF4-FFF2-40B4-BE49-F238E27FC236}">
+                <a16:creationId xmlns:a16="http://schemas.microsoft.com/office/drawing/2014/main" id="{8A925A23-0E65-C441-B5A9-B85B406C137A}"/>
+              </a:ext>
+            </a:extLst>
+          </p:cNvPr>
+          <p:cNvSpPr/>
+          <p:nvPr/>
+        </p:nvSpPr>
+        <p:spPr>
+          <a:xfrm>
+            <a:off x="5414878" y="2900638"/>
+            <a:ext cx="432000" cy="289727"/>
+          </a:xfrm>
+          <a:prstGeom prst="roundRect">
+            <a:avLst>
+              <a:gd name="adj" fmla="val 19644"/>
+            </a:avLst>
+          </a:prstGeom>
+          <a:solidFill>
+            <a:schemeClr val="bg1"/>
+          </a:solidFill>
+          <a:ln w="12700">
+            <a:noFill/>
+          </a:ln>
+          <a:effectLst/>
+        </p:spPr>
+        <p:style>
+          <a:lnRef idx="2">
+            <a:schemeClr val="dk1"/>
+          </a:lnRef>
+          <a:fillRef idx="1">
+            <a:schemeClr val="lt1"/>
+          </a:fillRef>
+          <a:effectRef idx="0">
+            <a:schemeClr val="dk1"/>
+          </a:effectRef>
+          <a:fontRef idx="minor">
+            <a:schemeClr val="dk1"/>
+          </a:fontRef>
+        </p:style>
+        <p:txBody>
+          <a:bodyPr wrap="square" lIns="36000" tIns="36000" rIns="36000" bIns="36000" rtlCol="0" anchor="ctr">
+            <a:noAutofit/>
+          </a:bodyPr>
+          <a:lstStyle/>
+          <a:p>
+            <a:pPr algn="ctr"/>
+            <a:r>
+              <a:rPr lang="en-US" sz="1200" dirty="0">
+                <a:solidFill>
+                  <a:schemeClr val="accent1"/>
+                </a:solidFill>
+                <a:latin typeface="Source Sans Pro Light" charset="0"/>
+                <a:ea typeface="Source Sans Pro Light" charset="0"/>
+                <a:cs typeface="Source Sans Pro Light" charset="0"/>
+              </a:rPr>
+              <a:t>EDC</a:t>
+            </a:r>
+          </a:p>
+        </p:txBody>
+      </p:sp>
+      <p:sp>
+        <p:nvSpPr>
+          <p:cNvPr id="36" name="Rounded Rectangle 35">
+            <a:extLst>
+              <a:ext uri="{FF2B5EF4-FFF2-40B4-BE49-F238E27FC236}">
+                <a16:creationId xmlns:a16="http://schemas.microsoft.com/office/drawing/2014/main" id="{62B60516-5856-AF49-912D-EA309EAF0890}"/>
+              </a:ext>
+            </a:extLst>
+          </p:cNvPr>
+          <p:cNvSpPr/>
+          <p:nvPr/>
+        </p:nvSpPr>
+        <p:spPr>
+          <a:xfrm>
+            <a:off x="7228607" y="2900638"/>
+            <a:ext cx="641282" cy="289727"/>
+          </a:xfrm>
+          <a:prstGeom prst="roundRect">
+            <a:avLst>
+              <a:gd name="adj" fmla="val 19644"/>
+            </a:avLst>
+          </a:prstGeom>
+          <a:solidFill>
+            <a:schemeClr val="bg1"/>
+          </a:solidFill>
+          <a:ln w="12700">
+            <a:noFill/>
+          </a:ln>
+          <a:effectLst/>
+        </p:spPr>
+        <p:style>
+          <a:lnRef idx="2">
+            <a:schemeClr val="dk1"/>
+          </a:lnRef>
+          <a:fillRef idx="1">
+            <a:schemeClr val="lt1"/>
+          </a:fillRef>
+          <a:effectRef idx="0">
+            <a:schemeClr val="dk1"/>
+          </a:effectRef>
+          <a:fontRef idx="minor">
+            <a:schemeClr val="dk1"/>
+          </a:fontRef>
+        </p:style>
+        <p:txBody>
+          <a:bodyPr wrap="square" lIns="36000" tIns="36000" rIns="36000" bIns="36000" rtlCol="0" anchor="ctr">
+            <a:noAutofit/>
+          </a:bodyPr>
+          <a:lstStyle/>
+          <a:p>
+            <a:pPr algn="ctr"/>
+            <a:r>
+              <a:rPr lang="en-US" sz="1200" dirty="0" err="1">
+                <a:solidFill>
+                  <a:schemeClr val="accent1"/>
+                </a:solidFill>
+                <a:latin typeface="Source Sans Pro Light" charset="0"/>
+                <a:ea typeface="Source Sans Pro Light" charset="0"/>
+                <a:cs typeface="Source Sans Pro Light" charset="0"/>
+              </a:rPr>
+              <a:t>MicroUI</a:t>
+            </a:r>
+            <a:endParaRPr lang="en-US" sz="1200" dirty="0">
               <a:solidFill>
                 <a:schemeClr val="accent1"/>
               </a:solidFill>
-              <a:miter lim="800000"/>
-            </a:ln>
-          </p:spPr>
-          <p:style>
-            <a:lnRef idx="1">
-              <a:schemeClr val="accent1"/>
-            </a:lnRef>
-            <a:fillRef idx="0">
-              <a:schemeClr val="accent1"/>
-            </a:fillRef>
-            <a:effectRef idx="0">
-              <a:schemeClr val="accent1"/>
-            </a:effectRef>
-            <a:fontRef idx="minor">
-              <a:schemeClr val="tx1"/>
-            </a:fontRef>
-          </p:style>
-        </p:cxnSp>
-        <p:cxnSp>
-          <p:nvCxnSpPr>
-            <p:cNvPr id="104" name="Straight Connector 103">
-              <a:extLst>
-                <a:ext uri="{FF2B5EF4-FFF2-40B4-BE49-F238E27FC236}">
-                  <a16:creationId xmlns:a16="http://schemas.microsoft.com/office/drawing/2014/main" id="{41DE1C2A-C410-8346-9178-E4CE1CD68092}"/>
-                </a:ext>
-              </a:extLst>
-            </p:cNvPr>
-            <p:cNvCxnSpPr>
-              <a:cxnSpLocks/>
-            </p:cNvCxnSpPr>
-            <p:nvPr/>
-          </p:nvCxnSpPr>
-          <p:spPr>
-            <a:xfrm>
-              <a:off x="7162303" y="4043241"/>
-              <a:ext cx="849513" cy="0"/>
-            </a:xfrm>
-            <a:prstGeom prst="line">
-              <a:avLst/>
-            </a:prstGeom>
-            <a:ln w="38100" cap="rnd">
-              <a:solidFill>
-                <a:schemeClr val="accent1"/>
-              </a:solidFill>
-              <a:miter lim="800000"/>
-            </a:ln>
-          </p:spPr>
-          <p:style>
-            <a:lnRef idx="1">
-              <a:schemeClr val="accent1"/>
-            </a:lnRef>
-            <a:fillRef idx="0">
-              <a:schemeClr val="accent1"/>
-            </a:fillRef>
-            <a:effectRef idx="0">
-              <a:schemeClr val="accent1"/>
-            </a:effectRef>
-            <a:fontRef idx="minor">
-              <a:schemeClr val="tx1"/>
-            </a:fontRef>
-          </p:style>
-        </p:cxnSp>
-        <p:sp>
-          <p:nvSpPr>
-            <p:cNvPr id="107" name="Rounded Rectangle 106">
-              <a:extLst>
-                <a:ext uri="{FF2B5EF4-FFF2-40B4-BE49-F238E27FC236}">
-                  <a16:creationId xmlns:a16="http://schemas.microsoft.com/office/drawing/2014/main" id="{98F98C35-6A56-5244-977C-77ECAC2C433C}"/>
-                </a:ext>
-              </a:extLst>
-            </p:cNvPr>
-            <p:cNvSpPr/>
-            <p:nvPr/>
-          </p:nvSpPr>
-          <p:spPr>
-            <a:xfrm>
-              <a:off x="4334394" y="1324049"/>
-              <a:ext cx="3080118" cy="306000"/>
-            </a:xfrm>
-            <a:prstGeom prst="roundRect">
-              <a:avLst>
-                <a:gd name="adj" fmla="val 12311"/>
-              </a:avLst>
-            </a:prstGeom>
+              <a:latin typeface="Source Sans Pro Light" charset="0"/>
+              <a:ea typeface="Source Sans Pro Light" charset="0"/>
+              <a:cs typeface="Source Sans Pro Light" charset="0"/>
+            </a:endParaRPr>
+          </a:p>
+        </p:txBody>
+      </p:sp>
+      <p:sp>
+        <p:nvSpPr>
+          <p:cNvPr id="45" name="Round Same Side Corner Rectangle 44">
+            <a:extLst>
+              <a:ext uri="{FF2B5EF4-FFF2-40B4-BE49-F238E27FC236}">
+                <a16:creationId xmlns:a16="http://schemas.microsoft.com/office/drawing/2014/main" id="{29077600-5340-3A45-9B91-0EB6485110C9}"/>
+              </a:ext>
+            </a:extLst>
+          </p:cNvPr>
+          <p:cNvSpPr/>
+          <p:nvPr/>
+        </p:nvSpPr>
+        <p:spPr>
+          <a:xfrm rot="10800000">
+            <a:off x="3859172" y="1981530"/>
+            <a:ext cx="4117979" cy="333565"/>
+          </a:xfrm>
+          <a:prstGeom prst="round2SameRect">
+            <a:avLst>
+              <a:gd name="adj1" fmla="val 24382"/>
+              <a:gd name="adj2" fmla="val 0"/>
+            </a:avLst>
+          </a:prstGeom>
+          <a:solidFill>
+            <a:schemeClr val="tx2">
+              <a:lumMod val="20000"/>
+              <a:lumOff val="80000"/>
+            </a:schemeClr>
+          </a:solidFill>
+          <a:ln w="12700">
+            <a:noFill/>
+            <a:round/>
+          </a:ln>
+        </p:spPr>
+        <p:style>
+          <a:lnRef idx="2">
+            <a:schemeClr val="accent1">
+              <a:shade val="50000"/>
+            </a:schemeClr>
+          </a:lnRef>
+          <a:fillRef idx="1">
+            <a:schemeClr val="accent1"/>
+          </a:fillRef>
+          <a:effectRef idx="0">
+            <a:schemeClr val="accent1"/>
+          </a:effectRef>
+          <a:fontRef idx="minor">
+            <a:schemeClr val="lt1"/>
+          </a:fontRef>
+        </p:style>
+        <p:txBody>
+          <a:bodyPr rtlCol="0" anchor="ctr"/>
+          <a:lstStyle/>
+          <a:p>
+            <a:pPr algn="ctr"/>
+            <a:endParaRPr lang="en-US" dirty="0"/>
+          </a:p>
+        </p:txBody>
+      </p:sp>
+      <p:sp>
+        <p:nvSpPr>
+          <p:cNvPr id="90" name="Rounded Rectangle 89">
+            <a:extLst>
+              <a:ext uri="{FF2B5EF4-FFF2-40B4-BE49-F238E27FC236}">
+                <a16:creationId xmlns:a16="http://schemas.microsoft.com/office/drawing/2014/main" id="{C30291B1-E63A-A643-A6AB-2B8F55EC24D7}"/>
+              </a:ext>
+            </a:extLst>
+          </p:cNvPr>
+          <p:cNvSpPr/>
+          <p:nvPr/>
+        </p:nvSpPr>
+        <p:spPr>
+          <a:xfrm>
+            <a:off x="5928019" y="2900638"/>
+            <a:ext cx="432000" cy="289727"/>
+          </a:xfrm>
+          <a:prstGeom prst="roundRect">
+            <a:avLst>
+              <a:gd name="adj" fmla="val 19644"/>
+            </a:avLst>
+          </a:prstGeom>
+          <a:solidFill>
+            <a:schemeClr val="bg1"/>
+          </a:solidFill>
+          <a:ln w="12700">
+            <a:noFill/>
+          </a:ln>
+          <a:effectLst/>
+        </p:spPr>
+        <p:style>
+          <a:lnRef idx="2">
+            <a:schemeClr val="dk1"/>
+          </a:lnRef>
+          <a:fillRef idx="1">
+            <a:schemeClr val="lt1"/>
+          </a:fillRef>
+          <a:effectRef idx="0">
+            <a:schemeClr val="dk1"/>
+          </a:effectRef>
+          <a:fontRef idx="minor">
+            <a:schemeClr val="dk1"/>
+          </a:fontRef>
+        </p:style>
+        <p:txBody>
+          <a:bodyPr wrap="square" lIns="36000" tIns="36000" rIns="36000" bIns="36000" rtlCol="0" anchor="ctr">
+            <a:noAutofit/>
+          </a:bodyPr>
+          <a:lstStyle/>
+          <a:p>
+            <a:pPr algn="ctr"/>
+            <a:r>
+              <a:rPr lang="en-US" sz="1200" dirty="0">
+                <a:solidFill>
+                  <a:schemeClr val="accent1"/>
+                </a:solidFill>
+                <a:latin typeface="Source Sans Pro Light" charset="0"/>
+                <a:ea typeface="Source Sans Pro Light" charset="0"/>
+                <a:cs typeface="Source Sans Pro Light" charset="0"/>
+              </a:rPr>
+              <a:t>BON</a:t>
+            </a:r>
+          </a:p>
+        </p:txBody>
+      </p:sp>
+      <p:sp>
+        <p:nvSpPr>
+          <p:cNvPr id="91" name="Rounded Rectangle 90">
+            <a:extLst>
+              <a:ext uri="{FF2B5EF4-FFF2-40B4-BE49-F238E27FC236}">
+                <a16:creationId xmlns:a16="http://schemas.microsoft.com/office/drawing/2014/main" id="{C4062F7A-F7BB-2B45-8072-06677231ADB1}"/>
+              </a:ext>
+            </a:extLst>
+          </p:cNvPr>
+          <p:cNvSpPr/>
+          <p:nvPr/>
+        </p:nvSpPr>
+        <p:spPr>
+          <a:xfrm>
+            <a:off x="6441515" y="2900638"/>
+            <a:ext cx="710833" cy="289727"/>
+          </a:xfrm>
+          <a:prstGeom prst="roundRect">
+            <a:avLst>
+              <a:gd name="adj" fmla="val 19644"/>
+            </a:avLst>
+          </a:prstGeom>
+          <a:solidFill>
+            <a:schemeClr val="bg1"/>
+          </a:solidFill>
+          <a:ln w="12700">
+            <a:noFill/>
+          </a:ln>
+          <a:effectLst/>
+        </p:spPr>
+        <p:style>
+          <a:lnRef idx="2">
+            <a:schemeClr val="dk1"/>
+          </a:lnRef>
+          <a:fillRef idx="1">
+            <a:schemeClr val="lt1"/>
+          </a:fillRef>
+          <a:effectRef idx="0">
+            <a:schemeClr val="dk1"/>
+          </a:effectRef>
+          <a:fontRef idx="minor">
+            <a:schemeClr val="dk1"/>
+          </a:fontRef>
+        </p:style>
+        <p:txBody>
+          <a:bodyPr wrap="square" lIns="36000" tIns="36000" rIns="36000" bIns="36000" rtlCol="0" anchor="ctr">
+            <a:noAutofit/>
+          </a:bodyPr>
+          <a:lstStyle/>
+          <a:p>
+            <a:pPr algn="ctr"/>
+            <a:r>
+              <a:rPr lang="en-US" sz="1200" dirty="0">
+                <a:solidFill>
+                  <a:schemeClr val="accent1"/>
+                </a:solidFill>
+                <a:latin typeface="Source Sans Pro Light" charset="0"/>
+                <a:ea typeface="Source Sans Pro Light" charset="0"/>
+                <a:cs typeface="Source Sans Pro Light" charset="0"/>
+              </a:rPr>
+              <a:t>SNI</a:t>
+            </a:r>
+          </a:p>
+        </p:txBody>
+      </p:sp>
+      <p:sp>
+        <p:nvSpPr>
+          <p:cNvPr id="107" name="Rounded Rectangle 106">
+            <a:extLst>
+              <a:ext uri="{FF2B5EF4-FFF2-40B4-BE49-F238E27FC236}">
+                <a16:creationId xmlns:a16="http://schemas.microsoft.com/office/drawing/2014/main" id="{98F98C35-6A56-5244-977C-77ECAC2C433C}"/>
+              </a:ext>
+            </a:extLst>
+          </p:cNvPr>
+          <p:cNvSpPr/>
+          <p:nvPr/>
+        </p:nvSpPr>
+        <p:spPr>
+          <a:xfrm>
+            <a:off x="4334394" y="1817221"/>
+            <a:ext cx="3080118" cy="306000"/>
+          </a:xfrm>
+          <a:prstGeom prst="roundRect">
+            <a:avLst>
+              <a:gd name="adj" fmla="val 12311"/>
+            </a:avLst>
+          </a:prstGeom>
+          <a:solidFill>
+            <a:schemeClr val="bg1"/>
+          </a:solidFill>
+          <a:ln w="12700">
             <a:solidFill>
-              <a:schemeClr val="bg1"/>
+              <a:schemeClr val="bg2"/>
             </a:solidFill>
-            <a:ln w="12700">
-              <a:solidFill>
-                <a:schemeClr val="bg2"/>
-              </a:solidFill>
-            </a:ln>
-          </p:spPr>
-          <p:style>
-            <a:lnRef idx="2">
-              <a:schemeClr val="dk1"/>
-            </a:lnRef>
-            <a:fillRef idx="1">
-              <a:schemeClr val="lt1"/>
-            </a:fillRef>
-            <a:effectRef idx="0">
-              <a:schemeClr val="dk1"/>
-            </a:effectRef>
-            <a:fontRef idx="minor">
-              <a:schemeClr val="dk1"/>
-            </a:fontRef>
-          </p:style>
-          <p:txBody>
-            <a:bodyPr tIns="36000" bIns="0" rtlCol="0" anchor="ctr"/>
-            <a:lstStyle/>
-            <a:p>
-              <a:pPr algn="ctr">
-                <a:lnSpc>
-                  <a:spcPts val="1600"/>
-                </a:lnSpc>
-                <a:spcBef>
-                  <a:spcPts val="100"/>
-                </a:spcBef>
-                <a:spcAft>
-                  <a:spcPts val="100"/>
-                </a:spcAft>
-              </a:pPr>
-              <a:r>
-                <a:rPr lang="en-US" sz="1600" b="1" dirty="0">
-                  <a:solidFill>
-                    <a:schemeClr val="tx1"/>
-                  </a:solidFill>
-                  <a:latin typeface="Source Sans Pro" charset="0"/>
-                  <a:ea typeface="Source Sans Pro" charset="0"/>
-                  <a:cs typeface="Source Sans Pro" charset="0"/>
-                </a:rPr>
-                <a:t>YOUR APPLICATIONS</a:t>
-              </a:r>
-              <a:endParaRPr lang="en-US" sz="1200" dirty="0">
+          </a:ln>
+        </p:spPr>
+        <p:style>
+          <a:lnRef idx="2">
+            <a:schemeClr val="dk1"/>
+          </a:lnRef>
+          <a:fillRef idx="1">
+            <a:schemeClr val="lt1"/>
+          </a:fillRef>
+          <a:effectRef idx="0">
+            <a:schemeClr val="dk1"/>
+          </a:effectRef>
+          <a:fontRef idx="minor">
+            <a:schemeClr val="dk1"/>
+          </a:fontRef>
+        </p:style>
+        <p:txBody>
+          <a:bodyPr tIns="36000" bIns="0" rtlCol="0" anchor="ctr"/>
+          <a:lstStyle/>
+          <a:p>
+            <a:pPr algn="ctr">
+              <a:lnSpc>
+                <a:spcPts val="1600"/>
+              </a:lnSpc>
+              <a:spcBef>
+                <a:spcPts val="100"/>
+              </a:spcBef>
+              <a:spcAft>
+                <a:spcPts val="100"/>
+              </a:spcAft>
+            </a:pPr>
+            <a:r>
+              <a:rPr lang="en-US" sz="1600" b="1" dirty="0">
                 <a:solidFill>
                   <a:schemeClr val="tx1"/>
                 </a:solidFill>
                 <a:latin typeface="Source Sans Pro" charset="0"/>
                 <a:ea typeface="Source Sans Pro" charset="0"/>
                 <a:cs typeface="Source Sans Pro" charset="0"/>
-              </a:endParaRPr>
-            </a:p>
-          </p:txBody>
-        </p:sp>
-      </p:grpSp>
+              </a:rPr>
+              <a:t>APPLICATION</a:t>
+            </a:r>
+            <a:endParaRPr lang="en-US" sz="1200" dirty="0">
+              <a:solidFill>
+                <a:schemeClr val="tx1"/>
+              </a:solidFill>
+              <a:latin typeface="Source Sans Pro" charset="0"/>
+              <a:ea typeface="Source Sans Pro" charset="0"/>
+              <a:cs typeface="Source Sans Pro" charset="0"/>
+            </a:endParaRPr>
+          </a:p>
+        </p:txBody>
+      </p:sp>
+      <p:sp>
+        <p:nvSpPr>
+          <p:cNvPr id="27" name="Rounded Rectangle 87">
+            <a:extLst>
+              <a:ext uri="{FF2B5EF4-FFF2-40B4-BE49-F238E27FC236}">
+                <a16:creationId xmlns:a16="http://schemas.microsoft.com/office/drawing/2014/main" id="{611288DA-CD9E-2F63-41B4-4D9B68922317}"/>
+              </a:ext>
+            </a:extLst>
+          </p:cNvPr>
+          <p:cNvSpPr/>
+          <p:nvPr/>
+        </p:nvSpPr>
+        <p:spPr>
+          <a:xfrm>
+            <a:off x="6169547" y="4219730"/>
+            <a:ext cx="1832964" cy="190126"/>
+          </a:xfrm>
+          <a:prstGeom prst="roundRect">
+            <a:avLst>
+              <a:gd name="adj" fmla="val 22586"/>
+            </a:avLst>
+          </a:prstGeom>
+          <a:solidFill>
+            <a:schemeClr val="bg2">
+              <a:lumMod val="75000"/>
+            </a:schemeClr>
+          </a:solidFill>
+          <a:ln w="12700">
+            <a:noFill/>
+          </a:ln>
+          <a:effectLst/>
+        </p:spPr>
+        <p:style>
+          <a:lnRef idx="2">
+            <a:schemeClr val="dk1"/>
+          </a:lnRef>
+          <a:fillRef idx="1">
+            <a:schemeClr val="lt1"/>
+          </a:fillRef>
+          <a:effectRef idx="0">
+            <a:schemeClr val="dk1"/>
+          </a:effectRef>
+          <a:fontRef idx="minor">
+            <a:schemeClr val="dk1"/>
+          </a:fontRef>
+        </p:style>
+        <p:txBody>
+          <a:bodyPr wrap="square" tIns="36000" bIns="36000" rtlCol="0" anchor="ctr">
+            <a:noAutofit/>
+          </a:bodyPr>
+          <a:lstStyle/>
+          <a:p>
+            <a:pPr algn="ctr"/>
+            <a:r>
+              <a:rPr lang="en-US" sz="1200" dirty="0">
+                <a:solidFill>
+                  <a:schemeClr val="bg1"/>
+                </a:solidFill>
+                <a:latin typeface="Source Sans Pro Light" charset="0"/>
+                <a:ea typeface="Source Sans Pro Light" charset="0"/>
+                <a:cs typeface="Source Sans Pro Light" charset="0"/>
+              </a:rPr>
+              <a:t>Display Driver</a:t>
+            </a:r>
+          </a:p>
+        </p:txBody>
+      </p:sp>
+      <p:sp>
+        <p:nvSpPr>
+          <p:cNvPr id="42" name="Rounded Rectangle 221">
+            <a:extLst>
+              <a:ext uri="{FF2B5EF4-FFF2-40B4-BE49-F238E27FC236}">
+                <a16:creationId xmlns:a16="http://schemas.microsoft.com/office/drawing/2014/main" id="{52D8D190-CAE6-B76B-38E3-623B37FC92B8}"/>
+              </a:ext>
+            </a:extLst>
+          </p:cNvPr>
+          <p:cNvSpPr/>
+          <p:nvPr/>
+        </p:nvSpPr>
+        <p:spPr>
+          <a:xfrm>
+            <a:off x="7264396" y="3590143"/>
+            <a:ext cx="712756" cy="366386"/>
+          </a:xfrm>
+          <a:prstGeom prst="roundRect">
+            <a:avLst>
+              <a:gd name="adj" fmla="val 13128"/>
+            </a:avLst>
+          </a:prstGeom>
+          <a:solidFill>
+            <a:schemeClr val="accent1"/>
+          </a:solidFill>
+          <a:ln w="12700">
+            <a:noFill/>
+          </a:ln>
+          <a:effectLst/>
+        </p:spPr>
+        <p:style>
+          <a:lnRef idx="2">
+            <a:schemeClr val="dk1"/>
+          </a:lnRef>
+          <a:fillRef idx="1">
+            <a:schemeClr val="lt1"/>
+          </a:fillRef>
+          <a:effectRef idx="0">
+            <a:schemeClr val="dk1"/>
+          </a:effectRef>
+          <a:fontRef idx="minor">
+            <a:schemeClr val="dk1"/>
+          </a:fontRef>
+        </p:style>
+        <p:txBody>
+          <a:bodyPr wrap="square" lIns="0" tIns="72000" rIns="0" bIns="36000" rtlCol="0" anchor="ctr">
+            <a:noAutofit/>
+          </a:bodyPr>
+          <a:lstStyle/>
+          <a:p>
+            <a:pPr algn="ctr">
+              <a:lnSpc>
+                <a:spcPts val="1000"/>
+              </a:lnSpc>
+            </a:pPr>
+            <a:r>
+              <a:rPr lang="en-US" sz="1100" dirty="0">
+                <a:solidFill>
+                  <a:schemeClr val="bg1"/>
+                </a:solidFill>
+                <a:latin typeface="Source Sans Pro Light" charset="0"/>
+                <a:ea typeface="Source Sans Pro Light" charset="0"/>
+                <a:cs typeface="Source Sans Pro Light" charset="0"/>
+              </a:rPr>
+              <a:t>Graphical Engine</a:t>
+            </a:r>
+          </a:p>
+        </p:txBody>
+      </p:sp>
+      <p:cxnSp>
+        <p:nvCxnSpPr>
+          <p:cNvPr id="43" name="Straight Connector 42">
+            <a:extLst>
+              <a:ext uri="{FF2B5EF4-FFF2-40B4-BE49-F238E27FC236}">
+                <a16:creationId xmlns:a16="http://schemas.microsoft.com/office/drawing/2014/main" id="{0C8E3F4E-ACEB-620A-BBD3-CE1C818BE16B}"/>
+              </a:ext>
+            </a:extLst>
+          </p:cNvPr>
+          <p:cNvCxnSpPr>
+            <a:cxnSpLocks/>
+          </p:cNvCxnSpPr>
+          <p:nvPr/>
+        </p:nvCxnSpPr>
+        <p:spPr>
+          <a:xfrm>
+            <a:off x="7264395" y="4038666"/>
+            <a:ext cx="712756" cy="0"/>
+          </a:xfrm>
+          <a:prstGeom prst="line">
+            <a:avLst/>
+          </a:prstGeom>
+          <a:ln w="38100" cap="rnd">
+            <a:solidFill>
+              <a:schemeClr val="accent1"/>
+            </a:solidFill>
+            <a:miter lim="800000"/>
+          </a:ln>
+        </p:spPr>
+        <p:style>
+          <a:lnRef idx="1">
+            <a:schemeClr val="accent1"/>
+          </a:lnRef>
+          <a:fillRef idx="0">
+            <a:schemeClr val="accent1"/>
+          </a:fillRef>
+          <a:effectRef idx="0">
+            <a:schemeClr val="accent1"/>
+          </a:effectRef>
+          <a:fontRef idx="minor">
+            <a:schemeClr val="tx1"/>
+          </a:fontRef>
+        </p:style>
+      </p:cxnSp>
+      <p:sp>
+        <p:nvSpPr>
+          <p:cNvPr id="33" name="Rounded Rectangle 87">
+            <a:extLst>
+              <a:ext uri="{FF2B5EF4-FFF2-40B4-BE49-F238E27FC236}">
+                <a16:creationId xmlns:a16="http://schemas.microsoft.com/office/drawing/2014/main" id="{EAD78B47-2750-0105-E7C4-9085126BDDB4}"/>
+              </a:ext>
+            </a:extLst>
+          </p:cNvPr>
+          <p:cNvSpPr/>
+          <p:nvPr/>
+        </p:nvSpPr>
+        <p:spPr>
+          <a:xfrm>
+            <a:off x="3895725" y="4209926"/>
+            <a:ext cx="1832964" cy="190126"/>
+          </a:xfrm>
+          <a:prstGeom prst="roundRect">
+            <a:avLst>
+              <a:gd name="adj" fmla="val 22586"/>
+            </a:avLst>
+          </a:prstGeom>
+          <a:solidFill>
+            <a:schemeClr val="bg2">
+              <a:lumMod val="75000"/>
+            </a:schemeClr>
+          </a:solidFill>
+          <a:ln w="12700">
+            <a:noFill/>
+          </a:ln>
+          <a:effectLst/>
+        </p:spPr>
+        <p:style>
+          <a:lnRef idx="2">
+            <a:schemeClr val="dk1"/>
+          </a:lnRef>
+          <a:fillRef idx="1">
+            <a:schemeClr val="lt1"/>
+          </a:fillRef>
+          <a:effectRef idx="0">
+            <a:schemeClr val="dk1"/>
+          </a:effectRef>
+          <a:fontRef idx="minor">
+            <a:schemeClr val="dk1"/>
+          </a:fontRef>
+        </p:style>
+        <p:txBody>
+          <a:bodyPr wrap="square" tIns="36000" bIns="36000" rtlCol="0" anchor="ctr">
+            <a:noAutofit/>
+          </a:bodyPr>
+          <a:lstStyle/>
+          <a:p>
+            <a:pPr algn="ctr"/>
+            <a:r>
+              <a:rPr lang="en-US" sz="1200" dirty="0">
+                <a:solidFill>
+                  <a:schemeClr val="bg1"/>
+                </a:solidFill>
+                <a:latin typeface="Source Sans Pro Light" charset="0"/>
+                <a:ea typeface="Source Sans Pro Light" charset="0"/>
+                <a:cs typeface="Source Sans Pro Light" charset="0"/>
+              </a:rPr>
+              <a:t>Drivers</a:t>
+            </a:r>
+          </a:p>
+        </p:txBody>
+      </p:sp>
+      <p:sp>
+        <p:nvSpPr>
+          <p:cNvPr id="49" name="Rounded Rectangle 34">
+            <a:extLst>
+              <a:ext uri="{FF2B5EF4-FFF2-40B4-BE49-F238E27FC236}">
+                <a16:creationId xmlns:a16="http://schemas.microsoft.com/office/drawing/2014/main" id="{6443DEA8-1D1A-7C09-A189-9F51FAB041B2}"/>
+              </a:ext>
+            </a:extLst>
+          </p:cNvPr>
+          <p:cNvSpPr/>
+          <p:nvPr/>
+        </p:nvSpPr>
+        <p:spPr>
+          <a:xfrm>
+            <a:off x="5771408" y="2423824"/>
+            <a:ext cx="1689841" cy="289727"/>
+          </a:xfrm>
+          <a:prstGeom prst="roundRect">
+            <a:avLst>
+              <a:gd name="adj" fmla="val 19644"/>
+            </a:avLst>
+          </a:prstGeom>
+          <a:solidFill>
+            <a:schemeClr val="bg1"/>
+          </a:solidFill>
+          <a:ln w="12700">
+            <a:noFill/>
+          </a:ln>
+          <a:effectLst/>
+        </p:spPr>
+        <p:style>
+          <a:lnRef idx="2">
+            <a:schemeClr val="dk1"/>
+          </a:lnRef>
+          <a:fillRef idx="1">
+            <a:schemeClr val="lt1"/>
+          </a:fillRef>
+          <a:effectRef idx="0">
+            <a:schemeClr val="dk1"/>
+          </a:effectRef>
+          <a:fontRef idx="minor">
+            <a:schemeClr val="dk1"/>
+          </a:fontRef>
+        </p:style>
+        <p:txBody>
+          <a:bodyPr wrap="square" lIns="36000" tIns="36000" rIns="36000" bIns="36000" rtlCol="0" anchor="ctr">
+            <a:noAutofit/>
+          </a:bodyPr>
+          <a:lstStyle/>
+          <a:p>
+            <a:pPr algn="ctr"/>
+            <a:r>
+              <a:rPr lang="en-US" sz="1200" dirty="0">
+                <a:solidFill>
+                  <a:schemeClr val="accent1"/>
+                </a:solidFill>
+                <a:latin typeface="Source Sans Pro Light" charset="0"/>
+                <a:ea typeface="Source Sans Pro Light" charset="0"/>
+                <a:cs typeface="Source Sans Pro Light" charset="0"/>
+              </a:rPr>
+              <a:t>Light Widget Framework</a:t>
+            </a:r>
+          </a:p>
+        </p:txBody>
+      </p:sp>
+      <p:sp>
+        <p:nvSpPr>
+          <p:cNvPr id="50" name="Rounded Rectangle 205">
+            <a:extLst>
+              <a:ext uri="{FF2B5EF4-FFF2-40B4-BE49-F238E27FC236}">
+                <a16:creationId xmlns:a16="http://schemas.microsoft.com/office/drawing/2014/main" id="{5E3FE30D-291F-CF0E-4148-3EFDEEFB3302}"/>
+              </a:ext>
+            </a:extLst>
+          </p:cNvPr>
+          <p:cNvSpPr/>
+          <p:nvPr/>
+        </p:nvSpPr>
+        <p:spPr>
+          <a:xfrm>
+            <a:off x="5463898" y="3737802"/>
+            <a:ext cx="632102" cy="306365"/>
+          </a:xfrm>
+          <a:prstGeom prst="roundRect">
+            <a:avLst>
+              <a:gd name="adj" fmla="val 13128"/>
+            </a:avLst>
+          </a:prstGeom>
+          <a:solidFill>
+            <a:schemeClr val="tx2"/>
+          </a:solidFill>
+          <a:ln w="12700">
+            <a:noFill/>
+          </a:ln>
+          <a:effectLst/>
+        </p:spPr>
+        <p:style>
+          <a:lnRef idx="2">
+            <a:schemeClr val="dk1"/>
+          </a:lnRef>
+          <a:fillRef idx="1">
+            <a:schemeClr val="lt1"/>
+          </a:fillRef>
+          <a:effectRef idx="0">
+            <a:schemeClr val="dk1"/>
+          </a:effectRef>
+          <a:fontRef idx="minor">
+            <a:schemeClr val="dk1"/>
+          </a:fontRef>
+        </p:style>
+        <p:txBody>
+          <a:bodyPr wrap="square" lIns="0" tIns="0" rIns="0" bIns="0" rtlCol="0" anchor="ctr">
+            <a:noAutofit/>
+          </a:bodyPr>
+          <a:lstStyle/>
+          <a:p>
+            <a:pPr algn="ctr"/>
+            <a:r>
+              <a:rPr lang="en-US" sz="1200" dirty="0">
+                <a:solidFill>
+                  <a:schemeClr val="bg1"/>
+                </a:solidFill>
+                <a:latin typeface="Source Sans Pro Light" charset="0"/>
+                <a:ea typeface="Source Sans Pro Light" charset="0"/>
+                <a:cs typeface="Source Sans Pro Light" charset="0"/>
+              </a:rPr>
+              <a:t>I/O</a:t>
+            </a:r>
+          </a:p>
+        </p:txBody>
+      </p:sp>
+      <p:sp>
+        <p:nvSpPr>
+          <p:cNvPr id="51" name="Rounded Rectangle 205">
+            <a:extLst>
+              <a:ext uri="{FF2B5EF4-FFF2-40B4-BE49-F238E27FC236}">
+                <a16:creationId xmlns:a16="http://schemas.microsoft.com/office/drawing/2014/main" id="{58DE5598-C3DB-6D1C-954B-402061A9DB2F}"/>
+              </a:ext>
+            </a:extLst>
+          </p:cNvPr>
+          <p:cNvSpPr/>
+          <p:nvPr/>
+        </p:nvSpPr>
+        <p:spPr>
+          <a:xfrm>
+            <a:off x="6169547" y="3743681"/>
+            <a:ext cx="1021301" cy="306365"/>
+          </a:xfrm>
+          <a:prstGeom prst="roundRect">
+            <a:avLst>
+              <a:gd name="adj" fmla="val 13128"/>
+            </a:avLst>
+          </a:prstGeom>
+          <a:solidFill>
+            <a:schemeClr val="tx2"/>
+          </a:solidFill>
+          <a:ln w="12700">
+            <a:noFill/>
+          </a:ln>
+          <a:effectLst/>
+        </p:spPr>
+        <p:style>
+          <a:lnRef idx="2">
+            <a:schemeClr val="dk1"/>
+          </a:lnRef>
+          <a:fillRef idx="1">
+            <a:schemeClr val="lt1"/>
+          </a:fillRef>
+          <a:effectRef idx="0">
+            <a:schemeClr val="dk1"/>
+          </a:effectRef>
+          <a:fontRef idx="minor">
+            <a:schemeClr val="dk1"/>
+          </a:fontRef>
+        </p:style>
+        <p:txBody>
+          <a:bodyPr wrap="square" lIns="0" tIns="0" rIns="0" bIns="0" rtlCol="0" anchor="ctr">
+            <a:noAutofit/>
+          </a:bodyPr>
+          <a:lstStyle/>
+          <a:p>
+            <a:pPr algn="ctr"/>
+            <a:r>
+              <a:rPr lang="en-US" sz="1100" dirty="0">
+                <a:solidFill>
+                  <a:schemeClr val="bg1"/>
+                </a:solidFill>
+                <a:latin typeface="Source Sans Pro Light" charset="0"/>
+                <a:ea typeface="Source Sans Pro Light" charset="0"/>
+                <a:cs typeface="Source Sans Pro Light" charset="0"/>
+              </a:rPr>
+              <a:t>Custom Drawings</a:t>
+            </a:r>
+          </a:p>
+        </p:txBody>
+      </p:sp>
     </p:spTree>
     <p:extLst>
       <p:ext uri="{BB962C8B-B14F-4D97-AF65-F5344CB8AC3E}">

--- a/VEEPortingGuide/images/jpf-runtime-components.pptx
+++ b/VEEPortingGuide/images/jpf-runtime-components.pptx
@@ -239,7 +239,7 @@
               <a:rPr lang="fr-FR" smtClean="0">
                 <a:latin typeface="Calibri Regular" charset="0"/>
               </a:rPr>
-              <a:t>février 24</a:t>
+              <a:t>janvier 21</a:t>
             </a:fld>
             <a:endParaRPr lang="en-US" dirty="0">
               <a:latin typeface="Calibri Regular" charset="0"/>
@@ -418,7 +418,7 @@
             <a:fld id="{79958FA1-9FE8-F149-AB4B-7DC9950B39E9}" type="datetime6">
               <a:rPr lang="fr-FR" smtClean="0"/>
               <a:pPr/>
-              <a:t>février 24</a:t>
+              <a:t>janvier 21</a:t>
             </a:fld>
             <a:endParaRPr lang="en-US" dirty="0"/>
           </a:p>
@@ -1006,6 +1006,7 @@
         </p:style>
       </p:cxnSp>
     </p:spTree>
+    <p:extLst/>
   </p:cSld>
   <p:clrMapOvr>
     <a:masterClrMapping/>
@@ -1292,6 +1293,7 @@
         </p:style>
       </p:cxnSp>
     </p:spTree>
+    <p:extLst/>
   </p:cSld>
   <p:clrMapOvr>
     <a:masterClrMapping/>
@@ -1763,6 +1765,7 @@
         </p:style>
       </p:cxnSp>
     </p:spTree>
+    <p:extLst/>
   </p:cSld>
   <p:clrMapOvr>
     <a:masterClrMapping/>
@@ -2015,6 +2018,7 @@
         </p:style>
       </p:cxnSp>
     </p:spTree>
+    <p:extLst/>
   </p:cSld>
   <p:clrMapOvr>
     <a:masterClrMapping/>
@@ -2301,6 +2305,7 @@
         </p:style>
       </p:cxnSp>
     </p:spTree>
+    <p:extLst/>
   </p:cSld>
   <p:clrMapOvr>
     <a:masterClrMapping/>
@@ -2957,6 +2962,7 @@
         </p:txBody>
       </p:sp>
     </p:spTree>
+    <p:extLst/>
   </p:cSld>
   <p:clrMapOvr>
     <a:masterClrMapping/>
@@ -2983,6 +2989,7 @@
         </a:xfrm>
       </p:grpSpPr>
     </p:spTree>
+    <p:extLst/>
   </p:cSld>
   <p:clrMapOvr>
     <a:masterClrMapping/>
@@ -3193,6 +3200,7 @@
         </p:txBody>
       </p:sp>
     </p:spTree>
+    <p:extLst/>
   </p:cSld>
   <p:clrMapOvr>
     <a:masterClrMapping/>
@@ -3505,6 +3513,7 @@
         </p:style>
       </p:cxnSp>
     </p:spTree>
+    <p:extLst/>
   </p:cSld>
   <p:clrMapOvr>
     <a:masterClrMapping/>
@@ -4063,7 +4072,7 @@
           <p:nvPr/>
         </p:nvPicPr>
         <p:blipFill>
-          <a:blip r:embed="rId2" cstate="print">
+          <a:blip r:embed="rId2">
             <a:extLst>
               <a:ext uri="{28A0092B-C50C-407E-A947-70E740481C1C}">
                 <a14:useLocalDpi xmlns:a14="http://schemas.microsoft.com/office/drawing/2010/main" val="0"/>
@@ -4194,6 +4203,7 @@
         </p:txBody>
       </p:sp>
     </p:spTree>
+    <p:extLst/>
   </p:cSld>
   <p:clrMapOvr>
     <a:masterClrMapping/>
@@ -4494,6 +4504,7 @@
         </p:txBody>
       </p:sp>
     </p:spTree>
+    <p:extLst/>
   </p:cSld>
   <p:clrMapOvr>
     <a:masterClrMapping/>
@@ -4915,6 +4926,7 @@
         </p:style>
       </p:cxnSp>
     </p:spTree>
+    <p:extLst/>
   </p:cSld>
   <p:clrMapOvr>
     <a:masterClrMapping/>
@@ -5107,6 +5119,7 @@
         </p:txBody>
       </p:sp>
     </p:spTree>
+    <p:extLst/>
   </p:cSld>
   <p:clrMapOvr>
     <a:masterClrMapping/>
@@ -5208,12 +5221,13 @@
         </p:txBody>
       </p:sp>
     </p:spTree>
+    <p:extLst/>
   </p:cSld>
   <p:clrMapOvr>
     <a:masterClrMapping/>
   </p:clrMapOvr>
   <p:hf hdr="0" ftr="0"/>
-  <p:extLst>
+  <p:extLst mod="1">
     <p:ext uri="{DCECCB84-F9BA-43D5-87BE-67443E8EF086}">
       <p15:sldGuideLst xmlns:p15="http://schemas.microsoft.com/office/powerpoint/2012/main"/>
     </p:ext>
@@ -5419,6 +5433,7 @@
         </p:style>
       </p:cxnSp>
     </p:spTree>
+    <p:extLst/>
   </p:cSld>
   <p:clrMapOvr>
     <a:masterClrMapping/>
@@ -5705,6 +5720,7 @@
         </p:style>
       </p:cxnSp>
     </p:spTree>
+    <p:extLst/>
   </p:cSld>
   <p:clrMapOvr>
     <a:masterClrMapping/>
@@ -6016,6 +6032,7 @@
         </p:style>
       </p:cxnSp>
     </p:spTree>
+    <p:extLst/>
   </p:cSld>
   <p:clrMapOvr>
     <a:masterClrMapping/>
@@ -6222,6 +6239,7 @@
         </p:style>
       </p:cxnSp>
     </p:spTree>
+    <p:extLst/>
   </p:cSld>
   <p:clrMapOvr>
     <a:masterClrMapping/>
@@ -6399,7 +6417,7 @@
           <p:nvPr/>
         </p:nvPicPr>
         <p:blipFill>
-          <a:blip r:embed="rId23" cstate="print">
+          <a:blip r:embed="rId23">
             <a:extLst>
               <a:ext uri="{28A0092B-C50C-407E-A947-70E740481C1C}">
                 <a14:useLocalDpi xmlns:a14="http://schemas.microsoft.com/office/drawing/2010/main" val="0"/>
@@ -6810,7 +6828,7 @@
       </a:lvl9pPr>
     </p:otherStyle>
   </p:txStyles>
-  <p:extLst>
+  <p:extLst mod="1">
     <p:ext uri="{27BBF7A9-308A-43DC-89C8-2F10F3537804}">
       <p15:sldGuideLst xmlns:p15="http://schemas.microsoft.com/office/powerpoint/2012/main">
         <p15:guide id="1" orient="horz" pos="3807">
@@ -7106,190 +7124,12 @@
           </a:p>
         </p:txBody>
       </p:sp>
-      <p:sp>
-        <p:nvSpPr>
-          <p:cNvPr id="5" name="Arc 4">
+      <p:grpSp>
+        <p:nvGrpSpPr>
+          <p:cNvPr id="108" name="Group 107">
             <a:extLst>
               <a:ext uri="{FF2B5EF4-FFF2-40B4-BE49-F238E27FC236}">
-                <a16:creationId xmlns:a16="http://schemas.microsoft.com/office/drawing/2014/main" id="{CDA75251-2717-3E43-BB3A-DBBEB462FB90}"/>
-              </a:ext>
-            </a:extLst>
-          </p:cNvPr>
-          <p:cNvSpPr/>
-          <p:nvPr/>
-        </p:nvSpPr>
-        <p:spPr>
-          <a:xfrm rot="16200000">
-            <a:off x="3598624" y="5967600"/>
-            <a:ext cx="229393" cy="209087"/>
-          </a:xfrm>
-          <a:prstGeom prst="arc">
-            <a:avLst>
-              <a:gd name="adj1" fmla="val 16200000"/>
-              <a:gd name="adj2" fmla="val 1286025"/>
-            </a:avLst>
-          </a:prstGeom>
-          <a:ln w="38100">
-            <a:solidFill>
-              <a:schemeClr val="bg2">
-                <a:lumMod val="25000"/>
-              </a:schemeClr>
-            </a:solidFill>
-          </a:ln>
-        </p:spPr>
-        <p:style>
-          <a:lnRef idx="1">
-            <a:schemeClr val="accent1"/>
-          </a:lnRef>
-          <a:fillRef idx="0">
-            <a:schemeClr val="accent1"/>
-          </a:fillRef>
-          <a:effectRef idx="0">
-            <a:schemeClr val="accent1"/>
-          </a:effectRef>
-          <a:fontRef idx="minor">
-            <a:schemeClr val="tx1"/>
-          </a:fontRef>
-        </p:style>
-        <p:txBody>
-          <a:bodyPr rtlCol="0" anchor="ctr"/>
-          <a:lstStyle/>
-          <a:p>
-            <a:pPr algn="ctr"/>
-            <a:endParaRPr lang="en-US" dirty="0"/>
-          </a:p>
-        </p:txBody>
-      </p:sp>
-      <p:sp>
-        <p:nvSpPr>
-          <p:cNvPr id="6" name="Arc 5">
-            <a:extLst>
-              <a:ext uri="{FF2B5EF4-FFF2-40B4-BE49-F238E27FC236}">
-                <a16:creationId xmlns:a16="http://schemas.microsoft.com/office/drawing/2014/main" id="{03DA70D7-2CF9-8747-BC92-DD0B286D3E0B}"/>
-              </a:ext>
-            </a:extLst>
-          </p:cNvPr>
-          <p:cNvSpPr/>
-          <p:nvPr/>
-        </p:nvSpPr>
-        <p:spPr>
-          <a:xfrm>
-            <a:off x="8030307" y="5973172"/>
-            <a:ext cx="224156" cy="213972"/>
-          </a:xfrm>
-          <a:prstGeom prst="arc">
-            <a:avLst>
-              <a:gd name="adj1" fmla="val 15188349"/>
-              <a:gd name="adj2" fmla="val 21512081"/>
-            </a:avLst>
-          </a:prstGeom>
-          <a:ln w="38100">
-            <a:solidFill>
-              <a:schemeClr val="bg2">
-                <a:lumMod val="25000"/>
-              </a:schemeClr>
-            </a:solidFill>
-          </a:ln>
-        </p:spPr>
-        <p:style>
-          <a:lnRef idx="1">
-            <a:schemeClr val="accent1"/>
-          </a:lnRef>
-          <a:fillRef idx="0">
-            <a:schemeClr val="accent1"/>
-          </a:fillRef>
-          <a:effectRef idx="0">
-            <a:schemeClr val="accent1"/>
-          </a:effectRef>
-          <a:fontRef idx="minor">
-            <a:schemeClr val="tx1"/>
-          </a:fontRef>
-        </p:style>
-        <p:txBody>
-          <a:bodyPr rtlCol="0" anchor="ctr"/>
-          <a:lstStyle/>
-          <a:p>
-            <a:pPr algn="ctr"/>
-            <a:endParaRPr lang="en-US" dirty="0"/>
-          </a:p>
-        </p:txBody>
-      </p:sp>
-      <p:sp>
-        <p:nvSpPr>
-          <p:cNvPr id="7" name="Snip Same Side Corner Rectangle 6">
-            <a:extLst>
-              <a:ext uri="{FF2B5EF4-FFF2-40B4-BE49-F238E27FC236}">
-                <a16:creationId xmlns:a16="http://schemas.microsoft.com/office/drawing/2014/main" id="{9CE42922-83A7-8B40-A4DE-A0EBB1D030D2}"/>
-              </a:ext>
-            </a:extLst>
-          </p:cNvPr>
-          <p:cNvSpPr/>
-          <p:nvPr/>
-        </p:nvSpPr>
-        <p:spPr>
-          <a:xfrm>
-            <a:off x="3699568" y="5537630"/>
-            <a:ext cx="4445565" cy="535522"/>
-          </a:xfrm>
-          <a:prstGeom prst="snip2SameRect">
-            <a:avLst>
-              <a:gd name="adj1" fmla="val 12416"/>
-              <a:gd name="adj2" fmla="val 0"/>
-            </a:avLst>
-          </a:prstGeom>
-          <a:solidFill>
-            <a:schemeClr val="tx1">
-              <a:lumMod val="50000"/>
-            </a:schemeClr>
-          </a:solidFill>
-          <a:ln>
-            <a:noFill/>
-          </a:ln>
-        </p:spPr>
-        <p:style>
-          <a:lnRef idx="2">
-            <a:schemeClr val="accent1">
-              <a:shade val="50000"/>
-            </a:schemeClr>
-          </a:lnRef>
-          <a:fillRef idx="1">
-            <a:schemeClr val="accent1"/>
-          </a:fillRef>
-          <a:effectRef idx="0">
-            <a:schemeClr val="accent1"/>
-          </a:effectRef>
-          <a:fontRef idx="minor">
-            <a:schemeClr val="lt1"/>
-          </a:fontRef>
-        </p:style>
-        <p:txBody>
-          <a:bodyPr wrap="square" tIns="72000" bIns="36000" rtlCol="0" anchor="t">
-            <a:noAutofit/>
-          </a:bodyPr>
-          <a:lstStyle/>
-          <a:p>
-            <a:pPr algn="ctr">
-              <a:lnSpc>
-                <a:spcPts val="1500"/>
-              </a:lnSpc>
-            </a:pPr>
-            <a:endParaRPr lang="en-US" sz="1400" i="1" dirty="0">
-              <a:solidFill>
-                <a:schemeClr val="bg1"/>
-              </a:solidFill>
-              <a:latin typeface="Source Sans Pro Light" charset="0"/>
-              <a:ea typeface="Source Sans Pro Light" charset="0"/>
-              <a:cs typeface="Source Sans Pro Light" charset="0"/>
-            </a:endParaRPr>
-          </a:p>
-        </p:txBody>
-      </p:sp>
-      <p:grpSp>
-        <p:nvGrpSpPr>
-          <p:cNvPr id="8" name="Group 7">
-            <a:extLst>
-              <a:ext uri="{FF2B5EF4-FFF2-40B4-BE49-F238E27FC236}">
-                <a16:creationId xmlns:a16="http://schemas.microsoft.com/office/drawing/2014/main" id="{5248D8D9-D967-1348-A032-008E17139DEE}"/>
+                <a16:creationId xmlns:a16="http://schemas.microsoft.com/office/drawing/2014/main" id="{1EA74A66-B367-0A4B-AE19-308F154AE9AF}"/>
               </a:ext>
             </a:extLst>
           </p:cNvPr>
@@ -7298,18 +7138,72 @@
         </p:nvGrpSpPr>
         <p:grpSpPr>
           <a:xfrm>
-            <a:off x="3779441" y="5270650"/>
-            <a:ext cx="1718673" cy="728998"/>
-            <a:chOff x="4203485" y="5520221"/>
-            <a:chExt cx="1718673" cy="728998"/>
+            <a:off x="3608777" y="1324049"/>
+            <a:ext cx="4645686" cy="4915259"/>
+            <a:chOff x="3608777" y="1324049"/>
+            <a:chExt cx="4645686" cy="4915259"/>
           </a:xfrm>
         </p:grpSpPr>
         <p:sp>
           <p:nvSpPr>
-            <p:cNvPr id="9" name="Rounded Rectangle 370">
+            <p:cNvPr id="5" name="Arc 4">
               <a:extLst>
                 <a:ext uri="{FF2B5EF4-FFF2-40B4-BE49-F238E27FC236}">
-                  <a16:creationId xmlns:a16="http://schemas.microsoft.com/office/drawing/2014/main" id="{2667F158-48EA-5048-8BCC-3E029C7677F6}"/>
+                  <a16:creationId xmlns:a16="http://schemas.microsoft.com/office/drawing/2014/main" id="{CDA75251-2717-3E43-BB3A-DBBEB462FB90}"/>
+                </a:ext>
+              </a:extLst>
+            </p:cNvPr>
+            <p:cNvSpPr/>
+            <p:nvPr/>
+          </p:nvSpPr>
+          <p:spPr>
+            <a:xfrm rot="16200000">
+              <a:off x="3598624" y="5967600"/>
+              <a:ext cx="229393" cy="209087"/>
+            </a:xfrm>
+            <a:prstGeom prst="arc">
+              <a:avLst>
+                <a:gd name="adj1" fmla="val 16200000"/>
+                <a:gd name="adj2" fmla="val 1286025"/>
+              </a:avLst>
+            </a:prstGeom>
+            <a:ln w="38100">
+              <a:solidFill>
+                <a:schemeClr val="bg2">
+                  <a:lumMod val="25000"/>
+                </a:schemeClr>
+              </a:solidFill>
+            </a:ln>
+          </p:spPr>
+          <p:style>
+            <a:lnRef idx="1">
+              <a:schemeClr val="accent1"/>
+            </a:lnRef>
+            <a:fillRef idx="0">
+              <a:schemeClr val="accent1"/>
+            </a:fillRef>
+            <a:effectRef idx="0">
+              <a:schemeClr val="accent1"/>
+            </a:effectRef>
+            <a:fontRef idx="minor">
+              <a:schemeClr val="tx1"/>
+            </a:fontRef>
+          </p:style>
+          <p:txBody>
+            <a:bodyPr rtlCol="0" anchor="ctr"/>
+            <a:lstStyle/>
+            <a:p>
+              <a:pPr algn="ctr"/>
+              <a:endParaRPr lang="en-US" dirty="0"/>
+            </a:p>
+          </p:txBody>
+        </p:sp>
+        <p:sp>
+          <p:nvSpPr>
+            <p:cNvPr id="6" name="Arc 5">
+              <a:extLst>
+                <a:ext uri="{FF2B5EF4-FFF2-40B4-BE49-F238E27FC236}">
+                  <a16:creationId xmlns:a16="http://schemas.microsoft.com/office/drawing/2014/main" id="{03DA70D7-2CF9-8747-BC92-DD0B286D3E0B}"/>
                 </a:ext>
               </a:extLst>
             </p:cNvPr>
@@ -7318,928 +7212,1325 @@
           </p:nvSpPr>
           <p:spPr>
             <a:xfrm>
-              <a:off x="4203485" y="5520221"/>
+              <a:off x="8030307" y="5973172"/>
+              <a:ext cx="224156" cy="213972"/>
+            </a:xfrm>
+            <a:prstGeom prst="arc">
+              <a:avLst>
+                <a:gd name="adj1" fmla="val 15188349"/>
+                <a:gd name="adj2" fmla="val 21512081"/>
+              </a:avLst>
+            </a:prstGeom>
+            <a:ln w="38100">
+              <a:solidFill>
+                <a:schemeClr val="bg2">
+                  <a:lumMod val="25000"/>
+                </a:schemeClr>
+              </a:solidFill>
+            </a:ln>
+          </p:spPr>
+          <p:style>
+            <a:lnRef idx="1">
+              <a:schemeClr val="accent1"/>
+            </a:lnRef>
+            <a:fillRef idx="0">
+              <a:schemeClr val="accent1"/>
+            </a:fillRef>
+            <a:effectRef idx="0">
+              <a:schemeClr val="accent1"/>
+            </a:effectRef>
+            <a:fontRef idx="minor">
+              <a:schemeClr val="tx1"/>
+            </a:fontRef>
+          </p:style>
+          <p:txBody>
+            <a:bodyPr rtlCol="0" anchor="ctr"/>
+            <a:lstStyle/>
+            <a:p>
+              <a:pPr algn="ctr"/>
+              <a:endParaRPr lang="en-US" dirty="0"/>
+            </a:p>
+          </p:txBody>
+        </p:sp>
+        <p:sp>
+          <p:nvSpPr>
+            <p:cNvPr id="7" name="Snip Same Side Corner Rectangle 6">
+              <a:extLst>
+                <a:ext uri="{FF2B5EF4-FFF2-40B4-BE49-F238E27FC236}">
+                  <a16:creationId xmlns:a16="http://schemas.microsoft.com/office/drawing/2014/main" id="{9CE42922-83A7-8B40-A4DE-A0EBB1D030D2}"/>
+                </a:ext>
+              </a:extLst>
+            </p:cNvPr>
+            <p:cNvSpPr/>
+            <p:nvPr/>
+          </p:nvSpPr>
+          <p:spPr>
+            <a:xfrm>
+              <a:off x="3699568" y="5537630"/>
+              <a:ext cx="4445565" cy="535522"/>
+            </a:xfrm>
+            <a:prstGeom prst="snip2SameRect">
+              <a:avLst>
+                <a:gd name="adj1" fmla="val 12416"/>
+                <a:gd name="adj2" fmla="val 0"/>
+              </a:avLst>
+            </a:prstGeom>
+            <a:solidFill>
+              <a:schemeClr val="tx1">
+                <a:lumMod val="50000"/>
+              </a:schemeClr>
+            </a:solidFill>
+            <a:ln>
+              <a:noFill/>
+            </a:ln>
+          </p:spPr>
+          <p:style>
+            <a:lnRef idx="2">
+              <a:schemeClr val="accent1">
+                <a:shade val="50000"/>
+              </a:schemeClr>
+            </a:lnRef>
+            <a:fillRef idx="1">
+              <a:schemeClr val="accent1"/>
+            </a:fillRef>
+            <a:effectRef idx="0">
+              <a:schemeClr val="accent1"/>
+            </a:effectRef>
+            <a:fontRef idx="minor">
+              <a:schemeClr val="lt1"/>
+            </a:fontRef>
+          </p:style>
+          <p:txBody>
+            <a:bodyPr wrap="square" tIns="72000" bIns="36000" rtlCol="0" anchor="t">
+              <a:noAutofit/>
+            </a:bodyPr>
+            <a:lstStyle/>
+            <a:p>
+              <a:pPr algn="ctr">
+                <a:lnSpc>
+                  <a:spcPts val="1500"/>
+                </a:lnSpc>
+              </a:pPr>
+              <a:endParaRPr lang="en-US" sz="1400" i="1" dirty="0">
+                <a:solidFill>
+                  <a:schemeClr val="bg1"/>
+                </a:solidFill>
+                <a:latin typeface="Source Sans Pro Light" charset="0"/>
+                <a:ea typeface="Source Sans Pro Light" charset="0"/>
+                <a:cs typeface="Source Sans Pro Light" charset="0"/>
+              </a:endParaRPr>
+            </a:p>
+          </p:txBody>
+        </p:sp>
+        <p:grpSp>
+          <p:nvGrpSpPr>
+            <p:cNvPr id="8" name="Group 7">
+              <a:extLst>
+                <a:ext uri="{FF2B5EF4-FFF2-40B4-BE49-F238E27FC236}">
+                  <a16:creationId xmlns:a16="http://schemas.microsoft.com/office/drawing/2014/main" id="{5248D8D9-D967-1348-A032-008E17139DEE}"/>
+                </a:ext>
+              </a:extLst>
+            </p:cNvPr>
+            <p:cNvGrpSpPr/>
+            <p:nvPr/>
+          </p:nvGrpSpPr>
+          <p:grpSpPr>
+            <a:xfrm>
+              <a:off x="3779441" y="5270650"/>
               <a:ext cx="1718673" cy="728998"/>
+              <a:chOff x="4203485" y="5520221"/>
+              <a:chExt cx="1718673" cy="728998"/>
             </a:xfrm>
-            <a:custGeom>
-              <a:avLst/>
-              <a:gdLst>
-                <a:gd name="connsiteX0" fmla="*/ 0 w 1377675"/>
-                <a:gd name="connsiteY0" fmla="*/ 66568 h 1084694"/>
-                <a:gd name="connsiteX1" fmla="*/ 66568 w 1377675"/>
-                <a:gd name="connsiteY1" fmla="*/ 0 h 1084694"/>
-                <a:gd name="connsiteX2" fmla="*/ 1311107 w 1377675"/>
-                <a:gd name="connsiteY2" fmla="*/ 0 h 1084694"/>
-                <a:gd name="connsiteX3" fmla="*/ 1377675 w 1377675"/>
-                <a:gd name="connsiteY3" fmla="*/ 66568 h 1084694"/>
-                <a:gd name="connsiteX4" fmla="*/ 1377675 w 1377675"/>
-                <a:gd name="connsiteY4" fmla="*/ 1018126 h 1084694"/>
-                <a:gd name="connsiteX5" fmla="*/ 1311107 w 1377675"/>
-                <a:gd name="connsiteY5" fmla="*/ 1084694 h 1084694"/>
-                <a:gd name="connsiteX6" fmla="*/ 66568 w 1377675"/>
-                <a:gd name="connsiteY6" fmla="*/ 1084694 h 1084694"/>
-                <a:gd name="connsiteX7" fmla="*/ 0 w 1377675"/>
-                <a:gd name="connsiteY7" fmla="*/ 1018126 h 1084694"/>
-                <a:gd name="connsiteX8" fmla="*/ 0 w 1377675"/>
-                <a:gd name="connsiteY8" fmla="*/ 66568 h 1084694"/>
-                <a:gd name="connsiteX0" fmla="*/ 0 w 1377675"/>
-                <a:gd name="connsiteY0" fmla="*/ 66568 h 1084694"/>
-                <a:gd name="connsiteX1" fmla="*/ 66568 w 1377675"/>
-                <a:gd name="connsiteY1" fmla="*/ 0 h 1084694"/>
-                <a:gd name="connsiteX2" fmla="*/ 1311107 w 1377675"/>
-                <a:gd name="connsiteY2" fmla="*/ 0 h 1084694"/>
-                <a:gd name="connsiteX3" fmla="*/ 1377675 w 1377675"/>
-                <a:gd name="connsiteY3" fmla="*/ 409468 h 1084694"/>
-                <a:gd name="connsiteX4" fmla="*/ 1377675 w 1377675"/>
-                <a:gd name="connsiteY4" fmla="*/ 1018126 h 1084694"/>
-                <a:gd name="connsiteX5" fmla="*/ 1311107 w 1377675"/>
-                <a:gd name="connsiteY5" fmla="*/ 1084694 h 1084694"/>
-                <a:gd name="connsiteX6" fmla="*/ 66568 w 1377675"/>
-                <a:gd name="connsiteY6" fmla="*/ 1084694 h 1084694"/>
-                <a:gd name="connsiteX7" fmla="*/ 0 w 1377675"/>
-                <a:gd name="connsiteY7" fmla="*/ 1018126 h 1084694"/>
-                <a:gd name="connsiteX8" fmla="*/ 0 w 1377675"/>
-                <a:gd name="connsiteY8" fmla="*/ 66568 h 1084694"/>
-                <a:gd name="connsiteX0" fmla="*/ 0 w 1381139"/>
-                <a:gd name="connsiteY0" fmla="*/ 388686 h 1084694"/>
-                <a:gd name="connsiteX1" fmla="*/ 70032 w 1381139"/>
-                <a:gd name="connsiteY1" fmla="*/ 0 h 1084694"/>
-                <a:gd name="connsiteX2" fmla="*/ 1314571 w 1381139"/>
-                <a:gd name="connsiteY2" fmla="*/ 0 h 1084694"/>
-                <a:gd name="connsiteX3" fmla="*/ 1381139 w 1381139"/>
-                <a:gd name="connsiteY3" fmla="*/ 409468 h 1084694"/>
-                <a:gd name="connsiteX4" fmla="*/ 1381139 w 1381139"/>
-                <a:gd name="connsiteY4" fmla="*/ 1018126 h 1084694"/>
-                <a:gd name="connsiteX5" fmla="*/ 1314571 w 1381139"/>
-                <a:gd name="connsiteY5" fmla="*/ 1084694 h 1084694"/>
-                <a:gd name="connsiteX6" fmla="*/ 70032 w 1381139"/>
-                <a:gd name="connsiteY6" fmla="*/ 1084694 h 1084694"/>
-                <a:gd name="connsiteX7" fmla="*/ 3464 w 1381139"/>
-                <a:gd name="connsiteY7" fmla="*/ 1018126 h 1084694"/>
-                <a:gd name="connsiteX8" fmla="*/ 0 w 1381139"/>
-                <a:gd name="connsiteY8" fmla="*/ 388686 h 1084694"/>
-                <a:gd name="connsiteX0" fmla="*/ 0 w 3085063"/>
-                <a:gd name="connsiteY0" fmla="*/ 388686 h 1084694"/>
-                <a:gd name="connsiteX1" fmla="*/ 70032 w 3085063"/>
-                <a:gd name="connsiteY1" fmla="*/ 0 h 1084694"/>
-                <a:gd name="connsiteX2" fmla="*/ 3084489 w 3085063"/>
-                <a:gd name="connsiteY2" fmla="*/ 256309 h 1084694"/>
-                <a:gd name="connsiteX3" fmla="*/ 1381139 w 3085063"/>
-                <a:gd name="connsiteY3" fmla="*/ 409468 h 1084694"/>
-                <a:gd name="connsiteX4" fmla="*/ 1381139 w 3085063"/>
-                <a:gd name="connsiteY4" fmla="*/ 1018126 h 1084694"/>
-                <a:gd name="connsiteX5" fmla="*/ 1314571 w 3085063"/>
-                <a:gd name="connsiteY5" fmla="*/ 1084694 h 1084694"/>
-                <a:gd name="connsiteX6" fmla="*/ 70032 w 3085063"/>
-                <a:gd name="connsiteY6" fmla="*/ 1084694 h 1084694"/>
-                <a:gd name="connsiteX7" fmla="*/ 3464 w 3085063"/>
-                <a:gd name="connsiteY7" fmla="*/ 1018126 h 1084694"/>
-                <a:gd name="connsiteX8" fmla="*/ 0 w 3085063"/>
-                <a:gd name="connsiteY8" fmla="*/ 388686 h 1084694"/>
-                <a:gd name="connsiteX0" fmla="*/ 1150005 w 4235068"/>
-                <a:gd name="connsiteY0" fmla="*/ 132377 h 828385"/>
-                <a:gd name="connsiteX1" fmla="*/ 837 w 4235068"/>
-                <a:gd name="connsiteY1" fmla="*/ 3463 h 828385"/>
-                <a:gd name="connsiteX2" fmla="*/ 4234494 w 4235068"/>
-                <a:gd name="connsiteY2" fmla="*/ 0 h 828385"/>
-                <a:gd name="connsiteX3" fmla="*/ 2531144 w 4235068"/>
-                <a:gd name="connsiteY3" fmla="*/ 153159 h 828385"/>
-                <a:gd name="connsiteX4" fmla="*/ 2531144 w 4235068"/>
-                <a:gd name="connsiteY4" fmla="*/ 761817 h 828385"/>
-                <a:gd name="connsiteX5" fmla="*/ 2464576 w 4235068"/>
-                <a:gd name="connsiteY5" fmla="*/ 828385 h 828385"/>
-                <a:gd name="connsiteX6" fmla="*/ 1220037 w 4235068"/>
-                <a:gd name="connsiteY6" fmla="*/ 828385 h 828385"/>
-                <a:gd name="connsiteX7" fmla="*/ 1153469 w 4235068"/>
-                <a:gd name="connsiteY7" fmla="*/ 761817 h 828385"/>
-                <a:gd name="connsiteX8" fmla="*/ 1150005 w 4235068"/>
-                <a:gd name="connsiteY8" fmla="*/ 132377 h 828385"/>
-                <a:gd name="connsiteX0" fmla="*/ 1150005 w 2930911"/>
-                <a:gd name="connsiteY0" fmla="*/ 128914 h 824922"/>
-                <a:gd name="connsiteX1" fmla="*/ 837 w 2930911"/>
-                <a:gd name="connsiteY1" fmla="*/ 0 h 824922"/>
-                <a:gd name="connsiteX2" fmla="*/ 2928703 w 2930911"/>
-                <a:gd name="connsiteY2" fmla="*/ 1 h 824922"/>
-                <a:gd name="connsiteX3" fmla="*/ 2531144 w 2930911"/>
-                <a:gd name="connsiteY3" fmla="*/ 149696 h 824922"/>
-                <a:gd name="connsiteX4" fmla="*/ 2531144 w 2930911"/>
-                <a:gd name="connsiteY4" fmla="*/ 758354 h 824922"/>
-                <a:gd name="connsiteX5" fmla="*/ 2464576 w 2930911"/>
-                <a:gd name="connsiteY5" fmla="*/ 824922 h 824922"/>
-                <a:gd name="connsiteX6" fmla="*/ 1220037 w 2930911"/>
-                <a:gd name="connsiteY6" fmla="*/ 824922 h 824922"/>
-                <a:gd name="connsiteX7" fmla="*/ 1153469 w 2930911"/>
-                <a:gd name="connsiteY7" fmla="*/ 758354 h 824922"/>
-                <a:gd name="connsiteX8" fmla="*/ 1150005 w 2930911"/>
-                <a:gd name="connsiteY8" fmla="*/ 128914 h 824922"/>
-                <a:gd name="connsiteX0" fmla="*/ 1150005 w 2930911"/>
-                <a:gd name="connsiteY0" fmla="*/ 128914 h 824922"/>
-                <a:gd name="connsiteX1" fmla="*/ 837 w 2930911"/>
-                <a:gd name="connsiteY1" fmla="*/ 0 h 824922"/>
-                <a:gd name="connsiteX2" fmla="*/ 2928703 w 2930911"/>
-                <a:gd name="connsiteY2" fmla="*/ 1 h 824922"/>
-                <a:gd name="connsiteX3" fmla="*/ 2531144 w 2930911"/>
-                <a:gd name="connsiteY3" fmla="*/ 149696 h 824922"/>
-                <a:gd name="connsiteX4" fmla="*/ 2531144 w 2930911"/>
-                <a:gd name="connsiteY4" fmla="*/ 758354 h 824922"/>
-                <a:gd name="connsiteX5" fmla="*/ 2464576 w 2930911"/>
-                <a:gd name="connsiteY5" fmla="*/ 824922 h 824922"/>
-                <a:gd name="connsiteX6" fmla="*/ 1220037 w 2930911"/>
-                <a:gd name="connsiteY6" fmla="*/ 824922 h 824922"/>
-                <a:gd name="connsiteX7" fmla="*/ 1153469 w 2930911"/>
-                <a:gd name="connsiteY7" fmla="*/ 758354 h 824922"/>
-                <a:gd name="connsiteX8" fmla="*/ 1150005 w 2930911"/>
-                <a:gd name="connsiteY8" fmla="*/ 128914 h 824922"/>
-                <a:gd name="connsiteX0" fmla="*/ 1150004 w 2930910"/>
-                <a:gd name="connsiteY0" fmla="*/ 128914 h 824922"/>
-                <a:gd name="connsiteX1" fmla="*/ 836 w 2930910"/>
-                <a:gd name="connsiteY1" fmla="*/ 0 h 824922"/>
-                <a:gd name="connsiteX2" fmla="*/ 2928702 w 2930910"/>
-                <a:gd name="connsiteY2" fmla="*/ 1 h 824922"/>
-                <a:gd name="connsiteX3" fmla="*/ 2531143 w 2930910"/>
-                <a:gd name="connsiteY3" fmla="*/ 149696 h 824922"/>
-                <a:gd name="connsiteX4" fmla="*/ 2531143 w 2930910"/>
-                <a:gd name="connsiteY4" fmla="*/ 758354 h 824922"/>
-                <a:gd name="connsiteX5" fmla="*/ 2464575 w 2930910"/>
-                <a:gd name="connsiteY5" fmla="*/ 824922 h 824922"/>
-                <a:gd name="connsiteX6" fmla="*/ 1220036 w 2930910"/>
-                <a:gd name="connsiteY6" fmla="*/ 824922 h 824922"/>
-                <a:gd name="connsiteX7" fmla="*/ 1153468 w 2930910"/>
-                <a:gd name="connsiteY7" fmla="*/ 758354 h 824922"/>
-                <a:gd name="connsiteX8" fmla="*/ 1150004 w 2930910"/>
-                <a:gd name="connsiteY8" fmla="*/ 128914 h 824922"/>
-                <a:gd name="connsiteX0" fmla="*/ 375627 w 2156533"/>
-                <a:gd name="connsiteY0" fmla="*/ 128913 h 824921"/>
-                <a:gd name="connsiteX1" fmla="*/ 2314 w 2156533"/>
-                <a:gd name="connsiteY1" fmla="*/ 6926 h 824921"/>
-                <a:gd name="connsiteX2" fmla="*/ 2154325 w 2156533"/>
-                <a:gd name="connsiteY2" fmla="*/ 0 h 824921"/>
-                <a:gd name="connsiteX3" fmla="*/ 1756766 w 2156533"/>
-                <a:gd name="connsiteY3" fmla="*/ 149695 h 824921"/>
-                <a:gd name="connsiteX4" fmla="*/ 1756766 w 2156533"/>
-                <a:gd name="connsiteY4" fmla="*/ 758353 h 824921"/>
-                <a:gd name="connsiteX5" fmla="*/ 1690198 w 2156533"/>
-                <a:gd name="connsiteY5" fmla="*/ 824921 h 824921"/>
-                <a:gd name="connsiteX6" fmla="*/ 445659 w 2156533"/>
-                <a:gd name="connsiteY6" fmla="*/ 824921 h 824921"/>
-                <a:gd name="connsiteX7" fmla="*/ 379091 w 2156533"/>
-                <a:gd name="connsiteY7" fmla="*/ 758353 h 824921"/>
-                <a:gd name="connsiteX8" fmla="*/ 375627 w 2156533"/>
-                <a:gd name="connsiteY8" fmla="*/ 128913 h 824921"/>
-                <a:gd name="connsiteX0" fmla="*/ 418185 w 2199091"/>
-                <a:gd name="connsiteY0" fmla="*/ 128913 h 824921"/>
-                <a:gd name="connsiteX1" fmla="*/ 44872 w 2199091"/>
-                <a:gd name="connsiteY1" fmla="*/ 6926 h 824921"/>
-                <a:gd name="connsiteX2" fmla="*/ 2196883 w 2199091"/>
-                <a:gd name="connsiteY2" fmla="*/ 0 h 824921"/>
-                <a:gd name="connsiteX3" fmla="*/ 1799324 w 2199091"/>
-                <a:gd name="connsiteY3" fmla="*/ 149695 h 824921"/>
-                <a:gd name="connsiteX4" fmla="*/ 1799324 w 2199091"/>
-                <a:gd name="connsiteY4" fmla="*/ 758353 h 824921"/>
-                <a:gd name="connsiteX5" fmla="*/ 1732756 w 2199091"/>
-                <a:gd name="connsiteY5" fmla="*/ 824921 h 824921"/>
-                <a:gd name="connsiteX6" fmla="*/ 488217 w 2199091"/>
-                <a:gd name="connsiteY6" fmla="*/ 824921 h 824921"/>
-                <a:gd name="connsiteX7" fmla="*/ 421649 w 2199091"/>
-                <a:gd name="connsiteY7" fmla="*/ 758353 h 824921"/>
-                <a:gd name="connsiteX8" fmla="*/ 418185 w 2199091"/>
-                <a:gd name="connsiteY8" fmla="*/ 128913 h 824921"/>
-                <a:gd name="connsiteX0" fmla="*/ 404178 w 2197426"/>
-                <a:gd name="connsiteY0" fmla="*/ 129381 h 825389"/>
-                <a:gd name="connsiteX1" fmla="*/ 30865 w 2197426"/>
-                <a:gd name="connsiteY1" fmla="*/ 7394 h 825389"/>
-                <a:gd name="connsiteX2" fmla="*/ 2182876 w 2197426"/>
-                <a:gd name="connsiteY2" fmla="*/ 468 h 825389"/>
-                <a:gd name="connsiteX3" fmla="*/ 1785317 w 2197426"/>
-                <a:gd name="connsiteY3" fmla="*/ 150163 h 825389"/>
-                <a:gd name="connsiteX4" fmla="*/ 1785317 w 2197426"/>
-                <a:gd name="connsiteY4" fmla="*/ 758821 h 825389"/>
-                <a:gd name="connsiteX5" fmla="*/ 1718749 w 2197426"/>
-                <a:gd name="connsiteY5" fmla="*/ 825389 h 825389"/>
-                <a:gd name="connsiteX6" fmla="*/ 474210 w 2197426"/>
-                <a:gd name="connsiteY6" fmla="*/ 825389 h 825389"/>
-                <a:gd name="connsiteX7" fmla="*/ 407642 w 2197426"/>
-                <a:gd name="connsiteY7" fmla="*/ 758821 h 825389"/>
-                <a:gd name="connsiteX8" fmla="*/ 404178 w 2197426"/>
-                <a:gd name="connsiteY8" fmla="*/ 129381 h 825389"/>
-                <a:gd name="connsiteX0" fmla="*/ 373313 w 2152011"/>
-                <a:gd name="connsiteY0" fmla="*/ 129381 h 825389"/>
-                <a:gd name="connsiteX1" fmla="*/ 0 w 2152011"/>
-                <a:gd name="connsiteY1" fmla="*/ 7394 h 825389"/>
-                <a:gd name="connsiteX2" fmla="*/ 2152011 w 2152011"/>
-                <a:gd name="connsiteY2" fmla="*/ 468 h 825389"/>
-                <a:gd name="connsiteX3" fmla="*/ 1754452 w 2152011"/>
-                <a:gd name="connsiteY3" fmla="*/ 150163 h 825389"/>
-                <a:gd name="connsiteX4" fmla="*/ 1754452 w 2152011"/>
-                <a:gd name="connsiteY4" fmla="*/ 758821 h 825389"/>
-                <a:gd name="connsiteX5" fmla="*/ 1687884 w 2152011"/>
-                <a:gd name="connsiteY5" fmla="*/ 825389 h 825389"/>
-                <a:gd name="connsiteX6" fmla="*/ 443345 w 2152011"/>
-                <a:gd name="connsiteY6" fmla="*/ 825389 h 825389"/>
-                <a:gd name="connsiteX7" fmla="*/ 376777 w 2152011"/>
-                <a:gd name="connsiteY7" fmla="*/ 758821 h 825389"/>
-                <a:gd name="connsiteX8" fmla="*/ 373313 w 2152011"/>
-                <a:gd name="connsiteY8" fmla="*/ 129381 h 825389"/>
-                <a:gd name="connsiteX0" fmla="*/ 436994 w 2018842"/>
-                <a:gd name="connsiteY0" fmla="*/ 132057 h 828065"/>
-                <a:gd name="connsiteX1" fmla="*/ 63681 w 2018842"/>
-                <a:gd name="connsiteY1" fmla="*/ 10070 h 828065"/>
-                <a:gd name="connsiteX2" fmla="*/ 2018842 w 2018842"/>
-                <a:gd name="connsiteY2" fmla="*/ 6319 h 828065"/>
-                <a:gd name="connsiteX3" fmla="*/ 1818133 w 2018842"/>
-                <a:gd name="connsiteY3" fmla="*/ 152839 h 828065"/>
-                <a:gd name="connsiteX4" fmla="*/ 1818133 w 2018842"/>
-                <a:gd name="connsiteY4" fmla="*/ 761497 h 828065"/>
-                <a:gd name="connsiteX5" fmla="*/ 1751565 w 2018842"/>
-                <a:gd name="connsiteY5" fmla="*/ 828065 h 828065"/>
-                <a:gd name="connsiteX6" fmla="*/ 507026 w 2018842"/>
-                <a:gd name="connsiteY6" fmla="*/ 828065 h 828065"/>
-                <a:gd name="connsiteX7" fmla="*/ 440458 w 2018842"/>
-                <a:gd name="connsiteY7" fmla="*/ 761497 h 828065"/>
-                <a:gd name="connsiteX8" fmla="*/ 436994 w 2018842"/>
-                <a:gd name="connsiteY8" fmla="*/ 132057 h 828065"/>
-                <a:gd name="connsiteX0" fmla="*/ 436994 w 2023402"/>
-                <a:gd name="connsiteY0" fmla="*/ 131514 h 827522"/>
-                <a:gd name="connsiteX1" fmla="*/ 63681 w 2023402"/>
-                <a:gd name="connsiteY1" fmla="*/ 9527 h 827522"/>
-                <a:gd name="connsiteX2" fmla="*/ 2018842 w 2023402"/>
-                <a:gd name="connsiteY2" fmla="*/ 5776 h 827522"/>
-                <a:gd name="connsiteX3" fmla="*/ 1818133 w 2023402"/>
-                <a:gd name="connsiteY3" fmla="*/ 152296 h 827522"/>
-                <a:gd name="connsiteX4" fmla="*/ 1818133 w 2023402"/>
-                <a:gd name="connsiteY4" fmla="*/ 760954 h 827522"/>
-                <a:gd name="connsiteX5" fmla="*/ 1751565 w 2023402"/>
-                <a:gd name="connsiteY5" fmla="*/ 827522 h 827522"/>
-                <a:gd name="connsiteX6" fmla="*/ 507026 w 2023402"/>
-                <a:gd name="connsiteY6" fmla="*/ 827522 h 827522"/>
-                <a:gd name="connsiteX7" fmla="*/ 440458 w 2023402"/>
-                <a:gd name="connsiteY7" fmla="*/ 760954 h 827522"/>
-                <a:gd name="connsiteX8" fmla="*/ 436994 w 2023402"/>
-                <a:gd name="connsiteY8" fmla="*/ 131514 h 827522"/>
-                <a:gd name="connsiteX0" fmla="*/ 260186 w 1921406"/>
-                <a:gd name="connsiteY0" fmla="*/ 144219 h 840227"/>
-                <a:gd name="connsiteX1" fmla="*/ 83723 w 1921406"/>
-                <a:gd name="connsiteY1" fmla="*/ 15882 h 840227"/>
-                <a:gd name="connsiteX2" fmla="*/ 1842034 w 1921406"/>
-                <a:gd name="connsiteY2" fmla="*/ 18481 h 840227"/>
-                <a:gd name="connsiteX3" fmla="*/ 1641325 w 1921406"/>
-                <a:gd name="connsiteY3" fmla="*/ 165001 h 840227"/>
-                <a:gd name="connsiteX4" fmla="*/ 1641325 w 1921406"/>
-                <a:gd name="connsiteY4" fmla="*/ 773659 h 840227"/>
-                <a:gd name="connsiteX5" fmla="*/ 1574757 w 1921406"/>
-                <a:gd name="connsiteY5" fmla="*/ 840227 h 840227"/>
-                <a:gd name="connsiteX6" fmla="*/ 330218 w 1921406"/>
-                <a:gd name="connsiteY6" fmla="*/ 840227 h 840227"/>
-                <a:gd name="connsiteX7" fmla="*/ 263650 w 1921406"/>
-                <a:gd name="connsiteY7" fmla="*/ 773659 h 840227"/>
-                <a:gd name="connsiteX8" fmla="*/ 260186 w 1921406"/>
-                <a:gd name="connsiteY8" fmla="*/ 144219 h 840227"/>
-                <a:gd name="connsiteX0" fmla="*/ 184184 w 1845404"/>
-                <a:gd name="connsiteY0" fmla="*/ 137193 h 833201"/>
-                <a:gd name="connsiteX1" fmla="*/ 7721 w 1845404"/>
-                <a:gd name="connsiteY1" fmla="*/ 8856 h 833201"/>
-                <a:gd name="connsiteX2" fmla="*/ 1766032 w 1845404"/>
-                <a:gd name="connsiteY2" fmla="*/ 11455 h 833201"/>
-                <a:gd name="connsiteX3" fmla="*/ 1565323 w 1845404"/>
-                <a:gd name="connsiteY3" fmla="*/ 157975 h 833201"/>
-                <a:gd name="connsiteX4" fmla="*/ 1565323 w 1845404"/>
-                <a:gd name="connsiteY4" fmla="*/ 766633 h 833201"/>
-                <a:gd name="connsiteX5" fmla="*/ 1498755 w 1845404"/>
-                <a:gd name="connsiteY5" fmla="*/ 833201 h 833201"/>
-                <a:gd name="connsiteX6" fmla="*/ 254216 w 1845404"/>
-                <a:gd name="connsiteY6" fmla="*/ 833201 h 833201"/>
-                <a:gd name="connsiteX7" fmla="*/ 187648 w 1845404"/>
-                <a:gd name="connsiteY7" fmla="*/ 766633 h 833201"/>
-                <a:gd name="connsiteX8" fmla="*/ 184184 w 1845404"/>
-                <a:gd name="connsiteY8" fmla="*/ 137193 h 833201"/>
-                <a:gd name="connsiteX0" fmla="*/ 254154 w 1839241"/>
-                <a:gd name="connsiteY0" fmla="*/ 147999 h 844007"/>
-                <a:gd name="connsiteX1" fmla="*/ 77691 w 1839241"/>
-                <a:gd name="connsiteY1" fmla="*/ 19662 h 844007"/>
-                <a:gd name="connsiteX2" fmla="*/ 1747102 w 1839241"/>
-                <a:gd name="connsiteY2" fmla="*/ 15911 h 844007"/>
-                <a:gd name="connsiteX3" fmla="*/ 1635293 w 1839241"/>
-                <a:gd name="connsiteY3" fmla="*/ 168781 h 844007"/>
-                <a:gd name="connsiteX4" fmla="*/ 1635293 w 1839241"/>
-                <a:gd name="connsiteY4" fmla="*/ 777439 h 844007"/>
-                <a:gd name="connsiteX5" fmla="*/ 1568725 w 1839241"/>
-                <a:gd name="connsiteY5" fmla="*/ 844007 h 844007"/>
-                <a:gd name="connsiteX6" fmla="*/ 324186 w 1839241"/>
-                <a:gd name="connsiteY6" fmla="*/ 844007 h 844007"/>
-                <a:gd name="connsiteX7" fmla="*/ 257618 w 1839241"/>
-                <a:gd name="connsiteY7" fmla="*/ 777439 h 844007"/>
-                <a:gd name="connsiteX8" fmla="*/ 254154 w 1839241"/>
-                <a:gd name="connsiteY8" fmla="*/ 147999 h 844007"/>
-                <a:gd name="connsiteX0" fmla="*/ 254154 w 1752323"/>
-                <a:gd name="connsiteY0" fmla="*/ 139925 h 835933"/>
-                <a:gd name="connsiteX1" fmla="*/ 77691 w 1752323"/>
-                <a:gd name="connsiteY1" fmla="*/ 11588 h 835933"/>
-                <a:gd name="connsiteX2" fmla="*/ 1747102 w 1752323"/>
-                <a:gd name="connsiteY2" fmla="*/ 7837 h 835933"/>
-                <a:gd name="connsiteX3" fmla="*/ 1635293 w 1752323"/>
-                <a:gd name="connsiteY3" fmla="*/ 160707 h 835933"/>
-                <a:gd name="connsiteX4" fmla="*/ 1635293 w 1752323"/>
-                <a:gd name="connsiteY4" fmla="*/ 769365 h 835933"/>
-                <a:gd name="connsiteX5" fmla="*/ 1568725 w 1752323"/>
-                <a:gd name="connsiteY5" fmla="*/ 835933 h 835933"/>
-                <a:gd name="connsiteX6" fmla="*/ 324186 w 1752323"/>
-                <a:gd name="connsiteY6" fmla="*/ 835933 h 835933"/>
-                <a:gd name="connsiteX7" fmla="*/ 257618 w 1752323"/>
-                <a:gd name="connsiteY7" fmla="*/ 769365 h 835933"/>
-                <a:gd name="connsiteX8" fmla="*/ 254154 w 1752323"/>
-                <a:gd name="connsiteY8" fmla="*/ 139925 h 835933"/>
-                <a:gd name="connsiteX0" fmla="*/ 256302 w 1786136"/>
-                <a:gd name="connsiteY0" fmla="*/ 138666 h 834674"/>
-                <a:gd name="connsiteX1" fmla="*/ 79839 w 1786136"/>
-                <a:gd name="connsiteY1" fmla="*/ 10329 h 834674"/>
-                <a:gd name="connsiteX2" fmla="*/ 1781000 w 1786136"/>
-                <a:gd name="connsiteY2" fmla="*/ 9753 h 834674"/>
-                <a:gd name="connsiteX3" fmla="*/ 1637441 w 1786136"/>
-                <a:gd name="connsiteY3" fmla="*/ 159448 h 834674"/>
-                <a:gd name="connsiteX4" fmla="*/ 1637441 w 1786136"/>
-                <a:gd name="connsiteY4" fmla="*/ 768106 h 834674"/>
-                <a:gd name="connsiteX5" fmla="*/ 1570873 w 1786136"/>
-                <a:gd name="connsiteY5" fmla="*/ 834674 h 834674"/>
-                <a:gd name="connsiteX6" fmla="*/ 326334 w 1786136"/>
-                <a:gd name="connsiteY6" fmla="*/ 834674 h 834674"/>
-                <a:gd name="connsiteX7" fmla="*/ 259766 w 1786136"/>
-                <a:gd name="connsiteY7" fmla="*/ 768106 h 834674"/>
-                <a:gd name="connsiteX8" fmla="*/ 256302 w 1786136"/>
-                <a:gd name="connsiteY8" fmla="*/ 138666 h 834674"/>
-                <a:gd name="connsiteX0" fmla="*/ 181625 w 1710512"/>
-                <a:gd name="connsiteY0" fmla="*/ 130557 h 826565"/>
-                <a:gd name="connsiteX1" fmla="*/ 5162 w 1710512"/>
-                <a:gd name="connsiteY1" fmla="*/ 2220 h 826565"/>
-                <a:gd name="connsiteX2" fmla="*/ 1706323 w 1710512"/>
-                <a:gd name="connsiteY2" fmla="*/ 1644 h 826565"/>
-                <a:gd name="connsiteX3" fmla="*/ 1562764 w 1710512"/>
-                <a:gd name="connsiteY3" fmla="*/ 151339 h 826565"/>
-                <a:gd name="connsiteX4" fmla="*/ 1562764 w 1710512"/>
-                <a:gd name="connsiteY4" fmla="*/ 759997 h 826565"/>
-                <a:gd name="connsiteX5" fmla="*/ 1496196 w 1710512"/>
-                <a:gd name="connsiteY5" fmla="*/ 826565 h 826565"/>
-                <a:gd name="connsiteX6" fmla="*/ 251657 w 1710512"/>
-                <a:gd name="connsiteY6" fmla="*/ 826565 h 826565"/>
-                <a:gd name="connsiteX7" fmla="*/ 185089 w 1710512"/>
-                <a:gd name="connsiteY7" fmla="*/ 759997 h 826565"/>
-                <a:gd name="connsiteX8" fmla="*/ 181625 w 1710512"/>
-                <a:gd name="connsiteY8" fmla="*/ 130557 h 826565"/>
-                <a:gd name="connsiteX0" fmla="*/ 157442 w 1767509"/>
-                <a:gd name="connsiteY0" fmla="*/ 139313 h 835321"/>
-                <a:gd name="connsiteX1" fmla="*/ 6379 w 1767509"/>
-                <a:gd name="connsiteY1" fmla="*/ 14151 h 835321"/>
-                <a:gd name="connsiteX2" fmla="*/ 1682140 w 1767509"/>
-                <a:gd name="connsiteY2" fmla="*/ 10400 h 835321"/>
-                <a:gd name="connsiteX3" fmla="*/ 1538581 w 1767509"/>
-                <a:gd name="connsiteY3" fmla="*/ 160095 h 835321"/>
-                <a:gd name="connsiteX4" fmla="*/ 1538581 w 1767509"/>
-                <a:gd name="connsiteY4" fmla="*/ 768753 h 835321"/>
-                <a:gd name="connsiteX5" fmla="*/ 1472013 w 1767509"/>
-                <a:gd name="connsiteY5" fmla="*/ 835321 h 835321"/>
-                <a:gd name="connsiteX6" fmla="*/ 227474 w 1767509"/>
-                <a:gd name="connsiteY6" fmla="*/ 835321 h 835321"/>
-                <a:gd name="connsiteX7" fmla="*/ 160906 w 1767509"/>
-                <a:gd name="connsiteY7" fmla="*/ 768753 h 835321"/>
-                <a:gd name="connsiteX8" fmla="*/ 157442 w 1767509"/>
-                <a:gd name="connsiteY8" fmla="*/ 139313 h 835321"/>
-                <a:gd name="connsiteX0" fmla="*/ 155631 w 1765698"/>
-                <a:gd name="connsiteY0" fmla="*/ 139999 h 836007"/>
-                <a:gd name="connsiteX1" fmla="*/ 4568 w 1765698"/>
-                <a:gd name="connsiteY1" fmla="*/ 14837 h 836007"/>
-                <a:gd name="connsiteX2" fmla="*/ 1680329 w 1765698"/>
-                <a:gd name="connsiteY2" fmla="*/ 11086 h 836007"/>
-                <a:gd name="connsiteX3" fmla="*/ 1536770 w 1765698"/>
-                <a:gd name="connsiteY3" fmla="*/ 160781 h 836007"/>
-                <a:gd name="connsiteX4" fmla="*/ 1536770 w 1765698"/>
-                <a:gd name="connsiteY4" fmla="*/ 769439 h 836007"/>
-                <a:gd name="connsiteX5" fmla="*/ 1470202 w 1765698"/>
-                <a:gd name="connsiteY5" fmla="*/ 836007 h 836007"/>
-                <a:gd name="connsiteX6" fmla="*/ 225663 w 1765698"/>
-                <a:gd name="connsiteY6" fmla="*/ 836007 h 836007"/>
-                <a:gd name="connsiteX7" fmla="*/ 159095 w 1765698"/>
-                <a:gd name="connsiteY7" fmla="*/ 769439 h 836007"/>
-                <a:gd name="connsiteX8" fmla="*/ 155631 w 1765698"/>
-                <a:gd name="connsiteY8" fmla="*/ 139999 h 836007"/>
-                <a:gd name="connsiteX0" fmla="*/ 155631 w 1765698"/>
-                <a:gd name="connsiteY0" fmla="*/ 139999 h 836007"/>
-                <a:gd name="connsiteX1" fmla="*/ 4568 w 1765698"/>
-                <a:gd name="connsiteY1" fmla="*/ 14837 h 836007"/>
-                <a:gd name="connsiteX2" fmla="*/ 1680329 w 1765698"/>
-                <a:gd name="connsiteY2" fmla="*/ 11086 h 836007"/>
-                <a:gd name="connsiteX3" fmla="*/ 1536770 w 1765698"/>
-                <a:gd name="connsiteY3" fmla="*/ 160781 h 836007"/>
-                <a:gd name="connsiteX4" fmla="*/ 1536770 w 1765698"/>
-                <a:gd name="connsiteY4" fmla="*/ 769439 h 836007"/>
-                <a:gd name="connsiteX5" fmla="*/ 1470202 w 1765698"/>
-                <a:gd name="connsiteY5" fmla="*/ 836007 h 836007"/>
-                <a:gd name="connsiteX6" fmla="*/ 225663 w 1765698"/>
-                <a:gd name="connsiteY6" fmla="*/ 836007 h 836007"/>
-                <a:gd name="connsiteX7" fmla="*/ 159095 w 1765698"/>
-                <a:gd name="connsiteY7" fmla="*/ 769439 h 836007"/>
-                <a:gd name="connsiteX8" fmla="*/ 155631 w 1765698"/>
-                <a:gd name="connsiteY8" fmla="*/ 139999 h 836007"/>
-                <a:gd name="connsiteX0" fmla="*/ 154777 w 1684351"/>
-                <a:gd name="connsiteY0" fmla="*/ 131536 h 827544"/>
-                <a:gd name="connsiteX1" fmla="*/ 3714 w 1684351"/>
-                <a:gd name="connsiteY1" fmla="*/ 6374 h 827544"/>
-                <a:gd name="connsiteX2" fmla="*/ 1679475 w 1684351"/>
-                <a:gd name="connsiteY2" fmla="*/ 2623 h 827544"/>
-                <a:gd name="connsiteX3" fmla="*/ 1535916 w 1684351"/>
-                <a:gd name="connsiteY3" fmla="*/ 152318 h 827544"/>
-                <a:gd name="connsiteX4" fmla="*/ 1535916 w 1684351"/>
-                <a:gd name="connsiteY4" fmla="*/ 760976 h 827544"/>
-                <a:gd name="connsiteX5" fmla="*/ 1469348 w 1684351"/>
-                <a:gd name="connsiteY5" fmla="*/ 827544 h 827544"/>
-                <a:gd name="connsiteX6" fmla="*/ 224809 w 1684351"/>
-                <a:gd name="connsiteY6" fmla="*/ 827544 h 827544"/>
-                <a:gd name="connsiteX7" fmla="*/ 158241 w 1684351"/>
-                <a:gd name="connsiteY7" fmla="*/ 760976 h 827544"/>
-                <a:gd name="connsiteX8" fmla="*/ 154777 w 1684351"/>
-                <a:gd name="connsiteY8" fmla="*/ 131536 h 827544"/>
-                <a:gd name="connsiteX0" fmla="*/ 236936 w 1786555"/>
-                <a:gd name="connsiteY0" fmla="*/ 135949 h 831957"/>
-                <a:gd name="connsiteX1" fmla="*/ 85873 w 1786555"/>
-                <a:gd name="connsiteY1" fmla="*/ 10787 h 831957"/>
-                <a:gd name="connsiteX2" fmla="*/ 1780684 w 1786555"/>
-                <a:gd name="connsiteY2" fmla="*/ 10211 h 831957"/>
-                <a:gd name="connsiteX3" fmla="*/ 1618075 w 1786555"/>
-                <a:gd name="connsiteY3" fmla="*/ 156731 h 831957"/>
-                <a:gd name="connsiteX4" fmla="*/ 1618075 w 1786555"/>
-                <a:gd name="connsiteY4" fmla="*/ 765389 h 831957"/>
-                <a:gd name="connsiteX5" fmla="*/ 1551507 w 1786555"/>
-                <a:gd name="connsiteY5" fmla="*/ 831957 h 831957"/>
-                <a:gd name="connsiteX6" fmla="*/ 306968 w 1786555"/>
-                <a:gd name="connsiteY6" fmla="*/ 831957 h 831957"/>
-                <a:gd name="connsiteX7" fmla="*/ 240400 w 1786555"/>
-                <a:gd name="connsiteY7" fmla="*/ 765389 h 831957"/>
-                <a:gd name="connsiteX8" fmla="*/ 236936 w 1786555"/>
-                <a:gd name="connsiteY8" fmla="*/ 135949 h 831957"/>
-                <a:gd name="connsiteX0" fmla="*/ 157046 w 1705555"/>
-                <a:gd name="connsiteY0" fmla="*/ 128377 h 824385"/>
-                <a:gd name="connsiteX1" fmla="*/ 5983 w 1705555"/>
-                <a:gd name="connsiteY1" fmla="*/ 3215 h 824385"/>
-                <a:gd name="connsiteX2" fmla="*/ 1700794 w 1705555"/>
-                <a:gd name="connsiteY2" fmla="*/ 2639 h 824385"/>
-                <a:gd name="connsiteX3" fmla="*/ 1538185 w 1705555"/>
-                <a:gd name="connsiteY3" fmla="*/ 149159 h 824385"/>
-                <a:gd name="connsiteX4" fmla="*/ 1538185 w 1705555"/>
-                <a:gd name="connsiteY4" fmla="*/ 757817 h 824385"/>
-                <a:gd name="connsiteX5" fmla="*/ 1471617 w 1705555"/>
-                <a:gd name="connsiteY5" fmla="*/ 824385 h 824385"/>
-                <a:gd name="connsiteX6" fmla="*/ 227078 w 1705555"/>
-                <a:gd name="connsiteY6" fmla="*/ 824385 h 824385"/>
-                <a:gd name="connsiteX7" fmla="*/ 160510 w 1705555"/>
-                <a:gd name="connsiteY7" fmla="*/ 757817 h 824385"/>
-                <a:gd name="connsiteX8" fmla="*/ 157046 w 1705555"/>
-                <a:gd name="connsiteY8" fmla="*/ 128377 h 824385"/>
-                <a:gd name="connsiteX0" fmla="*/ 158360 w 1784749"/>
-                <a:gd name="connsiteY0" fmla="*/ 140824 h 836832"/>
-                <a:gd name="connsiteX1" fmla="*/ 7297 w 1784749"/>
-                <a:gd name="connsiteY1" fmla="*/ 15662 h 836832"/>
-                <a:gd name="connsiteX2" fmla="*/ 1702108 w 1784749"/>
-                <a:gd name="connsiteY2" fmla="*/ 15086 h 836832"/>
-                <a:gd name="connsiteX3" fmla="*/ 1539499 w 1784749"/>
-                <a:gd name="connsiteY3" fmla="*/ 215581 h 836832"/>
-                <a:gd name="connsiteX4" fmla="*/ 1539499 w 1784749"/>
-                <a:gd name="connsiteY4" fmla="*/ 770264 h 836832"/>
-                <a:gd name="connsiteX5" fmla="*/ 1472931 w 1784749"/>
-                <a:gd name="connsiteY5" fmla="*/ 836832 h 836832"/>
-                <a:gd name="connsiteX6" fmla="*/ 228392 w 1784749"/>
-                <a:gd name="connsiteY6" fmla="*/ 836832 h 836832"/>
-                <a:gd name="connsiteX7" fmla="*/ 161824 w 1784749"/>
-                <a:gd name="connsiteY7" fmla="*/ 770264 h 836832"/>
-                <a:gd name="connsiteX8" fmla="*/ 158360 w 1784749"/>
-                <a:gd name="connsiteY8" fmla="*/ 140824 h 836832"/>
-                <a:gd name="connsiteX0" fmla="*/ 239426 w 1862640"/>
-                <a:gd name="connsiteY0" fmla="*/ 233513 h 846971"/>
-                <a:gd name="connsiteX1" fmla="*/ 85188 w 1862640"/>
-                <a:gd name="connsiteY1" fmla="*/ 25801 h 846971"/>
-                <a:gd name="connsiteX2" fmla="*/ 1779999 w 1862640"/>
-                <a:gd name="connsiteY2" fmla="*/ 25225 h 846971"/>
-                <a:gd name="connsiteX3" fmla="*/ 1617390 w 1862640"/>
-                <a:gd name="connsiteY3" fmla="*/ 225720 h 846971"/>
-                <a:gd name="connsiteX4" fmla="*/ 1617390 w 1862640"/>
-                <a:gd name="connsiteY4" fmla="*/ 780403 h 846971"/>
-                <a:gd name="connsiteX5" fmla="*/ 1550822 w 1862640"/>
-                <a:gd name="connsiteY5" fmla="*/ 846971 h 846971"/>
-                <a:gd name="connsiteX6" fmla="*/ 306283 w 1862640"/>
-                <a:gd name="connsiteY6" fmla="*/ 846971 h 846971"/>
-                <a:gd name="connsiteX7" fmla="*/ 239715 w 1862640"/>
-                <a:gd name="connsiteY7" fmla="*/ 780403 h 846971"/>
-                <a:gd name="connsiteX8" fmla="*/ 239426 w 1862640"/>
-                <a:gd name="connsiteY8" fmla="*/ 233513 h 846971"/>
-                <a:gd name="connsiteX0" fmla="*/ 238598 w 1861812"/>
-                <a:gd name="connsiteY0" fmla="*/ 233513 h 846971"/>
-                <a:gd name="connsiteX1" fmla="*/ 84360 w 1861812"/>
-                <a:gd name="connsiteY1" fmla="*/ 25801 h 846971"/>
-                <a:gd name="connsiteX2" fmla="*/ 1779171 w 1861812"/>
-                <a:gd name="connsiteY2" fmla="*/ 25225 h 846971"/>
-                <a:gd name="connsiteX3" fmla="*/ 1616562 w 1861812"/>
-                <a:gd name="connsiteY3" fmla="*/ 225720 h 846971"/>
-                <a:gd name="connsiteX4" fmla="*/ 1616562 w 1861812"/>
-                <a:gd name="connsiteY4" fmla="*/ 780403 h 846971"/>
-                <a:gd name="connsiteX5" fmla="*/ 1549994 w 1861812"/>
-                <a:gd name="connsiteY5" fmla="*/ 846971 h 846971"/>
-                <a:gd name="connsiteX6" fmla="*/ 305455 w 1861812"/>
-                <a:gd name="connsiteY6" fmla="*/ 846971 h 846971"/>
-                <a:gd name="connsiteX7" fmla="*/ 238887 w 1861812"/>
-                <a:gd name="connsiteY7" fmla="*/ 780403 h 846971"/>
-                <a:gd name="connsiteX8" fmla="*/ 238598 w 1861812"/>
-                <a:gd name="connsiteY8" fmla="*/ 233513 h 846971"/>
-                <a:gd name="connsiteX0" fmla="*/ 238598 w 1862214"/>
-                <a:gd name="connsiteY0" fmla="*/ 233513 h 846971"/>
-                <a:gd name="connsiteX1" fmla="*/ 84360 w 1862214"/>
-                <a:gd name="connsiteY1" fmla="*/ 25801 h 846971"/>
-                <a:gd name="connsiteX2" fmla="*/ 1779171 w 1862214"/>
-                <a:gd name="connsiteY2" fmla="*/ 25225 h 846971"/>
-                <a:gd name="connsiteX3" fmla="*/ 1616562 w 1862214"/>
-                <a:gd name="connsiteY3" fmla="*/ 225720 h 846971"/>
-                <a:gd name="connsiteX4" fmla="*/ 1616562 w 1862214"/>
-                <a:gd name="connsiteY4" fmla="*/ 780403 h 846971"/>
-                <a:gd name="connsiteX5" fmla="*/ 1549994 w 1862214"/>
-                <a:gd name="connsiteY5" fmla="*/ 846971 h 846971"/>
-                <a:gd name="connsiteX6" fmla="*/ 305455 w 1862214"/>
-                <a:gd name="connsiteY6" fmla="*/ 846971 h 846971"/>
-                <a:gd name="connsiteX7" fmla="*/ 238887 w 1862214"/>
-                <a:gd name="connsiteY7" fmla="*/ 780403 h 846971"/>
-                <a:gd name="connsiteX8" fmla="*/ 238598 w 1862214"/>
-                <a:gd name="connsiteY8" fmla="*/ 233513 h 846971"/>
-                <a:gd name="connsiteX0" fmla="*/ 238160 w 1856323"/>
-                <a:gd name="connsiteY0" fmla="*/ 248080 h 861538"/>
-                <a:gd name="connsiteX1" fmla="*/ 83922 w 1856323"/>
-                <a:gd name="connsiteY1" fmla="*/ 40368 h 861538"/>
-                <a:gd name="connsiteX2" fmla="*/ 1772383 w 1856323"/>
-                <a:gd name="connsiteY2" fmla="*/ 17567 h 861538"/>
-                <a:gd name="connsiteX3" fmla="*/ 1616124 w 1856323"/>
-                <a:gd name="connsiteY3" fmla="*/ 240287 h 861538"/>
-                <a:gd name="connsiteX4" fmla="*/ 1616124 w 1856323"/>
-                <a:gd name="connsiteY4" fmla="*/ 794970 h 861538"/>
-                <a:gd name="connsiteX5" fmla="*/ 1549556 w 1856323"/>
-                <a:gd name="connsiteY5" fmla="*/ 861538 h 861538"/>
-                <a:gd name="connsiteX6" fmla="*/ 305017 w 1856323"/>
-                <a:gd name="connsiteY6" fmla="*/ 861538 h 861538"/>
-                <a:gd name="connsiteX7" fmla="*/ 238449 w 1856323"/>
-                <a:gd name="connsiteY7" fmla="*/ 794970 h 861538"/>
-                <a:gd name="connsiteX8" fmla="*/ 238160 w 1856323"/>
-                <a:gd name="connsiteY8" fmla="*/ 248080 h 861538"/>
-                <a:gd name="connsiteX0" fmla="*/ 238160 w 1785863"/>
-                <a:gd name="connsiteY0" fmla="*/ 242493 h 855951"/>
-                <a:gd name="connsiteX1" fmla="*/ 83922 w 1785863"/>
-                <a:gd name="connsiteY1" fmla="*/ 34781 h 855951"/>
-                <a:gd name="connsiteX2" fmla="*/ 1772383 w 1785863"/>
-                <a:gd name="connsiteY2" fmla="*/ 11980 h 855951"/>
-                <a:gd name="connsiteX3" fmla="*/ 1616124 w 1785863"/>
-                <a:gd name="connsiteY3" fmla="*/ 234700 h 855951"/>
-                <a:gd name="connsiteX4" fmla="*/ 1616124 w 1785863"/>
-                <a:gd name="connsiteY4" fmla="*/ 789383 h 855951"/>
-                <a:gd name="connsiteX5" fmla="*/ 1549556 w 1785863"/>
-                <a:gd name="connsiteY5" fmla="*/ 855951 h 855951"/>
-                <a:gd name="connsiteX6" fmla="*/ 305017 w 1785863"/>
-                <a:gd name="connsiteY6" fmla="*/ 855951 h 855951"/>
-                <a:gd name="connsiteX7" fmla="*/ 238449 w 1785863"/>
-                <a:gd name="connsiteY7" fmla="*/ 789383 h 855951"/>
-                <a:gd name="connsiteX8" fmla="*/ 238160 w 1785863"/>
-                <a:gd name="connsiteY8" fmla="*/ 242493 h 855951"/>
-                <a:gd name="connsiteX0" fmla="*/ 239914 w 1812854"/>
-                <a:gd name="connsiteY0" fmla="*/ 232326 h 845784"/>
-                <a:gd name="connsiteX1" fmla="*/ 85676 w 1812854"/>
-                <a:gd name="connsiteY1" fmla="*/ 24614 h 845784"/>
-                <a:gd name="connsiteX2" fmla="*/ 1799537 w 1812854"/>
-                <a:gd name="connsiteY2" fmla="*/ 17688 h 845784"/>
-                <a:gd name="connsiteX3" fmla="*/ 1617878 w 1812854"/>
-                <a:gd name="connsiteY3" fmla="*/ 224533 h 845784"/>
-                <a:gd name="connsiteX4" fmla="*/ 1617878 w 1812854"/>
-                <a:gd name="connsiteY4" fmla="*/ 779216 h 845784"/>
-                <a:gd name="connsiteX5" fmla="*/ 1551310 w 1812854"/>
-                <a:gd name="connsiteY5" fmla="*/ 845784 h 845784"/>
-                <a:gd name="connsiteX6" fmla="*/ 306771 w 1812854"/>
-                <a:gd name="connsiteY6" fmla="*/ 845784 h 845784"/>
-                <a:gd name="connsiteX7" fmla="*/ 240203 w 1812854"/>
-                <a:gd name="connsiteY7" fmla="*/ 779216 h 845784"/>
-                <a:gd name="connsiteX8" fmla="*/ 239914 w 1812854"/>
-                <a:gd name="connsiteY8" fmla="*/ 232326 h 845784"/>
-                <a:gd name="connsiteX0" fmla="*/ 241013 w 1829728"/>
-                <a:gd name="connsiteY0" fmla="*/ 230621 h 844079"/>
-                <a:gd name="connsiteX1" fmla="*/ 86775 w 1829728"/>
-                <a:gd name="connsiteY1" fmla="*/ 22909 h 844079"/>
-                <a:gd name="connsiteX2" fmla="*/ 1816511 w 1829728"/>
-                <a:gd name="connsiteY2" fmla="*/ 19158 h 844079"/>
-                <a:gd name="connsiteX3" fmla="*/ 1618977 w 1829728"/>
-                <a:gd name="connsiteY3" fmla="*/ 222828 h 844079"/>
-                <a:gd name="connsiteX4" fmla="*/ 1618977 w 1829728"/>
-                <a:gd name="connsiteY4" fmla="*/ 777511 h 844079"/>
-                <a:gd name="connsiteX5" fmla="*/ 1552409 w 1829728"/>
-                <a:gd name="connsiteY5" fmla="*/ 844079 h 844079"/>
-                <a:gd name="connsiteX6" fmla="*/ 307870 w 1829728"/>
-                <a:gd name="connsiteY6" fmla="*/ 844079 h 844079"/>
-                <a:gd name="connsiteX7" fmla="*/ 241302 w 1829728"/>
-                <a:gd name="connsiteY7" fmla="*/ 777511 h 844079"/>
-                <a:gd name="connsiteX8" fmla="*/ 241013 w 1829728"/>
-                <a:gd name="connsiteY8" fmla="*/ 230621 h 844079"/>
-                <a:gd name="connsiteX0" fmla="*/ 241013 w 1829728"/>
-                <a:gd name="connsiteY0" fmla="*/ 224021 h 837479"/>
-                <a:gd name="connsiteX1" fmla="*/ 86775 w 1829728"/>
-                <a:gd name="connsiteY1" fmla="*/ 16309 h 837479"/>
-                <a:gd name="connsiteX2" fmla="*/ 1816511 w 1829728"/>
-                <a:gd name="connsiteY2" fmla="*/ 12558 h 837479"/>
-                <a:gd name="connsiteX3" fmla="*/ 1618977 w 1829728"/>
-                <a:gd name="connsiteY3" fmla="*/ 216228 h 837479"/>
-                <a:gd name="connsiteX4" fmla="*/ 1618977 w 1829728"/>
-                <a:gd name="connsiteY4" fmla="*/ 770911 h 837479"/>
-                <a:gd name="connsiteX5" fmla="*/ 1552409 w 1829728"/>
-                <a:gd name="connsiteY5" fmla="*/ 837479 h 837479"/>
-                <a:gd name="connsiteX6" fmla="*/ 307870 w 1829728"/>
-                <a:gd name="connsiteY6" fmla="*/ 837479 h 837479"/>
-                <a:gd name="connsiteX7" fmla="*/ 241302 w 1829728"/>
-                <a:gd name="connsiteY7" fmla="*/ 770911 h 837479"/>
-                <a:gd name="connsiteX8" fmla="*/ 241013 w 1829728"/>
-                <a:gd name="connsiteY8" fmla="*/ 224021 h 837479"/>
-                <a:gd name="connsiteX0" fmla="*/ 241013 w 1829728"/>
-                <a:gd name="connsiteY0" fmla="*/ 224021 h 837479"/>
-                <a:gd name="connsiteX1" fmla="*/ 86775 w 1829728"/>
-                <a:gd name="connsiteY1" fmla="*/ 16309 h 837479"/>
-                <a:gd name="connsiteX2" fmla="*/ 1816511 w 1829728"/>
-                <a:gd name="connsiteY2" fmla="*/ 12558 h 837479"/>
-                <a:gd name="connsiteX3" fmla="*/ 1618977 w 1829728"/>
-                <a:gd name="connsiteY3" fmla="*/ 216228 h 837479"/>
-                <a:gd name="connsiteX4" fmla="*/ 1618977 w 1829728"/>
-                <a:gd name="connsiteY4" fmla="*/ 770911 h 837479"/>
-                <a:gd name="connsiteX5" fmla="*/ 1552409 w 1829728"/>
-                <a:gd name="connsiteY5" fmla="*/ 837479 h 837479"/>
-                <a:gd name="connsiteX6" fmla="*/ 307870 w 1829728"/>
-                <a:gd name="connsiteY6" fmla="*/ 837479 h 837479"/>
-                <a:gd name="connsiteX7" fmla="*/ 241302 w 1829728"/>
-                <a:gd name="connsiteY7" fmla="*/ 770911 h 837479"/>
-                <a:gd name="connsiteX8" fmla="*/ 241013 w 1829728"/>
-                <a:gd name="connsiteY8" fmla="*/ 224021 h 837479"/>
-                <a:gd name="connsiteX0" fmla="*/ 216773 w 1868784"/>
-                <a:gd name="connsiteY0" fmla="*/ 251658 h 865116"/>
-                <a:gd name="connsiteX1" fmla="*/ 91110 w 1868784"/>
-                <a:gd name="connsiteY1" fmla="*/ 18546 h 865116"/>
-                <a:gd name="connsiteX2" fmla="*/ 1792271 w 1868784"/>
-                <a:gd name="connsiteY2" fmla="*/ 40195 h 865116"/>
-                <a:gd name="connsiteX3" fmla="*/ 1594737 w 1868784"/>
-                <a:gd name="connsiteY3" fmla="*/ 243865 h 865116"/>
-                <a:gd name="connsiteX4" fmla="*/ 1594737 w 1868784"/>
-                <a:gd name="connsiteY4" fmla="*/ 798548 h 865116"/>
-                <a:gd name="connsiteX5" fmla="*/ 1528169 w 1868784"/>
-                <a:gd name="connsiteY5" fmla="*/ 865116 h 865116"/>
-                <a:gd name="connsiteX6" fmla="*/ 283630 w 1868784"/>
-                <a:gd name="connsiteY6" fmla="*/ 865116 h 865116"/>
-                <a:gd name="connsiteX7" fmla="*/ 217062 w 1868784"/>
-                <a:gd name="connsiteY7" fmla="*/ 798548 h 865116"/>
-                <a:gd name="connsiteX8" fmla="*/ 216773 w 1868784"/>
-                <a:gd name="connsiteY8" fmla="*/ 251658 h 865116"/>
-                <a:gd name="connsiteX0" fmla="*/ 216773 w 1868784"/>
-                <a:gd name="connsiteY0" fmla="*/ 274671 h 888129"/>
-                <a:gd name="connsiteX1" fmla="*/ 91110 w 1868784"/>
-                <a:gd name="connsiteY1" fmla="*/ 12984 h 888129"/>
-                <a:gd name="connsiteX2" fmla="*/ 1792271 w 1868784"/>
-                <a:gd name="connsiteY2" fmla="*/ 63208 h 888129"/>
-                <a:gd name="connsiteX3" fmla="*/ 1594737 w 1868784"/>
-                <a:gd name="connsiteY3" fmla="*/ 266878 h 888129"/>
-                <a:gd name="connsiteX4" fmla="*/ 1594737 w 1868784"/>
-                <a:gd name="connsiteY4" fmla="*/ 821561 h 888129"/>
-                <a:gd name="connsiteX5" fmla="*/ 1528169 w 1868784"/>
-                <a:gd name="connsiteY5" fmla="*/ 888129 h 888129"/>
-                <a:gd name="connsiteX6" fmla="*/ 283630 w 1868784"/>
-                <a:gd name="connsiteY6" fmla="*/ 888129 h 888129"/>
-                <a:gd name="connsiteX7" fmla="*/ 217062 w 1868784"/>
-                <a:gd name="connsiteY7" fmla="*/ 821561 h 888129"/>
-                <a:gd name="connsiteX8" fmla="*/ 216773 w 1868784"/>
-                <a:gd name="connsiteY8" fmla="*/ 274671 h 888129"/>
-                <a:gd name="connsiteX0" fmla="*/ 216325 w 1862778"/>
-                <a:gd name="connsiteY0" fmla="*/ 289222 h 902680"/>
-                <a:gd name="connsiteX1" fmla="*/ 90662 w 1862778"/>
-                <a:gd name="connsiteY1" fmla="*/ 27535 h 902680"/>
-                <a:gd name="connsiteX2" fmla="*/ 1785473 w 1862778"/>
-                <a:gd name="connsiteY2" fmla="*/ 36484 h 902680"/>
-                <a:gd name="connsiteX3" fmla="*/ 1594289 w 1862778"/>
-                <a:gd name="connsiteY3" fmla="*/ 281429 h 902680"/>
-                <a:gd name="connsiteX4" fmla="*/ 1594289 w 1862778"/>
-                <a:gd name="connsiteY4" fmla="*/ 836112 h 902680"/>
-                <a:gd name="connsiteX5" fmla="*/ 1527721 w 1862778"/>
-                <a:gd name="connsiteY5" fmla="*/ 902680 h 902680"/>
-                <a:gd name="connsiteX6" fmla="*/ 283182 w 1862778"/>
-                <a:gd name="connsiteY6" fmla="*/ 902680 h 902680"/>
-                <a:gd name="connsiteX7" fmla="*/ 216614 w 1862778"/>
-                <a:gd name="connsiteY7" fmla="*/ 836112 h 902680"/>
-                <a:gd name="connsiteX8" fmla="*/ 216325 w 1862778"/>
-                <a:gd name="connsiteY8" fmla="*/ 289222 h 902680"/>
-                <a:gd name="connsiteX0" fmla="*/ 216325 w 1862778"/>
-                <a:gd name="connsiteY0" fmla="*/ 289222 h 902680"/>
-                <a:gd name="connsiteX1" fmla="*/ 90662 w 1862778"/>
-                <a:gd name="connsiteY1" fmla="*/ 27535 h 902680"/>
-                <a:gd name="connsiteX2" fmla="*/ 1785473 w 1862778"/>
-                <a:gd name="connsiteY2" fmla="*/ 36484 h 902680"/>
-                <a:gd name="connsiteX3" fmla="*/ 1594289 w 1862778"/>
-                <a:gd name="connsiteY3" fmla="*/ 281429 h 902680"/>
-                <a:gd name="connsiteX4" fmla="*/ 1594289 w 1862778"/>
-                <a:gd name="connsiteY4" fmla="*/ 836112 h 902680"/>
-                <a:gd name="connsiteX5" fmla="*/ 1527721 w 1862778"/>
-                <a:gd name="connsiteY5" fmla="*/ 902680 h 902680"/>
-                <a:gd name="connsiteX6" fmla="*/ 283182 w 1862778"/>
-                <a:gd name="connsiteY6" fmla="*/ 902680 h 902680"/>
-                <a:gd name="connsiteX7" fmla="*/ 216614 w 1862778"/>
-                <a:gd name="connsiteY7" fmla="*/ 836112 h 902680"/>
-                <a:gd name="connsiteX8" fmla="*/ 216325 w 1862778"/>
-                <a:gd name="connsiteY8" fmla="*/ 289222 h 902680"/>
-                <a:gd name="connsiteX0" fmla="*/ 215874 w 1862327"/>
-                <a:gd name="connsiteY0" fmla="*/ 289222 h 902680"/>
-                <a:gd name="connsiteX1" fmla="*/ 90211 w 1862327"/>
-                <a:gd name="connsiteY1" fmla="*/ 27535 h 902680"/>
-                <a:gd name="connsiteX2" fmla="*/ 1785022 w 1862327"/>
-                <a:gd name="connsiteY2" fmla="*/ 36484 h 902680"/>
-                <a:gd name="connsiteX3" fmla="*/ 1593838 w 1862327"/>
-                <a:gd name="connsiteY3" fmla="*/ 281429 h 902680"/>
-                <a:gd name="connsiteX4" fmla="*/ 1593838 w 1862327"/>
-                <a:gd name="connsiteY4" fmla="*/ 836112 h 902680"/>
-                <a:gd name="connsiteX5" fmla="*/ 1527270 w 1862327"/>
-                <a:gd name="connsiteY5" fmla="*/ 902680 h 902680"/>
-                <a:gd name="connsiteX6" fmla="*/ 282731 w 1862327"/>
-                <a:gd name="connsiteY6" fmla="*/ 902680 h 902680"/>
-                <a:gd name="connsiteX7" fmla="*/ 216163 w 1862327"/>
-                <a:gd name="connsiteY7" fmla="*/ 836112 h 902680"/>
-                <a:gd name="connsiteX8" fmla="*/ 215874 w 1862327"/>
-                <a:gd name="connsiteY8" fmla="*/ 289222 h 902680"/>
-                <a:gd name="connsiteX0" fmla="*/ 218551 w 1865217"/>
-                <a:gd name="connsiteY0" fmla="*/ 271689 h 885147"/>
-                <a:gd name="connsiteX1" fmla="*/ 89713 w 1865217"/>
-                <a:gd name="connsiteY1" fmla="*/ 44927 h 885147"/>
-                <a:gd name="connsiteX2" fmla="*/ 1787699 w 1865217"/>
-                <a:gd name="connsiteY2" fmla="*/ 18951 h 885147"/>
-                <a:gd name="connsiteX3" fmla="*/ 1596515 w 1865217"/>
-                <a:gd name="connsiteY3" fmla="*/ 263896 h 885147"/>
-                <a:gd name="connsiteX4" fmla="*/ 1596515 w 1865217"/>
-                <a:gd name="connsiteY4" fmla="*/ 818579 h 885147"/>
-                <a:gd name="connsiteX5" fmla="*/ 1529947 w 1865217"/>
-                <a:gd name="connsiteY5" fmla="*/ 885147 h 885147"/>
-                <a:gd name="connsiteX6" fmla="*/ 285408 w 1865217"/>
-                <a:gd name="connsiteY6" fmla="*/ 885147 h 885147"/>
-                <a:gd name="connsiteX7" fmla="*/ 218840 w 1865217"/>
-                <a:gd name="connsiteY7" fmla="*/ 818579 h 885147"/>
-                <a:gd name="connsiteX8" fmla="*/ 218551 w 1865217"/>
-                <a:gd name="connsiteY8" fmla="*/ 271689 h 885147"/>
-                <a:gd name="connsiteX0" fmla="*/ 217882 w 1856244"/>
-                <a:gd name="connsiteY0" fmla="*/ 253205 h 866663"/>
-                <a:gd name="connsiteX1" fmla="*/ 89044 w 1856244"/>
-                <a:gd name="connsiteY1" fmla="*/ 26443 h 866663"/>
-                <a:gd name="connsiteX2" fmla="*/ 1777505 w 1856244"/>
-                <a:gd name="connsiteY2" fmla="*/ 29042 h 866663"/>
-                <a:gd name="connsiteX3" fmla="*/ 1595846 w 1856244"/>
-                <a:gd name="connsiteY3" fmla="*/ 245412 h 866663"/>
-                <a:gd name="connsiteX4" fmla="*/ 1595846 w 1856244"/>
-                <a:gd name="connsiteY4" fmla="*/ 800095 h 866663"/>
-                <a:gd name="connsiteX5" fmla="*/ 1529278 w 1856244"/>
-                <a:gd name="connsiteY5" fmla="*/ 866663 h 866663"/>
-                <a:gd name="connsiteX6" fmla="*/ 284739 w 1856244"/>
-                <a:gd name="connsiteY6" fmla="*/ 866663 h 866663"/>
-                <a:gd name="connsiteX7" fmla="*/ 218171 w 1856244"/>
-                <a:gd name="connsiteY7" fmla="*/ 800095 h 866663"/>
-                <a:gd name="connsiteX8" fmla="*/ 217882 w 1856244"/>
-                <a:gd name="connsiteY8" fmla="*/ 253205 h 866663"/>
-                <a:gd name="connsiteX0" fmla="*/ 152682 w 1785681"/>
-                <a:gd name="connsiteY0" fmla="*/ 248776 h 862234"/>
-                <a:gd name="connsiteX1" fmla="*/ 103357 w 1785681"/>
-                <a:gd name="connsiteY1" fmla="*/ 29972 h 862234"/>
-                <a:gd name="connsiteX2" fmla="*/ 1712305 w 1785681"/>
-                <a:gd name="connsiteY2" fmla="*/ 24613 h 862234"/>
-                <a:gd name="connsiteX3" fmla="*/ 1530646 w 1785681"/>
-                <a:gd name="connsiteY3" fmla="*/ 240983 h 862234"/>
-                <a:gd name="connsiteX4" fmla="*/ 1530646 w 1785681"/>
-                <a:gd name="connsiteY4" fmla="*/ 795666 h 862234"/>
-                <a:gd name="connsiteX5" fmla="*/ 1464078 w 1785681"/>
-                <a:gd name="connsiteY5" fmla="*/ 862234 h 862234"/>
-                <a:gd name="connsiteX6" fmla="*/ 219539 w 1785681"/>
-                <a:gd name="connsiteY6" fmla="*/ 862234 h 862234"/>
-                <a:gd name="connsiteX7" fmla="*/ 152971 w 1785681"/>
-                <a:gd name="connsiteY7" fmla="*/ 795666 h 862234"/>
-                <a:gd name="connsiteX8" fmla="*/ 152682 w 1785681"/>
-                <a:gd name="connsiteY8" fmla="*/ 248776 h 862234"/>
-                <a:gd name="connsiteX0" fmla="*/ 142268 w 1774377"/>
-                <a:gd name="connsiteY0" fmla="*/ 258162 h 871620"/>
-                <a:gd name="connsiteX1" fmla="*/ 106195 w 1774377"/>
-                <a:gd name="connsiteY1" fmla="*/ 23440 h 871620"/>
-                <a:gd name="connsiteX2" fmla="*/ 1701891 w 1774377"/>
-                <a:gd name="connsiteY2" fmla="*/ 33999 h 871620"/>
-                <a:gd name="connsiteX3" fmla="*/ 1520232 w 1774377"/>
-                <a:gd name="connsiteY3" fmla="*/ 250369 h 871620"/>
-                <a:gd name="connsiteX4" fmla="*/ 1520232 w 1774377"/>
-                <a:gd name="connsiteY4" fmla="*/ 805052 h 871620"/>
-                <a:gd name="connsiteX5" fmla="*/ 1453664 w 1774377"/>
-                <a:gd name="connsiteY5" fmla="*/ 871620 h 871620"/>
-                <a:gd name="connsiteX6" fmla="*/ 209125 w 1774377"/>
-                <a:gd name="connsiteY6" fmla="*/ 871620 h 871620"/>
-                <a:gd name="connsiteX7" fmla="*/ 142557 w 1774377"/>
-                <a:gd name="connsiteY7" fmla="*/ 805052 h 871620"/>
-                <a:gd name="connsiteX8" fmla="*/ 142268 w 1774377"/>
-                <a:gd name="connsiteY8" fmla="*/ 258162 h 871620"/>
-                <a:gd name="connsiteX0" fmla="*/ 137880 w 1718673"/>
-                <a:gd name="connsiteY0" fmla="*/ 262157 h 875615"/>
-                <a:gd name="connsiteX1" fmla="*/ 101807 w 1718673"/>
-                <a:gd name="connsiteY1" fmla="*/ 27435 h 875615"/>
-                <a:gd name="connsiteX2" fmla="*/ 1637868 w 1718673"/>
-                <a:gd name="connsiteY2" fmla="*/ 30034 h 875615"/>
-                <a:gd name="connsiteX3" fmla="*/ 1515844 w 1718673"/>
-                <a:gd name="connsiteY3" fmla="*/ 254364 h 875615"/>
-                <a:gd name="connsiteX4" fmla="*/ 1515844 w 1718673"/>
-                <a:gd name="connsiteY4" fmla="*/ 809047 h 875615"/>
-                <a:gd name="connsiteX5" fmla="*/ 1449276 w 1718673"/>
-                <a:gd name="connsiteY5" fmla="*/ 875615 h 875615"/>
-                <a:gd name="connsiteX6" fmla="*/ 204737 w 1718673"/>
-                <a:gd name="connsiteY6" fmla="*/ 875615 h 875615"/>
-                <a:gd name="connsiteX7" fmla="*/ 138169 w 1718673"/>
-                <a:gd name="connsiteY7" fmla="*/ 809047 h 875615"/>
-                <a:gd name="connsiteX8" fmla="*/ 137880 w 1718673"/>
-                <a:gd name="connsiteY8" fmla="*/ 262157 h 875615"/>
-              </a:gdLst>
-              <a:ahLst/>
-              <a:cxnLst>
-                <a:cxn ang="0">
-                  <a:pos x="connsiteX0" y="connsiteY0"/>
-                </a:cxn>
-                <a:cxn ang="0">
-                  <a:pos x="connsiteX1" y="connsiteY1"/>
-                </a:cxn>
-                <a:cxn ang="0">
-                  <a:pos x="connsiteX2" y="connsiteY2"/>
-                </a:cxn>
-                <a:cxn ang="0">
-                  <a:pos x="connsiteX3" y="connsiteY3"/>
-                </a:cxn>
-                <a:cxn ang="0">
-                  <a:pos x="connsiteX4" y="connsiteY4"/>
-                </a:cxn>
-                <a:cxn ang="0">
-                  <a:pos x="connsiteX5" y="connsiteY5"/>
-                </a:cxn>
-                <a:cxn ang="0">
-                  <a:pos x="connsiteX6" y="connsiteY6"/>
-                </a:cxn>
-                <a:cxn ang="0">
-                  <a:pos x="connsiteX7" y="connsiteY7"/>
-                </a:cxn>
-                <a:cxn ang="0">
-                  <a:pos x="connsiteX8" y="connsiteY8"/>
-                </a:cxn>
-              </a:cxnLst>
-              <a:rect l="l" t="t" r="r" b="b"/>
-              <a:pathLst>
-                <a:path w="1718673" h="875615">
-                  <a:moveTo>
-                    <a:pt x="137880" y="262157"/>
-                  </a:moveTo>
-                  <a:cubicBezTo>
-                    <a:pt x="141343" y="-22834"/>
-                    <a:pt x="-148191" y="66122"/>
-                    <a:pt x="101807" y="27435"/>
-                  </a:cubicBezTo>
-                  <a:cubicBezTo>
-                    <a:pt x="351805" y="-11252"/>
-                    <a:pt x="1402195" y="-7787"/>
-                    <a:pt x="1637868" y="30034"/>
-                  </a:cubicBezTo>
-                  <a:cubicBezTo>
-                    <a:pt x="1873541" y="67855"/>
-                    <a:pt x="1519019" y="-26009"/>
-                    <a:pt x="1515844" y="254364"/>
-                  </a:cubicBezTo>
-                  <a:lnTo>
-                    <a:pt x="1515844" y="809047"/>
-                  </a:lnTo>
-                  <a:cubicBezTo>
-                    <a:pt x="1515844" y="845811"/>
-                    <a:pt x="1486040" y="875615"/>
-                    <a:pt x="1449276" y="875615"/>
-                  </a:cubicBezTo>
-                  <a:lnTo>
-                    <a:pt x="204737" y="875615"/>
-                  </a:lnTo>
-                  <a:cubicBezTo>
-                    <a:pt x="167973" y="875615"/>
-                    <a:pt x="138169" y="845811"/>
-                    <a:pt x="138169" y="809047"/>
-                  </a:cubicBezTo>
-                  <a:cubicBezTo>
-                    <a:pt x="137014" y="599234"/>
-                    <a:pt x="139035" y="471970"/>
-                    <a:pt x="137880" y="262157"/>
-                  </a:cubicBezTo>
-                  <a:close/>
-                </a:path>
-              </a:pathLst>
-            </a:custGeom>
-            <a:gradFill>
-              <a:gsLst>
-                <a:gs pos="8000">
-                  <a:schemeClr val="bg2"/>
-                </a:gs>
-                <a:gs pos="31000">
-                  <a:schemeClr val="tx2"/>
-                </a:gs>
-              </a:gsLst>
-              <a:lin ang="5400000" scaled="0"/>
-            </a:gradFill>
+          </p:grpSpPr>
+          <p:sp>
+            <p:nvSpPr>
+              <p:cNvPr id="9" name="Rounded Rectangle 370">
+                <a:extLst>
+                  <a:ext uri="{FF2B5EF4-FFF2-40B4-BE49-F238E27FC236}">
+                    <a16:creationId xmlns:a16="http://schemas.microsoft.com/office/drawing/2014/main" id="{2667F158-48EA-5048-8BCC-3E029C7677F6}"/>
+                  </a:ext>
+                </a:extLst>
+              </p:cNvPr>
+              <p:cNvSpPr/>
+              <p:nvPr/>
+            </p:nvSpPr>
+            <p:spPr>
+              <a:xfrm>
+                <a:off x="4203485" y="5520221"/>
+                <a:ext cx="1718673" cy="728998"/>
+              </a:xfrm>
+              <a:custGeom>
+                <a:avLst/>
+                <a:gdLst>
+                  <a:gd name="connsiteX0" fmla="*/ 0 w 1377675"/>
+                  <a:gd name="connsiteY0" fmla="*/ 66568 h 1084694"/>
+                  <a:gd name="connsiteX1" fmla="*/ 66568 w 1377675"/>
+                  <a:gd name="connsiteY1" fmla="*/ 0 h 1084694"/>
+                  <a:gd name="connsiteX2" fmla="*/ 1311107 w 1377675"/>
+                  <a:gd name="connsiteY2" fmla="*/ 0 h 1084694"/>
+                  <a:gd name="connsiteX3" fmla="*/ 1377675 w 1377675"/>
+                  <a:gd name="connsiteY3" fmla="*/ 66568 h 1084694"/>
+                  <a:gd name="connsiteX4" fmla="*/ 1377675 w 1377675"/>
+                  <a:gd name="connsiteY4" fmla="*/ 1018126 h 1084694"/>
+                  <a:gd name="connsiteX5" fmla="*/ 1311107 w 1377675"/>
+                  <a:gd name="connsiteY5" fmla="*/ 1084694 h 1084694"/>
+                  <a:gd name="connsiteX6" fmla="*/ 66568 w 1377675"/>
+                  <a:gd name="connsiteY6" fmla="*/ 1084694 h 1084694"/>
+                  <a:gd name="connsiteX7" fmla="*/ 0 w 1377675"/>
+                  <a:gd name="connsiteY7" fmla="*/ 1018126 h 1084694"/>
+                  <a:gd name="connsiteX8" fmla="*/ 0 w 1377675"/>
+                  <a:gd name="connsiteY8" fmla="*/ 66568 h 1084694"/>
+                  <a:gd name="connsiteX0" fmla="*/ 0 w 1377675"/>
+                  <a:gd name="connsiteY0" fmla="*/ 66568 h 1084694"/>
+                  <a:gd name="connsiteX1" fmla="*/ 66568 w 1377675"/>
+                  <a:gd name="connsiteY1" fmla="*/ 0 h 1084694"/>
+                  <a:gd name="connsiteX2" fmla="*/ 1311107 w 1377675"/>
+                  <a:gd name="connsiteY2" fmla="*/ 0 h 1084694"/>
+                  <a:gd name="connsiteX3" fmla="*/ 1377675 w 1377675"/>
+                  <a:gd name="connsiteY3" fmla="*/ 409468 h 1084694"/>
+                  <a:gd name="connsiteX4" fmla="*/ 1377675 w 1377675"/>
+                  <a:gd name="connsiteY4" fmla="*/ 1018126 h 1084694"/>
+                  <a:gd name="connsiteX5" fmla="*/ 1311107 w 1377675"/>
+                  <a:gd name="connsiteY5" fmla="*/ 1084694 h 1084694"/>
+                  <a:gd name="connsiteX6" fmla="*/ 66568 w 1377675"/>
+                  <a:gd name="connsiteY6" fmla="*/ 1084694 h 1084694"/>
+                  <a:gd name="connsiteX7" fmla="*/ 0 w 1377675"/>
+                  <a:gd name="connsiteY7" fmla="*/ 1018126 h 1084694"/>
+                  <a:gd name="connsiteX8" fmla="*/ 0 w 1377675"/>
+                  <a:gd name="connsiteY8" fmla="*/ 66568 h 1084694"/>
+                  <a:gd name="connsiteX0" fmla="*/ 0 w 1381139"/>
+                  <a:gd name="connsiteY0" fmla="*/ 388686 h 1084694"/>
+                  <a:gd name="connsiteX1" fmla="*/ 70032 w 1381139"/>
+                  <a:gd name="connsiteY1" fmla="*/ 0 h 1084694"/>
+                  <a:gd name="connsiteX2" fmla="*/ 1314571 w 1381139"/>
+                  <a:gd name="connsiteY2" fmla="*/ 0 h 1084694"/>
+                  <a:gd name="connsiteX3" fmla="*/ 1381139 w 1381139"/>
+                  <a:gd name="connsiteY3" fmla="*/ 409468 h 1084694"/>
+                  <a:gd name="connsiteX4" fmla="*/ 1381139 w 1381139"/>
+                  <a:gd name="connsiteY4" fmla="*/ 1018126 h 1084694"/>
+                  <a:gd name="connsiteX5" fmla="*/ 1314571 w 1381139"/>
+                  <a:gd name="connsiteY5" fmla="*/ 1084694 h 1084694"/>
+                  <a:gd name="connsiteX6" fmla="*/ 70032 w 1381139"/>
+                  <a:gd name="connsiteY6" fmla="*/ 1084694 h 1084694"/>
+                  <a:gd name="connsiteX7" fmla="*/ 3464 w 1381139"/>
+                  <a:gd name="connsiteY7" fmla="*/ 1018126 h 1084694"/>
+                  <a:gd name="connsiteX8" fmla="*/ 0 w 1381139"/>
+                  <a:gd name="connsiteY8" fmla="*/ 388686 h 1084694"/>
+                  <a:gd name="connsiteX0" fmla="*/ 0 w 3085063"/>
+                  <a:gd name="connsiteY0" fmla="*/ 388686 h 1084694"/>
+                  <a:gd name="connsiteX1" fmla="*/ 70032 w 3085063"/>
+                  <a:gd name="connsiteY1" fmla="*/ 0 h 1084694"/>
+                  <a:gd name="connsiteX2" fmla="*/ 3084489 w 3085063"/>
+                  <a:gd name="connsiteY2" fmla="*/ 256309 h 1084694"/>
+                  <a:gd name="connsiteX3" fmla="*/ 1381139 w 3085063"/>
+                  <a:gd name="connsiteY3" fmla="*/ 409468 h 1084694"/>
+                  <a:gd name="connsiteX4" fmla="*/ 1381139 w 3085063"/>
+                  <a:gd name="connsiteY4" fmla="*/ 1018126 h 1084694"/>
+                  <a:gd name="connsiteX5" fmla="*/ 1314571 w 3085063"/>
+                  <a:gd name="connsiteY5" fmla="*/ 1084694 h 1084694"/>
+                  <a:gd name="connsiteX6" fmla="*/ 70032 w 3085063"/>
+                  <a:gd name="connsiteY6" fmla="*/ 1084694 h 1084694"/>
+                  <a:gd name="connsiteX7" fmla="*/ 3464 w 3085063"/>
+                  <a:gd name="connsiteY7" fmla="*/ 1018126 h 1084694"/>
+                  <a:gd name="connsiteX8" fmla="*/ 0 w 3085063"/>
+                  <a:gd name="connsiteY8" fmla="*/ 388686 h 1084694"/>
+                  <a:gd name="connsiteX0" fmla="*/ 1150005 w 4235068"/>
+                  <a:gd name="connsiteY0" fmla="*/ 132377 h 828385"/>
+                  <a:gd name="connsiteX1" fmla="*/ 837 w 4235068"/>
+                  <a:gd name="connsiteY1" fmla="*/ 3463 h 828385"/>
+                  <a:gd name="connsiteX2" fmla="*/ 4234494 w 4235068"/>
+                  <a:gd name="connsiteY2" fmla="*/ 0 h 828385"/>
+                  <a:gd name="connsiteX3" fmla="*/ 2531144 w 4235068"/>
+                  <a:gd name="connsiteY3" fmla="*/ 153159 h 828385"/>
+                  <a:gd name="connsiteX4" fmla="*/ 2531144 w 4235068"/>
+                  <a:gd name="connsiteY4" fmla="*/ 761817 h 828385"/>
+                  <a:gd name="connsiteX5" fmla="*/ 2464576 w 4235068"/>
+                  <a:gd name="connsiteY5" fmla="*/ 828385 h 828385"/>
+                  <a:gd name="connsiteX6" fmla="*/ 1220037 w 4235068"/>
+                  <a:gd name="connsiteY6" fmla="*/ 828385 h 828385"/>
+                  <a:gd name="connsiteX7" fmla="*/ 1153469 w 4235068"/>
+                  <a:gd name="connsiteY7" fmla="*/ 761817 h 828385"/>
+                  <a:gd name="connsiteX8" fmla="*/ 1150005 w 4235068"/>
+                  <a:gd name="connsiteY8" fmla="*/ 132377 h 828385"/>
+                  <a:gd name="connsiteX0" fmla="*/ 1150005 w 2930911"/>
+                  <a:gd name="connsiteY0" fmla="*/ 128914 h 824922"/>
+                  <a:gd name="connsiteX1" fmla="*/ 837 w 2930911"/>
+                  <a:gd name="connsiteY1" fmla="*/ 0 h 824922"/>
+                  <a:gd name="connsiteX2" fmla="*/ 2928703 w 2930911"/>
+                  <a:gd name="connsiteY2" fmla="*/ 1 h 824922"/>
+                  <a:gd name="connsiteX3" fmla="*/ 2531144 w 2930911"/>
+                  <a:gd name="connsiteY3" fmla="*/ 149696 h 824922"/>
+                  <a:gd name="connsiteX4" fmla="*/ 2531144 w 2930911"/>
+                  <a:gd name="connsiteY4" fmla="*/ 758354 h 824922"/>
+                  <a:gd name="connsiteX5" fmla="*/ 2464576 w 2930911"/>
+                  <a:gd name="connsiteY5" fmla="*/ 824922 h 824922"/>
+                  <a:gd name="connsiteX6" fmla="*/ 1220037 w 2930911"/>
+                  <a:gd name="connsiteY6" fmla="*/ 824922 h 824922"/>
+                  <a:gd name="connsiteX7" fmla="*/ 1153469 w 2930911"/>
+                  <a:gd name="connsiteY7" fmla="*/ 758354 h 824922"/>
+                  <a:gd name="connsiteX8" fmla="*/ 1150005 w 2930911"/>
+                  <a:gd name="connsiteY8" fmla="*/ 128914 h 824922"/>
+                  <a:gd name="connsiteX0" fmla="*/ 1150005 w 2930911"/>
+                  <a:gd name="connsiteY0" fmla="*/ 128914 h 824922"/>
+                  <a:gd name="connsiteX1" fmla="*/ 837 w 2930911"/>
+                  <a:gd name="connsiteY1" fmla="*/ 0 h 824922"/>
+                  <a:gd name="connsiteX2" fmla="*/ 2928703 w 2930911"/>
+                  <a:gd name="connsiteY2" fmla="*/ 1 h 824922"/>
+                  <a:gd name="connsiteX3" fmla="*/ 2531144 w 2930911"/>
+                  <a:gd name="connsiteY3" fmla="*/ 149696 h 824922"/>
+                  <a:gd name="connsiteX4" fmla="*/ 2531144 w 2930911"/>
+                  <a:gd name="connsiteY4" fmla="*/ 758354 h 824922"/>
+                  <a:gd name="connsiteX5" fmla="*/ 2464576 w 2930911"/>
+                  <a:gd name="connsiteY5" fmla="*/ 824922 h 824922"/>
+                  <a:gd name="connsiteX6" fmla="*/ 1220037 w 2930911"/>
+                  <a:gd name="connsiteY6" fmla="*/ 824922 h 824922"/>
+                  <a:gd name="connsiteX7" fmla="*/ 1153469 w 2930911"/>
+                  <a:gd name="connsiteY7" fmla="*/ 758354 h 824922"/>
+                  <a:gd name="connsiteX8" fmla="*/ 1150005 w 2930911"/>
+                  <a:gd name="connsiteY8" fmla="*/ 128914 h 824922"/>
+                  <a:gd name="connsiteX0" fmla="*/ 1150004 w 2930910"/>
+                  <a:gd name="connsiteY0" fmla="*/ 128914 h 824922"/>
+                  <a:gd name="connsiteX1" fmla="*/ 836 w 2930910"/>
+                  <a:gd name="connsiteY1" fmla="*/ 0 h 824922"/>
+                  <a:gd name="connsiteX2" fmla="*/ 2928702 w 2930910"/>
+                  <a:gd name="connsiteY2" fmla="*/ 1 h 824922"/>
+                  <a:gd name="connsiteX3" fmla="*/ 2531143 w 2930910"/>
+                  <a:gd name="connsiteY3" fmla="*/ 149696 h 824922"/>
+                  <a:gd name="connsiteX4" fmla="*/ 2531143 w 2930910"/>
+                  <a:gd name="connsiteY4" fmla="*/ 758354 h 824922"/>
+                  <a:gd name="connsiteX5" fmla="*/ 2464575 w 2930910"/>
+                  <a:gd name="connsiteY5" fmla="*/ 824922 h 824922"/>
+                  <a:gd name="connsiteX6" fmla="*/ 1220036 w 2930910"/>
+                  <a:gd name="connsiteY6" fmla="*/ 824922 h 824922"/>
+                  <a:gd name="connsiteX7" fmla="*/ 1153468 w 2930910"/>
+                  <a:gd name="connsiteY7" fmla="*/ 758354 h 824922"/>
+                  <a:gd name="connsiteX8" fmla="*/ 1150004 w 2930910"/>
+                  <a:gd name="connsiteY8" fmla="*/ 128914 h 824922"/>
+                  <a:gd name="connsiteX0" fmla="*/ 375627 w 2156533"/>
+                  <a:gd name="connsiteY0" fmla="*/ 128913 h 824921"/>
+                  <a:gd name="connsiteX1" fmla="*/ 2314 w 2156533"/>
+                  <a:gd name="connsiteY1" fmla="*/ 6926 h 824921"/>
+                  <a:gd name="connsiteX2" fmla="*/ 2154325 w 2156533"/>
+                  <a:gd name="connsiteY2" fmla="*/ 0 h 824921"/>
+                  <a:gd name="connsiteX3" fmla="*/ 1756766 w 2156533"/>
+                  <a:gd name="connsiteY3" fmla="*/ 149695 h 824921"/>
+                  <a:gd name="connsiteX4" fmla="*/ 1756766 w 2156533"/>
+                  <a:gd name="connsiteY4" fmla="*/ 758353 h 824921"/>
+                  <a:gd name="connsiteX5" fmla="*/ 1690198 w 2156533"/>
+                  <a:gd name="connsiteY5" fmla="*/ 824921 h 824921"/>
+                  <a:gd name="connsiteX6" fmla="*/ 445659 w 2156533"/>
+                  <a:gd name="connsiteY6" fmla="*/ 824921 h 824921"/>
+                  <a:gd name="connsiteX7" fmla="*/ 379091 w 2156533"/>
+                  <a:gd name="connsiteY7" fmla="*/ 758353 h 824921"/>
+                  <a:gd name="connsiteX8" fmla="*/ 375627 w 2156533"/>
+                  <a:gd name="connsiteY8" fmla="*/ 128913 h 824921"/>
+                  <a:gd name="connsiteX0" fmla="*/ 418185 w 2199091"/>
+                  <a:gd name="connsiteY0" fmla="*/ 128913 h 824921"/>
+                  <a:gd name="connsiteX1" fmla="*/ 44872 w 2199091"/>
+                  <a:gd name="connsiteY1" fmla="*/ 6926 h 824921"/>
+                  <a:gd name="connsiteX2" fmla="*/ 2196883 w 2199091"/>
+                  <a:gd name="connsiteY2" fmla="*/ 0 h 824921"/>
+                  <a:gd name="connsiteX3" fmla="*/ 1799324 w 2199091"/>
+                  <a:gd name="connsiteY3" fmla="*/ 149695 h 824921"/>
+                  <a:gd name="connsiteX4" fmla="*/ 1799324 w 2199091"/>
+                  <a:gd name="connsiteY4" fmla="*/ 758353 h 824921"/>
+                  <a:gd name="connsiteX5" fmla="*/ 1732756 w 2199091"/>
+                  <a:gd name="connsiteY5" fmla="*/ 824921 h 824921"/>
+                  <a:gd name="connsiteX6" fmla="*/ 488217 w 2199091"/>
+                  <a:gd name="connsiteY6" fmla="*/ 824921 h 824921"/>
+                  <a:gd name="connsiteX7" fmla="*/ 421649 w 2199091"/>
+                  <a:gd name="connsiteY7" fmla="*/ 758353 h 824921"/>
+                  <a:gd name="connsiteX8" fmla="*/ 418185 w 2199091"/>
+                  <a:gd name="connsiteY8" fmla="*/ 128913 h 824921"/>
+                  <a:gd name="connsiteX0" fmla="*/ 404178 w 2197426"/>
+                  <a:gd name="connsiteY0" fmla="*/ 129381 h 825389"/>
+                  <a:gd name="connsiteX1" fmla="*/ 30865 w 2197426"/>
+                  <a:gd name="connsiteY1" fmla="*/ 7394 h 825389"/>
+                  <a:gd name="connsiteX2" fmla="*/ 2182876 w 2197426"/>
+                  <a:gd name="connsiteY2" fmla="*/ 468 h 825389"/>
+                  <a:gd name="connsiteX3" fmla="*/ 1785317 w 2197426"/>
+                  <a:gd name="connsiteY3" fmla="*/ 150163 h 825389"/>
+                  <a:gd name="connsiteX4" fmla="*/ 1785317 w 2197426"/>
+                  <a:gd name="connsiteY4" fmla="*/ 758821 h 825389"/>
+                  <a:gd name="connsiteX5" fmla="*/ 1718749 w 2197426"/>
+                  <a:gd name="connsiteY5" fmla="*/ 825389 h 825389"/>
+                  <a:gd name="connsiteX6" fmla="*/ 474210 w 2197426"/>
+                  <a:gd name="connsiteY6" fmla="*/ 825389 h 825389"/>
+                  <a:gd name="connsiteX7" fmla="*/ 407642 w 2197426"/>
+                  <a:gd name="connsiteY7" fmla="*/ 758821 h 825389"/>
+                  <a:gd name="connsiteX8" fmla="*/ 404178 w 2197426"/>
+                  <a:gd name="connsiteY8" fmla="*/ 129381 h 825389"/>
+                  <a:gd name="connsiteX0" fmla="*/ 373313 w 2152011"/>
+                  <a:gd name="connsiteY0" fmla="*/ 129381 h 825389"/>
+                  <a:gd name="connsiteX1" fmla="*/ 0 w 2152011"/>
+                  <a:gd name="connsiteY1" fmla="*/ 7394 h 825389"/>
+                  <a:gd name="connsiteX2" fmla="*/ 2152011 w 2152011"/>
+                  <a:gd name="connsiteY2" fmla="*/ 468 h 825389"/>
+                  <a:gd name="connsiteX3" fmla="*/ 1754452 w 2152011"/>
+                  <a:gd name="connsiteY3" fmla="*/ 150163 h 825389"/>
+                  <a:gd name="connsiteX4" fmla="*/ 1754452 w 2152011"/>
+                  <a:gd name="connsiteY4" fmla="*/ 758821 h 825389"/>
+                  <a:gd name="connsiteX5" fmla="*/ 1687884 w 2152011"/>
+                  <a:gd name="connsiteY5" fmla="*/ 825389 h 825389"/>
+                  <a:gd name="connsiteX6" fmla="*/ 443345 w 2152011"/>
+                  <a:gd name="connsiteY6" fmla="*/ 825389 h 825389"/>
+                  <a:gd name="connsiteX7" fmla="*/ 376777 w 2152011"/>
+                  <a:gd name="connsiteY7" fmla="*/ 758821 h 825389"/>
+                  <a:gd name="connsiteX8" fmla="*/ 373313 w 2152011"/>
+                  <a:gd name="connsiteY8" fmla="*/ 129381 h 825389"/>
+                  <a:gd name="connsiteX0" fmla="*/ 436994 w 2018842"/>
+                  <a:gd name="connsiteY0" fmla="*/ 132057 h 828065"/>
+                  <a:gd name="connsiteX1" fmla="*/ 63681 w 2018842"/>
+                  <a:gd name="connsiteY1" fmla="*/ 10070 h 828065"/>
+                  <a:gd name="connsiteX2" fmla="*/ 2018842 w 2018842"/>
+                  <a:gd name="connsiteY2" fmla="*/ 6319 h 828065"/>
+                  <a:gd name="connsiteX3" fmla="*/ 1818133 w 2018842"/>
+                  <a:gd name="connsiteY3" fmla="*/ 152839 h 828065"/>
+                  <a:gd name="connsiteX4" fmla="*/ 1818133 w 2018842"/>
+                  <a:gd name="connsiteY4" fmla="*/ 761497 h 828065"/>
+                  <a:gd name="connsiteX5" fmla="*/ 1751565 w 2018842"/>
+                  <a:gd name="connsiteY5" fmla="*/ 828065 h 828065"/>
+                  <a:gd name="connsiteX6" fmla="*/ 507026 w 2018842"/>
+                  <a:gd name="connsiteY6" fmla="*/ 828065 h 828065"/>
+                  <a:gd name="connsiteX7" fmla="*/ 440458 w 2018842"/>
+                  <a:gd name="connsiteY7" fmla="*/ 761497 h 828065"/>
+                  <a:gd name="connsiteX8" fmla="*/ 436994 w 2018842"/>
+                  <a:gd name="connsiteY8" fmla="*/ 132057 h 828065"/>
+                  <a:gd name="connsiteX0" fmla="*/ 436994 w 2023402"/>
+                  <a:gd name="connsiteY0" fmla="*/ 131514 h 827522"/>
+                  <a:gd name="connsiteX1" fmla="*/ 63681 w 2023402"/>
+                  <a:gd name="connsiteY1" fmla="*/ 9527 h 827522"/>
+                  <a:gd name="connsiteX2" fmla="*/ 2018842 w 2023402"/>
+                  <a:gd name="connsiteY2" fmla="*/ 5776 h 827522"/>
+                  <a:gd name="connsiteX3" fmla="*/ 1818133 w 2023402"/>
+                  <a:gd name="connsiteY3" fmla="*/ 152296 h 827522"/>
+                  <a:gd name="connsiteX4" fmla="*/ 1818133 w 2023402"/>
+                  <a:gd name="connsiteY4" fmla="*/ 760954 h 827522"/>
+                  <a:gd name="connsiteX5" fmla="*/ 1751565 w 2023402"/>
+                  <a:gd name="connsiteY5" fmla="*/ 827522 h 827522"/>
+                  <a:gd name="connsiteX6" fmla="*/ 507026 w 2023402"/>
+                  <a:gd name="connsiteY6" fmla="*/ 827522 h 827522"/>
+                  <a:gd name="connsiteX7" fmla="*/ 440458 w 2023402"/>
+                  <a:gd name="connsiteY7" fmla="*/ 760954 h 827522"/>
+                  <a:gd name="connsiteX8" fmla="*/ 436994 w 2023402"/>
+                  <a:gd name="connsiteY8" fmla="*/ 131514 h 827522"/>
+                  <a:gd name="connsiteX0" fmla="*/ 260186 w 1921406"/>
+                  <a:gd name="connsiteY0" fmla="*/ 144219 h 840227"/>
+                  <a:gd name="connsiteX1" fmla="*/ 83723 w 1921406"/>
+                  <a:gd name="connsiteY1" fmla="*/ 15882 h 840227"/>
+                  <a:gd name="connsiteX2" fmla="*/ 1842034 w 1921406"/>
+                  <a:gd name="connsiteY2" fmla="*/ 18481 h 840227"/>
+                  <a:gd name="connsiteX3" fmla="*/ 1641325 w 1921406"/>
+                  <a:gd name="connsiteY3" fmla="*/ 165001 h 840227"/>
+                  <a:gd name="connsiteX4" fmla="*/ 1641325 w 1921406"/>
+                  <a:gd name="connsiteY4" fmla="*/ 773659 h 840227"/>
+                  <a:gd name="connsiteX5" fmla="*/ 1574757 w 1921406"/>
+                  <a:gd name="connsiteY5" fmla="*/ 840227 h 840227"/>
+                  <a:gd name="connsiteX6" fmla="*/ 330218 w 1921406"/>
+                  <a:gd name="connsiteY6" fmla="*/ 840227 h 840227"/>
+                  <a:gd name="connsiteX7" fmla="*/ 263650 w 1921406"/>
+                  <a:gd name="connsiteY7" fmla="*/ 773659 h 840227"/>
+                  <a:gd name="connsiteX8" fmla="*/ 260186 w 1921406"/>
+                  <a:gd name="connsiteY8" fmla="*/ 144219 h 840227"/>
+                  <a:gd name="connsiteX0" fmla="*/ 184184 w 1845404"/>
+                  <a:gd name="connsiteY0" fmla="*/ 137193 h 833201"/>
+                  <a:gd name="connsiteX1" fmla="*/ 7721 w 1845404"/>
+                  <a:gd name="connsiteY1" fmla="*/ 8856 h 833201"/>
+                  <a:gd name="connsiteX2" fmla="*/ 1766032 w 1845404"/>
+                  <a:gd name="connsiteY2" fmla="*/ 11455 h 833201"/>
+                  <a:gd name="connsiteX3" fmla="*/ 1565323 w 1845404"/>
+                  <a:gd name="connsiteY3" fmla="*/ 157975 h 833201"/>
+                  <a:gd name="connsiteX4" fmla="*/ 1565323 w 1845404"/>
+                  <a:gd name="connsiteY4" fmla="*/ 766633 h 833201"/>
+                  <a:gd name="connsiteX5" fmla="*/ 1498755 w 1845404"/>
+                  <a:gd name="connsiteY5" fmla="*/ 833201 h 833201"/>
+                  <a:gd name="connsiteX6" fmla="*/ 254216 w 1845404"/>
+                  <a:gd name="connsiteY6" fmla="*/ 833201 h 833201"/>
+                  <a:gd name="connsiteX7" fmla="*/ 187648 w 1845404"/>
+                  <a:gd name="connsiteY7" fmla="*/ 766633 h 833201"/>
+                  <a:gd name="connsiteX8" fmla="*/ 184184 w 1845404"/>
+                  <a:gd name="connsiteY8" fmla="*/ 137193 h 833201"/>
+                  <a:gd name="connsiteX0" fmla="*/ 254154 w 1839241"/>
+                  <a:gd name="connsiteY0" fmla="*/ 147999 h 844007"/>
+                  <a:gd name="connsiteX1" fmla="*/ 77691 w 1839241"/>
+                  <a:gd name="connsiteY1" fmla="*/ 19662 h 844007"/>
+                  <a:gd name="connsiteX2" fmla="*/ 1747102 w 1839241"/>
+                  <a:gd name="connsiteY2" fmla="*/ 15911 h 844007"/>
+                  <a:gd name="connsiteX3" fmla="*/ 1635293 w 1839241"/>
+                  <a:gd name="connsiteY3" fmla="*/ 168781 h 844007"/>
+                  <a:gd name="connsiteX4" fmla="*/ 1635293 w 1839241"/>
+                  <a:gd name="connsiteY4" fmla="*/ 777439 h 844007"/>
+                  <a:gd name="connsiteX5" fmla="*/ 1568725 w 1839241"/>
+                  <a:gd name="connsiteY5" fmla="*/ 844007 h 844007"/>
+                  <a:gd name="connsiteX6" fmla="*/ 324186 w 1839241"/>
+                  <a:gd name="connsiteY6" fmla="*/ 844007 h 844007"/>
+                  <a:gd name="connsiteX7" fmla="*/ 257618 w 1839241"/>
+                  <a:gd name="connsiteY7" fmla="*/ 777439 h 844007"/>
+                  <a:gd name="connsiteX8" fmla="*/ 254154 w 1839241"/>
+                  <a:gd name="connsiteY8" fmla="*/ 147999 h 844007"/>
+                  <a:gd name="connsiteX0" fmla="*/ 254154 w 1752323"/>
+                  <a:gd name="connsiteY0" fmla="*/ 139925 h 835933"/>
+                  <a:gd name="connsiteX1" fmla="*/ 77691 w 1752323"/>
+                  <a:gd name="connsiteY1" fmla="*/ 11588 h 835933"/>
+                  <a:gd name="connsiteX2" fmla="*/ 1747102 w 1752323"/>
+                  <a:gd name="connsiteY2" fmla="*/ 7837 h 835933"/>
+                  <a:gd name="connsiteX3" fmla="*/ 1635293 w 1752323"/>
+                  <a:gd name="connsiteY3" fmla="*/ 160707 h 835933"/>
+                  <a:gd name="connsiteX4" fmla="*/ 1635293 w 1752323"/>
+                  <a:gd name="connsiteY4" fmla="*/ 769365 h 835933"/>
+                  <a:gd name="connsiteX5" fmla="*/ 1568725 w 1752323"/>
+                  <a:gd name="connsiteY5" fmla="*/ 835933 h 835933"/>
+                  <a:gd name="connsiteX6" fmla="*/ 324186 w 1752323"/>
+                  <a:gd name="connsiteY6" fmla="*/ 835933 h 835933"/>
+                  <a:gd name="connsiteX7" fmla="*/ 257618 w 1752323"/>
+                  <a:gd name="connsiteY7" fmla="*/ 769365 h 835933"/>
+                  <a:gd name="connsiteX8" fmla="*/ 254154 w 1752323"/>
+                  <a:gd name="connsiteY8" fmla="*/ 139925 h 835933"/>
+                  <a:gd name="connsiteX0" fmla="*/ 256302 w 1786136"/>
+                  <a:gd name="connsiteY0" fmla="*/ 138666 h 834674"/>
+                  <a:gd name="connsiteX1" fmla="*/ 79839 w 1786136"/>
+                  <a:gd name="connsiteY1" fmla="*/ 10329 h 834674"/>
+                  <a:gd name="connsiteX2" fmla="*/ 1781000 w 1786136"/>
+                  <a:gd name="connsiteY2" fmla="*/ 9753 h 834674"/>
+                  <a:gd name="connsiteX3" fmla="*/ 1637441 w 1786136"/>
+                  <a:gd name="connsiteY3" fmla="*/ 159448 h 834674"/>
+                  <a:gd name="connsiteX4" fmla="*/ 1637441 w 1786136"/>
+                  <a:gd name="connsiteY4" fmla="*/ 768106 h 834674"/>
+                  <a:gd name="connsiteX5" fmla="*/ 1570873 w 1786136"/>
+                  <a:gd name="connsiteY5" fmla="*/ 834674 h 834674"/>
+                  <a:gd name="connsiteX6" fmla="*/ 326334 w 1786136"/>
+                  <a:gd name="connsiteY6" fmla="*/ 834674 h 834674"/>
+                  <a:gd name="connsiteX7" fmla="*/ 259766 w 1786136"/>
+                  <a:gd name="connsiteY7" fmla="*/ 768106 h 834674"/>
+                  <a:gd name="connsiteX8" fmla="*/ 256302 w 1786136"/>
+                  <a:gd name="connsiteY8" fmla="*/ 138666 h 834674"/>
+                  <a:gd name="connsiteX0" fmla="*/ 181625 w 1710512"/>
+                  <a:gd name="connsiteY0" fmla="*/ 130557 h 826565"/>
+                  <a:gd name="connsiteX1" fmla="*/ 5162 w 1710512"/>
+                  <a:gd name="connsiteY1" fmla="*/ 2220 h 826565"/>
+                  <a:gd name="connsiteX2" fmla="*/ 1706323 w 1710512"/>
+                  <a:gd name="connsiteY2" fmla="*/ 1644 h 826565"/>
+                  <a:gd name="connsiteX3" fmla="*/ 1562764 w 1710512"/>
+                  <a:gd name="connsiteY3" fmla="*/ 151339 h 826565"/>
+                  <a:gd name="connsiteX4" fmla="*/ 1562764 w 1710512"/>
+                  <a:gd name="connsiteY4" fmla="*/ 759997 h 826565"/>
+                  <a:gd name="connsiteX5" fmla="*/ 1496196 w 1710512"/>
+                  <a:gd name="connsiteY5" fmla="*/ 826565 h 826565"/>
+                  <a:gd name="connsiteX6" fmla="*/ 251657 w 1710512"/>
+                  <a:gd name="connsiteY6" fmla="*/ 826565 h 826565"/>
+                  <a:gd name="connsiteX7" fmla="*/ 185089 w 1710512"/>
+                  <a:gd name="connsiteY7" fmla="*/ 759997 h 826565"/>
+                  <a:gd name="connsiteX8" fmla="*/ 181625 w 1710512"/>
+                  <a:gd name="connsiteY8" fmla="*/ 130557 h 826565"/>
+                  <a:gd name="connsiteX0" fmla="*/ 157442 w 1767509"/>
+                  <a:gd name="connsiteY0" fmla="*/ 139313 h 835321"/>
+                  <a:gd name="connsiteX1" fmla="*/ 6379 w 1767509"/>
+                  <a:gd name="connsiteY1" fmla="*/ 14151 h 835321"/>
+                  <a:gd name="connsiteX2" fmla="*/ 1682140 w 1767509"/>
+                  <a:gd name="connsiteY2" fmla="*/ 10400 h 835321"/>
+                  <a:gd name="connsiteX3" fmla="*/ 1538581 w 1767509"/>
+                  <a:gd name="connsiteY3" fmla="*/ 160095 h 835321"/>
+                  <a:gd name="connsiteX4" fmla="*/ 1538581 w 1767509"/>
+                  <a:gd name="connsiteY4" fmla="*/ 768753 h 835321"/>
+                  <a:gd name="connsiteX5" fmla="*/ 1472013 w 1767509"/>
+                  <a:gd name="connsiteY5" fmla="*/ 835321 h 835321"/>
+                  <a:gd name="connsiteX6" fmla="*/ 227474 w 1767509"/>
+                  <a:gd name="connsiteY6" fmla="*/ 835321 h 835321"/>
+                  <a:gd name="connsiteX7" fmla="*/ 160906 w 1767509"/>
+                  <a:gd name="connsiteY7" fmla="*/ 768753 h 835321"/>
+                  <a:gd name="connsiteX8" fmla="*/ 157442 w 1767509"/>
+                  <a:gd name="connsiteY8" fmla="*/ 139313 h 835321"/>
+                  <a:gd name="connsiteX0" fmla="*/ 155631 w 1765698"/>
+                  <a:gd name="connsiteY0" fmla="*/ 139999 h 836007"/>
+                  <a:gd name="connsiteX1" fmla="*/ 4568 w 1765698"/>
+                  <a:gd name="connsiteY1" fmla="*/ 14837 h 836007"/>
+                  <a:gd name="connsiteX2" fmla="*/ 1680329 w 1765698"/>
+                  <a:gd name="connsiteY2" fmla="*/ 11086 h 836007"/>
+                  <a:gd name="connsiteX3" fmla="*/ 1536770 w 1765698"/>
+                  <a:gd name="connsiteY3" fmla="*/ 160781 h 836007"/>
+                  <a:gd name="connsiteX4" fmla="*/ 1536770 w 1765698"/>
+                  <a:gd name="connsiteY4" fmla="*/ 769439 h 836007"/>
+                  <a:gd name="connsiteX5" fmla="*/ 1470202 w 1765698"/>
+                  <a:gd name="connsiteY5" fmla="*/ 836007 h 836007"/>
+                  <a:gd name="connsiteX6" fmla="*/ 225663 w 1765698"/>
+                  <a:gd name="connsiteY6" fmla="*/ 836007 h 836007"/>
+                  <a:gd name="connsiteX7" fmla="*/ 159095 w 1765698"/>
+                  <a:gd name="connsiteY7" fmla="*/ 769439 h 836007"/>
+                  <a:gd name="connsiteX8" fmla="*/ 155631 w 1765698"/>
+                  <a:gd name="connsiteY8" fmla="*/ 139999 h 836007"/>
+                  <a:gd name="connsiteX0" fmla="*/ 155631 w 1765698"/>
+                  <a:gd name="connsiteY0" fmla="*/ 139999 h 836007"/>
+                  <a:gd name="connsiteX1" fmla="*/ 4568 w 1765698"/>
+                  <a:gd name="connsiteY1" fmla="*/ 14837 h 836007"/>
+                  <a:gd name="connsiteX2" fmla="*/ 1680329 w 1765698"/>
+                  <a:gd name="connsiteY2" fmla="*/ 11086 h 836007"/>
+                  <a:gd name="connsiteX3" fmla="*/ 1536770 w 1765698"/>
+                  <a:gd name="connsiteY3" fmla="*/ 160781 h 836007"/>
+                  <a:gd name="connsiteX4" fmla="*/ 1536770 w 1765698"/>
+                  <a:gd name="connsiteY4" fmla="*/ 769439 h 836007"/>
+                  <a:gd name="connsiteX5" fmla="*/ 1470202 w 1765698"/>
+                  <a:gd name="connsiteY5" fmla="*/ 836007 h 836007"/>
+                  <a:gd name="connsiteX6" fmla="*/ 225663 w 1765698"/>
+                  <a:gd name="connsiteY6" fmla="*/ 836007 h 836007"/>
+                  <a:gd name="connsiteX7" fmla="*/ 159095 w 1765698"/>
+                  <a:gd name="connsiteY7" fmla="*/ 769439 h 836007"/>
+                  <a:gd name="connsiteX8" fmla="*/ 155631 w 1765698"/>
+                  <a:gd name="connsiteY8" fmla="*/ 139999 h 836007"/>
+                  <a:gd name="connsiteX0" fmla="*/ 154777 w 1684351"/>
+                  <a:gd name="connsiteY0" fmla="*/ 131536 h 827544"/>
+                  <a:gd name="connsiteX1" fmla="*/ 3714 w 1684351"/>
+                  <a:gd name="connsiteY1" fmla="*/ 6374 h 827544"/>
+                  <a:gd name="connsiteX2" fmla="*/ 1679475 w 1684351"/>
+                  <a:gd name="connsiteY2" fmla="*/ 2623 h 827544"/>
+                  <a:gd name="connsiteX3" fmla="*/ 1535916 w 1684351"/>
+                  <a:gd name="connsiteY3" fmla="*/ 152318 h 827544"/>
+                  <a:gd name="connsiteX4" fmla="*/ 1535916 w 1684351"/>
+                  <a:gd name="connsiteY4" fmla="*/ 760976 h 827544"/>
+                  <a:gd name="connsiteX5" fmla="*/ 1469348 w 1684351"/>
+                  <a:gd name="connsiteY5" fmla="*/ 827544 h 827544"/>
+                  <a:gd name="connsiteX6" fmla="*/ 224809 w 1684351"/>
+                  <a:gd name="connsiteY6" fmla="*/ 827544 h 827544"/>
+                  <a:gd name="connsiteX7" fmla="*/ 158241 w 1684351"/>
+                  <a:gd name="connsiteY7" fmla="*/ 760976 h 827544"/>
+                  <a:gd name="connsiteX8" fmla="*/ 154777 w 1684351"/>
+                  <a:gd name="connsiteY8" fmla="*/ 131536 h 827544"/>
+                  <a:gd name="connsiteX0" fmla="*/ 236936 w 1786555"/>
+                  <a:gd name="connsiteY0" fmla="*/ 135949 h 831957"/>
+                  <a:gd name="connsiteX1" fmla="*/ 85873 w 1786555"/>
+                  <a:gd name="connsiteY1" fmla="*/ 10787 h 831957"/>
+                  <a:gd name="connsiteX2" fmla="*/ 1780684 w 1786555"/>
+                  <a:gd name="connsiteY2" fmla="*/ 10211 h 831957"/>
+                  <a:gd name="connsiteX3" fmla="*/ 1618075 w 1786555"/>
+                  <a:gd name="connsiteY3" fmla="*/ 156731 h 831957"/>
+                  <a:gd name="connsiteX4" fmla="*/ 1618075 w 1786555"/>
+                  <a:gd name="connsiteY4" fmla="*/ 765389 h 831957"/>
+                  <a:gd name="connsiteX5" fmla="*/ 1551507 w 1786555"/>
+                  <a:gd name="connsiteY5" fmla="*/ 831957 h 831957"/>
+                  <a:gd name="connsiteX6" fmla="*/ 306968 w 1786555"/>
+                  <a:gd name="connsiteY6" fmla="*/ 831957 h 831957"/>
+                  <a:gd name="connsiteX7" fmla="*/ 240400 w 1786555"/>
+                  <a:gd name="connsiteY7" fmla="*/ 765389 h 831957"/>
+                  <a:gd name="connsiteX8" fmla="*/ 236936 w 1786555"/>
+                  <a:gd name="connsiteY8" fmla="*/ 135949 h 831957"/>
+                  <a:gd name="connsiteX0" fmla="*/ 157046 w 1705555"/>
+                  <a:gd name="connsiteY0" fmla="*/ 128377 h 824385"/>
+                  <a:gd name="connsiteX1" fmla="*/ 5983 w 1705555"/>
+                  <a:gd name="connsiteY1" fmla="*/ 3215 h 824385"/>
+                  <a:gd name="connsiteX2" fmla="*/ 1700794 w 1705555"/>
+                  <a:gd name="connsiteY2" fmla="*/ 2639 h 824385"/>
+                  <a:gd name="connsiteX3" fmla="*/ 1538185 w 1705555"/>
+                  <a:gd name="connsiteY3" fmla="*/ 149159 h 824385"/>
+                  <a:gd name="connsiteX4" fmla="*/ 1538185 w 1705555"/>
+                  <a:gd name="connsiteY4" fmla="*/ 757817 h 824385"/>
+                  <a:gd name="connsiteX5" fmla="*/ 1471617 w 1705555"/>
+                  <a:gd name="connsiteY5" fmla="*/ 824385 h 824385"/>
+                  <a:gd name="connsiteX6" fmla="*/ 227078 w 1705555"/>
+                  <a:gd name="connsiteY6" fmla="*/ 824385 h 824385"/>
+                  <a:gd name="connsiteX7" fmla="*/ 160510 w 1705555"/>
+                  <a:gd name="connsiteY7" fmla="*/ 757817 h 824385"/>
+                  <a:gd name="connsiteX8" fmla="*/ 157046 w 1705555"/>
+                  <a:gd name="connsiteY8" fmla="*/ 128377 h 824385"/>
+                  <a:gd name="connsiteX0" fmla="*/ 158360 w 1784749"/>
+                  <a:gd name="connsiteY0" fmla="*/ 140824 h 836832"/>
+                  <a:gd name="connsiteX1" fmla="*/ 7297 w 1784749"/>
+                  <a:gd name="connsiteY1" fmla="*/ 15662 h 836832"/>
+                  <a:gd name="connsiteX2" fmla="*/ 1702108 w 1784749"/>
+                  <a:gd name="connsiteY2" fmla="*/ 15086 h 836832"/>
+                  <a:gd name="connsiteX3" fmla="*/ 1539499 w 1784749"/>
+                  <a:gd name="connsiteY3" fmla="*/ 215581 h 836832"/>
+                  <a:gd name="connsiteX4" fmla="*/ 1539499 w 1784749"/>
+                  <a:gd name="connsiteY4" fmla="*/ 770264 h 836832"/>
+                  <a:gd name="connsiteX5" fmla="*/ 1472931 w 1784749"/>
+                  <a:gd name="connsiteY5" fmla="*/ 836832 h 836832"/>
+                  <a:gd name="connsiteX6" fmla="*/ 228392 w 1784749"/>
+                  <a:gd name="connsiteY6" fmla="*/ 836832 h 836832"/>
+                  <a:gd name="connsiteX7" fmla="*/ 161824 w 1784749"/>
+                  <a:gd name="connsiteY7" fmla="*/ 770264 h 836832"/>
+                  <a:gd name="connsiteX8" fmla="*/ 158360 w 1784749"/>
+                  <a:gd name="connsiteY8" fmla="*/ 140824 h 836832"/>
+                  <a:gd name="connsiteX0" fmla="*/ 239426 w 1862640"/>
+                  <a:gd name="connsiteY0" fmla="*/ 233513 h 846971"/>
+                  <a:gd name="connsiteX1" fmla="*/ 85188 w 1862640"/>
+                  <a:gd name="connsiteY1" fmla="*/ 25801 h 846971"/>
+                  <a:gd name="connsiteX2" fmla="*/ 1779999 w 1862640"/>
+                  <a:gd name="connsiteY2" fmla="*/ 25225 h 846971"/>
+                  <a:gd name="connsiteX3" fmla="*/ 1617390 w 1862640"/>
+                  <a:gd name="connsiteY3" fmla="*/ 225720 h 846971"/>
+                  <a:gd name="connsiteX4" fmla="*/ 1617390 w 1862640"/>
+                  <a:gd name="connsiteY4" fmla="*/ 780403 h 846971"/>
+                  <a:gd name="connsiteX5" fmla="*/ 1550822 w 1862640"/>
+                  <a:gd name="connsiteY5" fmla="*/ 846971 h 846971"/>
+                  <a:gd name="connsiteX6" fmla="*/ 306283 w 1862640"/>
+                  <a:gd name="connsiteY6" fmla="*/ 846971 h 846971"/>
+                  <a:gd name="connsiteX7" fmla="*/ 239715 w 1862640"/>
+                  <a:gd name="connsiteY7" fmla="*/ 780403 h 846971"/>
+                  <a:gd name="connsiteX8" fmla="*/ 239426 w 1862640"/>
+                  <a:gd name="connsiteY8" fmla="*/ 233513 h 846971"/>
+                  <a:gd name="connsiteX0" fmla="*/ 238598 w 1861812"/>
+                  <a:gd name="connsiteY0" fmla="*/ 233513 h 846971"/>
+                  <a:gd name="connsiteX1" fmla="*/ 84360 w 1861812"/>
+                  <a:gd name="connsiteY1" fmla="*/ 25801 h 846971"/>
+                  <a:gd name="connsiteX2" fmla="*/ 1779171 w 1861812"/>
+                  <a:gd name="connsiteY2" fmla="*/ 25225 h 846971"/>
+                  <a:gd name="connsiteX3" fmla="*/ 1616562 w 1861812"/>
+                  <a:gd name="connsiteY3" fmla="*/ 225720 h 846971"/>
+                  <a:gd name="connsiteX4" fmla="*/ 1616562 w 1861812"/>
+                  <a:gd name="connsiteY4" fmla="*/ 780403 h 846971"/>
+                  <a:gd name="connsiteX5" fmla="*/ 1549994 w 1861812"/>
+                  <a:gd name="connsiteY5" fmla="*/ 846971 h 846971"/>
+                  <a:gd name="connsiteX6" fmla="*/ 305455 w 1861812"/>
+                  <a:gd name="connsiteY6" fmla="*/ 846971 h 846971"/>
+                  <a:gd name="connsiteX7" fmla="*/ 238887 w 1861812"/>
+                  <a:gd name="connsiteY7" fmla="*/ 780403 h 846971"/>
+                  <a:gd name="connsiteX8" fmla="*/ 238598 w 1861812"/>
+                  <a:gd name="connsiteY8" fmla="*/ 233513 h 846971"/>
+                  <a:gd name="connsiteX0" fmla="*/ 238598 w 1862214"/>
+                  <a:gd name="connsiteY0" fmla="*/ 233513 h 846971"/>
+                  <a:gd name="connsiteX1" fmla="*/ 84360 w 1862214"/>
+                  <a:gd name="connsiteY1" fmla="*/ 25801 h 846971"/>
+                  <a:gd name="connsiteX2" fmla="*/ 1779171 w 1862214"/>
+                  <a:gd name="connsiteY2" fmla="*/ 25225 h 846971"/>
+                  <a:gd name="connsiteX3" fmla="*/ 1616562 w 1862214"/>
+                  <a:gd name="connsiteY3" fmla="*/ 225720 h 846971"/>
+                  <a:gd name="connsiteX4" fmla="*/ 1616562 w 1862214"/>
+                  <a:gd name="connsiteY4" fmla="*/ 780403 h 846971"/>
+                  <a:gd name="connsiteX5" fmla="*/ 1549994 w 1862214"/>
+                  <a:gd name="connsiteY5" fmla="*/ 846971 h 846971"/>
+                  <a:gd name="connsiteX6" fmla="*/ 305455 w 1862214"/>
+                  <a:gd name="connsiteY6" fmla="*/ 846971 h 846971"/>
+                  <a:gd name="connsiteX7" fmla="*/ 238887 w 1862214"/>
+                  <a:gd name="connsiteY7" fmla="*/ 780403 h 846971"/>
+                  <a:gd name="connsiteX8" fmla="*/ 238598 w 1862214"/>
+                  <a:gd name="connsiteY8" fmla="*/ 233513 h 846971"/>
+                  <a:gd name="connsiteX0" fmla="*/ 238160 w 1856323"/>
+                  <a:gd name="connsiteY0" fmla="*/ 248080 h 861538"/>
+                  <a:gd name="connsiteX1" fmla="*/ 83922 w 1856323"/>
+                  <a:gd name="connsiteY1" fmla="*/ 40368 h 861538"/>
+                  <a:gd name="connsiteX2" fmla="*/ 1772383 w 1856323"/>
+                  <a:gd name="connsiteY2" fmla="*/ 17567 h 861538"/>
+                  <a:gd name="connsiteX3" fmla="*/ 1616124 w 1856323"/>
+                  <a:gd name="connsiteY3" fmla="*/ 240287 h 861538"/>
+                  <a:gd name="connsiteX4" fmla="*/ 1616124 w 1856323"/>
+                  <a:gd name="connsiteY4" fmla="*/ 794970 h 861538"/>
+                  <a:gd name="connsiteX5" fmla="*/ 1549556 w 1856323"/>
+                  <a:gd name="connsiteY5" fmla="*/ 861538 h 861538"/>
+                  <a:gd name="connsiteX6" fmla="*/ 305017 w 1856323"/>
+                  <a:gd name="connsiteY6" fmla="*/ 861538 h 861538"/>
+                  <a:gd name="connsiteX7" fmla="*/ 238449 w 1856323"/>
+                  <a:gd name="connsiteY7" fmla="*/ 794970 h 861538"/>
+                  <a:gd name="connsiteX8" fmla="*/ 238160 w 1856323"/>
+                  <a:gd name="connsiteY8" fmla="*/ 248080 h 861538"/>
+                  <a:gd name="connsiteX0" fmla="*/ 238160 w 1785863"/>
+                  <a:gd name="connsiteY0" fmla="*/ 242493 h 855951"/>
+                  <a:gd name="connsiteX1" fmla="*/ 83922 w 1785863"/>
+                  <a:gd name="connsiteY1" fmla="*/ 34781 h 855951"/>
+                  <a:gd name="connsiteX2" fmla="*/ 1772383 w 1785863"/>
+                  <a:gd name="connsiteY2" fmla="*/ 11980 h 855951"/>
+                  <a:gd name="connsiteX3" fmla="*/ 1616124 w 1785863"/>
+                  <a:gd name="connsiteY3" fmla="*/ 234700 h 855951"/>
+                  <a:gd name="connsiteX4" fmla="*/ 1616124 w 1785863"/>
+                  <a:gd name="connsiteY4" fmla="*/ 789383 h 855951"/>
+                  <a:gd name="connsiteX5" fmla="*/ 1549556 w 1785863"/>
+                  <a:gd name="connsiteY5" fmla="*/ 855951 h 855951"/>
+                  <a:gd name="connsiteX6" fmla="*/ 305017 w 1785863"/>
+                  <a:gd name="connsiteY6" fmla="*/ 855951 h 855951"/>
+                  <a:gd name="connsiteX7" fmla="*/ 238449 w 1785863"/>
+                  <a:gd name="connsiteY7" fmla="*/ 789383 h 855951"/>
+                  <a:gd name="connsiteX8" fmla="*/ 238160 w 1785863"/>
+                  <a:gd name="connsiteY8" fmla="*/ 242493 h 855951"/>
+                  <a:gd name="connsiteX0" fmla="*/ 239914 w 1812854"/>
+                  <a:gd name="connsiteY0" fmla="*/ 232326 h 845784"/>
+                  <a:gd name="connsiteX1" fmla="*/ 85676 w 1812854"/>
+                  <a:gd name="connsiteY1" fmla="*/ 24614 h 845784"/>
+                  <a:gd name="connsiteX2" fmla="*/ 1799537 w 1812854"/>
+                  <a:gd name="connsiteY2" fmla="*/ 17688 h 845784"/>
+                  <a:gd name="connsiteX3" fmla="*/ 1617878 w 1812854"/>
+                  <a:gd name="connsiteY3" fmla="*/ 224533 h 845784"/>
+                  <a:gd name="connsiteX4" fmla="*/ 1617878 w 1812854"/>
+                  <a:gd name="connsiteY4" fmla="*/ 779216 h 845784"/>
+                  <a:gd name="connsiteX5" fmla="*/ 1551310 w 1812854"/>
+                  <a:gd name="connsiteY5" fmla="*/ 845784 h 845784"/>
+                  <a:gd name="connsiteX6" fmla="*/ 306771 w 1812854"/>
+                  <a:gd name="connsiteY6" fmla="*/ 845784 h 845784"/>
+                  <a:gd name="connsiteX7" fmla="*/ 240203 w 1812854"/>
+                  <a:gd name="connsiteY7" fmla="*/ 779216 h 845784"/>
+                  <a:gd name="connsiteX8" fmla="*/ 239914 w 1812854"/>
+                  <a:gd name="connsiteY8" fmla="*/ 232326 h 845784"/>
+                  <a:gd name="connsiteX0" fmla="*/ 241013 w 1829728"/>
+                  <a:gd name="connsiteY0" fmla="*/ 230621 h 844079"/>
+                  <a:gd name="connsiteX1" fmla="*/ 86775 w 1829728"/>
+                  <a:gd name="connsiteY1" fmla="*/ 22909 h 844079"/>
+                  <a:gd name="connsiteX2" fmla="*/ 1816511 w 1829728"/>
+                  <a:gd name="connsiteY2" fmla="*/ 19158 h 844079"/>
+                  <a:gd name="connsiteX3" fmla="*/ 1618977 w 1829728"/>
+                  <a:gd name="connsiteY3" fmla="*/ 222828 h 844079"/>
+                  <a:gd name="connsiteX4" fmla="*/ 1618977 w 1829728"/>
+                  <a:gd name="connsiteY4" fmla="*/ 777511 h 844079"/>
+                  <a:gd name="connsiteX5" fmla="*/ 1552409 w 1829728"/>
+                  <a:gd name="connsiteY5" fmla="*/ 844079 h 844079"/>
+                  <a:gd name="connsiteX6" fmla="*/ 307870 w 1829728"/>
+                  <a:gd name="connsiteY6" fmla="*/ 844079 h 844079"/>
+                  <a:gd name="connsiteX7" fmla="*/ 241302 w 1829728"/>
+                  <a:gd name="connsiteY7" fmla="*/ 777511 h 844079"/>
+                  <a:gd name="connsiteX8" fmla="*/ 241013 w 1829728"/>
+                  <a:gd name="connsiteY8" fmla="*/ 230621 h 844079"/>
+                  <a:gd name="connsiteX0" fmla="*/ 241013 w 1829728"/>
+                  <a:gd name="connsiteY0" fmla="*/ 224021 h 837479"/>
+                  <a:gd name="connsiteX1" fmla="*/ 86775 w 1829728"/>
+                  <a:gd name="connsiteY1" fmla="*/ 16309 h 837479"/>
+                  <a:gd name="connsiteX2" fmla="*/ 1816511 w 1829728"/>
+                  <a:gd name="connsiteY2" fmla="*/ 12558 h 837479"/>
+                  <a:gd name="connsiteX3" fmla="*/ 1618977 w 1829728"/>
+                  <a:gd name="connsiteY3" fmla="*/ 216228 h 837479"/>
+                  <a:gd name="connsiteX4" fmla="*/ 1618977 w 1829728"/>
+                  <a:gd name="connsiteY4" fmla="*/ 770911 h 837479"/>
+                  <a:gd name="connsiteX5" fmla="*/ 1552409 w 1829728"/>
+                  <a:gd name="connsiteY5" fmla="*/ 837479 h 837479"/>
+                  <a:gd name="connsiteX6" fmla="*/ 307870 w 1829728"/>
+                  <a:gd name="connsiteY6" fmla="*/ 837479 h 837479"/>
+                  <a:gd name="connsiteX7" fmla="*/ 241302 w 1829728"/>
+                  <a:gd name="connsiteY7" fmla="*/ 770911 h 837479"/>
+                  <a:gd name="connsiteX8" fmla="*/ 241013 w 1829728"/>
+                  <a:gd name="connsiteY8" fmla="*/ 224021 h 837479"/>
+                  <a:gd name="connsiteX0" fmla="*/ 241013 w 1829728"/>
+                  <a:gd name="connsiteY0" fmla="*/ 224021 h 837479"/>
+                  <a:gd name="connsiteX1" fmla="*/ 86775 w 1829728"/>
+                  <a:gd name="connsiteY1" fmla="*/ 16309 h 837479"/>
+                  <a:gd name="connsiteX2" fmla="*/ 1816511 w 1829728"/>
+                  <a:gd name="connsiteY2" fmla="*/ 12558 h 837479"/>
+                  <a:gd name="connsiteX3" fmla="*/ 1618977 w 1829728"/>
+                  <a:gd name="connsiteY3" fmla="*/ 216228 h 837479"/>
+                  <a:gd name="connsiteX4" fmla="*/ 1618977 w 1829728"/>
+                  <a:gd name="connsiteY4" fmla="*/ 770911 h 837479"/>
+                  <a:gd name="connsiteX5" fmla="*/ 1552409 w 1829728"/>
+                  <a:gd name="connsiteY5" fmla="*/ 837479 h 837479"/>
+                  <a:gd name="connsiteX6" fmla="*/ 307870 w 1829728"/>
+                  <a:gd name="connsiteY6" fmla="*/ 837479 h 837479"/>
+                  <a:gd name="connsiteX7" fmla="*/ 241302 w 1829728"/>
+                  <a:gd name="connsiteY7" fmla="*/ 770911 h 837479"/>
+                  <a:gd name="connsiteX8" fmla="*/ 241013 w 1829728"/>
+                  <a:gd name="connsiteY8" fmla="*/ 224021 h 837479"/>
+                  <a:gd name="connsiteX0" fmla="*/ 216773 w 1868784"/>
+                  <a:gd name="connsiteY0" fmla="*/ 251658 h 865116"/>
+                  <a:gd name="connsiteX1" fmla="*/ 91110 w 1868784"/>
+                  <a:gd name="connsiteY1" fmla="*/ 18546 h 865116"/>
+                  <a:gd name="connsiteX2" fmla="*/ 1792271 w 1868784"/>
+                  <a:gd name="connsiteY2" fmla="*/ 40195 h 865116"/>
+                  <a:gd name="connsiteX3" fmla="*/ 1594737 w 1868784"/>
+                  <a:gd name="connsiteY3" fmla="*/ 243865 h 865116"/>
+                  <a:gd name="connsiteX4" fmla="*/ 1594737 w 1868784"/>
+                  <a:gd name="connsiteY4" fmla="*/ 798548 h 865116"/>
+                  <a:gd name="connsiteX5" fmla="*/ 1528169 w 1868784"/>
+                  <a:gd name="connsiteY5" fmla="*/ 865116 h 865116"/>
+                  <a:gd name="connsiteX6" fmla="*/ 283630 w 1868784"/>
+                  <a:gd name="connsiteY6" fmla="*/ 865116 h 865116"/>
+                  <a:gd name="connsiteX7" fmla="*/ 217062 w 1868784"/>
+                  <a:gd name="connsiteY7" fmla="*/ 798548 h 865116"/>
+                  <a:gd name="connsiteX8" fmla="*/ 216773 w 1868784"/>
+                  <a:gd name="connsiteY8" fmla="*/ 251658 h 865116"/>
+                  <a:gd name="connsiteX0" fmla="*/ 216773 w 1868784"/>
+                  <a:gd name="connsiteY0" fmla="*/ 274671 h 888129"/>
+                  <a:gd name="connsiteX1" fmla="*/ 91110 w 1868784"/>
+                  <a:gd name="connsiteY1" fmla="*/ 12984 h 888129"/>
+                  <a:gd name="connsiteX2" fmla="*/ 1792271 w 1868784"/>
+                  <a:gd name="connsiteY2" fmla="*/ 63208 h 888129"/>
+                  <a:gd name="connsiteX3" fmla="*/ 1594737 w 1868784"/>
+                  <a:gd name="connsiteY3" fmla="*/ 266878 h 888129"/>
+                  <a:gd name="connsiteX4" fmla="*/ 1594737 w 1868784"/>
+                  <a:gd name="connsiteY4" fmla="*/ 821561 h 888129"/>
+                  <a:gd name="connsiteX5" fmla="*/ 1528169 w 1868784"/>
+                  <a:gd name="connsiteY5" fmla="*/ 888129 h 888129"/>
+                  <a:gd name="connsiteX6" fmla="*/ 283630 w 1868784"/>
+                  <a:gd name="connsiteY6" fmla="*/ 888129 h 888129"/>
+                  <a:gd name="connsiteX7" fmla="*/ 217062 w 1868784"/>
+                  <a:gd name="connsiteY7" fmla="*/ 821561 h 888129"/>
+                  <a:gd name="connsiteX8" fmla="*/ 216773 w 1868784"/>
+                  <a:gd name="connsiteY8" fmla="*/ 274671 h 888129"/>
+                  <a:gd name="connsiteX0" fmla="*/ 216325 w 1862778"/>
+                  <a:gd name="connsiteY0" fmla="*/ 289222 h 902680"/>
+                  <a:gd name="connsiteX1" fmla="*/ 90662 w 1862778"/>
+                  <a:gd name="connsiteY1" fmla="*/ 27535 h 902680"/>
+                  <a:gd name="connsiteX2" fmla="*/ 1785473 w 1862778"/>
+                  <a:gd name="connsiteY2" fmla="*/ 36484 h 902680"/>
+                  <a:gd name="connsiteX3" fmla="*/ 1594289 w 1862778"/>
+                  <a:gd name="connsiteY3" fmla="*/ 281429 h 902680"/>
+                  <a:gd name="connsiteX4" fmla="*/ 1594289 w 1862778"/>
+                  <a:gd name="connsiteY4" fmla="*/ 836112 h 902680"/>
+                  <a:gd name="connsiteX5" fmla="*/ 1527721 w 1862778"/>
+                  <a:gd name="connsiteY5" fmla="*/ 902680 h 902680"/>
+                  <a:gd name="connsiteX6" fmla="*/ 283182 w 1862778"/>
+                  <a:gd name="connsiteY6" fmla="*/ 902680 h 902680"/>
+                  <a:gd name="connsiteX7" fmla="*/ 216614 w 1862778"/>
+                  <a:gd name="connsiteY7" fmla="*/ 836112 h 902680"/>
+                  <a:gd name="connsiteX8" fmla="*/ 216325 w 1862778"/>
+                  <a:gd name="connsiteY8" fmla="*/ 289222 h 902680"/>
+                  <a:gd name="connsiteX0" fmla="*/ 216325 w 1862778"/>
+                  <a:gd name="connsiteY0" fmla="*/ 289222 h 902680"/>
+                  <a:gd name="connsiteX1" fmla="*/ 90662 w 1862778"/>
+                  <a:gd name="connsiteY1" fmla="*/ 27535 h 902680"/>
+                  <a:gd name="connsiteX2" fmla="*/ 1785473 w 1862778"/>
+                  <a:gd name="connsiteY2" fmla="*/ 36484 h 902680"/>
+                  <a:gd name="connsiteX3" fmla="*/ 1594289 w 1862778"/>
+                  <a:gd name="connsiteY3" fmla="*/ 281429 h 902680"/>
+                  <a:gd name="connsiteX4" fmla="*/ 1594289 w 1862778"/>
+                  <a:gd name="connsiteY4" fmla="*/ 836112 h 902680"/>
+                  <a:gd name="connsiteX5" fmla="*/ 1527721 w 1862778"/>
+                  <a:gd name="connsiteY5" fmla="*/ 902680 h 902680"/>
+                  <a:gd name="connsiteX6" fmla="*/ 283182 w 1862778"/>
+                  <a:gd name="connsiteY6" fmla="*/ 902680 h 902680"/>
+                  <a:gd name="connsiteX7" fmla="*/ 216614 w 1862778"/>
+                  <a:gd name="connsiteY7" fmla="*/ 836112 h 902680"/>
+                  <a:gd name="connsiteX8" fmla="*/ 216325 w 1862778"/>
+                  <a:gd name="connsiteY8" fmla="*/ 289222 h 902680"/>
+                  <a:gd name="connsiteX0" fmla="*/ 215874 w 1862327"/>
+                  <a:gd name="connsiteY0" fmla="*/ 289222 h 902680"/>
+                  <a:gd name="connsiteX1" fmla="*/ 90211 w 1862327"/>
+                  <a:gd name="connsiteY1" fmla="*/ 27535 h 902680"/>
+                  <a:gd name="connsiteX2" fmla="*/ 1785022 w 1862327"/>
+                  <a:gd name="connsiteY2" fmla="*/ 36484 h 902680"/>
+                  <a:gd name="connsiteX3" fmla="*/ 1593838 w 1862327"/>
+                  <a:gd name="connsiteY3" fmla="*/ 281429 h 902680"/>
+                  <a:gd name="connsiteX4" fmla="*/ 1593838 w 1862327"/>
+                  <a:gd name="connsiteY4" fmla="*/ 836112 h 902680"/>
+                  <a:gd name="connsiteX5" fmla="*/ 1527270 w 1862327"/>
+                  <a:gd name="connsiteY5" fmla="*/ 902680 h 902680"/>
+                  <a:gd name="connsiteX6" fmla="*/ 282731 w 1862327"/>
+                  <a:gd name="connsiteY6" fmla="*/ 902680 h 902680"/>
+                  <a:gd name="connsiteX7" fmla="*/ 216163 w 1862327"/>
+                  <a:gd name="connsiteY7" fmla="*/ 836112 h 902680"/>
+                  <a:gd name="connsiteX8" fmla="*/ 215874 w 1862327"/>
+                  <a:gd name="connsiteY8" fmla="*/ 289222 h 902680"/>
+                  <a:gd name="connsiteX0" fmla="*/ 218551 w 1865217"/>
+                  <a:gd name="connsiteY0" fmla="*/ 271689 h 885147"/>
+                  <a:gd name="connsiteX1" fmla="*/ 89713 w 1865217"/>
+                  <a:gd name="connsiteY1" fmla="*/ 44927 h 885147"/>
+                  <a:gd name="connsiteX2" fmla="*/ 1787699 w 1865217"/>
+                  <a:gd name="connsiteY2" fmla="*/ 18951 h 885147"/>
+                  <a:gd name="connsiteX3" fmla="*/ 1596515 w 1865217"/>
+                  <a:gd name="connsiteY3" fmla="*/ 263896 h 885147"/>
+                  <a:gd name="connsiteX4" fmla="*/ 1596515 w 1865217"/>
+                  <a:gd name="connsiteY4" fmla="*/ 818579 h 885147"/>
+                  <a:gd name="connsiteX5" fmla="*/ 1529947 w 1865217"/>
+                  <a:gd name="connsiteY5" fmla="*/ 885147 h 885147"/>
+                  <a:gd name="connsiteX6" fmla="*/ 285408 w 1865217"/>
+                  <a:gd name="connsiteY6" fmla="*/ 885147 h 885147"/>
+                  <a:gd name="connsiteX7" fmla="*/ 218840 w 1865217"/>
+                  <a:gd name="connsiteY7" fmla="*/ 818579 h 885147"/>
+                  <a:gd name="connsiteX8" fmla="*/ 218551 w 1865217"/>
+                  <a:gd name="connsiteY8" fmla="*/ 271689 h 885147"/>
+                  <a:gd name="connsiteX0" fmla="*/ 217882 w 1856244"/>
+                  <a:gd name="connsiteY0" fmla="*/ 253205 h 866663"/>
+                  <a:gd name="connsiteX1" fmla="*/ 89044 w 1856244"/>
+                  <a:gd name="connsiteY1" fmla="*/ 26443 h 866663"/>
+                  <a:gd name="connsiteX2" fmla="*/ 1777505 w 1856244"/>
+                  <a:gd name="connsiteY2" fmla="*/ 29042 h 866663"/>
+                  <a:gd name="connsiteX3" fmla="*/ 1595846 w 1856244"/>
+                  <a:gd name="connsiteY3" fmla="*/ 245412 h 866663"/>
+                  <a:gd name="connsiteX4" fmla="*/ 1595846 w 1856244"/>
+                  <a:gd name="connsiteY4" fmla="*/ 800095 h 866663"/>
+                  <a:gd name="connsiteX5" fmla="*/ 1529278 w 1856244"/>
+                  <a:gd name="connsiteY5" fmla="*/ 866663 h 866663"/>
+                  <a:gd name="connsiteX6" fmla="*/ 284739 w 1856244"/>
+                  <a:gd name="connsiteY6" fmla="*/ 866663 h 866663"/>
+                  <a:gd name="connsiteX7" fmla="*/ 218171 w 1856244"/>
+                  <a:gd name="connsiteY7" fmla="*/ 800095 h 866663"/>
+                  <a:gd name="connsiteX8" fmla="*/ 217882 w 1856244"/>
+                  <a:gd name="connsiteY8" fmla="*/ 253205 h 866663"/>
+                  <a:gd name="connsiteX0" fmla="*/ 152682 w 1785681"/>
+                  <a:gd name="connsiteY0" fmla="*/ 248776 h 862234"/>
+                  <a:gd name="connsiteX1" fmla="*/ 103357 w 1785681"/>
+                  <a:gd name="connsiteY1" fmla="*/ 29972 h 862234"/>
+                  <a:gd name="connsiteX2" fmla="*/ 1712305 w 1785681"/>
+                  <a:gd name="connsiteY2" fmla="*/ 24613 h 862234"/>
+                  <a:gd name="connsiteX3" fmla="*/ 1530646 w 1785681"/>
+                  <a:gd name="connsiteY3" fmla="*/ 240983 h 862234"/>
+                  <a:gd name="connsiteX4" fmla="*/ 1530646 w 1785681"/>
+                  <a:gd name="connsiteY4" fmla="*/ 795666 h 862234"/>
+                  <a:gd name="connsiteX5" fmla="*/ 1464078 w 1785681"/>
+                  <a:gd name="connsiteY5" fmla="*/ 862234 h 862234"/>
+                  <a:gd name="connsiteX6" fmla="*/ 219539 w 1785681"/>
+                  <a:gd name="connsiteY6" fmla="*/ 862234 h 862234"/>
+                  <a:gd name="connsiteX7" fmla="*/ 152971 w 1785681"/>
+                  <a:gd name="connsiteY7" fmla="*/ 795666 h 862234"/>
+                  <a:gd name="connsiteX8" fmla="*/ 152682 w 1785681"/>
+                  <a:gd name="connsiteY8" fmla="*/ 248776 h 862234"/>
+                  <a:gd name="connsiteX0" fmla="*/ 142268 w 1774377"/>
+                  <a:gd name="connsiteY0" fmla="*/ 258162 h 871620"/>
+                  <a:gd name="connsiteX1" fmla="*/ 106195 w 1774377"/>
+                  <a:gd name="connsiteY1" fmla="*/ 23440 h 871620"/>
+                  <a:gd name="connsiteX2" fmla="*/ 1701891 w 1774377"/>
+                  <a:gd name="connsiteY2" fmla="*/ 33999 h 871620"/>
+                  <a:gd name="connsiteX3" fmla="*/ 1520232 w 1774377"/>
+                  <a:gd name="connsiteY3" fmla="*/ 250369 h 871620"/>
+                  <a:gd name="connsiteX4" fmla="*/ 1520232 w 1774377"/>
+                  <a:gd name="connsiteY4" fmla="*/ 805052 h 871620"/>
+                  <a:gd name="connsiteX5" fmla="*/ 1453664 w 1774377"/>
+                  <a:gd name="connsiteY5" fmla="*/ 871620 h 871620"/>
+                  <a:gd name="connsiteX6" fmla="*/ 209125 w 1774377"/>
+                  <a:gd name="connsiteY6" fmla="*/ 871620 h 871620"/>
+                  <a:gd name="connsiteX7" fmla="*/ 142557 w 1774377"/>
+                  <a:gd name="connsiteY7" fmla="*/ 805052 h 871620"/>
+                  <a:gd name="connsiteX8" fmla="*/ 142268 w 1774377"/>
+                  <a:gd name="connsiteY8" fmla="*/ 258162 h 871620"/>
+                  <a:gd name="connsiteX0" fmla="*/ 137880 w 1718673"/>
+                  <a:gd name="connsiteY0" fmla="*/ 262157 h 875615"/>
+                  <a:gd name="connsiteX1" fmla="*/ 101807 w 1718673"/>
+                  <a:gd name="connsiteY1" fmla="*/ 27435 h 875615"/>
+                  <a:gd name="connsiteX2" fmla="*/ 1637868 w 1718673"/>
+                  <a:gd name="connsiteY2" fmla="*/ 30034 h 875615"/>
+                  <a:gd name="connsiteX3" fmla="*/ 1515844 w 1718673"/>
+                  <a:gd name="connsiteY3" fmla="*/ 254364 h 875615"/>
+                  <a:gd name="connsiteX4" fmla="*/ 1515844 w 1718673"/>
+                  <a:gd name="connsiteY4" fmla="*/ 809047 h 875615"/>
+                  <a:gd name="connsiteX5" fmla="*/ 1449276 w 1718673"/>
+                  <a:gd name="connsiteY5" fmla="*/ 875615 h 875615"/>
+                  <a:gd name="connsiteX6" fmla="*/ 204737 w 1718673"/>
+                  <a:gd name="connsiteY6" fmla="*/ 875615 h 875615"/>
+                  <a:gd name="connsiteX7" fmla="*/ 138169 w 1718673"/>
+                  <a:gd name="connsiteY7" fmla="*/ 809047 h 875615"/>
+                  <a:gd name="connsiteX8" fmla="*/ 137880 w 1718673"/>
+                  <a:gd name="connsiteY8" fmla="*/ 262157 h 875615"/>
+                </a:gdLst>
+                <a:ahLst/>
+                <a:cxnLst>
+                  <a:cxn ang="0">
+                    <a:pos x="connsiteX0" y="connsiteY0"/>
+                  </a:cxn>
+                  <a:cxn ang="0">
+                    <a:pos x="connsiteX1" y="connsiteY1"/>
+                  </a:cxn>
+                  <a:cxn ang="0">
+                    <a:pos x="connsiteX2" y="connsiteY2"/>
+                  </a:cxn>
+                  <a:cxn ang="0">
+                    <a:pos x="connsiteX3" y="connsiteY3"/>
+                  </a:cxn>
+                  <a:cxn ang="0">
+                    <a:pos x="connsiteX4" y="connsiteY4"/>
+                  </a:cxn>
+                  <a:cxn ang="0">
+                    <a:pos x="connsiteX5" y="connsiteY5"/>
+                  </a:cxn>
+                  <a:cxn ang="0">
+                    <a:pos x="connsiteX6" y="connsiteY6"/>
+                  </a:cxn>
+                  <a:cxn ang="0">
+                    <a:pos x="connsiteX7" y="connsiteY7"/>
+                  </a:cxn>
+                  <a:cxn ang="0">
+                    <a:pos x="connsiteX8" y="connsiteY8"/>
+                  </a:cxn>
+                </a:cxnLst>
+                <a:rect l="l" t="t" r="r" b="b"/>
+                <a:pathLst>
+                  <a:path w="1718673" h="875615">
+                    <a:moveTo>
+                      <a:pt x="137880" y="262157"/>
+                    </a:moveTo>
+                    <a:cubicBezTo>
+                      <a:pt x="141343" y="-22834"/>
+                      <a:pt x="-148191" y="66122"/>
+                      <a:pt x="101807" y="27435"/>
+                    </a:cubicBezTo>
+                    <a:cubicBezTo>
+                      <a:pt x="351805" y="-11252"/>
+                      <a:pt x="1402195" y="-7787"/>
+                      <a:pt x="1637868" y="30034"/>
+                    </a:cubicBezTo>
+                    <a:cubicBezTo>
+                      <a:pt x="1873541" y="67855"/>
+                      <a:pt x="1519019" y="-26009"/>
+                      <a:pt x="1515844" y="254364"/>
+                    </a:cubicBezTo>
+                    <a:lnTo>
+                      <a:pt x="1515844" y="809047"/>
+                    </a:lnTo>
+                    <a:cubicBezTo>
+                      <a:pt x="1515844" y="845811"/>
+                      <a:pt x="1486040" y="875615"/>
+                      <a:pt x="1449276" y="875615"/>
+                    </a:cubicBezTo>
+                    <a:lnTo>
+                      <a:pt x="204737" y="875615"/>
+                    </a:lnTo>
+                    <a:cubicBezTo>
+                      <a:pt x="167973" y="875615"/>
+                      <a:pt x="138169" y="845811"/>
+                      <a:pt x="138169" y="809047"/>
+                    </a:cubicBezTo>
+                    <a:cubicBezTo>
+                      <a:pt x="137014" y="599234"/>
+                      <a:pt x="139035" y="471970"/>
+                      <a:pt x="137880" y="262157"/>
+                    </a:cubicBezTo>
+                    <a:close/>
+                  </a:path>
+                </a:pathLst>
+              </a:custGeom>
+              <a:gradFill>
+                <a:gsLst>
+                  <a:gs pos="8000">
+                    <a:schemeClr val="bg2"/>
+                  </a:gs>
+                  <a:gs pos="31000">
+                    <a:schemeClr val="tx2"/>
+                  </a:gs>
+                </a:gsLst>
+                <a:lin ang="5400000" scaled="0"/>
+              </a:gradFill>
+              <a:ln w="12700">
+                <a:noFill/>
+              </a:ln>
+              <a:effectLst/>
+            </p:spPr>
+            <p:style>
+              <a:lnRef idx="2">
+                <a:schemeClr val="dk1"/>
+              </a:lnRef>
+              <a:fillRef idx="1">
+                <a:schemeClr val="lt1"/>
+              </a:fillRef>
+              <a:effectRef idx="0">
+                <a:schemeClr val="dk1"/>
+              </a:effectRef>
+              <a:fontRef idx="minor">
+                <a:schemeClr val="dk1"/>
+              </a:fontRef>
+            </p:style>
+            <p:txBody>
+              <a:bodyPr rtlCol="0" anchor="ctr"/>
+              <a:lstStyle/>
+              <a:p>
+                <a:pPr algn="ctr"/>
+                <a:endParaRPr lang="en-US" sz="1600" dirty="0">
+                  <a:ln w="0">
+                    <a:solidFill>
+                      <a:sysClr val="windowText" lastClr="000000"/>
+                    </a:solidFill>
+                  </a:ln>
+                  <a:solidFill>
+                    <a:schemeClr val="tx1"/>
+                  </a:solidFill>
+                </a:endParaRPr>
+              </a:p>
+            </p:txBody>
+          </p:sp>
+          <p:grpSp>
+            <p:nvGrpSpPr>
+              <p:cNvPr id="10" name="Group 9">
+                <a:extLst>
+                  <a:ext uri="{FF2B5EF4-FFF2-40B4-BE49-F238E27FC236}">
+                    <a16:creationId xmlns:a16="http://schemas.microsoft.com/office/drawing/2014/main" id="{5EC39D9C-6472-C04A-B9C6-3E3429006240}"/>
+                  </a:ext>
+                </a:extLst>
+              </p:cNvPr>
+              <p:cNvGrpSpPr/>
+              <p:nvPr/>
+            </p:nvGrpSpPr>
+            <p:grpSpPr>
+              <a:xfrm>
+                <a:off x="4407250" y="5787721"/>
+                <a:ext cx="1283487" cy="383162"/>
+                <a:chOff x="6421785" y="5373193"/>
+                <a:chExt cx="1283487" cy="383162"/>
+              </a:xfrm>
+            </p:grpSpPr>
+            <p:sp>
+              <p:nvSpPr>
+                <p:cNvPr id="11" name="Rounded Rectangle 10">
+                  <a:extLst>
+                    <a:ext uri="{FF2B5EF4-FFF2-40B4-BE49-F238E27FC236}">
+                      <a16:creationId xmlns:a16="http://schemas.microsoft.com/office/drawing/2014/main" id="{37E1ADB6-BB23-6D4D-8040-4316BC097570}"/>
+                    </a:ext>
+                  </a:extLst>
+                </p:cNvPr>
+                <p:cNvSpPr/>
+                <p:nvPr/>
+              </p:nvSpPr>
+              <p:spPr>
+                <a:xfrm>
+                  <a:off x="6421785" y="5373193"/>
+                  <a:ext cx="1240161" cy="383162"/>
+                </a:xfrm>
+                <a:prstGeom prst="roundRect">
+                  <a:avLst>
+                    <a:gd name="adj" fmla="val 12736"/>
+                  </a:avLst>
+                </a:prstGeom>
+                <a:solidFill>
+                  <a:schemeClr val="tx1">
+                    <a:lumMod val="50000"/>
+                  </a:schemeClr>
+                </a:solidFill>
+                <a:ln w="12700">
+                  <a:noFill/>
+                </a:ln>
+                <a:effectLst/>
+              </p:spPr>
+              <p:style>
+                <a:lnRef idx="2">
+                  <a:schemeClr val="dk1"/>
+                </a:lnRef>
+                <a:fillRef idx="1">
+                  <a:schemeClr val="lt1"/>
+                </a:fillRef>
+                <a:effectRef idx="0">
+                  <a:schemeClr val="dk1"/>
+                </a:effectRef>
+                <a:fontRef idx="minor">
+                  <a:schemeClr val="dk1"/>
+                </a:fontRef>
+              </p:style>
+              <p:txBody>
+                <a:bodyPr wrap="square" tIns="36000" bIns="36000" rtlCol="0" anchor="ctr">
+                  <a:noAutofit/>
+                </a:bodyPr>
+                <a:lstStyle/>
+                <a:p>
+                  <a:endParaRPr lang="en-US" sz="1200" dirty="0">
+                    <a:solidFill>
+                      <a:schemeClr val="bg1"/>
+                    </a:solidFill>
+                    <a:latin typeface="Source Sans Pro Light" charset="0"/>
+                    <a:ea typeface="Source Sans Pro Light" charset="0"/>
+                    <a:cs typeface="Source Sans Pro Light" charset="0"/>
+                  </a:endParaRPr>
+                </a:p>
+              </p:txBody>
+            </p:sp>
+            <p:sp>
+              <p:nvSpPr>
+                <p:cNvPr id="12" name="Rectangle 11">
+                  <a:extLst>
+                    <a:ext uri="{FF2B5EF4-FFF2-40B4-BE49-F238E27FC236}">
+                      <a16:creationId xmlns:a16="http://schemas.microsoft.com/office/drawing/2014/main" id="{C2EBA6D6-1870-0A40-82C8-AE16E98BB260}"/>
+                    </a:ext>
+                  </a:extLst>
+                </p:cNvPr>
+                <p:cNvSpPr/>
+                <p:nvPr/>
+              </p:nvSpPr>
+              <p:spPr>
+                <a:xfrm>
+                  <a:off x="6756463" y="5425211"/>
+                  <a:ext cx="948809" cy="301407"/>
+                </a:xfrm>
+                <a:prstGeom prst="rect">
+                  <a:avLst/>
+                </a:prstGeom>
+                <a:effectLst/>
+              </p:spPr>
+              <p:txBody>
+                <a:bodyPr wrap="square" lIns="0" rIns="0">
+                  <a:noAutofit/>
+                </a:bodyPr>
+                <a:lstStyle/>
+                <a:p>
+                  <a:pPr algn="ctr" defTabSz="914400">
+                    <a:lnSpc>
+                      <a:spcPts val="1000"/>
+                    </a:lnSpc>
+                    <a:defRPr/>
+                  </a:pPr>
+                  <a:r>
+                    <a:rPr lang="fr-FR" sz="1200" kern="0" dirty="0">
+                      <a:solidFill>
+                        <a:schemeClr val="bg1"/>
+                      </a:solidFill>
+                      <a:latin typeface="Source Sans Pro Light" charset="0"/>
+                    </a:rPr>
+                    <a:t>PROCESSOR </a:t>
+                  </a:r>
+                  <a:br>
+                    <a:rPr lang="fr-FR" sz="1200" kern="0" dirty="0">
+                      <a:solidFill>
+                        <a:schemeClr val="bg1"/>
+                      </a:solidFill>
+                      <a:latin typeface="Source Sans Pro Light" charset="0"/>
+                    </a:rPr>
+                  </a:br>
+                  <a:r>
+                    <a:rPr lang="fr-FR" sz="1200" kern="0" dirty="0">
+                      <a:solidFill>
+                        <a:schemeClr val="bg1"/>
+                      </a:solidFill>
+                      <a:latin typeface="Source Sans Pro Light" charset="0"/>
+                    </a:rPr>
+                    <a:t>CORE</a:t>
+                  </a:r>
+                  <a:endParaRPr lang="en-US" sz="1200" kern="0" dirty="0">
+                    <a:solidFill>
+                      <a:schemeClr val="bg1"/>
+                    </a:solidFill>
+                    <a:latin typeface="Source Sans Pro Light" charset="0"/>
+                  </a:endParaRPr>
+                </a:p>
+              </p:txBody>
+            </p:sp>
+            <p:pic>
+              <p:nvPicPr>
+                <p:cNvPr id="13" name="Picture 12">
+                  <a:extLst>
+                    <a:ext uri="{FF2B5EF4-FFF2-40B4-BE49-F238E27FC236}">
+                      <a16:creationId xmlns:a16="http://schemas.microsoft.com/office/drawing/2014/main" id="{4E01D07F-57C8-964A-BCB8-53AEEACFAE78}"/>
+                    </a:ext>
+                  </a:extLst>
+                </p:cNvPr>
+                <p:cNvPicPr>
+                  <a:picLocks noChangeAspect="1"/>
+                </p:cNvPicPr>
+                <p:nvPr/>
+              </p:nvPicPr>
+              <p:blipFill>
+                <a:blip r:embed="rId2" cstate="print">
+                  <a:lum bright="10000"/>
+                  <a:extLst>
+                    <a:ext uri="{28A0092B-C50C-407E-A947-70E740481C1C}">
+                      <a14:useLocalDpi xmlns:a14="http://schemas.microsoft.com/office/drawing/2010/main" val="0"/>
+                    </a:ext>
+                  </a:extLst>
+                </a:blip>
+                <a:stretch>
+                  <a:fillRect/>
+                </a:stretch>
+              </p:blipFill>
+              <p:spPr>
+                <a:xfrm>
+                  <a:off x="6482924" y="5411413"/>
+                  <a:ext cx="307244" cy="309712"/>
+                </a:xfrm>
+                <a:prstGeom prst="rect">
+                  <a:avLst/>
+                </a:prstGeom>
+              </p:spPr>
+            </p:pic>
+          </p:grpSp>
+        </p:grpSp>
+        <p:sp>
+          <p:nvSpPr>
+            <p:cNvPr id="14" name="Rounded Rectangle 13">
+              <a:extLst>
+                <a:ext uri="{FF2B5EF4-FFF2-40B4-BE49-F238E27FC236}">
+                  <a16:creationId xmlns:a16="http://schemas.microsoft.com/office/drawing/2014/main" id="{B8F79B32-E337-A947-8A2C-8501B0E0D7EE}"/>
+                </a:ext>
+              </a:extLst>
+            </p:cNvPr>
+            <p:cNvSpPr/>
+            <p:nvPr/>
+          </p:nvSpPr>
+          <p:spPr>
+            <a:xfrm>
+              <a:off x="3699568" y="3014112"/>
+              <a:ext cx="4445565" cy="2295300"/>
+            </a:xfrm>
+            <a:prstGeom prst="roundRect">
+              <a:avLst>
+                <a:gd name="adj" fmla="val 3675"/>
+              </a:avLst>
+            </a:prstGeom>
+            <a:solidFill>
+              <a:schemeClr val="bg2"/>
+            </a:solidFill>
             <a:ln w="12700">
               <a:noFill/>
             </a:ln>
@@ -8277,943 +8568,12 @@
             </a:p>
           </p:txBody>
         </p:sp>
-        <p:grpSp>
-          <p:nvGrpSpPr>
-            <p:cNvPr id="10" name="Group 9">
+        <p:sp>
+          <p:nvSpPr>
+            <p:cNvPr id="15" name="Rounded Rectangle 14">
               <a:extLst>
                 <a:ext uri="{FF2B5EF4-FFF2-40B4-BE49-F238E27FC236}">
-                  <a16:creationId xmlns:a16="http://schemas.microsoft.com/office/drawing/2014/main" id="{5EC39D9C-6472-C04A-B9C6-3E3429006240}"/>
-                </a:ext>
-              </a:extLst>
-            </p:cNvPr>
-            <p:cNvGrpSpPr/>
-            <p:nvPr/>
-          </p:nvGrpSpPr>
-          <p:grpSpPr>
-            <a:xfrm>
-              <a:off x="4407250" y="5787721"/>
-              <a:ext cx="1283487" cy="383162"/>
-              <a:chOff x="6421785" y="5373193"/>
-              <a:chExt cx="1283487" cy="383162"/>
-            </a:xfrm>
-          </p:grpSpPr>
-          <p:sp>
-            <p:nvSpPr>
-              <p:cNvPr id="11" name="Rounded Rectangle 10">
-                <a:extLst>
-                  <a:ext uri="{FF2B5EF4-FFF2-40B4-BE49-F238E27FC236}">
-                    <a16:creationId xmlns:a16="http://schemas.microsoft.com/office/drawing/2014/main" id="{37E1ADB6-BB23-6D4D-8040-4316BC097570}"/>
-                  </a:ext>
-                </a:extLst>
-              </p:cNvPr>
-              <p:cNvSpPr/>
-              <p:nvPr/>
-            </p:nvSpPr>
-            <p:spPr>
-              <a:xfrm>
-                <a:off x="6421785" y="5373193"/>
-                <a:ext cx="1240161" cy="383162"/>
-              </a:xfrm>
-              <a:prstGeom prst="roundRect">
-                <a:avLst>
-                  <a:gd name="adj" fmla="val 12736"/>
-                </a:avLst>
-              </a:prstGeom>
-              <a:solidFill>
-                <a:schemeClr val="tx1">
-                  <a:lumMod val="50000"/>
-                </a:schemeClr>
-              </a:solidFill>
-              <a:ln w="12700">
-                <a:noFill/>
-              </a:ln>
-              <a:effectLst/>
-            </p:spPr>
-            <p:style>
-              <a:lnRef idx="2">
-                <a:schemeClr val="dk1"/>
-              </a:lnRef>
-              <a:fillRef idx="1">
-                <a:schemeClr val="lt1"/>
-              </a:fillRef>
-              <a:effectRef idx="0">
-                <a:schemeClr val="dk1"/>
-              </a:effectRef>
-              <a:fontRef idx="minor">
-                <a:schemeClr val="dk1"/>
-              </a:fontRef>
-            </p:style>
-            <p:txBody>
-              <a:bodyPr wrap="square" tIns="36000" bIns="36000" rtlCol="0" anchor="ctr">
-                <a:noAutofit/>
-              </a:bodyPr>
-              <a:lstStyle/>
-              <a:p>
-                <a:endParaRPr lang="en-US" sz="1200" dirty="0">
-                  <a:solidFill>
-                    <a:schemeClr val="bg1"/>
-                  </a:solidFill>
-                  <a:latin typeface="Source Sans Pro Light" charset="0"/>
-                  <a:ea typeface="Source Sans Pro Light" charset="0"/>
-                  <a:cs typeface="Source Sans Pro Light" charset="0"/>
-                </a:endParaRPr>
-              </a:p>
-            </p:txBody>
-          </p:sp>
-          <p:sp>
-            <p:nvSpPr>
-              <p:cNvPr id="12" name="Rectangle 11">
-                <a:extLst>
-                  <a:ext uri="{FF2B5EF4-FFF2-40B4-BE49-F238E27FC236}">
-                    <a16:creationId xmlns:a16="http://schemas.microsoft.com/office/drawing/2014/main" id="{C2EBA6D6-1870-0A40-82C8-AE16E98BB260}"/>
-                  </a:ext>
-                </a:extLst>
-              </p:cNvPr>
-              <p:cNvSpPr/>
-              <p:nvPr/>
-            </p:nvSpPr>
-            <p:spPr>
-              <a:xfrm>
-                <a:off x="6756463" y="5425211"/>
-                <a:ext cx="948809" cy="301407"/>
-              </a:xfrm>
-              <a:prstGeom prst="rect">
-                <a:avLst/>
-              </a:prstGeom>
-              <a:effectLst/>
-            </p:spPr>
-            <p:txBody>
-              <a:bodyPr wrap="square" lIns="0" rIns="0">
-                <a:noAutofit/>
-              </a:bodyPr>
-              <a:lstStyle/>
-              <a:p>
-                <a:pPr algn="ctr" defTabSz="914400">
-                  <a:lnSpc>
-                    <a:spcPts val="1000"/>
-                  </a:lnSpc>
-                  <a:defRPr/>
-                </a:pPr>
-                <a:r>
-                  <a:rPr lang="fr-FR" sz="1200" kern="0" dirty="0">
-                    <a:solidFill>
-                      <a:schemeClr val="bg1"/>
-                    </a:solidFill>
-                    <a:latin typeface="Source Sans Pro Light" charset="0"/>
-                  </a:rPr>
-                  <a:t>PROCESSOR </a:t>
-                </a:r>
-                <a:br>
-                  <a:rPr lang="fr-FR" sz="1200" kern="0" dirty="0">
-                    <a:solidFill>
-                      <a:schemeClr val="bg1"/>
-                    </a:solidFill>
-                    <a:latin typeface="Source Sans Pro Light" charset="0"/>
-                  </a:rPr>
-                </a:br>
-                <a:r>
-                  <a:rPr lang="fr-FR" sz="1200" kern="0" dirty="0">
-                    <a:solidFill>
-                      <a:schemeClr val="bg1"/>
-                    </a:solidFill>
-                    <a:latin typeface="Source Sans Pro Light" charset="0"/>
-                  </a:rPr>
-                  <a:t>CORE</a:t>
-                </a:r>
-                <a:endParaRPr lang="en-US" sz="1200" kern="0" dirty="0">
-                  <a:solidFill>
-                    <a:schemeClr val="bg1"/>
-                  </a:solidFill>
-                  <a:latin typeface="Source Sans Pro Light" charset="0"/>
-                </a:endParaRPr>
-              </a:p>
-            </p:txBody>
-          </p:sp>
-          <p:pic>
-            <p:nvPicPr>
-              <p:cNvPr id="13" name="Picture 12">
-                <a:extLst>
-                  <a:ext uri="{FF2B5EF4-FFF2-40B4-BE49-F238E27FC236}">
-                    <a16:creationId xmlns:a16="http://schemas.microsoft.com/office/drawing/2014/main" id="{4E01D07F-57C8-964A-BCB8-53AEEACFAE78}"/>
-                  </a:ext>
-                </a:extLst>
-              </p:cNvPr>
-              <p:cNvPicPr>
-                <a:picLocks noChangeAspect="1"/>
-              </p:cNvPicPr>
-              <p:nvPr/>
-            </p:nvPicPr>
-            <p:blipFill>
-              <a:blip r:embed="rId2" cstate="print">
-                <a:lum bright="10000"/>
-                <a:extLst>
-                  <a:ext uri="{28A0092B-C50C-407E-A947-70E740481C1C}">
-                    <a14:useLocalDpi xmlns:a14="http://schemas.microsoft.com/office/drawing/2010/main" val="0"/>
-                  </a:ext>
-                </a:extLst>
-              </a:blip>
-              <a:stretch>
-                <a:fillRect/>
-              </a:stretch>
-            </p:blipFill>
-            <p:spPr>
-              <a:xfrm>
-                <a:off x="6482924" y="5411413"/>
-                <a:ext cx="307244" cy="309712"/>
-              </a:xfrm>
-              <a:prstGeom prst="rect">
-                <a:avLst/>
-              </a:prstGeom>
-            </p:spPr>
-          </p:pic>
-        </p:grpSp>
-      </p:grpSp>
-      <p:sp>
-        <p:nvSpPr>
-          <p:cNvPr id="14" name="Rounded Rectangle 13">
-            <a:extLst>
-              <a:ext uri="{FF2B5EF4-FFF2-40B4-BE49-F238E27FC236}">
-                <a16:creationId xmlns:a16="http://schemas.microsoft.com/office/drawing/2014/main" id="{B8F79B32-E337-A947-8A2C-8501B0E0D7EE}"/>
-              </a:ext>
-            </a:extLst>
-          </p:cNvPr>
-          <p:cNvSpPr/>
-          <p:nvPr/>
-        </p:nvSpPr>
-        <p:spPr>
-          <a:xfrm>
-            <a:off x="3699568" y="3544167"/>
-            <a:ext cx="4445565" cy="1765244"/>
-          </a:xfrm>
-          <a:prstGeom prst="roundRect">
-            <a:avLst>
-              <a:gd name="adj" fmla="val 3675"/>
-            </a:avLst>
-          </a:prstGeom>
-          <a:solidFill>
-            <a:schemeClr val="bg2"/>
-          </a:solidFill>
-          <a:ln w="12700">
-            <a:noFill/>
-          </a:ln>
-          <a:effectLst/>
-        </p:spPr>
-        <p:style>
-          <a:lnRef idx="2">
-            <a:schemeClr val="dk1"/>
-          </a:lnRef>
-          <a:fillRef idx="1">
-            <a:schemeClr val="lt1"/>
-          </a:fillRef>
-          <a:effectRef idx="0">
-            <a:schemeClr val="dk1"/>
-          </a:effectRef>
-          <a:fontRef idx="minor">
-            <a:schemeClr val="dk1"/>
-          </a:fontRef>
-        </p:style>
-        <p:txBody>
-          <a:bodyPr rtlCol="0" anchor="ctr"/>
-          <a:lstStyle/>
-          <a:p>
-            <a:pPr algn="ctr"/>
-            <a:endParaRPr lang="en-US" sz="1600" dirty="0">
-              <a:ln w="0">
-                <a:solidFill>
-                  <a:sysClr val="windowText" lastClr="000000"/>
-                </a:solidFill>
-              </a:ln>
-              <a:solidFill>
-                <a:schemeClr val="tx1"/>
-              </a:solidFill>
-            </a:endParaRPr>
-          </a:p>
-        </p:txBody>
-      </p:sp>
-      <p:sp>
-        <p:nvSpPr>
-          <p:cNvPr id="15" name="Rounded Rectangle 14">
-            <a:extLst>
-              <a:ext uri="{FF2B5EF4-FFF2-40B4-BE49-F238E27FC236}">
-                <a16:creationId xmlns:a16="http://schemas.microsoft.com/office/drawing/2014/main" id="{70F38BA2-FEE1-0B4D-AAE5-39A694AFBE0E}"/>
-              </a:ext>
-            </a:extLst>
-          </p:cNvPr>
-          <p:cNvSpPr/>
-          <p:nvPr/>
-        </p:nvSpPr>
-        <p:spPr>
-          <a:xfrm>
-            <a:off x="3817861" y="4523848"/>
-            <a:ext cx="4236479" cy="306000"/>
-          </a:xfrm>
-          <a:prstGeom prst="roundRect">
-            <a:avLst>
-              <a:gd name="adj" fmla="val 19644"/>
-            </a:avLst>
-          </a:prstGeom>
-          <a:solidFill>
-            <a:schemeClr val="tx2"/>
-          </a:solidFill>
-          <a:ln w="12700">
-            <a:noFill/>
-          </a:ln>
-          <a:effectLst/>
-        </p:spPr>
-        <p:style>
-          <a:lnRef idx="2">
-            <a:schemeClr val="dk1"/>
-          </a:lnRef>
-          <a:fillRef idx="1">
-            <a:schemeClr val="lt1"/>
-          </a:fillRef>
-          <a:effectRef idx="0">
-            <a:schemeClr val="dk1"/>
-          </a:effectRef>
-          <a:fontRef idx="minor">
-            <a:schemeClr val="dk1"/>
-          </a:fontRef>
-        </p:style>
-        <p:txBody>
-          <a:bodyPr wrap="square" lIns="90000" tIns="36000" bIns="36000" rtlCol="0" anchor="ctr">
-            <a:noAutofit/>
-          </a:bodyPr>
-          <a:lstStyle/>
-          <a:p>
-            <a:pPr algn="ctr"/>
-            <a:r>
-              <a:rPr lang="en-US" sz="1600" b="1" dirty="0">
-                <a:solidFill>
-                  <a:schemeClr val="bg1"/>
-                </a:solidFill>
-                <a:effectLst>
-                  <a:outerShdw blurRad="76200" dist="38100" dir="5400000" algn="t" rotWithShape="0">
-                    <a:prstClr val="black">
-                      <a:alpha val="70000"/>
-                    </a:prstClr>
-                  </a:outerShdw>
-                </a:effectLst>
-                <a:latin typeface="Source Sans Pro" charset="0"/>
-                <a:ea typeface="Source Sans Pro" charset="0"/>
-                <a:cs typeface="Source Sans Pro" charset="0"/>
-              </a:rPr>
-              <a:t>KEIL RTX RTOS</a:t>
-            </a:r>
-          </a:p>
-        </p:txBody>
-      </p:sp>
-      <p:sp>
-        <p:nvSpPr>
-          <p:cNvPr id="16" name="Rounded Rectangle 15">
-            <a:extLst>
-              <a:ext uri="{FF2B5EF4-FFF2-40B4-BE49-F238E27FC236}">
-                <a16:creationId xmlns:a16="http://schemas.microsoft.com/office/drawing/2014/main" id="{94B69AB0-5C90-B24D-87C4-83F250AA65BB}"/>
-              </a:ext>
-            </a:extLst>
-          </p:cNvPr>
-          <p:cNvSpPr/>
-          <p:nvPr/>
-        </p:nvSpPr>
-        <p:spPr>
-          <a:xfrm>
-            <a:off x="3817861" y="4131193"/>
-            <a:ext cx="4236477" cy="366386"/>
-          </a:xfrm>
-          <a:prstGeom prst="roundRect">
-            <a:avLst>
-              <a:gd name="adj" fmla="val 18223"/>
-            </a:avLst>
-          </a:prstGeom>
-          <a:solidFill>
-            <a:schemeClr val="tx2"/>
-          </a:solidFill>
-          <a:ln w="12700">
-            <a:noFill/>
-          </a:ln>
-          <a:effectLst/>
-        </p:spPr>
-        <p:style>
-          <a:lnRef idx="2">
-            <a:schemeClr val="dk1"/>
-          </a:lnRef>
-          <a:fillRef idx="1">
-            <a:schemeClr val="lt1"/>
-          </a:fillRef>
-          <a:effectRef idx="0">
-            <a:schemeClr val="dk1"/>
-          </a:effectRef>
-          <a:fontRef idx="minor">
-            <a:schemeClr val="dk1"/>
-          </a:fontRef>
-        </p:style>
-        <p:txBody>
-          <a:bodyPr wrap="square" tIns="36000" bIns="36000" rtlCol="0" anchor="ctr">
-            <a:noAutofit/>
-          </a:bodyPr>
-          <a:lstStyle/>
-          <a:p>
-            <a:pPr algn="ctr"/>
-            <a:r>
-              <a:rPr lang="en-US" sz="1600" b="1" dirty="0">
-                <a:solidFill>
-                  <a:schemeClr val="bg1"/>
-                </a:solidFill>
-                <a:effectLst>
-                  <a:outerShdw blurRad="76200" dist="38100" dir="5400000" algn="t" rotWithShape="0">
-                    <a:prstClr val="black">
-                      <a:alpha val="70000"/>
-                    </a:prstClr>
-                  </a:outerShdw>
-                </a:effectLst>
-                <a:latin typeface="Source Sans Pro" charset="0"/>
-                <a:ea typeface="Source Sans Pro" charset="0"/>
-              </a:rPr>
-              <a:t>BSP</a:t>
-            </a:r>
-          </a:p>
-        </p:txBody>
-      </p:sp>
-      <p:cxnSp>
-        <p:nvCxnSpPr>
-          <p:cNvPr id="29" name="Straight Connector 28">
-            <a:extLst>
-              <a:ext uri="{FF2B5EF4-FFF2-40B4-BE49-F238E27FC236}">
-                <a16:creationId xmlns:a16="http://schemas.microsoft.com/office/drawing/2014/main" id="{18FE8AAC-D28F-8C4B-92F4-8FFF81A0F0AF}"/>
-              </a:ext>
-            </a:extLst>
-          </p:cNvPr>
-          <p:cNvCxnSpPr>
-            <a:cxnSpLocks/>
-          </p:cNvCxnSpPr>
-          <p:nvPr/>
-        </p:nvCxnSpPr>
-        <p:spPr>
-          <a:xfrm>
-            <a:off x="5472107" y="3640984"/>
-            <a:ext cx="1718742" cy="0"/>
-          </a:xfrm>
-          <a:prstGeom prst="line">
-            <a:avLst/>
-          </a:prstGeom>
-          <a:ln w="38100" cap="rnd">
-            <a:solidFill>
-              <a:schemeClr val="accent1"/>
-            </a:solidFill>
-            <a:miter lim="800000"/>
-          </a:ln>
-        </p:spPr>
-        <p:style>
-          <a:lnRef idx="1">
-            <a:schemeClr val="accent1"/>
-          </a:lnRef>
-          <a:fillRef idx="0">
-            <a:schemeClr val="accent1"/>
-          </a:fillRef>
-          <a:effectRef idx="0">
-            <a:schemeClr val="accent1"/>
-          </a:effectRef>
-          <a:fontRef idx="minor">
-            <a:schemeClr val="tx1"/>
-          </a:fontRef>
-        </p:style>
-      </p:cxnSp>
-      <p:sp>
-        <p:nvSpPr>
-          <p:cNvPr id="30" name="Rectangle 29">
-            <a:extLst>
-              <a:ext uri="{FF2B5EF4-FFF2-40B4-BE49-F238E27FC236}">
-                <a16:creationId xmlns:a16="http://schemas.microsoft.com/office/drawing/2014/main" id="{12176BD1-BD30-A44F-9CAF-928FE6EBB79F}"/>
-              </a:ext>
-            </a:extLst>
-          </p:cNvPr>
-          <p:cNvSpPr/>
-          <p:nvPr/>
-        </p:nvSpPr>
-        <p:spPr>
-          <a:xfrm>
-            <a:off x="6780686" y="6025354"/>
-            <a:ext cx="1263935" cy="213954"/>
-          </a:xfrm>
-          <a:prstGeom prst="rect">
-            <a:avLst/>
-          </a:prstGeom>
-          <a:noFill/>
-          <a:effectLst/>
-        </p:spPr>
-        <p:txBody>
-          <a:bodyPr wrap="square" lIns="0" rIns="0">
-            <a:noAutofit/>
-          </a:bodyPr>
-          <a:lstStyle/>
-          <a:p>
-            <a:pPr algn="r">
-              <a:lnSpc>
-                <a:spcPts val="1300"/>
-              </a:lnSpc>
-            </a:pPr>
-            <a:r>
-              <a:rPr lang="en-US" sz="1100" b="1" dirty="0">
-                <a:ln w="0"/>
-                <a:solidFill>
-                  <a:schemeClr val="tx1">
-                    <a:lumMod val="75000"/>
-                  </a:schemeClr>
-                </a:solidFill>
-                <a:latin typeface="Source Sans Pro" charset="0"/>
-                <a:ea typeface="Source Sans Pro" charset="0"/>
-                <a:cs typeface="Source Sans Pro" charset="0"/>
-              </a:rPr>
-              <a:t>HARDWARE </a:t>
-            </a:r>
-          </a:p>
-        </p:txBody>
-      </p:sp>
-      <p:sp>
-        <p:nvSpPr>
-          <p:cNvPr id="31" name="Rectangle 30">
-            <a:extLst>
-              <a:ext uri="{FF2B5EF4-FFF2-40B4-BE49-F238E27FC236}">
-                <a16:creationId xmlns:a16="http://schemas.microsoft.com/office/drawing/2014/main" id="{47E4C9E7-8973-4245-B612-41A03C8F1B0F}"/>
-              </a:ext>
-            </a:extLst>
-          </p:cNvPr>
-          <p:cNvSpPr/>
-          <p:nvPr/>
-        </p:nvSpPr>
-        <p:spPr>
-          <a:xfrm>
-            <a:off x="7100711" y="5270422"/>
-            <a:ext cx="943910" cy="213954"/>
-          </a:xfrm>
-          <a:prstGeom prst="rect">
-            <a:avLst/>
-          </a:prstGeom>
-          <a:noFill/>
-          <a:effectLst/>
-        </p:spPr>
-        <p:txBody>
-          <a:bodyPr wrap="square" lIns="0" rIns="0">
-            <a:noAutofit/>
-          </a:bodyPr>
-          <a:lstStyle/>
-          <a:p>
-            <a:pPr algn="r">
-              <a:lnSpc>
-                <a:spcPts val="1300"/>
-              </a:lnSpc>
-            </a:pPr>
-            <a:r>
-              <a:rPr lang="en-US" sz="1100" b="1" dirty="0">
-                <a:ln w="0"/>
-                <a:solidFill>
-                  <a:schemeClr val="tx1">
-                    <a:lumMod val="60000"/>
-                    <a:lumOff val="40000"/>
-                  </a:schemeClr>
-                </a:solidFill>
-                <a:latin typeface="Source Sans Pro" charset="0"/>
-                <a:ea typeface="Source Sans Pro" charset="0"/>
-                <a:cs typeface="Source Sans Pro" charset="0"/>
-              </a:rPr>
-              <a:t>PLATFORM</a:t>
-            </a:r>
-          </a:p>
-        </p:txBody>
-      </p:sp>
-      <p:sp>
-        <p:nvSpPr>
-          <p:cNvPr id="38" name="Rounded Rectangle 37">
-            <a:extLst>
-              <a:ext uri="{FF2B5EF4-FFF2-40B4-BE49-F238E27FC236}">
-                <a16:creationId xmlns:a16="http://schemas.microsoft.com/office/drawing/2014/main" id="{43368A84-1651-7944-B8C8-4E2FA7EA5146}"/>
-              </a:ext>
-            </a:extLst>
-          </p:cNvPr>
-          <p:cNvSpPr/>
-          <p:nvPr/>
-        </p:nvSpPr>
-        <p:spPr>
-          <a:xfrm>
-            <a:off x="5403660" y="5650838"/>
-            <a:ext cx="795600" cy="309106"/>
-          </a:xfrm>
-          <a:prstGeom prst="roundRect">
-            <a:avLst>
-              <a:gd name="adj" fmla="val 20457"/>
-            </a:avLst>
-          </a:prstGeom>
-          <a:solidFill>
-            <a:schemeClr val="tx2"/>
-          </a:solidFill>
-          <a:ln w="12700">
-            <a:noFill/>
-          </a:ln>
-          <a:effectLst/>
-        </p:spPr>
-        <p:style>
-          <a:lnRef idx="2">
-            <a:schemeClr val="dk1"/>
-          </a:lnRef>
-          <a:fillRef idx="1">
-            <a:schemeClr val="lt1"/>
-          </a:fillRef>
-          <a:effectRef idx="0">
-            <a:schemeClr val="dk1"/>
-          </a:effectRef>
-          <a:fontRef idx="minor">
-            <a:schemeClr val="dk1"/>
-          </a:fontRef>
-        </p:style>
-        <p:txBody>
-          <a:bodyPr wrap="square" lIns="0" tIns="72000" rIns="0" bIns="46800" rtlCol="0" anchor="ctr">
-            <a:noAutofit/>
-          </a:bodyPr>
-          <a:lstStyle/>
-          <a:p>
-            <a:pPr lvl="0" algn="ctr" defTabSz="914400">
-              <a:lnSpc>
-                <a:spcPts val="1180"/>
-              </a:lnSpc>
-              <a:defRPr/>
-            </a:pPr>
-            <a:r>
-              <a:rPr lang="en-US" sz="1200" kern="0" dirty="0">
-                <a:solidFill>
-                  <a:srgbClr val="FFFFFF"/>
-                </a:solidFill>
-                <a:latin typeface="Source Sans Pro Light" charset="0"/>
-                <a:ea typeface="Source Sans Pro Light" charset="0"/>
-                <a:cs typeface="Source Sans Pro Light" charset="0"/>
-              </a:rPr>
-              <a:t>UART</a:t>
-            </a:r>
-          </a:p>
-        </p:txBody>
-      </p:sp>
-      <p:sp>
-        <p:nvSpPr>
-          <p:cNvPr id="39" name="Rounded Rectangle 38">
-            <a:extLst>
-              <a:ext uri="{FF2B5EF4-FFF2-40B4-BE49-F238E27FC236}">
-                <a16:creationId xmlns:a16="http://schemas.microsoft.com/office/drawing/2014/main" id="{E5171215-1FDA-2B4B-97DB-FC4AE8F1ED14}"/>
-              </a:ext>
-            </a:extLst>
-          </p:cNvPr>
-          <p:cNvSpPr/>
-          <p:nvPr/>
-        </p:nvSpPr>
-        <p:spPr>
-          <a:xfrm>
-            <a:off x="6278004" y="5650838"/>
-            <a:ext cx="795600" cy="309106"/>
-          </a:xfrm>
-          <a:prstGeom prst="roundRect">
-            <a:avLst>
-              <a:gd name="adj" fmla="val 20457"/>
-            </a:avLst>
-          </a:prstGeom>
-          <a:solidFill>
-            <a:schemeClr val="tx2"/>
-          </a:solidFill>
-          <a:ln w="12700">
-            <a:noFill/>
-          </a:ln>
-          <a:effectLst/>
-        </p:spPr>
-        <p:style>
-          <a:lnRef idx="2">
-            <a:schemeClr val="dk1"/>
-          </a:lnRef>
-          <a:fillRef idx="1">
-            <a:schemeClr val="lt1"/>
-          </a:fillRef>
-          <a:effectRef idx="0">
-            <a:schemeClr val="dk1"/>
-          </a:effectRef>
-          <a:fontRef idx="minor">
-            <a:schemeClr val="dk1"/>
-          </a:fontRef>
-        </p:style>
-        <p:txBody>
-          <a:bodyPr wrap="square" lIns="0" tIns="72000" rIns="0" bIns="46800" rtlCol="0" anchor="ctr">
-            <a:noAutofit/>
-          </a:bodyPr>
-          <a:lstStyle/>
-          <a:p>
-            <a:pPr lvl="0" algn="ctr" defTabSz="914400">
-              <a:lnSpc>
-                <a:spcPts val="1180"/>
-              </a:lnSpc>
-              <a:defRPr/>
-            </a:pPr>
-            <a:r>
-              <a:rPr lang="en-US" sz="1200" kern="0" dirty="0">
-                <a:solidFill>
-                  <a:srgbClr val="FFFFFF"/>
-                </a:solidFill>
-                <a:latin typeface="Source Sans Pro Light" charset="0"/>
-                <a:ea typeface="Source Sans Pro Light" charset="0"/>
-                <a:cs typeface="Source Sans Pro Light" charset="0"/>
-              </a:rPr>
-              <a:t>Memory</a:t>
-            </a:r>
-          </a:p>
-        </p:txBody>
-      </p:sp>
-      <p:sp>
-        <p:nvSpPr>
-          <p:cNvPr id="40" name="Rounded Rectangle 39">
-            <a:extLst>
-              <a:ext uri="{FF2B5EF4-FFF2-40B4-BE49-F238E27FC236}">
-                <a16:creationId xmlns:a16="http://schemas.microsoft.com/office/drawing/2014/main" id="{DB9583CE-8E47-B543-A3C6-0A7CECBE335C}"/>
-              </a:ext>
-            </a:extLst>
-          </p:cNvPr>
-          <p:cNvSpPr/>
-          <p:nvPr/>
-        </p:nvSpPr>
-        <p:spPr>
-          <a:xfrm>
-            <a:off x="7152348" y="5650838"/>
-            <a:ext cx="795600" cy="309106"/>
-          </a:xfrm>
-          <a:prstGeom prst="roundRect">
-            <a:avLst>
-              <a:gd name="adj" fmla="val 20457"/>
-            </a:avLst>
-          </a:prstGeom>
-          <a:solidFill>
-            <a:schemeClr val="tx2"/>
-          </a:solidFill>
-          <a:ln w="12700">
-            <a:noFill/>
-          </a:ln>
-          <a:effectLst/>
-        </p:spPr>
-        <p:style>
-          <a:lnRef idx="2">
-            <a:schemeClr val="dk1"/>
-          </a:lnRef>
-          <a:fillRef idx="1">
-            <a:schemeClr val="lt1"/>
-          </a:fillRef>
-          <a:effectRef idx="0">
-            <a:schemeClr val="dk1"/>
-          </a:effectRef>
-          <a:fontRef idx="minor">
-            <a:schemeClr val="dk1"/>
-          </a:fontRef>
-        </p:style>
-        <p:txBody>
-          <a:bodyPr wrap="square" lIns="0" tIns="72000" rIns="0" bIns="46800" rtlCol="0" anchor="ctr">
-            <a:noAutofit/>
-          </a:bodyPr>
-          <a:lstStyle/>
-          <a:p>
-            <a:pPr lvl="0" algn="ctr" defTabSz="914400">
-              <a:lnSpc>
-                <a:spcPts val="1180"/>
-              </a:lnSpc>
-              <a:defRPr/>
-            </a:pPr>
-            <a:r>
-              <a:rPr lang="en-US" sz="1200" kern="0" dirty="0">
-                <a:solidFill>
-                  <a:srgbClr val="FFFFFF"/>
-                </a:solidFill>
-                <a:latin typeface="Source Sans Pro Light" charset="0"/>
-                <a:ea typeface="Source Sans Pro Light" charset="0"/>
-                <a:cs typeface="Source Sans Pro Light" charset="0"/>
-              </a:rPr>
-              <a:t>Peripherals</a:t>
-            </a:r>
-            <a:endParaRPr lang="en-US" sz="1200" i="1" kern="0" dirty="0">
-              <a:solidFill>
-                <a:srgbClr val="FFFFFF"/>
-              </a:solidFill>
-              <a:latin typeface="Source Sans Pro Light" charset="0"/>
-              <a:ea typeface="Source Sans Pro Light" charset="0"/>
-              <a:cs typeface="Source Sans Pro Light" charset="0"/>
-            </a:endParaRPr>
-          </a:p>
-        </p:txBody>
-      </p:sp>
-      <p:sp>
-        <p:nvSpPr>
-          <p:cNvPr id="41" name="Rectangle 40">
-            <a:extLst>
-              <a:ext uri="{FF2B5EF4-FFF2-40B4-BE49-F238E27FC236}">
-                <a16:creationId xmlns:a16="http://schemas.microsoft.com/office/drawing/2014/main" id="{60369472-40F5-0C49-8A0A-34721DA59A39}"/>
-              </a:ext>
-            </a:extLst>
-          </p:cNvPr>
-          <p:cNvSpPr/>
-          <p:nvPr/>
-        </p:nvSpPr>
-        <p:spPr>
-          <a:xfrm>
-            <a:off x="5591834" y="3590498"/>
-            <a:ext cx="1479287" cy="129587"/>
-          </a:xfrm>
-          <a:prstGeom prst="rect">
-            <a:avLst/>
-          </a:prstGeom>
-          <a:gradFill flip="none" rotWithShape="1">
-            <a:gsLst>
-              <a:gs pos="100000">
-                <a:srgbClr val="CBD3D7">
-                  <a:alpha val="0"/>
-                </a:srgbClr>
-              </a:gs>
-              <a:gs pos="0">
-                <a:schemeClr val="bg2">
-                  <a:alpha val="0"/>
-                </a:schemeClr>
-              </a:gs>
-              <a:gs pos="80000">
-                <a:srgbClr val="CBD3D7">
-                  <a:alpha val="90000"/>
-                </a:srgbClr>
-              </a:gs>
-              <a:gs pos="20000">
-                <a:schemeClr val="bg2">
-                  <a:alpha val="90000"/>
-                </a:schemeClr>
-              </a:gs>
-            </a:gsLst>
-            <a:lin ang="0" scaled="1"/>
-            <a:tileRect/>
-          </a:gradFill>
-          <a:ln w="31750">
-            <a:noFill/>
-          </a:ln>
-          <a:effectLst/>
-        </p:spPr>
-        <p:txBody>
-          <a:bodyPr wrap="square" lIns="0" tIns="0" rIns="0" bIns="0">
-            <a:spAutoFit/>
-          </a:bodyPr>
-          <a:lstStyle/>
-          <a:p>
-            <a:pPr algn="ctr">
-              <a:lnSpc>
-                <a:spcPts val="1000"/>
-              </a:lnSpc>
-            </a:pPr>
-            <a:r>
-              <a:rPr lang="en-US" sz="1000" b="1" dirty="0">
-                <a:ln w="0"/>
-                <a:solidFill>
-                  <a:schemeClr val="accent1"/>
-                </a:solidFill>
-                <a:latin typeface="Source Sans Pro" panose="020B0503030403020204" pitchFamily="34" charset="0"/>
-                <a:ea typeface="Source Sans Pro" panose="020B0503030403020204" pitchFamily="34" charset="0"/>
-              </a:rPr>
-              <a:t>ABSTRACTION LAYERS</a:t>
-            </a:r>
-          </a:p>
-        </p:txBody>
-      </p:sp>
-      <p:sp>
-        <p:nvSpPr>
-          <p:cNvPr id="89" name="Rounded Rectangle 88">
-            <a:extLst>
-              <a:ext uri="{FF2B5EF4-FFF2-40B4-BE49-F238E27FC236}">
-                <a16:creationId xmlns:a16="http://schemas.microsoft.com/office/drawing/2014/main" id="{98447DE0-E58F-1845-A2B5-FF9F5B09D338}"/>
-              </a:ext>
-            </a:extLst>
-          </p:cNvPr>
-          <p:cNvSpPr/>
-          <p:nvPr/>
-        </p:nvSpPr>
-        <p:spPr>
-          <a:xfrm>
-            <a:off x="3817861" y="4894397"/>
-            <a:ext cx="4236479" cy="306000"/>
-          </a:xfrm>
-          <a:prstGeom prst="roundRect">
-            <a:avLst>
-              <a:gd name="adj" fmla="val 19644"/>
-            </a:avLst>
-          </a:prstGeom>
-          <a:solidFill>
-            <a:schemeClr val="tx2"/>
-          </a:solidFill>
-          <a:ln w="12700">
-            <a:noFill/>
-          </a:ln>
-          <a:effectLst/>
-        </p:spPr>
-        <p:style>
-          <a:lnRef idx="2">
-            <a:schemeClr val="dk1"/>
-          </a:lnRef>
-          <a:fillRef idx="1">
-            <a:schemeClr val="lt1"/>
-          </a:fillRef>
-          <a:effectRef idx="0">
-            <a:schemeClr val="dk1"/>
-          </a:effectRef>
-          <a:fontRef idx="minor">
-            <a:schemeClr val="dk1"/>
-          </a:fontRef>
-        </p:style>
-        <p:txBody>
-          <a:bodyPr wrap="square" lIns="90000" tIns="36000" bIns="36000" rtlCol="0" anchor="ctr">
-            <a:noAutofit/>
-          </a:bodyPr>
-          <a:lstStyle/>
-          <a:p>
-            <a:pPr lvl="0" algn="ctr">
-              <a:defRPr/>
-            </a:pPr>
-            <a:r>
-              <a:rPr lang="en-US" sz="1600" b="1" kern="0" dirty="0">
-                <a:solidFill>
-                  <a:srgbClr val="FFFFFF"/>
-                </a:solidFill>
-                <a:effectLst>
-                  <a:outerShdw blurRad="76200" dist="38100" dir="5400000" algn="t" rotWithShape="0">
-                    <a:prstClr val="black">
-                      <a:alpha val="70000"/>
-                    </a:prstClr>
-                  </a:outerShdw>
-                </a:effectLst>
-                <a:latin typeface="Source Sans Pro" charset="0"/>
-                <a:ea typeface="Source Sans Pro" charset="0"/>
-                <a:cs typeface="Source Sans Pro" charset="0"/>
-              </a:rPr>
-              <a:t>C Runtime</a:t>
-            </a:r>
-          </a:p>
-        </p:txBody>
-      </p:sp>
-      <p:grpSp>
-        <p:nvGrpSpPr>
-          <p:cNvPr id="17" name="Group 16">
-            <a:extLst>
-              <a:ext uri="{FF2B5EF4-FFF2-40B4-BE49-F238E27FC236}">
-                <a16:creationId xmlns:a16="http://schemas.microsoft.com/office/drawing/2014/main" id="{526299CB-A110-C54D-BDF8-96E344AF1C1F}"/>
-              </a:ext>
-            </a:extLst>
-          </p:cNvPr>
-          <p:cNvGrpSpPr/>
-          <p:nvPr/>
-        </p:nvGrpSpPr>
-        <p:grpSpPr>
-          <a:xfrm>
-            <a:off x="3785361" y="3340306"/>
-            <a:ext cx="1684403" cy="725924"/>
-            <a:chOff x="3235766" y="3459308"/>
-            <a:chExt cx="1684403" cy="725924"/>
-          </a:xfrm>
-        </p:grpSpPr>
-        <p:sp>
-          <p:nvSpPr>
-            <p:cNvPr id="18" name="Rounded Rectangle 370">
-              <a:extLst>
-                <a:ext uri="{FF2B5EF4-FFF2-40B4-BE49-F238E27FC236}">
-                  <a16:creationId xmlns:a16="http://schemas.microsoft.com/office/drawing/2014/main" id="{2E1FB874-03EC-C448-BFBA-8CD82A1D096B}"/>
+                  <a16:creationId xmlns:a16="http://schemas.microsoft.com/office/drawing/2014/main" id="{70F38BA2-FEE1-0B4D-AAE5-39A694AFBE0E}"/>
                 </a:ext>
               </a:extLst>
             </p:cNvPr>
@@ -9222,946 +8582,17 @@
           </p:nvSpPr>
           <p:spPr>
             <a:xfrm>
-              <a:off x="3235766" y="3459308"/>
-              <a:ext cx="1684403" cy="725924"/>
+              <a:off x="3817861" y="4523848"/>
+              <a:ext cx="4236479" cy="306000"/>
             </a:xfrm>
-            <a:custGeom>
-              <a:avLst/>
-              <a:gdLst>
-                <a:gd name="connsiteX0" fmla="*/ 0 w 1377675"/>
-                <a:gd name="connsiteY0" fmla="*/ 66568 h 1084694"/>
-                <a:gd name="connsiteX1" fmla="*/ 66568 w 1377675"/>
-                <a:gd name="connsiteY1" fmla="*/ 0 h 1084694"/>
-                <a:gd name="connsiteX2" fmla="*/ 1311107 w 1377675"/>
-                <a:gd name="connsiteY2" fmla="*/ 0 h 1084694"/>
-                <a:gd name="connsiteX3" fmla="*/ 1377675 w 1377675"/>
-                <a:gd name="connsiteY3" fmla="*/ 66568 h 1084694"/>
-                <a:gd name="connsiteX4" fmla="*/ 1377675 w 1377675"/>
-                <a:gd name="connsiteY4" fmla="*/ 1018126 h 1084694"/>
-                <a:gd name="connsiteX5" fmla="*/ 1311107 w 1377675"/>
-                <a:gd name="connsiteY5" fmla="*/ 1084694 h 1084694"/>
-                <a:gd name="connsiteX6" fmla="*/ 66568 w 1377675"/>
-                <a:gd name="connsiteY6" fmla="*/ 1084694 h 1084694"/>
-                <a:gd name="connsiteX7" fmla="*/ 0 w 1377675"/>
-                <a:gd name="connsiteY7" fmla="*/ 1018126 h 1084694"/>
-                <a:gd name="connsiteX8" fmla="*/ 0 w 1377675"/>
-                <a:gd name="connsiteY8" fmla="*/ 66568 h 1084694"/>
-                <a:gd name="connsiteX0" fmla="*/ 0 w 1377675"/>
-                <a:gd name="connsiteY0" fmla="*/ 66568 h 1084694"/>
-                <a:gd name="connsiteX1" fmla="*/ 66568 w 1377675"/>
-                <a:gd name="connsiteY1" fmla="*/ 0 h 1084694"/>
-                <a:gd name="connsiteX2" fmla="*/ 1311107 w 1377675"/>
-                <a:gd name="connsiteY2" fmla="*/ 0 h 1084694"/>
-                <a:gd name="connsiteX3" fmla="*/ 1377675 w 1377675"/>
-                <a:gd name="connsiteY3" fmla="*/ 409468 h 1084694"/>
-                <a:gd name="connsiteX4" fmla="*/ 1377675 w 1377675"/>
-                <a:gd name="connsiteY4" fmla="*/ 1018126 h 1084694"/>
-                <a:gd name="connsiteX5" fmla="*/ 1311107 w 1377675"/>
-                <a:gd name="connsiteY5" fmla="*/ 1084694 h 1084694"/>
-                <a:gd name="connsiteX6" fmla="*/ 66568 w 1377675"/>
-                <a:gd name="connsiteY6" fmla="*/ 1084694 h 1084694"/>
-                <a:gd name="connsiteX7" fmla="*/ 0 w 1377675"/>
-                <a:gd name="connsiteY7" fmla="*/ 1018126 h 1084694"/>
-                <a:gd name="connsiteX8" fmla="*/ 0 w 1377675"/>
-                <a:gd name="connsiteY8" fmla="*/ 66568 h 1084694"/>
-                <a:gd name="connsiteX0" fmla="*/ 0 w 1381139"/>
-                <a:gd name="connsiteY0" fmla="*/ 388686 h 1084694"/>
-                <a:gd name="connsiteX1" fmla="*/ 70032 w 1381139"/>
-                <a:gd name="connsiteY1" fmla="*/ 0 h 1084694"/>
-                <a:gd name="connsiteX2" fmla="*/ 1314571 w 1381139"/>
-                <a:gd name="connsiteY2" fmla="*/ 0 h 1084694"/>
-                <a:gd name="connsiteX3" fmla="*/ 1381139 w 1381139"/>
-                <a:gd name="connsiteY3" fmla="*/ 409468 h 1084694"/>
-                <a:gd name="connsiteX4" fmla="*/ 1381139 w 1381139"/>
-                <a:gd name="connsiteY4" fmla="*/ 1018126 h 1084694"/>
-                <a:gd name="connsiteX5" fmla="*/ 1314571 w 1381139"/>
-                <a:gd name="connsiteY5" fmla="*/ 1084694 h 1084694"/>
-                <a:gd name="connsiteX6" fmla="*/ 70032 w 1381139"/>
-                <a:gd name="connsiteY6" fmla="*/ 1084694 h 1084694"/>
-                <a:gd name="connsiteX7" fmla="*/ 3464 w 1381139"/>
-                <a:gd name="connsiteY7" fmla="*/ 1018126 h 1084694"/>
-                <a:gd name="connsiteX8" fmla="*/ 0 w 1381139"/>
-                <a:gd name="connsiteY8" fmla="*/ 388686 h 1084694"/>
-                <a:gd name="connsiteX0" fmla="*/ 0 w 3085063"/>
-                <a:gd name="connsiteY0" fmla="*/ 388686 h 1084694"/>
-                <a:gd name="connsiteX1" fmla="*/ 70032 w 3085063"/>
-                <a:gd name="connsiteY1" fmla="*/ 0 h 1084694"/>
-                <a:gd name="connsiteX2" fmla="*/ 3084489 w 3085063"/>
-                <a:gd name="connsiteY2" fmla="*/ 256309 h 1084694"/>
-                <a:gd name="connsiteX3" fmla="*/ 1381139 w 3085063"/>
-                <a:gd name="connsiteY3" fmla="*/ 409468 h 1084694"/>
-                <a:gd name="connsiteX4" fmla="*/ 1381139 w 3085063"/>
-                <a:gd name="connsiteY4" fmla="*/ 1018126 h 1084694"/>
-                <a:gd name="connsiteX5" fmla="*/ 1314571 w 3085063"/>
-                <a:gd name="connsiteY5" fmla="*/ 1084694 h 1084694"/>
-                <a:gd name="connsiteX6" fmla="*/ 70032 w 3085063"/>
-                <a:gd name="connsiteY6" fmla="*/ 1084694 h 1084694"/>
-                <a:gd name="connsiteX7" fmla="*/ 3464 w 3085063"/>
-                <a:gd name="connsiteY7" fmla="*/ 1018126 h 1084694"/>
-                <a:gd name="connsiteX8" fmla="*/ 0 w 3085063"/>
-                <a:gd name="connsiteY8" fmla="*/ 388686 h 1084694"/>
-                <a:gd name="connsiteX0" fmla="*/ 1150005 w 4235068"/>
-                <a:gd name="connsiteY0" fmla="*/ 132377 h 828385"/>
-                <a:gd name="connsiteX1" fmla="*/ 837 w 4235068"/>
-                <a:gd name="connsiteY1" fmla="*/ 3463 h 828385"/>
-                <a:gd name="connsiteX2" fmla="*/ 4234494 w 4235068"/>
-                <a:gd name="connsiteY2" fmla="*/ 0 h 828385"/>
-                <a:gd name="connsiteX3" fmla="*/ 2531144 w 4235068"/>
-                <a:gd name="connsiteY3" fmla="*/ 153159 h 828385"/>
-                <a:gd name="connsiteX4" fmla="*/ 2531144 w 4235068"/>
-                <a:gd name="connsiteY4" fmla="*/ 761817 h 828385"/>
-                <a:gd name="connsiteX5" fmla="*/ 2464576 w 4235068"/>
-                <a:gd name="connsiteY5" fmla="*/ 828385 h 828385"/>
-                <a:gd name="connsiteX6" fmla="*/ 1220037 w 4235068"/>
-                <a:gd name="connsiteY6" fmla="*/ 828385 h 828385"/>
-                <a:gd name="connsiteX7" fmla="*/ 1153469 w 4235068"/>
-                <a:gd name="connsiteY7" fmla="*/ 761817 h 828385"/>
-                <a:gd name="connsiteX8" fmla="*/ 1150005 w 4235068"/>
-                <a:gd name="connsiteY8" fmla="*/ 132377 h 828385"/>
-                <a:gd name="connsiteX0" fmla="*/ 1150005 w 2930911"/>
-                <a:gd name="connsiteY0" fmla="*/ 128914 h 824922"/>
-                <a:gd name="connsiteX1" fmla="*/ 837 w 2930911"/>
-                <a:gd name="connsiteY1" fmla="*/ 0 h 824922"/>
-                <a:gd name="connsiteX2" fmla="*/ 2928703 w 2930911"/>
-                <a:gd name="connsiteY2" fmla="*/ 1 h 824922"/>
-                <a:gd name="connsiteX3" fmla="*/ 2531144 w 2930911"/>
-                <a:gd name="connsiteY3" fmla="*/ 149696 h 824922"/>
-                <a:gd name="connsiteX4" fmla="*/ 2531144 w 2930911"/>
-                <a:gd name="connsiteY4" fmla="*/ 758354 h 824922"/>
-                <a:gd name="connsiteX5" fmla="*/ 2464576 w 2930911"/>
-                <a:gd name="connsiteY5" fmla="*/ 824922 h 824922"/>
-                <a:gd name="connsiteX6" fmla="*/ 1220037 w 2930911"/>
-                <a:gd name="connsiteY6" fmla="*/ 824922 h 824922"/>
-                <a:gd name="connsiteX7" fmla="*/ 1153469 w 2930911"/>
-                <a:gd name="connsiteY7" fmla="*/ 758354 h 824922"/>
-                <a:gd name="connsiteX8" fmla="*/ 1150005 w 2930911"/>
-                <a:gd name="connsiteY8" fmla="*/ 128914 h 824922"/>
-                <a:gd name="connsiteX0" fmla="*/ 1150005 w 2930911"/>
-                <a:gd name="connsiteY0" fmla="*/ 128914 h 824922"/>
-                <a:gd name="connsiteX1" fmla="*/ 837 w 2930911"/>
-                <a:gd name="connsiteY1" fmla="*/ 0 h 824922"/>
-                <a:gd name="connsiteX2" fmla="*/ 2928703 w 2930911"/>
-                <a:gd name="connsiteY2" fmla="*/ 1 h 824922"/>
-                <a:gd name="connsiteX3" fmla="*/ 2531144 w 2930911"/>
-                <a:gd name="connsiteY3" fmla="*/ 149696 h 824922"/>
-                <a:gd name="connsiteX4" fmla="*/ 2531144 w 2930911"/>
-                <a:gd name="connsiteY4" fmla="*/ 758354 h 824922"/>
-                <a:gd name="connsiteX5" fmla="*/ 2464576 w 2930911"/>
-                <a:gd name="connsiteY5" fmla="*/ 824922 h 824922"/>
-                <a:gd name="connsiteX6" fmla="*/ 1220037 w 2930911"/>
-                <a:gd name="connsiteY6" fmla="*/ 824922 h 824922"/>
-                <a:gd name="connsiteX7" fmla="*/ 1153469 w 2930911"/>
-                <a:gd name="connsiteY7" fmla="*/ 758354 h 824922"/>
-                <a:gd name="connsiteX8" fmla="*/ 1150005 w 2930911"/>
-                <a:gd name="connsiteY8" fmla="*/ 128914 h 824922"/>
-                <a:gd name="connsiteX0" fmla="*/ 1150004 w 2930910"/>
-                <a:gd name="connsiteY0" fmla="*/ 128914 h 824922"/>
-                <a:gd name="connsiteX1" fmla="*/ 836 w 2930910"/>
-                <a:gd name="connsiteY1" fmla="*/ 0 h 824922"/>
-                <a:gd name="connsiteX2" fmla="*/ 2928702 w 2930910"/>
-                <a:gd name="connsiteY2" fmla="*/ 1 h 824922"/>
-                <a:gd name="connsiteX3" fmla="*/ 2531143 w 2930910"/>
-                <a:gd name="connsiteY3" fmla="*/ 149696 h 824922"/>
-                <a:gd name="connsiteX4" fmla="*/ 2531143 w 2930910"/>
-                <a:gd name="connsiteY4" fmla="*/ 758354 h 824922"/>
-                <a:gd name="connsiteX5" fmla="*/ 2464575 w 2930910"/>
-                <a:gd name="connsiteY5" fmla="*/ 824922 h 824922"/>
-                <a:gd name="connsiteX6" fmla="*/ 1220036 w 2930910"/>
-                <a:gd name="connsiteY6" fmla="*/ 824922 h 824922"/>
-                <a:gd name="connsiteX7" fmla="*/ 1153468 w 2930910"/>
-                <a:gd name="connsiteY7" fmla="*/ 758354 h 824922"/>
-                <a:gd name="connsiteX8" fmla="*/ 1150004 w 2930910"/>
-                <a:gd name="connsiteY8" fmla="*/ 128914 h 824922"/>
-                <a:gd name="connsiteX0" fmla="*/ 375627 w 2156533"/>
-                <a:gd name="connsiteY0" fmla="*/ 128913 h 824921"/>
-                <a:gd name="connsiteX1" fmla="*/ 2314 w 2156533"/>
-                <a:gd name="connsiteY1" fmla="*/ 6926 h 824921"/>
-                <a:gd name="connsiteX2" fmla="*/ 2154325 w 2156533"/>
-                <a:gd name="connsiteY2" fmla="*/ 0 h 824921"/>
-                <a:gd name="connsiteX3" fmla="*/ 1756766 w 2156533"/>
-                <a:gd name="connsiteY3" fmla="*/ 149695 h 824921"/>
-                <a:gd name="connsiteX4" fmla="*/ 1756766 w 2156533"/>
-                <a:gd name="connsiteY4" fmla="*/ 758353 h 824921"/>
-                <a:gd name="connsiteX5" fmla="*/ 1690198 w 2156533"/>
-                <a:gd name="connsiteY5" fmla="*/ 824921 h 824921"/>
-                <a:gd name="connsiteX6" fmla="*/ 445659 w 2156533"/>
-                <a:gd name="connsiteY6" fmla="*/ 824921 h 824921"/>
-                <a:gd name="connsiteX7" fmla="*/ 379091 w 2156533"/>
-                <a:gd name="connsiteY7" fmla="*/ 758353 h 824921"/>
-                <a:gd name="connsiteX8" fmla="*/ 375627 w 2156533"/>
-                <a:gd name="connsiteY8" fmla="*/ 128913 h 824921"/>
-                <a:gd name="connsiteX0" fmla="*/ 418185 w 2199091"/>
-                <a:gd name="connsiteY0" fmla="*/ 128913 h 824921"/>
-                <a:gd name="connsiteX1" fmla="*/ 44872 w 2199091"/>
-                <a:gd name="connsiteY1" fmla="*/ 6926 h 824921"/>
-                <a:gd name="connsiteX2" fmla="*/ 2196883 w 2199091"/>
-                <a:gd name="connsiteY2" fmla="*/ 0 h 824921"/>
-                <a:gd name="connsiteX3" fmla="*/ 1799324 w 2199091"/>
-                <a:gd name="connsiteY3" fmla="*/ 149695 h 824921"/>
-                <a:gd name="connsiteX4" fmla="*/ 1799324 w 2199091"/>
-                <a:gd name="connsiteY4" fmla="*/ 758353 h 824921"/>
-                <a:gd name="connsiteX5" fmla="*/ 1732756 w 2199091"/>
-                <a:gd name="connsiteY5" fmla="*/ 824921 h 824921"/>
-                <a:gd name="connsiteX6" fmla="*/ 488217 w 2199091"/>
-                <a:gd name="connsiteY6" fmla="*/ 824921 h 824921"/>
-                <a:gd name="connsiteX7" fmla="*/ 421649 w 2199091"/>
-                <a:gd name="connsiteY7" fmla="*/ 758353 h 824921"/>
-                <a:gd name="connsiteX8" fmla="*/ 418185 w 2199091"/>
-                <a:gd name="connsiteY8" fmla="*/ 128913 h 824921"/>
-                <a:gd name="connsiteX0" fmla="*/ 404178 w 2197426"/>
-                <a:gd name="connsiteY0" fmla="*/ 129381 h 825389"/>
-                <a:gd name="connsiteX1" fmla="*/ 30865 w 2197426"/>
-                <a:gd name="connsiteY1" fmla="*/ 7394 h 825389"/>
-                <a:gd name="connsiteX2" fmla="*/ 2182876 w 2197426"/>
-                <a:gd name="connsiteY2" fmla="*/ 468 h 825389"/>
-                <a:gd name="connsiteX3" fmla="*/ 1785317 w 2197426"/>
-                <a:gd name="connsiteY3" fmla="*/ 150163 h 825389"/>
-                <a:gd name="connsiteX4" fmla="*/ 1785317 w 2197426"/>
-                <a:gd name="connsiteY4" fmla="*/ 758821 h 825389"/>
-                <a:gd name="connsiteX5" fmla="*/ 1718749 w 2197426"/>
-                <a:gd name="connsiteY5" fmla="*/ 825389 h 825389"/>
-                <a:gd name="connsiteX6" fmla="*/ 474210 w 2197426"/>
-                <a:gd name="connsiteY6" fmla="*/ 825389 h 825389"/>
-                <a:gd name="connsiteX7" fmla="*/ 407642 w 2197426"/>
-                <a:gd name="connsiteY7" fmla="*/ 758821 h 825389"/>
-                <a:gd name="connsiteX8" fmla="*/ 404178 w 2197426"/>
-                <a:gd name="connsiteY8" fmla="*/ 129381 h 825389"/>
-                <a:gd name="connsiteX0" fmla="*/ 373313 w 2152011"/>
-                <a:gd name="connsiteY0" fmla="*/ 129381 h 825389"/>
-                <a:gd name="connsiteX1" fmla="*/ 0 w 2152011"/>
-                <a:gd name="connsiteY1" fmla="*/ 7394 h 825389"/>
-                <a:gd name="connsiteX2" fmla="*/ 2152011 w 2152011"/>
-                <a:gd name="connsiteY2" fmla="*/ 468 h 825389"/>
-                <a:gd name="connsiteX3" fmla="*/ 1754452 w 2152011"/>
-                <a:gd name="connsiteY3" fmla="*/ 150163 h 825389"/>
-                <a:gd name="connsiteX4" fmla="*/ 1754452 w 2152011"/>
-                <a:gd name="connsiteY4" fmla="*/ 758821 h 825389"/>
-                <a:gd name="connsiteX5" fmla="*/ 1687884 w 2152011"/>
-                <a:gd name="connsiteY5" fmla="*/ 825389 h 825389"/>
-                <a:gd name="connsiteX6" fmla="*/ 443345 w 2152011"/>
-                <a:gd name="connsiteY6" fmla="*/ 825389 h 825389"/>
-                <a:gd name="connsiteX7" fmla="*/ 376777 w 2152011"/>
-                <a:gd name="connsiteY7" fmla="*/ 758821 h 825389"/>
-                <a:gd name="connsiteX8" fmla="*/ 373313 w 2152011"/>
-                <a:gd name="connsiteY8" fmla="*/ 129381 h 825389"/>
-                <a:gd name="connsiteX0" fmla="*/ 436994 w 2018842"/>
-                <a:gd name="connsiteY0" fmla="*/ 132057 h 828065"/>
-                <a:gd name="connsiteX1" fmla="*/ 63681 w 2018842"/>
-                <a:gd name="connsiteY1" fmla="*/ 10070 h 828065"/>
-                <a:gd name="connsiteX2" fmla="*/ 2018842 w 2018842"/>
-                <a:gd name="connsiteY2" fmla="*/ 6319 h 828065"/>
-                <a:gd name="connsiteX3" fmla="*/ 1818133 w 2018842"/>
-                <a:gd name="connsiteY3" fmla="*/ 152839 h 828065"/>
-                <a:gd name="connsiteX4" fmla="*/ 1818133 w 2018842"/>
-                <a:gd name="connsiteY4" fmla="*/ 761497 h 828065"/>
-                <a:gd name="connsiteX5" fmla="*/ 1751565 w 2018842"/>
-                <a:gd name="connsiteY5" fmla="*/ 828065 h 828065"/>
-                <a:gd name="connsiteX6" fmla="*/ 507026 w 2018842"/>
-                <a:gd name="connsiteY6" fmla="*/ 828065 h 828065"/>
-                <a:gd name="connsiteX7" fmla="*/ 440458 w 2018842"/>
-                <a:gd name="connsiteY7" fmla="*/ 761497 h 828065"/>
-                <a:gd name="connsiteX8" fmla="*/ 436994 w 2018842"/>
-                <a:gd name="connsiteY8" fmla="*/ 132057 h 828065"/>
-                <a:gd name="connsiteX0" fmla="*/ 436994 w 2023402"/>
-                <a:gd name="connsiteY0" fmla="*/ 131514 h 827522"/>
-                <a:gd name="connsiteX1" fmla="*/ 63681 w 2023402"/>
-                <a:gd name="connsiteY1" fmla="*/ 9527 h 827522"/>
-                <a:gd name="connsiteX2" fmla="*/ 2018842 w 2023402"/>
-                <a:gd name="connsiteY2" fmla="*/ 5776 h 827522"/>
-                <a:gd name="connsiteX3" fmla="*/ 1818133 w 2023402"/>
-                <a:gd name="connsiteY3" fmla="*/ 152296 h 827522"/>
-                <a:gd name="connsiteX4" fmla="*/ 1818133 w 2023402"/>
-                <a:gd name="connsiteY4" fmla="*/ 760954 h 827522"/>
-                <a:gd name="connsiteX5" fmla="*/ 1751565 w 2023402"/>
-                <a:gd name="connsiteY5" fmla="*/ 827522 h 827522"/>
-                <a:gd name="connsiteX6" fmla="*/ 507026 w 2023402"/>
-                <a:gd name="connsiteY6" fmla="*/ 827522 h 827522"/>
-                <a:gd name="connsiteX7" fmla="*/ 440458 w 2023402"/>
-                <a:gd name="connsiteY7" fmla="*/ 760954 h 827522"/>
-                <a:gd name="connsiteX8" fmla="*/ 436994 w 2023402"/>
-                <a:gd name="connsiteY8" fmla="*/ 131514 h 827522"/>
-                <a:gd name="connsiteX0" fmla="*/ 260186 w 1921406"/>
-                <a:gd name="connsiteY0" fmla="*/ 144219 h 840227"/>
-                <a:gd name="connsiteX1" fmla="*/ 83723 w 1921406"/>
-                <a:gd name="connsiteY1" fmla="*/ 15882 h 840227"/>
-                <a:gd name="connsiteX2" fmla="*/ 1842034 w 1921406"/>
-                <a:gd name="connsiteY2" fmla="*/ 18481 h 840227"/>
-                <a:gd name="connsiteX3" fmla="*/ 1641325 w 1921406"/>
-                <a:gd name="connsiteY3" fmla="*/ 165001 h 840227"/>
-                <a:gd name="connsiteX4" fmla="*/ 1641325 w 1921406"/>
-                <a:gd name="connsiteY4" fmla="*/ 773659 h 840227"/>
-                <a:gd name="connsiteX5" fmla="*/ 1574757 w 1921406"/>
-                <a:gd name="connsiteY5" fmla="*/ 840227 h 840227"/>
-                <a:gd name="connsiteX6" fmla="*/ 330218 w 1921406"/>
-                <a:gd name="connsiteY6" fmla="*/ 840227 h 840227"/>
-                <a:gd name="connsiteX7" fmla="*/ 263650 w 1921406"/>
-                <a:gd name="connsiteY7" fmla="*/ 773659 h 840227"/>
-                <a:gd name="connsiteX8" fmla="*/ 260186 w 1921406"/>
-                <a:gd name="connsiteY8" fmla="*/ 144219 h 840227"/>
-                <a:gd name="connsiteX0" fmla="*/ 184184 w 1845404"/>
-                <a:gd name="connsiteY0" fmla="*/ 137193 h 833201"/>
-                <a:gd name="connsiteX1" fmla="*/ 7721 w 1845404"/>
-                <a:gd name="connsiteY1" fmla="*/ 8856 h 833201"/>
-                <a:gd name="connsiteX2" fmla="*/ 1766032 w 1845404"/>
-                <a:gd name="connsiteY2" fmla="*/ 11455 h 833201"/>
-                <a:gd name="connsiteX3" fmla="*/ 1565323 w 1845404"/>
-                <a:gd name="connsiteY3" fmla="*/ 157975 h 833201"/>
-                <a:gd name="connsiteX4" fmla="*/ 1565323 w 1845404"/>
-                <a:gd name="connsiteY4" fmla="*/ 766633 h 833201"/>
-                <a:gd name="connsiteX5" fmla="*/ 1498755 w 1845404"/>
-                <a:gd name="connsiteY5" fmla="*/ 833201 h 833201"/>
-                <a:gd name="connsiteX6" fmla="*/ 254216 w 1845404"/>
-                <a:gd name="connsiteY6" fmla="*/ 833201 h 833201"/>
-                <a:gd name="connsiteX7" fmla="*/ 187648 w 1845404"/>
-                <a:gd name="connsiteY7" fmla="*/ 766633 h 833201"/>
-                <a:gd name="connsiteX8" fmla="*/ 184184 w 1845404"/>
-                <a:gd name="connsiteY8" fmla="*/ 137193 h 833201"/>
-                <a:gd name="connsiteX0" fmla="*/ 254154 w 1839241"/>
-                <a:gd name="connsiteY0" fmla="*/ 147999 h 844007"/>
-                <a:gd name="connsiteX1" fmla="*/ 77691 w 1839241"/>
-                <a:gd name="connsiteY1" fmla="*/ 19662 h 844007"/>
-                <a:gd name="connsiteX2" fmla="*/ 1747102 w 1839241"/>
-                <a:gd name="connsiteY2" fmla="*/ 15911 h 844007"/>
-                <a:gd name="connsiteX3" fmla="*/ 1635293 w 1839241"/>
-                <a:gd name="connsiteY3" fmla="*/ 168781 h 844007"/>
-                <a:gd name="connsiteX4" fmla="*/ 1635293 w 1839241"/>
-                <a:gd name="connsiteY4" fmla="*/ 777439 h 844007"/>
-                <a:gd name="connsiteX5" fmla="*/ 1568725 w 1839241"/>
-                <a:gd name="connsiteY5" fmla="*/ 844007 h 844007"/>
-                <a:gd name="connsiteX6" fmla="*/ 324186 w 1839241"/>
-                <a:gd name="connsiteY6" fmla="*/ 844007 h 844007"/>
-                <a:gd name="connsiteX7" fmla="*/ 257618 w 1839241"/>
-                <a:gd name="connsiteY7" fmla="*/ 777439 h 844007"/>
-                <a:gd name="connsiteX8" fmla="*/ 254154 w 1839241"/>
-                <a:gd name="connsiteY8" fmla="*/ 147999 h 844007"/>
-                <a:gd name="connsiteX0" fmla="*/ 254154 w 1752323"/>
-                <a:gd name="connsiteY0" fmla="*/ 139925 h 835933"/>
-                <a:gd name="connsiteX1" fmla="*/ 77691 w 1752323"/>
-                <a:gd name="connsiteY1" fmla="*/ 11588 h 835933"/>
-                <a:gd name="connsiteX2" fmla="*/ 1747102 w 1752323"/>
-                <a:gd name="connsiteY2" fmla="*/ 7837 h 835933"/>
-                <a:gd name="connsiteX3" fmla="*/ 1635293 w 1752323"/>
-                <a:gd name="connsiteY3" fmla="*/ 160707 h 835933"/>
-                <a:gd name="connsiteX4" fmla="*/ 1635293 w 1752323"/>
-                <a:gd name="connsiteY4" fmla="*/ 769365 h 835933"/>
-                <a:gd name="connsiteX5" fmla="*/ 1568725 w 1752323"/>
-                <a:gd name="connsiteY5" fmla="*/ 835933 h 835933"/>
-                <a:gd name="connsiteX6" fmla="*/ 324186 w 1752323"/>
-                <a:gd name="connsiteY6" fmla="*/ 835933 h 835933"/>
-                <a:gd name="connsiteX7" fmla="*/ 257618 w 1752323"/>
-                <a:gd name="connsiteY7" fmla="*/ 769365 h 835933"/>
-                <a:gd name="connsiteX8" fmla="*/ 254154 w 1752323"/>
-                <a:gd name="connsiteY8" fmla="*/ 139925 h 835933"/>
-                <a:gd name="connsiteX0" fmla="*/ 256302 w 1786136"/>
-                <a:gd name="connsiteY0" fmla="*/ 138666 h 834674"/>
-                <a:gd name="connsiteX1" fmla="*/ 79839 w 1786136"/>
-                <a:gd name="connsiteY1" fmla="*/ 10329 h 834674"/>
-                <a:gd name="connsiteX2" fmla="*/ 1781000 w 1786136"/>
-                <a:gd name="connsiteY2" fmla="*/ 9753 h 834674"/>
-                <a:gd name="connsiteX3" fmla="*/ 1637441 w 1786136"/>
-                <a:gd name="connsiteY3" fmla="*/ 159448 h 834674"/>
-                <a:gd name="connsiteX4" fmla="*/ 1637441 w 1786136"/>
-                <a:gd name="connsiteY4" fmla="*/ 768106 h 834674"/>
-                <a:gd name="connsiteX5" fmla="*/ 1570873 w 1786136"/>
-                <a:gd name="connsiteY5" fmla="*/ 834674 h 834674"/>
-                <a:gd name="connsiteX6" fmla="*/ 326334 w 1786136"/>
-                <a:gd name="connsiteY6" fmla="*/ 834674 h 834674"/>
-                <a:gd name="connsiteX7" fmla="*/ 259766 w 1786136"/>
-                <a:gd name="connsiteY7" fmla="*/ 768106 h 834674"/>
-                <a:gd name="connsiteX8" fmla="*/ 256302 w 1786136"/>
-                <a:gd name="connsiteY8" fmla="*/ 138666 h 834674"/>
-                <a:gd name="connsiteX0" fmla="*/ 181625 w 1710512"/>
-                <a:gd name="connsiteY0" fmla="*/ 130557 h 826565"/>
-                <a:gd name="connsiteX1" fmla="*/ 5162 w 1710512"/>
-                <a:gd name="connsiteY1" fmla="*/ 2220 h 826565"/>
-                <a:gd name="connsiteX2" fmla="*/ 1706323 w 1710512"/>
-                <a:gd name="connsiteY2" fmla="*/ 1644 h 826565"/>
-                <a:gd name="connsiteX3" fmla="*/ 1562764 w 1710512"/>
-                <a:gd name="connsiteY3" fmla="*/ 151339 h 826565"/>
-                <a:gd name="connsiteX4" fmla="*/ 1562764 w 1710512"/>
-                <a:gd name="connsiteY4" fmla="*/ 759997 h 826565"/>
-                <a:gd name="connsiteX5" fmla="*/ 1496196 w 1710512"/>
-                <a:gd name="connsiteY5" fmla="*/ 826565 h 826565"/>
-                <a:gd name="connsiteX6" fmla="*/ 251657 w 1710512"/>
-                <a:gd name="connsiteY6" fmla="*/ 826565 h 826565"/>
-                <a:gd name="connsiteX7" fmla="*/ 185089 w 1710512"/>
-                <a:gd name="connsiteY7" fmla="*/ 759997 h 826565"/>
-                <a:gd name="connsiteX8" fmla="*/ 181625 w 1710512"/>
-                <a:gd name="connsiteY8" fmla="*/ 130557 h 826565"/>
-                <a:gd name="connsiteX0" fmla="*/ 157442 w 1767509"/>
-                <a:gd name="connsiteY0" fmla="*/ 139313 h 835321"/>
-                <a:gd name="connsiteX1" fmla="*/ 6379 w 1767509"/>
-                <a:gd name="connsiteY1" fmla="*/ 14151 h 835321"/>
-                <a:gd name="connsiteX2" fmla="*/ 1682140 w 1767509"/>
-                <a:gd name="connsiteY2" fmla="*/ 10400 h 835321"/>
-                <a:gd name="connsiteX3" fmla="*/ 1538581 w 1767509"/>
-                <a:gd name="connsiteY3" fmla="*/ 160095 h 835321"/>
-                <a:gd name="connsiteX4" fmla="*/ 1538581 w 1767509"/>
-                <a:gd name="connsiteY4" fmla="*/ 768753 h 835321"/>
-                <a:gd name="connsiteX5" fmla="*/ 1472013 w 1767509"/>
-                <a:gd name="connsiteY5" fmla="*/ 835321 h 835321"/>
-                <a:gd name="connsiteX6" fmla="*/ 227474 w 1767509"/>
-                <a:gd name="connsiteY6" fmla="*/ 835321 h 835321"/>
-                <a:gd name="connsiteX7" fmla="*/ 160906 w 1767509"/>
-                <a:gd name="connsiteY7" fmla="*/ 768753 h 835321"/>
-                <a:gd name="connsiteX8" fmla="*/ 157442 w 1767509"/>
-                <a:gd name="connsiteY8" fmla="*/ 139313 h 835321"/>
-                <a:gd name="connsiteX0" fmla="*/ 155631 w 1765698"/>
-                <a:gd name="connsiteY0" fmla="*/ 139999 h 836007"/>
-                <a:gd name="connsiteX1" fmla="*/ 4568 w 1765698"/>
-                <a:gd name="connsiteY1" fmla="*/ 14837 h 836007"/>
-                <a:gd name="connsiteX2" fmla="*/ 1680329 w 1765698"/>
-                <a:gd name="connsiteY2" fmla="*/ 11086 h 836007"/>
-                <a:gd name="connsiteX3" fmla="*/ 1536770 w 1765698"/>
-                <a:gd name="connsiteY3" fmla="*/ 160781 h 836007"/>
-                <a:gd name="connsiteX4" fmla="*/ 1536770 w 1765698"/>
-                <a:gd name="connsiteY4" fmla="*/ 769439 h 836007"/>
-                <a:gd name="connsiteX5" fmla="*/ 1470202 w 1765698"/>
-                <a:gd name="connsiteY5" fmla="*/ 836007 h 836007"/>
-                <a:gd name="connsiteX6" fmla="*/ 225663 w 1765698"/>
-                <a:gd name="connsiteY6" fmla="*/ 836007 h 836007"/>
-                <a:gd name="connsiteX7" fmla="*/ 159095 w 1765698"/>
-                <a:gd name="connsiteY7" fmla="*/ 769439 h 836007"/>
-                <a:gd name="connsiteX8" fmla="*/ 155631 w 1765698"/>
-                <a:gd name="connsiteY8" fmla="*/ 139999 h 836007"/>
-                <a:gd name="connsiteX0" fmla="*/ 155631 w 1765698"/>
-                <a:gd name="connsiteY0" fmla="*/ 139999 h 836007"/>
-                <a:gd name="connsiteX1" fmla="*/ 4568 w 1765698"/>
-                <a:gd name="connsiteY1" fmla="*/ 14837 h 836007"/>
-                <a:gd name="connsiteX2" fmla="*/ 1680329 w 1765698"/>
-                <a:gd name="connsiteY2" fmla="*/ 11086 h 836007"/>
-                <a:gd name="connsiteX3" fmla="*/ 1536770 w 1765698"/>
-                <a:gd name="connsiteY3" fmla="*/ 160781 h 836007"/>
-                <a:gd name="connsiteX4" fmla="*/ 1536770 w 1765698"/>
-                <a:gd name="connsiteY4" fmla="*/ 769439 h 836007"/>
-                <a:gd name="connsiteX5" fmla="*/ 1470202 w 1765698"/>
-                <a:gd name="connsiteY5" fmla="*/ 836007 h 836007"/>
-                <a:gd name="connsiteX6" fmla="*/ 225663 w 1765698"/>
-                <a:gd name="connsiteY6" fmla="*/ 836007 h 836007"/>
-                <a:gd name="connsiteX7" fmla="*/ 159095 w 1765698"/>
-                <a:gd name="connsiteY7" fmla="*/ 769439 h 836007"/>
-                <a:gd name="connsiteX8" fmla="*/ 155631 w 1765698"/>
-                <a:gd name="connsiteY8" fmla="*/ 139999 h 836007"/>
-                <a:gd name="connsiteX0" fmla="*/ 154777 w 1684351"/>
-                <a:gd name="connsiteY0" fmla="*/ 131536 h 827544"/>
-                <a:gd name="connsiteX1" fmla="*/ 3714 w 1684351"/>
-                <a:gd name="connsiteY1" fmla="*/ 6374 h 827544"/>
-                <a:gd name="connsiteX2" fmla="*/ 1679475 w 1684351"/>
-                <a:gd name="connsiteY2" fmla="*/ 2623 h 827544"/>
-                <a:gd name="connsiteX3" fmla="*/ 1535916 w 1684351"/>
-                <a:gd name="connsiteY3" fmla="*/ 152318 h 827544"/>
-                <a:gd name="connsiteX4" fmla="*/ 1535916 w 1684351"/>
-                <a:gd name="connsiteY4" fmla="*/ 760976 h 827544"/>
-                <a:gd name="connsiteX5" fmla="*/ 1469348 w 1684351"/>
-                <a:gd name="connsiteY5" fmla="*/ 827544 h 827544"/>
-                <a:gd name="connsiteX6" fmla="*/ 224809 w 1684351"/>
-                <a:gd name="connsiteY6" fmla="*/ 827544 h 827544"/>
-                <a:gd name="connsiteX7" fmla="*/ 158241 w 1684351"/>
-                <a:gd name="connsiteY7" fmla="*/ 760976 h 827544"/>
-                <a:gd name="connsiteX8" fmla="*/ 154777 w 1684351"/>
-                <a:gd name="connsiteY8" fmla="*/ 131536 h 827544"/>
-                <a:gd name="connsiteX0" fmla="*/ 236936 w 1786555"/>
-                <a:gd name="connsiteY0" fmla="*/ 135949 h 831957"/>
-                <a:gd name="connsiteX1" fmla="*/ 85873 w 1786555"/>
-                <a:gd name="connsiteY1" fmla="*/ 10787 h 831957"/>
-                <a:gd name="connsiteX2" fmla="*/ 1780684 w 1786555"/>
-                <a:gd name="connsiteY2" fmla="*/ 10211 h 831957"/>
-                <a:gd name="connsiteX3" fmla="*/ 1618075 w 1786555"/>
-                <a:gd name="connsiteY3" fmla="*/ 156731 h 831957"/>
-                <a:gd name="connsiteX4" fmla="*/ 1618075 w 1786555"/>
-                <a:gd name="connsiteY4" fmla="*/ 765389 h 831957"/>
-                <a:gd name="connsiteX5" fmla="*/ 1551507 w 1786555"/>
-                <a:gd name="connsiteY5" fmla="*/ 831957 h 831957"/>
-                <a:gd name="connsiteX6" fmla="*/ 306968 w 1786555"/>
-                <a:gd name="connsiteY6" fmla="*/ 831957 h 831957"/>
-                <a:gd name="connsiteX7" fmla="*/ 240400 w 1786555"/>
-                <a:gd name="connsiteY7" fmla="*/ 765389 h 831957"/>
-                <a:gd name="connsiteX8" fmla="*/ 236936 w 1786555"/>
-                <a:gd name="connsiteY8" fmla="*/ 135949 h 831957"/>
-                <a:gd name="connsiteX0" fmla="*/ 157046 w 1705555"/>
-                <a:gd name="connsiteY0" fmla="*/ 128377 h 824385"/>
-                <a:gd name="connsiteX1" fmla="*/ 5983 w 1705555"/>
-                <a:gd name="connsiteY1" fmla="*/ 3215 h 824385"/>
-                <a:gd name="connsiteX2" fmla="*/ 1700794 w 1705555"/>
-                <a:gd name="connsiteY2" fmla="*/ 2639 h 824385"/>
-                <a:gd name="connsiteX3" fmla="*/ 1538185 w 1705555"/>
-                <a:gd name="connsiteY3" fmla="*/ 149159 h 824385"/>
-                <a:gd name="connsiteX4" fmla="*/ 1538185 w 1705555"/>
-                <a:gd name="connsiteY4" fmla="*/ 757817 h 824385"/>
-                <a:gd name="connsiteX5" fmla="*/ 1471617 w 1705555"/>
-                <a:gd name="connsiteY5" fmla="*/ 824385 h 824385"/>
-                <a:gd name="connsiteX6" fmla="*/ 227078 w 1705555"/>
-                <a:gd name="connsiteY6" fmla="*/ 824385 h 824385"/>
-                <a:gd name="connsiteX7" fmla="*/ 160510 w 1705555"/>
-                <a:gd name="connsiteY7" fmla="*/ 757817 h 824385"/>
-                <a:gd name="connsiteX8" fmla="*/ 157046 w 1705555"/>
-                <a:gd name="connsiteY8" fmla="*/ 128377 h 824385"/>
-                <a:gd name="connsiteX0" fmla="*/ 158360 w 1784749"/>
-                <a:gd name="connsiteY0" fmla="*/ 140824 h 836832"/>
-                <a:gd name="connsiteX1" fmla="*/ 7297 w 1784749"/>
-                <a:gd name="connsiteY1" fmla="*/ 15662 h 836832"/>
-                <a:gd name="connsiteX2" fmla="*/ 1702108 w 1784749"/>
-                <a:gd name="connsiteY2" fmla="*/ 15086 h 836832"/>
-                <a:gd name="connsiteX3" fmla="*/ 1539499 w 1784749"/>
-                <a:gd name="connsiteY3" fmla="*/ 215581 h 836832"/>
-                <a:gd name="connsiteX4" fmla="*/ 1539499 w 1784749"/>
-                <a:gd name="connsiteY4" fmla="*/ 770264 h 836832"/>
-                <a:gd name="connsiteX5" fmla="*/ 1472931 w 1784749"/>
-                <a:gd name="connsiteY5" fmla="*/ 836832 h 836832"/>
-                <a:gd name="connsiteX6" fmla="*/ 228392 w 1784749"/>
-                <a:gd name="connsiteY6" fmla="*/ 836832 h 836832"/>
-                <a:gd name="connsiteX7" fmla="*/ 161824 w 1784749"/>
-                <a:gd name="connsiteY7" fmla="*/ 770264 h 836832"/>
-                <a:gd name="connsiteX8" fmla="*/ 158360 w 1784749"/>
-                <a:gd name="connsiteY8" fmla="*/ 140824 h 836832"/>
-                <a:gd name="connsiteX0" fmla="*/ 239426 w 1862640"/>
-                <a:gd name="connsiteY0" fmla="*/ 233513 h 846971"/>
-                <a:gd name="connsiteX1" fmla="*/ 85188 w 1862640"/>
-                <a:gd name="connsiteY1" fmla="*/ 25801 h 846971"/>
-                <a:gd name="connsiteX2" fmla="*/ 1779999 w 1862640"/>
-                <a:gd name="connsiteY2" fmla="*/ 25225 h 846971"/>
-                <a:gd name="connsiteX3" fmla="*/ 1617390 w 1862640"/>
-                <a:gd name="connsiteY3" fmla="*/ 225720 h 846971"/>
-                <a:gd name="connsiteX4" fmla="*/ 1617390 w 1862640"/>
-                <a:gd name="connsiteY4" fmla="*/ 780403 h 846971"/>
-                <a:gd name="connsiteX5" fmla="*/ 1550822 w 1862640"/>
-                <a:gd name="connsiteY5" fmla="*/ 846971 h 846971"/>
-                <a:gd name="connsiteX6" fmla="*/ 306283 w 1862640"/>
-                <a:gd name="connsiteY6" fmla="*/ 846971 h 846971"/>
-                <a:gd name="connsiteX7" fmla="*/ 239715 w 1862640"/>
-                <a:gd name="connsiteY7" fmla="*/ 780403 h 846971"/>
-                <a:gd name="connsiteX8" fmla="*/ 239426 w 1862640"/>
-                <a:gd name="connsiteY8" fmla="*/ 233513 h 846971"/>
-                <a:gd name="connsiteX0" fmla="*/ 238598 w 1861812"/>
-                <a:gd name="connsiteY0" fmla="*/ 233513 h 846971"/>
-                <a:gd name="connsiteX1" fmla="*/ 84360 w 1861812"/>
-                <a:gd name="connsiteY1" fmla="*/ 25801 h 846971"/>
-                <a:gd name="connsiteX2" fmla="*/ 1779171 w 1861812"/>
-                <a:gd name="connsiteY2" fmla="*/ 25225 h 846971"/>
-                <a:gd name="connsiteX3" fmla="*/ 1616562 w 1861812"/>
-                <a:gd name="connsiteY3" fmla="*/ 225720 h 846971"/>
-                <a:gd name="connsiteX4" fmla="*/ 1616562 w 1861812"/>
-                <a:gd name="connsiteY4" fmla="*/ 780403 h 846971"/>
-                <a:gd name="connsiteX5" fmla="*/ 1549994 w 1861812"/>
-                <a:gd name="connsiteY5" fmla="*/ 846971 h 846971"/>
-                <a:gd name="connsiteX6" fmla="*/ 305455 w 1861812"/>
-                <a:gd name="connsiteY6" fmla="*/ 846971 h 846971"/>
-                <a:gd name="connsiteX7" fmla="*/ 238887 w 1861812"/>
-                <a:gd name="connsiteY7" fmla="*/ 780403 h 846971"/>
-                <a:gd name="connsiteX8" fmla="*/ 238598 w 1861812"/>
-                <a:gd name="connsiteY8" fmla="*/ 233513 h 846971"/>
-                <a:gd name="connsiteX0" fmla="*/ 238598 w 1862214"/>
-                <a:gd name="connsiteY0" fmla="*/ 233513 h 846971"/>
-                <a:gd name="connsiteX1" fmla="*/ 84360 w 1862214"/>
-                <a:gd name="connsiteY1" fmla="*/ 25801 h 846971"/>
-                <a:gd name="connsiteX2" fmla="*/ 1779171 w 1862214"/>
-                <a:gd name="connsiteY2" fmla="*/ 25225 h 846971"/>
-                <a:gd name="connsiteX3" fmla="*/ 1616562 w 1862214"/>
-                <a:gd name="connsiteY3" fmla="*/ 225720 h 846971"/>
-                <a:gd name="connsiteX4" fmla="*/ 1616562 w 1862214"/>
-                <a:gd name="connsiteY4" fmla="*/ 780403 h 846971"/>
-                <a:gd name="connsiteX5" fmla="*/ 1549994 w 1862214"/>
-                <a:gd name="connsiteY5" fmla="*/ 846971 h 846971"/>
-                <a:gd name="connsiteX6" fmla="*/ 305455 w 1862214"/>
-                <a:gd name="connsiteY6" fmla="*/ 846971 h 846971"/>
-                <a:gd name="connsiteX7" fmla="*/ 238887 w 1862214"/>
-                <a:gd name="connsiteY7" fmla="*/ 780403 h 846971"/>
-                <a:gd name="connsiteX8" fmla="*/ 238598 w 1862214"/>
-                <a:gd name="connsiteY8" fmla="*/ 233513 h 846971"/>
-                <a:gd name="connsiteX0" fmla="*/ 238160 w 1856323"/>
-                <a:gd name="connsiteY0" fmla="*/ 248080 h 861538"/>
-                <a:gd name="connsiteX1" fmla="*/ 83922 w 1856323"/>
-                <a:gd name="connsiteY1" fmla="*/ 40368 h 861538"/>
-                <a:gd name="connsiteX2" fmla="*/ 1772383 w 1856323"/>
-                <a:gd name="connsiteY2" fmla="*/ 17567 h 861538"/>
-                <a:gd name="connsiteX3" fmla="*/ 1616124 w 1856323"/>
-                <a:gd name="connsiteY3" fmla="*/ 240287 h 861538"/>
-                <a:gd name="connsiteX4" fmla="*/ 1616124 w 1856323"/>
-                <a:gd name="connsiteY4" fmla="*/ 794970 h 861538"/>
-                <a:gd name="connsiteX5" fmla="*/ 1549556 w 1856323"/>
-                <a:gd name="connsiteY5" fmla="*/ 861538 h 861538"/>
-                <a:gd name="connsiteX6" fmla="*/ 305017 w 1856323"/>
-                <a:gd name="connsiteY6" fmla="*/ 861538 h 861538"/>
-                <a:gd name="connsiteX7" fmla="*/ 238449 w 1856323"/>
-                <a:gd name="connsiteY7" fmla="*/ 794970 h 861538"/>
-                <a:gd name="connsiteX8" fmla="*/ 238160 w 1856323"/>
-                <a:gd name="connsiteY8" fmla="*/ 248080 h 861538"/>
-                <a:gd name="connsiteX0" fmla="*/ 238160 w 1785863"/>
-                <a:gd name="connsiteY0" fmla="*/ 242493 h 855951"/>
-                <a:gd name="connsiteX1" fmla="*/ 83922 w 1785863"/>
-                <a:gd name="connsiteY1" fmla="*/ 34781 h 855951"/>
-                <a:gd name="connsiteX2" fmla="*/ 1772383 w 1785863"/>
-                <a:gd name="connsiteY2" fmla="*/ 11980 h 855951"/>
-                <a:gd name="connsiteX3" fmla="*/ 1616124 w 1785863"/>
-                <a:gd name="connsiteY3" fmla="*/ 234700 h 855951"/>
-                <a:gd name="connsiteX4" fmla="*/ 1616124 w 1785863"/>
-                <a:gd name="connsiteY4" fmla="*/ 789383 h 855951"/>
-                <a:gd name="connsiteX5" fmla="*/ 1549556 w 1785863"/>
-                <a:gd name="connsiteY5" fmla="*/ 855951 h 855951"/>
-                <a:gd name="connsiteX6" fmla="*/ 305017 w 1785863"/>
-                <a:gd name="connsiteY6" fmla="*/ 855951 h 855951"/>
-                <a:gd name="connsiteX7" fmla="*/ 238449 w 1785863"/>
-                <a:gd name="connsiteY7" fmla="*/ 789383 h 855951"/>
-                <a:gd name="connsiteX8" fmla="*/ 238160 w 1785863"/>
-                <a:gd name="connsiteY8" fmla="*/ 242493 h 855951"/>
-                <a:gd name="connsiteX0" fmla="*/ 239914 w 1812854"/>
-                <a:gd name="connsiteY0" fmla="*/ 232326 h 845784"/>
-                <a:gd name="connsiteX1" fmla="*/ 85676 w 1812854"/>
-                <a:gd name="connsiteY1" fmla="*/ 24614 h 845784"/>
-                <a:gd name="connsiteX2" fmla="*/ 1799537 w 1812854"/>
-                <a:gd name="connsiteY2" fmla="*/ 17688 h 845784"/>
-                <a:gd name="connsiteX3" fmla="*/ 1617878 w 1812854"/>
-                <a:gd name="connsiteY3" fmla="*/ 224533 h 845784"/>
-                <a:gd name="connsiteX4" fmla="*/ 1617878 w 1812854"/>
-                <a:gd name="connsiteY4" fmla="*/ 779216 h 845784"/>
-                <a:gd name="connsiteX5" fmla="*/ 1551310 w 1812854"/>
-                <a:gd name="connsiteY5" fmla="*/ 845784 h 845784"/>
-                <a:gd name="connsiteX6" fmla="*/ 306771 w 1812854"/>
-                <a:gd name="connsiteY6" fmla="*/ 845784 h 845784"/>
-                <a:gd name="connsiteX7" fmla="*/ 240203 w 1812854"/>
-                <a:gd name="connsiteY7" fmla="*/ 779216 h 845784"/>
-                <a:gd name="connsiteX8" fmla="*/ 239914 w 1812854"/>
-                <a:gd name="connsiteY8" fmla="*/ 232326 h 845784"/>
-                <a:gd name="connsiteX0" fmla="*/ 241013 w 1829728"/>
-                <a:gd name="connsiteY0" fmla="*/ 230621 h 844079"/>
-                <a:gd name="connsiteX1" fmla="*/ 86775 w 1829728"/>
-                <a:gd name="connsiteY1" fmla="*/ 22909 h 844079"/>
-                <a:gd name="connsiteX2" fmla="*/ 1816511 w 1829728"/>
-                <a:gd name="connsiteY2" fmla="*/ 19158 h 844079"/>
-                <a:gd name="connsiteX3" fmla="*/ 1618977 w 1829728"/>
-                <a:gd name="connsiteY3" fmla="*/ 222828 h 844079"/>
-                <a:gd name="connsiteX4" fmla="*/ 1618977 w 1829728"/>
-                <a:gd name="connsiteY4" fmla="*/ 777511 h 844079"/>
-                <a:gd name="connsiteX5" fmla="*/ 1552409 w 1829728"/>
-                <a:gd name="connsiteY5" fmla="*/ 844079 h 844079"/>
-                <a:gd name="connsiteX6" fmla="*/ 307870 w 1829728"/>
-                <a:gd name="connsiteY6" fmla="*/ 844079 h 844079"/>
-                <a:gd name="connsiteX7" fmla="*/ 241302 w 1829728"/>
-                <a:gd name="connsiteY7" fmla="*/ 777511 h 844079"/>
-                <a:gd name="connsiteX8" fmla="*/ 241013 w 1829728"/>
-                <a:gd name="connsiteY8" fmla="*/ 230621 h 844079"/>
-                <a:gd name="connsiteX0" fmla="*/ 241013 w 1829728"/>
-                <a:gd name="connsiteY0" fmla="*/ 224021 h 837479"/>
-                <a:gd name="connsiteX1" fmla="*/ 86775 w 1829728"/>
-                <a:gd name="connsiteY1" fmla="*/ 16309 h 837479"/>
-                <a:gd name="connsiteX2" fmla="*/ 1816511 w 1829728"/>
-                <a:gd name="connsiteY2" fmla="*/ 12558 h 837479"/>
-                <a:gd name="connsiteX3" fmla="*/ 1618977 w 1829728"/>
-                <a:gd name="connsiteY3" fmla="*/ 216228 h 837479"/>
-                <a:gd name="connsiteX4" fmla="*/ 1618977 w 1829728"/>
-                <a:gd name="connsiteY4" fmla="*/ 770911 h 837479"/>
-                <a:gd name="connsiteX5" fmla="*/ 1552409 w 1829728"/>
-                <a:gd name="connsiteY5" fmla="*/ 837479 h 837479"/>
-                <a:gd name="connsiteX6" fmla="*/ 307870 w 1829728"/>
-                <a:gd name="connsiteY6" fmla="*/ 837479 h 837479"/>
-                <a:gd name="connsiteX7" fmla="*/ 241302 w 1829728"/>
-                <a:gd name="connsiteY7" fmla="*/ 770911 h 837479"/>
-                <a:gd name="connsiteX8" fmla="*/ 241013 w 1829728"/>
-                <a:gd name="connsiteY8" fmla="*/ 224021 h 837479"/>
-                <a:gd name="connsiteX0" fmla="*/ 241013 w 1829728"/>
-                <a:gd name="connsiteY0" fmla="*/ 224021 h 837479"/>
-                <a:gd name="connsiteX1" fmla="*/ 86775 w 1829728"/>
-                <a:gd name="connsiteY1" fmla="*/ 16309 h 837479"/>
-                <a:gd name="connsiteX2" fmla="*/ 1816511 w 1829728"/>
-                <a:gd name="connsiteY2" fmla="*/ 12558 h 837479"/>
-                <a:gd name="connsiteX3" fmla="*/ 1618977 w 1829728"/>
-                <a:gd name="connsiteY3" fmla="*/ 216228 h 837479"/>
-                <a:gd name="connsiteX4" fmla="*/ 1618977 w 1829728"/>
-                <a:gd name="connsiteY4" fmla="*/ 770911 h 837479"/>
-                <a:gd name="connsiteX5" fmla="*/ 1552409 w 1829728"/>
-                <a:gd name="connsiteY5" fmla="*/ 837479 h 837479"/>
-                <a:gd name="connsiteX6" fmla="*/ 307870 w 1829728"/>
-                <a:gd name="connsiteY6" fmla="*/ 837479 h 837479"/>
-                <a:gd name="connsiteX7" fmla="*/ 241302 w 1829728"/>
-                <a:gd name="connsiteY7" fmla="*/ 770911 h 837479"/>
-                <a:gd name="connsiteX8" fmla="*/ 241013 w 1829728"/>
-                <a:gd name="connsiteY8" fmla="*/ 224021 h 837479"/>
-                <a:gd name="connsiteX0" fmla="*/ 216773 w 1868784"/>
-                <a:gd name="connsiteY0" fmla="*/ 251658 h 865116"/>
-                <a:gd name="connsiteX1" fmla="*/ 91110 w 1868784"/>
-                <a:gd name="connsiteY1" fmla="*/ 18546 h 865116"/>
-                <a:gd name="connsiteX2" fmla="*/ 1792271 w 1868784"/>
-                <a:gd name="connsiteY2" fmla="*/ 40195 h 865116"/>
-                <a:gd name="connsiteX3" fmla="*/ 1594737 w 1868784"/>
-                <a:gd name="connsiteY3" fmla="*/ 243865 h 865116"/>
-                <a:gd name="connsiteX4" fmla="*/ 1594737 w 1868784"/>
-                <a:gd name="connsiteY4" fmla="*/ 798548 h 865116"/>
-                <a:gd name="connsiteX5" fmla="*/ 1528169 w 1868784"/>
-                <a:gd name="connsiteY5" fmla="*/ 865116 h 865116"/>
-                <a:gd name="connsiteX6" fmla="*/ 283630 w 1868784"/>
-                <a:gd name="connsiteY6" fmla="*/ 865116 h 865116"/>
-                <a:gd name="connsiteX7" fmla="*/ 217062 w 1868784"/>
-                <a:gd name="connsiteY7" fmla="*/ 798548 h 865116"/>
-                <a:gd name="connsiteX8" fmla="*/ 216773 w 1868784"/>
-                <a:gd name="connsiteY8" fmla="*/ 251658 h 865116"/>
-                <a:gd name="connsiteX0" fmla="*/ 216773 w 1868784"/>
-                <a:gd name="connsiteY0" fmla="*/ 274671 h 888129"/>
-                <a:gd name="connsiteX1" fmla="*/ 91110 w 1868784"/>
-                <a:gd name="connsiteY1" fmla="*/ 12984 h 888129"/>
-                <a:gd name="connsiteX2" fmla="*/ 1792271 w 1868784"/>
-                <a:gd name="connsiteY2" fmla="*/ 63208 h 888129"/>
-                <a:gd name="connsiteX3" fmla="*/ 1594737 w 1868784"/>
-                <a:gd name="connsiteY3" fmla="*/ 266878 h 888129"/>
-                <a:gd name="connsiteX4" fmla="*/ 1594737 w 1868784"/>
-                <a:gd name="connsiteY4" fmla="*/ 821561 h 888129"/>
-                <a:gd name="connsiteX5" fmla="*/ 1528169 w 1868784"/>
-                <a:gd name="connsiteY5" fmla="*/ 888129 h 888129"/>
-                <a:gd name="connsiteX6" fmla="*/ 283630 w 1868784"/>
-                <a:gd name="connsiteY6" fmla="*/ 888129 h 888129"/>
-                <a:gd name="connsiteX7" fmla="*/ 217062 w 1868784"/>
-                <a:gd name="connsiteY7" fmla="*/ 821561 h 888129"/>
-                <a:gd name="connsiteX8" fmla="*/ 216773 w 1868784"/>
-                <a:gd name="connsiteY8" fmla="*/ 274671 h 888129"/>
-                <a:gd name="connsiteX0" fmla="*/ 216325 w 1862778"/>
-                <a:gd name="connsiteY0" fmla="*/ 289222 h 902680"/>
-                <a:gd name="connsiteX1" fmla="*/ 90662 w 1862778"/>
-                <a:gd name="connsiteY1" fmla="*/ 27535 h 902680"/>
-                <a:gd name="connsiteX2" fmla="*/ 1785473 w 1862778"/>
-                <a:gd name="connsiteY2" fmla="*/ 36484 h 902680"/>
-                <a:gd name="connsiteX3" fmla="*/ 1594289 w 1862778"/>
-                <a:gd name="connsiteY3" fmla="*/ 281429 h 902680"/>
-                <a:gd name="connsiteX4" fmla="*/ 1594289 w 1862778"/>
-                <a:gd name="connsiteY4" fmla="*/ 836112 h 902680"/>
-                <a:gd name="connsiteX5" fmla="*/ 1527721 w 1862778"/>
-                <a:gd name="connsiteY5" fmla="*/ 902680 h 902680"/>
-                <a:gd name="connsiteX6" fmla="*/ 283182 w 1862778"/>
-                <a:gd name="connsiteY6" fmla="*/ 902680 h 902680"/>
-                <a:gd name="connsiteX7" fmla="*/ 216614 w 1862778"/>
-                <a:gd name="connsiteY7" fmla="*/ 836112 h 902680"/>
-                <a:gd name="connsiteX8" fmla="*/ 216325 w 1862778"/>
-                <a:gd name="connsiteY8" fmla="*/ 289222 h 902680"/>
-                <a:gd name="connsiteX0" fmla="*/ 216325 w 1862778"/>
-                <a:gd name="connsiteY0" fmla="*/ 289222 h 902680"/>
-                <a:gd name="connsiteX1" fmla="*/ 90662 w 1862778"/>
-                <a:gd name="connsiteY1" fmla="*/ 27535 h 902680"/>
-                <a:gd name="connsiteX2" fmla="*/ 1785473 w 1862778"/>
-                <a:gd name="connsiteY2" fmla="*/ 36484 h 902680"/>
-                <a:gd name="connsiteX3" fmla="*/ 1594289 w 1862778"/>
-                <a:gd name="connsiteY3" fmla="*/ 281429 h 902680"/>
-                <a:gd name="connsiteX4" fmla="*/ 1594289 w 1862778"/>
-                <a:gd name="connsiteY4" fmla="*/ 836112 h 902680"/>
-                <a:gd name="connsiteX5" fmla="*/ 1527721 w 1862778"/>
-                <a:gd name="connsiteY5" fmla="*/ 902680 h 902680"/>
-                <a:gd name="connsiteX6" fmla="*/ 283182 w 1862778"/>
-                <a:gd name="connsiteY6" fmla="*/ 902680 h 902680"/>
-                <a:gd name="connsiteX7" fmla="*/ 216614 w 1862778"/>
-                <a:gd name="connsiteY7" fmla="*/ 836112 h 902680"/>
-                <a:gd name="connsiteX8" fmla="*/ 216325 w 1862778"/>
-                <a:gd name="connsiteY8" fmla="*/ 289222 h 902680"/>
-                <a:gd name="connsiteX0" fmla="*/ 215874 w 1862327"/>
-                <a:gd name="connsiteY0" fmla="*/ 289222 h 902680"/>
-                <a:gd name="connsiteX1" fmla="*/ 90211 w 1862327"/>
-                <a:gd name="connsiteY1" fmla="*/ 27535 h 902680"/>
-                <a:gd name="connsiteX2" fmla="*/ 1785022 w 1862327"/>
-                <a:gd name="connsiteY2" fmla="*/ 36484 h 902680"/>
-                <a:gd name="connsiteX3" fmla="*/ 1593838 w 1862327"/>
-                <a:gd name="connsiteY3" fmla="*/ 281429 h 902680"/>
-                <a:gd name="connsiteX4" fmla="*/ 1593838 w 1862327"/>
-                <a:gd name="connsiteY4" fmla="*/ 836112 h 902680"/>
-                <a:gd name="connsiteX5" fmla="*/ 1527270 w 1862327"/>
-                <a:gd name="connsiteY5" fmla="*/ 902680 h 902680"/>
-                <a:gd name="connsiteX6" fmla="*/ 282731 w 1862327"/>
-                <a:gd name="connsiteY6" fmla="*/ 902680 h 902680"/>
-                <a:gd name="connsiteX7" fmla="*/ 216163 w 1862327"/>
-                <a:gd name="connsiteY7" fmla="*/ 836112 h 902680"/>
-                <a:gd name="connsiteX8" fmla="*/ 215874 w 1862327"/>
-                <a:gd name="connsiteY8" fmla="*/ 289222 h 902680"/>
-                <a:gd name="connsiteX0" fmla="*/ 218551 w 1865217"/>
-                <a:gd name="connsiteY0" fmla="*/ 271689 h 885147"/>
-                <a:gd name="connsiteX1" fmla="*/ 89713 w 1865217"/>
-                <a:gd name="connsiteY1" fmla="*/ 44927 h 885147"/>
-                <a:gd name="connsiteX2" fmla="*/ 1787699 w 1865217"/>
-                <a:gd name="connsiteY2" fmla="*/ 18951 h 885147"/>
-                <a:gd name="connsiteX3" fmla="*/ 1596515 w 1865217"/>
-                <a:gd name="connsiteY3" fmla="*/ 263896 h 885147"/>
-                <a:gd name="connsiteX4" fmla="*/ 1596515 w 1865217"/>
-                <a:gd name="connsiteY4" fmla="*/ 818579 h 885147"/>
-                <a:gd name="connsiteX5" fmla="*/ 1529947 w 1865217"/>
-                <a:gd name="connsiteY5" fmla="*/ 885147 h 885147"/>
-                <a:gd name="connsiteX6" fmla="*/ 285408 w 1865217"/>
-                <a:gd name="connsiteY6" fmla="*/ 885147 h 885147"/>
-                <a:gd name="connsiteX7" fmla="*/ 218840 w 1865217"/>
-                <a:gd name="connsiteY7" fmla="*/ 818579 h 885147"/>
-                <a:gd name="connsiteX8" fmla="*/ 218551 w 1865217"/>
-                <a:gd name="connsiteY8" fmla="*/ 271689 h 885147"/>
-                <a:gd name="connsiteX0" fmla="*/ 217882 w 1856244"/>
-                <a:gd name="connsiteY0" fmla="*/ 253205 h 866663"/>
-                <a:gd name="connsiteX1" fmla="*/ 89044 w 1856244"/>
-                <a:gd name="connsiteY1" fmla="*/ 26443 h 866663"/>
-                <a:gd name="connsiteX2" fmla="*/ 1777505 w 1856244"/>
-                <a:gd name="connsiteY2" fmla="*/ 29042 h 866663"/>
-                <a:gd name="connsiteX3" fmla="*/ 1595846 w 1856244"/>
-                <a:gd name="connsiteY3" fmla="*/ 245412 h 866663"/>
-                <a:gd name="connsiteX4" fmla="*/ 1595846 w 1856244"/>
-                <a:gd name="connsiteY4" fmla="*/ 800095 h 866663"/>
-                <a:gd name="connsiteX5" fmla="*/ 1529278 w 1856244"/>
-                <a:gd name="connsiteY5" fmla="*/ 866663 h 866663"/>
-                <a:gd name="connsiteX6" fmla="*/ 284739 w 1856244"/>
-                <a:gd name="connsiteY6" fmla="*/ 866663 h 866663"/>
-                <a:gd name="connsiteX7" fmla="*/ 218171 w 1856244"/>
-                <a:gd name="connsiteY7" fmla="*/ 800095 h 866663"/>
-                <a:gd name="connsiteX8" fmla="*/ 217882 w 1856244"/>
-                <a:gd name="connsiteY8" fmla="*/ 253205 h 866663"/>
-                <a:gd name="connsiteX0" fmla="*/ 147782 w 1780363"/>
-                <a:gd name="connsiteY0" fmla="*/ 253205 h 866663"/>
-                <a:gd name="connsiteX1" fmla="*/ 104669 w 1780363"/>
-                <a:gd name="connsiteY1" fmla="*/ 26443 h 866663"/>
-                <a:gd name="connsiteX2" fmla="*/ 1707405 w 1780363"/>
-                <a:gd name="connsiteY2" fmla="*/ 29042 h 866663"/>
-                <a:gd name="connsiteX3" fmla="*/ 1525746 w 1780363"/>
-                <a:gd name="connsiteY3" fmla="*/ 245412 h 866663"/>
-                <a:gd name="connsiteX4" fmla="*/ 1525746 w 1780363"/>
-                <a:gd name="connsiteY4" fmla="*/ 800095 h 866663"/>
-                <a:gd name="connsiteX5" fmla="*/ 1459178 w 1780363"/>
-                <a:gd name="connsiteY5" fmla="*/ 866663 h 866663"/>
-                <a:gd name="connsiteX6" fmla="*/ 214639 w 1780363"/>
-                <a:gd name="connsiteY6" fmla="*/ 866663 h 866663"/>
-                <a:gd name="connsiteX7" fmla="*/ 148071 w 1780363"/>
-                <a:gd name="connsiteY7" fmla="*/ 800095 h 866663"/>
-                <a:gd name="connsiteX8" fmla="*/ 147782 w 1780363"/>
-                <a:gd name="connsiteY8" fmla="*/ 253205 h 866663"/>
-                <a:gd name="connsiteX0" fmla="*/ 142912 w 1718560"/>
-                <a:gd name="connsiteY0" fmla="*/ 250562 h 864020"/>
-                <a:gd name="connsiteX1" fmla="*/ 99799 w 1718560"/>
-                <a:gd name="connsiteY1" fmla="*/ 23800 h 864020"/>
-                <a:gd name="connsiteX2" fmla="*/ 1636205 w 1718560"/>
-                <a:gd name="connsiteY2" fmla="*/ 31562 h 864020"/>
-                <a:gd name="connsiteX3" fmla="*/ 1520876 w 1718560"/>
-                <a:gd name="connsiteY3" fmla="*/ 242769 h 864020"/>
-                <a:gd name="connsiteX4" fmla="*/ 1520876 w 1718560"/>
-                <a:gd name="connsiteY4" fmla="*/ 797452 h 864020"/>
-                <a:gd name="connsiteX5" fmla="*/ 1454308 w 1718560"/>
-                <a:gd name="connsiteY5" fmla="*/ 864020 h 864020"/>
-                <a:gd name="connsiteX6" fmla="*/ 209769 w 1718560"/>
-                <a:gd name="connsiteY6" fmla="*/ 864020 h 864020"/>
-                <a:gd name="connsiteX7" fmla="*/ 143201 w 1718560"/>
-                <a:gd name="connsiteY7" fmla="*/ 797452 h 864020"/>
-                <a:gd name="connsiteX8" fmla="*/ 142912 w 1718560"/>
-                <a:gd name="connsiteY8" fmla="*/ 250562 h 864020"/>
-                <a:gd name="connsiteX0" fmla="*/ 140131 w 1684403"/>
-                <a:gd name="connsiteY0" fmla="*/ 248148 h 861606"/>
-                <a:gd name="connsiteX1" fmla="*/ 97018 w 1684403"/>
-                <a:gd name="connsiteY1" fmla="*/ 21386 h 861606"/>
-                <a:gd name="connsiteX2" fmla="*/ 1595521 w 1684403"/>
-                <a:gd name="connsiteY2" fmla="*/ 34311 h 861606"/>
-                <a:gd name="connsiteX3" fmla="*/ 1518095 w 1684403"/>
-                <a:gd name="connsiteY3" fmla="*/ 240355 h 861606"/>
-                <a:gd name="connsiteX4" fmla="*/ 1518095 w 1684403"/>
-                <a:gd name="connsiteY4" fmla="*/ 795038 h 861606"/>
-                <a:gd name="connsiteX5" fmla="*/ 1451527 w 1684403"/>
-                <a:gd name="connsiteY5" fmla="*/ 861606 h 861606"/>
-                <a:gd name="connsiteX6" fmla="*/ 206988 w 1684403"/>
-                <a:gd name="connsiteY6" fmla="*/ 861606 h 861606"/>
-                <a:gd name="connsiteX7" fmla="*/ 140420 w 1684403"/>
-                <a:gd name="connsiteY7" fmla="*/ 795038 h 861606"/>
-                <a:gd name="connsiteX8" fmla="*/ 140131 w 1684403"/>
-                <a:gd name="connsiteY8" fmla="*/ 248148 h 861606"/>
-                <a:gd name="connsiteX0" fmla="*/ 140131 w 1684403"/>
-                <a:gd name="connsiteY0" fmla="*/ 262476 h 875934"/>
-                <a:gd name="connsiteX1" fmla="*/ 97018 w 1684403"/>
-                <a:gd name="connsiteY1" fmla="*/ 35714 h 875934"/>
-                <a:gd name="connsiteX2" fmla="*/ 1595521 w 1684403"/>
-                <a:gd name="connsiteY2" fmla="*/ 22825 h 875934"/>
-                <a:gd name="connsiteX3" fmla="*/ 1518095 w 1684403"/>
-                <a:gd name="connsiteY3" fmla="*/ 254683 h 875934"/>
-                <a:gd name="connsiteX4" fmla="*/ 1518095 w 1684403"/>
-                <a:gd name="connsiteY4" fmla="*/ 809366 h 875934"/>
-                <a:gd name="connsiteX5" fmla="*/ 1451527 w 1684403"/>
-                <a:gd name="connsiteY5" fmla="*/ 875934 h 875934"/>
-                <a:gd name="connsiteX6" fmla="*/ 206988 w 1684403"/>
-                <a:gd name="connsiteY6" fmla="*/ 875934 h 875934"/>
-                <a:gd name="connsiteX7" fmla="*/ 140420 w 1684403"/>
-                <a:gd name="connsiteY7" fmla="*/ 809366 h 875934"/>
-                <a:gd name="connsiteX8" fmla="*/ 140131 w 1684403"/>
-                <a:gd name="connsiteY8" fmla="*/ 262476 h 875934"/>
-              </a:gdLst>
-              <a:ahLst/>
-              <a:cxnLst>
-                <a:cxn ang="0">
-                  <a:pos x="connsiteX0" y="connsiteY0"/>
-                </a:cxn>
-                <a:cxn ang="0">
-                  <a:pos x="connsiteX1" y="connsiteY1"/>
-                </a:cxn>
-                <a:cxn ang="0">
-                  <a:pos x="connsiteX2" y="connsiteY2"/>
-                </a:cxn>
-                <a:cxn ang="0">
-                  <a:pos x="connsiteX3" y="connsiteY3"/>
-                </a:cxn>
-                <a:cxn ang="0">
-                  <a:pos x="connsiteX4" y="connsiteY4"/>
-                </a:cxn>
-                <a:cxn ang="0">
-                  <a:pos x="connsiteX5" y="connsiteY5"/>
-                </a:cxn>
-                <a:cxn ang="0">
-                  <a:pos x="connsiteX6" y="connsiteY6"/>
-                </a:cxn>
-                <a:cxn ang="0">
-                  <a:pos x="connsiteX7" y="connsiteY7"/>
-                </a:cxn>
-                <a:cxn ang="0">
-                  <a:pos x="connsiteX8" y="connsiteY8"/>
-                </a:cxn>
-              </a:cxnLst>
-              <a:rect l="l" t="t" r="r" b="b"/>
-              <a:pathLst>
-                <a:path w="1684403" h="875934">
-                  <a:moveTo>
-                    <a:pt x="140131" y="262476"/>
-                  </a:moveTo>
-                  <a:cubicBezTo>
-                    <a:pt x="143594" y="-22515"/>
-                    <a:pt x="-145547" y="75656"/>
-                    <a:pt x="97018" y="35714"/>
-                  </a:cubicBezTo>
-                  <a:cubicBezTo>
-                    <a:pt x="339583" y="-4228"/>
-                    <a:pt x="1358675" y="-13670"/>
-                    <a:pt x="1595521" y="22825"/>
-                  </a:cubicBezTo>
-                  <a:cubicBezTo>
-                    <a:pt x="1832367" y="59320"/>
-                    <a:pt x="1521270" y="-25690"/>
-                    <a:pt x="1518095" y="254683"/>
-                  </a:cubicBezTo>
-                  <a:lnTo>
-                    <a:pt x="1518095" y="809366"/>
-                  </a:lnTo>
-                  <a:cubicBezTo>
-                    <a:pt x="1518095" y="846130"/>
-                    <a:pt x="1488291" y="875934"/>
-                    <a:pt x="1451527" y="875934"/>
-                  </a:cubicBezTo>
-                  <a:lnTo>
-                    <a:pt x="206988" y="875934"/>
-                  </a:lnTo>
-                  <a:cubicBezTo>
-                    <a:pt x="170224" y="875934"/>
-                    <a:pt x="140420" y="846130"/>
-                    <a:pt x="140420" y="809366"/>
-                  </a:cubicBezTo>
-                  <a:cubicBezTo>
-                    <a:pt x="139265" y="599553"/>
-                    <a:pt x="141286" y="472289"/>
-                    <a:pt x="140131" y="262476"/>
-                  </a:cubicBezTo>
-                  <a:close/>
-                </a:path>
-              </a:pathLst>
-            </a:custGeom>
-            <a:gradFill>
-              <a:gsLst>
-                <a:gs pos="0">
-                  <a:schemeClr val="accent1"/>
-                </a:gs>
-                <a:gs pos="96000">
-                  <a:schemeClr val="tx2"/>
-                </a:gs>
-              </a:gsLst>
-              <a:lin ang="5400000" scaled="0"/>
-            </a:gradFill>
+            <a:prstGeom prst="roundRect">
+              <a:avLst>
+                <a:gd name="adj" fmla="val 19644"/>
+              </a:avLst>
+            </a:prstGeom>
+            <a:solidFill>
+              <a:schemeClr val="tx2"/>
+            </a:solidFill>
             <a:ln w="12700">
               <a:noFill/>
             </a:ln>
@@ -10182,29 +8613,761 @@
             </a:fontRef>
           </p:style>
           <p:txBody>
-            <a:bodyPr rtlCol="0" anchor="ctr"/>
+            <a:bodyPr wrap="square" lIns="90000" tIns="36000" bIns="36000" rtlCol="0" anchor="ctr">
+              <a:noAutofit/>
+            </a:bodyPr>
             <a:lstStyle/>
             <a:p>
               <a:pPr algn="ctr"/>
-              <a:endParaRPr lang="en-US" sz="1600" dirty="0">
-                <a:ln w="0">
+              <a:r>
+                <a:rPr lang="en-US" sz="1600" b="1" dirty="0">
                   <a:solidFill>
-                    <a:sysClr val="windowText" lastClr="000000"/>
+                    <a:schemeClr val="bg1"/>
                   </a:solidFill>
-                </a:ln>
+                  <a:effectLst>
+                    <a:outerShdw blurRad="76200" dist="38100" dir="5400000" algn="t" rotWithShape="0">
+                      <a:prstClr val="black">
+                        <a:alpha val="70000"/>
+                      </a:prstClr>
+                    </a:outerShdw>
+                  </a:effectLst>
+                  <a:latin typeface="Source Sans Pro" charset="0"/>
+                  <a:ea typeface="Source Sans Pro" charset="0"/>
+                  <a:cs typeface="Source Sans Pro" charset="0"/>
+                </a:rPr>
+                <a:t>RTOS/OS</a:t>
+              </a:r>
+            </a:p>
+          </p:txBody>
+        </p:sp>
+        <p:sp>
+          <p:nvSpPr>
+            <p:cNvPr id="16" name="Rounded Rectangle 15">
+              <a:extLst>
+                <a:ext uri="{FF2B5EF4-FFF2-40B4-BE49-F238E27FC236}">
+                  <a16:creationId xmlns:a16="http://schemas.microsoft.com/office/drawing/2014/main" id="{94B69AB0-5C90-B24D-87C4-83F250AA65BB}"/>
+                </a:ext>
+              </a:extLst>
+            </p:cNvPr>
+            <p:cNvSpPr/>
+            <p:nvPr/>
+          </p:nvSpPr>
+          <p:spPr>
+            <a:xfrm>
+              <a:off x="3817863" y="4148827"/>
+              <a:ext cx="4236477" cy="306000"/>
+            </a:xfrm>
+            <a:prstGeom prst="roundRect">
+              <a:avLst>
+                <a:gd name="adj" fmla="val 18223"/>
+              </a:avLst>
+            </a:prstGeom>
+            <a:solidFill>
+              <a:schemeClr val="tx2"/>
+            </a:solidFill>
+            <a:ln w="12700">
+              <a:noFill/>
+            </a:ln>
+            <a:effectLst/>
+          </p:spPr>
+          <p:style>
+            <a:lnRef idx="2">
+              <a:schemeClr val="dk1"/>
+            </a:lnRef>
+            <a:fillRef idx="1">
+              <a:schemeClr val="lt1"/>
+            </a:fillRef>
+            <a:effectRef idx="0">
+              <a:schemeClr val="dk1"/>
+            </a:effectRef>
+            <a:fontRef idx="minor">
+              <a:schemeClr val="dk1"/>
+            </a:fontRef>
+          </p:style>
+          <p:txBody>
+            <a:bodyPr wrap="square" tIns="36000" bIns="36000" rtlCol="0" anchor="ctr">
+              <a:noAutofit/>
+            </a:bodyPr>
+            <a:lstStyle/>
+            <a:p>
+              <a:pPr algn="ctr"/>
+              <a:r>
+                <a:rPr lang="en-US" sz="1600" b="1" dirty="0">
+                  <a:solidFill>
+                    <a:schemeClr val="bg1"/>
+                  </a:solidFill>
+                  <a:effectLst>
+                    <a:outerShdw blurRad="76200" dist="38100" dir="5400000" algn="t" rotWithShape="0">
+                      <a:prstClr val="black">
+                        <a:alpha val="70000"/>
+                      </a:prstClr>
+                    </a:outerShdw>
+                  </a:effectLst>
+                  <a:latin typeface="Source Sans Pro" charset="0"/>
+                  <a:ea typeface="Source Sans Pro" charset="0"/>
+                </a:rPr>
+                <a:t>BSP</a:t>
+              </a:r>
+            </a:p>
+          </p:txBody>
+        </p:sp>
+        <p:sp>
+          <p:nvSpPr>
+            <p:cNvPr id="28" name="Rounded Rectangle 27">
+              <a:extLst>
+                <a:ext uri="{FF2B5EF4-FFF2-40B4-BE49-F238E27FC236}">
+                  <a16:creationId xmlns:a16="http://schemas.microsoft.com/office/drawing/2014/main" id="{03CACB4B-51E8-0749-9340-40E24818686B}"/>
+                </a:ext>
+              </a:extLst>
+            </p:cNvPr>
+            <p:cNvSpPr/>
+            <p:nvPr/>
+          </p:nvSpPr>
+          <p:spPr>
+            <a:xfrm>
+              <a:off x="5442434" y="3453685"/>
+              <a:ext cx="2611907" cy="288974"/>
+            </a:xfrm>
+            <a:prstGeom prst="roundRect">
+              <a:avLst>
+                <a:gd name="adj" fmla="val 13128"/>
+              </a:avLst>
+            </a:prstGeom>
+            <a:solidFill>
+              <a:schemeClr val="accent1"/>
+            </a:solidFill>
+            <a:ln w="12700">
+              <a:noFill/>
+            </a:ln>
+            <a:effectLst/>
+          </p:spPr>
+          <p:style>
+            <a:lnRef idx="2">
+              <a:schemeClr val="dk1"/>
+            </a:lnRef>
+            <a:fillRef idx="1">
+              <a:schemeClr val="lt1"/>
+            </a:fillRef>
+            <a:effectRef idx="0">
+              <a:schemeClr val="dk1"/>
+            </a:effectRef>
+            <a:fontRef idx="minor">
+              <a:schemeClr val="dk1"/>
+            </a:fontRef>
+          </p:style>
+          <p:txBody>
+            <a:bodyPr wrap="square" lIns="0" tIns="72000" rIns="0" bIns="36000" rtlCol="0" anchor="ctr">
+              <a:noAutofit/>
+            </a:bodyPr>
+            <a:lstStyle/>
+            <a:p>
+              <a:pPr algn="ctr">
+                <a:lnSpc>
+                  <a:spcPts val="1000"/>
+                </a:lnSpc>
+              </a:pPr>
+              <a:r>
+                <a:rPr lang="en-US" sz="1200" dirty="0">
+                  <a:solidFill>
+                    <a:schemeClr val="bg1"/>
+                  </a:solidFill>
+                  <a:latin typeface="Source Sans Pro Light" charset="0"/>
+                  <a:ea typeface="Source Sans Pro Light" charset="0"/>
+                  <a:cs typeface="Source Sans Pro Light" charset="0"/>
+                </a:rPr>
+                <a:t>Scheduler</a:t>
+              </a:r>
+            </a:p>
+          </p:txBody>
+        </p:sp>
+        <p:cxnSp>
+          <p:nvCxnSpPr>
+            <p:cNvPr id="29" name="Straight Connector 28">
+              <a:extLst>
+                <a:ext uri="{FF2B5EF4-FFF2-40B4-BE49-F238E27FC236}">
+                  <a16:creationId xmlns:a16="http://schemas.microsoft.com/office/drawing/2014/main" id="{18FE8AAC-D28F-8C4B-92F4-8FFF81A0F0AF}"/>
+                </a:ext>
+              </a:extLst>
+            </p:cNvPr>
+            <p:cNvCxnSpPr>
+              <a:cxnSpLocks/>
+            </p:cNvCxnSpPr>
+            <p:nvPr/>
+          </p:nvCxnSpPr>
+          <p:spPr>
+            <a:xfrm>
+              <a:off x="3859173" y="4043242"/>
+              <a:ext cx="2128701" cy="0"/>
+            </a:xfrm>
+            <a:prstGeom prst="line">
+              <a:avLst/>
+            </a:prstGeom>
+            <a:ln w="38100" cap="rnd">
+              <a:solidFill>
+                <a:schemeClr val="accent1"/>
+              </a:solidFill>
+              <a:miter lim="800000"/>
+            </a:ln>
+          </p:spPr>
+          <p:style>
+            <a:lnRef idx="1">
+              <a:schemeClr val="accent1"/>
+            </a:lnRef>
+            <a:fillRef idx="0">
+              <a:schemeClr val="accent1"/>
+            </a:fillRef>
+            <a:effectRef idx="0">
+              <a:schemeClr val="accent1"/>
+            </a:effectRef>
+            <a:fontRef idx="minor">
+              <a:schemeClr val="tx1"/>
+            </a:fontRef>
+          </p:style>
+        </p:cxnSp>
+        <p:sp>
+          <p:nvSpPr>
+            <p:cNvPr id="30" name="Rectangle 29">
+              <a:extLst>
+                <a:ext uri="{FF2B5EF4-FFF2-40B4-BE49-F238E27FC236}">
+                  <a16:creationId xmlns:a16="http://schemas.microsoft.com/office/drawing/2014/main" id="{12176BD1-BD30-A44F-9CAF-928FE6EBB79F}"/>
+                </a:ext>
+              </a:extLst>
+            </p:cNvPr>
+            <p:cNvSpPr/>
+            <p:nvPr/>
+          </p:nvSpPr>
+          <p:spPr>
+            <a:xfrm>
+              <a:off x="6780686" y="6025354"/>
+              <a:ext cx="1263935" cy="213954"/>
+            </a:xfrm>
+            <a:prstGeom prst="rect">
+              <a:avLst/>
+            </a:prstGeom>
+            <a:noFill/>
+            <a:effectLst/>
+          </p:spPr>
+          <p:txBody>
+            <a:bodyPr wrap="square" lIns="0" rIns="0">
+              <a:noAutofit/>
+            </a:bodyPr>
+            <a:lstStyle/>
+            <a:p>
+              <a:pPr algn="r">
+                <a:lnSpc>
+                  <a:spcPts val="1300"/>
+                </a:lnSpc>
+              </a:pPr>
+              <a:r>
+                <a:rPr lang="en-US" sz="1100" b="1" dirty="0">
+                  <a:ln w="0"/>
+                  <a:solidFill>
+                    <a:schemeClr val="tx1">
+                      <a:lumMod val="75000"/>
+                    </a:schemeClr>
+                  </a:solidFill>
+                  <a:latin typeface="Source Sans Pro" charset="0"/>
+                  <a:ea typeface="Source Sans Pro" charset="0"/>
+                  <a:cs typeface="Source Sans Pro" charset="0"/>
+                </a:rPr>
+                <a:t>HARDWARE </a:t>
+              </a:r>
+            </a:p>
+          </p:txBody>
+        </p:sp>
+        <p:sp>
+          <p:nvSpPr>
+            <p:cNvPr id="31" name="Rectangle 30">
+              <a:extLst>
+                <a:ext uri="{FF2B5EF4-FFF2-40B4-BE49-F238E27FC236}">
+                  <a16:creationId xmlns:a16="http://schemas.microsoft.com/office/drawing/2014/main" id="{47E4C9E7-8973-4245-B612-41A03C8F1B0F}"/>
+                </a:ext>
+              </a:extLst>
+            </p:cNvPr>
+            <p:cNvSpPr/>
+            <p:nvPr/>
+          </p:nvSpPr>
+          <p:spPr>
+            <a:xfrm>
+              <a:off x="7100711" y="5270422"/>
+              <a:ext cx="943910" cy="213954"/>
+            </a:xfrm>
+            <a:prstGeom prst="rect">
+              <a:avLst/>
+            </a:prstGeom>
+            <a:noFill/>
+            <a:effectLst/>
+          </p:spPr>
+          <p:txBody>
+            <a:bodyPr wrap="square" lIns="0" rIns="0">
+              <a:noAutofit/>
+            </a:bodyPr>
+            <a:lstStyle/>
+            <a:p>
+              <a:pPr algn="r">
+                <a:lnSpc>
+                  <a:spcPts val="1300"/>
+                </a:lnSpc>
+              </a:pPr>
+              <a:r>
+                <a:rPr lang="en-US" sz="1100" b="1" dirty="0">
+                  <a:ln w="0"/>
+                  <a:solidFill>
+                    <a:schemeClr val="tx1">
+                      <a:lumMod val="60000"/>
+                      <a:lumOff val="40000"/>
+                    </a:schemeClr>
+                  </a:solidFill>
+                  <a:latin typeface="Source Sans Pro" charset="0"/>
+                  <a:ea typeface="Source Sans Pro" charset="0"/>
+                  <a:cs typeface="Source Sans Pro" charset="0"/>
+                </a:rPr>
+                <a:t>PLATFORM</a:t>
+              </a:r>
+            </a:p>
+          </p:txBody>
+        </p:sp>
+        <p:sp>
+          <p:nvSpPr>
+            <p:cNvPr id="38" name="Rounded Rectangle 37">
+              <a:extLst>
+                <a:ext uri="{FF2B5EF4-FFF2-40B4-BE49-F238E27FC236}">
+                  <a16:creationId xmlns:a16="http://schemas.microsoft.com/office/drawing/2014/main" id="{43368A84-1651-7944-B8C8-4E2FA7EA5146}"/>
+                </a:ext>
+              </a:extLst>
+            </p:cNvPr>
+            <p:cNvSpPr/>
+            <p:nvPr/>
+          </p:nvSpPr>
+          <p:spPr>
+            <a:xfrm>
+              <a:off x="5403660" y="5650838"/>
+              <a:ext cx="795600" cy="309106"/>
+            </a:xfrm>
+            <a:prstGeom prst="roundRect">
+              <a:avLst>
+                <a:gd name="adj" fmla="val 20457"/>
+              </a:avLst>
+            </a:prstGeom>
+            <a:solidFill>
+              <a:schemeClr val="tx2"/>
+            </a:solidFill>
+            <a:ln w="12700">
+              <a:noFill/>
+            </a:ln>
+            <a:effectLst/>
+          </p:spPr>
+          <p:style>
+            <a:lnRef idx="2">
+              <a:schemeClr val="dk1"/>
+            </a:lnRef>
+            <a:fillRef idx="1">
+              <a:schemeClr val="lt1"/>
+            </a:fillRef>
+            <a:effectRef idx="0">
+              <a:schemeClr val="dk1"/>
+            </a:effectRef>
+            <a:fontRef idx="minor">
+              <a:schemeClr val="dk1"/>
+            </a:fontRef>
+          </p:style>
+          <p:txBody>
+            <a:bodyPr wrap="square" lIns="0" tIns="72000" rIns="0" bIns="46800" rtlCol="0" anchor="ctr">
+              <a:noAutofit/>
+            </a:bodyPr>
+            <a:lstStyle/>
+            <a:p>
+              <a:pPr lvl="0" algn="ctr" defTabSz="914400">
+                <a:lnSpc>
+                  <a:spcPts val="1180"/>
+                </a:lnSpc>
+                <a:defRPr/>
+              </a:pPr>
+              <a:r>
+                <a:rPr lang="en-US" sz="1200" kern="0" dirty="0">
+                  <a:solidFill>
+                    <a:srgbClr val="FFFFFF"/>
+                  </a:solidFill>
+                  <a:latin typeface="Source Sans Pro Light" charset="0"/>
+                  <a:ea typeface="Source Sans Pro Light" charset="0"/>
+                  <a:cs typeface="Source Sans Pro Light" charset="0"/>
+                </a:rPr>
+                <a:t>CPU FPU</a:t>
+              </a:r>
+            </a:p>
+          </p:txBody>
+        </p:sp>
+        <p:sp>
+          <p:nvSpPr>
+            <p:cNvPr id="39" name="Rounded Rectangle 38">
+              <a:extLst>
+                <a:ext uri="{FF2B5EF4-FFF2-40B4-BE49-F238E27FC236}">
+                  <a16:creationId xmlns:a16="http://schemas.microsoft.com/office/drawing/2014/main" id="{E5171215-1FDA-2B4B-97DB-FC4AE8F1ED14}"/>
+                </a:ext>
+              </a:extLst>
+            </p:cNvPr>
+            <p:cNvSpPr/>
+            <p:nvPr/>
+          </p:nvSpPr>
+          <p:spPr>
+            <a:xfrm>
+              <a:off x="6278004" y="5650838"/>
+              <a:ext cx="795600" cy="309106"/>
+            </a:xfrm>
+            <a:prstGeom prst="roundRect">
+              <a:avLst>
+                <a:gd name="adj" fmla="val 20457"/>
+              </a:avLst>
+            </a:prstGeom>
+            <a:solidFill>
+              <a:schemeClr val="tx2"/>
+            </a:solidFill>
+            <a:ln w="12700">
+              <a:noFill/>
+            </a:ln>
+            <a:effectLst/>
+          </p:spPr>
+          <p:style>
+            <a:lnRef idx="2">
+              <a:schemeClr val="dk1"/>
+            </a:lnRef>
+            <a:fillRef idx="1">
+              <a:schemeClr val="lt1"/>
+            </a:fillRef>
+            <a:effectRef idx="0">
+              <a:schemeClr val="dk1"/>
+            </a:effectRef>
+            <a:fontRef idx="minor">
+              <a:schemeClr val="dk1"/>
+            </a:fontRef>
+          </p:style>
+          <p:txBody>
+            <a:bodyPr wrap="square" lIns="0" tIns="72000" rIns="0" bIns="46800" rtlCol="0" anchor="ctr">
+              <a:noAutofit/>
+            </a:bodyPr>
+            <a:lstStyle/>
+            <a:p>
+              <a:pPr lvl="0" algn="ctr" defTabSz="914400">
+                <a:lnSpc>
+                  <a:spcPts val="1180"/>
+                </a:lnSpc>
+                <a:defRPr/>
+              </a:pPr>
+              <a:r>
+                <a:rPr lang="en-US" sz="1200" kern="0" dirty="0">
+                  <a:solidFill>
+                    <a:srgbClr val="FFFFFF"/>
+                  </a:solidFill>
+                  <a:latin typeface="Source Sans Pro Light" charset="0"/>
+                  <a:ea typeface="Source Sans Pro Light" charset="0"/>
+                  <a:cs typeface="Source Sans Pro Light" charset="0"/>
+                </a:rPr>
+                <a:t>Memory</a:t>
+              </a:r>
+            </a:p>
+          </p:txBody>
+        </p:sp>
+        <p:sp>
+          <p:nvSpPr>
+            <p:cNvPr id="40" name="Rounded Rectangle 39">
+              <a:extLst>
+                <a:ext uri="{FF2B5EF4-FFF2-40B4-BE49-F238E27FC236}">
+                  <a16:creationId xmlns:a16="http://schemas.microsoft.com/office/drawing/2014/main" id="{DB9583CE-8E47-B543-A3C6-0A7CECBE335C}"/>
+                </a:ext>
+              </a:extLst>
+            </p:cNvPr>
+            <p:cNvSpPr/>
+            <p:nvPr/>
+          </p:nvSpPr>
+          <p:spPr>
+            <a:xfrm>
+              <a:off x="7152348" y="5650838"/>
+              <a:ext cx="795600" cy="309106"/>
+            </a:xfrm>
+            <a:prstGeom prst="roundRect">
+              <a:avLst>
+                <a:gd name="adj" fmla="val 20457"/>
+              </a:avLst>
+            </a:prstGeom>
+            <a:solidFill>
+              <a:schemeClr val="tx2"/>
+            </a:solidFill>
+            <a:ln w="12700">
+              <a:noFill/>
+            </a:ln>
+            <a:effectLst/>
+          </p:spPr>
+          <p:style>
+            <a:lnRef idx="2">
+              <a:schemeClr val="dk1"/>
+            </a:lnRef>
+            <a:fillRef idx="1">
+              <a:schemeClr val="lt1"/>
+            </a:fillRef>
+            <a:effectRef idx="0">
+              <a:schemeClr val="dk1"/>
+            </a:effectRef>
+            <a:fontRef idx="minor">
+              <a:schemeClr val="dk1"/>
+            </a:fontRef>
+          </p:style>
+          <p:txBody>
+            <a:bodyPr wrap="square" lIns="0" tIns="72000" rIns="0" bIns="46800" rtlCol="0" anchor="ctr">
+              <a:noAutofit/>
+            </a:bodyPr>
+            <a:lstStyle/>
+            <a:p>
+              <a:pPr lvl="0" algn="ctr" defTabSz="914400">
+                <a:lnSpc>
+                  <a:spcPts val="1180"/>
+                </a:lnSpc>
+                <a:defRPr/>
+              </a:pPr>
+              <a:r>
+                <a:rPr lang="en-US" sz="1200" kern="0" dirty="0">
+                  <a:solidFill>
+                    <a:srgbClr val="FFFFFF"/>
+                  </a:solidFill>
+                  <a:latin typeface="Source Sans Pro Light" charset="0"/>
+                  <a:ea typeface="Source Sans Pro Light" charset="0"/>
+                  <a:cs typeface="Source Sans Pro Light" charset="0"/>
+                </a:rPr>
+                <a:t>Peripherals</a:t>
+              </a:r>
+              <a:endParaRPr lang="en-US" sz="1200" i="1" kern="0" dirty="0">
                 <a:solidFill>
-                  <a:schemeClr val="tx1"/>
+                  <a:srgbClr val="FFFFFF"/>
                 </a:solidFill>
+                <a:latin typeface="Source Sans Pro Light" charset="0"/>
+                <a:ea typeface="Source Sans Pro Light" charset="0"/>
+                <a:cs typeface="Source Sans Pro Light" charset="0"/>
               </a:endParaRPr>
+            </a:p>
+          </p:txBody>
+        </p:sp>
+        <p:sp>
+          <p:nvSpPr>
+            <p:cNvPr id="41" name="Rectangle 40">
+              <a:extLst>
+                <a:ext uri="{FF2B5EF4-FFF2-40B4-BE49-F238E27FC236}">
+                  <a16:creationId xmlns:a16="http://schemas.microsoft.com/office/drawing/2014/main" id="{60369472-40F5-0C49-8A0A-34721DA59A39}"/>
+                </a:ext>
+              </a:extLst>
+            </p:cNvPr>
+            <p:cNvSpPr/>
+            <p:nvPr/>
+          </p:nvSpPr>
+          <p:spPr>
+            <a:xfrm>
+              <a:off x="4105688" y="3992756"/>
+              <a:ext cx="1661808" cy="129587"/>
+            </a:xfrm>
+            <a:prstGeom prst="rect">
+              <a:avLst/>
+            </a:prstGeom>
+            <a:gradFill flip="none" rotWithShape="1">
+              <a:gsLst>
+                <a:gs pos="100000">
+                  <a:srgbClr val="CBD3D7">
+                    <a:alpha val="0"/>
+                  </a:srgbClr>
+                </a:gs>
+                <a:gs pos="0">
+                  <a:schemeClr val="bg2">
+                    <a:alpha val="0"/>
+                  </a:schemeClr>
+                </a:gs>
+                <a:gs pos="80000">
+                  <a:srgbClr val="CBD3D7">
+                    <a:alpha val="90000"/>
+                  </a:srgbClr>
+                </a:gs>
+                <a:gs pos="20000">
+                  <a:schemeClr val="bg2">
+                    <a:alpha val="90000"/>
+                  </a:schemeClr>
+                </a:gs>
+              </a:gsLst>
+              <a:lin ang="0" scaled="1"/>
+              <a:tileRect/>
+            </a:gradFill>
+            <a:ln w="31750">
+              <a:noFill/>
+            </a:ln>
+            <a:effectLst/>
+          </p:spPr>
+          <p:txBody>
+            <a:bodyPr wrap="square" lIns="0" tIns="0" rIns="0" bIns="0">
+              <a:spAutoFit/>
+            </a:bodyPr>
+            <a:lstStyle/>
+            <a:p>
+              <a:pPr algn="ctr">
+                <a:lnSpc>
+                  <a:spcPts val="1000"/>
+                </a:lnSpc>
+              </a:pPr>
+              <a:r>
+                <a:rPr lang="en-US" sz="1000" b="1" dirty="0">
+                  <a:ln w="0"/>
+                  <a:solidFill>
+                    <a:schemeClr val="accent1"/>
+                  </a:solidFill>
+                  <a:latin typeface="Source Sans Pro" panose="020B0503030403020204" pitchFamily="34" charset="0"/>
+                  <a:ea typeface="Source Sans Pro" panose="020B0503030403020204" pitchFamily="34" charset="0"/>
+                </a:rPr>
+                <a:t>ABSTRACTION LAYERS</a:t>
+              </a:r>
+            </a:p>
+          </p:txBody>
+        </p:sp>
+        <p:sp>
+          <p:nvSpPr>
+            <p:cNvPr id="88" name="Rounded Rectangle 87">
+              <a:extLst>
+                <a:ext uri="{FF2B5EF4-FFF2-40B4-BE49-F238E27FC236}">
+                  <a16:creationId xmlns:a16="http://schemas.microsoft.com/office/drawing/2014/main" id="{0BFEEC53-FEEE-1D45-B84C-162DA8FE7D6B}"/>
+                </a:ext>
+              </a:extLst>
+            </p:cNvPr>
+            <p:cNvSpPr/>
+            <p:nvPr/>
+          </p:nvSpPr>
+          <p:spPr>
+            <a:xfrm>
+              <a:off x="4438460" y="4218108"/>
+              <a:ext cx="795600" cy="190126"/>
+            </a:xfrm>
+            <a:prstGeom prst="roundRect">
+              <a:avLst>
+                <a:gd name="adj" fmla="val 22586"/>
+              </a:avLst>
+            </a:prstGeom>
+            <a:solidFill>
+              <a:schemeClr val="bg2">
+                <a:lumMod val="75000"/>
+              </a:schemeClr>
+            </a:solidFill>
+            <a:ln w="12700">
+              <a:noFill/>
+            </a:ln>
+            <a:effectLst/>
+          </p:spPr>
+          <p:style>
+            <a:lnRef idx="2">
+              <a:schemeClr val="dk1"/>
+            </a:lnRef>
+            <a:fillRef idx="1">
+              <a:schemeClr val="lt1"/>
+            </a:fillRef>
+            <a:effectRef idx="0">
+              <a:schemeClr val="dk1"/>
+            </a:effectRef>
+            <a:fontRef idx="minor">
+              <a:schemeClr val="dk1"/>
+            </a:fontRef>
+          </p:style>
+          <p:txBody>
+            <a:bodyPr wrap="square" tIns="36000" bIns="36000" rtlCol="0" anchor="ctr">
+              <a:noAutofit/>
+            </a:bodyPr>
+            <a:lstStyle/>
+            <a:p>
+              <a:pPr algn="ctr"/>
+              <a:r>
+                <a:rPr lang="en-US" sz="1200" dirty="0">
+                  <a:solidFill>
+                    <a:schemeClr val="bg1"/>
+                  </a:solidFill>
+                  <a:latin typeface="Source Sans Pro Light" charset="0"/>
+                  <a:ea typeface="Source Sans Pro Light" charset="0"/>
+                  <a:cs typeface="Source Sans Pro Light" charset="0"/>
+                </a:rPr>
+                <a:t>Timer</a:t>
+              </a:r>
+            </a:p>
+          </p:txBody>
+        </p:sp>
+        <p:sp>
+          <p:nvSpPr>
+            <p:cNvPr id="89" name="Rounded Rectangle 88">
+              <a:extLst>
+                <a:ext uri="{FF2B5EF4-FFF2-40B4-BE49-F238E27FC236}">
+                  <a16:creationId xmlns:a16="http://schemas.microsoft.com/office/drawing/2014/main" id="{98447DE0-E58F-1845-A2B5-FF9F5B09D338}"/>
+                </a:ext>
+              </a:extLst>
+            </p:cNvPr>
+            <p:cNvSpPr/>
+            <p:nvPr/>
+          </p:nvSpPr>
+          <p:spPr>
+            <a:xfrm>
+              <a:off x="3817861" y="4894397"/>
+              <a:ext cx="4236479" cy="306000"/>
+            </a:xfrm>
+            <a:prstGeom prst="roundRect">
+              <a:avLst>
+                <a:gd name="adj" fmla="val 19644"/>
+              </a:avLst>
+            </a:prstGeom>
+            <a:solidFill>
+              <a:schemeClr val="tx2"/>
+            </a:solidFill>
+            <a:ln w="12700">
+              <a:noFill/>
+            </a:ln>
+            <a:effectLst/>
+          </p:spPr>
+          <p:style>
+            <a:lnRef idx="2">
+              <a:schemeClr val="dk1"/>
+            </a:lnRef>
+            <a:fillRef idx="1">
+              <a:schemeClr val="lt1"/>
+            </a:fillRef>
+            <a:effectRef idx="0">
+              <a:schemeClr val="dk1"/>
+            </a:effectRef>
+            <a:fontRef idx="minor">
+              <a:schemeClr val="dk1"/>
+            </a:fontRef>
+          </p:style>
+          <p:txBody>
+            <a:bodyPr wrap="square" lIns="90000" tIns="36000" bIns="36000" rtlCol="0" anchor="ctr">
+              <a:noAutofit/>
+            </a:bodyPr>
+            <a:lstStyle/>
+            <a:p>
+              <a:pPr lvl="0" algn="ctr">
+                <a:defRPr/>
+              </a:pPr>
+              <a:r>
+                <a:rPr lang="en-US" sz="1600" b="1" kern="0" dirty="0">
+                  <a:solidFill>
+                    <a:srgbClr val="FFFFFF"/>
+                  </a:solidFill>
+                  <a:effectLst>
+                    <a:outerShdw blurRad="76200" dist="38100" dir="5400000" algn="t" rotWithShape="0">
+                      <a:prstClr val="black">
+                        <a:alpha val="70000"/>
+                      </a:prstClr>
+                    </a:outerShdw>
+                  </a:effectLst>
+                  <a:latin typeface="Source Sans Pro" charset="0"/>
+                  <a:ea typeface="Source Sans Pro" charset="0"/>
+                  <a:cs typeface="Source Sans Pro" charset="0"/>
+                </a:rPr>
+                <a:t>C Runtime</a:t>
+              </a:r>
             </a:p>
           </p:txBody>
         </p:sp>
         <p:grpSp>
           <p:nvGrpSpPr>
-            <p:cNvPr id="19" name="Group 18">
+            <p:cNvPr id="93" name="Group 92">
               <a:extLst>
                 <a:ext uri="{FF2B5EF4-FFF2-40B4-BE49-F238E27FC236}">
-                  <a16:creationId xmlns:a16="http://schemas.microsoft.com/office/drawing/2014/main" id="{B274EFA6-9B42-5440-AF5B-359CF9E65901}"/>
+                  <a16:creationId xmlns:a16="http://schemas.microsoft.com/office/drawing/2014/main" id="{F349BD59-6971-DF4F-9AB3-2C01CFE70656}"/>
                 </a:ext>
               </a:extLst>
             </p:cNvPr>
@@ -10213,18 +9376,1206 @@
           </p:nvGrpSpPr>
           <p:grpSpPr>
             <a:xfrm>
-              <a:off x="3457782" y="3761592"/>
-              <a:ext cx="1222852" cy="359571"/>
-              <a:chOff x="3671478" y="3950247"/>
-              <a:chExt cx="1376425" cy="404729"/>
+              <a:off x="3710904" y="1376901"/>
+              <a:ext cx="4434230" cy="2084700"/>
+              <a:chOff x="440930" y="1980483"/>
+              <a:chExt cx="4434230" cy="2084700"/>
             </a:xfrm>
           </p:grpSpPr>
+          <p:grpSp>
+            <p:nvGrpSpPr>
+              <p:cNvPr id="17" name="Group 16">
+                <a:extLst>
+                  <a:ext uri="{FF2B5EF4-FFF2-40B4-BE49-F238E27FC236}">
+                    <a16:creationId xmlns:a16="http://schemas.microsoft.com/office/drawing/2014/main" id="{526299CB-A110-C54D-BDF8-96E344AF1C1F}"/>
+                  </a:ext>
+                </a:extLst>
+              </p:cNvPr>
+              <p:cNvGrpSpPr/>
+              <p:nvPr/>
+            </p:nvGrpSpPr>
+            <p:grpSpPr>
+              <a:xfrm>
+                <a:off x="515387" y="3339259"/>
+                <a:ext cx="1684403" cy="725924"/>
+                <a:chOff x="3235766" y="3459308"/>
+                <a:chExt cx="1684403" cy="725924"/>
+              </a:xfrm>
+            </p:grpSpPr>
+            <p:sp>
+              <p:nvSpPr>
+                <p:cNvPr id="18" name="Rounded Rectangle 370">
+                  <a:extLst>
+                    <a:ext uri="{FF2B5EF4-FFF2-40B4-BE49-F238E27FC236}">
+                      <a16:creationId xmlns:a16="http://schemas.microsoft.com/office/drawing/2014/main" id="{2E1FB874-03EC-C448-BFBA-8CD82A1D096B}"/>
+                    </a:ext>
+                  </a:extLst>
+                </p:cNvPr>
+                <p:cNvSpPr/>
+                <p:nvPr/>
+              </p:nvSpPr>
+              <p:spPr>
+                <a:xfrm>
+                  <a:off x="3235766" y="3459308"/>
+                  <a:ext cx="1684403" cy="725924"/>
+                </a:xfrm>
+                <a:custGeom>
+                  <a:avLst/>
+                  <a:gdLst>
+                    <a:gd name="connsiteX0" fmla="*/ 0 w 1377675"/>
+                    <a:gd name="connsiteY0" fmla="*/ 66568 h 1084694"/>
+                    <a:gd name="connsiteX1" fmla="*/ 66568 w 1377675"/>
+                    <a:gd name="connsiteY1" fmla="*/ 0 h 1084694"/>
+                    <a:gd name="connsiteX2" fmla="*/ 1311107 w 1377675"/>
+                    <a:gd name="connsiteY2" fmla="*/ 0 h 1084694"/>
+                    <a:gd name="connsiteX3" fmla="*/ 1377675 w 1377675"/>
+                    <a:gd name="connsiteY3" fmla="*/ 66568 h 1084694"/>
+                    <a:gd name="connsiteX4" fmla="*/ 1377675 w 1377675"/>
+                    <a:gd name="connsiteY4" fmla="*/ 1018126 h 1084694"/>
+                    <a:gd name="connsiteX5" fmla="*/ 1311107 w 1377675"/>
+                    <a:gd name="connsiteY5" fmla="*/ 1084694 h 1084694"/>
+                    <a:gd name="connsiteX6" fmla="*/ 66568 w 1377675"/>
+                    <a:gd name="connsiteY6" fmla="*/ 1084694 h 1084694"/>
+                    <a:gd name="connsiteX7" fmla="*/ 0 w 1377675"/>
+                    <a:gd name="connsiteY7" fmla="*/ 1018126 h 1084694"/>
+                    <a:gd name="connsiteX8" fmla="*/ 0 w 1377675"/>
+                    <a:gd name="connsiteY8" fmla="*/ 66568 h 1084694"/>
+                    <a:gd name="connsiteX0" fmla="*/ 0 w 1377675"/>
+                    <a:gd name="connsiteY0" fmla="*/ 66568 h 1084694"/>
+                    <a:gd name="connsiteX1" fmla="*/ 66568 w 1377675"/>
+                    <a:gd name="connsiteY1" fmla="*/ 0 h 1084694"/>
+                    <a:gd name="connsiteX2" fmla="*/ 1311107 w 1377675"/>
+                    <a:gd name="connsiteY2" fmla="*/ 0 h 1084694"/>
+                    <a:gd name="connsiteX3" fmla="*/ 1377675 w 1377675"/>
+                    <a:gd name="connsiteY3" fmla="*/ 409468 h 1084694"/>
+                    <a:gd name="connsiteX4" fmla="*/ 1377675 w 1377675"/>
+                    <a:gd name="connsiteY4" fmla="*/ 1018126 h 1084694"/>
+                    <a:gd name="connsiteX5" fmla="*/ 1311107 w 1377675"/>
+                    <a:gd name="connsiteY5" fmla="*/ 1084694 h 1084694"/>
+                    <a:gd name="connsiteX6" fmla="*/ 66568 w 1377675"/>
+                    <a:gd name="connsiteY6" fmla="*/ 1084694 h 1084694"/>
+                    <a:gd name="connsiteX7" fmla="*/ 0 w 1377675"/>
+                    <a:gd name="connsiteY7" fmla="*/ 1018126 h 1084694"/>
+                    <a:gd name="connsiteX8" fmla="*/ 0 w 1377675"/>
+                    <a:gd name="connsiteY8" fmla="*/ 66568 h 1084694"/>
+                    <a:gd name="connsiteX0" fmla="*/ 0 w 1381139"/>
+                    <a:gd name="connsiteY0" fmla="*/ 388686 h 1084694"/>
+                    <a:gd name="connsiteX1" fmla="*/ 70032 w 1381139"/>
+                    <a:gd name="connsiteY1" fmla="*/ 0 h 1084694"/>
+                    <a:gd name="connsiteX2" fmla="*/ 1314571 w 1381139"/>
+                    <a:gd name="connsiteY2" fmla="*/ 0 h 1084694"/>
+                    <a:gd name="connsiteX3" fmla="*/ 1381139 w 1381139"/>
+                    <a:gd name="connsiteY3" fmla="*/ 409468 h 1084694"/>
+                    <a:gd name="connsiteX4" fmla="*/ 1381139 w 1381139"/>
+                    <a:gd name="connsiteY4" fmla="*/ 1018126 h 1084694"/>
+                    <a:gd name="connsiteX5" fmla="*/ 1314571 w 1381139"/>
+                    <a:gd name="connsiteY5" fmla="*/ 1084694 h 1084694"/>
+                    <a:gd name="connsiteX6" fmla="*/ 70032 w 1381139"/>
+                    <a:gd name="connsiteY6" fmla="*/ 1084694 h 1084694"/>
+                    <a:gd name="connsiteX7" fmla="*/ 3464 w 1381139"/>
+                    <a:gd name="connsiteY7" fmla="*/ 1018126 h 1084694"/>
+                    <a:gd name="connsiteX8" fmla="*/ 0 w 1381139"/>
+                    <a:gd name="connsiteY8" fmla="*/ 388686 h 1084694"/>
+                    <a:gd name="connsiteX0" fmla="*/ 0 w 3085063"/>
+                    <a:gd name="connsiteY0" fmla="*/ 388686 h 1084694"/>
+                    <a:gd name="connsiteX1" fmla="*/ 70032 w 3085063"/>
+                    <a:gd name="connsiteY1" fmla="*/ 0 h 1084694"/>
+                    <a:gd name="connsiteX2" fmla="*/ 3084489 w 3085063"/>
+                    <a:gd name="connsiteY2" fmla="*/ 256309 h 1084694"/>
+                    <a:gd name="connsiteX3" fmla="*/ 1381139 w 3085063"/>
+                    <a:gd name="connsiteY3" fmla="*/ 409468 h 1084694"/>
+                    <a:gd name="connsiteX4" fmla="*/ 1381139 w 3085063"/>
+                    <a:gd name="connsiteY4" fmla="*/ 1018126 h 1084694"/>
+                    <a:gd name="connsiteX5" fmla="*/ 1314571 w 3085063"/>
+                    <a:gd name="connsiteY5" fmla="*/ 1084694 h 1084694"/>
+                    <a:gd name="connsiteX6" fmla="*/ 70032 w 3085063"/>
+                    <a:gd name="connsiteY6" fmla="*/ 1084694 h 1084694"/>
+                    <a:gd name="connsiteX7" fmla="*/ 3464 w 3085063"/>
+                    <a:gd name="connsiteY7" fmla="*/ 1018126 h 1084694"/>
+                    <a:gd name="connsiteX8" fmla="*/ 0 w 3085063"/>
+                    <a:gd name="connsiteY8" fmla="*/ 388686 h 1084694"/>
+                    <a:gd name="connsiteX0" fmla="*/ 1150005 w 4235068"/>
+                    <a:gd name="connsiteY0" fmla="*/ 132377 h 828385"/>
+                    <a:gd name="connsiteX1" fmla="*/ 837 w 4235068"/>
+                    <a:gd name="connsiteY1" fmla="*/ 3463 h 828385"/>
+                    <a:gd name="connsiteX2" fmla="*/ 4234494 w 4235068"/>
+                    <a:gd name="connsiteY2" fmla="*/ 0 h 828385"/>
+                    <a:gd name="connsiteX3" fmla="*/ 2531144 w 4235068"/>
+                    <a:gd name="connsiteY3" fmla="*/ 153159 h 828385"/>
+                    <a:gd name="connsiteX4" fmla="*/ 2531144 w 4235068"/>
+                    <a:gd name="connsiteY4" fmla="*/ 761817 h 828385"/>
+                    <a:gd name="connsiteX5" fmla="*/ 2464576 w 4235068"/>
+                    <a:gd name="connsiteY5" fmla="*/ 828385 h 828385"/>
+                    <a:gd name="connsiteX6" fmla="*/ 1220037 w 4235068"/>
+                    <a:gd name="connsiteY6" fmla="*/ 828385 h 828385"/>
+                    <a:gd name="connsiteX7" fmla="*/ 1153469 w 4235068"/>
+                    <a:gd name="connsiteY7" fmla="*/ 761817 h 828385"/>
+                    <a:gd name="connsiteX8" fmla="*/ 1150005 w 4235068"/>
+                    <a:gd name="connsiteY8" fmla="*/ 132377 h 828385"/>
+                    <a:gd name="connsiteX0" fmla="*/ 1150005 w 2930911"/>
+                    <a:gd name="connsiteY0" fmla="*/ 128914 h 824922"/>
+                    <a:gd name="connsiteX1" fmla="*/ 837 w 2930911"/>
+                    <a:gd name="connsiteY1" fmla="*/ 0 h 824922"/>
+                    <a:gd name="connsiteX2" fmla="*/ 2928703 w 2930911"/>
+                    <a:gd name="connsiteY2" fmla="*/ 1 h 824922"/>
+                    <a:gd name="connsiteX3" fmla="*/ 2531144 w 2930911"/>
+                    <a:gd name="connsiteY3" fmla="*/ 149696 h 824922"/>
+                    <a:gd name="connsiteX4" fmla="*/ 2531144 w 2930911"/>
+                    <a:gd name="connsiteY4" fmla="*/ 758354 h 824922"/>
+                    <a:gd name="connsiteX5" fmla="*/ 2464576 w 2930911"/>
+                    <a:gd name="connsiteY5" fmla="*/ 824922 h 824922"/>
+                    <a:gd name="connsiteX6" fmla="*/ 1220037 w 2930911"/>
+                    <a:gd name="connsiteY6" fmla="*/ 824922 h 824922"/>
+                    <a:gd name="connsiteX7" fmla="*/ 1153469 w 2930911"/>
+                    <a:gd name="connsiteY7" fmla="*/ 758354 h 824922"/>
+                    <a:gd name="connsiteX8" fmla="*/ 1150005 w 2930911"/>
+                    <a:gd name="connsiteY8" fmla="*/ 128914 h 824922"/>
+                    <a:gd name="connsiteX0" fmla="*/ 1150005 w 2930911"/>
+                    <a:gd name="connsiteY0" fmla="*/ 128914 h 824922"/>
+                    <a:gd name="connsiteX1" fmla="*/ 837 w 2930911"/>
+                    <a:gd name="connsiteY1" fmla="*/ 0 h 824922"/>
+                    <a:gd name="connsiteX2" fmla="*/ 2928703 w 2930911"/>
+                    <a:gd name="connsiteY2" fmla="*/ 1 h 824922"/>
+                    <a:gd name="connsiteX3" fmla="*/ 2531144 w 2930911"/>
+                    <a:gd name="connsiteY3" fmla="*/ 149696 h 824922"/>
+                    <a:gd name="connsiteX4" fmla="*/ 2531144 w 2930911"/>
+                    <a:gd name="connsiteY4" fmla="*/ 758354 h 824922"/>
+                    <a:gd name="connsiteX5" fmla="*/ 2464576 w 2930911"/>
+                    <a:gd name="connsiteY5" fmla="*/ 824922 h 824922"/>
+                    <a:gd name="connsiteX6" fmla="*/ 1220037 w 2930911"/>
+                    <a:gd name="connsiteY6" fmla="*/ 824922 h 824922"/>
+                    <a:gd name="connsiteX7" fmla="*/ 1153469 w 2930911"/>
+                    <a:gd name="connsiteY7" fmla="*/ 758354 h 824922"/>
+                    <a:gd name="connsiteX8" fmla="*/ 1150005 w 2930911"/>
+                    <a:gd name="connsiteY8" fmla="*/ 128914 h 824922"/>
+                    <a:gd name="connsiteX0" fmla="*/ 1150004 w 2930910"/>
+                    <a:gd name="connsiteY0" fmla="*/ 128914 h 824922"/>
+                    <a:gd name="connsiteX1" fmla="*/ 836 w 2930910"/>
+                    <a:gd name="connsiteY1" fmla="*/ 0 h 824922"/>
+                    <a:gd name="connsiteX2" fmla="*/ 2928702 w 2930910"/>
+                    <a:gd name="connsiteY2" fmla="*/ 1 h 824922"/>
+                    <a:gd name="connsiteX3" fmla="*/ 2531143 w 2930910"/>
+                    <a:gd name="connsiteY3" fmla="*/ 149696 h 824922"/>
+                    <a:gd name="connsiteX4" fmla="*/ 2531143 w 2930910"/>
+                    <a:gd name="connsiteY4" fmla="*/ 758354 h 824922"/>
+                    <a:gd name="connsiteX5" fmla="*/ 2464575 w 2930910"/>
+                    <a:gd name="connsiteY5" fmla="*/ 824922 h 824922"/>
+                    <a:gd name="connsiteX6" fmla="*/ 1220036 w 2930910"/>
+                    <a:gd name="connsiteY6" fmla="*/ 824922 h 824922"/>
+                    <a:gd name="connsiteX7" fmla="*/ 1153468 w 2930910"/>
+                    <a:gd name="connsiteY7" fmla="*/ 758354 h 824922"/>
+                    <a:gd name="connsiteX8" fmla="*/ 1150004 w 2930910"/>
+                    <a:gd name="connsiteY8" fmla="*/ 128914 h 824922"/>
+                    <a:gd name="connsiteX0" fmla="*/ 375627 w 2156533"/>
+                    <a:gd name="connsiteY0" fmla="*/ 128913 h 824921"/>
+                    <a:gd name="connsiteX1" fmla="*/ 2314 w 2156533"/>
+                    <a:gd name="connsiteY1" fmla="*/ 6926 h 824921"/>
+                    <a:gd name="connsiteX2" fmla="*/ 2154325 w 2156533"/>
+                    <a:gd name="connsiteY2" fmla="*/ 0 h 824921"/>
+                    <a:gd name="connsiteX3" fmla="*/ 1756766 w 2156533"/>
+                    <a:gd name="connsiteY3" fmla="*/ 149695 h 824921"/>
+                    <a:gd name="connsiteX4" fmla="*/ 1756766 w 2156533"/>
+                    <a:gd name="connsiteY4" fmla="*/ 758353 h 824921"/>
+                    <a:gd name="connsiteX5" fmla="*/ 1690198 w 2156533"/>
+                    <a:gd name="connsiteY5" fmla="*/ 824921 h 824921"/>
+                    <a:gd name="connsiteX6" fmla="*/ 445659 w 2156533"/>
+                    <a:gd name="connsiteY6" fmla="*/ 824921 h 824921"/>
+                    <a:gd name="connsiteX7" fmla="*/ 379091 w 2156533"/>
+                    <a:gd name="connsiteY7" fmla="*/ 758353 h 824921"/>
+                    <a:gd name="connsiteX8" fmla="*/ 375627 w 2156533"/>
+                    <a:gd name="connsiteY8" fmla="*/ 128913 h 824921"/>
+                    <a:gd name="connsiteX0" fmla="*/ 418185 w 2199091"/>
+                    <a:gd name="connsiteY0" fmla="*/ 128913 h 824921"/>
+                    <a:gd name="connsiteX1" fmla="*/ 44872 w 2199091"/>
+                    <a:gd name="connsiteY1" fmla="*/ 6926 h 824921"/>
+                    <a:gd name="connsiteX2" fmla="*/ 2196883 w 2199091"/>
+                    <a:gd name="connsiteY2" fmla="*/ 0 h 824921"/>
+                    <a:gd name="connsiteX3" fmla="*/ 1799324 w 2199091"/>
+                    <a:gd name="connsiteY3" fmla="*/ 149695 h 824921"/>
+                    <a:gd name="connsiteX4" fmla="*/ 1799324 w 2199091"/>
+                    <a:gd name="connsiteY4" fmla="*/ 758353 h 824921"/>
+                    <a:gd name="connsiteX5" fmla="*/ 1732756 w 2199091"/>
+                    <a:gd name="connsiteY5" fmla="*/ 824921 h 824921"/>
+                    <a:gd name="connsiteX6" fmla="*/ 488217 w 2199091"/>
+                    <a:gd name="connsiteY6" fmla="*/ 824921 h 824921"/>
+                    <a:gd name="connsiteX7" fmla="*/ 421649 w 2199091"/>
+                    <a:gd name="connsiteY7" fmla="*/ 758353 h 824921"/>
+                    <a:gd name="connsiteX8" fmla="*/ 418185 w 2199091"/>
+                    <a:gd name="connsiteY8" fmla="*/ 128913 h 824921"/>
+                    <a:gd name="connsiteX0" fmla="*/ 404178 w 2197426"/>
+                    <a:gd name="connsiteY0" fmla="*/ 129381 h 825389"/>
+                    <a:gd name="connsiteX1" fmla="*/ 30865 w 2197426"/>
+                    <a:gd name="connsiteY1" fmla="*/ 7394 h 825389"/>
+                    <a:gd name="connsiteX2" fmla="*/ 2182876 w 2197426"/>
+                    <a:gd name="connsiteY2" fmla="*/ 468 h 825389"/>
+                    <a:gd name="connsiteX3" fmla="*/ 1785317 w 2197426"/>
+                    <a:gd name="connsiteY3" fmla="*/ 150163 h 825389"/>
+                    <a:gd name="connsiteX4" fmla="*/ 1785317 w 2197426"/>
+                    <a:gd name="connsiteY4" fmla="*/ 758821 h 825389"/>
+                    <a:gd name="connsiteX5" fmla="*/ 1718749 w 2197426"/>
+                    <a:gd name="connsiteY5" fmla="*/ 825389 h 825389"/>
+                    <a:gd name="connsiteX6" fmla="*/ 474210 w 2197426"/>
+                    <a:gd name="connsiteY6" fmla="*/ 825389 h 825389"/>
+                    <a:gd name="connsiteX7" fmla="*/ 407642 w 2197426"/>
+                    <a:gd name="connsiteY7" fmla="*/ 758821 h 825389"/>
+                    <a:gd name="connsiteX8" fmla="*/ 404178 w 2197426"/>
+                    <a:gd name="connsiteY8" fmla="*/ 129381 h 825389"/>
+                    <a:gd name="connsiteX0" fmla="*/ 373313 w 2152011"/>
+                    <a:gd name="connsiteY0" fmla="*/ 129381 h 825389"/>
+                    <a:gd name="connsiteX1" fmla="*/ 0 w 2152011"/>
+                    <a:gd name="connsiteY1" fmla="*/ 7394 h 825389"/>
+                    <a:gd name="connsiteX2" fmla="*/ 2152011 w 2152011"/>
+                    <a:gd name="connsiteY2" fmla="*/ 468 h 825389"/>
+                    <a:gd name="connsiteX3" fmla="*/ 1754452 w 2152011"/>
+                    <a:gd name="connsiteY3" fmla="*/ 150163 h 825389"/>
+                    <a:gd name="connsiteX4" fmla="*/ 1754452 w 2152011"/>
+                    <a:gd name="connsiteY4" fmla="*/ 758821 h 825389"/>
+                    <a:gd name="connsiteX5" fmla="*/ 1687884 w 2152011"/>
+                    <a:gd name="connsiteY5" fmla="*/ 825389 h 825389"/>
+                    <a:gd name="connsiteX6" fmla="*/ 443345 w 2152011"/>
+                    <a:gd name="connsiteY6" fmla="*/ 825389 h 825389"/>
+                    <a:gd name="connsiteX7" fmla="*/ 376777 w 2152011"/>
+                    <a:gd name="connsiteY7" fmla="*/ 758821 h 825389"/>
+                    <a:gd name="connsiteX8" fmla="*/ 373313 w 2152011"/>
+                    <a:gd name="connsiteY8" fmla="*/ 129381 h 825389"/>
+                    <a:gd name="connsiteX0" fmla="*/ 436994 w 2018842"/>
+                    <a:gd name="connsiteY0" fmla="*/ 132057 h 828065"/>
+                    <a:gd name="connsiteX1" fmla="*/ 63681 w 2018842"/>
+                    <a:gd name="connsiteY1" fmla="*/ 10070 h 828065"/>
+                    <a:gd name="connsiteX2" fmla="*/ 2018842 w 2018842"/>
+                    <a:gd name="connsiteY2" fmla="*/ 6319 h 828065"/>
+                    <a:gd name="connsiteX3" fmla="*/ 1818133 w 2018842"/>
+                    <a:gd name="connsiteY3" fmla="*/ 152839 h 828065"/>
+                    <a:gd name="connsiteX4" fmla="*/ 1818133 w 2018842"/>
+                    <a:gd name="connsiteY4" fmla="*/ 761497 h 828065"/>
+                    <a:gd name="connsiteX5" fmla="*/ 1751565 w 2018842"/>
+                    <a:gd name="connsiteY5" fmla="*/ 828065 h 828065"/>
+                    <a:gd name="connsiteX6" fmla="*/ 507026 w 2018842"/>
+                    <a:gd name="connsiteY6" fmla="*/ 828065 h 828065"/>
+                    <a:gd name="connsiteX7" fmla="*/ 440458 w 2018842"/>
+                    <a:gd name="connsiteY7" fmla="*/ 761497 h 828065"/>
+                    <a:gd name="connsiteX8" fmla="*/ 436994 w 2018842"/>
+                    <a:gd name="connsiteY8" fmla="*/ 132057 h 828065"/>
+                    <a:gd name="connsiteX0" fmla="*/ 436994 w 2023402"/>
+                    <a:gd name="connsiteY0" fmla="*/ 131514 h 827522"/>
+                    <a:gd name="connsiteX1" fmla="*/ 63681 w 2023402"/>
+                    <a:gd name="connsiteY1" fmla="*/ 9527 h 827522"/>
+                    <a:gd name="connsiteX2" fmla="*/ 2018842 w 2023402"/>
+                    <a:gd name="connsiteY2" fmla="*/ 5776 h 827522"/>
+                    <a:gd name="connsiteX3" fmla="*/ 1818133 w 2023402"/>
+                    <a:gd name="connsiteY3" fmla="*/ 152296 h 827522"/>
+                    <a:gd name="connsiteX4" fmla="*/ 1818133 w 2023402"/>
+                    <a:gd name="connsiteY4" fmla="*/ 760954 h 827522"/>
+                    <a:gd name="connsiteX5" fmla="*/ 1751565 w 2023402"/>
+                    <a:gd name="connsiteY5" fmla="*/ 827522 h 827522"/>
+                    <a:gd name="connsiteX6" fmla="*/ 507026 w 2023402"/>
+                    <a:gd name="connsiteY6" fmla="*/ 827522 h 827522"/>
+                    <a:gd name="connsiteX7" fmla="*/ 440458 w 2023402"/>
+                    <a:gd name="connsiteY7" fmla="*/ 760954 h 827522"/>
+                    <a:gd name="connsiteX8" fmla="*/ 436994 w 2023402"/>
+                    <a:gd name="connsiteY8" fmla="*/ 131514 h 827522"/>
+                    <a:gd name="connsiteX0" fmla="*/ 260186 w 1921406"/>
+                    <a:gd name="connsiteY0" fmla="*/ 144219 h 840227"/>
+                    <a:gd name="connsiteX1" fmla="*/ 83723 w 1921406"/>
+                    <a:gd name="connsiteY1" fmla="*/ 15882 h 840227"/>
+                    <a:gd name="connsiteX2" fmla="*/ 1842034 w 1921406"/>
+                    <a:gd name="connsiteY2" fmla="*/ 18481 h 840227"/>
+                    <a:gd name="connsiteX3" fmla="*/ 1641325 w 1921406"/>
+                    <a:gd name="connsiteY3" fmla="*/ 165001 h 840227"/>
+                    <a:gd name="connsiteX4" fmla="*/ 1641325 w 1921406"/>
+                    <a:gd name="connsiteY4" fmla="*/ 773659 h 840227"/>
+                    <a:gd name="connsiteX5" fmla="*/ 1574757 w 1921406"/>
+                    <a:gd name="connsiteY5" fmla="*/ 840227 h 840227"/>
+                    <a:gd name="connsiteX6" fmla="*/ 330218 w 1921406"/>
+                    <a:gd name="connsiteY6" fmla="*/ 840227 h 840227"/>
+                    <a:gd name="connsiteX7" fmla="*/ 263650 w 1921406"/>
+                    <a:gd name="connsiteY7" fmla="*/ 773659 h 840227"/>
+                    <a:gd name="connsiteX8" fmla="*/ 260186 w 1921406"/>
+                    <a:gd name="connsiteY8" fmla="*/ 144219 h 840227"/>
+                    <a:gd name="connsiteX0" fmla="*/ 184184 w 1845404"/>
+                    <a:gd name="connsiteY0" fmla="*/ 137193 h 833201"/>
+                    <a:gd name="connsiteX1" fmla="*/ 7721 w 1845404"/>
+                    <a:gd name="connsiteY1" fmla="*/ 8856 h 833201"/>
+                    <a:gd name="connsiteX2" fmla="*/ 1766032 w 1845404"/>
+                    <a:gd name="connsiteY2" fmla="*/ 11455 h 833201"/>
+                    <a:gd name="connsiteX3" fmla="*/ 1565323 w 1845404"/>
+                    <a:gd name="connsiteY3" fmla="*/ 157975 h 833201"/>
+                    <a:gd name="connsiteX4" fmla="*/ 1565323 w 1845404"/>
+                    <a:gd name="connsiteY4" fmla="*/ 766633 h 833201"/>
+                    <a:gd name="connsiteX5" fmla="*/ 1498755 w 1845404"/>
+                    <a:gd name="connsiteY5" fmla="*/ 833201 h 833201"/>
+                    <a:gd name="connsiteX6" fmla="*/ 254216 w 1845404"/>
+                    <a:gd name="connsiteY6" fmla="*/ 833201 h 833201"/>
+                    <a:gd name="connsiteX7" fmla="*/ 187648 w 1845404"/>
+                    <a:gd name="connsiteY7" fmla="*/ 766633 h 833201"/>
+                    <a:gd name="connsiteX8" fmla="*/ 184184 w 1845404"/>
+                    <a:gd name="connsiteY8" fmla="*/ 137193 h 833201"/>
+                    <a:gd name="connsiteX0" fmla="*/ 254154 w 1839241"/>
+                    <a:gd name="connsiteY0" fmla="*/ 147999 h 844007"/>
+                    <a:gd name="connsiteX1" fmla="*/ 77691 w 1839241"/>
+                    <a:gd name="connsiteY1" fmla="*/ 19662 h 844007"/>
+                    <a:gd name="connsiteX2" fmla="*/ 1747102 w 1839241"/>
+                    <a:gd name="connsiteY2" fmla="*/ 15911 h 844007"/>
+                    <a:gd name="connsiteX3" fmla="*/ 1635293 w 1839241"/>
+                    <a:gd name="connsiteY3" fmla="*/ 168781 h 844007"/>
+                    <a:gd name="connsiteX4" fmla="*/ 1635293 w 1839241"/>
+                    <a:gd name="connsiteY4" fmla="*/ 777439 h 844007"/>
+                    <a:gd name="connsiteX5" fmla="*/ 1568725 w 1839241"/>
+                    <a:gd name="connsiteY5" fmla="*/ 844007 h 844007"/>
+                    <a:gd name="connsiteX6" fmla="*/ 324186 w 1839241"/>
+                    <a:gd name="connsiteY6" fmla="*/ 844007 h 844007"/>
+                    <a:gd name="connsiteX7" fmla="*/ 257618 w 1839241"/>
+                    <a:gd name="connsiteY7" fmla="*/ 777439 h 844007"/>
+                    <a:gd name="connsiteX8" fmla="*/ 254154 w 1839241"/>
+                    <a:gd name="connsiteY8" fmla="*/ 147999 h 844007"/>
+                    <a:gd name="connsiteX0" fmla="*/ 254154 w 1752323"/>
+                    <a:gd name="connsiteY0" fmla="*/ 139925 h 835933"/>
+                    <a:gd name="connsiteX1" fmla="*/ 77691 w 1752323"/>
+                    <a:gd name="connsiteY1" fmla="*/ 11588 h 835933"/>
+                    <a:gd name="connsiteX2" fmla="*/ 1747102 w 1752323"/>
+                    <a:gd name="connsiteY2" fmla="*/ 7837 h 835933"/>
+                    <a:gd name="connsiteX3" fmla="*/ 1635293 w 1752323"/>
+                    <a:gd name="connsiteY3" fmla="*/ 160707 h 835933"/>
+                    <a:gd name="connsiteX4" fmla="*/ 1635293 w 1752323"/>
+                    <a:gd name="connsiteY4" fmla="*/ 769365 h 835933"/>
+                    <a:gd name="connsiteX5" fmla="*/ 1568725 w 1752323"/>
+                    <a:gd name="connsiteY5" fmla="*/ 835933 h 835933"/>
+                    <a:gd name="connsiteX6" fmla="*/ 324186 w 1752323"/>
+                    <a:gd name="connsiteY6" fmla="*/ 835933 h 835933"/>
+                    <a:gd name="connsiteX7" fmla="*/ 257618 w 1752323"/>
+                    <a:gd name="connsiteY7" fmla="*/ 769365 h 835933"/>
+                    <a:gd name="connsiteX8" fmla="*/ 254154 w 1752323"/>
+                    <a:gd name="connsiteY8" fmla="*/ 139925 h 835933"/>
+                    <a:gd name="connsiteX0" fmla="*/ 256302 w 1786136"/>
+                    <a:gd name="connsiteY0" fmla="*/ 138666 h 834674"/>
+                    <a:gd name="connsiteX1" fmla="*/ 79839 w 1786136"/>
+                    <a:gd name="connsiteY1" fmla="*/ 10329 h 834674"/>
+                    <a:gd name="connsiteX2" fmla="*/ 1781000 w 1786136"/>
+                    <a:gd name="connsiteY2" fmla="*/ 9753 h 834674"/>
+                    <a:gd name="connsiteX3" fmla="*/ 1637441 w 1786136"/>
+                    <a:gd name="connsiteY3" fmla="*/ 159448 h 834674"/>
+                    <a:gd name="connsiteX4" fmla="*/ 1637441 w 1786136"/>
+                    <a:gd name="connsiteY4" fmla="*/ 768106 h 834674"/>
+                    <a:gd name="connsiteX5" fmla="*/ 1570873 w 1786136"/>
+                    <a:gd name="connsiteY5" fmla="*/ 834674 h 834674"/>
+                    <a:gd name="connsiteX6" fmla="*/ 326334 w 1786136"/>
+                    <a:gd name="connsiteY6" fmla="*/ 834674 h 834674"/>
+                    <a:gd name="connsiteX7" fmla="*/ 259766 w 1786136"/>
+                    <a:gd name="connsiteY7" fmla="*/ 768106 h 834674"/>
+                    <a:gd name="connsiteX8" fmla="*/ 256302 w 1786136"/>
+                    <a:gd name="connsiteY8" fmla="*/ 138666 h 834674"/>
+                    <a:gd name="connsiteX0" fmla="*/ 181625 w 1710512"/>
+                    <a:gd name="connsiteY0" fmla="*/ 130557 h 826565"/>
+                    <a:gd name="connsiteX1" fmla="*/ 5162 w 1710512"/>
+                    <a:gd name="connsiteY1" fmla="*/ 2220 h 826565"/>
+                    <a:gd name="connsiteX2" fmla="*/ 1706323 w 1710512"/>
+                    <a:gd name="connsiteY2" fmla="*/ 1644 h 826565"/>
+                    <a:gd name="connsiteX3" fmla="*/ 1562764 w 1710512"/>
+                    <a:gd name="connsiteY3" fmla="*/ 151339 h 826565"/>
+                    <a:gd name="connsiteX4" fmla="*/ 1562764 w 1710512"/>
+                    <a:gd name="connsiteY4" fmla="*/ 759997 h 826565"/>
+                    <a:gd name="connsiteX5" fmla="*/ 1496196 w 1710512"/>
+                    <a:gd name="connsiteY5" fmla="*/ 826565 h 826565"/>
+                    <a:gd name="connsiteX6" fmla="*/ 251657 w 1710512"/>
+                    <a:gd name="connsiteY6" fmla="*/ 826565 h 826565"/>
+                    <a:gd name="connsiteX7" fmla="*/ 185089 w 1710512"/>
+                    <a:gd name="connsiteY7" fmla="*/ 759997 h 826565"/>
+                    <a:gd name="connsiteX8" fmla="*/ 181625 w 1710512"/>
+                    <a:gd name="connsiteY8" fmla="*/ 130557 h 826565"/>
+                    <a:gd name="connsiteX0" fmla="*/ 157442 w 1767509"/>
+                    <a:gd name="connsiteY0" fmla="*/ 139313 h 835321"/>
+                    <a:gd name="connsiteX1" fmla="*/ 6379 w 1767509"/>
+                    <a:gd name="connsiteY1" fmla="*/ 14151 h 835321"/>
+                    <a:gd name="connsiteX2" fmla="*/ 1682140 w 1767509"/>
+                    <a:gd name="connsiteY2" fmla="*/ 10400 h 835321"/>
+                    <a:gd name="connsiteX3" fmla="*/ 1538581 w 1767509"/>
+                    <a:gd name="connsiteY3" fmla="*/ 160095 h 835321"/>
+                    <a:gd name="connsiteX4" fmla="*/ 1538581 w 1767509"/>
+                    <a:gd name="connsiteY4" fmla="*/ 768753 h 835321"/>
+                    <a:gd name="connsiteX5" fmla="*/ 1472013 w 1767509"/>
+                    <a:gd name="connsiteY5" fmla="*/ 835321 h 835321"/>
+                    <a:gd name="connsiteX6" fmla="*/ 227474 w 1767509"/>
+                    <a:gd name="connsiteY6" fmla="*/ 835321 h 835321"/>
+                    <a:gd name="connsiteX7" fmla="*/ 160906 w 1767509"/>
+                    <a:gd name="connsiteY7" fmla="*/ 768753 h 835321"/>
+                    <a:gd name="connsiteX8" fmla="*/ 157442 w 1767509"/>
+                    <a:gd name="connsiteY8" fmla="*/ 139313 h 835321"/>
+                    <a:gd name="connsiteX0" fmla="*/ 155631 w 1765698"/>
+                    <a:gd name="connsiteY0" fmla="*/ 139999 h 836007"/>
+                    <a:gd name="connsiteX1" fmla="*/ 4568 w 1765698"/>
+                    <a:gd name="connsiteY1" fmla="*/ 14837 h 836007"/>
+                    <a:gd name="connsiteX2" fmla="*/ 1680329 w 1765698"/>
+                    <a:gd name="connsiteY2" fmla="*/ 11086 h 836007"/>
+                    <a:gd name="connsiteX3" fmla="*/ 1536770 w 1765698"/>
+                    <a:gd name="connsiteY3" fmla="*/ 160781 h 836007"/>
+                    <a:gd name="connsiteX4" fmla="*/ 1536770 w 1765698"/>
+                    <a:gd name="connsiteY4" fmla="*/ 769439 h 836007"/>
+                    <a:gd name="connsiteX5" fmla="*/ 1470202 w 1765698"/>
+                    <a:gd name="connsiteY5" fmla="*/ 836007 h 836007"/>
+                    <a:gd name="connsiteX6" fmla="*/ 225663 w 1765698"/>
+                    <a:gd name="connsiteY6" fmla="*/ 836007 h 836007"/>
+                    <a:gd name="connsiteX7" fmla="*/ 159095 w 1765698"/>
+                    <a:gd name="connsiteY7" fmla="*/ 769439 h 836007"/>
+                    <a:gd name="connsiteX8" fmla="*/ 155631 w 1765698"/>
+                    <a:gd name="connsiteY8" fmla="*/ 139999 h 836007"/>
+                    <a:gd name="connsiteX0" fmla="*/ 155631 w 1765698"/>
+                    <a:gd name="connsiteY0" fmla="*/ 139999 h 836007"/>
+                    <a:gd name="connsiteX1" fmla="*/ 4568 w 1765698"/>
+                    <a:gd name="connsiteY1" fmla="*/ 14837 h 836007"/>
+                    <a:gd name="connsiteX2" fmla="*/ 1680329 w 1765698"/>
+                    <a:gd name="connsiteY2" fmla="*/ 11086 h 836007"/>
+                    <a:gd name="connsiteX3" fmla="*/ 1536770 w 1765698"/>
+                    <a:gd name="connsiteY3" fmla="*/ 160781 h 836007"/>
+                    <a:gd name="connsiteX4" fmla="*/ 1536770 w 1765698"/>
+                    <a:gd name="connsiteY4" fmla="*/ 769439 h 836007"/>
+                    <a:gd name="connsiteX5" fmla="*/ 1470202 w 1765698"/>
+                    <a:gd name="connsiteY5" fmla="*/ 836007 h 836007"/>
+                    <a:gd name="connsiteX6" fmla="*/ 225663 w 1765698"/>
+                    <a:gd name="connsiteY6" fmla="*/ 836007 h 836007"/>
+                    <a:gd name="connsiteX7" fmla="*/ 159095 w 1765698"/>
+                    <a:gd name="connsiteY7" fmla="*/ 769439 h 836007"/>
+                    <a:gd name="connsiteX8" fmla="*/ 155631 w 1765698"/>
+                    <a:gd name="connsiteY8" fmla="*/ 139999 h 836007"/>
+                    <a:gd name="connsiteX0" fmla="*/ 154777 w 1684351"/>
+                    <a:gd name="connsiteY0" fmla="*/ 131536 h 827544"/>
+                    <a:gd name="connsiteX1" fmla="*/ 3714 w 1684351"/>
+                    <a:gd name="connsiteY1" fmla="*/ 6374 h 827544"/>
+                    <a:gd name="connsiteX2" fmla="*/ 1679475 w 1684351"/>
+                    <a:gd name="connsiteY2" fmla="*/ 2623 h 827544"/>
+                    <a:gd name="connsiteX3" fmla="*/ 1535916 w 1684351"/>
+                    <a:gd name="connsiteY3" fmla="*/ 152318 h 827544"/>
+                    <a:gd name="connsiteX4" fmla="*/ 1535916 w 1684351"/>
+                    <a:gd name="connsiteY4" fmla="*/ 760976 h 827544"/>
+                    <a:gd name="connsiteX5" fmla="*/ 1469348 w 1684351"/>
+                    <a:gd name="connsiteY5" fmla="*/ 827544 h 827544"/>
+                    <a:gd name="connsiteX6" fmla="*/ 224809 w 1684351"/>
+                    <a:gd name="connsiteY6" fmla="*/ 827544 h 827544"/>
+                    <a:gd name="connsiteX7" fmla="*/ 158241 w 1684351"/>
+                    <a:gd name="connsiteY7" fmla="*/ 760976 h 827544"/>
+                    <a:gd name="connsiteX8" fmla="*/ 154777 w 1684351"/>
+                    <a:gd name="connsiteY8" fmla="*/ 131536 h 827544"/>
+                    <a:gd name="connsiteX0" fmla="*/ 236936 w 1786555"/>
+                    <a:gd name="connsiteY0" fmla="*/ 135949 h 831957"/>
+                    <a:gd name="connsiteX1" fmla="*/ 85873 w 1786555"/>
+                    <a:gd name="connsiteY1" fmla="*/ 10787 h 831957"/>
+                    <a:gd name="connsiteX2" fmla="*/ 1780684 w 1786555"/>
+                    <a:gd name="connsiteY2" fmla="*/ 10211 h 831957"/>
+                    <a:gd name="connsiteX3" fmla="*/ 1618075 w 1786555"/>
+                    <a:gd name="connsiteY3" fmla="*/ 156731 h 831957"/>
+                    <a:gd name="connsiteX4" fmla="*/ 1618075 w 1786555"/>
+                    <a:gd name="connsiteY4" fmla="*/ 765389 h 831957"/>
+                    <a:gd name="connsiteX5" fmla="*/ 1551507 w 1786555"/>
+                    <a:gd name="connsiteY5" fmla="*/ 831957 h 831957"/>
+                    <a:gd name="connsiteX6" fmla="*/ 306968 w 1786555"/>
+                    <a:gd name="connsiteY6" fmla="*/ 831957 h 831957"/>
+                    <a:gd name="connsiteX7" fmla="*/ 240400 w 1786555"/>
+                    <a:gd name="connsiteY7" fmla="*/ 765389 h 831957"/>
+                    <a:gd name="connsiteX8" fmla="*/ 236936 w 1786555"/>
+                    <a:gd name="connsiteY8" fmla="*/ 135949 h 831957"/>
+                    <a:gd name="connsiteX0" fmla="*/ 157046 w 1705555"/>
+                    <a:gd name="connsiteY0" fmla="*/ 128377 h 824385"/>
+                    <a:gd name="connsiteX1" fmla="*/ 5983 w 1705555"/>
+                    <a:gd name="connsiteY1" fmla="*/ 3215 h 824385"/>
+                    <a:gd name="connsiteX2" fmla="*/ 1700794 w 1705555"/>
+                    <a:gd name="connsiteY2" fmla="*/ 2639 h 824385"/>
+                    <a:gd name="connsiteX3" fmla="*/ 1538185 w 1705555"/>
+                    <a:gd name="connsiteY3" fmla="*/ 149159 h 824385"/>
+                    <a:gd name="connsiteX4" fmla="*/ 1538185 w 1705555"/>
+                    <a:gd name="connsiteY4" fmla="*/ 757817 h 824385"/>
+                    <a:gd name="connsiteX5" fmla="*/ 1471617 w 1705555"/>
+                    <a:gd name="connsiteY5" fmla="*/ 824385 h 824385"/>
+                    <a:gd name="connsiteX6" fmla="*/ 227078 w 1705555"/>
+                    <a:gd name="connsiteY6" fmla="*/ 824385 h 824385"/>
+                    <a:gd name="connsiteX7" fmla="*/ 160510 w 1705555"/>
+                    <a:gd name="connsiteY7" fmla="*/ 757817 h 824385"/>
+                    <a:gd name="connsiteX8" fmla="*/ 157046 w 1705555"/>
+                    <a:gd name="connsiteY8" fmla="*/ 128377 h 824385"/>
+                    <a:gd name="connsiteX0" fmla="*/ 158360 w 1784749"/>
+                    <a:gd name="connsiteY0" fmla="*/ 140824 h 836832"/>
+                    <a:gd name="connsiteX1" fmla="*/ 7297 w 1784749"/>
+                    <a:gd name="connsiteY1" fmla="*/ 15662 h 836832"/>
+                    <a:gd name="connsiteX2" fmla="*/ 1702108 w 1784749"/>
+                    <a:gd name="connsiteY2" fmla="*/ 15086 h 836832"/>
+                    <a:gd name="connsiteX3" fmla="*/ 1539499 w 1784749"/>
+                    <a:gd name="connsiteY3" fmla="*/ 215581 h 836832"/>
+                    <a:gd name="connsiteX4" fmla="*/ 1539499 w 1784749"/>
+                    <a:gd name="connsiteY4" fmla="*/ 770264 h 836832"/>
+                    <a:gd name="connsiteX5" fmla="*/ 1472931 w 1784749"/>
+                    <a:gd name="connsiteY5" fmla="*/ 836832 h 836832"/>
+                    <a:gd name="connsiteX6" fmla="*/ 228392 w 1784749"/>
+                    <a:gd name="connsiteY6" fmla="*/ 836832 h 836832"/>
+                    <a:gd name="connsiteX7" fmla="*/ 161824 w 1784749"/>
+                    <a:gd name="connsiteY7" fmla="*/ 770264 h 836832"/>
+                    <a:gd name="connsiteX8" fmla="*/ 158360 w 1784749"/>
+                    <a:gd name="connsiteY8" fmla="*/ 140824 h 836832"/>
+                    <a:gd name="connsiteX0" fmla="*/ 239426 w 1862640"/>
+                    <a:gd name="connsiteY0" fmla="*/ 233513 h 846971"/>
+                    <a:gd name="connsiteX1" fmla="*/ 85188 w 1862640"/>
+                    <a:gd name="connsiteY1" fmla="*/ 25801 h 846971"/>
+                    <a:gd name="connsiteX2" fmla="*/ 1779999 w 1862640"/>
+                    <a:gd name="connsiteY2" fmla="*/ 25225 h 846971"/>
+                    <a:gd name="connsiteX3" fmla="*/ 1617390 w 1862640"/>
+                    <a:gd name="connsiteY3" fmla="*/ 225720 h 846971"/>
+                    <a:gd name="connsiteX4" fmla="*/ 1617390 w 1862640"/>
+                    <a:gd name="connsiteY4" fmla="*/ 780403 h 846971"/>
+                    <a:gd name="connsiteX5" fmla="*/ 1550822 w 1862640"/>
+                    <a:gd name="connsiteY5" fmla="*/ 846971 h 846971"/>
+                    <a:gd name="connsiteX6" fmla="*/ 306283 w 1862640"/>
+                    <a:gd name="connsiteY6" fmla="*/ 846971 h 846971"/>
+                    <a:gd name="connsiteX7" fmla="*/ 239715 w 1862640"/>
+                    <a:gd name="connsiteY7" fmla="*/ 780403 h 846971"/>
+                    <a:gd name="connsiteX8" fmla="*/ 239426 w 1862640"/>
+                    <a:gd name="connsiteY8" fmla="*/ 233513 h 846971"/>
+                    <a:gd name="connsiteX0" fmla="*/ 238598 w 1861812"/>
+                    <a:gd name="connsiteY0" fmla="*/ 233513 h 846971"/>
+                    <a:gd name="connsiteX1" fmla="*/ 84360 w 1861812"/>
+                    <a:gd name="connsiteY1" fmla="*/ 25801 h 846971"/>
+                    <a:gd name="connsiteX2" fmla="*/ 1779171 w 1861812"/>
+                    <a:gd name="connsiteY2" fmla="*/ 25225 h 846971"/>
+                    <a:gd name="connsiteX3" fmla="*/ 1616562 w 1861812"/>
+                    <a:gd name="connsiteY3" fmla="*/ 225720 h 846971"/>
+                    <a:gd name="connsiteX4" fmla="*/ 1616562 w 1861812"/>
+                    <a:gd name="connsiteY4" fmla="*/ 780403 h 846971"/>
+                    <a:gd name="connsiteX5" fmla="*/ 1549994 w 1861812"/>
+                    <a:gd name="connsiteY5" fmla="*/ 846971 h 846971"/>
+                    <a:gd name="connsiteX6" fmla="*/ 305455 w 1861812"/>
+                    <a:gd name="connsiteY6" fmla="*/ 846971 h 846971"/>
+                    <a:gd name="connsiteX7" fmla="*/ 238887 w 1861812"/>
+                    <a:gd name="connsiteY7" fmla="*/ 780403 h 846971"/>
+                    <a:gd name="connsiteX8" fmla="*/ 238598 w 1861812"/>
+                    <a:gd name="connsiteY8" fmla="*/ 233513 h 846971"/>
+                    <a:gd name="connsiteX0" fmla="*/ 238598 w 1862214"/>
+                    <a:gd name="connsiteY0" fmla="*/ 233513 h 846971"/>
+                    <a:gd name="connsiteX1" fmla="*/ 84360 w 1862214"/>
+                    <a:gd name="connsiteY1" fmla="*/ 25801 h 846971"/>
+                    <a:gd name="connsiteX2" fmla="*/ 1779171 w 1862214"/>
+                    <a:gd name="connsiteY2" fmla="*/ 25225 h 846971"/>
+                    <a:gd name="connsiteX3" fmla="*/ 1616562 w 1862214"/>
+                    <a:gd name="connsiteY3" fmla="*/ 225720 h 846971"/>
+                    <a:gd name="connsiteX4" fmla="*/ 1616562 w 1862214"/>
+                    <a:gd name="connsiteY4" fmla="*/ 780403 h 846971"/>
+                    <a:gd name="connsiteX5" fmla="*/ 1549994 w 1862214"/>
+                    <a:gd name="connsiteY5" fmla="*/ 846971 h 846971"/>
+                    <a:gd name="connsiteX6" fmla="*/ 305455 w 1862214"/>
+                    <a:gd name="connsiteY6" fmla="*/ 846971 h 846971"/>
+                    <a:gd name="connsiteX7" fmla="*/ 238887 w 1862214"/>
+                    <a:gd name="connsiteY7" fmla="*/ 780403 h 846971"/>
+                    <a:gd name="connsiteX8" fmla="*/ 238598 w 1862214"/>
+                    <a:gd name="connsiteY8" fmla="*/ 233513 h 846971"/>
+                    <a:gd name="connsiteX0" fmla="*/ 238160 w 1856323"/>
+                    <a:gd name="connsiteY0" fmla="*/ 248080 h 861538"/>
+                    <a:gd name="connsiteX1" fmla="*/ 83922 w 1856323"/>
+                    <a:gd name="connsiteY1" fmla="*/ 40368 h 861538"/>
+                    <a:gd name="connsiteX2" fmla="*/ 1772383 w 1856323"/>
+                    <a:gd name="connsiteY2" fmla="*/ 17567 h 861538"/>
+                    <a:gd name="connsiteX3" fmla="*/ 1616124 w 1856323"/>
+                    <a:gd name="connsiteY3" fmla="*/ 240287 h 861538"/>
+                    <a:gd name="connsiteX4" fmla="*/ 1616124 w 1856323"/>
+                    <a:gd name="connsiteY4" fmla="*/ 794970 h 861538"/>
+                    <a:gd name="connsiteX5" fmla="*/ 1549556 w 1856323"/>
+                    <a:gd name="connsiteY5" fmla="*/ 861538 h 861538"/>
+                    <a:gd name="connsiteX6" fmla="*/ 305017 w 1856323"/>
+                    <a:gd name="connsiteY6" fmla="*/ 861538 h 861538"/>
+                    <a:gd name="connsiteX7" fmla="*/ 238449 w 1856323"/>
+                    <a:gd name="connsiteY7" fmla="*/ 794970 h 861538"/>
+                    <a:gd name="connsiteX8" fmla="*/ 238160 w 1856323"/>
+                    <a:gd name="connsiteY8" fmla="*/ 248080 h 861538"/>
+                    <a:gd name="connsiteX0" fmla="*/ 238160 w 1785863"/>
+                    <a:gd name="connsiteY0" fmla="*/ 242493 h 855951"/>
+                    <a:gd name="connsiteX1" fmla="*/ 83922 w 1785863"/>
+                    <a:gd name="connsiteY1" fmla="*/ 34781 h 855951"/>
+                    <a:gd name="connsiteX2" fmla="*/ 1772383 w 1785863"/>
+                    <a:gd name="connsiteY2" fmla="*/ 11980 h 855951"/>
+                    <a:gd name="connsiteX3" fmla="*/ 1616124 w 1785863"/>
+                    <a:gd name="connsiteY3" fmla="*/ 234700 h 855951"/>
+                    <a:gd name="connsiteX4" fmla="*/ 1616124 w 1785863"/>
+                    <a:gd name="connsiteY4" fmla="*/ 789383 h 855951"/>
+                    <a:gd name="connsiteX5" fmla="*/ 1549556 w 1785863"/>
+                    <a:gd name="connsiteY5" fmla="*/ 855951 h 855951"/>
+                    <a:gd name="connsiteX6" fmla="*/ 305017 w 1785863"/>
+                    <a:gd name="connsiteY6" fmla="*/ 855951 h 855951"/>
+                    <a:gd name="connsiteX7" fmla="*/ 238449 w 1785863"/>
+                    <a:gd name="connsiteY7" fmla="*/ 789383 h 855951"/>
+                    <a:gd name="connsiteX8" fmla="*/ 238160 w 1785863"/>
+                    <a:gd name="connsiteY8" fmla="*/ 242493 h 855951"/>
+                    <a:gd name="connsiteX0" fmla="*/ 239914 w 1812854"/>
+                    <a:gd name="connsiteY0" fmla="*/ 232326 h 845784"/>
+                    <a:gd name="connsiteX1" fmla="*/ 85676 w 1812854"/>
+                    <a:gd name="connsiteY1" fmla="*/ 24614 h 845784"/>
+                    <a:gd name="connsiteX2" fmla="*/ 1799537 w 1812854"/>
+                    <a:gd name="connsiteY2" fmla="*/ 17688 h 845784"/>
+                    <a:gd name="connsiteX3" fmla="*/ 1617878 w 1812854"/>
+                    <a:gd name="connsiteY3" fmla="*/ 224533 h 845784"/>
+                    <a:gd name="connsiteX4" fmla="*/ 1617878 w 1812854"/>
+                    <a:gd name="connsiteY4" fmla="*/ 779216 h 845784"/>
+                    <a:gd name="connsiteX5" fmla="*/ 1551310 w 1812854"/>
+                    <a:gd name="connsiteY5" fmla="*/ 845784 h 845784"/>
+                    <a:gd name="connsiteX6" fmla="*/ 306771 w 1812854"/>
+                    <a:gd name="connsiteY6" fmla="*/ 845784 h 845784"/>
+                    <a:gd name="connsiteX7" fmla="*/ 240203 w 1812854"/>
+                    <a:gd name="connsiteY7" fmla="*/ 779216 h 845784"/>
+                    <a:gd name="connsiteX8" fmla="*/ 239914 w 1812854"/>
+                    <a:gd name="connsiteY8" fmla="*/ 232326 h 845784"/>
+                    <a:gd name="connsiteX0" fmla="*/ 241013 w 1829728"/>
+                    <a:gd name="connsiteY0" fmla="*/ 230621 h 844079"/>
+                    <a:gd name="connsiteX1" fmla="*/ 86775 w 1829728"/>
+                    <a:gd name="connsiteY1" fmla="*/ 22909 h 844079"/>
+                    <a:gd name="connsiteX2" fmla="*/ 1816511 w 1829728"/>
+                    <a:gd name="connsiteY2" fmla="*/ 19158 h 844079"/>
+                    <a:gd name="connsiteX3" fmla="*/ 1618977 w 1829728"/>
+                    <a:gd name="connsiteY3" fmla="*/ 222828 h 844079"/>
+                    <a:gd name="connsiteX4" fmla="*/ 1618977 w 1829728"/>
+                    <a:gd name="connsiteY4" fmla="*/ 777511 h 844079"/>
+                    <a:gd name="connsiteX5" fmla="*/ 1552409 w 1829728"/>
+                    <a:gd name="connsiteY5" fmla="*/ 844079 h 844079"/>
+                    <a:gd name="connsiteX6" fmla="*/ 307870 w 1829728"/>
+                    <a:gd name="connsiteY6" fmla="*/ 844079 h 844079"/>
+                    <a:gd name="connsiteX7" fmla="*/ 241302 w 1829728"/>
+                    <a:gd name="connsiteY7" fmla="*/ 777511 h 844079"/>
+                    <a:gd name="connsiteX8" fmla="*/ 241013 w 1829728"/>
+                    <a:gd name="connsiteY8" fmla="*/ 230621 h 844079"/>
+                    <a:gd name="connsiteX0" fmla="*/ 241013 w 1829728"/>
+                    <a:gd name="connsiteY0" fmla="*/ 224021 h 837479"/>
+                    <a:gd name="connsiteX1" fmla="*/ 86775 w 1829728"/>
+                    <a:gd name="connsiteY1" fmla="*/ 16309 h 837479"/>
+                    <a:gd name="connsiteX2" fmla="*/ 1816511 w 1829728"/>
+                    <a:gd name="connsiteY2" fmla="*/ 12558 h 837479"/>
+                    <a:gd name="connsiteX3" fmla="*/ 1618977 w 1829728"/>
+                    <a:gd name="connsiteY3" fmla="*/ 216228 h 837479"/>
+                    <a:gd name="connsiteX4" fmla="*/ 1618977 w 1829728"/>
+                    <a:gd name="connsiteY4" fmla="*/ 770911 h 837479"/>
+                    <a:gd name="connsiteX5" fmla="*/ 1552409 w 1829728"/>
+                    <a:gd name="connsiteY5" fmla="*/ 837479 h 837479"/>
+                    <a:gd name="connsiteX6" fmla="*/ 307870 w 1829728"/>
+                    <a:gd name="connsiteY6" fmla="*/ 837479 h 837479"/>
+                    <a:gd name="connsiteX7" fmla="*/ 241302 w 1829728"/>
+                    <a:gd name="connsiteY7" fmla="*/ 770911 h 837479"/>
+                    <a:gd name="connsiteX8" fmla="*/ 241013 w 1829728"/>
+                    <a:gd name="connsiteY8" fmla="*/ 224021 h 837479"/>
+                    <a:gd name="connsiteX0" fmla="*/ 241013 w 1829728"/>
+                    <a:gd name="connsiteY0" fmla="*/ 224021 h 837479"/>
+                    <a:gd name="connsiteX1" fmla="*/ 86775 w 1829728"/>
+                    <a:gd name="connsiteY1" fmla="*/ 16309 h 837479"/>
+                    <a:gd name="connsiteX2" fmla="*/ 1816511 w 1829728"/>
+                    <a:gd name="connsiteY2" fmla="*/ 12558 h 837479"/>
+                    <a:gd name="connsiteX3" fmla="*/ 1618977 w 1829728"/>
+                    <a:gd name="connsiteY3" fmla="*/ 216228 h 837479"/>
+                    <a:gd name="connsiteX4" fmla="*/ 1618977 w 1829728"/>
+                    <a:gd name="connsiteY4" fmla="*/ 770911 h 837479"/>
+                    <a:gd name="connsiteX5" fmla="*/ 1552409 w 1829728"/>
+                    <a:gd name="connsiteY5" fmla="*/ 837479 h 837479"/>
+                    <a:gd name="connsiteX6" fmla="*/ 307870 w 1829728"/>
+                    <a:gd name="connsiteY6" fmla="*/ 837479 h 837479"/>
+                    <a:gd name="connsiteX7" fmla="*/ 241302 w 1829728"/>
+                    <a:gd name="connsiteY7" fmla="*/ 770911 h 837479"/>
+                    <a:gd name="connsiteX8" fmla="*/ 241013 w 1829728"/>
+                    <a:gd name="connsiteY8" fmla="*/ 224021 h 837479"/>
+                    <a:gd name="connsiteX0" fmla="*/ 216773 w 1868784"/>
+                    <a:gd name="connsiteY0" fmla="*/ 251658 h 865116"/>
+                    <a:gd name="connsiteX1" fmla="*/ 91110 w 1868784"/>
+                    <a:gd name="connsiteY1" fmla="*/ 18546 h 865116"/>
+                    <a:gd name="connsiteX2" fmla="*/ 1792271 w 1868784"/>
+                    <a:gd name="connsiteY2" fmla="*/ 40195 h 865116"/>
+                    <a:gd name="connsiteX3" fmla="*/ 1594737 w 1868784"/>
+                    <a:gd name="connsiteY3" fmla="*/ 243865 h 865116"/>
+                    <a:gd name="connsiteX4" fmla="*/ 1594737 w 1868784"/>
+                    <a:gd name="connsiteY4" fmla="*/ 798548 h 865116"/>
+                    <a:gd name="connsiteX5" fmla="*/ 1528169 w 1868784"/>
+                    <a:gd name="connsiteY5" fmla="*/ 865116 h 865116"/>
+                    <a:gd name="connsiteX6" fmla="*/ 283630 w 1868784"/>
+                    <a:gd name="connsiteY6" fmla="*/ 865116 h 865116"/>
+                    <a:gd name="connsiteX7" fmla="*/ 217062 w 1868784"/>
+                    <a:gd name="connsiteY7" fmla="*/ 798548 h 865116"/>
+                    <a:gd name="connsiteX8" fmla="*/ 216773 w 1868784"/>
+                    <a:gd name="connsiteY8" fmla="*/ 251658 h 865116"/>
+                    <a:gd name="connsiteX0" fmla="*/ 216773 w 1868784"/>
+                    <a:gd name="connsiteY0" fmla="*/ 274671 h 888129"/>
+                    <a:gd name="connsiteX1" fmla="*/ 91110 w 1868784"/>
+                    <a:gd name="connsiteY1" fmla="*/ 12984 h 888129"/>
+                    <a:gd name="connsiteX2" fmla="*/ 1792271 w 1868784"/>
+                    <a:gd name="connsiteY2" fmla="*/ 63208 h 888129"/>
+                    <a:gd name="connsiteX3" fmla="*/ 1594737 w 1868784"/>
+                    <a:gd name="connsiteY3" fmla="*/ 266878 h 888129"/>
+                    <a:gd name="connsiteX4" fmla="*/ 1594737 w 1868784"/>
+                    <a:gd name="connsiteY4" fmla="*/ 821561 h 888129"/>
+                    <a:gd name="connsiteX5" fmla="*/ 1528169 w 1868784"/>
+                    <a:gd name="connsiteY5" fmla="*/ 888129 h 888129"/>
+                    <a:gd name="connsiteX6" fmla="*/ 283630 w 1868784"/>
+                    <a:gd name="connsiteY6" fmla="*/ 888129 h 888129"/>
+                    <a:gd name="connsiteX7" fmla="*/ 217062 w 1868784"/>
+                    <a:gd name="connsiteY7" fmla="*/ 821561 h 888129"/>
+                    <a:gd name="connsiteX8" fmla="*/ 216773 w 1868784"/>
+                    <a:gd name="connsiteY8" fmla="*/ 274671 h 888129"/>
+                    <a:gd name="connsiteX0" fmla="*/ 216325 w 1862778"/>
+                    <a:gd name="connsiteY0" fmla="*/ 289222 h 902680"/>
+                    <a:gd name="connsiteX1" fmla="*/ 90662 w 1862778"/>
+                    <a:gd name="connsiteY1" fmla="*/ 27535 h 902680"/>
+                    <a:gd name="connsiteX2" fmla="*/ 1785473 w 1862778"/>
+                    <a:gd name="connsiteY2" fmla="*/ 36484 h 902680"/>
+                    <a:gd name="connsiteX3" fmla="*/ 1594289 w 1862778"/>
+                    <a:gd name="connsiteY3" fmla="*/ 281429 h 902680"/>
+                    <a:gd name="connsiteX4" fmla="*/ 1594289 w 1862778"/>
+                    <a:gd name="connsiteY4" fmla="*/ 836112 h 902680"/>
+                    <a:gd name="connsiteX5" fmla="*/ 1527721 w 1862778"/>
+                    <a:gd name="connsiteY5" fmla="*/ 902680 h 902680"/>
+                    <a:gd name="connsiteX6" fmla="*/ 283182 w 1862778"/>
+                    <a:gd name="connsiteY6" fmla="*/ 902680 h 902680"/>
+                    <a:gd name="connsiteX7" fmla="*/ 216614 w 1862778"/>
+                    <a:gd name="connsiteY7" fmla="*/ 836112 h 902680"/>
+                    <a:gd name="connsiteX8" fmla="*/ 216325 w 1862778"/>
+                    <a:gd name="connsiteY8" fmla="*/ 289222 h 902680"/>
+                    <a:gd name="connsiteX0" fmla="*/ 216325 w 1862778"/>
+                    <a:gd name="connsiteY0" fmla="*/ 289222 h 902680"/>
+                    <a:gd name="connsiteX1" fmla="*/ 90662 w 1862778"/>
+                    <a:gd name="connsiteY1" fmla="*/ 27535 h 902680"/>
+                    <a:gd name="connsiteX2" fmla="*/ 1785473 w 1862778"/>
+                    <a:gd name="connsiteY2" fmla="*/ 36484 h 902680"/>
+                    <a:gd name="connsiteX3" fmla="*/ 1594289 w 1862778"/>
+                    <a:gd name="connsiteY3" fmla="*/ 281429 h 902680"/>
+                    <a:gd name="connsiteX4" fmla="*/ 1594289 w 1862778"/>
+                    <a:gd name="connsiteY4" fmla="*/ 836112 h 902680"/>
+                    <a:gd name="connsiteX5" fmla="*/ 1527721 w 1862778"/>
+                    <a:gd name="connsiteY5" fmla="*/ 902680 h 902680"/>
+                    <a:gd name="connsiteX6" fmla="*/ 283182 w 1862778"/>
+                    <a:gd name="connsiteY6" fmla="*/ 902680 h 902680"/>
+                    <a:gd name="connsiteX7" fmla="*/ 216614 w 1862778"/>
+                    <a:gd name="connsiteY7" fmla="*/ 836112 h 902680"/>
+                    <a:gd name="connsiteX8" fmla="*/ 216325 w 1862778"/>
+                    <a:gd name="connsiteY8" fmla="*/ 289222 h 902680"/>
+                    <a:gd name="connsiteX0" fmla="*/ 215874 w 1862327"/>
+                    <a:gd name="connsiteY0" fmla="*/ 289222 h 902680"/>
+                    <a:gd name="connsiteX1" fmla="*/ 90211 w 1862327"/>
+                    <a:gd name="connsiteY1" fmla="*/ 27535 h 902680"/>
+                    <a:gd name="connsiteX2" fmla="*/ 1785022 w 1862327"/>
+                    <a:gd name="connsiteY2" fmla="*/ 36484 h 902680"/>
+                    <a:gd name="connsiteX3" fmla="*/ 1593838 w 1862327"/>
+                    <a:gd name="connsiteY3" fmla="*/ 281429 h 902680"/>
+                    <a:gd name="connsiteX4" fmla="*/ 1593838 w 1862327"/>
+                    <a:gd name="connsiteY4" fmla="*/ 836112 h 902680"/>
+                    <a:gd name="connsiteX5" fmla="*/ 1527270 w 1862327"/>
+                    <a:gd name="connsiteY5" fmla="*/ 902680 h 902680"/>
+                    <a:gd name="connsiteX6" fmla="*/ 282731 w 1862327"/>
+                    <a:gd name="connsiteY6" fmla="*/ 902680 h 902680"/>
+                    <a:gd name="connsiteX7" fmla="*/ 216163 w 1862327"/>
+                    <a:gd name="connsiteY7" fmla="*/ 836112 h 902680"/>
+                    <a:gd name="connsiteX8" fmla="*/ 215874 w 1862327"/>
+                    <a:gd name="connsiteY8" fmla="*/ 289222 h 902680"/>
+                    <a:gd name="connsiteX0" fmla="*/ 218551 w 1865217"/>
+                    <a:gd name="connsiteY0" fmla="*/ 271689 h 885147"/>
+                    <a:gd name="connsiteX1" fmla="*/ 89713 w 1865217"/>
+                    <a:gd name="connsiteY1" fmla="*/ 44927 h 885147"/>
+                    <a:gd name="connsiteX2" fmla="*/ 1787699 w 1865217"/>
+                    <a:gd name="connsiteY2" fmla="*/ 18951 h 885147"/>
+                    <a:gd name="connsiteX3" fmla="*/ 1596515 w 1865217"/>
+                    <a:gd name="connsiteY3" fmla="*/ 263896 h 885147"/>
+                    <a:gd name="connsiteX4" fmla="*/ 1596515 w 1865217"/>
+                    <a:gd name="connsiteY4" fmla="*/ 818579 h 885147"/>
+                    <a:gd name="connsiteX5" fmla="*/ 1529947 w 1865217"/>
+                    <a:gd name="connsiteY5" fmla="*/ 885147 h 885147"/>
+                    <a:gd name="connsiteX6" fmla="*/ 285408 w 1865217"/>
+                    <a:gd name="connsiteY6" fmla="*/ 885147 h 885147"/>
+                    <a:gd name="connsiteX7" fmla="*/ 218840 w 1865217"/>
+                    <a:gd name="connsiteY7" fmla="*/ 818579 h 885147"/>
+                    <a:gd name="connsiteX8" fmla="*/ 218551 w 1865217"/>
+                    <a:gd name="connsiteY8" fmla="*/ 271689 h 885147"/>
+                    <a:gd name="connsiteX0" fmla="*/ 217882 w 1856244"/>
+                    <a:gd name="connsiteY0" fmla="*/ 253205 h 866663"/>
+                    <a:gd name="connsiteX1" fmla="*/ 89044 w 1856244"/>
+                    <a:gd name="connsiteY1" fmla="*/ 26443 h 866663"/>
+                    <a:gd name="connsiteX2" fmla="*/ 1777505 w 1856244"/>
+                    <a:gd name="connsiteY2" fmla="*/ 29042 h 866663"/>
+                    <a:gd name="connsiteX3" fmla="*/ 1595846 w 1856244"/>
+                    <a:gd name="connsiteY3" fmla="*/ 245412 h 866663"/>
+                    <a:gd name="connsiteX4" fmla="*/ 1595846 w 1856244"/>
+                    <a:gd name="connsiteY4" fmla="*/ 800095 h 866663"/>
+                    <a:gd name="connsiteX5" fmla="*/ 1529278 w 1856244"/>
+                    <a:gd name="connsiteY5" fmla="*/ 866663 h 866663"/>
+                    <a:gd name="connsiteX6" fmla="*/ 284739 w 1856244"/>
+                    <a:gd name="connsiteY6" fmla="*/ 866663 h 866663"/>
+                    <a:gd name="connsiteX7" fmla="*/ 218171 w 1856244"/>
+                    <a:gd name="connsiteY7" fmla="*/ 800095 h 866663"/>
+                    <a:gd name="connsiteX8" fmla="*/ 217882 w 1856244"/>
+                    <a:gd name="connsiteY8" fmla="*/ 253205 h 866663"/>
+                    <a:gd name="connsiteX0" fmla="*/ 147782 w 1780363"/>
+                    <a:gd name="connsiteY0" fmla="*/ 253205 h 866663"/>
+                    <a:gd name="connsiteX1" fmla="*/ 104669 w 1780363"/>
+                    <a:gd name="connsiteY1" fmla="*/ 26443 h 866663"/>
+                    <a:gd name="connsiteX2" fmla="*/ 1707405 w 1780363"/>
+                    <a:gd name="connsiteY2" fmla="*/ 29042 h 866663"/>
+                    <a:gd name="connsiteX3" fmla="*/ 1525746 w 1780363"/>
+                    <a:gd name="connsiteY3" fmla="*/ 245412 h 866663"/>
+                    <a:gd name="connsiteX4" fmla="*/ 1525746 w 1780363"/>
+                    <a:gd name="connsiteY4" fmla="*/ 800095 h 866663"/>
+                    <a:gd name="connsiteX5" fmla="*/ 1459178 w 1780363"/>
+                    <a:gd name="connsiteY5" fmla="*/ 866663 h 866663"/>
+                    <a:gd name="connsiteX6" fmla="*/ 214639 w 1780363"/>
+                    <a:gd name="connsiteY6" fmla="*/ 866663 h 866663"/>
+                    <a:gd name="connsiteX7" fmla="*/ 148071 w 1780363"/>
+                    <a:gd name="connsiteY7" fmla="*/ 800095 h 866663"/>
+                    <a:gd name="connsiteX8" fmla="*/ 147782 w 1780363"/>
+                    <a:gd name="connsiteY8" fmla="*/ 253205 h 866663"/>
+                    <a:gd name="connsiteX0" fmla="*/ 142912 w 1718560"/>
+                    <a:gd name="connsiteY0" fmla="*/ 250562 h 864020"/>
+                    <a:gd name="connsiteX1" fmla="*/ 99799 w 1718560"/>
+                    <a:gd name="connsiteY1" fmla="*/ 23800 h 864020"/>
+                    <a:gd name="connsiteX2" fmla="*/ 1636205 w 1718560"/>
+                    <a:gd name="connsiteY2" fmla="*/ 31562 h 864020"/>
+                    <a:gd name="connsiteX3" fmla="*/ 1520876 w 1718560"/>
+                    <a:gd name="connsiteY3" fmla="*/ 242769 h 864020"/>
+                    <a:gd name="connsiteX4" fmla="*/ 1520876 w 1718560"/>
+                    <a:gd name="connsiteY4" fmla="*/ 797452 h 864020"/>
+                    <a:gd name="connsiteX5" fmla="*/ 1454308 w 1718560"/>
+                    <a:gd name="connsiteY5" fmla="*/ 864020 h 864020"/>
+                    <a:gd name="connsiteX6" fmla="*/ 209769 w 1718560"/>
+                    <a:gd name="connsiteY6" fmla="*/ 864020 h 864020"/>
+                    <a:gd name="connsiteX7" fmla="*/ 143201 w 1718560"/>
+                    <a:gd name="connsiteY7" fmla="*/ 797452 h 864020"/>
+                    <a:gd name="connsiteX8" fmla="*/ 142912 w 1718560"/>
+                    <a:gd name="connsiteY8" fmla="*/ 250562 h 864020"/>
+                    <a:gd name="connsiteX0" fmla="*/ 140131 w 1684403"/>
+                    <a:gd name="connsiteY0" fmla="*/ 248148 h 861606"/>
+                    <a:gd name="connsiteX1" fmla="*/ 97018 w 1684403"/>
+                    <a:gd name="connsiteY1" fmla="*/ 21386 h 861606"/>
+                    <a:gd name="connsiteX2" fmla="*/ 1595521 w 1684403"/>
+                    <a:gd name="connsiteY2" fmla="*/ 34311 h 861606"/>
+                    <a:gd name="connsiteX3" fmla="*/ 1518095 w 1684403"/>
+                    <a:gd name="connsiteY3" fmla="*/ 240355 h 861606"/>
+                    <a:gd name="connsiteX4" fmla="*/ 1518095 w 1684403"/>
+                    <a:gd name="connsiteY4" fmla="*/ 795038 h 861606"/>
+                    <a:gd name="connsiteX5" fmla="*/ 1451527 w 1684403"/>
+                    <a:gd name="connsiteY5" fmla="*/ 861606 h 861606"/>
+                    <a:gd name="connsiteX6" fmla="*/ 206988 w 1684403"/>
+                    <a:gd name="connsiteY6" fmla="*/ 861606 h 861606"/>
+                    <a:gd name="connsiteX7" fmla="*/ 140420 w 1684403"/>
+                    <a:gd name="connsiteY7" fmla="*/ 795038 h 861606"/>
+                    <a:gd name="connsiteX8" fmla="*/ 140131 w 1684403"/>
+                    <a:gd name="connsiteY8" fmla="*/ 248148 h 861606"/>
+                    <a:gd name="connsiteX0" fmla="*/ 140131 w 1684403"/>
+                    <a:gd name="connsiteY0" fmla="*/ 262476 h 875934"/>
+                    <a:gd name="connsiteX1" fmla="*/ 97018 w 1684403"/>
+                    <a:gd name="connsiteY1" fmla="*/ 35714 h 875934"/>
+                    <a:gd name="connsiteX2" fmla="*/ 1595521 w 1684403"/>
+                    <a:gd name="connsiteY2" fmla="*/ 22825 h 875934"/>
+                    <a:gd name="connsiteX3" fmla="*/ 1518095 w 1684403"/>
+                    <a:gd name="connsiteY3" fmla="*/ 254683 h 875934"/>
+                    <a:gd name="connsiteX4" fmla="*/ 1518095 w 1684403"/>
+                    <a:gd name="connsiteY4" fmla="*/ 809366 h 875934"/>
+                    <a:gd name="connsiteX5" fmla="*/ 1451527 w 1684403"/>
+                    <a:gd name="connsiteY5" fmla="*/ 875934 h 875934"/>
+                    <a:gd name="connsiteX6" fmla="*/ 206988 w 1684403"/>
+                    <a:gd name="connsiteY6" fmla="*/ 875934 h 875934"/>
+                    <a:gd name="connsiteX7" fmla="*/ 140420 w 1684403"/>
+                    <a:gd name="connsiteY7" fmla="*/ 809366 h 875934"/>
+                    <a:gd name="connsiteX8" fmla="*/ 140131 w 1684403"/>
+                    <a:gd name="connsiteY8" fmla="*/ 262476 h 875934"/>
+                  </a:gdLst>
+                  <a:ahLst/>
+                  <a:cxnLst>
+                    <a:cxn ang="0">
+                      <a:pos x="connsiteX0" y="connsiteY0"/>
+                    </a:cxn>
+                    <a:cxn ang="0">
+                      <a:pos x="connsiteX1" y="connsiteY1"/>
+                    </a:cxn>
+                    <a:cxn ang="0">
+                      <a:pos x="connsiteX2" y="connsiteY2"/>
+                    </a:cxn>
+                    <a:cxn ang="0">
+                      <a:pos x="connsiteX3" y="connsiteY3"/>
+                    </a:cxn>
+                    <a:cxn ang="0">
+                      <a:pos x="connsiteX4" y="connsiteY4"/>
+                    </a:cxn>
+                    <a:cxn ang="0">
+                      <a:pos x="connsiteX5" y="connsiteY5"/>
+                    </a:cxn>
+                    <a:cxn ang="0">
+                      <a:pos x="connsiteX6" y="connsiteY6"/>
+                    </a:cxn>
+                    <a:cxn ang="0">
+                      <a:pos x="connsiteX7" y="connsiteY7"/>
+                    </a:cxn>
+                    <a:cxn ang="0">
+                      <a:pos x="connsiteX8" y="connsiteY8"/>
+                    </a:cxn>
+                  </a:cxnLst>
+                  <a:rect l="l" t="t" r="r" b="b"/>
+                  <a:pathLst>
+                    <a:path w="1684403" h="875934">
+                      <a:moveTo>
+                        <a:pt x="140131" y="262476"/>
+                      </a:moveTo>
+                      <a:cubicBezTo>
+                        <a:pt x="143594" y="-22515"/>
+                        <a:pt x="-145547" y="75656"/>
+                        <a:pt x="97018" y="35714"/>
+                      </a:cubicBezTo>
+                      <a:cubicBezTo>
+                        <a:pt x="339583" y="-4228"/>
+                        <a:pt x="1358675" y="-13670"/>
+                        <a:pt x="1595521" y="22825"/>
+                      </a:cubicBezTo>
+                      <a:cubicBezTo>
+                        <a:pt x="1832367" y="59320"/>
+                        <a:pt x="1521270" y="-25690"/>
+                        <a:pt x="1518095" y="254683"/>
+                      </a:cubicBezTo>
+                      <a:lnTo>
+                        <a:pt x="1518095" y="809366"/>
+                      </a:lnTo>
+                      <a:cubicBezTo>
+                        <a:pt x="1518095" y="846130"/>
+                        <a:pt x="1488291" y="875934"/>
+                        <a:pt x="1451527" y="875934"/>
+                      </a:cubicBezTo>
+                      <a:lnTo>
+                        <a:pt x="206988" y="875934"/>
+                      </a:lnTo>
+                      <a:cubicBezTo>
+                        <a:pt x="170224" y="875934"/>
+                        <a:pt x="140420" y="846130"/>
+                        <a:pt x="140420" y="809366"/>
+                      </a:cubicBezTo>
+                      <a:cubicBezTo>
+                        <a:pt x="139265" y="599553"/>
+                        <a:pt x="141286" y="472289"/>
+                        <a:pt x="140131" y="262476"/>
+                      </a:cubicBezTo>
+                      <a:close/>
+                    </a:path>
+                  </a:pathLst>
+                </a:custGeom>
+                <a:gradFill>
+                  <a:gsLst>
+                    <a:gs pos="0">
+                      <a:schemeClr val="accent1"/>
+                    </a:gs>
+                    <a:gs pos="96000">
+                      <a:schemeClr val="tx2"/>
+                    </a:gs>
+                  </a:gsLst>
+                  <a:lin ang="5400000" scaled="0"/>
+                </a:gradFill>
+                <a:ln w="12700">
+                  <a:noFill/>
+                </a:ln>
+                <a:effectLst/>
+              </p:spPr>
+              <p:style>
+                <a:lnRef idx="2">
+                  <a:schemeClr val="dk1"/>
+                </a:lnRef>
+                <a:fillRef idx="1">
+                  <a:schemeClr val="lt1"/>
+                </a:fillRef>
+                <a:effectRef idx="0">
+                  <a:schemeClr val="dk1"/>
+                </a:effectRef>
+                <a:fontRef idx="minor">
+                  <a:schemeClr val="dk1"/>
+                </a:fontRef>
+              </p:style>
+              <p:txBody>
+                <a:bodyPr rtlCol="0" anchor="ctr"/>
+                <a:lstStyle/>
+                <a:p>
+                  <a:pPr algn="ctr"/>
+                  <a:endParaRPr lang="en-US" sz="1600" dirty="0">
+                    <a:ln w="0">
+                      <a:solidFill>
+                        <a:sysClr val="windowText" lastClr="000000"/>
+                      </a:solidFill>
+                    </a:ln>
+                    <a:solidFill>
+                      <a:schemeClr val="tx1"/>
+                    </a:solidFill>
+                  </a:endParaRPr>
+                </a:p>
+              </p:txBody>
+            </p:sp>
+            <p:grpSp>
+              <p:nvGrpSpPr>
+                <p:cNvPr id="19" name="Group 18">
+                  <a:extLst>
+                    <a:ext uri="{FF2B5EF4-FFF2-40B4-BE49-F238E27FC236}">
+                      <a16:creationId xmlns:a16="http://schemas.microsoft.com/office/drawing/2014/main" id="{B274EFA6-9B42-5440-AF5B-359CF9E65901}"/>
+                    </a:ext>
+                  </a:extLst>
+                </p:cNvPr>
+                <p:cNvGrpSpPr/>
+                <p:nvPr/>
+              </p:nvGrpSpPr>
+              <p:grpSpPr>
+                <a:xfrm>
+                  <a:off x="3457782" y="3761592"/>
+                  <a:ext cx="1222852" cy="359571"/>
+                  <a:chOff x="3671478" y="3950247"/>
+                  <a:chExt cx="1376425" cy="404729"/>
+                </a:xfrm>
+              </p:grpSpPr>
+              <p:sp>
+                <p:nvSpPr>
+                  <p:cNvPr id="20" name="Rounded Rectangle 19">
+                    <a:extLst>
+                      <a:ext uri="{FF2B5EF4-FFF2-40B4-BE49-F238E27FC236}">
+                        <a16:creationId xmlns:a16="http://schemas.microsoft.com/office/drawing/2014/main" id="{D046CDF5-B514-CA4E-8504-E436F806B938}"/>
+                      </a:ext>
+                    </a:extLst>
+                  </p:cNvPr>
+                  <p:cNvSpPr/>
+                  <p:nvPr/>
+                </p:nvSpPr>
+                <p:spPr>
+                  <a:xfrm>
+                    <a:off x="3671478" y="3950247"/>
+                    <a:ext cx="1376425" cy="404729"/>
+                  </a:xfrm>
+                  <a:prstGeom prst="roundRect">
+                    <a:avLst>
+                      <a:gd name="adj" fmla="val 12736"/>
+                    </a:avLst>
+                  </a:prstGeom>
+                  <a:solidFill>
+                    <a:schemeClr val="bg1"/>
+                  </a:solidFill>
+                  <a:ln w="12700">
+                    <a:noFill/>
+                  </a:ln>
+                  <a:effectLst/>
+                </p:spPr>
+                <p:style>
+                  <a:lnRef idx="2">
+                    <a:schemeClr val="dk1"/>
+                  </a:lnRef>
+                  <a:fillRef idx="1">
+                    <a:schemeClr val="lt1"/>
+                  </a:fillRef>
+                  <a:effectRef idx="0">
+                    <a:schemeClr val="dk1"/>
+                  </a:effectRef>
+                  <a:fontRef idx="minor">
+                    <a:schemeClr val="dk1"/>
+                  </a:fontRef>
+                </p:style>
+                <p:txBody>
+                  <a:bodyPr wrap="square" tIns="36000" bIns="36000" rtlCol="0" anchor="ctr">
+                    <a:noAutofit/>
+                  </a:bodyPr>
+                  <a:lstStyle/>
+                  <a:p>
+                    <a:pPr algn="ctr"/>
+                    <a:endParaRPr lang="en-US" sz="1200" dirty="0">
+                      <a:solidFill>
+                        <a:schemeClr val="bg1"/>
+                      </a:solidFill>
+                      <a:latin typeface="Source Sans Pro Light" charset="0"/>
+                      <a:ea typeface="Source Sans Pro Light" charset="0"/>
+                      <a:cs typeface="Source Sans Pro Light" charset="0"/>
+                    </a:endParaRPr>
+                  </a:p>
+                </p:txBody>
+              </p:sp>
+              <p:grpSp>
+                <p:nvGrpSpPr>
+                  <p:cNvPr id="21" name="Group 20">
+                    <a:extLst>
+                      <a:ext uri="{FF2B5EF4-FFF2-40B4-BE49-F238E27FC236}">
+                        <a16:creationId xmlns:a16="http://schemas.microsoft.com/office/drawing/2014/main" id="{985BF61E-F2F3-0C4D-809B-EF1E436A8054}"/>
+                      </a:ext>
+                    </a:extLst>
+                  </p:cNvPr>
+                  <p:cNvGrpSpPr/>
+                  <p:nvPr/>
+                </p:nvGrpSpPr>
+                <p:grpSpPr>
+                  <a:xfrm>
+                    <a:off x="3783349" y="3990167"/>
+                    <a:ext cx="1230087" cy="352081"/>
+                    <a:chOff x="3783349" y="3990167"/>
+                    <a:chExt cx="1230087" cy="352081"/>
+                  </a:xfrm>
+                </p:grpSpPr>
+                <p:pic>
+                  <p:nvPicPr>
+                    <p:cNvPr id="22" name="Picture 21">
+                      <a:extLst>
+                        <a:ext uri="{FF2B5EF4-FFF2-40B4-BE49-F238E27FC236}">
+                          <a16:creationId xmlns:a16="http://schemas.microsoft.com/office/drawing/2014/main" id="{30A4E1B0-8052-744A-AA21-F5E88AF4F659}"/>
+                        </a:ext>
+                      </a:extLst>
+                    </p:cNvPr>
+                    <p:cNvPicPr>
+                      <a:picLocks noChangeAspect="1"/>
+                    </p:cNvPicPr>
+                    <p:nvPr/>
+                  </p:nvPicPr>
+                  <p:blipFill>
+                    <a:blip r:embed="rId3" cstate="print">
+                      <a:extLst>
+                        <a:ext uri="{28A0092B-C50C-407E-A947-70E740481C1C}">
+                          <a14:useLocalDpi xmlns:a14="http://schemas.microsoft.com/office/drawing/2010/main" val="0"/>
+                        </a:ext>
+                      </a:extLst>
+                    </a:blip>
+                    <a:stretch>
+                      <a:fillRect/>
+                    </a:stretch>
+                  </p:blipFill>
+                  <p:spPr>
+                    <a:xfrm>
+                      <a:off x="4112963" y="3992064"/>
+                      <a:ext cx="900473" cy="350184"/>
+                    </a:xfrm>
+                    <a:prstGeom prst="rect">
+                      <a:avLst/>
+                    </a:prstGeom>
+                  </p:spPr>
+                </p:pic>
+                <p:pic>
+                  <p:nvPicPr>
+                    <p:cNvPr id="23" name="Picture 22">
+                      <a:extLst>
+                        <a:ext uri="{FF2B5EF4-FFF2-40B4-BE49-F238E27FC236}">
+                          <a16:creationId xmlns:a16="http://schemas.microsoft.com/office/drawing/2014/main" id="{9D8603F9-7AB8-BF43-94F5-7709429BE34B}"/>
+                        </a:ext>
+                      </a:extLst>
+                    </p:cNvPr>
+                    <p:cNvPicPr>
+                      <a:picLocks noChangeAspect="1"/>
+                    </p:cNvPicPr>
+                    <p:nvPr/>
+                  </p:nvPicPr>
+                  <p:blipFill>
+                    <a:blip r:embed="rId4" cstate="print">
+                      <a:extLst>
+                        <a:ext uri="{28A0092B-C50C-407E-A947-70E740481C1C}">
+                          <a14:useLocalDpi xmlns:a14="http://schemas.microsoft.com/office/drawing/2010/main" val="0"/>
+                        </a:ext>
+                      </a:extLst>
+                    </a:blip>
+                    <a:stretch>
+                      <a:fillRect/>
+                    </a:stretch>
+                  </p:blipFill>
+                  <p:spPr>
+                    <a:xfrm>
+                      <a:off x="3783349" y="3990167"/>
+                      <a:ext cx="322073" cy="324658"/>
+                    </a:xfrm>
+                    <a:prstGeom prst="rect">
+                      <a:avLst/>
+                    </a:prstGeom>
+                  </p:spPr>
+                </p:pic>
+              </p:grpSp>
+            </p:grpSp>
+          </p:grpSp>
           <p:sp>
             <p:nvSpPr>
-              <p:cNvPr id="20" name="Rounded Rectangle 19">
+              <p:cNvPr id="24" name="Rounded Rectangle 23">
                 <a:extLst>
                   <a:ext uri="{FF2B5EF4-FFF2-40B4-BE49-F238E27FC236}">
-                    <a16:creationId xmlns:a16="http://schemas.microsoft.com/office/drawing/2014/main" id="{D046CDF5-B514-CA4E-8504-E436F806B938}"/>
+                    <a16:creationId xmlns:a16="http://schemas.microsoft.com/office/drawing/2014/main" id="{9BC58F33-9A79-7647-8348-AB37D1ED666F}"/>
                   </a:ext>
                 </a:extLst>
               </p:cNvPr>
@@ -10233,12 +10584,310 @@
             </p:nvSpPr>
             <p:spPr>
               <a:xfrm>
-                <a:off x="3671478" y="3950247"/>
-                <a:ext cx="1376425" cy="404729"/>
+                <a:off x="440930" y="1988222"/>
+                <a:ext cx="4434230" cy="1381880"/>
               </a:xfrm>
               <a:prstGeom prst="roundRect">
                 <a:avLst>
-                  <a:gd name="adj" fmla="val 12736"/>
+                  <a:gd name="adj" fmla="val 5238"/>
+                </a:avLst>
+              </a:prstGeom>
+              <a:solidFill>
+                <a:schemeClr val="accent1"/>
+              </a:solidFill>
+              <a:ln w="12700">
+                <a:solidFill>
+                  <a:schemeClr val="accent1"/>
+                </a:solidFill>
+              </a:ln>
+              <a:effectLst/>
+            </p:spPr>
+            <p:style>
+              <a:lnRef idx="2">
+                <a:schemeClr val="dk1"/>
+              </a:lnRef>
+              <a:fillRef idx="1">
+                <a:schemeClr val="lt1"/>
+              </a:fillRef>
+              <a:effectRef idx="0">
+                <a:schemeClr val="dk1"/>
+              </a:effectRef>
+              <a:fontRef idx="minor">
+                <a:schemeClr val="dk1"/>
+              </a:fontRef>
+            </p:style>
+            <p:txBody>
+              <a:bodyPr rtlCol="0" anchor="ctr"/>
+              <a:lstStyle/>
+              <a:p>
+                <a:pPr algn="ctr">
+                  <a:lnSpc>
+                    <a:spcPts val="1600"/>
+                  </a:lnSpc>
+                  <a:spcBef>
+                    <a:spcPts val="100"/>
+                  </a:spcBef>
+                  <a:spcAft>
+                    <a:spcPts val="100"/>
+                  </a:spcAft>
+                </a:pPr>
+                <a:endParaRPr lang="en-US" sz="1600" dirty="0">
+                  <a:solidFill>
+                    <a:schemeClr val="bg1"/>
+                  </a:solidFill>
+                  <a:effectLst>
+                    <a:outerShdw blurRad="50800" dist="38100" dir="5400000" algn="t" rotWithShape="0">
+                      <a:prstClr val="black">
+                        <a:alpha val="40000"/>
+                      </a:prstClr>
+                    </a:outerShdw>
+                  </a:effectLst>
+                  <a:latin typeface="Source Sans Pro" charset="0"/>
+                  <a:ea typeface="Source Sans Pro" charset="0"/>
+                </a:endParaRPr>
+              </a:p>
+            </p:txBody>
+          </p:sp>
+          <p:sp>
+            <p:nvSpPr>
+              <p:cNvPr id="25" name="Rounded Rectangle 24">
+                <a:extLst>
+                  <a:ext uri="{FF2B5EF4-FFF2-40B4-BE49-F238E27FC236}">
+                    <a16:creationId xmlns:a16="http://schemas.microsoft.com/office/drawing/2014/main" id="{4F103699-8CF4-F04E-9FD8-A2E530AA7A44}"/>
+                  </a:ext>
+                </a:extLst>
+              </p:cNvPr>
+              <p:cNvSpPr/>
+              <p:nvPr/>
+            </p:nvSpPr>
+            <p:spPr>
+              <a:xfrm>
+                <a:off x="548107" y="2821518"/>
+                <a:ext cx="4236261" cy="445873"/>
+              </a:xfrm>
+              <a:prstGeom prst="roundRect">
+                <a:avLst>
+                  <a:gd name="adj" fmla="val 10443"/>
+                </a:avLst>
+              </a:prstGeom>
+              <a:solidFill>
+                <a:schemeClr val="accent1">
+                  <a:lumMod val="75000"/>
+                </a:schemeClr>
+              </a:solidFill>
+              <a:ln w="12700">
+                <a:noFill/>
+              </a:ln>
+              <a:effectLst>
+                <a:innerShdw blurRad="114300">
+                  <a:prstClr val="black">
+                    <a:alpha val="49000"/>
+                  </a:prstClr>
+                </a:innerShdw>
+              </a:effectLst>
+            </p:spPr>
+            <p:style>
+              <a:lnRef idx="2">
+                <a:schemeClr val="dk1"/>
+              </a:lnRef>
+              <a:fillRef idx="1">
+                <a:schemeClr val="lt1"/>
+              </a:fillRef>
+              <a:effectRef idx="0">
+                <a:schemeClr val="dk1"/>
+              </a:effectRef>
+              <a:fontRef idx="minor">
+                <a:schemeClr val="dk1"/>
+              </a:fontRef>
+            </p:style>
+            <p:txBody>
+              <a:bodyPr wrap="square" lIns="108000" tIns="36000" bIns="0" rtlCol="0" anchor="ctr">
+                <a:noAutofit/>
+              </a:bodyPr>
+              <a:lstStyle/>
+              <a:p>
+                <a:pPr lvl="0">
+                  <a:lnSpc>
+                    <a:spcPts val="1400"/>
+                  </a:lnSpc>
+                </a:pPr>
+                <a:r>
+                  <a:rPr lang="en-US" sz="1600" b="1" dirty="0">
+                    <a:solidFill>
+                      <a:schemeClr val="bg1"/>
+                    </a:solidFill>
+                    <a:latin typeface="Source Sans Pro" charset="0"/>
+                    <a:ea typeface="Source Sans Pro" charset="0"/>
+                    <a:cs typeface="Source Sans Pro" charset="0"/>
+                  </a:rPr>
+                  <a:t>FOUNDATION </a:t>
+                </a:r>
+                <a:br>
+                  <a:rPr lang="en-US" sz="1600" b="1" dirty="0">
+                    <a:solidFill>
+                      <a:schemeClr val="bg1"/>
+                    </a:solidFill>
+                    <a:latin typeface="Source Sans Pro" charset="0"/>
+                    <a:ea typeface="Source Sans Pro" charset="0"/>
+                    <a:cs typeface="Source Sans Pro" charset="0"/>
+                  </a:rPr>
+                </a:br>
+                <a:r>
+                  <a:rPr lang="en-US" sz="1600" b="1" dirty="0">
+                    <a:solidFill>
+                      <a:schemeClr val="bg1"/>
+                    </a:solidFill>
+                    <a:latin typeface="Source Sans Pro" charset="0"/>
+                    <a:ea typeface="Source Sans Pro" charset="0"/>
+                    <a:cs typeface="Source Sans Pro" charset="0"/>
+                  </a:rPr>
+                  <a:t>LIBRARIES </a:t>
+                </a:r>
+              </a:p>
+            </p:txBody>
+          </p:sp>
+          <p:sp>
+            <p:nvSpPr>
+              <p:cNvPr id="26" name="Rounded Rectangle 25">
+                <a:extLst>
+                  <a:ext uri="{FF2B5EF4-FFF2-40B4-BE49-F238E27FC236}">
+                    <a16:creationId xmlns:a16="http://schemas.microsoft.com/office/drawing/2014/main" id="{50E5510D-358F-9F42-A720-A6696D86B52E}"/>
+                  </a:ext>
+                </a:extLst>
+              </p:cNvPr>
+              <p:cNvSpPr/>
+              <p:nvPr/>
+            </p:nvSpPr>
+            <p:spPr>
+              <a:xfrm>
+                <a:off x="548108" y="2380441"/>
+                <a:ext cx="4236259" cy="387367"/>
+              </a:xfrm>
+              <a:prstGeom prst="roundRect">
+                <a:avLst>
+                  <a:gd name="adj" fmla="val 10601"/>
+                </a:avLst>
+              </a:prstGeom>
+              <a:solidFill>
+                <a:schemeClr val="accent1">
+                  <a:lumMod val="75000"/>
+                </a:schemeClr>
+              </a:solidFill>
+              <a:ln w="12700">
+                <a:noFill/>
+              </a:ln>
+              <a:effectLst>
+                <a:innerShdw blurRad="114300">
+                  <a:prstClr val="black">
+                    <a:alpha val="49000"/>
+                  </a:prstClr>
+                </a:innerShdw>
+              </a:effectLst>
+            </p:spPr>
+            <p:style>
+              <a:lnRef idx="2">
+                <a:schemeClr val="dk1"/>
+              </a:lnRef>
+              <a:fillRef idx="1">
+                <a:schemeClr val="lt1"/>
+              </a:fillRef>
+              <a:effectRef idx="0">
+                <a:schemeClr val="dk1"/>
+              </a:effectRef>
+              <a:fontRef idx="minor">
+                <a:schemeClr val="dk1"/>
+              </a:fontRef>
+            </p:style>
+            <p:txBody>
+              <a:bodyPr wrap="square" lIns="108000" tIns="0" bIns="0" rtlCol="0" anchor="ctr">
+                <a:noAutofit/>
+              </a:bodyPr>
+              <a:lstStyle/>
+              <a:p>
+                <a:pPr lvl="0" algn="ctr"/>
+                <a:r>
+                  <a:rPr lang="en-US" sz="1600" b="1" dirty="0">
+                    <a:solidFill>
+                      <a:schemeClr val="bg1"/>
+                    </a:solidFill>
+                    <a:latin typeface="Source Sans Pro" charset="0"/>
+                    <a:ea typeface="Source Sans Pro" charset="0"/>
+                    <a:cs typeface="Source Sans Pro" charset="0"/>
+                  </a:rPr>
+                  <a:t>ADD-ON LIBRARIES</a:t>
+                </a:r>
+              </a:p>
+            </p:txBody>
+          </p:sp>
+          <p:sp>
+            <p:nvSpPr>
+              <p:cNvPr id="32" name="Rectangle 31">
+                <a:extLst>
+                  <a:ext uri="{FF2B5EF4-FFF2-40B4-BE49-F238E27FC236}">
+                    <a16:creationId xmlns:a16="http://schemas.microsoft.com/office/drawing/2014/main" id="{6858A81E-4266-6F4F-8D93-B8419F4EE7F3}"/>
+                  </a:ext>
+                </a:extLst>
+              </p:cNvPr>
+              <p:cNvSpPr/>
+              <p:nvPr/>
+            </p:nvSpPr>
+            <p:spPr>
+              <a:xfrm>
+                <a:off x="3357220" y="3339259"/>
+                <a:ext cx="1424261" cy="213954"/>
+              </a:xfrm>
+              <a:prstGeom prst="rect">
+                <a:avLst/>
+              </a:prstGeom>
+              <a:noFill/>
+              <a:effectLst/>
+            </p:spPr>
+            <p:txBody>
+              <a:bodyPr wrap="square" lIns="0" rIns="0">
+                <a:noAutofit/>
+              </a:bodyPr>
+              <a:lstStyle/>
+              <a:p>
+                <a:pPr algn="r">
+                  <a:lnSpc>
+                    <a:spcPts val="1300"/>
+                  </a:lnSpc>
+                </a:pPr>
+                <a:r>
+                  <a:rPr lang="en-US" sz="1100" b="1" dirty="0">
+                    <a:ln w="0"/>
+                    <a:solidFill>
+                      <a:schemeClr val="accent1"/>
+                    </a:solidFill>
+                    <a:latin typeface="Source Sans Pro" charset="0"/>
+                    <a:ea typeface="Source Sans Pro" charset="0"/>
+                    <a:cs typeface="Source Sans Pro" charset="0"/>
+                  </a:rPr>
+                  <a:t>VIRTUALIZATION</a:t>
+                </a:r>
+              </a:p>
+            </p:txBody>
+          </p:sp>
+          <p:sp>
+            <p:nvSpPr>
+              <p:cNvPr id="35" name="Rounded Rectangle 34">
+                <a:extLst>
+                  <a:ext uri="{FF2B5EF4-FFF2-40B4-BE49-F238E27FC236}">
+                    <a16:creationId xmlns:a16="http://schemas.microsoft.com/office/drawing/2014/main" id="{8A925A23-0E65-C441-B5A9-B85B406C137A}"/>
+                  </a:ext>
+                </a:extLst>
+              </p:cNvPr>
+              <p:cNvSpPr/>
+              <p:nvPr/>
+            </p:nvSpPr>
+            <p:spPr>
+              <a:xfrm>
+                <a:off x="2144904" y="2899591"/>
+                <a:ext cx="432000" cy="289727"/>
+              </a:xfrm>
+              <a:prstGeom prst="roundRect">
+                <a:avLst>
+                  <a:gd name="adj" fmla="val 19644"/>
                 </a:avLst>
               </a:prstGeom>
               <a:solidFill>
@@ -10264,1267 +10913,762 @@
               </a:fontRef>
             </p:style>
             <p:txBody>
-              <a:bodyPr wrap="square" tIns="36000" bIns="36000" rtlCol="0" anchor="ctr">
+              <a:bodyPr wrap="square" lIns="36000" tIns="36000" rIns="36000" bIns="36000" rtlCol="0" anchor="ctr">
                 <a:noAutofit/>
               </a:bodyPr>
               <a:lstStyle/>
               <a:p>
                 <a:pPr algn="ctr"/>
-                <a:endParaRPr lang="en-US" sz="1200" dirty="0">
+                <a:r>
+                  <a:rPr lang="en-US" sz="1200" dirty="0">
+                    <a:solidFill>
+                      <a:schemeClr val="accent1"/>
+                    </a:solidFill>
+                    <a:latin typeface="Source Sans Pro Light" charset="0"/>
+                    <a:ea typeface="Source Sans Pro Light" charset="0"/>
+                    <a:cs typeface="Source Sans Pro Light" charset="0"/>
+                  </a:rPr>
+                  <a:t>EDC</a:t>
+                </a:r>
+              </a:p>
+            </p:txBody>
+          </p:sp>
+          <p:sp>
+            <p:nvSpPr>
+              <p:cNvPr id="36" name="Rounded Rectangle 35">
+                <a:extLst>
+                  <a:ext uri="{FF2B5EF4-FFF2-40B4-BE49-F238E27FC236}">
+                    <a16:creationId xmlns:a16="http://schemas.microsoft.com/office/drawing/2014/main" id="{62B60516-5856-AF49-912D-EA309EAF0890}"/>
+                  </a:ext>
+                </a:extLst>
+              </p:cNvPr>
+              <p:cNvSpPr/>
+              <p:nvPr/>
+            </p:nvSpPr>
+            <p:spPr>
+              <a:xfrm>
+                <a:off x="3742611" y="2899591"/>
+                <a:ext cx="432000" cy="289727"/>
+              </a:xfrm>
+              <a:prstGeom prst="roundRect">
+                <a:avLst>
+                  <a:gd name="adj" fmla="val 19644"/>
+                </a:avLst>
+              </a:prstGeom>
+              <a:solidFill>
+                <a:schemeClr val="bg1"/>
+              </a:solidFill>
+              <a:ln w="12700">
+                <a:noFill/>
+              </a:ln>
+              <a:effectLst/>
+            </p:spPr>
+            <p:style>
+              <a:lnRef idx="2">
+                <a:schemeClr val="dk1"/>
+              </a:lnRef>
+              <a:fillRef idx="1">
+                <a:schemeClr val="lt1"/>
+              </a:fillRef>
+              <a:effectRef idx="0">
+                <a:schemeClr val="dk1"/>
+              </a:effectRef>
+              <a:fontRef idx="minor">
+                <a:schemeClr val="dk1"/>
+              </a:fontRef>
+            </p:style>
+            <p:txBody>
+              <a:bodyPr wrap="square" lIns="36000" tIns="36000" rIns="36000" bIns="36000" rtlCol="0" anchor="ctr">
+                <a:noAutofit/>
+              </a:bodyPr>
+              <a:lstStyle/>
+              <a:p>
+                <a:pPr algn="ctr"/>
+                <a:r>
+                  <a:rPr lang="en-US" sz="1200" dirty="0">
+                    <a:solidFill>
+                      <a:schemeClr val="accent1"/>
+                    </a:solidFill>
+                    <a:latin typeface="Source Sans Pro Light" charset="0"/>
+                    <a:ea typeface="Source Sans Pro Light" charset="0"/>
+                    <a:cs typeface="Source Sans Pro Light" charset="0"/>
+                  </a:rPr>
+                  <a:t>KF</a:t>
+                </a:r>
+              </a:p>
+            </p:txBody>
+          </p:sp>
+          <p:sp>
+            <p:nvSpPr>
+              <p:cNvPr id="37" name="Rounded Rectangle 36">
+                <a:extLst>
+                  <a:ext uri="{FF2B5EF4-FFF2-40B4-BE49-F238E27FC236}">
+                    <a16:creationId xmlns:a16="http://schemas.microsoft.com/office/drawing/2014/main" id="{E13C5F96-34C9-7E4C-AFA2-F1218F271DCD}"/>
+                  </a:ext>
+                </a:extLst>
+              </p:cNvPr>
+              <p:cNvSpPr/>
+              <p:nvPr/>
+            </p:nvSpPr>
+            <p:spPr>
+              <a:xfrm>
+                <a:off x="4275178" y="2899591"/>
+                <a:ext cx="432000" cy="289727"/>
+              </a:xfrm>
+              <a:prstGeom prst="roundRect">
+                <a:avLst>
+                  <a:gd name="adj" fmla="val 19644"/>
+                </a:avLst>
+              </a:prstGeom>
+              <a:solidFill>
+                <a:schemeClr val="bg1"/>
+              </a:solidFill>
+              <a:ln w="12700">
+                <a:noFill/>
+              </a:ln>
+              <a:effectLst/>
+            </p:spPr>
+            <p:style>
+              <a:lnRef idx="2">
+                <a:schemeClr val="dk1"/>
+              </a:lnRef>
+              <a:fillRef idx="1">
+                <a:schemeClr val="lt1"/>
+              </a:fillRef>
+              <a:effectRef idx="0">
+                <a:schemeClr val="dk1"/>
+              </a:effectRef>
+              <a:fontRef idx="minor">
+                <a:schemeClr val="dk1"/>
+              </a:fontRef>
+            </p:style>
+            <p:txBody>
+              <a:bodyPr wrap="square" lIns="36000" tIns="36000" rIns="36000" bIns="36000" rtlCol="0" anchor="ctr">
+                <a:noAutofit/>
+              </a:bodyPr>
+              <a:lstStyle/>
+              <a:p>
+                <a:pPr algn="ctr"/>
+                <a:r>
+                  <a:rPr lang="en-US" sz="1200" dirty="0">
+                    <a:solidFill>
+                      <a:schemeClr val="accent1"/>
+                    </a:solidFill>
+                    <a:latin typeface="Source Sans Pro Light" charset="0"/>
+                    <a:ea typeface="Source Sans Pro Light" charset="0"/>
+                    <a:cs typeface="Source Sans Pro Light" charset="0"/>
+                  </a:rPr>
+                  <a:t>SP</a:t>
+                </a:r>
+              </a:p>
+            </p:txBody>
+          </p:sp>
+          <p:sp>
+            <p:nvSpPr>
+              <p:cNvPr id="45" name="Round Same Side Corner Rectangle 44">
+                <a:extLst>
+                  <a:ext uri="{FF2B5EF4-FFF2-40B4-BE49-F238E27FC236}">
+                    <a16:creationId xmlns:a16="http://schemas.microsoft.com/office/drawing/2014/main" id="{29077600-5340-3A45-9B91-0EB6485110C9}"/>
+                  </a:ext>
+                </a:extLst>
+              </p:cNvPr>
+              <p:cNvSpPr/>
+              <p:nvPr/>
+            </p:nvSpPr>
+            <p:spPr>
+              <a:xfrm rot="10800000">
+                <a:off x="589198" y="1980483"/>
+                <a:ext cx="4117979" cy="333565"/>
+              </a:xfrm>
+              <a:prstGeom prst="round2SameRect">
+                <a:avLst>
+                  <a:gd name="adj1" fmla="val 24382"/>
+                  <a:gd name="adj2" fmla="val 0"/>
+                </a:avLst>
+              </a:prstGeom>
+              <a:solidFill>
+                <a:schemeClr val="tx2">
+                  <a:lumMod val="20000"/>
+                  <a:lumOff val="80000"/>
+                </a:schemeClr>
+              </a:solidFill>
+              <a:ln w="12700">
+                <a:noFill/>
+                <a:round/>
+              </a:ln>
+            </p:spPr>
+            <p:style>
+              <a:lnRef idx="2">
+                <a:schemeClr val="accent1">
+                  <a:shade val="50000"/>
+                </a:schemeClr>
+              </a:lnRef>
+              <a:fillRef idx="1">
+                <a:schemeClr val="accent1"/>
+              </a:fillRef>
+              <a:effectRef idx="0">
+                <a:schemeClr val="accent1"/>
+              </a:effectRef>
+              <a:fontRef idx="minor">
+                <a:schemeClr val="lt1"/>
+              </a:fontRef>
+            </p:style>
+            <p:txBody>
+              <a:bodyPr rtlCol="0" anchor="ctr"/>
+              <a:lstStyle/>
+              <a:p>
+                <a:pPr algn="ctr"/>
+                <a:endParaRPr lang="en-US" dirty="0"/>
+              </a:p>
+            </p:txBody>
+          </p:sp>
+          <p:sp>
+            <p:nvSpPr>
+              <p:cNvPr id="90" name="Rounded Rectangle 89">
+                <a:extLst>
+                  <a:ext uri="{FF2B5EF4-FFF2-40B4-BE49-F238E27FC236}">
+                    <a16:creationId xmlns:a16="http://schemas.microsoft.com/office/drawing/2014/main" id="{C30291B1-E63A-A643-A6AB-2B8F55EC24D7}"/>
+                  </a:ext>
+                </a:extLst>
+              </p:cNvPr>
+              <p:cNvSpPr/>
+              <p:nvPr/>
+            </p:nvSpPr>
+            <p:spPr>
+              <a:xfrm>
+                <a:off x="2677473" y="2899591"/>
+                <a:ext cx="432000" cy="289727"/>
+              </a:xfrm>
+              <a:prstGeom prst="roundRect">
+                <a:avLst>
+                  <a:gd name="adj" fmla="val 19644"/>
+                </a:avLst>
+              </a:prstGeom>
+              <a:solidFill>
+                <a:schemeClr val="bg1"/>
+              </a:solidFill>
+              <a:ln w="12700">
+                <a:noFill/>
+              </a:ln>
+              <a:effectLst/>
+            </p:spPr>
+            <p:style>
+              <a:lnRef idx="2">
+                <a:schemeClr val="dk1"/>
+              </a:lnRef>
+              <a:fillRef idx="1">
+                <a:schemeClr val="lt1"/>
+              </a:fillRef>
+              <a:effectRef idx="0">
+                <a:schemeClr val="dk1"/>
+              </a:effectRef>
+              <a:fontRef idx="minor">
+                <a:schemeClr val="dk1"/>
+              </a:fontRef>
+            </p:style>
+            <p:txBody>
+              <a:bodyPr wrap="square" lIns="36000" tIns="36000" rIns="36000" bIns="36000" rtlCol="0" anchor="ctr">
+                <a:noAutofit/>
+              </a:bodyPr>
+              <a:lstStyle/>
+              <a:p>
+                <a:pPr algn="ctr"/>
+                <a:r>
+                  <a:rPr lang="en-US" sz="1200" dirty="0">
+                    <a:solidFill>
+                      <a:schemeClr val="accent1"/>
+                    </a:solidFill>
+                    <a:latin typeface="Source Sans Pro Light" charset="0"/>
+                    <a:ea typeface="Source Sans Pro Light" charset="0"/>
+                    <a:cs typeface="Source Sans Pro Light" charset="0"/>
+                  </a:rPr>
+                  <a:t>BON</a:t>
+                </a:r>
+              </a:p>
+            </p:txBody>
+          </p:sp>
+          <p:sp>
+            <p:nvSpPr>
+              <p:cNvPr id="91" name="Rounded Rectangle 90">
+                <a:extLst>
+                  <a:ext uri="{FF2B5EF4-FFF2-40B4-BE49-F238E27FC236}">
+                    <a16:creationId xmlns:a16="http://schemas.microsoft.com/office/drawing/2014/main" id="{C4062F7A-F7BB-2B45-8072-06677231ADB1}"/>
+                  </a:ext>
+                </a:extLst>
+              </p:cNvPr>
+              <p:cNvSpPr/>
+              <p:nvPr/>
+            </p:nvSpPr>
+            <p:spPr>
+              <a:xfrm>
+                <a:off x="3210042" y="2899591"/>
+                <a:ext cx="432000" cy="289727"/>
+              </a:xfrm>
+              <a:prstGeom prst="roundRect">
+                <a:avLst>
+                  <a:gd name="adj" fmla="val 19644"/>
+                </a:avLst>
+              </a:prstGeom>
+              <a:solidFill>
+                <a:schemeClr val="bg1"/>
+              </a:solidFill>
+              <a:ln w="12700">
+                <a:noFill/>
+              </a:ln>
+              <a:effectLst/>
+            </p:spPr>
+            <p:style>
+              <a:lnRef idx="2">
+                <a:schemeClr val="dk1"/>
+              </a:lnRef>
+              <a:fillRef idx="1">
+                <a:schemeClr val="lt1"/>
+              </a:fillRef>
+              <a:effectRef idx="0">
+                <a:schemeClr val="dk1"/>
+              </a:effectRef>
+              <a:fontRef idx="minor">
+                <a:schemeClr val="dk1"/>
+              </a:fontRef>
+            </p:style>
+            <p:txBody>
+              <a:bodyPr wrap="square" lIns="36000" tIns="36000" rIns="36000" bIns="36000" rtlCol="0" anchor="ctr">
+                <a:noAutofit/>
+              </a:bodyPr>
+              <a:lstStyle/>
+              <a:p>
+                <a:pPr algn="ctr"/>
+                <a:r>
+                  <a:rPr lang="en-US" sz="1200" dirty="0">
+                    <a:solidFill>
+                      <a:schemeClr val="accent1"/>
+                    </a:solidFill>
+                    <a:latin typeface="Source Sans Pro Light" charset="0"/>
+                    <a:ea typeface="Source Sans Pro Light" charset="0"/>
+                    <a:cs typeface="Source Sans Pro Light" charset="0"/>
+                  </a:rPr>
+                  <a:t>SNI</a:t>
+                </a:r>
+              </a:p>
+            </p:txBody>
+          </p:sp>
+        </p:grpSp>
+        <p:sp>
+          <p:nvSpPr>
+            <p:cNvPr id="94" name="Rounded Rectangle 93">
+              <a:extLst>
+                <a:ext uri="{FF2B5EF4-FFF2-40B4-BE49-F238E27FC236}">
+                  <a16:creationId xmlns:a16="http://schemas.microsoft.com/office/drawing/2014/main" id="{E572D26C-058E-DA42-88FD-88C70BE7D747}"/>
+                </a:ext>
+              </a:extLst>
+            </p:cNvPr>
+            <p:cNvSpPr/>
+            <p:nvPr/>
+          </p:nvSpPr>
+          <p:spPr>
+            <a:xfrm>
+              <a:off x="5442434" y="3110433"/>
+              <a:ext cx="2611907" cy="288974"/>
+            </a:xfrm>
+            <a:prstGeom prst="roundRect">
+              <a:avLst>
+                <a:gd name="adj" fmla="val 13128"/>
+              </a:avLst>
+            </a:prstGeom>
+            <a:solidFill>
+              <a:schemeClr val="accent1"/>
+            </a:solidFill>
+            <a:ln w="12700">
+              <a:noFill/>
+            </a:ln>
+            <a:effectLst/>
+          </p:spPr>
+          <p:style>
+            <a:lnRef idx="2">
+              <a:schemeClr val="dk1"/>
+            </a:lnRef>
+            <a:fillRef idx="1">
+              <a:schemeClr val="lt1"/>
+            </a:fillRef>
+            <a:effectRef idx="0">
+              <a:schemeClr val="dk1"/>
+            </a:effectRef>
+            <a:fontRef idx="minor">
+              <a:schemeClr val="dk1"/>
+            </a:fontRef>
+          </p:style>
+          <p:txBody>
+            <a:bodyPr wrap="square" lIns="0" tIns="72000" rIns="0" bIns="36000" rtlCol="0" anchor="ctr">
+              <a:noAutofit/>
+            </a:bodyPr>
+            <a:lstStyle/>
+            <a:p>
+              <a:pPr algn="ctr">
+                <a:lnSpc>
+                  <a:spcPts val="1000"/>
+                </a:lnSpc>
+              </a:pPr>
+              <a:r>
+                <a:rPr lang="en-US" sz="1200" dirty="0">
                   <a:solidFill>
                     <a:schemeClr val="bg1"/>
                   </a:solidFill>
                   <a:latin typeface="Source Sans Pro Light" charset="0"/>
                   <a:ea typeface="Source Sans Pro Light" charset="0"/>
                   <a:cs typeface="Source Sans Pro Light" charset="0"/>
-                </a:endParaRPr>
-              </a:p>
-            </p:txBody>
-          </p:sp>
-          <p:grpSp>
-            <p:nvGrpSpPr>
-              <p:cNvPr id="21" name="Group 20">
-                <a:extLst>
-                  <a:ext uri="{FF2B5EF4-FFF2-40B4-BE49-F238E27FC236}">
-                    <a16:creationId xmlns:a16="http://schemas.microsoft.com/office/drawing/2014/main" id="{985BF61E-F2F3-0C4D-809B-EF1E436A8054}"/>
-                  </a:ext>
-                </a:extLst>
-              </p:cNvPr>
-              <p:cNvGrpSpPr/>
-              <p:nvPr/>
-            </p:nvGrpSpPr>
-            <p:grpSpPr>
-              <a:xfrm>
-                <a:off x="3783349" y="3990167"/>
-                <a:ext cx="1230087" cy="352081"/>
-                <a:chOff x="3783349" y="3990167"/>
-                <a:chExt cx="1230087" cy="352081"/>
-              </a:xfrm>
-            </p:grpSpPr>
-            <p:pic>
-              <p:nvPicPr>
-                <p:cNvPr id="22" name="Picture 21">
-                  <a:extLst>
-                    <a:ext uri="{FF2B5EF4-FFF2-40B4-BE49-F238E27FC236}">
-                      <a16:creationId xmlns:a16="http://schemas.microsoft.com/office/drawing/2014/main" id="{30A4E1B0-8052-744A-AA21-F5E88AF4F659}"/>
-                    </a:ext>
-                  </a:extLst>
-                </p:cNvPr>
-                <p:cNvPicPr>
-                  <a:picLocks noChangeAspect="1"/>
-                </p:cNvPicPr>
-                <p:nvPr/>
-              </p:nvPicPr>
-              <p:blipFill>
-                <a:blip r:embed="rId3" cstate="print">
-                  <a:extLst>
-                    <a:ext uri="{28A0092B-C50C-407E-A947-70E740481C1C}">
-                      <a14:useLocalDpi xmlns:a14="http://schemas.microsoft.com/office/drawing/2010/main" val="0"/>
-                    </a:ext>
-                  </a:extLst>
-                </a:blip>
-                <a:stretch>
-                  <a:fillRect/>
-                </a:stretch>
-              </p:blipFill>
-              <p:spPr>
-                <a:xfrm>
-                  <a:off x="4112963" y="3992064"/>
-                  <a:ext cx="900473" cy="350184"/>
-                </a:xfrm>
-                <a:prstGeom prst="rect">
-                  <a:avLst/>
-                </a:prstGeom>
-              </p:spPr>
-            </p:pic>
-            <p:pic>
-              <p:nvPicPr>
-                <p:cNvPr id="23" name="Picture 22">
-                  <a:extLst>
-                    <a:ext uri="{FF2B5EF4-FFF2-40B4-BE49-F238E27FC236}">
-                      <a16:creationId xmlns:a16="http://schemas.microsoft.com/office/drawing/2014/main" id="{9D8603F9-7AB8-BF43-94F5-7709429BE34B}"/>
-                    </a:ext>
-                  </a:extLst>
-                </p:cNvPr>
-                <p:cNvPicPr>
-                  <a:picLocks noChangeAspect="1"/>
-                </p:cNvPicPr>
-                <p:nvPr/>
-              </p:nvPicPr>
-              <p:blipFill>
-                <a:blip r:embed="rId4" cstate="print">
-                  <a:extLst>
-                    <a:ext uri="{28A0092B-C50C-407E-A947-70E740481C1C}">
-                      <a14:useLocalDpi xmlns:a14="http://schemas.microsoft.com/office/drawing/2010/main" val="0"/>
-                    </a:ext>
-                  </a:extLst>
-                </a:blip>
-                <a:stretch>
-                  <a:fillRect/>
-                </a:stretch>
-              </p:blipFill>
-              <p:spPr>
-                <a:xfrm>
-                  <a:off x="3783349" y="3990167"/>
-                  <a:ext cx="322073" cy="324658"/>
-                </a:xfrm>
-                <a:prstGeom prst="rect">
-                  <a:avLst/>
-                </a:prstGeom>
-              </p:spPr>
-            </p:pic>
-          </p:grpSp>
-        </p:grpSp>
-      </p:grpSp>
-      <p:sp>
-        <p:nvSpPr>
-          <p:cNvPr id="24" name="Rounded Rectangle 23">
-            <a:extLst>
-              <a:ext uri="{FF2B5EF4-FFF2-40B4-BE49-F238E27FC236}">
-                <a16:creationId xmlns:a16="http://schemas.microsoft.com/office/drawing/2014/main" id="{9BC58F33-9A79-7647-8348-AB37D1ED666F}"/>
-              </a:ext>
-            </a:extLst>
-          </p:cNvPr>
-          <p:cNvSpPr/>
-          <p:nvPr/>
-        </p:nvSpPr>
-        <p:spPr>
-          <a:xfrm>
-            <a:off x="3710904" y="1989269"/>
-            <a:ext cx="4434230" cy="1381880"/>
-          </a:xfrm>
-          <a:prstGeom prst="roundRect">
-            <a:avLst>
-              <a:gd name="adj" fmla="val 5238"/>
-            </a:avLst>
-          </a:prstGeom>
-          <a:solidFill>
-            <a:schemeClr val="accent1"/>
-          </a:solidFill>
-          <a:ln w="12700">
+                </a:rPr>
+                <a:t>Garbage Collector</a:t>
+              </a:r>
+            </a:p>
+          </p:txBody>
+        </p:sp>
+        <p:sp>
+          <p:nvSpPr>
+            <p:cNvPr id="96" name="Rounded Rectangle 72">
+              <a:extLst>
+                <a:ext uri="{FF2B5EF4-FFF2-40B4-BE49-F238E27FC236}">
+                  <a16:creationId xmlns:a16="http://schemas.microsoft.com/office/drawing/2014/main" id="{51E8BD57-7F3F-7647-8DC8-BB65B23F045F}"/>
+                </a:ext>
+              </a:extLst>
+            </p:cNvPr>
+            <p:cNvSpPr/>
+            <p:nvPr/>
+          </p:nvSpPr>
+          <p:spPr>
+            <a:xfrm>
+              <a:off x="3818782" y="3803199"/>
+              <a:ext cx="2206054" cy="126781"/>
+            </a:xfrm>
+            <a:prstGeom prst="roundRect">
+              <a:avLst>
+                <a:gd name="adj" fmla="val 50000"/>
+              </a:avLst>
+            </a:prstGeom>
             <a:solidFill>
-              <a:schemeClr val="accent1"/>
+              <a:schemeClr val="bg1"/>
             </a:solidFill>
-          </a:ln>
-          <a:effectLst/>
-        </p:spPr>
-        <p:style>
-          <a:lnRef idx="2">
-            <a:schemeClr val="dk1"/>
-          </a:lnRef>
-          <a:fillRef idx="1">
-            <a:schemeClr val="lt1"/>
-          </a:fillRef>
-          <a:effectRef idx="0">
-            <a:schemeClr val="dk1"/>
-          </a:effectRef>
-          <a:fontRef idx="minor">
-            <a:schemeClr val="dk1"/>
-          </a:fontRef>
-        </p:style>
-        <p:txBody>
-          <a:bodyPr rtlCol="0" anchor="ctr"/>
-          <a:lstStyle/>
-          <a:p>
-            <a:pPr algn="ctr">
-              <a:lnSpc>
-                <a:spcPts val="1600"/>
-              </a:lnSpc>
-              <a:spcBef>
-                <a:spcPts val="100"/>
-              </a:spcBef>
-              <a:spcAft>
-                <a:spcPts val="100"/>
-              </a:spcAft>
-            </a:pPr>
-            <a:endParaRPr lang="en-US" sz="1600" dirty="0">
-              <a:solidFill>
-                <a:schemeClr val="bg1"/>
-              </a:solidFill>
-              <a:effectLst>
-                <a:outerShdw blurRad="50800" dist="38100" dir="5400000" algn="t" rotWithShape="0">
-                  <a:prstClr val="black">
-                    <a:alpha val="40000"/>
-                  </a:prstClr>
-                </a:outerShdw>
-              </a:effectLst>
-              <a:latin typeface="Source Sans Pro" charset="0"/>
-              <a:ea typeface="Source Sans Pro" charset="0"/>
-            </a:endParaRPr>
-          </a:p>
-        </p:txBody>
-      </p:sp>
-      <p:sp>
-        <p:nvSpPr>
-          <p:cNvPr id="25" name="Rounded Rectangle 24">
-            <a:extLst>
-              <a:ext uri="{FF2B5EF4-FFF2-40B4-BE49-F238E27FC236}">
-                <a16:creationId xmlns:a16="http://schemas.microsoft.com/office/drawing/2014/main" id="{4F103699-8CF4-F04E-9FD8-A2E530AA7A44}"/>
-              </a:ext>
-            </a:extLst>
-          </p:cNvPr>
-          <p:cNvSpPr/>
-          <p:nvPr/>
-        </p:nvSpPr>
-        <p:spPr>
-          <a:xfrm>
-            <a:off x="3818081" y="2822565"/>
-            <a:ext cx="4236261" cy="445873"/>
-          </a:xfrm>
-          <a:prstGeom prst="roundRect">
-            <a:avLst>
-              <a:gd name="adj" fmla="val 10443"/>
-            </a:avLst>
-          </a:prstGeom>
-          <a:solidFill>
-            <a:schemeClr val="accent1">
-              <a:lumMod val="75000"/>
-            </a:schemeClr>
-          </a:solidFill>
-          <a:ln w="12700">
-            <a:noFill/>
-          </a:ln>
-          <a:effectLst>
-            <a:innerShdw blurRad="114300">
-              <a:prstClr val="black">
-                <a:alpha val="49000"/>
-              </a:prstClr>
-            </a:innerShdw>
-          </a:effectLst>
-        </p:spPr>
-        <p:style>
-          <a:lnRef idx="2">
-            <a:schemeClr val="dk1"/>
-          </a:lnRef>
-          <a:fillRef idx="1">
-            <a:schemeClr val="lt1"/>
-          </a:fillRef>
-          <a:effectRef idx="0">
-            <a:schemeClr val="dk1"/>
-          </a:effectRef>
-          <a:fontRef idx="minor">
-            <a:schemeClr val="dk1"/>
-          </a:fontRef>
-        </p:style>
-        <p:txBody>
-          <a:bodyPr wrap="square" lIns="108000" tIns="36000" bIns="0" rtlCol="0" anchor="ctr">
-            <a:noAutofit/>
-          </a:bodyPr>
-          <a:lstStyle/>
-          <a:p>
-            <a:pPr lvl="0">
-              <a:lnSpc>
-                <a:spcPts val="1400"/>
-              </a:lnSpc>
-            </a:pPr>
-            <a:r>
-              <a:rPr lang="en-US" sz="1600" b="1" dirty="0">
+            <a:ln w="28575" cap="flat" cmpd="sng" algn="ctr">
+              <a:noFill/>
+              <a:prstDash val="solid"/>
+            </a:ln>
+            <a:effectLst/>
+          </p:spPr>
+          <p:txBody>
+            <a:bodyPr lIns="36000" rIns="36000" rtlCol="0" anchor="ctr"/>
+            <a:lstStyle/>
+            <a:p>
+              <a:pPr algn="ctr">
+                <a:defRPr/>
+              </a:pPr>
+              <a:r>
+                <a:rPr lang="en-US" sz="1200" dirty="0">
+                  <a:solidFill>
+                    <a:srgbClr val="4B5357">
+                      <a:lumMod val="75000"/>
+                    </a:srgbClr>
+                  </a:solidFill>
+                  <a:latin typeface="Source Sans Pro Light" charset="0"/>
+                  <a:ea typeface="Source Sans Pro Light" charset="0"/>
+                  <a:cs typeface="Source Sans Pro Light" charset="0"/>
+                </a:rPr>
+                <a:t>LLMJVM</a:t>
+              </a:r>
+            </a:p>
+          </p:txBody>
+        </p:sp>
+        <p:sp>
+          <p:nvSpPr>
+            <p:cNvPr id="97" name="Rounded Rectangle 73">
+              <a:extLst>
+                <a:ext uri="{FF2B5EF4-FFF2-40B4-BE49-F238E27FC236}">
+                  <a16:creationId xmlns:a16="http://schemas.microsoft.com/office/drawing/2014/main" id="{027A1E23-8775-0449-AD49-4D9D946AA996}"/>
+                </a:ext>
+              </a:extLst>
+            </p:cNvPr>
+            <p:cNvSpPr/>
+            <p:nvPr/>
+          </p:nvSpPr>
+          <p:spPr>
+            <a:xfrm>
+              <a:off x="6129172" y="3804559"/>
+              <a:ext cx="902621" cy="125421"/>
+            </a:xfrm>
+            <a:prstGeom prst="roundRect">
+              <a:avLst>
+                <a:gd name="adj" fmla="val 50000"/>
+              </a:avLst>
+            </a:prstGeom>
+            <a:solidFill>
+              <a:schemeClr val="bg1"/>
+            </a:solidFill>
+            <a:ln w="28575" cap="flat" cmpd="sng" algn="ctr">
+              <a:noFill/>
+              <a:prstDash val="solid"/>
+            </a:ln>
+            <a:effectLst/>
+          </p:spPr>
+          <p:txBody>
+            <a:bodyPr lIns="36000" rIns="36000" rtlCol="0" anchor="ctr"/>
+            <a:lstStyle/>
+            <a:p>
+              <a:pPr algn="ctr">
+                <a:defRPr/>
+              </a:pPr>
+              <a:r>
+                <a:rPr lang="en-US" sz="1200" dirty="0">
+                  <a:solidFill>
+                    <a:srgbClr val="4B5357">
+                      <a:lumMod val="75000"/>
+                    </a:srgbClr>
+                  </a:solidFill>
+                  <a:latin typeface="Source Sans Pro Light" charset="0"/>
+                  <a:ea typeface="Source Sans Pro Light" charset="0"/>
+                  <a:cs typeface="Source Sans Pro Light" charset="0"/>
+                </a:rPr>
+                <a:t>LLKERNEL</a:t>
+              </a:r>
+            </a:p>
+          </p:txBody>
+        </p:sp>
+        <p:sp>
+          <p:nvSpPr>
+            <p:cNvPr id="98" name="Rounded Rectangle 75">
+              <a:extLst>
+                <a:ext uri="{FF2B5EF4-FFF2-40B4-BE49-F238E27FC236}">
+                  <a16:creationId xmlns:a16="http://schemas.microsoft.com/office/drawing/2014/main" id="{62AD605A-9008-6644-8E1A-6625CA4E3630}"/>
+                </a:ext>
+              </a:extLst>
+            </p:cNvPr>
+            <p:cNvSpPr/>
+            <p:nvPr/>
+          </p:nvSpPr>
+          <p:spPr>
+            <a:xfrm>
+              <a:off x="7136129" y="3806789"/>
+              <a:ext cx="902621" cy="125420"/>
+            </a:xfrm>
+            <a:prstGeom prst="roundRect">
+              <a:avLst>
+                <a:gd name="adj" fmla="val 50000"/>
+              </a:avLst>
+            </a:prstGeom>
+            <a:solidFill>
+              <a:schemeClr val="bg1"/>
+            </a:solidFill>
+            <a:ln w="28575" cap="flat" cmpd="sng" algn="ctr">
+              <a:noFill/>
+              <a:prstDash val="solid"/>
+            </a:ln>
+            <a:effectLst/>
+          </p:spPr>
+          <p:txBody>
+            <a:bodyPr lIns="36000" rIns="36000" rtlCol="0" anchor="ctr"/>
+            <a:lstStyle/>
+            <a:p>
+              <a:pPr algn="ctr">
+                <a:defRPr/>
+              </a:pPr>
+              <a:r>
+                <a:rPr lang="en-US" sz="1200" dirty="0">
+                  <a:solidFill>
+                    <a:srgbClr val="4B5357">
+                      <a:lumMod val="75000"/>
+                    </a:srgbClr>
+                  </a:solidFill>
+                  <a:latin typeface="Source Sans Pro Light" charset="0"/>
+                  <a:ea typeface="Source Sans Pro Light" charset="0"/>
+                  <a:cs typeface="Source Sans Pro Light" charset="0"/>
+                </a:rPr>
+                <a:t>LLSP</a:t>
+              </a:r>
+              <a:endParaRPr kumimoji="0" lang="en-US" sz="1200" b="0" i="0" u="none" strike="noStrike" kern="0" cap="none" spc="0" normalizeH="0" baseline="0" noProof="0" dirty="0">
+                <a:ln>
+                  <a:noFill/>
+                </a:ln>
                 <a:solidFill>
-                  <a:schemeClr val="bg1"/>
+                  <a:srgbClr val="FFFFFF"/>
                 </a:solidFill>
-                <a:latin typeface="Source Sans Pro" charset="0"/>
-                <a:ea typeface="Source Sans Pro" charset="0"/>
-                <a:cs typeface="Source Sans Pro" charset="0"/>
-              </a:rPr>
-              <a:t>FOUNDATION </a:t>
-            </a:r>
-            <a:br>
-              <a:rPr lang="en-US" sz="1600" b="1" dirty="0">
-                <a:solidFill>
-                  <a:schemeClr val="bg1"/>
-                </a:solidFill>
-                <a:latin typeface="Source Sans Pro" charset="0"/>
-                <a:ea typeface="Source Sans Pro" charset="0"/>
-                <a:cs typeface="Source Sans Pro" charset="0"/>
-              </a:rPr>
-            </a:br>
-            <a:r>
-              <a:rPr lang="en-US" sz="1600" b="1" dirty="0">
-                <a:solidFill>
-                  <a:schemeClr val="bg1"/>
-                </a:solidFill>
-                <a:latin typeface="Source Sans Pro" charset="0"/>
-                <a:ea typeface="Source Sans Pro" charset="0"/>
-                <a:cs typeface="Source Sans Pro" charset="0"/>
-              </a:rPr>
-              <a:t>LIBRARIES </a:t>
-            </a:r>
-          </a:p>
-        </p:txBody>
-      </p:sp>
-      <p:sp>
-        <p:nvSpPr>
-          <p:cNvPr id="26" name="Rounded Rectangle 25">
-            <a:extLst>
-              <a:ext uri="{FF2B5EF4-FFF2-40B4-BE49-F238E27FC236}">
-                <a16:creationId xmlns:a16="http://schemas.microsoft.com/office/drawing/2014/main" id="{50E5510D-358F-9F42-A720-A6696D86B52E}"/>
-              </a:ext>
-            </a:extLst>
-          </p:cNvPr>
-          <p:cNvSpPr/>
-          <p:nvPr/>
-        </p:nvSpPr>
-        <p:spPr>
-          <a:xfrm>
-            <a:off x="3818082" y="2381488"/>
-            <a:ext cx="4236259" cy="387367"/>
-          </a:xfrm>
-          <a:prstGeom prst="roundRect">
-            <a:avLst>
-              <a:gd name="adj" fmla="val 10601"/>
-            </a:avLst>
-          </a:prstGeom>
-          <a:solidFill>
-            <a:schemeClr val="accent1">
-              <a:lumMod val="75000"/>
-            </a:schemeClr>
-          </a:solidFill>
-          <a:ln w="12700">
-            <a:noFill/>
-          </a:ln>
-          <a:effectLst>
-            <a:innerShdw blurRad="114300">
-              <a:prstClr val="black">
-                <a:alpha val="49000"/>
-              </a:prstClr>
-            </a:innerShdw>
-          </a:effectLst>
-        </p:spPr>
-        <p:style>
-          <a:lnRef idx="2">
-            <a:schemeClr val="dk1"/>
-          </a:lnRef>
-          <a:fillRef idx="1">
-            <a:schemeClr val="lt1"/>
-          </a:fillRef>
-          <a:effectRef idx="0">
-            <a:schemeClr val="dk1"/>
-          </a:effectRef>
-          <a:fontRef idx="minor">
-            <a:schemeClr val="dk1"/>
-          </a:fontRef>
-        </p:style>
-        <p:txBody>
-          <a:bodyPr wrap="square" lIns="108000" tIns="0" bIns="0" rtlCol="0" anchor="ctr">
-            <a:noAutofit/>
-          </a:bodyPr>
-          <a:lstStyle/>
-          <a:p>
-            <a:pPr lvl="0"/>
-            <a:r>
-              <a:rPr lang="en-US" sz="1600" b="1" dirty="0">
-                <a:solidFill>
-                  <a:schemeClr val="bg1"/>
-                </a:solidFill>
-                <a:latin typeface="Source Sans Pro" charset="0"/>
-                <a:ea typeface="Source Sans Pro" charset="0"/>
-                <a:cs typeface="Source Sans Pro" charset="0"/>
-              </a:rPr>
-              <a:t>ADD-ON LIBRARIES</a:t>
-            </a:r>
-          </a:p>
-        </p:txBody>
-      </p:sp>
-      <p:sp>
-        <p:nvSpPr>
-          <p:cNvPr id="32" name="Rectangle 31">
-            <a:extLst>
-              <a:ext uri="{FF2B5EF4-FFF2-40B4-BE49-F238E27FC236}">
-                <a16:creationId xmlns:a16="http://schemas.microsoft.com/office/drawing/2014/main" id="{6858A81E-4266-6F4F-8D93-B8419F4EE7F3}"/>
-              </a:ext>
-            </a:extLst>
-          </p:cNvPr>
-          <p:cNvSpPr/>
-          <p:nvPr/>
-        </p:nvSpPr>
-        <p:spPr>
-          <a:xfrm>
-            <a:off x="6627194" y="3340306"/>
-            <a:ext cx="1424261" cy="213954"/>
-          </a:xfrm>
-          <a:prstGeom prst="rect">
-            <a:avLst/>
-          </a:prstGeom>
-          <a:noFill/>
-          <a:effectLst/>
-        </p:spPr>
-        <p:txBody>
-          <a:bodyPr wrap="square" lIns="0" rIns="0">
-            <a:noAutofit/>
-          </a:bodyPr>
-          <a:lstStyle/>
-          <a:p>
-            <a:pPr algn="r">
-              <a:lnSpc>
-                <a:spcPts val="1300"/>
-              </a:lnSpc>
-            </a:pPr>
-            <a:r>
-              <a:rPr lang="en-US" sz="1100" b="1" dirty="0">
-                <a:ln w="0"/>
-                <a:solidFill>
-                  <a:schemeClr val="accent1"/>
-                </a:solidFill>
-                <a:latin typeface="Source Sans Pro" charset="0"/>
-                <a:ea typeface="Source Sans Pro" charset="0"/>
-                <a:cs typeface="Source Sans Pro" charset="0"/>
-              </a:rPr>
-              <a:t>VIRTUALIZATION</a:t>
-            </a:r>
-          </a:p>
-        </p:txBody>
-      </p:sp>
-      <p:sp>
-        <p:nvSpPr>
-          <p:cNvPr id="35" name="Rounded Rectangle 34">
-            <a:extLst>
-              <a:ext uri="{FF2B5EF4-FFF2-40B4-BE49-F238E27FC236}">
-                <a16:creationId xmlns:a16="http://schemas.microsoft.com/office/drawing/2014/main" id="{8A925A23-0E65-C441-B5A9-B85B406C137A}"/>
-              </a:ext>
-            </a:extLst>
-          </p:cNvPr>
-          <p:cNvSpPr/>
-          <p:nvPr/>
-        </p:nvSpPr>
-        <p:spPr>
-          <a:xfrm>
-            <a:off x="5414878" y="2900638"/>
-            <a:ext cx="432000" cy="289727"/>
-          </a:xfrm>
-          <a:prstGeom prst="roundRect">
-            <a:avLst>
-              <a:gd name="adj" fmla="val 19644"/>
-            </a:avLst>
-          </a:prstGeom>
-          <a:solidFill>
-            <a:schemeClr val="bg1"/>
-          </a:solidFill>
-          <a:ln w="12700">
-            <a:noFill/>
-          </a:ln>
-          <a:effectLst/>
-        </p:spPr>
-        <p:style>
-          <a:lnRef idx="2">
-            <a:schemeClr val="dk1"/>
-          </a:lnRef>
-          <a:fillRef idx="1">
-            <a:schemeClr val="lt1"/>
-          </a:fillRef>
-          <a:effectRef idx="0">
-            <a:schemeClr val="dk1"/>
-          </a:effectRef>
-          <a:fontRef idx="minor">
-            <a:schemeClr val="dk1"/>
-          </a:fontRef>
-        </p:style>
-        <p:txBody>
-          <a:bodyPr wrap="square" lIns="36000" tIns="36000" rIns="36000" bIns="36000" rtlCol="0" anchor="ctr">
-            <a:noAutofit/>
-          </a:bodyPr>
-          <a:lstStyle/>
-          <a:p>
-            <a:pPr algn="ctr"/>
-            <a:r>
-              <a:rPr lang="en-US" sz="1200" dirty="0">
-                <a:solidFill>
-                  <a:schemeClr val="accent1"/>
-                </a:solidFill>
-                <a:latin typeface="Source Sans Pro Light" charset="0"/>
-                <a:ea typeface="Source Sans Pro Light" charset="0"/>
-                <a:cs typeface="Source Sans Pro Light" charset="0"/>
-              </a:rPr>
-              <a:t>EDC</a:t>
-            </a:r>
-          </a:p>
-        </p:txBody>
-      </p:sp>
-      <p:sp>
-        <p:nvSpPr>
-          <p:cNvPr id="36" name="Rounded Rectangle 35">
-            <a:extLst>
-              <a:ext uri="{FF2B5EF4-FFF2-40B4-BE49-F238E27FC236}">
-                <a16:creationId xmlns:a16="http://schemas.microsoft.com/office/drawing/2014/main" id="{62B60516-5856-AF49-912D-EA309EAF0890}"/>
-              </a:ext>
-            </a:extLst>
-          </p:cNvPr>
-          <p:cNvSpPr/>
-          <p:nvPr/>
-        </p:nvSpPr>
-        <p:spPr>
-          <a:xfrm>
-            <a:off x="7228607" y="2900638"/>
-            <a:ext cx="641282" cy="289727"/>
-          </a:xfrm>
-          <a:prstGeom prst="roundRect">
-            <a:avLst>
-              <a:gd name="adj" fmla="val 19644"/>
-            </a:avLst>
-          </a:prstGeom>
-          <a:solidFill>
-            <a:schemeClr val="bg1"/>
-          </a:solidFill>
-          <a:ln w="12700">
-            <a:noFill/>
-          </a:ln>
-          <a:effectLst/>
-        </p:spPr>
-        <p:style>
-          <a:lnRef idx="2">
-            <a:schemeClr val="dk1"/>
-          </a:lnRef>
-          <a:fillRef idx="1">
-            <a:schemeClr val="lt1"/>
-          </a:fillRef>
-          <a:effectRef idx="0">
-            <a:schemeClr val="dk1"/>
-          </a:effectRef>
-          <a:fontRef idx="minor">
-            <a:schemeClr val="dk1"/>
-          </a:fontRef>
-        </p:style>
-        <p:txBody>
-          <a:bodyPr wrap="square" lIns="36000" tIns="36000" rIns="36000" bIns="36000" rtlCol="0" anchor="ctr">
-            <a:noAutofit/>
-          </a:bodyPr>
-          <a:lstStyle/>
-          <a:p>
-            <a:pPr algn="ctr"/>
-            <a:r>
-              <a:rPr lang="en-US" sz="1200" dirty="0" err="1">
-                <a:solidFill>
-                  <a:schemeClr val="accent1"/>
-                </a:solidFill>
-                <a:latin typeface="Source Sans Pro Light" charset="0"/>
-                <a:ea typeface="Source Sans Pro Light" charset="0"/>
-                <a:cs typeface="Source Sans Pro Light" charset="0"/>
-              </a:rPr>
-              <a:t>MicroUI</a:t>
-            </a:r>
-            <a:endParaRPr lang="en-US" sz="1200" dirty="0">
+                <a:effectLst/>
+                <a:uLnTx/>
+                <a:uFillTx/>
+                <a:latin typeface="Calibri Light"/>
+                <a:ea typeface="+mn-ea"/>
+                <a:cs typeface="+mn-cs"/>
+              </a:endParaRPr>
+            </a:p>
+          </p:txBody>
+        </p:sp>
+        <p:cxnSp>
+          <p:nvCxnSpPr>
+            <p:cNvPr id="101" name="Straight Connector 100">
+              <a:extLst>
+                <a:ext uri="{FF2B5EF4-FFF2-40B4-BE49-F238E27FC236}">
+                  <a16:creationId xmlns:a16="http://schemas.microsoft.com/office/drawing/2014/main" id="{CBE49251-BE77-9A40-B298-5BE681E4A4F2}"/>
+                </a:ext>
+              </a:extLst>
+            </p:cNvPr>
+            <p:cNvCxnSpPr>
+              <a:cxnSpLocks/>
+            </p:cNvCxnSpPr>
+            <p:nvPr/>
+          </p:nvCxnSpPr>
+          <p:spPr>
+            <a:xfrm>
+              <a:off x="6151430" y="4043241"/>
+              <a:ext cx="849513" cy="0"/>
+            </a:xfrm>
+            <a:prstGeom prst="line">
+              <a:avLst/>
+            </a:prstGeom>
+            <a:ln w="38100" cap="rnd">
               <a:solidFill>
                 <a:schemeClr val="accent1"/>
               </a:solidFill>
-              <a:latin typeface="Source Sans Pro Light" charset="0"/>
-              <a:ea typeface="Source Sans Pro Light" charset="0"/>
-              <a:cs typeface="Source Sans Pro Light" charset="0"/>
-            </a:endParaRPr>
-          </a:p>
-        </p:txBody>
-      </p:sp>
-      <p:sp>
-        <p:nvSpPr>
-          <p:cNvPr id="45" name="Round Same Side Corner Rectangle 44">
-            <a:extLst>
-              <a:ext uri="{FF2B5EF4-FFF2-40B4-BE49-F238E27FC236}">
-                <a16:creationId xmlns:a16="http://schemas.microsoft.com/office/drawing/2014/main" id="{29077600-5340-3A45-9B91-0EB6485110C9}"/>
-              </a:ext>
-            </a:extLst>
-          </p:cNvPr>
-          <p:cNvSpPr/>
-          <p:nvPr/>
-        </p:nvSpPr>
-        <p:spPr>
-          <a:xfrm rot="10800000">
-            <a:off x="3859172" y="1981530"/>
-            <a:ext cx="4117979" cy="333565"/>
-          </a:xfrm>
-          <a:prstGeom prst="round2SameRect">
-            <a:avLst>
-              <a:gd name="adj1" fmla="val 24382"/>
-              <a:gd name="adj2" fmla="val 0"/>
-            </a:avLst>
-          </a:prstGeom>
-          <a:solidFill>
-            <a:schemeClr val="tx2">
-              <a:lumMod val="20000"/>
-              <a:lumOff val="80000"/>
-            </a:schemeClr>
-          </a:solidFill>
-          <a:ln w="12700">
-            <a:noFill/>
-            <a:round/>
-          </a:ln>
-        </p:spPr>
-        <p:style>
-          <a:lnRef idx="2">
-            <a:schemeClr val="accent1">
-              <a:shade val="50000"/>
-            </a:schemeClr>
-          </a:lnRef>
-          <a:fillRef idx="1">
-            <a:schemeClr val="accent1"/>
-          </a:fillRef>
-          <a:effectRef idx="0">
-            <a:schemeClr val="accent1"/>
-          </a:effectRef>
-          <a:fontRef idx="minor">
-            <a:schemeClr val="lt1"/>
-          </a:fontRef>
-        </p:style>
-        <p:txBody>
-          <a:bodyPr rtlCol="0" anchor="ctr"/>
-          <a:lstStyle/>
-          <a:p>
-            <a:pPr algn="ctr"/>
-            <a:endParaRPr lang="en-US" dirty="0"/>
-          </a:p>
-        </p:txBody>
-      </p:sp>
-      <p:sp>
-        <p:nvSpPr>
-          <p:cNvPr id="90" name="Rounded Rectangle 89">
-            <a:extLst>
-              <a:ext uri="{FF2B5EF4-FFF2-40B4-BE49-F238E27FC236}">
-                <a16:creationId xmlns:a16="http://schemas.microsoft.com/office/drawing/2014/main" id="{C30291B1-E63A-A643-A6AB-2B8F55EC24D7}"/>
-              </a:ext>
-            </a:extLst>
-          </p:cNvPr>
-          <p:cNvSpPr/>
-          <p:nvPr/>
-        </p:nvSpPr>
-        <p:spPr>
-          <a:xfrm>
-            <a:off x="5928019" y="2900638"/>
-            <a:ext cx="432000" cy="289727"/>
-          </a:xfrm>
-          <a:prstGeom prst="roundRect">
-            <a:avLst>
-              <a:gd name="adj" fmla="val 19644"/>
-            </a:avLst>
-          </a:prstGeom>
-          <a:solidFill>
-            <a:schemeClr val="bg1"/>
-          </a:solidFill>
-          <a:ln w="12700">
-            <a:noFill/>
-          </a:ln>
-          <a:effectLst/>
-        </p:spPr>
-        <p:style>
-          <a:lnRef idx="2">
-            <a:schemeClr val="dk1"/>
-          </a:lnRef>
-          <a:fillRef idx="1">
-            <a:schemeClr val="lt1"/>
-          </a:fillRef>
-          <a:effectRef idx="0">
-            <a:schemeClr val="dk1"/>
-          </a:effectRef>
-          <a:fontRef idx="minor">
-            <a:schemeClr val="dk1"/>
-          </a:fontRef>
-        </p:style>
-        <p:txBody>
-          <a:bodyPr wrap="square" lIns="36000" tIns="36000" rIns="36000" bIns="36000" rtlCol="0" anchor="ctr">
-            <a:noAutofit/>
-          </a:bodyPr>
-          <a:lstStyle/>
-          <a:p>
-            <a:pPr algn="ctr"/>
-            <a:r>
-              <a:rPr lang="en-US" sz="1200" dirty="0">
-                <a:solidFill>
-                  <a:schemeClr val="accent1"/>
-                </a:solidFill>
-                <a:latin typeface="Source Sans Pro Light" charset="0"/>
-                <a:ea typeface="Source Sans Pro Light" charset="0"/>
-                <a:cs typeface="Source Sans Pro Light" charset="0"/>
-              </a:rPr>
-              <a:t>BON</a:t>
-            </a:r>
-          </a:p>
-        </p:txBody>
-      </p:sp>
-      <p:sp>
-        <p:nvSpPr>
-          <p:cNvPr id="91" name="Rounded Rectangle 90">
-            <a:extLst>
-              <a:ext uri="{FF2B5EF4-FFF2-40B4-BE49-F238E27FC236}">
-                <a16:creationId xmlns:a16="http://schemas.microsoft.com/office/drawing/2014/main" id="{C4062F7A-F7BB-2B45-8072-06677231ADB1}"/>
-              </a:ext>
-            </a:extLst>
-          </p:cNvPr>
-          <p:cNvSpPr/>
-          <p:nvPr/>
-        </p:nvSpPr>
-        <p:spPr>
-          <a:xfrm>
-            <a:off x="6441515" y="2900638"/>
-            <a:ext cx="710833" cy="289727"/>
-          </a:xfrm>
-          <a:prstGeom prst="roundRect">
-            <a:avLst>
-              <a:gd name="adj" fmla="val 19644"/>
-            </a:avLst>
-          </a:prstGeom>
-          <a:solidFill>
-            <a:schemeClr val="bg1"/>
-          </a:solidFill>
-          <a:ln w="12700">
-            <a:noFill/>
-          </a:ln>
-          <a:effectLst/>
-        </p:spPr>
-        <p:style>
-          <a:lnRef idx="2">
-            <a:schemeClr val="dk1"/>
-          </a:lnRef>
-          <a:fillRef idx="1">
-            <a:schemeClr val="lt1"/>
-          </a:fillRef>
-          <a:effectRef idx="0">
-            <a:schemeClr val="dk1"/>
-          </a:effectRef>
-          <a:fontRef idx="minor">
-            <a:schemeClr val="dk1"/>
-          </a:fontRef>
-        </p:style>
-        <p:txBody>
-          <a:bodyPr wrap="square" lIns="36000" tIns="36000" rIns="36000" bIns="36000" rtlCol="0" anchor="ctr">
-            <a:noAutofit/>
-          </a:bodyPr>
-          <a:lstStyle/>
-          <a:p>
-            <a:pPr algn="ctr"/>
-            <a:r>
-              <a:rPr lang="en-US" sz="1200" dirty="0">
-                <a:solidFill>
-                  <a:schemeClr val="accent1"/>
-                </a:solidFill>
-                <a:latin typeface="Source Sans Pro Light" charset="0"/>
-                <a:ea typeface="Source Sans Pro Light" charset="0"/>
-                <a:cs typeface="Source Sans Pro Light" charset="0"/>
-              </a:rPr>
-              <a:t>SNI</a:t>
-            </a:r>
-          </a:p>
-        </p:txBody>
-      </p:sp>
-      <p:sp>
-        <p:nvSpPr>
-          <p:cNvPr id="107" name="Rounded Rectangle 106">
-            <a:extLst>
-              <a:ext uri="{FF2B5EF4-FFF2-40B4-BE49-F238E27FC236}">
-                <a16:creationId xmlns:a16="http://schemas.microsoft.com/office/drawing/2014/main" id="{98F98C35-6A56-5244-977C-77ECAC2C433C}"/>
-              </a:ext>
-            </a:extLst>
-          </p:cNvPr>
-          <p:cNvSpPr/>
-          <p:nvPr/>
-        </p:nvSpPr>
-        <p:spPr>
-          <a:xfrm>
-            <a:off x="4334394" y="1817221"/>
-            <a:ext cx="3080118" cy="306000"/>
-          </a:xfrm>
-          <a:prstGeom prst="roundRect">
-            <a:avLst>
-              <a:gd name="adj" fmla="val 12311"/>
-            </a:avLst>
-          </a:prstGeom>
-          <a:solidFill>
-            <a:schemeClr val="bg1"/>
-          </a:solidFill>
-          <a:ln w="12700">
+              <a:miter lim="800000"/>
+            </a:ln>
+          </p:spPr>
+          <p:style>
+            <a:lnRef idx="1">
+              <a:schemeClr val="accent1"/>
+            </a:lnRef>
+            <a:fillRef idx="0">
+              <a:schemeClr val="accent1"/>
+            </a:fillRef>
+            <a:effectRef idx="0">
+              <a:schemeClr val="accent1"/>
+            </a:effectRef>
+            <a:fontRef idx="minor">
+              <a:schemeClr val="tx1"/>
+            </a:fontRef>
+          </p:style>
+        </p:cxnSp>
+        <p:cxnSp>
+          <p:nvCxnSpPr>
+            <p:cNvPr id="104" name="Straight Connector 103">
+              <a:extLst>
+                <a:ext uri="{FF2B5EF4-FFF2-40B4-BE49-F238E27FC236}">
+                  <a16:creationId xmlns:a16="http://schemas.microsoft.com/office/drawing/2014/main" id="{41DE1C2A-C410-8346-9178-E4CE1CD68092}"/>
+                </a:ext>
+              </a:extLst>
+            </p:cNvPr>
+            <p:cNvCxnSpPr>
+              <a:cxnSpLocks/>
+            </p:cNvCxnSpPr>
+            <p:nvPr/>
+          </p:nvCxnSpPr>
+          <p:spPr>
+            <a:xfrm>
+              <a:off x="7162303" y="4043241"/>
+              <a:ext cx="849513" cy="0"/>
+            </a:xfrm>
+            <a:prstGeom prst="line">
+              <a:avLst/>
+            </a:prstGeom>
+            <a:ln w="38100" cap="rnd">
+              <a:solidFill>
+                <a:schemeClr val="accent1"/>
+              </a:solidFill>
+              <a:miter lim="800000"/>
+            </a:ln>
+          </p:spPr>
+          <p:style>
+            <a:lnRef idx="1">
+              <a:schemeClr val="accent1"/>
+            </a:lnRef>
+            <a:fillRef idx="0">
+              <a:schemeClr val="accent1"/>
+            </a:fillRef>
+            <a:effectRef idx="0">
+              <a:schemeClr val="accent1"/>
+            </a:effectRef>
+            <a:fontRef idx="minor">
+              <a:schemeClr val="tx1"/>
+            </a:fontRef>
+          </p:style>
+        </p:cxnSp>
+        <p:sp>
+          <p:nvSpPr>
+            <p:cNvPr id="107" name="Rounded Rectangle 106">
+              <a:extLst>
+                <a:ext uri="{FF2B5EF4-FFF2-40B4-BE49-F238E27FC236}">
+                  <a16:creationId xmlns:a16="http://schemas.microsoft.com/office/drawing/2014/main" id="{98F98C35-6A56-5244-977C-77ECAC2C433C}"/>
+                </a:ext>
+              </a:extLst>
+            </p:cNvPr>
+            <p:cNvSpPr/>
+            <p:nvPr/>
+          </p:nvSpPr>
+          <p:spPr>
+            <a:xfrm>
+              <a:off x="4334394" y="1324049"/>
+              <a:ext cx="3080118" cy="306000"/>
+            </a:xfrm>
+            <a:prstGeom prst="roundRect">
+              <a:avLst>
+                <a:gd name="adj" fmla="val 12311"/>
+              </a:avLst>
+            </a:prstGeom>
             <a:solidFill>
-              <a:schemeClr val="bg2"/>
+              <a:schemeClr val="bg1"/>
             </a:solidFill>
-          </a:ln>
-        </p:spPr>
-        <p:style>
-          <a:lnRef idx="2">
-            <a:schemeClr val="dk1"/>
-          </a:lnRef>
-          <a:fillRef idx="1">
-            <a:schemeClr val="lt1"/>
-          </a:fillRef>
-          <a:effectRef idx="0">
-            <a:schemeClr val="dk1"/>
-          </a:effectRef>
-          <a:fontRef idx="minor">
-            <a:schemeClr val="dk1"/>
-          </a:fontRef>
-        </p:style>
-        <p:txBody>
-          <a:bodyPr tIns="36000" bIns="0" rtlCol="0" anchor="ctr"/>
-          <a:lstStyle/>
-          <a:p>
-            <a:pPr algn="ctr">
-              <a:lnSpc>
-                <a:spcPts val="1600"/>
-              </a:lnSpc>
-              <a:spcBef>
-                <a:spcPts val="100"/>
-              </a:spcBef>
-              <a:spcAft>
-                <a:spcPts val="100"/>
-              </a:spcAft>
-            </a:pPr>
-            <a:r>
-              <a:rPr lang="en-US" sz="1600" b="1" dirty="0">
+            <a:ln w="12700">
+              <a:solidFill>
+                <a:schemeClr val="bg2"/>
+              </a:solidFill>
+            </a:ln>
+          </p:spPr>
+          <p:style>
+            <a:lnRef idx="2">
+              <a:schemeClr val="dk1"/>
+            </a:lnRef>
+            <a:fillRef idx="1">
+              <a:schemeClr val="lt1"/>
+            </a:fillRef>
+            <a:effectRef idx="0">
+              <a:schemeClr val="dk1"/>
+            </a:effectRef>
+            <a:fontRef idx="minor">
+              <a:schemeClr val="dk1"/>
+            </a:fontRef>
+          </p:style>
+          <p:txBody>
+            <a:bodyPr tIns="36000" bIns="0" rtlCol="0" anchor="ctr"/>
+            <a:lstStyle/>
+            <a:p>
+              <a:pPr algn="ctr">
+                <a:lnSpc>
+                  <a:spcPts val="1600"/>
+                </a:lnSpc>
+                <a:spcBef>
+                  <a:spcPts val="100"/>
+                </a:spcBef>
+                <a:spcAft>
+                  <a:spcPts val="100"/>
+                </a:spcAft>
+              </a:pPr>
+              <a:r>
+                <a:rPr lang="en-US" sz="1600" b="1" dirty="0">
+                  <a:solidFill>
+                    <a:schemeClr val="tx1"/>
+                  </a:solidFill>
+                  <a:latin typeface="Source Sans Pro" charset="0"/>
+                  <a:ea typeface="Source Sans Pro" charset="0"/>
+                  <a:cs typeface="Source Sans Pro" charset="0"/>
+                </a:rPr>
+                <a:t>YOUR APPLICATIONS</a:t>
+              </a:r>
+              <a:endParaRPr lang="en-US" sz="1200" dirty="0">
                 <a:solidFill>
                   <a:schemeClr val="tx1"/>
                 </a:solidFill>
                 <a:latin typeface="Source Sans Pro" charset="0"/>
                 <a:ea typeface="Source Sans Pro" charset="0"/>
                 <a:cs typeface="Source Sans Pro" charset="0"/>
-              </a:rPr>
-              <a:t>APPLICATION</a:t>
-            </a:r>
-            <a:endParaRPr lang="en-US" sz="1200" dirty="0">
-              <a:solidFill>
-                <a:schemeClr val="tx1"/>
-              </a:solidFill>
-              <a:latin typeface="Source Sans Pro" charset="0"/>
-              <a:ea typeface="Source Sans Pro" charset="0"/>
-              <a:cs typeface="Source Sans Pro" charset="0"/>
-            </a:endParaRPr>
-          </a:p>
-        </p:txBody>
-      </p:sp>
-      <p:sp>
-        <p:nvSpPr>
-          <p:cNvPr id="27" name="Rounded Rectangle 87">
-            <a:extLst>
-              <a:ext uri="{FF2B5EF4-FFF2-40B4-BE49-F238E27FC236}">
-                <a16:creationId xmlns:a16="http://schemas.microsoft.com/office/drawing/2014/main" id="{611288DA-CD9E-2F63-41B4-4D9B68922317}"/>
-              </a:ext>
-            </a:extLst>
-          </p:cNvPr>
-          <p:cNvSpPr/>
-          <p:nvPr/>
-        </p:nvSpPr>
-        <p:spPr>
-          <a:xfrm>
-            <a:off x="6169547" y="4219730"/>
-            <a:ext cx="1832964" cy="190126"/>
-          </a:xfrm>
-          <a:prstGeom prst="roundRect">
-            <a:avLst>
-              <a:gd name="adj" fmla="val 22586"/>
-            </a:avLst>
-          </a:prstGeom>
-          <a:solidFill>
-            <a:schemeClr val="bg2">
-              <a:lumMod val="75000"/>
-            </a:schemeClr>
-          </a:solidFill>
-          <a:ln w="12700">
-            <a:noFill/>
-          </a:ln>
-          <a:effectLst/>
-        </p:spPr>
-        <p:style>
-          <a:lnRef idx="2">
-            <a:schemeClr val="dk1"/>
-          </a:lnRef>
-          <a:fillRef idx="1">
-            <a:schemeClr val="lt1"/>
-          </a:fillRef>
-          <a:effectRef idx="0">
-            <a:schemeClr val="dk1"/>
-          </a:effectRef>
-          <a:fontRef idx="minor">
-            <a:schemeClr val="dk1"/>
-          </a:fontRef>
-        </p:style>
-        <p:txBody>
-          <a:bodyPr wrap="square" tIns="36000" bIns="36000" rtlCol="0" anchor="ctr">
-            <a:noAutofit/>
-          </a:bodyPr>
-          <a:lstStyle/>
-          <a:p>
-            <a:pPr algn="ctr"/>
-            <a:r>
-              <a:rPr lang="en-US" sz="1200" dirty="0">
-                <a:solidFill>
-                  <a:schemeClr val="bg1"/>
-                </a:solidFill>
-                <a:latin typeface="Source Sans Pro Light" charset="0"/>
-                <a:ea typeface="Source Sans Pro Light" charset="0"/>
-                <a:cs typeface="Source Sans Pro Light" charset="0"/>
-              </a:rPr>
-              <a:t>Display Driver</a:t>
-            </a:r>
-          </a:p>
-        </p:txBody>
-      </p:sp>
-      <p:sp>
-        <p:nvSpPr>
-          <p:cNvPr id="42" name="Rounded Rectangle 221">
-            <a:extLst>
-              <a:ext uri="{FF2B5EF4-FFF2-40B4-BE49-F238E27FC236}">
-                <a16:creationId xmlns:a16="http://schemas.microsoft.com/office/drawing/2014/main" id="{52D8D190-CAE6-B76B-38E3-623B37FC92B8}"/>
-              </a:ext>
-            </a:extLst>
-          </p:cNvPr>
-          <p:cNvSpPr/>
-          <p:nvPr/>
-        </p:nvSpPr>
-        <p:spPr>
-          <a:xfrm>
-            <a:off x="7264396" y="3590143"/>
-            <a:ext cx="712756" cy="366386"/>
-          </a:xfrm>
-          <a:prstGeom prst="roundRect">
-            <a:avLst>
-              <a:gd name="adj" fmla="val 13128"/>
-            </a:avLst>
-          </a:prstGeom>
-          <a:solidFill>
-            <a:schemeClr val="accent1"/>
-          </a:solidFill>
-          <a:ln w="12700">
-            <a:noFill/>
-          </a:ln>
-          <a:effectLst/>
-        </p:spPr>
-        <p:style>
-          <a:lnRef idx="2">
-            <a:schemeClr val="dk1"/>
-          </a:lnRef>
-          <a:fillRef idx="1">
-            <a:schemeClr val="lt1"/>
-          </a:fillRef>
-          <a:effectRef idx="0">
-            <a:schemeClr val="dk1"/>
-          </a:effectRef>
-          <a:fontRef idx="minor">
-            <a:schemeClr val="dk1"/>
-          </a:fontRef>
-        </p:style>
-        <p:txBody>
-          <a:bodyPr wrap="square" lIns="0" tIns="72000" rIns="0" bIns="36000" rtlCol="0" anchor="ctr">
-            <a:noAutofit/>
-          </a:bodyPr>
-          <a:lstStyle/>
-          <a:p>
-            <a:pPr algn="ctr">
-              <a:lnSpc>
-                <a:spcPts val="1000"/>
-              </a:lnSpc>
-            </a:pPr>
-            <a:r>
-              <a:rPr lang="en-US" sz="1100" dirty="0">
-                <a:solidFill>
-                  <a:schemeClr val="bg1"/>
-                </a:solidFill>
-                <a:latin typeface="Source Sans Pro Light" charset="0"/>
-                <a:ea typeface="Source Sans Pro Light" charset="0"/>
-                <a:cs typeface="Source Sans Pro Light" charset="0"/>
-              </a:rPr>
-              <a:t>Graphical Engine</a:t>
-            </a:r>
-          </a:p>
-        </p:txBody>
-      </p:sp>
-      <p:cxnSp>
-        <p:nvCxnSpPr>
-          <p:cNvPr id="43" name="Straight Connector 42">
-            <a:extLst>
-              <a:ext uri="{FF2B5EF4-FFF2-40B4-BE49-F238E27FC236}">
-                <a16:creationId xmlns:a16="http://schemas.microsoft.com/office/drawing/2014/main" id="{0C8E3F4E-ACEB-620A-BBD3-CE1C818BE16B}"/>
-              </a:ext>
-            </a:extLst>
-          </p:cNvPr>
-          <p:cNvCxnSpPr>
-            <a:cxnSpLocks/>
-          </p:cNvCxnSpPr>
-          <p:nvPr/>
-        </p:nvCxnSpPr>
-        <p:spPr>
-          <a:xfrm>
-            <a:off x="7264395" y="4038666"/>
-            <a:ext cx="712756" cy="0"/>
-          </a:xfrm>
-          <a:prstGeom prst="line">
-            <a:avLst/>
-          </a:prstGeom>
-          <a:ln w="38100" cap="rnd">
-            <a:solidFill>
-              <a:schemeClr val="accent1"/>
-            </a:solidFill>
-            <a:miter lim="800000"/>
-          </a:ln>
-        </p:spPr>
-        <p:style>
-          <a:lnRef idx="1">
-            <a:schemeClr val="accent1"/>
-          </a:lnRef>
-          <a:fillRef idx="0">
-            <a:schemeClr val="accent1"/>
-          </a:fillRef>
-          <a:effectRef idx="0">
-            <a:schemeClr val="accent1"/>
-          </a:effectRef>
-          <a:fontRef idx="minor">
-            <a:schemeClr val="tx1"/>
-          </a:fontRef>
-        </p:style>
-      </p:cxnSp>
-      <p:sp>
-        <p:nvSpPr>
-          <p:cNvPr id="33" name="Rounded Rectangle 87">
-            <a:extLst>
-              <a:ext uri="{FF2B5EF4-FFF2-40B4-BE49-F238E27FC236}">
-                <a16:creationId xmlns:a16="http://schemas.microsoft.com/office/drawing/2014/main" id="{EAD78B47-2750-0105-E7C4-9085126BDDB4}"/>
-              </a:ext>
-            </a:extLst>
-          </p:cNvPr>
-          <p:cNvSpPr/>
-          <p:nvPr/>
-        </p:nvSpPr>
-        <p:spPr>
-          <a:xfrm>
-            <a:off x="3895725" y="4209926"/>
-            <a:ext cx="1832964" cy="190126"/>
-          </a:xfrm>
-          <a:prstGeom prst="roundRect">
-            <a:avLst>
-              <a:gd name="adj" fmla="val 22586"/>
-            </a:avLst>
-          </a:prstGeom>
-          <a:solidFill>
-            <a:schemeClr val="bg2">
-              <a:lumMod val="75000"/>
-            </a:schemeClr>
-          </a:solidFill>
-          <a:ln w="12700">
-            <a:noFill/>
-          </a:ln>
-          <a:effectLst/>
-        </p:spPr>
-        <p:style>
-          <a:lnRef idx="2">
-            <a:schemeClr val="dk1"/>
-          </a:lnRef>
-          <a:fillRef idx="1">
-            <a:schemeClr val="lt1"/>
-          </a:fillRef>
-          <a:effectRef idx="0">
-            <a:schemeClr val="dk1"/>
-          </a:effectRef>
-          <a:fontRef idx="minor">
-            <a:schemeClr val="dk1"/>
-          </a:fontRef>
-        </p:style>
-        <p:txBody>
-          <a:bodyPr wrap="square" tIns="36000" bIns="36000" rtlCol="0" anchor="ctr">
-            <a:noAutofit/>
-          </a:bodyPr>
-          <a:lstStyle/>
-          <a:p>
-            <a:pPr algn="ctr"/>
-            <a:r>
-              <a:rPr lang="en-US" sz="1200" dirty="0">
-                <a:solidFill>
-                  <a:schemeClr val="bg1"/>
-                </a:solidFill>
-                <a:latin typeface="Source Sans Pro Light" charset="0"/>
-                <a:ea typeface="Source Sans Pro Light" charset="0"/>
-                <a:cs typeface="Source Sans Pro Light" charset="0"/>
-              </a:rPr>
-              <a:t>Drivers</a:t>
-            </a:r>
-          </a:p>
-        </p:txBody>
-      </p:sp>
-      <p:sp>
-        <p:nvSpPr>
-          <p:cNvPr id="49" name="Rounded Rectangle 34">
-            <a:extLst>
-              <a:ext uri="{FF2B5EF4-FFF2-40B4-BE49-F238E27FC236}">
-                <a16:creationId xmlns:a16="http://schemas.microsoft.com/office/drawing/2014/main" id="{6443DEA8-1D1A-7C09-A189-9F51FAB041B2}"/>
-              </a:ext>
-            </a:extLst>
-          </p:cNvPr>
-          <p:cNvSpPr/>
-          <p:nvPr/>
-        </p:nvSpPr>
-        <p:spPr>
-          <a:xfrm>
-            <a:off x="5771408" y="2423824"/>
-            <a:ext cx="1689841" cy="289727"/>
-          </a:xfrm>
-          <a:prstGeom prst="roundRect">
-            <a:avLst>
-              <a:gd name="adj" fmla="val 19644"/>
-            </a:avLst>
-          </a:prstGeom>
-          <a:solidFill>
-            <a:schemeClr val="bg1"/>
-          </a:solidFill>
-          <a:ln w="12700">
-            <a:noFill/>
-          </a:ln>
-          <a:effectLst/>
-        </p:spPr>
-        <p:style>
-          <a:lnRef idx="2">
-            <a:schemeClr val="dk1"/>
-          </a:lnRef>
-          <a:fillRef idx="1">
-            <a:schemeClr val="lt1"/>
-          </a:fillRef>
-          <a:effectRef idx="0">
-            <a:schemeClr val="dk1"/>
-          </a:effectRef>
-          <a:fontRef idx="minor">
-            <a:schemeClr val="dk1"/>
-          </a:fontRef>
-        </p:style>
-        <p:txBody>
-          <a:bodyPr wrap="square" lIns="36000" tIns="36000" rIns="36000" bIns="36000" rtlCol="0" anchor="ctr">
-            <a:noAutofit/>
-          </a:bodyPr>
-          <a:lstStyle/>
-          <a:p>
-            <a:pPr algn="ctr"/>
-            <a:r>
-              <a:rPr lang="en-US" sz="1200" dirty="0">
-                <a:solidFill>
-                  <a:schemeClr val="accent1"/>
-                </a:solidFill>
-                <a:latin typeface="Source Sans Pro Light" charset="0"/>
-                <a:ea typeface="Source Sans Pro Light" charset="0"/>
-                <a:cs typeface="Source Sans Pro Light" charset="0"/>
-              </a:rPr>
-              <a:t>Light Widget Framework</a:t>
-            </a:r>
-          </a:p>
-        </p:txBody>
-      </p:sp>
-      <p:sp>
-        <p:nvSpPr>
-          <p:cNvPr id="50" name="Rounded Rectangle 205">
-            <a:extLst>
-              <a:ext uri="{FF2B5EF4-FFF2-40B4-BE49-F238E27FC236}">
-                <a16:creationId xmlns:a16="http://schemas.microsoft.com/office/drawing/2014/main" id="{5E3FE30D-291F-CF0E-4148-3EFDEEFB3302}"/>
-              </a:ext>
-            </a:extLst>
-          </p:cNvPr>
-          <p:cNvSpPr/>
-          <p:nvPr/>
-        </p:nvSpPr>
-        <p:spPr>
-          <a:xfrm>
-            <a:off x="5463898" y="3737802"/>
-            <a:ext cx="632102" cy="306365"/>
-          </a:xfrm>
-          <a:prstGeom prst="roundRect">
-            <a:avLst>
-              <a:gd name="adj" fmla="val 13128"/>
-            </a:avLst>
-          </a:prstGeom>
-          <a:solidFill>
-            <a:schemeClr val="tx2"/>
-          </a:solidFill>
-          <a:ln w="12700">
-            <a:noFill/>
-          </a:ln>
-          <a:effectLst/>
-        </p:spPr>
-        <p:style>
-          <a:lnRef idx="2">
-            <a:schemeClr val="dk1"/>
-          </a:lnRef>
-          <a:fillRef idx="1">
-            <a:schemeClr val="lt1"/>
-          </a:fillRef>
-          <a:effectRef idx="0">
-            <a:schemeClr val="dk1"/>
-          </a:effectRef>
-          <a:fontRef idx="minor">
-            <a:schemeClr val="dk1"/>
-          </a:fontRef>
-        </p:style>
-        <p:txBody>
-          <a:bodyPr wrap="square" lIns="0" tIns="0" rIns="0" bIns="0" rtlCol="0" anchor="ctr">
-            <a:noAutofit/>
-          </a:bodyPr>
-          <a:lstStyle/>
-          <a:p>
-            <a:pPr algn="ctr"/>
-            <a:r>
-              <a:rPr lang="en-US" sz="1200" dirty="0">
-                <a:solidFill>
-                  <a:schemeClr val="bg1"/>
-                </a:solidFill>
-                <a:latin typeface="Source Sans Pro Light" charset="0"/>
-                <a:ea typeface="Source Sans Pro Light" charset="0"/>
-                <a:cs typeface="Source Sans Pro Light" charset="0"/>
-              </a:rPr>
-              <a:t>I/O</a:t>
-            </a:r>
-          </a:p>
-        </p:txBody>
-      </p:sp>
-      <p:sp>
-        <p:nvSpPr>
-          <p:cNvPr id="51" name="Rounded Rectangle 205">
-            <a:extLst>
-              <a:ext uri="{FF2B5EF4-FFF2-40B4-BE49-F238E27FC236}">
-                <a16:creationId xmlns:a16="http://schemas.microsoft.com/office/drawing/2014/main" id="{58DE5598-C3DB-6D1C-954B-402061A9DB2F}"/>
-              </a:ext>
-            </a:extLst>
-          </p:cNvPr>
-          <p:cNvSpPr/>
-          <p:nvPr/>
-        </p:nvSpPr>
-        <p:spPr>
-          <a:xfrm>
-            <a:off x="6169547" y="3743681"/>
-            <a:ext cx="1021301" cy="306365"/>
-          </a:xfrm>
-          <a:prstGeom prst="roundRect">
-            <a:avLst>
-              <a:gd name="adj" fmla="val 13128"/>
-            </a:avLst>
-          </a:prstGeom>
-          <a:solidFill>
-            <a:schemeClr val="tx2"/>
-          </a:solidFill>
-          <a:ln w="12700">
-            <a:noFill/>
-          </a:ln>
-          <a:effectLst/>
-        </p:spPr>
-        <p:style>
-          <a:lnRef idx="2">
-            <a:schemeClr val="dk1"/>
-          </a:lnRef>
-          <a:fillRef idx="1">
-            <a:schemeClr val="lt1"/>
-          </a:fillRef>
-          <a:effectRef idx="0">
-            <a:schemeClr val="dk1"/>
-          </a:effectRef>
-          <a:fontRef idx="minor">
-            <a:schemeClr val="dk1"/>
-          </a:fontRef>
-        </p:style>
-        <p:txBody>
-          <a:bodyPr wrap="square" lIns="0" tIns="0" rIns="0" bIns="0" rtlCol="0" anchor="ctr">
-            <a:noAutofit/>
-          </a:bodyPr>
-          <a:lstStyle/>
-          <a:p>
-            <a:pPr algn="ctr"/>
-            <a:r>
-              <a:rPr lang="en-US" sz="1100" dirty="0">
-                <a:solidFill>
-                  <a:schemeClr val="bg1"/>
-                </a:solidFill>
-                <a:latin typeface="Source Sans Pro Light" charset="0"/>
-                <a:ea typeface="Source Sans Pro Light" charset="0"/>
-                <a:cs typeface="Source Sans Pro Light" charset="0"/>
-              </a:rPr>
-              <a:t>Custom Drawings</a:t>
-            </a:r>
-          </a:p>
-        </p:txBody>
-      </p:sp>
+              </a:endParaRPr>
+            </a:p>
+          </p:txBody>
+        </p:sp>
+      </p:grpSp>
     </p:spTree>
     <p:extLst>
       <p:ext uri="{BB962C8B-B14F-4D97-AF65-F5344CB8AC3E}">
